--- a/SE401/Lectures/2-Software Quality/Software Quality.pptx
+++ b/SE401/Lectures/2-Software Quality/Software Quality.pptx
@@ -277,7 +277,7 @@
           <a:p>
             <a:fld id="{29DC965F-4EE6-424F-87B9-6E4E065EFA1D}" type="datetimeFigureOut">
               <a:rPr lang="en-US" smtClean="0"/>
-              <a:t>1/31/2021</a:t>
+              <a:t>9/7/2021</a:t>
             </a:fld>
             <a:endParaRPr lang="en-US"/>
           </a:p>
@@ -595,14 +595,14 @@
           <a:ln/>
           <a:extLst>
             <a:ext uri="{909E8E84-426E-40dd-AFC4-6F175D3DCCD1}">
-              <a14:hiddenFill xmlns:a14="http://schemas.microsoft.com/office/drawing/2010/main" xmlns="">
+              <a14:hiddenFill xmlns="" xmlns:a14="http://schemas.microsoft.com/office/drawing/2010/main">
                 <a:solidFill>
                   <a:srgbClr val="FFFFFF"/>
                 </a:solidFill>
               </a14:hiddenFill>
             </a:ext>
             <a:ext uri="{91240B29-F687-4f45-9708-019B960494DF}">
-              <a14:hiddenLine xmlns:a14="http://schemas.microsoft.com/office/drawing/2010/main" xmlns="" w="9525">
+              <a14:hiddenLine xmlns="" xmlns:a14="http://schemas.microsoft.com/office/drawing/2010/main" w="9525">
                 <a:solidFill>
                   <a:srgbClr val="000000"/>
                 </a:solidFill>
@@ -640,14 +640,14 @@
           <a:ln/>
           <a:extLst>
             <a:ext uri="{909E8E84-426E-40dd-AFC4-6F175D3DCCD1}">
-              <a14:hiddenFill xmlns:a14="http://schemas.microsoft.com/office/drawing/2010/main" xmlns="">
+              <a14:hiddenFill xmlns="" xmlns:a14="http://schemas.microsoft.com/office/drawing/2010/main">
                 <a:solidFill>
                   <a:srgbClr val="FFFFFF"/>
                 </a:solidFill>
               </a14:hiddenFill>
             </a:ext>
             <a:ext uri="{91240B29-F687-4f45-9708-019B960494DF}">
-              <a14:hiddenLine xmlns:a14="http://schemas.microsoft.com/office/drawing/2010/main" xmlns="" w="9525">
+              <a14:hiddenLine xmlns="" xmlns:a14="http://schemas.microsoft.com/office/drawing/2010/main" w="9525">
                 <a:solidFill>
                   <a:srgbClr val="000000"/>
                 </a:solidFill>
@@ -792,14 +792,14 @@
           <a:ln/>
           <a:extLst>
             <a:ext uri="{909E8E84-426E-40dd-AFC4-6F175D3DCCD1}">
-              <a14:hiddenFill xmlns:a14="http://schemas.microsoft.com/office/drawing/2010/main" xmlns="">
+              <a14:hiddenFill xmlns="" xmlns:a14="http://schemas.microsoft.com/office/drawing/2010/main">
                 <a:solidFill>
                   <a:srgbClr val="FFFFFF"/>
                 </a:solidFill>
               </a14:hiddenFill>
             </a:ext>
             <a:ext uri="{91240B29-F687-4f45-9708-019B960494DF}">
-              <a14:hiddenLine xmlns:a14="http://schemas.microsoft.com/office/drawing/2010/main" xmlns="" w="9525">
+              <a14:hiddenLine xmlns="" xmlns:a14="http://schemas.microsoft.com/office/drawing/2010/main" w="9525">
                 <a:solidFill>
                   <a:srgbClr val="000000"/>
                 </a:solidFill>
@@ -943,14 +943,14 @@
           <a:ln/>
           <a:extLst>
             <a:ext uri="{909E8E84-426E-40dd-AFC4-6F175D3DCCD1}">
-              <a14:hiddenFill xmlns:a14="http://schemas.microsoft.com/office/drawing/2010/main" xmlns="">
+              <a14:hiddenFill xmlns="" xmlns:a14="http://schemas.microsoft.com/office/drawing/2010/main">
                 <a:solidFill>
                   <a:srgbClr val="FFFFFF"/>
                 </a:solidFill>
               </a14:hiddenFill>
             </a:ext>
             <a:ext uri="{91240B29-F687-4f45-9708-019B960494DF}">
-              <a14:hiddenLine xmlns:a14="http://schemas.microsoft.com/office/drawing/2010/main" xmlns="" w="9525">
+              <a14:hiddenLine xmlns="" xmlns:a14="http://schemas.microsoft.com/office/drawing/2010/main" w="9525">
                 <a:solidFill>
                   <a:srgbClr val="000000"/>
                 </a:solidFill>
@@ -1345,14 +1345,14 @@
           </a:ln>
           <a:extLst>
             <a:ext uri="{909E8E84-426E-40dd-AFC4-6F175D3DCCD1}">
-              <a14:hiddenFill xmlns:a14="http://schemas.microsoft.com/office/drawing/2010/main" xmlns="">
+              <a14:hiddenFill xmlns="" xmlns:a14="http://schemas.microsoft.com/office/drawing/2010/main">
                 <a:solidFill>
                   <a:srgbClr val="FFFFFF"/>
                 </a:solidFill>
               </a14:hiddenFill>
             </a:ext>
             <a:ext uri="{FAA26D3D-D897-4be2-8F04-BA451C77F1D7}">
-              <ma14:placeholderFlag xmlns:ma14="http://schemas.microsoft.com/office/mac/drawingml/2011/main" xmlns="" val="1"/>
+              <ma14:placeholderFlag xmlns="" xmlns:ma14="http://schemas.microsoft.com/office/mac/drawingml/2011/main" val="1"/>
             </a:ext>
           </a:extLst>
         </p:spPr>
@@ -1371,14 +1371,14 @@
           <a:noFill/>
           <a:extLst>
             <a:ext uri="{909E8E84-426E-40dd-AFC4-6F175D3DCCD1}">
-              <a14:hiddenFill xmlns:a14="http://schemas.microsoft.com/office/drawing/2010/main" xmlns="">
+              <a14:hiddenFill xmlns="" xmlns:a14="http://schemas.microsoft.com/office/drawing/2010/main">
                 <a:solidFill>
                   <a:srgbClr val="FFFFFF"/>
                 </a:solidFill>
               </a14:hiddenFill>
             </a:ext>
             <a:ext uri="{91240B29-F687-4f45-9708-019B960494DF}">
-              <a14:hiddenLine xmlns:a14="http://schemas.microsoft.com/office/drawing/2010/main" xmlns="" w="9525">
+              <a14:hiddenLine xmlns="" xmlns:a14="http://schemas.microsoft.com/office/drawing/2010/main" w="9525">
                 <a:solidFill>
                   <a:srgbClr val="000000"/>
                 </a:solidFill>
@@ -1388,7 +1388,7 @@
               </a14:hiddenLine>
             </a:ext>
             <a:ext uri="{FAA26D3D-D897-4be2-8F04-BA451C77F1D7}">
-              <ma14:placeholderFlag xmlns:ma14="http://schemas.microsoft.com/office/mac/drawingml/2011/main" xmlns="" val="1"/>
+              <ma14:placeholderFlag xmlns="" xmlns:ma14="http://schemas.microsoft.com/office/mac/drawingml/2011/main" val="1"/>
             </a:ext>
           </a:extLst>
         </p:spPr>
@@ -1495,14 +1495,14 @@
           </a:ln>
           <a:extLst>
             <a:ext uri="{909E8E84-426E-40dd-AFC4-6F175D3DCCD1}">
-              <a14:hiddenFill xmlns:a14="http://schemas.microsoft.com/office/drawing/2010/main" xmlns="">
+              <a14:hiddenFill xmlns="" xmlns:a14="http://schemas.microsoft.com/office/drawing/2010/main">
                 <a:solidFill>
                   <a:srgbClr val="FFFFFF"/>
                 </a:solidFill>
               </a14:hiddenFill>
             </a:ext>
             <a:ext uri="{FAA26D3D-D897-4be2-8F04-BA451C77F1D7}">
-              <ma14:placeholderFlag xmlns:ma14="http://schemas.microsoft.com/office/mac/drawingml/2011/main" xmlns="" val="1"/>
+              <ma14:placeholderFlag xmlns="" xmlns:ma14="http://schemas.microsoft.com/office/mac/drawingml/2011/main" val="1"/>
             </a:ext>
           </a:extLst>
         </p:spPr>
@@ -1521,14 +1521,14 @@
           <a:noFill/>
           <a:extLst>
             <a:ext uri="{909E8E84-426E-40dd-AFC4-6F175D3DCCD1}">
-              <a14:hiddenFill xmlns:a14="http://schemas.microsoft.com/office/drawing/2010/main" xmlns="">
+              <a14:hiddenFill xmlns="" xmlns:a14="http://schemas.microsoft.com/office/drawing/2010/main">
                 <a:solidFill>
                   <a:srgbClr val="FFFFFF"/>
                 </a:solidFill>
               </a14:hiddenFill>
             </a:ext>
             <a:ext uri="{91240B29-F687-4f45-9708-019B960494DF}">
-              <a14:hiddenLine xmlns:a14="http://schemas.microsoft.com/office/drawing/2010/main" xmlns="" w="9525">
+              <a14:hiddenLine xmlns="" xmlns:a14="http://schemas.microsoft.com/office/drawing/2010/main" w="9525">
                 <a:solidFill>
                   <a:srgbClr val="000000"/>
                 </a:solidFill>
@@ -1538,7 +1538,7 @@
               </a14:hiddenLine>
             </a:ext>
             <a:ext uri="{FAA26D3D-D897-4be2-8F04-BA451C77F1D7}">
-              <ma14:placeholderFlag xmlns:ma14="http://schemas.microsoft.com/office/mac/drawingml/2011/main" xmlns="" val="1"/>
+              <ma14:placeholderFlag xmlns="" xmlns:ma14="http://schemas.microsoft.com/office/mac/drawingml/2011/main" val="1"/>
             </a:ext>
           </a:extLst>
         </p:spPr>
@@ -1638,14 +1638,14 @@
           <a:ln/>
           <a:extLst>
             <a:ext uri="{909E8E84-426E-40dd-AFC4-6F175D3DCCD1}">
-              <a14:hiddenFill xmlns:a14="http://schemas.microsoft.com/office/drawing/2010/main" xmlns="">
+              <a14:hiddenFill xmlns="" xmlns:a14="http://schemas.microsoft.com/office/drawing/2010/main">
                 <a:solidFill>
                   <a:srgbClr val="FFFFFF"/>
                 </a:solidFill>
               </a14:hiddenFill>
             </a:ext>
             <a:ext uri="{91240B29-F687-4f45-9708-019B960494DF}">
-              <a14:hiddenLine xmlns:a14="http://schemas.microsoft.com/office/drawing/2010/main" xmlns="" w="9525">
+              <a14:hiddenLine xmlns="" xmlns:a14="http://schemas.microsoft.com/office/drawing/2010/main" w="9525">
                 <a:solidFill>
                   <a:srgbClr val="000000"/>
                 </a:solidFill>
@@ -1655,7 +1655,7 @@
               </a14:hiddenLine>
             </a:ext>
             <a:ext uri="{FAA26D3D-D897-4be2-8F04-BA451C77F1D7}">
-              <ma14:placeholderFlag xmlns:ma14="http://schemas.microsoft.com/office/mac/drawingml/2011/main" xmlns="" val="1"/>
+              <ma14:placeholderFlag xmlns="" xmlns:ma14="http://schemas.microsoft.com/office/mac/drawingml/2011/main" val="1"/>
             </a:ext>
           </a:extLst>
         </p:spPr>
@@ -1700,14 +1700,14 @@
           <a:ln/>
           <a:extLst>
             <a:ext uri="{909E8E84-426E-40dd-AFC4-6F175D3DCCD1}">
-              <a14:hiddenFill xmlns:a14="http://schemas.microsoft.com/office/drawing/2010/main" xmlns="">
+              <a14:hiddenFill xmlns="" xmlns:a14="http://schemas.microsoft.com/office/drawing/2010/main">
                 <a:solidFill>
                   <a:srgbClr val="FFFFFF"/>
                 </a:solidFill>
               </a14:hiddenFill>
             </a:ext>
             <a:ext uri="{91240B29-F687-4f45-9708-019B960494DF}">
-              <a14:hiddenLine xmlns:a14="http://schemas.microsoft.com/office/drawing/2010/main" xmlns="" w="9525">
+              <a14:hiddenLine xmlns="" xmlns:a14="http://schemas.microsoft.com/office/drawing/2010/main" w="9525">
                 <a:solidFill>
                   <a:srgbClr val="000000"/>
                 </a:solidFill>
@@ -1852,14 +1852,14 @@
           <a:ln/>
           <a:extLst>
             <a:ext uri="{909E8E84-426E-40dd-AFC4-6F175D3DCCD1}">
-              <a14:hiddenFill xmlns:a14="http://schemas.microsoft.com/office/drawing/2010/main" xmlns="">
+              <a14:hiddenFill xmlns="" xmlns:a14="http://schemas.microsoft.com/office/drawing/2010/main">
                 <a:solidFill>
                   <a:srgbClr val="FFFFFF"/>
                 </a:solidFill>
               </a14:hiddenFill>
             </a:ext>
             <a:ext uri="{91240B29-F687-4f45-9708-019B960494DF}">
-              <a14:hiddenLine xmlns:a14="http://schemas.microsoft.com/office/drawing/2010/main" xmlns="" w="9525">
+              <a14:hiddenLine xmlns="" xmlns:a14="http://schemas.microsoft.com/office/drawing/2010/main" w="9525">
                 <a:solidFill>
                   <a:srgbClr val="000000"/>
                 </a:solidFill>
@@ -2003,14 +2003,14 @@
           <a:ln/>
           <a:extLst>
             <a:ext uri="{909E8E84-426E-40dd-AFC4-6F175D3DCCD1}">
-              <a14:hiddenFill xmlns:a14="http://schemas.microsoft.com/office/drawing/2010/main" xmlns="">
+              <a14:hiddenFill xmlns="" xmlns:a14="http://schemas.microsoft.com/office/drawing/2010/main">
                 <a:solidFill>
                   <a:srgbClr val="FFFFFF"/>
                 </a:solidFill>
               </a14:hiddenFill>
             </a:ext>
             <a:ext uri="{91240B29-F687-4f45-9708-019B960494DF}">
-              <a14:hiddenLine xmlns:a14="http://schemas.microsoft.com/office/drawing/2010/main" xmlns="" w="9525">
+              <a14:hiddenLine xmlns="" xmlns:a14="http://schemas.microsoft.com/office/drawing/2010/main" w="9525">
                 <a:solidFill>
                   <a:srgbClr val="000000"/>
                 </a:solidFill>
@@ -2222,14 +2222,14 @@
           <a:ln/>
           <a:extLst>
             <a:ext uri="{909E8E84-426E-40dd-AFC4-6F175D3DCCD1}">
-              <a14:hiddenFill xmlns:a14="http://schemas.microsoft.com/office/drawing/2010/main" xmlns="">
+              <a14:hiddenFill xmlns="" xmlns:a14="http://schemas.microsoft.com/office/drawing/2010/main">
                 <a:solidFill>
                   <a:srgbClr val="FFFFFF"/>
                 </a:solidFill>
               </a14:hiddenFill>
             </a:ext>
             <a:ext uri="{91240B29-F687-4f45-9708-019B960494DF}">
-              <a14:hiddenLine xmlns:a14="http://schemas.microsoft.com/office/drawing/2010/main" xmlns="" w="9525">
+              <a14:hiddenLine xmlns="" xmlns:a14="http://schemas.microsoft.com/office/drawing/2010/main" w="9525">
                 <a:solidFill>
                   <a:srgbClr val="000000"/>
                 </a:solidFill>
@@ -2239,7 +2239,7 @@
               </a14:hiddenLine>
             </a:ext>
             <a:ext uri="{FAA26D3D-D897-4be2-8F04-BA451C77F1D7}">
-              <ma14:placeholderFlag xmlns:ma14="http://schemas.microsoft.com/office/mac/drawingml/2011/main" xmlns="" val="1"/>
+              <ma14:placeholderFlag xmlns="" xmlns:ma14="http://schemas.microsoft.com/office/mac/drawingml/2011/main" val="1"/>
             </a:ext>
           </a:extLst>
         </p:spPr>
@@ -2288,14 +2288,14 @@
           <a:ln/>
           <a:extLst>
             <a:ext uri="{909E8E84-426E-40dd-AFC4-6F175D3DCCD1}">
-              <a14:hiddenFill xmlns:a14="http://schemas.microsoft.com/office/drawing/2010/main" xmlns="">
+              <a14:hiddenFill xmlns="" xmlns:a14="http://schemas.microsoft.com/office/drawing/2010/main">
                 <a:solidFill>
                   <a:srgbClr val="FFFFFF"/>
                 </a:solidFill>
               </a14:hiddenFill>
             </a:ext>
             <a:ext uri="{91240B29-F687-4f45-9708-019B960494DF}">
-              <a14:hiddenLine xmlns:a14="http://schemas.microsoft.com/office/drawing/2010/main" xmlns="" w="9525">
+              <a14:hiddenLine xmlns="" xmlns:a14="http://schemas.microsoft.com/office/drawing/2010/main" w="9525">
                 <a:solidFill>
                   <a:srgbClr val="000000"/>
                 </a:solidFill>
@@ -2440,14 +2440,14 @@
           <a:ln/>
           <a:extLst>
             <a:ext uri="{909E8E84-426E-40dd-AFC4-6F175D3DCCD1}">
-              <a14:hiddenFill xmlns:a14="http://schemas.microsoft.com/office/drawing/2010/main" xmlns="">
+              <a14:hiddenFill xmlns="" xmlns:a14="http://schemas.microsoft.com/office/drawing/2010/main">
                 <a:solidFill>
                   <a:srgbClr val="FFFFFF"/>
                 </a:solidFill>
               </a14:hiddenFill>
             </a:ext>
             <a:ext uri="{91240B29-F687-4f45-9708-019B960494DF}">
-              <a14:hiddenLine xmlns:a14="http://schemas.microsoft.com/office/drawing/2010/main" xmlns="" w="9525">
+              <a14:hiddenLine xmlns="" xmlns:a14="http://schemas.microsoft.com/office/drawing/2010/main" w="9525">
                 <a:solidFill>
                   <a:srgbClr val="000000"/>
                 </a:solidFill>
@@ -2591,14 +2591,14 @@
           <a:ln/>
           <a:extLst>
             <a:ext uri="{909E8E84-426E-40dd-AFC4-6F175D3DCCD1}">
-              <a14:hiddenFill xmlns:a14="http://schemas.microsoft.com/office/drawing/2010/main" xmlns="">
+              <a14:hiddenFill xmlns="" xmlns:a14="http://schemas.microsoft.com/office/drawing/2010/main">
                 <a:solidFill>
                   <a:srgbClr val="FFFFFF"/>
                 </a:solidFill>
               </a14:hiddenFill>
             </a:ext>
             <a:ext uri="{91240B29-F687-4f45-9708-019B960494DF}">
-              <a14:hiddenLine xmlns:a14="http://schemas.microsoft.com/office/drawing/2010/main" xmlns="" w="9525">
+              <a14:hiddenLine xmlns="" xmlns:a14="http://schemas.microsoft.com/office/drawing/2010/main" w="9525">
                 <a:solidFill>
                   <a:srgbClr val="000000"/>
                 </a:solidFill>
@@ -2828,14 +2828,14 @@
           <a:ln/>
           <a:extLst>
             <a:ext uri="{909E8E84-426E-40dd-AFC4-6F175D3DCCD1}">
-              <a14:hiddenFill xmlns:a14="http://schemas.microsoft.com/office/drawing/2010/main" xmlns="">
+              <a14:hiddenFill xmlns="" xmlns:a14="http://schemas.microsoft.com/office/drawing/2010/main">
                 <a:solidFill>
                   <a:srgbClr val="FFFFFF"/>
                 </a:solidFill>
               </a14:hiddenFill>
             </a:ext>
             <a:ext uri="{91240B29-F687-4f45-9708-019B960494DF}">
-              <a14:hiddenLine xmlns:a14="http://schemas.microsoft.com/office/drawing/2010/main" xmlns="" w="9525">
+              <a14:hiddenLine xmlns="" xmlns:a14="http://schemas.microsoft.com/office/drawing/2010/main" w="9525">
                 <a:solidFill>
                   <a:srgbClr val="000000"/>
                 </a:solidFill>
@@ -2878,14 +2878,14 @@
           <a:ln/>
           <a:extLst>
             <a:ext uri="{909E8E84-426E-40dd-AFC4-6F175D3DCCD1}">
-              <a14:hiddenFill xmlns:a14="http://schemas.microsoft.com/office/drawing/2010/main" xmlns="">
+              <a14:hiddenFill xmlns="" xmlns:a14="http://schemas.microsoft.com/office/drawing/2010/main">
                 <a:solidFill>
                   <a:srgbClr val="FFFFFF"/>
                 </a:solidFill>
               </a14:hiddenFill>
             </a:ext>
             <a:ext uri="{91240B29-F687-4f45-9708-019B960494DF}">
-              <a14:hiddenLine xmlns:a14="http://schemas.microsoft.com/office/drawing/2010/main" xmlns="" w="9525">
+              <a14:hiddenLine xmlns="" xmlns:a14="http://schemas.microsoft.com/office/drawing/2010/main" w="9525">
                 <a:solidFill>
                   <a:srgbClr val="000000"/>
                 </a:solidFill>
@@ -3030,14 +3030,14 @@
           <a:ln/>
           <a:extLst>
             <a:ext uri="{909E8E84-426E-40dd-AFC4-6F175D3DCCD1}">
-              <a14:hiddenFill xmlns:a14="http://schemas.microsoft.com/office/drawing/2010/main" xmlns="">
+              <a14:hiddenFill xmlns="" xmlns:a14="http://schemas.microsoft.com/office/drawing/2010/main">
                 <a:solidFill>
                   <a:srgbClr val="FFFFFF"/>
                 </a:solidFill>
               </a14:hiddenFill>
             </a:ext>
             <a:ext uri="{91240B29-F687-4f45-9708-019B960494DF}">
-              <a14:hiddenLine xmlns:a14="http://schemas.microsoft.com/office/drawing/2010/main" xmlns="" w="9525">
+              <a14:hiddenLine xmlns="" xmlns:a14="http://schemas.microsoft.com/office/drawing/2010/main" w="9525">
                 <a:solidFill>
                   <a:srgbClr val="000000"/>
                 </a:solidFill>
@@ -3182,14 +3182,14 @@
           <a:ln/>
           <a:extLst>
             <a:ext uri="{909E8E84-426E-40dd-AFC4-6F175D3DCCD1}">
-              <a14:hiddenFill xmlns:a14="http://schemas.microsoft.com/office/drawing/2010/main" xmlns="">
+              <a14:hiddenFill xmlns="" xmlns:a14="http://schemas.microsoft.com/office/drawing/2010/main">
                 <a:solidFill>
                   <a:srgbClr val="FFFFFF"/>
                 </a:solidFill>
               </a14:hiddenFill>
             </a:ext>
             <a:ext uri="{91240B29-F687-4f45-9708-019B960494DF}">
-              <a14:hiddenLine xmlns:a14="http://schemas.microsoft.com/office/drawing/2010/main" xmlns="" w="9525">
+              <a14:hiddenLine xmlns="" xmlns:a14="http://schemas.microsoft.com/office/drawing/2010/main" w="9525">
                 <a:solidFill>
                   <a:srgbClr val="000000"/>
                 </a:solidFill>
@@ -3408,14 +3408,14 @@
           </a:ln>
           <a:extLst>
             <a:ext uri="{909E8E84-426E-40dd-AFC4-6F175D3DCCD1}">
-              <a14:hiddenFill xmlns:a14="http://schemas.microsoft.com/office/drawing/2010/main" xmlns="">
+              <a14:hiddenFill xmlns="" xmlns:a14="http://schemas.microsoft.com/office/drawing/2010/main">
                 <a:solidFill>
                   <a:srgbClr val="FFFFFF"/>
                 </a:solidFill>
               </a14:hiddenFill>
             </a:ext>
             <a:ext uri="{FAA26D3D-D897-4be2-8F04-BA451C77F1D7}">
-              <ma14:placeholderFlag xmlns:ma14="http://schemas.microsoft.com/office/mac/drawingml/2011/main" xmlns="" val="1"/>
+              <ma14:placeholderFlag xmlns="" xmlns:ma14="http://schemas.microsoft.com/office/mac/drawingml/2011/main" val="1"/>
             </a:ext>
           </a:extLst>
         </p:spPr>
@@ -3434,14 +3434,14 @@
           <a:noFill/>
           <a:extLst>
             <a:ext uri="{909E8E84-426E-40dd-AFC4-6F175D3DCCD1}">
-              <a14:hiddenFill xmlns:a14="http://schemas.microsoft.com/office/drawing/2010/main" xmlns="">
+              <a14:hiddenFill xmlns="" xmlns:a14="http://schemas.microsoft.com/office/drawing/2010/main">
                 <a:solidFill>
                   <a:srgbClr val="FFFFFF"/>
                 </a:solidFill>
               </a14:hiddenFill>
             </a:ext>
             <a:ext uri="{91240B29-F687-4f45-9708-019B960494DF}">
-              <a14:hiddenLine xmlns:a14="http://schemas.microsoft.com/office/drawing/2010/main" xmlns="" w="9525">
+              <a14:hiddenLine xmlns="" xmlns:a14="http://schemas.microsoft.com/office/drawing/2010/main" w="9525">
                 <a:solidFill>
                   <a:srgbClr val="000000"/>
                 </a:solidFill>
@@ -3451,7 +3451,7 @@
               </a14:hiddenLine>
             </a:ext>
             <a:ext uri="{FAA26D3D-D897-4be2-8F04-BA451C77F1D7}">
-              <ma14:placeholderFlag xmlns:ma14="http://schemas.microsoft.com/office/mac/drawingml/2011/main" xmlns="" val="1"/>
+              <ma14:placeholderFlag xmlns="" xmlns:ma14="http://schemas.microsoft.com/office/mac/drawingml/2011/main" val="1"/>
             </a:ext>
           </a:extLst>
         </p:spPr>
@@ -3558,14 +3558,14 @@
           </a:ln>
           <a:extLst>
             <a:ext uri="{909E8E84-426E-40dd-AFC4-6F175D3DCCD1}">
-              <a14:hiddenFill xmlns:a14="http://schemas.microsoft.com/office/drawing/2010/main" xmlns="">
+              <a14:hiddenFill xmlns="" xmlns:a14="http://schemas.microsoft.com/office/drawing/2010/main">
                 <a:solidFill>
                   <a:srgbClr val="FFFFFF"/>
                 </a:solidFill>
               </a14:hiddenFill>
             </a:ext>
             <a:ext uri="{91240B29-F687-4f45-9708-019B960494DF}">
-              <a14:hiddenLine xmlns:a14="http://schemas.microsoft.com/office/drawing/2010/main" xmlns="" w="9525">
+              <a14:hiddenLine xmlns="" xmlns:a14="http://schemas.microsoft.com/office/drawing/2010/main" w="9525">
                 <a:solidFill>
                   <a:srgbClr val="000000"/>
                 </a:solidFill>
@@ -3727,14 +3727,14 @@
           </a:ln>
           <a:extLst>
             <a:ext uri="{909E8E84-426E-40dd-AFC4-6F175D3DCCD1}">
-              <a14:hiddenFill xmlns:a14="http://schemas.microsoft.com/office/drawing/2010/main" xmlns="">
+              <a14:hiddenFill xmlns="" xmlns:a14="http://schemas.microsoft.com/office/drawing/2010/main">
                 <a:solidFill>
                   <a:srgbClr val="FFFFFF"/>
                 </a:solidFill>
               </a14:hiddenFill>
             </a:ext>
             <a:ext uri="{FAA26D3D-D897-4be2-8F04-BA451C77F1D7}">
-              <ma14:placeholderFlag xmlns:ma14="http://schemas.microsoft.com/office/mac/drawingml/2011/main" xmlns="" val="1"/>
+              <ma14:placeholderFlag xmlns="" xmlns:ma14="http://schemas.microsoft.com/office/mac/drawingml/2011/main" val="1"/>
             </a:ext>
           </a:extLst>
         </p:spPr>
@@ -3783,14 +3783,14 @@
           </a:ln>
           <a:extLst>
             <a:ext uri="{909E8E84-426E-40dd-AFC4-6F175D3DCCD1}">
-              <a14:hiddenFill xmlns:a14="http://schemas.microsoft.com/office/drawing/2010/main" xmlns="">
+              <a14:hiddenFill xmlns="" xmlns:a14="http://schemas.microsoft.com/office/drawing/2010/main">
                 <a:solidFill>
                   <a:srgbClr val="FFFFFF"/>
                 </a:solidFill>
               </a14:hiddenFill>
             </a:ext>
             <a:ext uri="{FAA26D3D-D897-4be2-8F04-BA451C77F1D7}">
-              <ma14:placeholderFlag xmlns:ma14="http://schemas.microsoft.com/office/mac/drawingml/2011/main" xmlns="" val="1"/>
+              <ma14:placeholderFlag xmlns="" xmlns:ma14="http://schemas.microsoft.com/office/mac/drawingml/2011/main" val="1"/>
             </a:ext>
           </a:extLst>
         </p:spPr>
@@ -3972,14 +3972,14 @@
           </a:ln>
           <a:extLst>
             <a:ext uri="{909E8E84-426E-40dd-AFC4-6F175D3DCCD1}">
-              <a14:hiddenFill xmlns:a14="http://schemas.microsoft.com/office/drawing/2010/main" xmlns="">
+              <a14:hiddenFill xmlns="" xmlns:a14="http://schemas.microsoft.com/office/drawing/2010/main">
                 <a:solidFill>
                   <a:srgbClr val="FFFFFF"/>
                 </a:solidFill>
               </a14:hiddenFill>
             </a:ext>
             <a:ext uri="{FAA26D3D-D897-4be2-8F04-BA451C77F1D7}">
-              <ma14:placeholderFlag xmlns:ma14="http://schemas.microsoft.com/office/mac/drawingml/2011/main" xmlns="" val="1"/>
+              <ma14:placeholderFlag xmlns="" xmlns:ma14="http://schemas.microsoft.com/office/mac/drawingml/2011/main" val="1"/>
             </a:ext>
           </a:extLst>
         </p:spPr>
@@ -4010,14 +4010,14 @@
           </a:ln>
           <a:extLst>
             <a:ext uri="{909E8E84-426E-40dd-AFC4-6F175D3DCCD1}">
-              <a14:hiddenFill xmlns:a14="http://schemas.microsoft.com/office/drawing/2010/main" xmlns="">
+              <a14:hiddenFill xmlns="" xmlns:a14="http://schemas.microsoft.com/office/drawing/2010/main">
                 <a:solidFill>
                   <a:srgbClr val="FFFFFF"/>
                 </a:solidFill>
               </a14:hiddenFill>
             </a:ext>
             <a:ext uri="{FAA26D3D-D897-4be2-8F04-BA451C77F1D7}">
-              <ma14:placeholderFlag xmlns:ma14="http://schemas.microsoft.com/office/mac/drawingml/2011/main" xmlns="" val="1"/>
+              <ma14:placeholderFlag xmlns="" xmlns:ma14="http://schemas.microsoft.com/office/mac/drawingml/2011/main" val="1"/>
             </a:ext>
           </a:extLst>
         </p:spPr>
@@ -4361,14 +4361,14 @@
           <a:ln/>
           <a:extLst>
             <a:ext uri="{909E8E84-426E-40dd-AFC4-6F175D3DCCD1}">
-              <a14:hiddenFill xmlns:a14="http://schemas.microsoft.com/office/drawing/2010/main" xmlns="">
+              <a14:hiddenFill xmlns="" xmlns:a14="http://schemas.microsoft.com/office/drawing/2010/main">
                 <a:solidFill>
                   <a:srgbClr val="FFFFFF"/>
                 </a:solidFill>
               </a14:hiddenFill>
             </a:ext>
             <a:ext uri="{91240B29-F687-4f45-9708-019B960494DF}">
-              <a14:hiddenLine xmlns:a14="http://schemas.microsoft.com/office/drawing/2010/main" xmlns="" w="9525">
+              <a14:hiddenLine xmlns="" xmlns:a14="http://schemas.microsoft.com/office/drawing/2010/main" w="9525">
                 <a:solidFill>
                   <a:srgbClr val="000000"/>
                 </a:solidFill>
@@ -4513,14 +4513,14 @@
           <a:ln/>
           <a:extLst>
             <a:ext uri="{909E8E84-426E-40dd-AFC4-6F175D3DCCD1}">
-              <a14:hiddenFill xmlns:a14="http://schemas.microsoft.com/office/drawing/2010/main" xmlns="">
+              <a14:hiddenFill xmlns="" xmlns:a14="http://schemas.microsoft.com/office/drawing/2010/main">
                 <a:solidFill>
                   <a:srgbClr val="FFFFFF"/>
                 </a:solidFill>
               </a14:hiddenFill>
             </a:ext>
             <a:ext uri="{91240B29-F687-4f45-9708-019B960494DF}">
-              <a14:hiddenLine xmlns:a14="http://schemas.microsoft.com/office/drawing/2010/main" xmlns="" w="9525">
+              <a14:hiddenLine xmlns="" xmlns:a14="http://schemas.microsoft.com/office/drawing/2010/main" w="9525">
                 <a:solidFill>
                   <a:srgbClr val="000000"/>
                 </a:solidFill>
@@ -4665,14 +4665,14 @@
           <a:ln/>
           <a:extLst>
             <a:ext uri="{909E8E84-426E-40dd-AFC4-6F175D3DCCD1}">
-              <a14:hiddenFill xmlns:a14="http://schemas.microsoft.com/office/drawing/2010/main" xmlns="">
+              <a14:hiddenFill xmlns="" xmlns:a14="http://schemas.microsoft.com/office/drawing/2010/main">
                 <a:solidFill>
                   <a:srgbClr val="FFFFFF"/>
                 </a:solidFill>
               </a14:hiddenFill>
             </a:ext>
             <a:ext uri="{91240B29-F687-4f45-9708-019B960494DF}">
-              <a14:hiddenLine xmlns:a14="http://schemas.microsoft.com/office/drawing/2010/main" xmlns="" w="9525">
+              <a14:hiddenLine xmlns="" xmlns:a14="http://schemas.microsoft.com/office/drawing/2010/main" w="9525">
                 <a:solidFill>
                   <a:srgbClr val="000000"/>
                 </a:solidFill>
@@ -4891,14 +4891,14 @@
           </a:ln>
           <a:extLst>
             <a:ext uri="{909E8E84-426E-40dd-AFC4-6F175D3DCCD1}">
-              <a14:hiddenFill xmlns:a14="http://schemas.microsoft.com/office/drawing/2010/main" xmlns="">
+              <a14:hiddenFill xmlns="" xmlns:a14="http://schemas.microsoft.com/office/drawing/2010/main">
                 <a:solidFill>
                   <a:srgbClr val="FFFFFF"/>
                 </a:solidFill>
               </a14:hiddenFill>
             </a:ext>
             <a:ext uri="{FAA26D3D-D897-4be2-8F04-BA451C77F1D7}">
-              <ma14:placeholderFlag xmlns:ma14="http://schemas.microsoft.com/office/mac/drawingml/2011/main" xmlns="" val="1"/>
+              <ma14:placeholderFlag xmlns="" xmlns:ma14="http://schemas.microsoft.com/office/mac/drawingml/2011/main" val="1"/>
             </a:ext>
           </a:extLst>
         </p:spPr>
@@ -4917,14 +4917,14 @@
           <a:noFill/>
           <a:extLst>
             <a:ext uri="{909E8E84-426E-40dd-AFC4-6F175D3DCCD1}">
-              <a14:hiddenFill xmlns:a14="http://schemas.microsoft.com/office/drawing/2010/main" xmlns="">
+              <a14:hiddenFill xmlns="" xmlns:a14="http://schemas.microsoft.com/office/drawing/2010/main">
                 <a:solidFill>
                   <a:srgbClr val="FFFFFF"/>
                 </a:solidFill>
               </a14:hiddenFill>
             </a:ext>
             <a:ext uri="{91240B29-F687-4f45-9708-019B960494DF}">
-              <a14:hiddenLine xmlns:a14="http://schemas.microsoft.com/office/drawing/2010/main" xmlns="" w="9525">
+              <a14:hiddenLine xmlns="" xmlns:a14="http://schemas.microsoft.com/office/drawing/2010/main" w="9525">
                 <a:solidFill>
                   <a:srgbClr val="000000"/>
                 </a:solidFill>
@@ -4934,7 +4934,7 @@
               </a14:hiddenLine>
             </a:ext>
             <a:ext uri="{FAA26D3D-D897-4be2-8F04-BA451C77F1D7}">
-              <ma14:placeholderFlag xmlns:ma14="http://schemas.microsoft.com/office/mac/drawingml/2011/main" xmlns="" val="1"/>
+              <ma14:placeholderFlag xmlns="" xmlns:ma14="http://schemas.microsoft.com/office/mac/drawingml/2011/main" val="1"/>
             </a:ext>
           </a:extLst>
         </p:spPr>
@@ -5041,14 +5041,14 @@
           </a:ln>
           <a:extLst>
             <a:ext uri="{909E8E84-426E-40dd-AFC4-6F175D3DCCD1}">
-              <a14:hiddenFill xmlns:a14="http://schemas.microsoft.com/office/drawing/2010/main" xmlns="">
+              <a14:hiddenFill xmlns="" xmlns:a14="http://schemas.microsoft.com/office/drawing/2010/main">
                 <a:solidFill>
                   <a:srgbClr val="FFFFFF"/>
                 </a:solidFill>
               </a14:hiddenFill>
             </a:ext>
             <a:ext uri="{FAA26D3D-D897-4be2-8F04-BA451C77F1D7}">
-              <ma14:placeholderFlag xmlns:ma14="http://schemas.microsoft.com/office/mac/drawingml/2011/main" xmlns="" val="1"/>
+              <ma14:placeholderFlag xmlns="" xmlns:ma14="http://schemas.microsoft.com/office/mac/drawingml/2011/main" val="1"/>
             </a:ext>
           </a:extLst>
         </p:spPr>
@@ -5067,14 +5067,14 @@
           <a:noFill/>
           <a:extLst>
             <a:ext uri="{909E8E84-426E-40dd-AFC4-6F175D3DCCD1}">
-              <a14:hiddenFill xmlns:a14="http://schemas.microsoft.com/office/drawing/2010/main" xmlns="">
+              <a14:hiddenFill xmlns="" xmlns:a14="http://schemas.microsoft.com/office/drawing/2010/main">
                 <a:solidFill>
                   <a:srgbClr val="FFFFFF"/>
                 </a:solidFill>
               </a14:hiddenFill>
             </a:ext>
             <a:ext uri="{91240B29-F687-4f45-9708-019B960494DF}">
-              <a14:hiddenLine xmlns:a14="http://schemas.microsoft.com/office/drawing/2010/main" xmlns="" w="9525">
+              <a14:hiddenLine xmlns="" xmlns:a14="http://schemas.microsoft.com/office/drawing/2010/main" w="9525">
                 <a:solidFill>
                   <a:srgbClr val="000000"/>
                 </a:solidFill>
@@ -5084,7 +5084,7 @@
               </a14:hiddenLine>
             </a:ext>
             <a:ext uri="{FAA26D3D-D897-4be2-8F04-BA451C77F1D7}">
-              <ma14:placeholderFlag xmlns:ma14="http://schemas.microsoft.com/office/mac/drawingml/2011/main" xmlns="" val="1"/>
+              <ma14:placeholderFlag xmlns="" xmlns:ma14="http://schemas.microsoft.com/office/mac/drawingml/2011/main" val="1"/>
             </a:ext>
           </a:extLst>
         </p:spPr>
@@ -5193,7 +5193,7 @@
           </a:ln>
           <a:extLst>
             <a:ext uri="{FAA26D3D-D897-4be2-8F04-BA451C77F1D7}">
-              <ma14:placeholderFlag xmlns:ma14="http://schemas.microsoft.com/office/mac/drawingml/2011/main" xmlns="" val="1"/>
+              <ma14:placeholderFlag xmlns="" xmlns:ma14="http://schemas.microsoft.com/office/mac/drawingml/2011/main" val="1"/>
             </a:ext>
           </a:extLst>
         </p:spPr>
@@ -5222,7 +5222,7 @@
           </a:ln>
           <a:extLst>
             <a:ext uri="{FAA26D3D-D897-4be2-8F04-BA451C77F1D7}">
-              <ma14:placeholderFlag xmlns:ma14="http://schemas.microsoft.com/office/mac/drawingml/2011/main" xmlns="" val="1"/>
+              <ma14:placeholderFlag xmlns="" xmlns:ma14="http://schemas.microsoft.com/office/mac/drawingml/2011/main" val="1"/>
             </a:ext>
           </a:extLst>
         </p:spPr>
@@ -5331,7 +5331,7 @@
           </a:ln>
           <a:extLst>
             <a:ext uri="{FAA26D3D-D897-4be2-8F04-BA451C77F1D7}">
-              <ma14:placeholderFlag xmlns:ma14="http://schemas.microsoft.com/office/mac/drawingml/2011/main" xmlns="" val="1"/>
+              <ma14:placeholderFlag xmlns="" xmlns:ma14="http://schemas.microsoft.com/office/mac/drawingml/2011/main" val="1"/>
             </a:ext>
           </a:extLst>
         </p:spPr>
@@ -5360,7 +5360,7 @@
           </a:ln>
           <a:extLst>
             <a:ext uri="{FAA26D3D-D897-4be2-8F04-BA451C77F1D7}">
-              <ma14:placeholderFlag xmlns:ma14="http://schemas.microsoft.com/office/mac/drawingml/2011/main" xmlns="" val="1"/>
+              <ma14:placeholderFlag xmlns="" xmlns:ma14="http://schemas.microsoft.com/office/mac/drawingml/2011/main" val="1"/>
             </a:ext>
           </a:extLst>
         </p:spPr>
@@ -5478,14 +5478,14 @@
           <a:ln/>
           <a:extLst>
             <a:ext uri="{909E8E84-426E-40dd-AFC4-6F175D3DCCD1}">
-              <a14:hiddenFill xmlns:a14="http://schemas.microsoft.com/office/drawing/2010/main" xmlns="">
+              <a14:hiddenFill xmlns="" xmlns:a14="http://schemas.microsoft.com/office/drawing/2010/main">
                 <a:solidFill>
                   <a:srgbClr val="FFFFFF"/>
                 </a:solidFill>
               </a14:hiddenFill>
             </a:ext>
             <a:ext uri="{91240B29-F687-4f45-9708-019B960494DF}">
-              <a14:hiddenLine xmlns:a14="http://schemas.microsoft.com/office/drawing/2010/main" xmlns="" w="9525">
+              <a14:hiddenLine xmlns="" xmlns:a14="http://schemas.microsoft.com/office/drawing/2010/main" w="9525">
                 <a:solidFill>
                   <a:srgbClr val="000000"/>
                 </a:solidFill>
@@ -5495,7 +5495,7 @@
               </a14:hiddenLine>
             </a:ext>
             <a:ext uri="{FAA26D3D-D897-4be2-8F04-BA451C77F1D7}">
-              <ma14:placeholderFlag xmlns:ma14="http://schemas.microsoft.com/office/mac/drawingml/2011/main" xmlns="" val="1"/>
+              <ma14:placeholderFlag xmlns="" xmlns:ma14="http://schemas.microsoft.com/office/mac/drawingml/2011/main" val="1"/>
             </a:ext>
           </a:extLst>
         </p:spPr>
@@ -5525,14 +5525,14 @@
           <a:ln/>
           <a:extLst>
             <a:ext uri="{909E8E84-426E-40dd-AFC4-6F175D3DCCD1}">
-              <a14:hiddenFill xmlns:a14="http://schemas.microsoft.com/office/drawing/2010/main" xmlns="">
+              <a14:hiddenFill xmlns="" xmlns:a14="http://schemas.microsoft.com/office/drawing/2010/main">
                 <a:solidFill>
                   <a:srgbClr val="FFFFFF"/>
                 </a:solidFill>
               </a14:hiddenFill>
             </a:ext>
             <a:ext uri="{91240B29-F687-4f45-9708-019B960494DF}">
-              <a14:hiddenLine xmlns:a14="http://schemas.microsoft.com/office/drawing/2010/main" xmlns="" w="9525">
+              <a14:hiddenLine xmlns="" xmlns:a14="http://schemas.microsoft.com/office/drawing/2010/main" w="9525">
                 <a:solidFill>
                   <a:srgbClr val="000000"/>
                 </a:solidFill>
@@ -5685,14 +5685,14 @@
           <a:ln/>
           <a:extLst>
             <a:ext uri="{909E8E84-426E-40dd-AFC4-6F175D3DCCD1}">
-              <a14:hiddenFill xmlns:a14="http://schemas.microsoft.com/office/drawing/2010/main" xmlns="">
+              <a14:hiddenFill xmlns="" xmlns:a14="http://schemas.microsoft.com/office/drawing/2010/main">
                 <a:solidFill>
                   <a:srgbClr val="FFFFFF"/>
                 </a:solidFill>
               </a14:hiddenFill>
             </a:ext>
             <a:ext uri="{91240B29-F687-4f45-9708-019B960494DF}">
-              <a14:hiddenLine xmlns:a14="http://schemas.microsoft.com/office/drawing/2010/main" xmlns="" w="9525">
+              <a14:hiddenLine xmlns="" xmlns:a14="http://schemas.microsoft.com/office/drawing/2010/main" w="9525">
                 <a:solidFill>
                   <a:srgbClr val="000000"/>
                 </a:solidFill>
@@ -5845,14 +5845,14 @@
           <a:ln/>
           <a:extLst>
             <a:ext uri="{909E8E84-426E-40dd-AFC4-6F175D3DCCD1}">
-              <a14:hiddenFill xmlns:a14="http://schemas.microsoft.com/office/drawing/2010/main" xmlns="">
+              <a14:hiddenFill xmlns="" xmlns:a14="http://schemas.microsoft.com/office/drawing/2010/main">
                 <a:solidFill>
                   <a:srgbClr val="FFFFFF"/>
                 </a:solidFill>
               </a14:hiddenFill>
             </a:ext>
             <a:ext uri="{91240B29-F687-4f45-9708-019B960494DF}">
-              <a14:hiddenLine xmlns:a14="http://schemas.microsoft.com/office/drawing/2010/main" xmlns="" w="9525">
+              <a14:hiddenLine xmlns="" xmlns:a14="http://schemas.microsoft.com/office/drawing/2010/main" w="9525">
                 <a:solidFill>
                   <a:srgbClr val="000000"/>
                 </a:solidFill>
@@ -6086,14 +6086,14 @@
           <a:ln/>
           <a:extLst>
             <a:ext uri="{909E8E84-426E-40dd-AFC4-6F175D3DCCD1}">
-              <a14:hiddenFill xmlns:a14="http://schemas.microsoft.com/office/drawing/2010/main" xmlns="">
+              <a14:hiddenFill xmlns="" xmlns:a14="http://schemas.microsoft.com/office/drawing/2010/main">
                 <a:solidFill>
                   <a:srgbClr val="FFFFFF"/>
                 </a:solidFill>
               </a14:hiddenFill>
             </a:ext>
             <a:ext uri="{91240B29-F687-4f45-9708-019B960494DF}">
-              <a14:hiddenLine xmlns:a14="http://schemas.microsoft.com/office/drawing/2010/main" xmlns="" w="9525">
+              <a14:hiddenLine xmlns="" xmlns:a14="http://schemas.microsoft.com/office/drawing/2010/main" w="9525">
                 <a:solidFill>
                   <a:srgbClr val="000000"/>
                 </a:solidFill>
@@ -6103,7 +6103,7 @@
               </a14:hiddenLine>
             </a:ext>
             <a:ext uri="{FAA26D3D-D897-4be2-8F04-BA451C77F1D7}">
-              <ma14:placeholderFlag xmlns:ma14="http://schemas.microsoft.com/office/mac/drawingml/2011/main" xmlns="" val="1"/>
+              <ma14:placeholderFlag xmlns="" xmlns:ma14="http://schemas.microsoft.com/office/mac/drawingml/2011/main" val="1"/>
             </a:ext>
           </a:extLst>
         </p:spPr>
@@ -6133,14 +6133,14 @@
           <a:ln/>
           <a:extLst>
             <a:ext uri="{909E8E84-426E-40dd-AFC4-6F175D3DCCD1}">
-              <a14:hiddenFill xmlns:a14="http://schemas.microsoft.com/office/drawing/2010/main" xmlns="">
+              <a14:hiddenFill xmlns="" xmlns:a14="http://schemas.microsoft.com/office/drawing/2010/main">
                 <a:solidFill>
                   <a:srgbClr val="FFFFFF"/>
                 </a:solidFill>
               </a14:hiddenFill>
             </a:ext>
             <a:ext uri="{91240B29-F687-4f45-9708-019B960494DF}">
-              <a14:hiddenLine xmlns:a14="http://schemas.microsoft.com/office/drawing/2010/main" xmlns="" w="9525">
+              <a14:hiddenLine xmlns="" xmlns:a14="http://schemas.microsoft.com/office/drawing/2010/main" w="9525">
                 <a:solidFill>
                   <a:srgbClr val="000000"/>
                 </a:solidFill>
@@ -6293,14 +6293,14 @@
           <a:ln/>
           <a:extLst>
             <a:ext uri="{909E8E84-426E-40dd-AFC4-6F175D3DCCD1}">
-              <a14:hiddenFill xmlns:a14="http://schemas.microsoft.com/office/drawing/2010/main" xmlns="">
+              <a14:hiddenFill xmlns="" xmlns:a14="http://schemas.microsoft.com/office/drawing/2010/main">
                 <a:solidFill>
                   <a:srgbClr val="FFFFFF"/>
                 </a:solidFill>
               </a14:hiddenFill>
             </a:ext>
             <a:ext uri="{91240B29-F687-4f45-9708-019B960494DF}">
-              <a14:hiddenLine xmlns:a14="http://schemas.microsoft.com/office/drawing/2010/main" xmlns="" w="9525">
+              <a14:hiddenLine xmlns="" xmlns:a14="http://schemas.microsoft.com/office/drawing/2010/main" w="9525">
                 <a:solidFill>
                   <a:srgbClr val="000000"/>
                 </a:solidFill>
@@ -6453,14 +6453,14 @@
           <a:ln/>
           <a:extLst>
             <a:ext uri="{909E8E84-426E-40dd-AFC4-6F175D3DCCD1}">
-              <a14:hiddenFill xmlns:a14="http://schemas.microsoft.com/office/drawing/2010/main" xmlns="">
+              <a14:hiddenFill xmlns="" xmlns:a14="http://schemas.microsoft.com/office/drawing/2010/main">
                 <a:solidFill>
                   <a:srgbClr val="FFFFFF"/>
                 </a:solidFill>
               </a14:hiddenFill>
             </a:ext>
             <a:ext uri="{91240B29-F687-4f45-9708-019B960494DF}">
-              <a14:hiddenLine xmlns:a14="http://schemas.microsoft.com/office/drawing/2010/main" xmlns="" w="9525">
+              <a14:hiddenLine xmlns="" xmlns:a14="http://schemas.microsoft.com/office/drawing/2010/main" w="9525">
                 <a:solidFill>
                   <a:srgbClr val="000000"/>
                 </a:solidFill>
@@ -6698,14 +6698,14 @@
           <a:ln/>
           <a:extLst>
             <a:ext uri="{909E8E84-426E-40dd-AFC4-6F175D3DCCD1}">
-              <a14:hiddenFill xmlns:a14="http://schemas.microsoft.com/office/drawing/2010/main" xmlns="">
+              <a14:hiddenFill xmlns="" xmlns:a14="http://schemas.microsoft.com/office/drawing/2010/main">
                 <a:solidFill>
                   <a:srgbClr val="FFFFFF"/>
                 </a:solidFill>
               </a14:hiddenFill>
             </a:ext>
             <a:ext uri="{91240B29-F687-4f45-9708-019B960494DF}">
-              <a14:hiddenLine xmlns:a14="http://schemas.microsoft.com/office/drawing/2010/main" xmlns="" w="9525">
+              <a14:hiddenLine xmlns="" xmlns:a14="http://schemas.microsoft.com/office/drawing/2010/main" w="9525">
                 <a:solidFill>
                   <a:srgbClr val="000000"/>
                 </a:solidFill>
@@ -6715,7 +6715,7 @@
               </a14:hiddenLine>
             </a:ext>
             <a:ext uri="{FAA26D3D-D897-4be2-8F04-BA451C77F1D7}">
-              <ma14:placeholderFlag xmlns:ma14="http://schemas.microsoft.com/office/mac/drawingml/2011/main" xmlns="" val="1"/>
+              <ma14:placeholderFlag xmlns="" xmlns:ma14="http://schemas.microsoft.com/office/mac/drawingml/2011/main" val="1"/>
             </a:ext>
           </a:extLst>
         </p:spPr>
@@ -6745,14 +6745,14 @@
           <a:ln/>
           <a:extLst>
             <a:ext uri="{909E8E84-426E-40dd-AFC4-6F175D3DCCD1}">
-              <a14:hiddenFill xmlns:a14="http://schemas.microsoft.com/office/drawing/2010/main" xmlns="">
+              <a14:hiddenFill xmlns="" xmlns:a14="http://schemas.microsoft.com/office/drawing/2010/main">
                 <a:solidFill>
                   <a:srgbClr val="FFFFFF"/>
                 </a:solidFill>
               </a14:hiddenFill>
             </a:ext>
             <a:ext uri="{91240B29-F687-4f45-9708-019B960494DF}">
-              <a14:hiddenLine xmlns:a14="http://schemas.microsoft.com/office/drawing/2010/main" xmlns="" w="9525">
+              <a14:hiddenLine xmlns="" xmlns:a14="http://schemas.microsoft.com/office/drawing/2010/main" w="9525">
                 <a:solidFill>
                   <a:srgbClr val="000000"/>
                 </a:solidFill>
@@ -6905,14 +6905,14 @@
           <a:ln/>
           <a:extLst>
             <a:ext uri="{909E8E84-426E-40dd-AFC4-6F175D3DCCD1}">
-              <a14:hiddenFill xmlns:a14="http://schemas.microsoft.com/office/drawing/2010/main" xmlns="">
+              <a14:hiddenFill xmlns="" xmlns:a14="http://schemas.microsoft.com/office/drawing/2010/main">
                 <a:solidFill>
                   <a:srgbClr val="FFFFFF"/>
                 </a:solidFill>
               </a14:hiddenFill>
             </a:ext>
             <a:ext uri="{91240B29-F687-4f45-9708-019B960494DF}">
-              <a14:hiddenLine xmlns:a14="http://schemas.microsoft.com/office/drawing/2010/main" xmlns="" w="9525">
+              <a14:hiddenLine xmlns="" xmlns:a14="http://schemas.microsoft.com/office/drawing/2010/main" w="9525">
                 <a:solidFill>
                   <a:srgbClr val="000000"/>
                 </a:solidFill>
@@ -7065,14 +7065,14 @@
           <a:ln/>
           <a:extLst>
             <a:ext uri="{909E8E84-426E-40dd-AFC4-6F175D3DCCD1}">
-              <a14:hiddenFill xmlns:a14="http://schemas.microsoft.com/office/drawing/2010/main" xmlns="">
+              <a14:hiddenFill xmlns="" xmlns:a14="http://schemas.microsoft.com/office/drawing/2010/main">
                 <a:solidFill>
                   <a:srgbClr val="FFFFFF"/>
                 </a:solidFill>
               </a14:hiddenFill>
             </a:ext>
             <a:ext uri="{91240B29-F687-4f45-9708-019B960494DF}">
-              <a14:hiddenLine xmlns:a14="http://schemas.microsoft.com/office/drawing/2010/main" xmlns="" w="9525">
+              <a14:hiddenLine xmlns="" xmlns:a14="http://schemas.microsoft.com/office/drawing/2010/main" w="9525">
                 <a:solidFill>
                   <a:srgbClr val="000000"/>
                 </a:solidFill>
@@ -7325,7 +7325,7 @@
           </a:ln>
           <a:extLst>
             <a:ext uri="{909E8E84-426E-40dd-AFC4-6F175D3DCCD1}">
-              <a14:hiddenFill xmlns:a14="http://schemas.microsoft.com/office/drawing/2010/main" xmlns="">
+              <a14:hiddenFill xmlns="" xmlns:a14="http://schemas.microsoft.com/office/drawing/2010/main">
                 <a:solidFill>
                   <a:srgbClr val="FFFFFF"/>
                 </a:solidFill>
@@ -7527,14 +7527,14 @@
           <a:ln/>
           <a:extLst>
             <a:ext uri="{909E8E84-426E-40dd-AFC4-6F175D3DCCD1}">
-              <a14:hiddenFill xmlns:a14="http://schemas.microsoft.com/office/drawing/2010/main" xmlns="">
+              <a14:hiddenFill xmlns="" xmlns:a14="http://schemas.microsoft.com/office/drawing/2010/main">
                 <a:solidFill>
                   <a:srgbClr val="FFFFFF"/>
                 </a:solidFill>
               </a14:hiddenFill>
             </a:ext>
             <a:ext uri="{91240B29-F687-4f45-9708-019B960494DF}">
-              <a14:hiddenLine xmlns:a14="http://schemas.microsoft.com/office/drawing/2010/main" xmlns="" w="9525">
+              <a14:hiddenLine xmlns="" xmlns:a14="http://schemas.microsoft.com/office/drawing/2010/main" w="9525">
                 <a:solidFill>
                   <a:srgbClr val="000000"/>
                 </a:solidFill>
@@ -7687,14 +7687,14 @@
           <a:ln/>
           <a:extLst>
             <a:ext uri="{909E8E84-426E-40dd-AFC4-6F175D3DCCD1}">
-              <a14:hiddenFill xmlns:a14="http://schemas.microsoft.com/office/drawing/2010/main" xmlns="">
+              <a14:hiddenFill xmlns="" xmlns:a14="http://schemas.microsoft.com/office/drawing/2010/main">
                 <a:solidFill>
                   <a:srgbClr val="FFFFFF"/>
                 </a:solidFill>
               </a14:hiddenFill>
             </a:ext>
             <a:ext uri="{91240B29-F687-4f45-9708-019B960494DF}">
-              <a14:hiddenLine xmlns:a14="http://schemas.microsoft.com/office/drawing/2010/main" xmlns="" w="9525">
+              <a14:hiddenLine xmlns="" xmlns:a14="http://schemas.microsoft.com/office/drawing/2010/main" w="9525">
                 <a:solidFill>
                   <a:srgbClr val="000000"/>
                 </a:solidFill>
@@ -7847,14 +7847,14 @@
           <a:ln/>
           <a:extLst>
             <a:ext uri="{909E8E84-426E-40dd-AFC4-6F175D3DCCD1}">
-              <a14:hiddenFill xmlns:a14="http://schemas.microsoft.com/office/drawing/2010/main" xmlns="">
+              <a14:hiddenFill xmlns="" xmlns:a14="http://schemas.microsoft.com/office/drawing/2010/main">
                 <a:solidFill>
                   <a:srgbClr val="FFFFFF"/>
                 </a:solidFill>
               </a14:hiddenFill>
             </a:ext>
             <a:ext uri="{91240B29-F687-4f45-9708-019B960494DF}">
-              <a14:hiddenLine xmlns:a14="http://schemas.microsoft.com/office/drawing/2010/main" xmlns="" w="9525">
+              <a14:hiddenLine xmlns="" xmlns:a14="http://schemas.microsoft.com/office/drawing/2010/main" w="9525">
                 <a:solidFill>
                   <a:srgbClr val="000000"/>
                 </a:solidFill>
@@ -8101,7 +8101,7 @@
           </a:ln>
           <a:extLst>
             <a:ext uri="{FAA26D3D-D897-4be2-8F04-BA451C77F1D7}">
-              <ma14:placeholderFlag xmlns:ma14="http://schemas.microsoft.com/office/mac/drawingml/2011/main" xmlns="" val="1"/>
+              <ma14:placeholderFlag xmlns="" xmlns:ma14="http://schemas.microsoft.com/office/mac/drawingml/2011/main" val="1"/>
             </a:ext>
           </a:extLst>
         </p:spPr>
@@ -8136,14 +8136,14 @@
           <a:ln/>
           <a:extLst>
             <a:ext uri="{909E8E84-426E-40dd-AFC4-6F175D3DCCD1}">
-              <a14:hiddenFill xmlns:a14="http://schemas.microsoft.com/office/drawing/2010/main" xmlns="">
+              <a14:hiddenFill xmlns="" xmlns:a14="http://schemas.microsoft.com/office/drawing/2010/main">
                 <a:solidFill>
                   <a:srgbClr val="FFFFFF"/>
                 </a:solidFill>
               </a14:hiddenFill>
             </a:ext>
             <a:ext uri="{91240B29-F687-4f45-9708-019B960494DF}">
-              <a14:hiddenLine xmlns:a14="http://schemas.microsoft.com/office/drawing/2010/main" xmlns="" w="9525">
+              <a14:hiddenLine xmlns="" xmlns:a14="http://schemas.microsoft.com/office/drawing/2010/main" w="9525">
                 <a:solidFill>
                   <a:srgbClr val="000000"/>
                 </a:solidFill>
@@ -8296,14 +8296,14 @@
           <a:ln/>
           <a:extLst>
             <a:ext uri="{909E8E84-426E-40dd-AFC4-6F175D3DCCD1}">
-              <a14:hiddenFill xmlns:a14="http://schemas.microsoft.com/office/drawing/2010/main" xmlns="">
+              <a14:hiddenFill xmlns="" xmlns:a14="http://schemas.microsoft.com/office/drawing/2010/main">
                 <a:solidFill>
                   <a:srgbClr val="FFFFFF"/>
                 </a:solidFill>
               </a14:hiddenFill>
             </a:ext>
             <a:ext uri="{91240B29-F687-4f45-9708-019B960494DF}">
-              <a14:hiddenLine xmlns:a14="http://schemas.microsoft.com/office/drawing/2010/main" xmlns="" w="9525">
+              <a14:hiddenLine xmlns="" xmlns:a14="http://schemas.microsoft.com/office/drawing/2010/main" w="9525">
                 <a:solidFill>
                   <a:srgbClr val="000000"/>
                 </a:solidFill>
@@ -8456,14 +8456,14 @@
           <a:ln/>
           <a:extLst>
             <a:ext uri="{909E8E84-426E-40dd-AFC4-6F175D3DCCD1}">
-              <a14:hiddenFill xmlns:a14="http://schemas.microsoft.com/office/drawing/2010/main" xmlns="">
+              <a14:hiddenFill xmlns="" xmlns:a14="http://schemas.microsoft.com/office/drawing/2010/main">
                 <a:solidFill>
                   <a:srgbClr val="FFFFFF"/>
                 </a:solidFill>
               </a14:hiddenFill>
             </a:ext>
             <a:ext uri="{91240B29-F687-4f45-9708-019B960494DF}">
-              <a14:hiddenLine xmlns:a14="http://schemas.microsoft.com/office/drawing/2010/main" xmlns="" w="9525">
+              <a14:hiddenLine xmlns="" xmlns:a14="http://schemas.microsoft.com/office/drawing/2010/main" w="9525">
                 <a:solidFill>
                   <a:srgbClr val="000000"/>
                 </a:solidFill>
@@ -8891,14 +8891,14 @@
           <a:ln/>
           <a:extLst>
             <a:ext uri="{909E8E84-426E-40dd-AFC4-6F175D3DCCD1}">
-              <a14:hiddenFill xmlns:a14="http://schemas.microsoft.com/office/drawing/2010/main" xmlns="">
+              <a14:hiddenFill xmlns="" xmlns:a14="http://schemas.microsoft.com/office/drawing/2010/main">
                 <a:solidFill>
                   <a:srgbClr val="FFFFFF"/>
                 </a:solidFill>
               </a14:hiddenFill>
             </a:ext>
             <a:ext uri="{91240B29-F687-4f45-9708-019B960494DF}">
-              <a14:hiddenLine xmlns:a14="http://schemas.microsoft.com/office/drawing/2010/main" xmlns="" w="9525">
+              <a14:hiddenLine xmlns="" xmlns:a14="http://schemas.microsoft.com/office/drawing/2010/main" w="9525">
                 <a:solidFill>
                   <a:srgbClr val="000000"/>
                 </a:solidFill>
@@ -9119,7 +9119,7 @@
           <a:p>
             <a:fld id="{B363F13F-5642-44BC-B6EB-2F9D494ED971}" type="datetime1">
               <a:rPr lang="en-US" smtClean="0"/>
-              <a:t>1/31/2021</a:t>
+              <a:t>9/7/2021</a:t>
             </a:fld>
             <a:endParaRPr lang="en-US"/>
           </a:p>
@@ -9370,7 +9370,7 @@
           <a:p>
             <a:fld id="{70C1BB0D-8AFF-47D2-A3B8-171512B174E9}" type="datetime1">
               <a:rPr lang="en-US" smtClean="0"/>
-              <a:t>1/31/2021</a:t>
+              <a:t>9/7/2021</a:t>
             </a:fld>
             <a:endParaRPr lang="en-US"/>
           </a:p>
@@ -9550,7 +9550,7 @@
           <a:p>
             <a:fld id="{F1A80E7E-49E5-48FC-8843-9D5FA8BB0345}" type="datetime1">
               <a:rPr lang="en-US" smtClean="0"/>
-              <a:t>1/31/2021</a:t>
+              <a:t>9/7/2021</a:t>
             </a:fld>
             <a:endParaRPr lang="en-US"/>
           </a:p>
@@ -9720,7 +9720,7 @@
           <a:p>
             <a:fld id="{FD1492BA-F351-42E2-83C9-87CBCA58159C}" type="datetime1">
               <a:rPr lang="en-US" smtClean="0"/>
-              <a:t>1/31/2021</a:t>
+              <a:t>9/7/2021</a:t>
             </a:fld>
             <a:endParaRPr lang="en-US"/>
           </a:p>
@@ -9966,7 +9966,7 @@
           <a:p>
             <a:fld id="{9D22B18C-1FAB-4796-9C42-E944442CB753}" type="datetime1">
               <a:rPr lang="en-US" smtClean="0"/>
-              <a:t>1/31/2021</a:t>
+              <a:t>9/7/2021</a:t>
             </a:fld>
             <a:endParaRPr lang="en-US"/>
           </a:p>
@@ -10198,7 +10198,7 @@
           <a:p>
             <a:fld id="{FBC7BDD1-C81A-4E49-844C-FABFA3C1EAA5}" type="datetime1">
               <a:rPr lang="en-US" smtClean="0"/>
-              <a:t>1/31/2021</a:t>
+              <a:t>9/7/2021</a:t>
             </a:fld>
             <a:endParaRPr lang="en-US"/>
           </a:p>
@@ -10565,7 +10565,7 @@
           <a:p>
             <a:fld id="{B0BABEDE-FB04-4202-9182-A47661EC8387}" type="datetime1">
               <a:rPr lang="en-US" smtClean="0"/>
-              <a:t>1/31/2021</a:t>
+              <a:t>9/7/2021</a:t>
             </a:fld>
             <a:endParaRPr lang="en-US"/>
           </a:p>
@@ -10683,7 +10683,7 @@
           <a:p>
             <a:fld id="{06E7BCE8-43D1-4D3D-BE1F-23E8AFA7802C}" type="datetime1">
               <a:rPr lang="en-US" smtClean="0"/>
-              <a:t>1/31/2021</a:t>
+              <a:t>9/7/2021</a:t>
             </a:fld>
             <a:endParaRPr lang="en-US"/>
           </a:p>
@@ -10778,7 +10778,7 @@
           <a:p>
             <a:fld id="{AB67CC5C-86B9-4B53-8E2C-92B7A757FBF1}" type="datetime1">
               <a:rPr lang="en-US" smtClean="0"/>
-              <a:t>1/31/2021</a:t>
+              <a:t>9/7/2021</a:t>
             </a:fld>
             <a:endParaRPr lang="en-US"/>
           </a:p>
@@ -11055,7 +11055,7 @@
           <a:p>
             <a:fld id="{D3AC0F96-4DB2-4D68-9606-28B61D52A44D}" type="datetime1">
               <a:rPr lang="en-US" smtClean="0"/>
-              <a:t>1/31/2021</a:t>
+              <a:t>9/7/2021</a:t>
             </a:fld>
             <a:endParaRPr lang="en-US"/>
           </a:p>
@@ -11308,7 +11308,7 @@
           <a:p>
             <a:fld id="{CDF82D8A-DC15-4943-A7EA-8D3F0CE87523}" type="datetime1">
               <a:rPr lang="en-US" smtClean="0"/>
-              <a:t>1/31/2021</a:t>
+              <a:t>9/7/2021</a:t>
             </a:fld>
             <a:endParaRPr lang="en-US"/>
           </a:p>
@@ -11522,7 +11522,7 @@
           <a:p>
             <a:fld id="{CAA9A245-150F-41FC-B429-3A54AAA740A3}" type="datetime1">
               <a:rPr lang="en-US" smtClean="0"/>
-              <a:t>1/31/2021</a:t>
+              <a:t>9/7/2021</a:t>
             </a:fld>
             <a:endParaRPr lang="en-US"/>
           </a:p>
@@ -13997,7 +13997,7 @@
           <a:noFill/>
           <a:extLst>
             <a:ext uri="{909E8E84-426E-40dd-AFC4-6F175D3DCCD1}">
-              <a14:hiddenFill xmlns:a14="http://schemas.microsoft.com/office/drawing/2010/main" xmlns="">
+              <a14:hiddenFill xmlns="" xmlns:a14="http://schemas.microsoft.com/office/drawing/2010/main">
                 <a:solidFill>
                   <a:srgbClr val="FFFFFF"/>
                 </a:solidFill>
@@ -20633,7 +20633,7 @@
           <a:graphicData uri="http://schemas.openxmlformats.org/presentationml/2006/ole">
             <mc:AlternateContent xmlns:mc="http://schemas.openxmlformats.org/markup-compatibility/2006">
               <mc:Choice xmlns:v="urn:schemas-microsoft-com:vml" Requires="v">
-                <p:oleObj spid="_x0000_s1039" name="Visio" r:id="rId4" imgW="3213100" imgH="3924300" progId="Visio.Drawing.6">
+                <p:oleObj spid="_x0000_s1040" name="Visio" r:id="rId4" imgW="3213100" imgH="3924300" progId="Visio.Drawing.6">
                   <p:embed/>
                 </p:oleObj>
               </mc:Choice>
@@ -21203,14 +21203,14 @@
           </a:ln>
           <a:extLst>
             <a:ext uri="{909E8E84-426E-40dd-AFC4-6F175D3DCCD1}">
-              <a14:hiddenFill xmlns:a14="http://schemas.microsoft.com/office/drawing/2010/main" xmlns="">
+              <a14:hiddenFill xmlns="" xmlns:a14="http://schemas.microsoft.com/office/drawing/2010/main">
                 <a:solidFill>
                   <a:srgbClr val="FFFFFF"/>
                 </a:solidFill>
               </a14:hiddenFill>
             </a:ext>
             <a:ext uri="{91240B29-F687-4f45-9708-019B960494DF}">
-              <a14:hiddenLine xmlns:a14="http://schemas.microsoft.com/office/drawing/2010/main" xmlns="" w="9525">
+              <a14:hiddenLine xmlns="" xmlns:a14="http://schemas.microsoft.com/office/drawing/2010/main" w="9525">
                 <a:solidFill>
                   <a:srgbClr val="000000"/>
                 </a:solidFill>
@@ -21367,14 +21367,14 @@
           </a:ln>
           <a:extLst>
             <a:ext uri="{909E8E84-426E-40dd-AFC4-6F175D3DCCD1}">
-              <a14:hiddenFill xmlns:a14="http://schemas.microsoft.com/office/drawing/2010/main" xmlns="">
+              <a14:hiddenFill xmlns="" xmlns:a14="http://schemas.microsoft.com/office/drawing/2010/main">
                 <a:solidFill>
                   <a:srgbClr val="FFFFFF"/>
                 </a:solidFill>
               </a14:hiddenFill>
             </a:ext>
             <a:ext uri="{91240B29-F687-4f45-9708-019B960494DF}">
-              <a14:hiddenLine xmlns:a14="http://schemas.microsoft.com/office/drawing/2010/main" xmlns="" w="9525">
+              <a14:hiddenLine xmlns="" xmlns:a14="http://schemas.microsoft.com/office/drawing/2010/main" w="9525">
                 <a:solidFill>
                   <a:srgbClr val="000000"/>
                 </a:solidFill>
@@ -21531,14 +21531,14 @@
           </a:ln>
           <a:extLst>
             <a:ext uri="{909E8E84-426E-40dd-AFC4-6F175D3DCCD1}">
-              <a14:hiddenFill xmlns:a14="http://schemas.microsoft.com/office/drawing/2010/main" xmlns="">
+              <a14:hiddenFill xmlns="" xmlns:a14="http://schemas.microsoft.com/office/drawing/2010/main">
                 <a:solidFill>
                   <a:srgbClr val="FFFFFF"/>
                 </a:solidFill>
               </a14:hiddenFill>
             </a:ext>
             <a:ext uri="{91240B29-F687-4f45-9708-019B960494DF}">
-              <a14:hiddenLine xmlns:a14="http://schemas.microsoft.com/office/drawing/2010/main" xmlns="" w="9525">
+              <a14:hiddenLine xmlns="" xmlns:a14="http://schemas.microsoft.com/office/drawing/2010/main" w="9525">
                 <a:solidFill>
                   <a:srgbClr val="000000"/>
                 </a:solidFill>
@@ -21707,7 +21707,7 @@
           </a:ln>
           <a:extLst>
             <a:ext uri="{909E8E84-426E-40dd-AFC4-6F175D3DCCD1}">
-              <a14:hiddenFill xmlns:a14="http://schemas.microsoft.com/office/drawing/2010/main" xmlns="">
+              <a14:hiddenFill xmlns="" xmlns:a14="http://schemas.microsoft.com/office/drawing/2010/main">
                 <a:solidFill>
                   <a:srgbClr val="FFFFFF"/>
                 </a:solidFill>
@@ -21768,7 +21768,7 @@
           </a:ln>
           <a:extLst>
             <a:ext uri="{909E8E84-426E-40dd-AFC4-6F175D3DCCD1}">
-              <a14:hiddenFill xmlns:a14="http://schemas.microsoft.com/office/drawing/2010/main" xmlns="">
+              <a14:hiddenFill xmlns="" xmlns:a14="http://schemas.microsoft.com/office/drawing/2010/main">
                 <a:solidFill>
                   <a:srgbClr val="FFFFFF"/>
                 </a:solidFill>
@@ -21829,7 +21829,7 @@
           </a:ln>
           <a:extLst>
             <a:ext uri="{909E8E84-426E-40dd-AFC4-6F175D3DCCD1}">
-              <a14:hiddenFill xmlns:a14="http://schemas.microsoft.com/office/drawing/2010/main" xmlns="">
+              <a14:hiddenFill xmlns="" xmlns:a14="http://schemas.microsoft.com/office/drawing/2010/main">
                 <a:solidFill>
                   <a:srgbClr val="FFFFFF"/>
                 </a:solidFill>
@@ -21936,7 +21936,7 @@
           </a:ln>
           <a:extLst>
             <a:ext uri="{909E8E84-426E-40dd-AFC4-6F175D3DCCD1}">
-              <a14:hiddenFill xmlns:a14="http://schemas.microsoft.com/office/drawing/2010/main" xmlns="">
+              <a14:hiddenFill xmlns="" xmlns:a14="http://schemas.microsoft.com/office/drawing/2010/main">
                 <a:solidFill>
                   <a:srgbClr val="FFFFFF"/>
                 </a:solidFill>
@@ -21985,14 +21985,14 @@
           </a:ln>
           <a:extLst>
             <a:ext uri="{909E8E84-426E-40dd-AFC4-6F175D3DCCD1}">
-              <a14:hiddenFill xmlns:a14="http://schemas.microsoft.com/office/drawing/2010/main" xmlns="">
+              <a14:hiddenFill xmlns="" xmlns:a14="http://schemas.microsoft.com/office/drawing/2010/main">
                 <a:solidFill>
                   <a:srgbClr val="FFFFFF"/>
                 </a:solidFill>
               </a14:hiddenFill>
             </a:ext>
             <a:ext uri="{91240B29-F687-4f45-9708-019B960494DF}">
-              <a14:hiddenLine xmlns:a14="http://schemas.microsoft.com/office/drawing/2010/main" xmlns="" w="9525">
+              <a14:hiddenLine xmlns="" xmlns:a14="http://schemas.microsoft.com/office/drawing/2010/main" w="9525">
                 <a:solidFill>
                   <a:srgbClr val="000000"/>
                 </a:solidFill>
@@ -24755,14 +24755,14 @@
           </a:ln>
           <a:extLst>
             <a:ext uri="{909E8E84-426E-40dd-AFC4-6F175D3DCCD1}">
-              <a14:hiddenFill xmlns:a14="http://schemas.microsoft.com/office/drawing/2010/main" xmlns="">
+              <a14:hiddenFill xmlns="" xmlns:a14="http://schemas.microsoft.com/office/drawing/2010/main">
                 <a:solidFill>
                   <a:srgbClr val="FFFFFF"/>
                 </a:solidFill>
               </a14:hiddenFill>
             </a:ext>
             <a:ext uri="{91240B29-F687-4f45-9708-019B960494DF}">
-              <a14:hiddenLine xmlns:a14="http://schemas.microsoft.com/office/drawing/2010/main" xmlns="" w="12700">
+              <a14:hiddenLine xmlns="" xmlns:a14="http://schemas.microsoft.com/office/drawing/2010/main" w="12700">
                 <a:solidFill>
                   <a:srgbClr val="000000"/>
                 </a:solidFill>
@@ -25684,14 +25684,14 @@
           </a:ln>
           <a:extLst>
             <a:ext uri="{909E8E84-426E-40dd-AFC4-6F175D3DCCD1}">
-              <a14:hiddenFill xmlns:a14="http://schemas.microsoft.com/office/drawing/2010/main" xmlns="">
+              <a14:hiddenFill xmlns="" xmlns:a14="http://schemas.microsoft.com/office/drawing/2010/main">
                 <a:solidFill>
                   <a:srgbClr val="FFFFFF"/>
                 </a:solidFill>
               </a14:hiddenFill>
             </a:ext>
             <a:ext uri="{91240B29-F687-4f45-9708-019B960494DF}">
-              <a14:hiddenLine xmlns:a14="http://schemas.microsoft.com/office/drawing/2010/main" xmlns="" w="9525">
+              <a14:hiddenLine xmlns="" xmlns:a14="http://schemas.microsoft.com/office/drawing/2010/main" w="9525">
                 <a:solidFill>
                   <a:srgbClr val="000000"/>
                 </a:solidFill>
@@ -25744,9 +25744,32 @@
           </a:p>
         </p:txBody>
       </p:sp>
+      <p:sp>
+        <p:nvSpPr>
+          <p:cNvPr id="2" name="Slide Number Placeholder 1"/>
+          <p:cNvSpPr>
+            <a:spLocks noGrp="1"/>
+          </p:cNvSpPr>
+          <p:nvPr>
+            <p:ph type="sldNum" sz="quarter" idx="12"/>
+          </p:nvPr>
+        </p:nvSpPr>
+        <p:spPr/>
+        <p:txBody>
+          <a:bodyPr/>
+          <a:lstStyle/>
+          <a:p>
+            <a:fld id="{B543A0FD-1CA6-4228-86A2-78061B4844C8}" type="slidenum">
+              <a:rPr lang="en-US" smtClean="0"/>
+              <a:t>52</a:t>
+            </a:fld>
+            <a:endParaRPr lang="en-US"/>
+          </a:p>
+        </p:txBody>
+      </p:sp>
       <p:pic>
         <p:nvPicPr>
-          <p:cNvPr id="27652" name="Picture 9" descr="wpe5.jpg (21790 bytes)"/>
+          <p:cNvPr id="5124" name="Picture 4" descr="Engineering Rules for Cost Of Defect Removal [10] | Download Scientific  Diagram"/>
           <p:cNvPicPr>
             <a:picLocks noChangeAspect="1" noChangeArrowheads="1"/>
           </p:cNvPicPr>
@@ -25767,60 +25790,24 @@
         </p:blipFill>
         <p:spPr bwMode="auto">
           <a:xfrm>
-            <a:off x="2620232" y="1586204"/>
-            <a:ext cx="5882514" cy="4883444"/>
+            <a:off x="2580179" y="1690688"/>
+            <a:ext cx="6393213" cy="4523500"/>
           </a:xfrm>
           <a:prstGeom prst="rect">
             <a:avLst/>
           </a:prstGeom>
           <a:noFill/>
-          <a:ln>
-            <a:noFill/>
-          </a:ln>
           <a:extLst>
-            <a:ext uri="{909E8E84-426E-40dd-AFC4-6F175D3DCCD1}">
-              <a14:hiddenFill xmlns:a14="http://schemas.microsoft.com/office/drawing/2010/main" xmlns="">
+            <a:ext uri="{909E8E84-426E-40DD-AFC4-6F175D3DCCD1}">
+              <a14:hiddenFill xmlns:a14="http://schemas.microsoft.com/office/drawing/2010/main">
                 <a:solidFill>
                   <a:srgbClr val="FFFFFF"/>
                 </a:solidFill>
               </a14:hiddenFill>
-            </a:ext>
-            <a:ext uri="{91240B29-F687-4f45-9708-019B960494DF}">
-              <a14:hiddenLine xmlns:a14="http://schemas.microsoft.com/office/drawing/2010/main" xmlns="" w="9525">
-                <a:solidFill>
-                  <a:srgbClr val="000000"/>
-                </a:solidFill>
-                <a:miter lim="800000"/>
-                <a:headEnd/>
-                <a:tailEnd/>
-              </a14:hiddenLine>
             </a:ext>
           </a:extLst>
         </p:spPr>
       </p:pic>
-      <p:sp>
-        <p:nvSpPr>
-          <p:cNvPr id="2" name="Slide Number Placeholder 1"/>
-          <p:cNvSpPr>
-            <a:spLocks noGrp="1"/>
-          </p:cNvSpPr>
-          <p:nvPr>
-            <p:ph type="sldNum" sz="quarter" idx="12"/>
-          </p:nvPr>
-        </p:nvSpPr>
-        <p:spPr/>
-        <p:txBody>
-          <a:bodyPr/>
-          <a:lstStyle/>
-          <a:p>
-            <a:fld id="{B543A0FD-1CA6-4228-86A2-78061B4844C8}" type="slidenum">
-              <a:rPr lang="en-US" smtClean="0"/>
-              <a:t>52</a:t>
-            </a:fld>
-            <a:endParaRPr lang="en-US"/>
-          </a:p>
-        </p:txBody>
-      </p:sp>
     </p:spTree>
     <p:extLst>
       <p:ext uri="{BB962C8B-B14F-4D97-AF65-F5344CB8AC3E}">
@@ -25903,7 +25890,7 @@
           <a:graphicData uri="http://schemas.openxmlformats.org/presentationml/2006/ole">
             <mc:AlternateContent xmlns:mc="http://schemas.openxmlformats.org/markup-compatibility/2006">
               <mc:Choice xmlns:v="urn:schemas-microsoft-com:vml" Requires="v">
-                <p:oleObj spid="_x0000_s2063" name="Document" r:id="rId3" imgW="5600700" imgH="1473200" progId="Word.Document.12">
+                <p:oleObj spid="_x0000_s2064" name="Document" r:id="rId3" imgW="5600700" imgH="1473200" progId="Word.Document.12">
                   <p:embed/>
                 </p:oleObj>
               </mc:Choice>
@@ -25960,14 +25947,14 @@
           </a:ln>
           <a:extLst>
             <a:ext uri="{909E8E84-426E-40dd-AFC4-6F175D3DCCD1}">
-              <a14:hiddenFill xmlns:a14="http://schemas.microsoft.com/office/drawing/2010/main" xmlns="">
+              <a14:hiddenFill xmlns="" xmlns:a14="http://schemas.microsoft.com/office/drawing/2010/main">
                 <a:solidFill>
                   <a:srgbClr val="FFFFFF"/>
                 </a:solidFill>
               </a14:hiddenFill>
             </a:ext>
             <a:ext uri="{91240B29-F687-4f45-9708-019B960494DF}">
-              <a14:hiddenLine xmlns:a14="http://schemas.microsoft.com/office/drawing/2010/main" xmlns="" w="9525">
+              <a14:hiddenLine xmlns="" xmlns:a14="http://schemas.microsoft.com/office/drawing/2010/main" w="9525">
                 <a:solidFill>
                   <a:srgbClr val="000000"/>
                 </a:solidFill>
@@ -25977,7 +25964,7 @@
               </a14:hiddenLine>
             </a:ext>
             <a:ext uri="{FAA26D3D-D897-4be2-8F04-BA451C77F1D7}">
-              <ma14:placeholderFlag xmlns:ma14="http://schemas.microsoft.com/office/mac/drawingml/2011/main" xmlns="" val="1"/>
+              <ma14:placeholderFlag xmlns="" xmlns:ma14="http://schemas.microsoft.com/office/mac/drawingml/2011/main" val="1"/>
             </a:ext>
           </a:extLst>
         </p:spPr>
@@ -26403,7 +26390,7 @@
           <a:graphicData uri="http://schemas.openxmlformats.org/presentationml/2006/ole">
             <mc:AlternateContent xmlns:mc="http://schemas.openxmlformats.org/markup-compatibility/2006">
               <mc:Choice xmlns:v="urn:schemas-microsoft-com:vml" Requires="v">
-                <p:oleObj spid="_x0000_s3087" name="Document" r:id="rId3" imgW="6134100" imgH="2260600" progId="Word.Document.12">
+                <p:oleObj spid="_x0000_s3088" name="Document" r:id="rId3" imgW="6134100" imgH="2260600" progId="Word.Document.12">
                   <p:embed/>
                 </p:oleObj>
               </mc:Choice>
@@ -28469,14 +28456,14 @@
             </a:ln>
             <a:extLst>
               <a:ext uri="{909E8E84-426E-40dd-AFC4-6F175D3DCCD1}">
-                <a14:hiddenFill xmlns:a14="http://schemas.microsoft.com/office/drawing/2010/main" xmlns="">
+                <a14:hiddenFill xmlns="" xmlns:a14="http://schemas.microsoft.com/office/drawing/2010/main">
                   <a:solidFill>
                     <a:srgbClr val="FFFFFF"/>
                   </a:solidFill>
                 </a14:hiddenFill>
               </a:ext>
               <a:ext uri="{91240B29-F687-4f45-9708-019B960494DF}">
-                <a14:hiddenLine xmlns:a14="http://schemas.microsoft.com/office/drawing/2010/main" xmlns="" w="12700">
+                <a14:hiddenLine xmlns="" xmlns:a14="http://schemas.microsoft.com/office/drawing/2010/main" w="12700">
                   <a:solidFill>
                     <a:srgbClr val="000000"/>
                   </a:solidFill>
@@ -28606,7 +28593,7 @@
             </a:ln>
             <a:extLst>
               <a:ext uri="{909E8E84-426E-40dd-AFC4-6F175D3DCCD1}">
-                <a14:hiddenFill xmlns:a14="http://schemas.microsoft.com/office/drawing/2010/main" xmlns="">
+                <a14:hiddenFill xmlns="" xmlns:a14="http://schemas.microsoft.com/office/drawing/2010/main">
                   <a:solidFill>
                     <a:srgbClr val="FFFFFF"/>
                   </a:solidFill>
@@ -28977,14 +28964,14 @@
             </a:ln>
             <a:extLst>
               <a:ext uri="{909E8E84-426E-40dd-AFC4-6F175D3DCCD1}">
-                <a14:hiddenFill xmlns:a14="http://schemas.microsoft.com/office/drawing/2010/main" xmlns="">
+                <a14:hiddenFill xmlns="" xmlns:a14="http://schemas.microsoft.com/office/drawing/2010/main">
                   <a:solidFill>
                     <a:srgbClr val="FFFFFF"/>
                   </a:solidFill>
                 </a14:hiddenFill>
               </a:ext>
               <a:ext uri="{91240B29-F687-4f45-9708-019B960494DF}">
-                <a14:hiddenLine xmlns:a14="http://schemas.microsoft.com/office/drawing/2010/main" xmlns="" w="12700">
+                <a14:hiddenLine xmlns="" xmlns:a14="http://schemas.microsoft.com/office/drawing/2010/main" w="12700">
                   <a:solidFill>
                     <a:srgbClr val="000000"/>
                   </a:solidFill>
@@ -29084,7 +29071,7 @@
           </a:ln>
           <a:extLst>
             <a:ext uri="{909E8E84-426E-40dd-AFC4-6F175D3DCCD1}">
-              <a14:hiddenFill xmlns:a14="http://schemas.microsoft.com/office/drawing/2010/main" xmlns="">
+              <a14:hiddenFill xmlns="" xmlns:a14="http://schemas.microsoft.com/office/drawing/2010/main">
                 <a:solidFill>
                   <a:srgbClr val="FFFFFF"/>
                 </a:solidFill>
@@ -29170,7 +29157,7 @@
           </a:ln>
           <a:extLst>
             <a:ext uri="{909E8E84-426E-40dd-AFC4-6F175D3DCCD1}">
-              <a14:hiddenFill xmlns:a14="http://schemas.microsoft.com/office/drawing/2010/main" xmlns="">
+              <a14:hiddenFill xmlns="" xmlns:a14="http://schemas.microsoft.com/office/drawing/2010/main">
                 <a:solidFill>
                   <a:srgbClr val="FFFFFF"/>
                 </a:solidFill>
@@ -29210,14 +29197,14 @@
           </a:ln>
           <a:extLst>
             <a:ext uri="{909E8E84-426E-40dd-AFC4-6F175D3DCCD1}">
-              <a14:hiddenFill xmlns:a14="http://schemas.microsoft.com/office/drawing/2010/main" xmlns="">
+              <a14:hiddenFill xmlns="" xmlns:a14="http://schemas.microsoft.com/office/drawing/2010/main">
                 <a:solidFill>
                   <a:srgbClr val="FFFFFF"/>
                 </a:solidFill>
               </a14:hiddenFill>
             </a:ext>
             <a:ext uri="{91240B29-F687-4f45-9708-019B960494DF}">
-              <a14:hiddenLine xmlns:a14="http://schemas.microsoft.com/office/drawing/2010/main" xmlns="" w="12700">
+              <a14:hiddenLine xmlns="" xmlns:a14="http://schemas.microsoft.com/office/drawing/2010/main" w="12700">
                 <a:solidFill>
                   <a:srgbClr val="000000"/>
                 </a:solidFill>
@@ -29270,14 +29257,14 @@
           </a:ln>
           <a:extLst>
             <a:ext uri="{909E8E84-426E-40dd-AFC4-6F175D3DCCD1}">
-              <a14:hiddenFill xmlns:a14="http://schemas.microsoft.com/office/drawing/2010/main" xmlns="">
+              <a14:hiddenFill xmlns="" xmlns:a14="http://schemas.microsoft.com/office/drawing/2010/main">
                 <a:solidFill>
                   <a:srgbClr val="FFFFFF"/>
                 </a:solidFill>
               </a14:hiddenFill>
             </a:ext>
             <a:ext uri="{91240B29-F687-4f45-9708-019B960494DF}">
-              <a14:hiddenLine xmlns:a14="http://schemas.microsoft.com/office/drawing/2010/main" xmlns="" w="12700">
+              <a14:hiddenLine xmlns="" xmlns:a14="http://schemas.microsoft.com/office/drawing/2010/main" w="12700">
                 <a:solidFill>
                   <a:srgbClr val="000000"/>
                 </a:solidFill>
@@ -29330,14 +29317,14 @@
           </a:ln>
           <a:extLst>
             <a:ext uri="{909E8E84-426E-40dd-AFC4-6F175D3DCCD1}">
-              <a14:hiddenFill xmlns:a14="http://schemas.microsoft.com/office/drawing/2010/main" xmlns="">
+              <a14:hiddenFill xmlns="" xmlns:a14="http://schemas.microsoft.com/office/drawing/2010/main">
                 <a:solidFill>
                   <a:srgbClr val="FFFFFF"/>
                 </a:solidFill>
               </a14:hiddenFill>
             </a:ext>
             <a:ext uri="{91240B29-F687-4f45-9708-019B960494DF}">
-              <a14:hiddenLine xmlns:a14="http://schemas.microsoft.com/office/drawing/2010/main" xmlns="" w="12700">
+              <a14:hiddenLine xmlns="" xmlns:a14="http://schemas.microsoft.com/office/drawing/2010/main" w="12700">
                 <a:solidFill>
                   <a:srgbClr val="000000"/>
                 </a:solidFill>
@@ -29432,14 +29419,14 @@
           </a:ln>
           <a:extLst>
             <a:ext uri="{909E8E84-426E-40dd-AFC4-6F175D3DCCD1}">
-              <a14:hiddenFill xmlns:a14="http://schemas.microsoft.com/office/drawing/2010/main" xmlns="">
+              <a14:hiddenFill xmlns="" xmlns:a14="http://schemas.microsoft.com/office/drawing/2010/main">
                 <a:solidFill>
                   <a:srgbClr val="FFFFFF"/>
                 </a:solidFill>
               </a14:hiddenFill>
             </a:ext>
             <a:ext uri="{91240B29-F687-4f45-9708-019B960494DF}">
-              <a14:hiddenLine xmlns:a14="http://schemas.microsoft.com/office/drawing/2010/main" xmlns="" w="12700">
+              <a14:hiddenLine xmlns="" xmlns:a14="http://schemas.microsoft.com/office/drawing/2010/main" w="12700">
                 <a:solidFill>
                   <a:srgbClr val="000000"/>
                 </a:solidFill>
@@ -31823,7 +31810,7 @@
           <a:graphicData uri="http://schemas.openxmlformats.org/presentationml/2006/ole">
             <mc:AlternateContent xmlns:mc="http://schemas.openxmlformats.org/markup-compatibility/2006">
               <mc:Choice xmlns:v="urn:schemas-microsoft-com:vml" Requires="v">
-                <p:oleObj spid="_x0000_s4111" name="Visio" r:id="rId4" imgW="5016500" imgH="3683000" progId="Visio.Drawing.11">
+                <p:oleObj spid="_x0000_s4112" name="Visio" r:id="rId4" imgW="5016500" imgH="3683000" progId="Visio.Drawing.11">
                   <p:embed/>
                 </p:oleObj>
               </mc:Choice>
@@ -32005,11 +31992,11 @@
   <p:clrMapOvr>
     <a:masterClrMapping/>
   </p:clrMapOvr>
-  <mc:AlternateContent xmlns:mc="http://schemas.openxmlformats.org/markup-compatibility/2006">
-    <mc:Choice xmlns:p14="http://schemas.microsoft.com/office/powerpoint/2010/main" Requires="p14">
+  <mc:AlternateContent xmlns:mc="http://schemas.openxmlformats.org/markup-compatibility/2006" xmlns:p14="http://schemas.microsoft.com/office/powerpoint/2010/main">
+    <mc:Choice Requires="p14">
       <p:transition spd="slow" p14:dur="2000"/>
     </mc:Choice>
-    <mc:Fallback>
+    <mc:Fallback xmlns="">
       <p:transition spd="slow"/>
     </mc:Fallback>
   </mc:AlternateContent>
@@ -34044,7 +34031,7 @@
           <a:noFill/>
           <a:extLst>
             <a:ext uri="{909E8E84-426E-40dd-AFC4-6F175D3DCCD1}">
-              <a14:hiddenFill xmlns:a14="http://schemas.microsoft.com/office/drawing/2010/main" xmlns="">
+              <a14:hiddenFill xmlns="" xmlns:a14="http://schemas.microsoft.com/office/drawing/2010/main">
                 <a:solidFill>
                   <a:srgbClr val="FFFFFF"/>
                 </a:solidFill>
@@ -34189,14 +34176,14 @@
           </a:ln>
           <a:extLst>
             <a:ext uri="{909E8E84-426E-40dd-AFC4-6F175D3DCCD1}">
-              <a14:hiddenFill xmlns:a14="http://schemas.microsoft.com/office/drawing/2010/main" xmlns="">
+              <a14:hiddenFill xmlns="" xmlns:a14="http://schemas.microsoft.com/office/drawing/2010/main">
                 <a:solidFill>
                   <a:srgbClr val="FFFFFF"/>
                 </a:solidFill>
               </a14:hiddenFill>
             </a:ext>
             <a:ext uri="{91240B29-F687-4f45-9708-019B960494DF}">
-              <a14:hiddenLine xmlns:a14="http://schemas.microsoft.com/office/drawing/2010/main" xmlns="" w="9525">
+              <a14:hiddenLine xmlns="" xmlns:a14="http://schemas.microsoft.com/office/drawing/2010/main" w="9525">
                 <a:solidFill>
                   <a:srgbClr val="000000"/>
                 </a:solidFill>
@@ -34252,14 +34239,14 @@
           </a:ln>
           <a:extLst>
             <a:ext uri="{909E8E84-426E-40dd-AFC4-6F175D3DCCD1}">
-              <a14:hiddenFill xmlns:a14="http://schemas.microsoft.com/office/drawing/2010/main" xmlns="">
+              <a14:hiddenFill xmlns="" xmlns:a14="http://schemas.microsoft.com/office/drawing/2010/main">
                 <a:solidFill>
                   <a:srgbClr val="FFFFFF"/>
                 </a:solidFill>
               </a14:hiddenFill>
             </a:ext>
             <a:ext uri="{91240B29-F687-4f45-9708-019B960494DF}">
-              <a14:hiddenLine xmlns:a14="http://schemas.microsoft.com/office/drawing/2010/main" xmlns="" w="9525">
+              <a14:hiddenLine xmlns="" xmlns:a14="http://schemas.microsoft.com/office/drawing/2010/main" w="9525">
                 <a:solidFill>
                   <a:srgbClr val="000000"/>
                 </a:solidFill>
@@ -34293,14 +34280,14 @@
           </a:ln>
           <a:extLst>
             <a:ext uri="{909E8E84-426E-40dd-AFC4-6F175D3DCCD1}">
-              <a14:hiddenFill xmlns:a14="http://schemas.microsoft.com/office/drawing/2010/main" xmlns="">
+              <a14:hiddenFill xmlns="" xmlns:a14="http://schemas.microsoft.com/office/drawing/2010/main">
                 <a:solidFill>
                   <a:srgbClr val="FFFFFF"/>
                 </a:solidFill>
               </a14:hiddenFill>
             </a:ext>
             <a:ext uri="{91240B29-F687-4f45-9708-019B960494DF}">
-              <a14:hiddenLine xmlns:a14="http://schemas.microsoft.com/office/drawing/2010/main" xmlns="" w="9525">
+              <a14:hiddenLine xmlns="" xmlns:a14="http://schemas.microsoft.com/office/drawing/2010/main" w="9525">
                 <a:solidFill>
                   <a:srgbClr val="000000"/>
                 </a:solidFill>
@@ -35260,7 +35247,7 @@
           <a:noFill/>
           <a:extLst>
             <a:ext uri="{909E8E84-426E-40dd-AFC4-6F175D3DCCD1}">
-              <a14:hiddenFill xmlns:a14="http://schemas.microsoft.com/office/drawing/2010/main" xmlns="">
+              <a14:hiddenFill xmlns="" xmlns:a14="http://schemas.microsoft.com/office/drawing/2010/main">
                 <a:solidFill>
                   <a:srgbClr val="FFFFFF"/>
                 </a:solidFill>

--- a/SE401/Lectures/2-Software Quality/Software Quality.pptx
+++ b/SE401/Lectures/2-Software Quality/Software Quality.pptx
@@ -277,7 +277,7 @@
           <a:p>
             <a:fld id="{29DC965F-4EE6-424F-87B9-6E4E065EFA1D}" type="datetimeFigureOut">
               <a:rPr lang="en-US" smtClean="0"/>
-              <a:t>9/7/2021</a:t>
+              <a:t>9/8/2021</a:t>
             </a:fld>
             <a:endParaRPr lang="en-US"/>
           </a:p>
@@ -595,14 +595,14 @@
           <a:ln/>
           <a:extLst>
             <a:ext uri="{909E8E84-426E-40dd-AFC4-6F175D3DCCD1}">
-              <a14:hiddenFill xmlns="" xmlns:a14="http://schemas.microsoft.com/office/drawing/2010/main">
+              <a14:hiddenFill xmlns:a14="http://schemas.microsoft.com/office/drawing/2010/main" xmlns="">
                 <a:solidFill>
                   <a:srgbClr val="FFFFFF"/>
                 </a:solidFill>
               </a14:hiddenFill>
             </a:ext>
             <a:ext uri="{91240B29-F687-4f45-9708-019B960494DF}">
-              <a14:hiddenLine xmlns="" xmlns:a14="http://schemas.microsoft.com/office/drawing/2010/main" w="9525">
+              <a14:hiddenLine xmlns:a14="http://schemas.microsoft.com/office/drawing/2010/main" xmlns="" w="9525">
                 <a:solidFill>
                   <a:srgbClr val="000000"/>
                 </a:solidFill>
@@ -640,14 +640,14 @@
           <a:ln/>
           <a:extLst>
             <a:ext uri="{909E8E84-426E-40dd-AFC4-6F175D3DCCD1}">
-              <a14:hiddenFill xmlns="" xmlns:a14="http://schemas.microsoft.com/office/drawing/2010/main">
+              <a14:hiddenFill xmlns:a14="http://schemas.microsoft.com/office/drawing/2010/main" xmlns="">
                 <a:solidFill>
                   <a:srgbClr val="FFFFFF"/>
                 </a:solidFill>
               </a14:hiddenFill>
             </a:ext>
             <a:ext uri="{91240B29-F687-4f45-9708-019B960494DF}">
-              <a14:hiddenLine xmlns="" xmlns:a14="http://schemas.microsoft.com/office/drawing/2010/main" w="9525">
+              <a14:hiddenLine xmlns:a14="http://schemas.microsoft.com/office/drawing/2010/main" xmlns="" w="9525">
                 <a:solidFill>
                   <a:srgbClr val="000000"/>
                 </a:solidFill>
@@ -792,14 +792,14 @@
           <a:ln/>
           <a:extLst>
             <a:ext uri="{909E8E84-426E-40dd-AFC4-6F175D3DCCD1}">
-              <a14:hiddenFill xmlns="" xmlns:a14="http://schemas.microsoft.com/office/drawing/2010/main">
+              <a14:hiddenFill xmlns:a14="http://schemas.microsoft.com/office/drawing/2010/main" xmlns="">
                 <a:solidFill>
                   <a:srgbClr val="FFFFFF"/>
                 </a:solidFill>
               </a14:hiddenFill>
             </a:ext>
             <a:ext uri="{91240B29-F687-4f45-9708-019B960494DF}">
-              <a14:hiddenLine xmlns="" xmlns:a14="http://schemas.microsoft.com/office/drawing/2010/main" w="9525">
+              <a14:hiddenLine xmlns:a14="http://schemas.microsoft.com/office/drawing/2010/main" xmlns="" w="9525">
                 <a:solidFill>
                   <a:srgbClr val="000000"/>
                 </a:solidFill>
@@ -943,14 +943,14 @@
           <a:ln/>
           <a:extLst>
             <a:ext uri="{909E8E84-426E-40dd-AFC4-6F175D3DCCD1}">
-              <a14:hiddenFill xmlns="" xmlns:a14="http://schemas.microsoft.com/office/drawing/2010/main">
+              <a14:hiddenFill xmlns:a14="http://schemas.microsoft.com/office/drawing/2010/main" xmlns="">
                 <a:solidFill>
                   <a:srgbClr val="FFFFFF"/>
                 </a:solidFill>
               </a14:hiddenFill>
             </a:ext>
             <a:ext uri="{91240B29-F687-4f45-9708-019B960494DF}">
-              <a14:hiddenLine xmlns="" xmlns:a14="http://schemas.microsoft.com/office/drawing/2010/main" w="9525">
+              <a14:hiddenLine xmlns:a14="http://schemas.microsoft.com/office/drawing/2010/main" xmlns="" w="9525">
                 <a:solidFill>
                   <a:srgbClr val="000000"/>
                 </a:solidFill>
@@ -1345,14 +1345,14 @@
           </a:ln>
           <a:extLst>
             <a:ext uri="{909E8E84-426E-40dd-AFC4-6F175D3DCCD1}">
-              <a14:hiddenFill xmlns="" xmlns:a14="http://schemas.microsoft.com/office/drawing/2010/main">
+              <a14:hiddenFill xmlns:a14="http://schemas.microsoft.com/office/drawing/2010/main" xmlns="">
                 <a:solidFill>
                   <a:srgbClr val="FFFFFF"/>
                 </a:solidFill>
               </a14:hiddenFill>
             </a:ext>
             <a:ext uri="{FAA26D3D-D897-4be2-8F04-BA451C77F1D7}">
-              <ma14:placeholderFlag xmlns="" xmlns:ma14="http://schemas.microsoft.com/office/mac/drawingml/2011/main" val="1"/>
+              <ma14:placeholderFlag xmlns:ma14="http://schemas.microsoft.com/office/mac/drawingml/2011/main" xmlns="" val="1"/>
             </a:ext>
           </a:extLst>
         </p:spPr>
@@ -1371,14 +1371,14 @@
           <a:noFill/>
           <a:extLst>
             <a:ext uri="{909E8E84-426E-40dd-AFC4-6F175D3DCCD1}">
-              <a14:hiddenFill xmlns="" xmlns:a14="http://schemas.microsoft.com/office/drawing/2010/main">
+              <a14:hiddenFill xmlns:a14="http://schemas.microsoft.com/office/drawing/2010/main" xmlns="">
                 <a:solidFill>
                   <a:srgbClr val="FFFFFF"/>
                 </a:solidFill>
               </a14:hiddenFill>
             </a:ext>
             <a:ext uri="{91240B29-F687-4f45-9708-019B960494DF}">
-              <a14:hiddenLine xmlns="" xmlns:a14="http://schemas.microsoft.com/office/drawing/2010/main" w="9525">
+              <a14:hiddenLine xmlns:a14="http://schemas.microsoft.com/office/drawing/2010/main" xmlns="" w="9525">
                 <a:solidFill>
                   <a:srgbClr val="000000"/>
                 </a:solidFill>
@@ -1388,7 +1388,7 @@
               </a14:hiddenLine>
             </a:ext>
             <a:ext uri="{FAA26D3D-D897-4be2-8F04-BA451C77F1D7}">
-              <ma14:placeholderFlag xmlns="" xmlns:ma14="http://schemas.microsoft.com/office/mac/drawingml/2011/main" val="1"/>
+              <ma14:placeholderFlag xmlns:ma14="http://schemas.microsoft.com/office/mac/drawingml/2011/main" xmlns="" val="1"/>
             </a:ext>
           </a:extLst>
         </p:spPr>
@@ -1495,14 +1495,14 @@
           </a:ln>
           <a:extLst>
             <a:ext uri="{909E8E84-426E-40dd-AFC4-6F175D3DCCD1}">
-              <a14:hiddenFill xmlns="" xmlns:a14="http://schemas.microsoft.com/office/drawing/2010/main">
+              <a14:hiddenFill xmlns:a14="http://schemas.microsoft.com/office/drawing/2010/main" xmlns="">
                 <a:solidFill>
                   <a:srgbClr val="FFFFFF"/>
                 </a:solidFill>
               </a14:hiddenFill>
             </a:ext>
             <a:ext uri="{FAA26D3D-D897-4be2-8F04-BA451C77F1D7}">
-              <ma14:placeholderFlag xmlns="" xmlns:ma14="http://schemas.microsoft.com/office/mac/drawingml/2011/main" val="1"/>
+              <ma14:placeholderFlag xmlns:ma14="http://schemas.microsoft.com/office/mac/drawingml/2011/main" xmlns="" val="1"/>
             </a:ext>
           </a:extLst>
         </p:spPr>
@@ -1521,14 +1521,14 @@
           <a:noFill/>
           <a:extLst>
             <a:ext uri="{909E8E84-426E-40dd-AFC4-6F175D3DCCD1}">
-              <a14:hiddenFill xmlns="" xmlns:a14="http://schemas.microsoft.com/office/drawing/2010/main">
+              <a14:hiddenFill xmlns:a14="http://schemas.microsoft.com/office/drawing/2010/main" xmlns="">
                 <a:solidFill>
                   <a:srgbClr val="FFFFFF"/>
                 </a:solidFill>
               </a14:hiddenFill>
             </a:ext>
             <a:ext uri="{91240B29-F687-4f45-9708-019B960494DF}">
-              <a14:hiddenLine xmlns="" xmlns:a14="http://schemas.microsoft.com/office/drawing/2010/main" w="9525">
+              <a14:hiddenLine xmlns:a14="http://schemas.microsoft.com/office/drawing/2010/main" xmlns="" w="9525">
                 <a:solidFill>
                   <a:srgbClr val="000000"/>
                 </a:solidFill>
@@ -1538,7 +1538,7 @@
               </a14:hiddenLine>
             </a:ext>
             <a:ext uri="{FAA26D3D-D897-4be2-8F04-BA451C77F1D7}">
-              <ma14:placeholderFlag xmlns="" xmlns:ma14="http://schemas.microsoft.com/office/mac/drawingml/2011/main" val="1"/>
+              <ma14:placeholderFlag xmlns:ma14="http://schemas.microsoft.com/office/mac/drawingml/2011/main" xmlns="" val="1"/>
             </a:ext>
           </a:extLst>
         </p:spPr>
@@ -1638,14 +1638,14 @@
           <a:ln/>
           <a:extLst>
             <a:ext uri="{909E8E84-426E-40dd-AFC4-6F175D3DCCD1}">
-              <a14:hiddenFill xmlns="" xmlns:a14="http://schemas.microsoft.com/office/drawing/2010/main">
+              <a14:hiddenFill xmlns:a14="http://schemas.microsoft.com/office/drawing/2010/main" xmlns="">
                 <a:solidFill>
                   <a:srgbClr val="FFFFFF"/>
                 </a:solidFill>
               </a14:hiddenFill>
             </a:ext>
             <a:ext uri="{91240B29-F687-4f45-9708-019B960494DF}">
-              <a14:hiddenLine xmlns="" xmlns:a14="http://schemas.microsoft.com/office/drawing/2010/main" w="9525">
+              <a14:hiddenLine xmlns:a14="http://schemas.microsoft.com/office/drawing/2010/main" xmlns="" w="9525">
                 <a:solidFill>
                   <a:srgbClr val="000000"/>
                 </a:solidFill>
@@ -1655,7 +1655,7 @@
               </a14:hiddenLine>
             </a:ext>
             <a:ext uri="{FAA26D3D-D897-4be2-8F04-BA451C77F1D7}">
-              <ma14:placeholderFlag xmlns="" xmlns:ma14="http://schemas.microsoft.com/office/mac/drawingml/2011/main" val="1"/>
+              <ma14:placeholderFlag xmlns:ma14="http://schemas.microsoft.com/office/mac/drawingml/2011/main" xmlns="" val="1"/>
             </a:ext>
           </a:extLst>
         </p:spPr>
@@ -1700,14 +1700,14 @@
           <a:ln/>
           <a:extLst>
             <a:ext uri="{909E8E84-426E-40dd-AFC4-6F175D3DCCD1}">
-              <a14:hiddenFill xmlns="" xmlns:a14="http://schemas.microsoft.com/office/drawing/2010/main">
+              <a14:hiddenFill xmlns:a14="http://schemas.microsoft.com/office/drawing/2010/main" xmlns="">
                 <a:solidFill>
                   <a:srgbClr val="FFFFFF"/>
                 </a:solidFill>
               </a14:hiddenFill>
             </a:ext>
             <a:ext uri="{91240B29-F687-4f45-9708-019B960494DF}">
-              <a14:hiddenLine xmlns="" xmlns:a14="http://schemas.microsoft.com/office/drawing/2010/main" w="9525">
+              <a14:hiddenLine xmlns:a14="http://schemas.microsoft.com/office/drawing/2010/main" xmlns="" w="9525">
                 <a:solidFill>
                   <a:srgbClr val="000000"/>
                 </a:solidFill>
@@ -1852,14 +1852,14 @@
           <a:ln/>
           <a:extLst>
             <a:ext uri="{909E8E84-426E-40dd-AFC4-6F175D3DCCD1}">
-              <a14:hiddenFill xmlns="" xmlns:a14="http://schemas.microsoft.com/office/drawing/2010/main">
+              <a14:hiddenFill xmlns:a14="http://schemas.microsoft.com/office/drawing/2010/main" xmlns="">
                 <a:solidFill>
                   <a:srgbClr val="FFFFFF"/>
                 </a:solidFill>
               </a14:hiddenFill>
             </a:ext>
             <a:ext uri="{91240B29-F687-4f45-9708-019B960494DF}">
-              <a14:hiddenLine xmlns="" xmlns:a14="http://schemas.microsoft.com/office/drawing/2010/main" w="9525">
+              <a14:hiddenLine xmlns:a14="http://schemas.microsoft.com/office/drawing/2010/main" xmlns="" w="9525">
                 <a:solidFill>
                   <a:srgbClr val="000000"/>
                 </a:solidFill>
@@ -2003,14 +2003,14 @@
           <a:ln/>
           <a:extLst>
             <a:ext uri="{909E8E84-426E-40dd-AFC4-6F175D3DCCD1}">
-              <a14:hiddenFill xmlns="" xmlns:a14="http://schemas.microsoft.com/office/drawing/2010/main">
+              <a14:hiddenFill xmlns:a14="http://schemas.microsoft.com/office/drawing/2010/main" xmlns="">
                 <a:solidFill>
                   <a:srgbClr val="FFFFFF"/>
                 </a:solidFill>
               </a14:hiddenFill>
             </a:ext>
             <a:ext uri="{91240B29-F687-4f45-9708-019B960494DF}">
-              <a14:hiddenLine xmlns="" xmlns:a14="http://schemas.microsoft.com/office/drawing/2010/main" w="9525">
+              <a14:hiddenLine xmlns:a14="http://schemas.microsoft.com/office/drawing/2010/main" xmlns="" w="9525">
                 <a:solidFill>
                   <a:srgbClr val="000000"/>
                 </a:solidFill>
@@ -2222,14 +2222,14 @@
           <a:ln/>
           <a:extLst>
             <a:ext uri="{909E8E84-426E-40dd-AFC4-6F175D3DCCD1}">
-              <a14:hiddenFill xmlns="" xmlns:a14="http://schemas.microsoft.com/office/drawing/2010/main">
+              <a14:hiddenFill xmlns:a14="http://schemas.microsoft.com/office/drawing/2010/main" xmlns="">
                 <a:solidFill>
                   <a:srgbClr val="FFFFFF"/>
                 </a:solidFill>
               </a14:hiddenFill>
             </a:ext>
             <a:ext uri="{91240B29-F687-4f45-9708-019B960494DF}">
-              <a14:hiddenLine xmlns="" xmlns:a14="http://schemas.microsoft.com/office/drawing/2010/main" w="9525">
+              <a14:hiddenLine xmlns:a14="http://schemas.microsoft.com/office/drawing/2010/main" xmlns="" w="9525">
                 <a:solidFill>
                   <a:srgbClr val="000000"/>
                 </a:solidFill>
@@ -2239,7 +2239,7 @@
               </a14:hiddenLine>
             </a:ext>
             <a:ext uri="{FAA26D3D-D897-4be2-8F04-BA451C77F1D7}">
-              <ma14:placeholderFlag xmlns="" xmlns:ma14="http://schemas.microsoft.com/office/mac/drawingml/2011/main" val="1"/>
+              <ma14:placeholderFlag xmlns:ma14="http://schemas.microsoft.com/office/mac/drawingml/2011/main" xmlns="" val="1"/>
             </a:ext>
           </a:extLst>
         </p:spPr>
@@ -2288,14 +2288,14 @@
           <a:ln/>
           <a:extLst>
             <a:ext uri="{909E8E84-426E-40dd-AFC4-6F175D3DCCD1}">
-              <a14:hiddenFill xmlns="" xmlns:a14="http://schemas.microsoft.com/office/drawing/2010/main">
+              <a14:hiddenFill xmlns:a14="http://schemas.microsoft.com/office/drawing/2010/main" xmlns="">
                 <a:solidFill>
                   <a:srgbClr val="FFFFFF"/>
                 </a:solidFill>
               </a14:hiddenFill>
             </a:ext>
             <a:ext uri="{91240B29-F687-4f45-9708-019B960494DF}">
-              <a14:hiddenLine xmlns="" xmlns:a14="http://schemas.microsoft.com/office/drawing/2010/main" w="9525">
+              <a14:hiddenLine xmlns:a14="http://schemas.microsoft.com/office/drawing/2010/main" xmlns="" w="9525">
                 <a:solidFill>
                   <a:srgbClr val="000000"/>
                 </a:solidFill>
@@ -2440,14 +2440,14 @@
           <a:ln/>
           <a:extLst>
             <a:ext uri="{909E8E84-426E-40dd-AFC4-6F175D3DCCD1}">
-              <a14:hiddenFill xmlns="" xmlns:a14="http://schemas.microsoft.com/office/drawing/2010/main">
+              <a14:hiddenFill xmlns:a14="http://schemas.microsoft.com/office/drawing/2010/main" xmlns="">
                 <a:solidFill>
                   <a:srgbClr val="FFFFFF"/>
                 </a:solidFill>
               </a14:hiddenFill>
             </a:ext>
             <a:ext uri="{91240B29-F687-4f45-9708-019B960494DF}">
-              <a14:hiddenLine xmlns="" xmlns:a14="http://schemas.microsoft.com/office/drawing/2010/main" w="9525">
+              <a14:hiddenLine xmlns:a14="http://schemas.microsoft.com/office/drawing/2010/main" xmlns="" w="9525">
                 <a:solidFill>
                   <a:srgbClr val="000000"/>
                 </a:solidFill>
@@ -2591,14 +2591,14 @@
           <a:ln/>
           <a:extLst>
             <a:ext uri="{909E8E84-426E-40dd-AFC4-6F175D3DCCD1}">
-              <a14:hiddenFill xmlns="" xmlns:a14="http://schemas.microsoft.com/office/drawing/2010/main">
+              <a14:hiddenFill xmlns:a14="http://schemas.microsoft.com/office/drawing/2010/main" xmlns="">
                 <a:solidFill>
                   <a:srgbClr val="FFFFFF"/>
                 </a:solidFill>
               </a14:hiddenFill>
             </a:ext>
             <a:ext uri="{91240B29-F687-4f45-9708-019B960494DF}">
-              <a14:hiddenLine xmlns="" xmlns:a14="http://schemas.microsoft.com/office/drawing/2010/main" w="9525">
+              <a14:hiddenLine xmlns:a14="http://schemas.microsoft.com/office/drawing/2010/main" xmlns="" w="9525">
                 <a:solidFill>
                   <a:srgbClr val="000000"/>
                 </a:solidFill>
@@ -2828,14 +2828,14 @@
           <a:ln/>
           <a:extLst>
             <a:ext uri="{909E8E84-426E-40dd-AFC4-6F175D3DCCD1}">
-              <a14:hiddenFill xmlns="" xmlns:a14="http://schemas.microsoft.com/office/drawing/2010/main">
+              <a14:hiddenFill xmlns:a14="http://schemas.microsoft.com/office/drawing/2010/main" xmlns="">
                 <a:solidFill>
                   <a:srgbClr val="FFFFFF"/>
                 </a:solidFill>
               </a14:hiddenFill>
             </a:ext>
             <a:ext uri="{91240B29-F687-4f45-9708-019B960494DF}">
-              <a14:hiddenLine xmlns="" xmlns:a14="http://schemas.microsoft.com/office/drawing/2010/main" w="9525">
+              <a14:hiddenLine xmlns:a14="http://schemas.microsoft.com/office/drawing/2010/main" xmlns="" w="9525">
                 <a:solidFill>
                   <a:srgbClr val="000000"/>
                 </a:solidFill>
@@ -2878,14 +2878,14 @@
           <a:ln/>
           <a:extLst>
             <a:ext uri="{909E8E84-426E-40dd-AFC4-6F175D3DCCD1}">
-              <a14:hiddenFill xmlns="" xmlns:a14="http://schemas.microsoft.com/office/drawing/2010/main">
+              <a14:hiddenFill xmlns:a14="http://schemas.microsoft.com/office/drawing/2010/main" xmlns="">
                 <a:solidFill>
                   <a:srgbClr val="FFFFFF"/>
                 </a:solidFill>
               </a14:hiddenFill>
             </a:ext>
             <a:ext uri="{91240B29-F687-4f45-9708-019B960494DF}">
-              <a14:hiddenLine xmlns="" xmlns:a14="http://schemas.microsoft.com/office/drawing/2010/main" w="9525">
+              <a14:hiddenLine xmlns:a14="http://schemas.microsoft.com/office/drawing/2010/main" xmlns="" w="9525">
                 <a:solidFill>
                   <a:srgbClr val="000000"/>
                 </a:solidFill>
@@ -3030,14 +3030,14 @@
           <a:ln/>
           <a:extLst>
             <a:ext uri="{909E8E84-426E-40dd-AFC4-6F175D3DCCD1}">
-              <a14:hiddenFill xmlns="" xmlns:a14="http://schemas.microsoft.com/office/drawing/2010/main">
+              <a14:hiddenFill xmlns:a14="http://schemas.microsoft.com/office/drawing/2010/main" xmlns="">
                 <a:solidFill>
                   <a:srgbClr val="FFFFFF"/>
                 </a:solidFill>
               </a14:hiddenFill>
             </a:ext>
             <a:ext uri="{91240B29-F687-4f45-9708-019B960494DF}">
-              <a14:hiddenLine xmlns="" xmlns:a14="http://schemas.microsoft.com/office/drawing/2010/main" w="9525">
+              <a14:hiddenLine xmlns:a14="http://schemas.microsoft.com/office/drawing/2010/main" xmlns="" w="9525">
                 <a:solidFill>
                   <a:srgbClr val="000000"/>
                 </a:solidFill>
@@ -3182,14 +3182,14 @@
           <a:ln/>
           <a:extLst>
             <a:ext uri="{909E8E84-426E-40dd-AFC4-6F175D3DCCD1}">
-              <a14:hiddenFill xmlns="" xmlns:a14="http://schemas.microsoft.com/office/drawing/2010/main">
+              <a14:hiddenFill xmlns:a14="http://schemas.microsoft.com/office/drawing/2010/main" xmlns="">
                 <a:solidFill>
                   <a:srgbClr val="FFFFFF"/>
                 </a:solidFill>
               </a14:hiddenFill>
             </a:ext>
             <a:ext uri="{91240B29-F687-4f45-9708-019B960494DF}">
-              <a14:hiddenLine xmlns="" xmlns:a14="http://schemas.microsoft.com/office/drawing/2010/main" w="9525">
+              <a14:hiddenLine xmlns:a14="http://schemas.microsoft.com/office/drawing/2010/main" xmlns="" w="9525">
                 <a:solidFill>
                   <a:srgbClr val="000000"/>
                 </a:solidFill>
@@ -3408,14 +3408,14 @@
           </a:ln>
           <a:extLst>
             <a:ext uri="{909E8E84-426E-40dd-AFC4-6F175D3DCCD1}">
-              <a14:hiddenFill xmlns="" xmlns:a14="http://schemas.microsoft.com/office/drawing/2010/main">
+              <a14:hiddenFill xmlns:a14="http://schemas.microsoft.com/office/drawing/2010/main" xmlns="">
                 <a:solidFill>
                   <a:srgbClr val="FFFFFF"/>
                 </a:solidFill>
               </a14:hiddenFill>
             </a:ext>
             <a:ext uri="{FAA26D3D-D897-4be2-8F04-BA451C77F1D7}">
-              <ma14:placeholderFlag xmlns="" xmlns:ma14="http://schemas.microsoft.com/office/mac/drawingml/2011/main" val="1"/>
+              <ma14:placeholderFlag xmlns:ma14="http://schemas.microsoft.com/office/mac/drawingml/2011/main" xmlns="" val="1"/>
             </a:ext>
           </a:extLst>
         </p:spPr>
@@ -3434,14 +3434,14 @@
           <a:noFill/>
           <a:extLst>
             <a:ext uri="{909E8E84-426E-40dd-AFC4-6F175D3DCCD1}">
-              <a14:hiddenFill xmlns="" xmlns:a14="http://schemas.microsoft.com/office/drawing/2010/main">
+              <a14:hiddenFill xmlns:a14="http://schemas.microsoft.com/office/drawing/2010/main" xmlns="">
                 <a:solidFill>
                   <a:srgbClr val="FFFFFF"/>
                 </a:solidFill>
               </a14:hiddenFill>
             </a:ext>
             <a:ext uri="{91240B29-F687-4f45-9708-019B960494DF}">
-              <a14:hiddenLine xmlns="" xmlns:a14="http://schemas.microsoft.com/office/drawing/2010/main" w="9525">
+              <a14:hiddenLine xmlns:a14="http://schemas.microsoft.com/office/drawing/2010/main" xmlns="" w="9525">
                 <a:solidFill>
                   <a:srgbClr val="000000"/>
                 </a:solidFill>
@@ -3451,7 +3451,7 @@
               </a14:hiddenLine>
             </a:ext>
             <a:ext uri="{FAA26D3D-D897-4be2-8F04-BA451C77F1D7}">
-              <ma14:placeholderFlag xmlns="" xmlns:ma14="http://schemas.microsoft.com/office/mac/drawingml/2011/main" val="1"/>
+              <ma14:placeholderFlag xmlns:ma14="http://schemas.microsoft.com/office/mac/drawingml/2011/main" xmlns="" val="1"/>
             </a:ext>
           </a:extLst>
         </p:spPr>
@@ -3558,14 +3558,14 @@
           </a:ln>
           <a:extLst>
             <a:ext uri="{909E8E84-426E-40dd-AFC4-6F175D3DCCD1}">
-              <a14:hiddenFill xmlns="" xmlns:a14="http://schemas.microsoft.com/office/drawing/2010/main">
+              <a14:hiddenFill xmlns:a14="http://schemas.microsoft.com/office/drawing/2010/main" xmlns="">
                 <a:solidFill>
                   <a:srgbClr val="FFFFFF"/>
                 </a:solidFill>
               </a14:hiddenFill>
             </a:ext>
             <a:ext uri="{91240B29-F687-4f45-9708-019B960494DF}">
-              <a14:hiddenLine xmlns="" xmlns:a14="http://schemas.microsoft.com/office/drawing/2010/main" w="9525">
+              <a14:hiddenLine xmlns:a14="http://schemas.microsoft.com/office/drawing/2010/main" xmlns="" w="9525">
                 <a:solidFill>
                   <a:srgbClr val="000000"/>
                 </a:solidFill>
@@ -3727,14 +3727,14 @@
           </a:ln>
           <a:extLst>
             <a:ext uri="{909E8E84-426E-40dd-AFC4-6F175D3DCCD1}">
-              <a14:hiddenFill xmlns="" xmlns:a14="http://schemas.microsoft.com/office/drawing/2010/main">
+              <a14:hiddenFill xmlns:a14="http://schemas.microsoft.com/office/drawing/2010/main" xmlns="">
                 <a:solidFill>
                   <a:srgbClr val="FFFFFF"/>
                 </a:solidFill>
               </a14:hiddenFill>
             </a:ext>
             <a:ext uri="{FAA26D3D-D897-4be2-8F04-BA451C77F1D7}">
-              <ma14:placeholderFlag xmlns="" xmlns:ma14="http://schemas.microsoft.com/office/mac/drawingml/2011/main" val="1"/>
+              <ma14:placeholderFlag xmlns:ma14="http://schemas.microsoft.com/office/mac/drawingml/2011/main" xmlns="" val="1"/>
             </a:ext>
           </a:extLst>
         </p:spPr>
@@ -3783,14 +3783,14 @@
           </a:ln>
           <a:extLst>
             <a:ext uri="{909E8E84-426E-40dd-AFC4-6F175D3DCCD1}">
-              <a14:hiddenFill xmlns="" xmlns:a14="http://schemas.microsoft.com/office/drawing/2010/main">
+              <a14:hiddenFill xmlns:a14="http://schemas.microsoft.com/office/drawing/2010/main" xmlns="">
                 <a:solidFill>
                   <a:srgbClr val="FFFFFF"/>
                 </a:solidFill>
               </a14:hiddenFill>
             </a:ext>
             <a:ext uri="{FAA26D3D-D897-4be2-8F04-BA451C77F1D7}">
-              <ma14:placeholderFlag xmlns="" xmlns:ma14="http://schemas.microsoft.com/office/mac/drawingml/2011/main" val="1"/>
+              <ma14:placeholderFlag xmlns:ma14="http://schemas.microsoft.com/office/mac/drawingml/2011/main" xmlns="" val="1"/>
             </a:ext>
           </a:extLst>
         </p:spPr>
@@ -3972,14 +3972,14 @@
           </a:ln>
           <a:extLst>
             <a:ext uri="{909E8E84-426E-40dd-AFC4-6F175D3DCCD1}">
-              <a14:hiddenFill xmlns="" xmlns:a14="http://schemas.microsoft.com/office/drawing/2010/main">
+              <a14:hiddenFill xmlns:a14="http://schemas.microsoft.com/office/drawing/2010/main" xmlns="">
                 <a:solidFill>
                   <a:srgbClr val="FFFFFF"/>
                 </a:solidFill>
               </a14:hiddenFill>
             </a:ext>
             <a:ext uri="{FAA26D3D-D897-4be2-8F04-BA451C77F1D7}">
-              <ma14:placeholderFlag xmlns="" xmlns:ma14="http://schemas.microsoft.com/office/mac/drawingml/2011/main" val="1"/>
+              <ma14:placeholderFlag xmlns:ma14="http://schemas.microsoft.com/office/mac/drawingml/2011/main" xmlns="" val="1"/>
             </a:ext>
           </a:extLst>
         </p:spPr>
@@ -4010,14 +4010,14 @@
           </a:ln>
           <a:extLst>
             <a:ext uri="{909E8E84-426E-40dd-AFC4-6F175D3DCCD1}">
-              <a14:hiddenFill xmlns="" xmlns:a14="http://schemas.microsoft.com/office/drawing/2010/main">
+              <a14:hiddenFill xmlns:a14="http://schemas.microsoft.com/office/drawing/2010/main" xmlns="">
                 <a:solidFill>
                   <a:srgbClr val="FFFFFF"/>
                 </a:solidFill>
               </a14:hiddenFill>
             </a:ext>
             <a:ext uri="{FAA26D3D-D897-4be2-8F04-BA451C77F1D7}">
-              <ma14:placeholderFlag xmlns="" xmlns:ma14="http://schemas.microsoft.com/office/mac/drawingml/2011/main" val="1"/>
+              <ma14:placeholderFlag xmlns:ma14="http://schemas.microsoft.com/office/mac/drawingml/2011/main" xmlns="" val="1"/>
             </a:ext>
           </a:extLst>
         </p:spPr>
@@ -4361,14 +4361,14 @@
           <a:ln/>
           <a:extLst>
             <a:ext uri="{909E8E84-426E-40dd-AFC4-6F175D3DCCD1}">
-              <a14:hiddenFill xmlns="" xmlns:a14="http://schemas.microsoft.com/office/drawing/2010/main">
+              <a14:hiddenFill xmlns:a14="http://schemas.microsoft.com/office/drawing/2010/main" xmlns="">
                 <a:solidFill>
                   <a:srgbClr val="FFFFFF"/>
                 </a:solidFill>
               </a14:hiddenFill>
             </a:ext>
             <a:ext uri="{91240B29-F687-4f45-9708-019B960494DF}">
-              <a14:hiddenLine xmlns="" xmlns:a14="http://schemas.microsoft.com/office/drawing/2010/main" w="9525">
+              <a14:hiddenLine xmlns:a14="http://schemas.microsoft.com/office/drawing/2010/main" xmlns="" w="9525">
                 <a:solidFill>
                   <a:srgbClr val="000000"/>
                 </a:solidFill>
@@ -4513,14 +4513,14 @@
           <a:ln/>
           <a:extLst>
             <a:ext uri="{909E8E84-426E-40dd-AFC4-6F175D3DCCD1}">
-              <a14:hiddenFill xmlns="" xmlns:a14="http://schemas.microsoft.com/office/drawing/2010/main">
+              <a14:hiddenFill xmlns:a14="http://schemas.microsoft.com/office/drawing/2010/main" xmlns="">
                 <a:solidFill>
                   <a:srgbClr val="FFFFFF"/>
                 </a:solidFill>
               </a14:hiddenFill>
             </a:ext>
             <a:ext uri="{91240B29-F687-4f45-9708-019B960494DF}">
-              <a14:hiddenLine xmlns="" xmlns:a14="http://schemas.microsoft.com/office/drawing/2010/main" w="9525">
+              <a14:hiddenLine xmlns:a14="http://schemas.microsoft.com/office/drawing/2010/main" xmlns="" w="9525">
                 <a:solidFill>
                   <a:srgbClr val="000000"/>
                 </a:solidFill>
@@ -4665,14 +4665,14 @@
           <a:ln/>
           <a:extLst>
             <a:ext uri="{909E8E84-426E-40dd-AFC4-6F175D3DCCD1}">
-              <a14:hiddenFill xmlns="" xmlns:a14="http://schemas.microsoft.com/office/drawing/2010/main">
+              <a14:hiddenFill xmlns:a14="http://schemas.microsoft.com/office/drawing/2010/main" xmlns="">
                 <a:solidFill>
                   <a:srgbClr val="FFFFFF"/>
                 </a:solidFill>
               </a14:hiddenFill>
             </a:ext>
             <a:ext uri="{91240B29-F687-4f45-9708-019B960494DF}">
-              <a14:hiddenLine xmlns="" xmlns:a14="http://schemas.microsoft.com/office/drawing/2010/main" w="9525">
+              <a14:hiddenLine xmlns:a14="http://schemas.microsoft.com/office/drawing/2010/main" xmlns="" w="9525">
                 <a:solidFill>
                   <a:srgbClr val="000000"/>
                 </a:solidFill>
@@ -4891,14 +4891,14 @@
           </a:ln>
           <a:extLst>
             <a:ext uri="{909E8E84-426E-40dd-AFC4-6F175D3DCCD1}">
-              <a14:hiddenFill xmlns="" xmlns:a14="http://schemas.microsoft.com/office/drawing/2010/main">
+              <a14:hiddenFill xmlns:a14="http://schemas.microsoft.com/office/drawing/2010/main" xmlns="">
                 <a:solidFill>
                   <a:srgbClr val="FFFFFF"/>
                 </a:solidFill>
               </a14:hiddenFill>
             </a:ext>
             <a:ext uri="{FAA26D3D-D897-4be2-8F04-BA451C77F1D7}">
-              <ma14:placeholderFlag xmlns="" xmlns:ma14="http://schemas.microsoft.com/office/mac/drawingml/2011/main" val="1"/>
+              <ma14:placeholderFlag xmlns:ma14="http://schemas.microsoft.com/office/mac/drawingml/2011/main" xmlns="" val="1"/>
             </a:ext>
           </a:extLst>
         </p:spPr>
@@ -4917,14 +4917,14 @@
           <a:noFill/>
           <a:extLst>
             <a:ext uri="{909E8E84-426E-40dd-AFC4-6F175D3DCCD1}">
-              <a14:hiddenFill xmlns="" xmlns:a14="http://schemas.microsoft.com/office/drawing/2010/main">
+              <a14:hiddenFill xmlns:a14="http://schemas.microsoft.com/office/drawing/2010/main" xmlns="">
                 <a:solidFill>
                   <a:srgbClr val="FFFFFF"/>
                 </a:solidFill>
               </a14:hiddenFill>
             </a:ext>
             <a:ext uri="{91240B29-F687-4f45-9708-019B960494DF}">
-              <a14:hiddenLine xmlns="" xmlns:a14="http://schemas.microsoft.com/office/drawing/2010/main" w="9525">
+              <a14:hiddenLine xmlns:a14="http://schemas.microsoft.com/office/drawing/2010/main" xmlns="" w="9525">
                 <a:solidFill>
                   <a:srgbClr val="000000"/>
                 </a:solidFill>
@@ -4934,7 +4934,7 @@
               </a14:hiddenLine>
             </a:ext>
             <a:ext uri="{FAA26D3D-D897-4be2-8F04-BA451C77F1D7}">
-              <ma14:placeholderFlag xmlns="" xmlns:ma14="http://schemas.microsoft.com/office/mac/drawingml/2011/main" val="1"/>
+              <ma14:placeholderFlag xmlns:ma14="http://schemas.microsoft.com/office/mac/drawingml/2011/main" xmlns="" val="1"/>
             </a:ext>
           </a:extLst>
         </p:spPr>
@@ -5041,14 +5041,14 @@
           </a:ln>
           <a:extLst>
             <a:ext uri="{909E8E84-426E-40dd-AFC4-6F175D3DCCD1}">
-              <a14:hiddenFill xmlns="" xmlns:a14="http://schemas.microsoft.com/office/drawing/2010/main">
+              <a14:hiddenFill xmlns:a14="http://schemas.microsoft.com/office/drawing/2010/main" xmlns="">
                 <a:solidFill>
                   <a:srgbClr val="FFFFFF"/>
                 </a:solidFill>
               </a14:hiddenFill>
             </a:ext>
             <a:ext uri="{FAA26D3D-D897-4be2-8F04-BA451C77F1D7}">
-              <ma14:placeholderFlag xmlns="" xmlns:ma14="http://schemas.microsoft.com/office/mac/drawingml/2011/main" val="1"/>
+              <ma14:placeholderFlag xmlns:ma14="http://schemas.microsoft.com/office/mac/drawingml/2011/main" xmlns="" val="1"/>
             </a:ext>
           </a:extLst>
         </p:spPr>
@@ -5067,14 +5067,14 @@
           <a:noFill/>
           <a:extLst>
             <a:ext uri="{909E8E84-426E-40dd-AFC4-6F175D3DCCD1}">
-              <a14:hiddenFill xmlns="" xmlns:a14="http://schemas.microsoft.com/office/drawing/2010/main">
+              <a14:hiddenFill xmlns:a14="http://schemas.microsoft.com/office/drawing/2010/main" xmlns="">
                 <a:solidFill>
                   <a:srgbClr val="FFFFFF"/>
                 </a:solidFill>
               </a14:hiddenFill>
             </a:ext>
             <a:ext uri="{91240B29-F687-4f45-9708-019B960494DF}">
-              <a14:hiddenLine xmlns="" xmlns:a14="http://schemas.microsoft.com/office/drawing/2010/main" w="9525">
+              <a14:hiddenLine xmlns:a14="http://schemas.microsoft.com/office/drawing/2010/main" xmlns="" w="9525">
                 <a:solidFill>
                   <a:srgbClr val="000000"/>
                 </a:solidFill>
@@ -5084,7 +5084,7 @@
               </a14:hiddenLine>
             </a:ext>
             <a:ext uri="{FAA26D3D-D897-4be2-8F04-BA451C77F1D7}">
-              <ma14:placeholderFlag xmlns="" xmlns:ma14="http://schemas.microsoft.com/office/mac/drawingml/2011/main" val="1"/>
+              <ma14:placeholderFlag xmlns:ma14="http://schemas.microsoft.com/office/mac/drawingml/2011/main" xmlns="" val="1"/>
             </a:ext>
           </a:extLst>
         </p:spPr>
@@ -5193,7 +5193,7 @@
           </a:ln>
           <a:extLst>
             <a:ext uri="{FAA26D3D-D897-4be2-8F04-BA451C77F1D7}">
-              <ma14:placeholderFlag xmlns="" xmlns:ma14="http://schemas.microsoft.com/office/mac/drawingml/2011/main" val="1"/>
+              <ma14:placeholderFlag xmlns:ma14="http://schemas.microsoft.com/office/mac/drawingml/2011/main" xmlns="" val="1"/>
             </a:ext>
           </a:extLst>
         </p:spPr>
@@ -5222,7 +5222,7 @@
           </a:ln>
           <a:extLst>
             <a:ext uri="{FAA26D3D-D897-4be2-8F04-BA451C77F1D7}">
-              <ma14:placeholderFlag xmlns="" xmlns:ma14="http://schemas.microsoft.com/office/mac/drawingml/2011/main" val="1"/>
+              <ma14:placeholderFlag xmlns:ma14="http://schemas.microsoft.com/office/mac/drawingml/2011/main" xmlns="" val="1"/>
             </a:ext>
           </a:extLst>
         </p:spPr>
@@ -5331,7 +5331,7 @@
           </a:ln>
           <a:extLst>
             <a:ext uri="{FAA26D3D-D897-4be2-8F04-BA451C77F1D7}">
-              <ma14:placeholderFlag xmlns="" xmlns:ma14="http://schemas.microsoft.com/office/mac/drawingml/2011/main" val="1"/>
+              <ma14:placeholderFlag xmlns:ma14="http://schemas.microsoft.com/office/mac/drawingml/2011/main" xmlns="" val="1"/>
             </a:ext>
           </a:extLst>
         </p:spPr>
@@ -5360,7 +5360,7 @@
           </a:ln>
           <a:extLst>
             <a:ext uri="{FAA26D3D-D897-4be2-8F04-BA451C77F1D7}">
-              <ma14:placeholderFlag xmlns="" xmlns:ma14="http://schemas.microsoft.com/office/mac/drawingml/2011/main" val="1"/>
+              <ma14:placeholderFlag xmlns:ma14="http://schemas.microsoft.com/office/mac/drawingml/2011/main" xmlns="" val="1"/>
             </a:ext>
           </a:extLst>
         </p:spPr>
@@ -5478,14 +5478,14 @@
           <a:ln/>
           <a:extLst>
             <a:ext uri="{909E8E84-426E-40dd-AFC4-6F175D3DCCD1}">
-              <a14:hiddenFill xmlns="" xmlns:a14="http://schemas.microsoft.com/office/drawing/2010/main">
+              <a14:hiddenFill xmlns:a14="http://schemas.microsoft.com/office/drawing/2010/main" xmlns="">
                 <a:solidFill>
                   <a:srgbClr val="FFFFFF"/>
                 </a:solidFill>
               </a14:hiddenFill>
             </a:ext>
             <a:ext uri="{91240B29-F687-4f45-9708-019B960494DF}">
-              <a14:hiddenLine xmlns="" xmlns:a14="http://schemas.microsoft.com/office/drawing/2010/main" w="9525">
+              <a14:hiddenLine xmlns:a14="http://schemas.microsoft.com/office/drawing/2010/main" xmlns="" w="9525">
                 <a:solidFill>
                   <a:srgbClr val="000000"/>
                 </a:solidFill>
@@ -5495,7 +5495,7 @@
               </a14:hiddenLine>
             </a:ext>
             <a:ext uri="{FAA26D3D-D897-4be2-8F04-BA451C77F1D7}">
-              <ma14:placeholderFlag xmlns="" xmlns:ma14="http://schemas.microsoft.com/office/mac/drawingml/2011/main" val="1"/>
+              <ma14:placeholderFlag xmlns:ma14="http://schemas.microsoft.com/office/mac/drawingml/2011/main" xmlns="" val="1"/>
             </a:ext>
           </a:extLst>
         </p:spPr>
@@ -5525,14 +5525,14 @@
           <a:ln/>
           <a:extLst>
             <a:ext uri="{909E8E84-426E-40dd-AFC4-6F175D3DCCD1}">
-              <a14:hiddenFill xmlns="" xmlns:a14="http://schemas.microsoft.com/office/drawing/2010/main">
+              <a14:hiddenFill xmlns:a14="http://schemas.microsoft.com/office/drawing/2010/main" xmlns="">
                 <a:solidFill>
                   <a:srgbClr val="FFFFFF"/>
                 </a:solidFill>
               </a14:hiddenFill>
             </a:ext>
             <a:ext uri="{91240B29-F687-4f45-9708-019B960494DF}">
-              <a14:hiddenLine xmlns="" xmlns:a14="http://schemas.microsoft.com/office/drawing/2010/main" w="9525">
+              <a14:hiddenLine xmlns:a14="http://schemas.microsoft.com/office/drawing/2010/main" xmlns="" w="9525">
                 <a:solidFill>
                   <a:srgbClr val="000000"/>
                 </a:solidFill>
@@ -5685,14 +5685,14 @@
           <a:ln/>
           <a:extLst>
             <a:ext uri="{909E8E84-426E-40dd-AFC4-6F175D3DCCD1}">
-              <a14:hiddenFill xmlns="" xmlns:a14="http://schemas.microsoft.com/office/drawing/2010/main">
+              <a14:hiddenFill xmlns:a14="http://schemas.microsoft.com/office/drawing/2010/main" xmlns="">
                 <a:solidFill>
                   <a:srgbClr val="FFFFFF"/>
                 </a:solidFill>
               </a14:hiddenFill>
             </a:ext>
             <a:ext uri="{91240B29-F687-4f45-9708-019B960494DF}">
-              <a14:hiddenLine xmlns="" xmlns:a14="http://schemas.microsoft.com/office/drawing/2010/main" w="9525">
+              <a14:hiddenLine xmlns:a14="http://schemas.microsoft.com/office/drawing/2010/main" xmlns="" w="9525">
                 <a:solidFill>
                   <a:srgbClr val="000000"/>
                 </a:solidFill>
@@ -5845,14 +5845,14 @@
           <a:ln/>
           <a:extLst>
             <a:ext uri="{909E8E84-426E-40dd-AFC4-6F175D3DCCD1}">
-              <a14:hiddenFill xmlns="" xmlns:a14="http://schemas.microsoft.com/office/drawing/2010/main">
+              <a14:hiddenFill xmlns:a14="http://schemas.microsoft.com/office/drawing/2010/main" xmlns="">
                 <a:solidFill>
                   <a:srgbClr val="FFFFFF"/>
                 </a:solidFill>
               </a14:hiddenFill>
             </a:ext>
             <a:ext uri="{91240B29-F687-4f45-9708-019B960494DF}">
-              <a14:hiddenLine xmlns="" xmlns:a14="http://schemas.microsoft.com/office/drawing/2010/main" w="9525">
+              <a14:hiddenLine xmlns:a14="http://schemas.microsoft.com/office/drawing/2010/main" xmlns="" w="9525">
                 <a:solidFill>
                   <a:srgbClr val="000000"/>
                 </a:solidFill>
@@ -6086,14 +6086,14 @@
           <a:ln/>
           <a:extLst>
             <a:ext uri="{909E8E84-426E-40dd-AFC4-6F175D3DCCD1}">
-              <a14:hiddenFill xmlns="" xmlns:a14="http://schemas.microsoft.com/office/drawing/2010/main">
+              <a14:hiddenFill xmlns:a14="http://schemas.microsoft.com/office/drawing/2010/main" xmlns="">
                 <a:solidFill>
                   <a:srgbClr val="FFFFFF"/>
                 </a:solidFill>
               </a14:hiddenFill>
             </a:ext>
             <a:ext uri="{91240B29-F687-4f45-9708-019B960494DF}">
-              <a14:hiddenLine xmlns="" xmlns:a14="http://schemas.microsoft.com/office/drawing/2010/main" w="9525">
+              <a14:hiddenLine xmlns:a14="http://schemas.microsoft.com/office/drawing/2010/main" xmlns="" w="9525">
                 <a:solidFill>
                   <a:srgbClr val="000000"/>
                 </a:solidFill>
@@ -6103,7 +6103,7 @@
               </a14:hiddenLine>
             </a:ext>
             <a:ext uri="{FAA26D3D-D897-4be2-8F04-BA451C77F1D7}">
-              <ma14:placeholderFlag xmlns="" xmlns:ma14="http://schemas.microsoft.com/office/mac/drawingml/2011/main" val="1"/>
+              <ma14:placeholderFlag xmlns:ma14="http://schemas.microsoft.com/office/mac/drawingml/2011/main" xmlns="" val="1"/>
             </a:ext>
           </a:extLst>
         </p:spPr>
@@ -6133,14 +6133,14 @@
           <a:ln/>
           <a:extLst>
             <a:ext uri="{909E8E84-426E-40dd-AFC4-6F175D3DCCD1}">
-              <a14:hiddenFill xmlns="" xmlns:a14="http://schemas.microsoft.com/office/drawing/2010/main">
+              <a14:hiddenFill xmlns:a14="http://schemas.microsoft.com/office/drawing/2010/main" xmlns="">
                 <a:solidFill>
                   <a:srgbClr val="FFFFFF"/>
                 </a:solidFill>
               </a14:hiddenFill>
             </a:ext>
             <a:ext uri="{91240B29-F687-4f45-9708-019B960494DF}">
-              <a14:hiddenLine xmlns="" xmlns:a14="http://schemas.microsoft.com/office/drawing/2010/main" w="9525">
+              <a14:hiddenLine xmlns:a14="http://schemas.microsoft.com/office/drawing/2010/main" xmlns="" w="9525">
                 <a:solidFill>
                   <a:srgbClr val="000000"/>
                 </a:solidFill>
@@ -6293,14 +6293,14 @@
           <a:ln/>
           <a:extLst>
             <a:ext uri="{909E8E84-426E-40dd-AFC4-6F175D3DCCD1}">
-              <a14:hiddenFill xmlns="" xmlns:a14="http://schemas.microsoft.com/office/drawing/2010/main">
+              <a14:hiddenFill xmlns:a14="http://schemas.microsoft.com/office/drawing/2010/main" xmlns="">
                 <a:solidFill>
                   <a:srgbClr val="FFFFFF"/>
                 </a:solidFill>
               </a14:hiddenFill>
             </a:ext>
             <a:ext uri="{91240B29-F687-4f45-9708-019B960494DF}">
-              <a14:hiddenLine xmlns="" xmlns:a14="http://schemas.microsoft.com/office/drawing/2010/main" w="9525">
+              <a14:hiddenLine xmlns:a14="http://schemas.microsoft.com/office/drawing/2010/main" xmlns="" w="9525">
                 <a:solidFill>
                   <a:srgbClr val="000000"/>
                 </a:solidFill>
@@ -6453,14 +6453,14 @@
           <a:ln/>
           <a:extLst>
             <a:ext uri="{909E8E84-426E-40dd-AFC4-6F175D3DCCD1}">
-              <a14:hiddenFill xmlns="" xmlns:a14="http://schemas.microsoft.com/office/drawing/2010/main">
+              <a14:hiddenFill xmlns:a14="http://schemas.microsoft.com/office/drawing/2010/main" xmlns="">
                 <a:solidFill>
                   <a:srgbClr val="FFFFFF"/>
                 </a:solidFill>
               </a14:hiddenFill>
             </a:ext>
             <a:ext uri="{91240B29-F687-4f45-9708-019B960494DF}">
-              <a14:hiddenLine xmlns="" xmlns:a14="http://schemas.microsoft.com/office/drawing/2010/main" w="9525">
+              <a14:hiddenLine xmlns:a14="http://schemas.microsoft.com/office/drawing/2010/main" xmlns="" w="9525">
                 <a:solidFill>
                   <a:srgbClr val="000000"/>
                 </a:solidFill>
@@ -6698,14 +6698,14 @@
           <a:ln/>
           <a:extLst>
             <a:ext uri="{909E8E84-426E-40dd-AFC4-6F175D3DCCD1}">
-              <a14:hiddenFill xmlns="" xmlns:a14="http://schemas.microsoft.com/office/drawing/2010/main">
+              <a14:hiddenFill xmlns:a14="http://schemas.microsoft.com/office/drawing/2010/main" xmlns="">
                 <a:solidFill>
                   <a:srgbClr val="FFFFFF"/>
                 </a:solidFill>
               </a14:hiddenFill>
             </a:ext>
             <a:ext uri="{91240B29-F687-4f45-9708-019B960494DF}">
-              <a14:hiddenLine xmlns="" xmlns:a14="http://schemas.microsoft.com/office/drawing/2010/main" w="9525">
+              <a14:hiddenLine xmlns:a14="http://schemas.microsoft.com/office/drawing/2010/main" xmlns="" w="9525">
                 <a:solidFill>
                   <a:srgbClr val="000000"/>
                 </a:solidFill>
@@ -6715,7 +6715,7 @@
               </a14:hiddenLine>
             </a:ext>
             <a:ext uri="{FAA26D3D-D897-4be2-8F04-BA451C77F1D7}">
-              <ma14:placeholderFlag xmlns="" xmlns:ma14="http://schemas.microsoft.com/office/mac/drawingml/2011/main" val="1"/>
+              <ma14:placeholderFlag xmlns:ma14="http://schemas.microsoft.com/office/mac/drawingml/2011/main" xmlns="" val="1"/>
             </a:ext>
           </a:extLst>
         </p:spPr>
@@ -6745,14 +6745,14 @@
           <a:ln/>
           <a:extLst>
             <a:ext uri="{909E8E84-426E-40dd-AFC4-6F175D3DCCD1}">
-              <a14:hiddenFill xmlns="" xmlns:a14="http://schemas.microsoft.com/office/drawing/2010/main">
+              <a14:hiddenFill xmlns:a14="http://schemas.microsoft.com/office/drawing/2010/main" xmlns="">
                 <a:solidFill>
                   <a:srgbClr val="FFFFFF"/>
                 </a:solidFill>
               </a14:hiddenFill>
             </a:ext>
             <a:ext uri="{91240B29-F687-4f45-9708-019B960494DF}">
-              <a14:hiddenLine xmlns="" xmlns:a14="http://schemas.microsoft.com/office/drawing/2010/main" w="9525">
+              <a14:hiddenLine xmlns:a14="http://schemas.microsoft.com/office/drawing/2010/main" xmlns="" w="9525">
                 <a:solidFill>
                   <a:srgbClr val="000000"/>
                 </a:solidFill>
@@ -6905,14 +6905,14 @@
           <a:ln/>
           <a:extLst>
             <a:ext uri="{909E8E84-426E-40dd-AFC4-6F175D3DCCD1}">
-              <a14:hiddenFill xmlns="" xmlns:a14="http://schemas.microsoft.com/office/drawing/2010/main">
+              <a14:hiddenFill xmlns:a14="http://schemas.microsoft.com/office/drawing/2010/main" xmlns="">
                 <a:solidFill>
                   <a:srgbClr val="FFFFFF"/>
                 </a:solidFill>
               </a14:hiddenFill>
             </a:ext>
             <a:ext uri="{91240B29-F687-4f45-9708-019B960494DF}">
-              <a14:hiddenLine xmlns="" xmlns:a14="http://schemas.microsoft.com/office/drawing/2010/main" w="9525">
+              <a14:hiddenLine xmlns:a14="http://schemas.microsoft.com/office/drawing/2010/main" xmlns="" w="9525">
                 <a:solidFill>
                   <a:srgbClr val="000000"/>
                 </a:solidFill>
@@ -7065,14 +7065,14 @@
           <a:ln/>
           <a:extLst>
             <a:ext uri="{909E8E84-426E-40dd-AFC4-6F175D3DCCD1}">
-              <a14:hiddenFill xmlns="" xmlns:a14="http://schemas.microsoft.com/office/drawing/2010/main">
+              <a14:hiddenFill xmlns:a14="http://schemas.microsoft.com/office/drawing/2010/main" xmlns="">
                 <a:solidFill>
                   <a:srgbClr val="FFFFFF"/>
                 </a:solidFill>
               </a14:hiddenFill>
             </a:ext>
             <a:ext uri="{91240B29-F687-4f45-9708-019B960494DF}">
-              <a14:hiddenLine xmlns="" xmlns:a14="http://schemas.microsoft.com/office/drawing/2010/main" w="9525">
+              <a14:hiddenLine xmlns:a14="http://schemas.microsoft.com/office/drawing/2010/main" xmlns="" w="9525">
                 <a:solidFill>
                   <a:srgbClr val="000000"/>
                 </a:solidFill>
@@ -7325,7 +7325,7 @@
           </a:ln>
           <a:extLst>
             <a:ext uri="{909E8E84-426E-40dd-AFC4-6F175D3DCCD1}">
-              <a14:hiddenFill xmlns="" xmlns:a14="http://schemas.microsoft.com/office/drawing/2010/main">
+              <a14:hiddenFill xmlns:a14="http://schemas.microsoft.com/office/drawing/2010/main" xmlns="">
                 <a:solidFill>
                   <a:srgbClr val="FFFFFF"/>
                 </a:solidFill>
@@ -7527,14 +7527,14 @@
           <a:ln/>
           <a:extLst>
             <a:ext uri="{909E8E84-426E-40dd-AFC4-6F175D3DCCD1}">
-              <a14:hiddenFill xmlns="" xmlns:a14="http://schemas.microsoft.com/office/drawing/2010/main">
+              <a14:hiddenFill xmlns:a14="http://schemas.microsoft.com/office/drawing/2010/main" xmlns="">
                 <a:solidFill>
                   <a:srgbClr val="FFFFFF"/>
                 </a:solidFill>
               </a14:hiddenFill>
             </a:ext>
             <a:ext uri="{91240B29-F687-4f45-9708-019B960494DF}">
-              <a14:hiddenLine xmlns="" xmlns:a14="http://schemas.microsoft.com/office/drawing/2010/main" w="9525">
+              <a14:hiddenLine xmlns:a14="http://schemas.microsoft.com/office/drawing/2010/main" xmlns="" w="9525">
                 <a:solidFill>
                   <a:srgbClr val="000000"/>
                 </a:solidFill>
@@ -7687,14 +7687,14 @@
           <a:ln/>
           <a:extLst>
             <a:ext uri="{909E8E84-426E-40dd-AFC4-6F175D3DCCD1}">
-              <a14:hiddenFill xmlns="" xmlns:a14="http://schemas.microsoft.com/office/drawing/2010/main">
+              <a14:hiddenFill xmlns:a14="http://schemas.microsoft.com/office/drawing/2010/main" xmlns="">
                 <a:solidFill>
                   <a:srgbClr val="FFFFFF"/>
                 </a:solidFill>
               </a14:hiddenFill>
             </a:ext>
             <a:ext uri="{91240B29-F687-4f45-9708-019B960494DF}">
-              <a14:hiddenLine xmlns="" xmlns:a14="http://schemas.microsoft.com/office/drawing/2010/main" w="9525">
+              <a14:hiddenLine xmlns:a14="http://schemas.microsoft.com/office/drawing/2010/main" xmlns="" w="9525">
                 <a:solidFill>
                   <a:srgbClr val="000000"/>
                 </a:solidFill>
@@ -7847,14 +7847,14 @@
           <a:ln/>
           <a:extLst>
             <a:ext uri="{909E8E84-426E-40dd-AFC4-6F175D3DCCD1}">
-              <a14:hiddenFill xmlns="" xmlns:a14="http://schemas.microsoft.com/office/drawing/2010/main">
+              <a14:hiddenFill xmlns:a14="http://schemas.microsoft.com/office/drawing/2010/main" xmlns="">
                 <a:solidFill>
                   <a:srgbClr val="FFFFFF"/>
                 </a:solidFill>
               </a14:hiddenFill>
             </a:ext>
             <a:ext uri="{91240B29-F687-4f45-9708-019B960494DF}">
-              <a14:hiddenLine xmlns="" xmlns:a14="http://schemas.microsoft.com/office/drawing/2010/main" w="9525">
+              <a14:hiddenLine xmlns:a14="http://schemas.microsoft.com/office/drawing/2010/main" xmlns="" w="9525">
                 <a:solidFill>
                   <a:srgbClr val="000000"/>
                 </a:solidFill>
@@ -8101,7 +8101,7 @@
           </a:ln>
           <a:extLst>
             <a:ext uri="{FAA26D3D-D897-4be2-8F04-BA451C77F1D7}">
-              <ma14:placeholderFlag xmlns="" xmlns:ma14="http://schemas.microsoft.com/office/mac/drawingml/2011/main" val="1"/>
+              <ma14:placeholderFlag xmlns:ma14="http://schemas.microsoft.com/office/mac/drawingml/2011/main" xmlns="" val="1"/>
             </a:ext>
           </a:extLst>
         </p:spPr>
@@ -8136,14 +8136,14 @@
           <a:ln/>
           <a:extLst>
             <a:ext uri="{909E8E84-426E-40dd-AFC4-6F175D3DCCD1}">
-              <a14:hiddenFill xmlns="" xmlns:a14="http://schemas.microsoft.com/office/drawing/2010/main">
+              <a14:hiddenFill xmlns:a14="http://schemas.microsoft.com/office/drawing/2010/main" xmlns="">
                 <a:solidFill>
                   <a:srgbClr val="FFFFFF"/>
                 </a:solidFill>
               </a14:hiddenFill>
             </a:ext>
             <a:ext uri="{91240B29-F687-4f45-9708-019B960494DF}">
-              <a14:hiddenLine xmlns="" xmlns:a14="http://schemas.microsoft.com/office/drawing/2010/main" w="9525">
+              <a14:hiddenLine xmlns:a14="http://schemas.microsoft.com/office/drawing/2010/main" xmlns="" w="9525">
                 <a:solidFill>
                   <a:srgbClr val="000000"/>
                 </a:solidFill>
@@ -8296,14 +8296,14 @@
           <a:ln/>
           <a:extLst>
             <a:ext uri="{909E8E84-426E-40dd-AFC4-6F175D3DCCD1}">
-              <a14:hiddenFill xmlns="" xmlns:a14="http://schemas.microsoft.com/office/drawing/2010/main">
+              <a14:hiddenFill xmlns:a14="http://schemas.microsoft.com/office/drawing/2010/main" xmlns="">
                 <a:solidFill>
                   <a:srgbClr val="FFFFFF"/>
                 </a:solidFill>
               </a14:hiddenFill>
             </a:ext>
             <a:ext uri="{91240B29-F687-4f45-9708-019B960494DF}">
-              <a14:hiddenLine xmlns="" xmlns:a14="http://schemas.microsoft.com/office/drawing/2010/main" w="9525">
+              <a14:hiddenLine xmlns:a14="http://schemas.microsoft.com/office/drawing/2010/main" xmlns="" w="9525">
                 <a:solidFill>
                   <a:srgbClr val="000000"/>
                 </a:solidFill>
@@ -8456,14 +8456,14 @@
           <a:ln/>
           <a:extLst>
             <a:ext uri="{909E8E84-426E-40dd-AFC4-6F175D3DCCD1}">
-              <a14:hiddenFill xmlns="" xmlns:a14="http://schemas.microsoft.com/office/drawing/2010/main">
+              <a14:hiddenFill xmlns:a14="http://schemas.microsoft.com/office/drawing/2010/main" xmlns="">
                 <a:solidFill>
                   <a:srgbClr val="FFFFFF"/>
                 </a:solidFill>
               </a14:hiddenFill>
             </a:ext>
             <a:ext uri="{91240B29-F687-4f45-9708-019B960494DF}">
-              <a14:hiddenLine xmlns="" xmlns:a14="http://schemas.microsoft.com/office/drawing/2010/main" w="9525">
+              <a14:hiddenLine xmlns:a14="http://schemas.microsoft.com/office/drawing/2010/main" xmlns="" w="9525">
                 <a:solidFill>
                   <a:srgbClr val="000000"/>
                 </a:solidFill>
@@ -8891,14 +8891,14 @@
           <a:ln/>
           <a:extLst>
             <a:ext uri="{909E8E84-426E-40dd-AFC4-6F175D3DCCD1}">
-              <a14:hiddenFill xmlns="" xmlns:a14="http://schemas.microsoft.com/office/drawing/2010/main">
+              <a14:hiddenFill xmlns:a14="http://schemas.microsoft.com/office/drawing/2010/main" xmlns="">
                 <a:solidFill>
                   <a:srgbClr val="FFFFFF"/>
                 </a:solidFill>
               </a14:hiddenFill>
             </a:ext>
             <a:ext uri="{91240B29-F687-4f45-9708-019B960494DF}">
-              <a14:hiddenLine xmlns="" xmlns:a14="http://schemas.microsoft.com/office/drawing/2010/main" w="9525">
+              <a14:hiddenLine xmlns:a14="http://schemas.microsoft.com/office/drawing/2010/main" xmlns="" w="9525">
                 <a:solidFill>
                   <a:srgbClr val="000000"/>
                 </a:solidFill>
@@ -9119,7 +9119,7 @@
           <a:p>
             <a:fld id="{B363F13F-5642-44BC-B6EB-2F9D494ED971}" type="datetime1">
               <a:rPr lang="en-US" smtClean="0"/>
-              <a:t>9/7/2021</a:t>
+              <a:t>9/8/2021</a:t>
             </a:fld>
             <a:endParaRPr lang="en-US"/>
           </a:p>
@@ -9370,7 +9370,7 @@
           <a:p>
             <a:fld id="{70C1BB0D-8AFF-47D2-A3B8-171512B174E9}" type="datetime1">
               <a:rPr lang="en-US" smtClean="0"/>
-              <a:t>9/7/2021</a:t>
+              <a:t>9/8/2021</a:t>
             </a:fld>
             <a:endParaRPr lang="en-US"/>
           </a:p>
@@ -9550,7 +9550,7 @@
           <a:p>
             <a:fld id="{F1A80E7E-49E5-48FC-8843-9D5FA8BB0345}" type="datetime1">
               <a:rPr lang="en-US" smtClean="0"/>
-              <a:t>9/7/2021</a:t>
+              <a:t>9/8/2021</a:t>
             </a:fld>
             <a:endParaRPr lang="en-US"/>
           </a:p>
@@ -9720,7 +9720,7 @@
           <a:p>
             <a:fld id="{FD1492BA-F351-42E2-83C9-87CBCA58159C}" type="datetime1">
               <a:rPr lang="en-US" smtClean="0"/>
-              <a:t>9/7/2021</a:t>
+              <a:t>9/8/2021</a:t>
             </a:fld>
             <a:endParaRPr lang="en-US"/>
           </a:p>
@@ -9966,7 +9966,7 @@
           <a:p>
             <a:fld id="{9D22B18C-1FAB-4796-9C42-E944442CB753}" type="datetime1">
               <a:rPr lang="en-US" smtClean="0"/>
-              <a:t>9/7/2021</a:t>
+              <a:t>9/8/2021</a:t>
             </a:fld>
             <a:endParaRPr lang="en-US"/>
           </a:p>
@@ -10198,7 +10198,7 @@
           <a:p>
             <a:fld id="{FBC7BDD1-C81A-4E49-844C-FABFA3C1EAA5}" type="datetime1">
               <a:rPr lang="en-US" smtClean="0"/>
-              <a:t>9/7/2021</a:t>
+              <a:t>9/8/2021</a:t>
             </a:fld>
             <a:endParaRPr lang="en-US"/>
           </a:p>
@@ -10565,7 +10565,7 @@
           <a:p>
             <a:fld id="{B0BABEDE-FB04-4202-9182-A47661EC8387}" type="datetime1">
               <a:rPr lang="en-US" smtClean="0"/>
-              <a:t>9/7/2021</a:t>
+              <a:t>9/8/2021</a:t>
             </a:fld>
             <a:endParaRPr lang="en-US"/>
           </a:p>
@@ -10683,7 +10683,7 @@
           <a:p>
             <a:fld id="{06E7BCE8-43D1-4D3D-BE1F-23E8AFA7802C}" type="datetime1">
               <a:rPr lang="en-US" smtClean="0"/>
-              <a:t>9/7/2021</a:t>
+              <a:t>9/8/2021</a:t>
             </a:fld>
             <a:endParaRPr lang="en-US"/>
           </a:p>
@@ -10778,7 +10778,7 @@
           <a:p>
             <a:fld id="{AB67CC5C-86B9-4B53-8E2C-92B7A757FBF1}" type="datetime1">
               <a:rPr lang="en-US" smtClean="0"/>
-              <a:t>9/7/2021</a:t>
+              <a:t>9/8/2021</a:t>
             </a:fld>
             <a:endParaRPr lang="en-US"/>
           </a:p>
@@ -11055,7 +11055,7 @@
           <a:p>
             <a:fld id="{D3AC0F96-4DB2-4D68-9606-28B61D52A44D}" type="datetime1">
               <a:rPr lang="en-US" smtClean="0"/>
-              <a:t>9/7/2021</a:t>
+              <a:t>9/8/2021</a:t>
             </a:fld>
             <a:endParaRPr lang="en-US"/>
           </a:p>
@@ -11308,7 +11308,7 @@
           <a:p>
             <a:fld id="{CDF82D8A-DC15-4943-A7EA-8D3F0CE87523}" type="datetime1">
               <a:rPr lang="en-US" smtClean="0"/>
-              <a:t>9/7/2021</a:t>
+              <a:t>9/8/2021</a:t>
             </a:fld>
             <a:endParaRPr lang="en-US"/>
           </a:p>
@@ -11522,7 +11522,7 @@
           <a:p>
             <a:fld id="{CAA9A245-150F-41FC-B429-3A54AAA740A3}" type="datetime1">
               <a:rPr lang="en-US" smtClean="0"/>
-              <a:t>9/7/2021</a:t>
+              <a:t>9/8/2021</a:t>
             </a:fld>
             <a:endParaRPr lang="en-US"/>
           </a:p>
@@ -13997,7 +13997,7 @@
           <a:noFill/>
           <a:extLst>
             <a:ext uri="{909E8E84-426E-40dd-AFC4-6F175D3DCCD1}">
-              <a14:hiddenFill xmlns="" xmlns:a14="http://schemas.microsoft.com/office/drawing/2010/main">
+              <a14:hiddenFill xmlns:a14="http://schemas.microsoft.com/office/drawing/2010/main" xmlns="">
                 <a:solidFill>
                   <a:srgbClr val="FFFFFF"/>
                 </a:solidFill>
@@ -20633,7 +20633,7 @@
           <a:graphicData uri="http://schemas.openxmlformats.org/presentationml/2006/ole">
             <mc:AlternateContent xmlns:mc="http://schemas.openxmlformats.org/markup-compatibility/2006">
               <mc:Choice xmlns:v="urn:schemas-microsoft-com:vml" Requires="v">
-                <p:oleObj spid="_x0000_s1040" name="Visio" r:id="rId4" imgW="3213100" imgH="3924300" progId="Visio.Drawing.6">
+                <p:oleObj spid="_x0000_s1041" name="Visio" r:id="rId4" imgW="3213100" imgH="3924300" progId="Visio.Drawing.6">
                   <p:embed/>
                 </p:oleObj>
               </mc:Choice>
@@ -21203,14 +21203,14 @@
           </a:ln>
           <a:extLst>
             <a:ext uri="{909E8E84-426E-40dd-AFC4-6F175D3DCCD1}">
-              <a14:hiddenFill xmlns="" xmlns:a14="http://schemas.microsoft.com/office/drawing/2010/main">
+              <a14:hiddenFill xmlns:a14="http://schemas.microsoft.com/office/drawing/2010/main" xmlns="">
                 <a:solidFill>
                   <a:srgbClr val="FFFFFF"/>
                 </a:solidFill>
               </a14:hiddenFill>
             </a:ext>
             <a:ext uri="{91240B29-F687-4f45-9708-019B960494DF}">
-              <a14:hiddenLine xmlns="" xmlns:a14="http://schemas.microsoft.com/office/drawing/2010/main" w="9525">
+              <a14:hiddenLine xmlns:a14="http://schemas.microsoft.com/office/drawing/2010/main" xmlns="" w="9525">
                 <a:solidFill>
                   <a:srgbClr val="000000"/>
                 </a:solidFill>
@@ -21367,14 +21367,14 @@
           </a:ln>
           <a:extLst>
             <a:ext uri="{909E8E84-426E-40dd-AFC4-6F175D3DCCD1}">
-              <a14:hiddenFill xmlns="" xmlns:a14="http://schemas.microsoft.com/office/drawing/2010/main">
+              <a14:hiddenFill xmlns:a14="http://schemas.microsoft.com/office/drawing/2010/main" xmlns="">
                 <a:solidFill>
                   <a:srgbClr val="FFFFFF"/>
                 </a:solidFill>
               </a14:hiddenFill>
             </a:ext>
             <a:ext uri="{91240B29-F687-4f45-9708-019B960494DF}">
-              <a14:hiddenLine xmlns="" xmlns:a14="http://schemas.microsoft.com/office/drawing/2010/main" w="9525">
+              <a14:hiddenLine xmlns:a14="http://schemas.microsoft.com/office/drawing/2010/main" xmlns="" w="9525">
                 <a:solidFill>
                   <a:srgbClr val="000000"/>
                 </a:solidFill>
@@ -21531,14 +21531,14 @@
           </a:ln>
           <a:extLst>
             <a:ext uri="{909E8E84-426E-40dd-AFC4-6F175D3DCCD1}">
-              <a14:hiddenFill xmlns="" xmlns:a14="http://schemas.microsoft.com/office/drawing/2010/main">
+              <a14:hiddenFill xmlns:a14="http://schemas.microsoft.com/office/drawing/2010/main" xmlns="">
                 <a:solidFill>
                   <a:srgbClr val="FFFFFF"/>
                 </a:solidFill>
               </a14:hiddenFill>
             </a:ext>
             <a:ext uri="{91240B29-F687-4f45-9708-019B960494DF}">
-              <a14:hiddenLine xmlns="" xmlns:a14="http://schemas.microsoft.com/office/drawing/2010/main" w="9525">
+              <a14:hiddenLine xmlns:a14="http://schemas.microsoft.com/office/drawing/2010/main" xmlns="" w="9525">
                 <a:solidFill>
                   <a:srgbClr val="000000"/>
                 </a:solidFill>
@@ -21707,7 +21707,7 @@
           </a:ln>
           <a:extLst>
             <a:ext uri="{909E8E84-426E-40dd-AFC4-6F175D3DCCD1}">
-              <a14:hiddenFill xmlns="" xmlns:a14="http://schemas.microsoft.com/office/drawing/2010/main">
+              <a14:hiddenFill xmlns:a14="http://schemas.microsoft.com/office/drawing/2010/main" xmlns="">
                 <a:solidFill>
                   <a:srgbClr val="FFFFFF"/>
                 </a:solidFill>
@@ -21768,7 +21768,7 @@
           </a:ln>
           <a:extLst>
             <a:ext uri="{909E8E84-426E-40dd-AFC4-6F175D3DCCD1}">
-              <a14:hiddenFill xmlns="" xmlns:a14="http://schemas.microsoft.com/office/drawing/2010/main">
+              <a14:hiddenFill xmlns:a14="http://schemas.microsoft.com/office/drawing/2010/main" xmlns="">
                 <a:solidFill>
                   <a:srgbClr val="FFFFFF"/>
                 </a:solidFill>
@@ -21829,7 +21829,7 @@
           </a:ln>
           <a:extLst>
             <a:ext uri="{909E8E84-426E-40dd-AFC4-6F175D3DCCD1}">
-              <a14:hiddenFill xmlns="" xmlns:a14="http://schemas.microsoft.com/office/drawing/2010/main">
+              <a14:hiddenFill xmlns:a14="http://schemas.microsoft.com/office/drawing/2010/main" xmlns="">
                 <a:solidFill>
                   <a:srgbClr val="FFFFFF"/>
                 </a:solidFill>
@@ -21936,7 +21936,7 @@
           </a:ln>
           <a:extLst>
             <a:ext uri="{909E8E84-426E-40dd-AFC4-6F175D3DCCD1}">
-              <a14:hiddenFill xmlns="" xmlns:a14="http://schemas.microsoft.com/office/drawing/2010/main">
+              <a14:hiddenFill xmlns:a14="http://schemas.microsoft.com/office/drawing/2010/main" xmlns="">
                 <a:solidFill>
                   <a:srgbClr val="FFFFFF"/>
                 </a:solidFill>
@@ -21985,14 +21985,14 @@
           </a:ln>
           <a:extLst>
             <a:ext uri="{909E8E84-426E-40dd-AFC4-6F175D3DCCD1}">
-              <a14:hiddenFill xmlns="" xmlns:a14="http://schemas.microsoft.com/office/drawing/2010/main">
+              <a14:hiddenFill xmlns:a14="http://schemas.microsoft.com/office/drawing/2010/main" xmlns="">
                 <a:solidFill>
                   <a:srgbClr val="FFFFFF"/>
                 </a:solidFill>
               </a14:hiddenFill>
             </a:ext>
             <a:ext uri="{91240B29-F687-4f45-9708-019B960494DF}">
-              <a14:hiddenLine xmlns="" xmlns:a14="http://schemas.microsoft.com/office/drawing/2010/main" w="9525">
+              <a14:hiddenLine xmlns:a14="http://schemas.microsoft.com/office/drawing/2010/main" xmlns="" w="9525">
                 <a:solidFill>
                   <a:srgbClr val="000000"/>
                 </a:solidFill>
@@ -24755,14 +24755,14 @@
           </a:ln>
           <a:extLst>
             <a:ext uri="{909E8E84-426E-40dd-AFC4-6F175D3DCCD1}">
-              <a14:hiddenFill xmlns="" xmlns:a14="http://schemas.microsoft.com/office/drawing/2010/main">
+              <a14:hiddenFill xmlns:a14="http://schemas.microsoft.com/office/drawing/2010/main" xmlns="">
                 <a:solidFill>
                   <a:srgbClr val="FFFFFF"/>
                 </a:solidFill>
               </a14:hiddenFill>
             </a:ext>
             <a:ext uri="{91240B29-F687-4f45-9708-019B960494DF}">
-              <a14:hiddenLine xmlns="" xmlns:a14="http://schemas.microsoft.com/office/drawing/2010/main" w="12700">
+              <a14:hiddenLine xmlns:a14="http://schemas.microsoft.com/office/drawing/2010/main" xmlns="" w="12700">
                 <a:solidFill>
                   <a:srgbClr val="000000"/>
                 </a:solidFill>
@@ -25684,14 +25684,14 @@
           </a:ln>
           <a:extLst>
             <a:ext uri="{909E8E84-426E-40dd-AFC4-6F175D3DCCD1}">
-              <a14:hiddenFill xmlns="" xmlns:a14="http://schemas.microsoft.com/office/drawing/2010/main">
+              <a14:hiddenFill xmlns:a14="http://schemas.microsoft.com/office/drawing/2010/main" xmlns="">
                 <a:solidFill>
                   <a:srgbClr val="FFFFFF"/>
                 </a:solidFill>
               </a14:hiddenFill>
             </a:ext>
             <a:ext uri="{91240B29-F687-4f45-9708-019B960494DF}">
-              <a14:hiddenLine xmlns="" xmlns:a14="http://schemas.microsoft.com/office/drawing/2010/main" w="9525">
+              <a14:hiddenLine xmlns:a14="http://schemas.microsoft.com/office/drawing/2010/main" xmlns="" w="9525">
                 <a:solidFill>
                   <a:srgbClr val="000000"/>
                 </a:solidFill>
@@ -25890,7 +25890,7 @@
           <a:graphicData uri="http://schemas.openxmlformats.org/presentationml/2006/ole">
             <mc:AlternateContent xmlns:mc="http://schemas.openxmlformats.org/markup-compatibility/2006">
               <mc:Choice xmlns:v="urn:schemas-microsoft-com:vml" Requires="v">
-                <p:oleObj spid="_x0000_s2064" name="Document" r:id="rId3" imgW="5600700" imgH="1473200" progId="Word.Document.12">
+                <p:oleObj spid="_x0000_s2065" name="Document" r:id="rId3" imgW="5600700" imgH="1473200" progId="Word.Document.12">
                   <p:embed/>
                 </p:oleObj>
               </mc:Choice>
@@ -25947,14 +25947,14 @@
           </a:ln>
           <a:extLst>
             <a:ext uri="{909E8E84-426E-40dd-AFC4-6F175D3DCCD1}">
-              <a14:hiddenFill xmlns="" xmlns:a14="http://schemas.microsoft.com/office/drawing/2010/main">
+              <a14:hiddenFill xmlns:a14="http://schemas.microsoft.com/office/drawing/2010/main" xmlns="">
                 <a:solidFill>
                   <a:srgbClr val="FFFFFF"/>
                 </a:solidFill>
               </a14:hiddenFill>
             </a:ext>
             <a:ext uri="{91240B29-F687-4f45-9708-019B960494DF}">
-              <a14:hiddenLine xmlns="" xmlns:a14="http://schemas.microsoft.com/office/drawing/2010/main" w="9525">
+              <a14:hiddenLine xmlns:a14="http://schemas.microsoft.com/office/drawing/2010/main" xmlns="" w="9525">
                 <a:solidFill>
                   <a:srgbClr val="000000"/>
                 </a:solidFill>
@@ -25964,7 +25964,7 @@
               </a14:hiddenLine>
             </a:ext>
             <a:ext uri="{FAA26D3D-D897-4be2-8F04-BA451C77F1D7}">
-              <ma14:placeholderFlag xmlns="" xmlns:ma14="http://schemas.microsoft.com/office/mac/drawingml/2011/main" val="1"/>
+              <ma14:placeholderFlag xmlns:ma14="http://schemas.microsoft.com/office/mac/drawingml/2011/main" xmlns="" val="1"/>
             </a:ext>
           </a:extLst>
         </p:spPr>
@@ -26390,7 +26390,7 @@
           <a:graphicData uri="http://schemas.openxmlformats.org/presentationml/2006/ole">
             <mc:AlternateContent xmlns:mc="http://schemas.openxmlformats.org/markup-compatibility/2006">
               <mc:Choice xmlns:v="urn:schemas-microsoft-com:vml" Requires="v">
-                <p:oleObj spid="_x0000_s3088" name="Document" r:id="rId3" imgW="6134100" imgH="2260600" progId="Word.Document.12">
+                <p:oleObj spid="_x0000_s3089" name="Document" r:id="rId3" imgW="6134100" imgH="2260600" progId="Word.Document.12">
                   <p:embed/>
                 </p:oleObj>
               </mc:Choice>
@@ -28456,14 +28456,14 @@
             </a:ln>
             <a:extLst>
               <a:ext uri="{909E8E84-426E-40dd-AFC4-6F175D3DCCD1}">
-                <a14:hiddenFill xmlns="" xmlns:a14="http://schemas.microsoft.com/office/drawing/2010/main">
+                <a14:hiddenFill xmlns:a14="http://schemas.microsoft.com/office/drawing/2010/main" xmlns="">
                   <a:solidFill>
                     <a:srgbClr val="FFFFFF"/>
                   </a:solidFill>
                 </a14:hiddenFill>
               </a:ext>
               <a:ext uri="{91240B29-F687-4f45-9708-019B960494DF}">
-                <a14:hiddenLine xmlns="" xmlns:a14="http://schemas.microsoft.com/office/drawing/2010/main" w="12700">
+                <a14:hiddenLine xmlns:a14="http://schemas.microsoft.com/office/drawing/2010/main" xmlns="" w="12700">
                   <a:solidFill>
                     <a:srgbClr val="000000"/>
                   </a:solidFill>
@@ -28593,7 +28593,7 @@
             </a:ln>
             <a:extLst>
               <a:ext uri="{909E8E84-426E-40dd-AFC4-6F175D3DCCD1}">
-                <a14:hiddenFill xmlns="" xmlns:a14="http://schemas.microsoft.com/office/drawing/2010/main">
+                <a14:hiddenFill xmlns:a14="http://schemas.microsoft.com/office/drawing/2010/main" xmlns="">
                   <a:solidFill>
                     <a:srgbClr val="FFFFFF"/>
                   </a:solidFill>
@@ -28964,14 +28964,14 @@
             </a:ln>
             <a:extLst>
               <a:ext uri="{909E8E84-426E-40dd-AFC4-6F175D3DCCD1}">
-                <a14:hiddenFill xmlns="" xmlns:a14="http://schemas.microsoft.com/office/drawing/2010/main">
+                <a14:hiddenFill xmlns:a14="http://schemas.microsoft.com/office/drawing/2010/main" xmlns="">
                   <a:solidFill>
                     <a:srgbClr val="FFFFFF"/>
                   </a:solidFill>
                 </a14:hiddenFill>
               </a:ext>
               <a:ext uri="{91240B29-F687-4f45-9708-019B960494DF}">
-                <a14:hiddenLine xmlns="" xmlns:a14="http://schemas.microsoft.com/office/drawing/2010/main" w="12700">
+                <a14:hiddenLine xmlns:a14="http://schemas.microsoft.com/office/drawing/2010/main" xmlns="" w="12700">
                   <a:solidFill>
                     <a:srgbClr val="000000"/>
                   </a:solidFill>
@@ -29071,7 +29071,7 @@
           </a:ln>
           <a:extLst>
             <a:ext uri="{909E8E84-426E-40dd-AFC4-6F175D3DCCD1}">
-              <a14:hiddenFill xmlns="" xmlns:a14="http://schemas.microsoft.com/office/drawing/2010/main">
+              <a14:hiddenFill xmlns:a14="http://schemas.microsoft.com/office/drawing/2010/main" xmlns="">
                 <a:solidFill>
                   <a:srgbClr val="FFFFFF"/>
                 </a:solidFill>
@@ -29157,7 +29157,7 @@
           </a:ln>
           <a:extLst>
             <a:ext uri="{909E8E84-426E-40dd-AFC4-6F175D3DCCD1}">
-              <a14:hiddenFill xmlns="" xmlns:a14="http://schemas.microsoft.com/office/drawing/2010/main">
+              <a14:hiddenFill xmlns:a14="http://schemas.microsoft.com/office/drawing/2010/main" xmlns="">
                 <a:solidFill>
                   <a:srgbClr val="FFFFFF"/>
                 </a:solidFill>
@@ -29197,14 +29197,14 @@
           </a:ln>
           <a:extLst>
             <a:ext uri="{909E8E84-426E-40dd-AFC4-6F175D3DCCD1}">
-              <a14:hiddenFill xmlns="" xmlns:a14="http://schemas.microsoft.com/office/drawing/2010/main">
+              <a14:hiddenFill xmlns:a14="http://schemas.microsoft.com/office/drawing/2010/main" xmlns="">
                 <a:solidFill>
                   <a:srgbClr val="FFFFFF"/>
                 </a:solidFill>
               </a14:hiddenFill>
             </a:ext>
             <a:ext uri="{91240B29-F687-4f45-9708-019B960494DF}">
-              <a14:hiddenLine xmlns="" xmlns:a14="http://schemas.microsoft.com/office/drawing/2010/main" w="12700">
+              <a14:hiddenLine xmlns:a14="http://schemas.microsoft.com/office/drawing/2010/main" xmlns="" w="12700">
                 <a:solidFill>
                   <a:srgbClr val="000000"/>
                 </a:solidFill>
@@ -29257,14 +29257,14 @@
           </a:ln>
           <a:extLst>
             <a:ext uri="{909E8E84-426E-40dd-AFC4-6F175D3DCCD1}">
-              <a14:hiddenFill xmlns="" xmlns:a14="http://schemas.microsoft.com/office/drawing/2010/main">
+              <a14:hiddenFill xmlns:a14="http://schemas.microsoft.com/office/drawing/2010/main" xmlns="">
                 <a:solidFill>
                   <a:srgbClr val="FFFFFF"/>
                 </a:solidFill>
               </a14:hiddenFill>
             </a:ext>
             <a:ext uri="{91240B29-F687-4f45-9708-019B960494DF}">
-              <a14:hiddenLine xmlns="" xmlns:a14="http://schemas.microsoft.com/office/drawing/2010/main" w="12700">
+              <a14:hiddenLine xmlns:a14="http://schemas.microsoft.com/office/drawing/2010/main" xmlns="" w="12700">
                 <a:solidFill>
                   <a:srgbClr val="000000"/>
                 </a:solidFill>
@@ -29317,14 +29317,14 @@
           </a:ln>
           <a:extLst>
             <a:ext uri="{909E8E84-426E-40dd-AFC4-6F175D3DCCD1}">
-              <a14:hiddenFill xmlns="" xmlns:a14="http://schemas.microsoft.com/office/drawing/2010/main">
+              <a14:hiddenFill xmlns:a14="http://schemas.microsoft.com/office/drawing/2010/main" xmlns="">
                 <a:solidFill>
                   <a:srgbClr val="FFFFFF"/>
                 </a:solidFill>
               </a14:hiddenFill>
             </a:ext>
             <a:ext uri="{91240B29-F687-4f45-9708-019B960494DF}">
-              <a14:hiddenLine xmlns="" xmlns:a14="http://schemas.microsoft.com/office/drawing/2010/main" w="12700">
+              <a14:hiddenLine xmlns:a14="http://schemas.microsoft.com/office/drawing/2010/main" xmlns="" w="12700">
                 <a:solidFill>
                   <a:srgbClr val="000000"/>
                 </a:solidFill>
@@ -29419,14 +29419,14 @@
           </a:ln>
           <a:extLst>
             <a:ext uri="{909E8E84-426E-40dd-AFC4-6F175D3DCCD1}">
-              <a14:hiddenFill xmlns="" xmlns:a14="http://schemas.microsoft.com/office/drawing/2010/main">
+              <a14:hiddenFill xmlns:a14="http://schemas.microsoft.com/office/drawing/2010/main" xmlns="">
                 <a:solidFill>
                   <a:srgbClr val="FFFFFF"/>
                 </a:solidFill>
               </a14:hiddenFill>
             </a:ext>
             <a:ext uri="{91240B29-F687-4f45-9708-019B960494DF}">
-              <a14:hiddenLine xmlns="" xmlns:a14="http://schemas.microsoft.com/office/drawing/2010/main" w="12700">
+              <a14:hiddenLine xmlns:a14="http://schemas.microsoft.com/office/drawing/2010/main" xmlns="" w="12700">
                 <a:solidFill>
                   <a:srgbClr val="000000"/>
                 </a:solidFill>
@@ -31810,7 +31810,7 @@
           <a:graphicData uri="http://schemas.openxmlformats.org/presentationml/2006/ole">
             <mc:AlternateContent xmlns:mc="http://schemas.openxmlformats.org/markup-compatibility/2006">
               <mc:Choice xmlns:v="urn:schemas-microsoft-com:vml" Requires="v">
-                <p:oleObj spid="_x0000_s4112" name="Visio" r:id="rId4" imgW="5016500" imgH="3683000" progId="Visio.Drawing.11">
+                <p:oleObj spid="_x0000_s4113" name="Visio" r:id="rId4" imgW="5016500" imgH="3683000" progId="Visio.Drawing.11">
                   <p:embed/>
                 </p:oleObj>
               </mc:Choice>
@@ -34031,7 +34031,7 @@
           <a:noFill/>
           <a:extLst>
             <a:ext uri="{909E8E84-426E-40dd-AFC4-6F175D3DCCD1}">
-              <a14:hiddenFill xmlns="" xmlns:a14="http://schemas.microsoft.com/office/drawing/2010/main">
+              <a14:hiddenFill xmlns:a14="http://schemas.microsoft.com/office/drawing/2010/main" xmlns="">
                 <a:solidFill>
                   <a:srgbClr val="FFFFFF"/>
                 </a:solidFill>
@@ -34176,14 +34176,14 @@
           </a:ln>
           <a:extLst>
             <a:ext uri="{909E8E84-426E-40dd-AFC4-6F175D3DCCD1}">
-              <a14:hiddenFill xmlns="" xmlns:a14="http://schemas.microsoft.com/office/drawing/2010/main">
+              <a14:hiddenFill xmlns:a14="http://schemas.microsoft.com/office/drawing/2010/main" xmlns="">
                 <a:solidFill>
                   <a:srgbClr val="FFFFFF"/>
                 </a:solidFill>
               </a14:hiddenFill>
             </a:ext>
             <a:ext uri="{91240B29-F687-4f45-9708-019B960494DF}">
-              <a14:hiddenLine xmlns="" xmlns:a14="http://schemas.microsoft.com/office/drawing/2010/main" w="9525">
+              <a14:hiddenLine xmlns:a14="http://schemas.microsoft.com/office/drawing/2010/main" xmlns="" w="9525">
                 <a:solidFill>
                   <a:srgbClr val="000000"/>
                 </a:solidFill>
@@ -34239,14 +34239,14 @@
           </a:ln>
           <a:extLst>
             <a:ext uri="{909E8E84-426E-40dd-AFC4-6F175D3DCCD1}">
-              <a14:hiddenFill xmlns="" xmlns:a14="http://schemas.microsoft.com/office/drawing/2010/main">
+              <a14:hiddenFill xmlns:a14="http://schemas.microsoft.com/office/drawing/2010/main" xmlns="">
                 <a:solidFill>
                   <a:srgbClr val="FFFFFF"/>
                 </a:solidFill>
               </a14:hiddenFill>
             </a:ext>
             <a:ext uri="{91240B29-F687-4f45-9708-019B960494DF}">
-              <a14:hiddenLine xmlns="" xmlns:a14="http://schemas.microsoft.com/office/drawing/2010/main" w="9525">
+              <a14:hiddenLine xmlns:a14="http://schemas.microsoft.com/office/drawing/2010/main" xmlns="" w="9525">
                 <a:solidFill>
                   <a:srgbClr val="000000"/>
                 </a:solidFill>
@@ -34280,14 +34280,14 @@
           </a:ln>
           <a:extLst>
             <a:ext uri="{909E8E84-426E-40dd-AFC4-6F175D3DCCD1}">
-              <a14:hiddenFill xmlns="" xmlns:a14="http://schemas.microsoft.com/office/drawing/2010/main">
+              <a14:hiddenFill xmlns:a14="http://schemas.microsoft.com/office/drawing/2010/main" xmlns="">
                 <a:solidFill>
                   <a:srgbClr val="FFFFFF"/>
                 </a:solidFill>
               </a14:hiddenFill>
             </a:ext>
             <a:ext uri="{91240B29-F687-4f45-9708-019B960494DF}">
-              <a14:hiddenLine xmlns="" xmlns:a14="http://schemas.microsoft.com/office/drawing/2010/main" w="9525">
+              <a14:hiddenLine xmlns:a14="http://schemas.microsoft.com/office/drawing/2010/main" xmlns="" w="9525">
                 <a:solidFill>
                   <a:srgbClr val="000000"/>
                 </a:solidFill>
@@ -35247,7 +35247,7 @@
           <a:noFill/>
           <a:extLst>
             <a:ext uri="{909E8E84-426E-40dd-AFC4-6F175D3DCCD1}">
-              <a14:hiddenFill xmlns="" xmlns:a14="http://schemas.microsoft.com/office/drawing/2010/main">
+              <a14:hiddenFill xmlns:a14="http://schemas.microsoft.com/office/drawing/2010/main" xmlns="">
                 <a:solidFill>
                   <a:srgbClr val="FFFFFF"/>
                 </a:solidFill>

--- a/SE401/Lectures/2-Software Quality/Software Quality.pptx
+++ b/SE401/Lectures/2-Software Quality/Software Quality.pptx
@@ -280,7 +280,7 @@
           <a:p>
             <a:fld id="{896CE679-8766-4D2C-81C4-EAA942CBD6B0}" type="datetimeFigureOut">
               <a:rPr lang="en-US" smtClean="0"/>
-              <a:t>11/28/2021</a:t>
+              <a:t>1/23/2022</a:t>
             </a:fld>
             <a:endParaRPr lang="en-US"/>
           </a:p>
@@ -598,14 +598,14 @@
           <a:ln/>
           <a:extLst>
             <a:ext uri="{909E8E84-426E-40dd-AFC4-6F175D3DCCD1}">
-              <a14:hiddenFill xmlns:a14="http://schemas.microsoft.com/office/drawing/2010/main" xmlns="">
+              <a14:hiddenFill xmlns="" xmlns:a14="http://schemas.microsoft.com/office/drawing/2010/main">
                 <a:solidFill>
                   <a:srgbClr val="FFFFFF"/>
                 </a:solidFill>
               </a14:hiddenFill>
             </a:ext>
             <a:ext uri="{91240B29-F687-4f45-9708-019B960494DF}">
-              <a14:hiddenLine xmlns:a14="http://schemas.microsoft.com/office/drawing/2010/main" xmlns="" w="9525">
+              <a14:hiddenLine xmlns="" xmlns:a14="http://schemas.microsoft.com/office/drawing/2010/main" w="9525">
                 <a:solidFill>
                   <a:srgbClr val="000000"/>
                 </a:solidFill>
@@ -615,7 +615,7 @@
               </a14:hiddenLine>
             </a:ext>
             <a:ext uri="{FAA26D3D-D897-4be2-8F04-BA451C77F1D7}">
-              <ma14:placeholderFlag xmlns:ma14="http://schemas.microsoft.com/office/mac/drawingml/2011/main" xmlns="" val="1"/>
+              <ma14:placeholderFlag xmlns="" xmlns:ma14="http://schemas.microsoft.com/office/mac/drawingml/2011/main" val="1"/>
             </a:ext>
           </a:extLst>
         </p:spPr>
@@ -645,14 +645,14 @@
           <a:ln/>
           <a:extLst>
             <a:ext uri="{909E8E84-426E-40dd-AFC4-6F175D3DCCD1}">
-              <a14:hiddenFill xmlns:a14="http://schemas.microsoft.com/office/drawing/2010/main" xmlns="">
+              <a14:hiddenFill xmlns="" xmlns:a14="http://schemas.microsoft.com/office/drawing/2010/main">
                 <a:solidFill>
                   <a:srgbClr val="FFFFFF"/>
                 </a:solidFill>
               </a14:hiddenFill>
             </a:ext>
             <a:ext uri="{91240B29-F687-4f45-9708-019B960494DF}">
-              <a14:hiddenLine xmlns:a14="http://schemas.microsoft.com/office/drawing/2010/main" xmlns="" w="9525">
+              <a14:hiddenLine xmlns="" xmlns:a14="http://schemas.microsoft.com/office/drawing/2010/main" w="9525">
                 <a:solidFill>
                   <a:srgbClr val="000000"/>
                 </a:solidFill>
@@ -805,14 +805,14 @@
           <a:ln/>
           <a:extLst>
             <a:ext uri="{909E8E84-426E-40dd-AFC4-6F175D3DCCD1}">
-              <a14:hiddenFill xmlns:a14="http://schemas.microsoft.com/office/drawing/2010/main" xmlns="">
+              <a14:hiddenFill xmlns="" xmlns:a14="http://schemas.microsoft.com/office/drawing/2010/main">
                 <a:solidFill>
                   <a:srgbClr val="FFFFFF"/>
                 </a:solidFill>
               </a14:hiddenFill>
             </a:ext>
             <a:ext uri="{91240B29-F687-4f45-9708-019B960494DF}">
-              <a14:hiddenLine xmlns:a14="http://schemas.microsoft.com/office/drawing/2010/main" xmlns="" w="9525">
+              <a14:hiddenLine xmlns="" xmlns:a14="http://schemas.microsoft.com/office/drawing/2010/main" w="9525">
                 <a:solidFill>
                   <a:srgbClr val="000000"/>
                 </a:solidFill>
@@ -965,14 +965,14 @@
           <a:ln/>
           <a:extLst>
             <a:ext uri="{909E8E84-426E-40dd-AFC4-6F175D3DCCD1}">
-              <a14:hiddenFill xmlns:a14="http://schemas.microsoft.com/office/drawing/2010/main" xmlns="">
+              <a14:hiddenFill xmlns="" xmlns:a14="http://schemas.microsoft.com/office/drawing/2010/main">
                 <a:solidFill>
                   <a:srgbClr val="FFFFFF"/>
                 </a:solidFill>
               </a14:hiddenFill>
             </a:ext>
             <a:ext uri="{91240B29-F687-4f45-9708-019B960494DF}">
-              <a14:hiddenLine xmlns:a14="http://schemas.microsoft.com/office/drawing/2010/main" xmlns="" w="9525">
+              <a14:hiddenLine xmlns="" xmlns:a14="http://schemas.microsoft.com/office/drawing/2010/main" w="9525">
                 <a:solidFill>
                   <a:srgbClr val="000000"/>
                 </a:solidFill>
@@ -1199,14 +1199,14 @@
           </a:ln>
           <a:extLst>
             <a:ext uri="{909E8E84-426E-40dd-AFC4-6F175D3DCCD1}">
-              <a14:hiddenFill xmlns:a14="http://schemas.microsoft.com/office/drawing/2010/main" xmlns="">
+              <a14:hiddenFill xmlns="" xmlns:a14="http://schemas.microsoft.com/office/drawing/2010/main">
                 <a:solidFill>
                   <a:srgbClr val="FFFFFF"/>
                 </a:solidFill>
               </a14:hiddenFill>
             </a:ext>
             <a:ext uri="{FAA26D3D-D897-4be2-8F04-BA451C77F1D7}">
-              <ma14:placeholderFlag xmlns:ma14="http://schemas.microsoft.com/office/mac/drawingml/2011/main" xmlns="" val="1"/>
+              <ma14:placeholderFlag xmlns="" xmlns:ma14="http://schemas.microsoft.com/office/mac/drawingml/2011/main" val="1"/>
             </a:ext>
           </a:extLst>
         </p:spPr>
@@ -1225,14 +1225,14 @@
           <a:noFill/>
           <a:extLst>
             <a:ext uri="{909E8E84-426E-40dd-AFC4-6F175D3DCCD1}">
-              <a14:hiddenFill xmlns:a14="http://schemas.microsoft.com/office/drawing/2010/main" xmlns="">
+              <a14:hiddenFill xmlns="" xmlns:a14="http://schemas.microsoft.com/office/drawing/2010/main">
                 <a:solidFill>
                   <a:srgbClr val="FFFFFF"/>
                 </a:solidFill>
               </a14:hiddenFill>
             </a:ext>
             <a:ext uri="{91240B29-F687-4f45-9708-019B960494DF}">
-              <a14:hiddenLine xmlns:a14="http://schemas.microsoft.com/office/drawing/2010/main" xmlns="" w="9525">
+              <a14:hiddenLine xmlns="" xmlns:a14="http://schemas.microsoft.com/office/drawing/2010/main" w="9525">
                 <a:solidFill>
                   <a:srgbClr val="000000"/>
                 </a:solidFill>
@@ -1242,7 +1242,7 @@
               </a14:hiddenLine>
             </a:ext>
             <a:ext uri="{FAA26D3D-D897-4be2-8F04-BA451C77F1D7}">
-              <ma14:placeholderFlag xmlns:ma14="http://schemas.microsoft.com/office/mac/drawingml/2011/main" xmlns="" val="1"/>
+              <ma14:placeholderFlag xmlns="" xmlns:ma14="http://schemas.microsoft.com/office/mac/drawingml/2011/main" val="1"/>
             </a:ext>
           </a:extLst>
         </p:spPr>
@@ -1342,14 +1342,14 @@
           <a:ln/>
           <a:extLst>
             <a:ext uri="{909E8E84-426E-40dd-AFC4-6F175D3DCCD1}">
-              <a14:hiddenFill xmlns:a14="http://schemas.microsoft.com/office/drawing/2010/main" xmlns="">
+              <a14:hiddenFill xmlns="" xmlns:a14="http://schemas.microsoft.com/office/drawing/2010/main">
                 <a:solidFill>
                   <a:srgbClr val="FFFFFF"/>
                 </a:solidFill>
               </a14:hiddenFill>
             </a:ext>
             <a:ext uri="{91240B29-F687-4f45-9708-019B960494DF}">
-              <a14:hiddenLine xmlns:a14="http://schemas.microsoft.com/office/drawing/2010/main" xmlns="" w="9525">
+              <a14:hiddenLine xmlns="" xmlns:a14="http://schemas.microsoft.com/office/drawing/2010/main" w="9525">
                 <a:solidFill>
                   <a:srgbClr val="000000"/>
                 </a:solidFill>
@@ -1359,7 +1359,7 @@
               </a14:hiddenLine>
             </a:ext>
             <a:ext uri="{FAA26D3D-D897-4be2-8F04-BA451C77F1D7}">
-              <ma14:placeholderFlag xmlns:ma14="http://schemas.microsoft.com/office/mac/drawingml/2011/main" xmlns="" val="1"/>
+              <ma14:placeholderFlag xmlns="" xmlns:ma14="http://schemas.microsoft.com/office/mac/drawingml/2011/main" val="1"/>
             </a:ext>
           </a:extLst>
         </p:spPr>
@@ -1404,14 +1404,14 @@
           <a:ln/>
           <a:extLst>
             <a:ext uri="{909E8E84-426E-40dd-AFC4-6F175D3DCCD1}">
-              <a14:hiddenFill xmlns:a14="http://schemas.microsoft.com/office/drawing/2010/main" xmlns="">
+              <a14:hiddenFill xmlns="" xmlns:a14="http://schemas.microsoft.com/office/drawing/2010/main">
                 <a:solidFill>
                   <a:srgbClr val="FFFFFF"/>
                 </a:solidFill>
               </a14:hiddenFill>
             </a:ext>
             <a:ext uri="{91240B29-F687-4f45-9708-019B960494DF}">
-              <a14:hiddenLine xmlns:a14="http://schemas.microsoft.com/office/drawing/2010/main" xmlns="" w="9525">
+              <a14:hiddenLine xmlns="" xmlns:a14="http://schemas.microsoft.com/office/drawing/2010/main" w="9525">
                 <a:solidFill>
                   <a:srgbClr val="000000"/>
                 </a:solidFill>
@@ -1556,14 +1556,14 @@
           <a:ln/>
           <a:extLst>
             <a:ext uri="{909E8E84-426E-40dd-AFC4-6F175D3DCCD1}">
-              <a14:hiddenFill xmlns:a14="http://schemas.microsoft.com/office/drawing/2010/main" xmlns="">
+              <a14:hiddenFill xmlns="" xmlns:a14="http://schemas.microsoft.com/office/drawing/2010/main">
                 <a:solidFill>
                   <a:srgbClr val="FFFFFF"/>
                 </a:solidFill>
               </a14:hiddenFill>
             </a:ext>
             <a:ext uri="{91240B29-F687-4f45-9708-019B960494DF}">
-              <a14:hiddenLine xmlns:a14="http://schemas.microsoft.com/office/drawing/2010/main" xmlns="" w="9525">
+              <a14:hiddenLine xmlns="" xmlns:a14="http://schemas.microsoft.com/office/drawing/2010/main" w="9525">
                 <a:solidFill>
                   <a:srgbClr val="000000"/>
                 </a:solidFill>
@@ -1707,14 +1707,14 @@
           <a:ln/>
           <a:extLst>
             <a:ext uri="{909E8E84-426E-40dd-AFC4-6F175D3DCCD1}">
-              <a14:hiddenFill xmlns:a14="http://schemas.microsoft.com/office/drawing/2010/main" xmlns="">
+              <a14:hiddenFill xmlns="" xmlns:a14="http://schemas.microsoft.com/office/drawing/2010/main">
                 <a:solidFill>
                   <a:srgbClr val="FFFFFF"/>
                 </a:solidFill>
               </a14:hiddenFill>
             </a:ext>
             <a:ext uri="{91240B29-F687-4f45-9708-019B960494DF}">
-              <a14:hiddenLine xmlns:a14="http://schemas.microsoft.com/office/drawing/2010/main" xmlns="" w="9525">
+              <a14:hiddenLine xmlns="" xmlns:a14="http://schemas.microsoft.com/office/drawing/2010/main" w="9525">
                 <a:solidFill>
                   <a:srgbClr val="000000"/>
                 </a:solidFill>
@@ -1926,14 +1926,14 @@
           <a:ln/>
           <a:extLst>
             <a:ext uri="{909E8E84-426E-40dd-AFC4-6F175D3DCCD1}">
-              <a14:hiddenFill xmlns:a14="http://schemas.microsoft.com/office/drawing/2010/main" xmlns="">
+              <a14:hiddenFill xmlns="" xmlns:a14="http://schemas.microsoft.com/office/drawing/2010/main">
                 <a:solidFill>
                   <a:srgbClr val="FFFFFF"/>
                 </a:solidFill>
               </a14:hiddenFill>
             </a:ext>
             <a:ext uri="{91240B29-F687-4f45-9708-019B960494DF}">
-              <a14:hiddenLine xmlns:a14="http://schemas.microsoft.com/office/drawing/2010/main" xmlns="" w="9525">
+              <a14:hiddenLine xmlns="" xmlns:a14="http://schemas.microsoft.com/office/drawing/2010/main" w="9525">
                 <a:solidFill>
                   <a:srgbClr val="000000"/>
                 </a:solidFill>
@@ -1943,7 +1943,7 @@
               </a14:hiddenLine>
             </a:ext>
             <a:ext uri="{FAA26D3D-D897-4be2-8F04-BA451C77F1D7}">
-              <ma14:placeholderFlag xmlns:ma14="http://schemas.microsoft.com/office/mac/drawingml/2011/main" xmlns="" val="1"/>
+              <ma14:placeholderFlag xmlns="" xmlns:ma14="http://schemas.microsoft.com/office/mac/drawingml/2011/main" val="1"/>
             </a:ext>
           </a:extLst>
         </p:spPr>
@@ -1992,14 +1992,14 @@
           <a:ln/>
           <a:extLst>
             <a:ext uri="{909E8E84-426E-40dd-AFC4-6F175D3DCCD1}">
-              <a14:hiddenFill xmlns:a14="http://schemas.microsoft.com/office/drawing/2010/main" xmlns="">
+              <a14:hiddenFill xmlns="" xmlns:a14="http://schemas.microsoft.com/office/drawing/2010/main">
                 <a:solidFill>
                   <a:srgbClr val="FFFFFF"/>
                 </a:solidFill>
               </a14:hiddenFill>
             </a:ext>
             <a:ext uri="{91240B29-F687-4f45-9708-019B960494DF}">
-              <a14:hiddenLine xmlns:a14="http://schemas.microsoft.com/office/drawing/2010/main" xmlns="" w="9525">
+              <a14:hiddenLine xmlns="" xmlns:a14="http://schemas.microsoft.com/office/drawing/2010/main" w="9525">
                 <a:solidFill>
                   <a:srgbClr val="000000"/>
                 </a:solidFill>
@@ -2144,14 +2144,14 @@
           <a:ln/>
           <a:extLst>
             <a:ext uri="{909E8E84-426E-40dd-AFC4-6F175D3DCCD1}">
-              <a14:hiddenFill xmlns:a14="http://schemas.microsoft.com/office/drawing/2010/main" xmlns="">
+              <a14:hiddenFill xmlns="" xmlns:a14="http://schemas.microsoft.com/office/drawing/2010/main">
                 <a:solidFill>
                   <a:srgbClr val="FFFFFF"/>
                 </a:solidFill>
               </a14:hiddenFill>
             </a:ext>
             <a:ext uri="{91240B29-F687-4f45-9708-019B960494DF}">
-              <a14:hiddenLine xmlns:a14="http://schemas.microsoft.com/office/drawing/2010/main" xmlns="" w="9525">
+              <a14:hiddenLine xmlns="" xmlns:a14="http://schemas.microsoft.com/office/drawing/2010/main" w="9525">
                 <a:solidFill>
                   <a:srgbClr val="000000"/>
                 </a:solidFill>
@@ -2295,14 +2295,14 @@
           <a:ln/>
           <a:extLst>
             <a:ext uri="{909E8E84-426E-40dd-AFC4-6F175D3DCCD1}">
-              <a14:hiddenFill xmlns:a14="http://schemas.microsoft.com/office/drawing/2010/main" xmlns="">
+              <a14:hiddenFill xmlns="" xmlns:a14="http://schemas.microsoft.com/office/drawing/2010/main">
                 <a:solidFill>
                   <a:srgbClr val="FFFFFF"/>
                 </a:solidFill>
               </a14:hiddenFill>
             </a:ext>
             <a:ext uri="{91240B29-F687-4f45-9708-019B960494DF}">
-              <a14:hiddenLine xmlns:a14="http://schemas.microsoft.com/office/drawing/2010/main" xmlns="" w="9525">
+              <a14:hiddenLine xmlns="" xmlns:a14="http://schemas.microsoft.com/office/drawing/2010/main" w="9525">
                 <a:solidFill>
                   <a:srgbClr val="000000"/>
                 </a:solidFill>
@@ -2532,14 +2532,14 @@
           <a:ln/>
           <a:extLst>
             <a:ext uri="{909E8E84-426E-40dd-AFC4-6F175D3DCCD1}">
-              <a14:hiddenFill xmlns:a14="http://schemas.microsoft.com/office/drawing/2010/main" xmlns="">
+              <a14:hiddenFill xmlns="" xmlns:a14="http://schemas.microsoft.com/office/drawing/2010/main">
                 <a:solidFill>
                   <a:srgbClr val="FFFFFF"/>
                 </a:solidFill>
               </a14:hiddenFill>
             </a:ext>
             <a:ext uri="{91240B29-F687-4f45-9708-019B960494DF}">
-              <a14:hiddenLine xmlns:a14="http://schemas.microsoft.com/office/drawing/2010/main" xmlns="" w="9525">
+              <a14:hiddenLine xmlns="" xmlns:a14="http://schemas.microsoft.com/office/drawing/2010/main" w="9525">
                 <a:solidFill>
                   <a:srgbClr val="000000"/>
                 </a:solidFill>
@@ -2582,14 +2582,14 @@
           <a:ln/>
           <a:extLst>
             <a:ext uri="{909E8E84-426E-40dd-AFC4-6F175D3DCCD1}">
-              <a14:hiddenFill xmlns:a14="http://schemas.microsoft.com/office/drawing/2010/main" xmlns="">
+              <a14:hiddenFill xmlns="" xmlns:a14="http://schemas.microsoft.com/office/drawing/2010/main">
                 <a:solidFill>
                   <a:srgbClr val="FFFFFF"/>
                 </a:solidFill>
               </a14:hiddenFill>
             </a:ext>
             <a:ext uri="{91240B29-F687-4f45-9708-019B960494DF}">
-              <a14:hiddenLine xmlns:a14="http://schemas.microsoft.com/office/drawing/2010/main" xmlns="" w="9525">
+              <a14:hiddenLine xmlns="" xmlns:a14="http://schemas.microsoft.com/office/drawing/2010/main" w="9525">
                 <a:solidFill>
                   <a:srgbClr val="000000"/>
                 </a:solidFill>
@@ -2734,14 +2734,14 @@
           <a:ln/>
           <a:extLst>
             <a:ext uri="{909E8E84-426E-40dd-AFC4-6F175D3DCCD1}">
-              <a14:hiddenFill xmlns:a14="http://schemas.microsoft.com/office/drawing/2010/main" xmlns="">
+              <a14:hiddenFill xmlns="" xmlns:a14="http://schemas.microsoft.com/office/drawing/2010/main">
                 <a:solidFill>
                   <a:srgbClr val="FFFFFF"/>
                 </a:solidFill>
               </a14:hiddenFill>
             </a:ext>
             <a:ext uri="{91240B29-F687-4f45-9708-019B960494DF}">
-              <a14:hiddenLine xmlns:a14="http://schemas.microsoft.com/office/drawing/2010/main" xmlns="" w="9525">
+              <a14:hiddenLine xmlns="" xmlns:a14="http://schemas.microsoft.com/office/drawing/2010/main" w="9525">
                 <a:solidFill>
                   <a:srgbClr val="000000"/>
                 </a:solidFill>
@@ -2886,14 +2886,14 @@
           <a:ln/>
           <a:extLst>
             <a:ext uri="{909E8E84-426E-40dd-AFC4-6F175D3DCCD1}">
-              <a14:hiddenFill xmlns:a14="http://schemas.microsoft.com/office/drawing/2010/main" xmlns="">
+              <a14:hiddenFill xmlns="" xmlns:a14="http://schemas.microsoft.com/office/drawing/2010/main">
                 <a:solidFill>
                   <a:srgbClr val="FFFFFF"/>
                 </a:solidFill>
               </a14:hiddenFill>
             </a:ext>
             <a:ext uri="{91240B29-F687-4f45-9708-019B960494DF}">
-              <a14:hiddenLine xmlns:a14="http://schemas.microsoft.com/office/drawing/2010/main" xmlns="" w="9525">
+              <a14:hiddenLine xmlns="" xmlns:a14="http://schemas.microsoft.com/office/drawing/2010/main" w="9525">
                 <a:solidFill>
                   <a:srgbClr val="000000"/>
                 </a:solidFill>
@@ -3112,14 +3112,14 @@
           </a:ln>
           <a:extLst>
             <a:ext uri="{909E8E84-426E-40dd-AFC4-6F175D3DCCD1}">
-              <a14:hiddenFill xmlns:a14="http://schemas.microsoft.com/office/drawing/2010/main" xmlns="">
+              <a14:hiddenFill xmlns="" xmlns:a14="http://schemas.microsoft.com/office/drawing/2010/main">
                 <a:solidFill>
                   <a:srgbClr val="FFFFFF"/>
                 </a:solidFill>
               </a14:hiddenFill>
             </a:ext>
             <a:ext uri="{FAA26D3D-D897-4be2-8F04-BA451C77F1D7}">
-              <ma14:placeholderFlag xmlns:ma14="http://schemas.microsoft.com/office/mac/drawingml/2011/main" xmlns="" val="1"/>
+              <ma14:placeholderFlag xmlns="" xmlns:ma14="http://schemas.microsoft.com/office/mac/drawingml/2011/main" val="1"/>
             </a:ext>
           </a:extLst>
         </p:spPr>
@@ -3138,14 +3138,14 @@
           <a:noFill/>
           <a:extLst>
             <a:ext uri="{909E8E84-426E-40dd-AFC4-6F175D3DCCD1}">
-              <a14:hiddenFill xmlns:a14="http://schemas.microsoft.com/office/drawing/2010/main" xmlns="">
+              <a14:hiddenFill xmlns="" xmlns:a14="http://schemas.microsoft.com/office/drawing/2010/main">
                 <a:solidFill>
                   <a:srgbClr val="FFFFFF"/>
                 </a:solidFill>
               </a14:hiddenFill>
             </a:ext>
             <a:ext uri="{91240B29-F687-4f45-9708-019B960494DF}">
-              <a14:hiddenLine xmlns:a14="http://schemas.microsoft.com/office/drawing/2010/main" xmlns="" w="9525">
+              <a14:hiddenLine xmlns="" xmlns:a14="http://schemas.microsoft.com/office/drawing/2010/main" w="9525">
                 <a:solidFill>
                   <a:srgbClr val="000000"/>
                 </a:solidFill>
@@ -3155,7 +3155,7 @@
               </a14:hiddenLine>
             </a:ext>
             <a:ext uri="{FAA26D3D-D897-4be2-8F04-BA451C77F1D7}">
-              <ma14:placeholderFlag xmlns:ma14="http://schemas.microsoft.com/office/mac/drawingml/2011/main" xmlns="" val="1"/>
+              <ma14:placeholderFlag xmlns="" xmlns:ma14="http://schemas.microsoft.com/office/mac/drawingml/2011/main" val="1"/>
             </a:ext>
           </a:extLst>
         </p:spPr>
@@ -3262,14 +3262,14 @@
           </a:ln>
           <a:extLst>
             <a:ext uri="{909E8E84-426E-40dd-AFC4-6F175D3DCCD1}">
-              <a14:hiddenFill xmlns:a14="http://schemas.microsoft.com/office/drawing/2010/main" xmlns="">
+              <a14:hiddenFill xmlns="" xmlns:a14="http://schemas.microsoft.com/office/drawing/2010/main">
                 <a:solidFill>
                   <a:srgbClr val="FFFFFF"/>
                 </a:solidFill>
               </a14:hiddenFill>
             </a:ext>
             <a:ext uri="{91240B29-F687-4f45-9708-019B960494DF}">
-              <a14:hiddenLine xmlns:a14="http://schemas.microsoft.com/office/drawing/2010/main" xmlns="" w="9525">
+              <a14:hiddenLine xmlns="" xmlns:a14="http://schemas.microsoft.com/office/drawing/2010/main" w="9525">
                 <a:solidFill>
                   <a:srgbClr val="000000"/>
                 </a:solidFill>
@@ -3431,14 +3431,14 @@
           </a:ln>
           <a:extLst>
             <a:ext uri="{909E8E84-426E-40dd-AFC4-6F175D3DCCD1}">
-              <a14:hiddenFill xmlns:a14="http://schemas.microsoft.com/office/drawing/2010/main" xmlns="">
+              <a14:hiddenFill xmlns="" xmlns:a14="http://schemas.microsoft.com/office/drawing/2010/main">
                 <a:solidFill>
                   <a:srgbClr val="FFFFFF"/>
                 </a:solidFill>
               </a14:hiddenFill>
             </a:ext>
             <a:ext uri="{FAA26D3D-D897-4be2-8F04-BA451C77F1D7}">
-              <ma14:placeholderFlag xmlns:ma14="http://schemas.microsoft.com/office/mac/drawingml/2011/main" xmlns="" val="1"/>
+              <ma14:placeholderFlag xmlns="" xmlns:ma14="http://schemas.microsoft.com/office/mac/drawingml/2011/main" val="1"/>
             </a:ext>
           </a:extLst>
         </p:spPr>
@@ -3487,14 +3487,14 @@
           </a:ln>
           <a:extLst>
             <a:ext uri="{909E8E84-426E-40dd-AFC4-6F175D3DCCD1}">
-              <a14:hiddenFill xmlns:a14="http://schemas.microsoft.com/office/drawing/2010/main" xmlns="">
+              <a14:hiddenFill xmlns="" xmlns:a14="http://schemas.microsoft.com/office/drawing/2010/main">
                 <a:solidFill>
                   <a:srgbClr val="FFFFFF"/>
                 </a:solidFill>
               </a14:hiddenFill>
             </a:ext>
             <a:ext uri="{FAA26D3D-D897-4be2-8F04-BA451C77F1D7}">
-              <ma14:placeholderFlag xmlns:ma14="http://schemas.microsoft.com/office/mac/drawingml/2011/main" xmlns="" val="1"/>
+              <ma14:placeholderFlag xmlns="" xmlns:ma14="http://schemas.microsoft.com/office/mac/drawingml/2011/main" val="1"/>
             </a:ext>
           </a:extLst>
         </p:spPr>
@@ -3676,14 +3676,14 @@
           </a:ln>
           <a:extLst>
             <a:ext uri="{909E8E84-426E-40dd-AFC4-6F175D3DCCD1}">
-              <a14:hiddenFill xmlns:a14="http://schemas.microsoft.com/office/drawing/2010/main" xmlns="">
+              <a14:hiddenFill xmlns="" xmlns:a14="http://schemas.microsoft.com/office/drawing/2010/main">
                 <a:solidFill>
                   <a:srgbClr val="FFFFFF"/>
                 </a:solidFill>
               </a14:hiddenFill>
             </a:ext>
             <a:ext uri="{FAA26D3D-D897-4be2-8F04-BA451C77F1D7}">
-              <ma14:placeholderFlag xmlns:ma14="http://schemas.microsoft.com/office/mac/drawingml/2011/main" xmlns="" val="1"/>
+              <ma14:placeholderFlag xmlns="" xmlns:ma14="http://schemas.microsoft.com/office/mac/drawingml/2011/main" val="1"/>
             </a:ext>
           </a:extLst>
         </p:spPr>
@@ -3714,14 +3714,14 @@
           </a:ln>
           <a:extLst>
             <a:ext uri="{909E8E84-426E-40dd-AFC4-6F175D3DCCD1}">
-              <a14:hiddenFill xmlns:a14="http://schemas.microsoft.com/office/drawing/2010/main" xmlns="">
+              <a14:hiddenFill xmlns="" xmlns:a14="http://schemas.microsoft.com/office/drawing/2010/main">
                 <a:solidFill>
                   <a:srgbClr val="FFFFFF"/>
                 </a:solidFill>
               </a14:hiddenFill>
             </a:ext>
             <a:ext uri="{FAA26D3D-D897-4be2-8F04-BA451C77F1D7}">
-              <ma14:placeholderFlag xmlns:ma14="http://schemas.microsoft.com/office/mac/drawingml/2011/main" xmlns="" val="1"/>
+              <ma14:placeholderFlag xmlns="" xmlns:ma14="http://schemas.microsoft.com/office/mac/drawingml/2011/main" val="1"/>
             </a:ext>
           </a:extLst>
         </p:spPr>
@@ -3829,14 +3829,14 @@
           </a:ln>
           <a:extLst>
             <a:ext uri="{909E8E84-426E-40dd-AFC4-6F175D3DCCD1}">
-              <a14:hiddenFill xmlns:a14="http://schemas.microsoft.com/office/drawing/2010/main" xmlns="">
+              <a14:hiddenFill xmlns="" xmlns:a14="http://schemas.microsoft.com/office/drawing/2010/main">
                 <a:solidFill>
                   <a:srgbClr val="FFFFFF"/>
                 </a:solidFill>
               </a14:hiddenFill>
             </a:ext>
             <a:ext uri="{FAA26D3D-D897-4be2-8F04-BA451C77F1D7}">
-              <ma14:placeholderFlag xmlns:ma14="http://schemas.microsoft.com/office/mac/drawingml/2011/main" xmlns="" val="1"/>
+              <ma14:placeholderFlag xmlns="" xmlns:ma14="http://schemas.microsoft.com/office/mac/drawingml/2011/main" val="1"/>
             </a:ext>
           </a:extLst>
         </p:spPr>
@@ -3855,14 +3855,14 @@
           <a:noFill/>
           <a:extLst>
             <a:ext uri="{909E8E84-426E-40dd-AFC4-6F175D3DCCD1}">
-              <a14:hiddenFill xmlns:a14="http://schemas.microsoft.com/office/drawing/2010/main" xmlns="">
+              <a14:hiddenFill xmlns="" xmlns:a14="http://schemas.microsoft.com/office/drawing/2010/main">
                 <a:solidFill>
                   <a:srgbClr val="FFFFFF"/>
                 </a:solidFill>
               </a14:hiddenFill>
             </a:ext>
             <a:ext uri="{91240B29-F687-4f45-9708-019B960494DF}">
-              <a14:hiddenLine xmlns:a14="http://schemas.microsoft.com/office/drawing/2010/main" xmlns="" w="9525">
+              <a14:hiddenLine xmlns="" xmlns:a14="http://schemas.microsoft.com/office/drawing/2010/main" w="9525">
                 <a:solidFill>
                   <a:srgbClr val="000000"/>
                 </a:solidFill>
@@ -3872,7 +3872,7 @@
               </a14:hiddenLine>
             </a:ext>
             <a:ext uri="{FAA26D3D-D897-4be2-8F04-BA451C77F1D7}">
-              <ma14:placeholderFlag xmlns:ma14="http://schemas.microsoft.com/office/mac/drawingml/2011/main" xmlns="" val="1"/>
+              <ma14:placeholderFlag xmlns="" xmlns:ma14="http://schemas.microsoft.com/office/mac/drawingml/2011/main" val="1"/>
             </a:ext>
           </a:extLst>
         </p:spPr>
@@ -3979,14 +3979,14 @@
           </a:ln>
           <a:extLst>
             <a:ext uri="{909E8E84-426E-40dd-AFC4-6F175D3DCCD1}">
-              <a14:hiddenFill xmlns:a14="http://schemas.microsoft.com/office/drawing/2010/main" xmlns="">
+              <a14:hiddenFill xmlns="" xmlns:a14="http://schemas.microsoft.com/office/drawing/2010/main">
                 <a:solidFill>
                   <a:srgbClr val="FFFFFF"/>
                 </a:solidFill>
               </a14:hiddenFill>
             </a:ext>
             <a:ext uri="{FAA26D3D-D897-4be2-8F04-BA451C77F1D7}">
-              <ma14:placeholderFlag xmlns:ma14="http://schemas.microsoft.com/office/mac/drawingml/2011/main" xmlns="" val="1"/>
+              <ma14:placeholderFlag xmlns="" xmlns:ma14="http://schemas.microsoft.com/office/mac/drawingml/2011/main" val="1"/>
             </a:ext>
           </a:extLst>
         </p:spPr>
@@ -4005,14 +4005,14 @@
           <a:noFill/>
           <a:extLst>
             <a:ext uri="{909E8E84-426E-40dd-AFC4-6F175D3DCCD1}">
-              <a14:hiddenFill xmlns:a14="http://schemas.microsoft.com/office/drawing/2010/main" xmlns="">
+              <a14:hiddenFill xmlns="" xmlns:a14="http://schemas.microsoft.com/office/drawing/2010/main">
                 <a:solidFill>
                   <a:srgbClr val="FFFFFF"/>
                 </a:solidFill>
               </a14:hiddenFill>
             </a:ext>
             <a:ext uri="{91240B29-F687-4f45-9708-019B960494DF}">
-              <a14:hiddenLine xmlns:a14="http://schemas.microsoft.com/office/drawing/2010/main" xmlns="" w="9525">
+              <a14:hiddenLine xmlns="" xmlns:a14="http://schemas.microsoft.com/office/drawing/2010/main" w="9525">
                 <a:solidFill>
                   <a:srgbClr val="000000"/>
                 </a:solidFill>
@@ -4022,7 +4022,7 @@
               </a14:hiddenLine>
             </a:ext>
             <a:ext uri="{FAA26D3D-D897-4be2-8F04-BA451C77F1D7}">
-              <ma14:placeholderFlag xmlns:ma14="http://schemas.microsoft.com/office/mac/drawingml/2011/main" xmlns="" val="1"/>
+              <ma14:placeholderFlag xmlns="" xmlns:ma14="http://schemas.microsoft.com/office/mac/drawingml/2011/main" val="1"/>
             </a:ext>
           </a:extLst>
         </p:spPr>
@@ -4136,14 +4136,14 @@
           <a:ln/>
           <a:extLst>
             <a:ext uri="{909E8E84-426E-40dd-AFC4-6F175D3DCCD1}">
-              <a14:hiddenFill xmlns:a14="http://schemas.microsoft.com/office/drawing/2010/main" xmlns="">
+              <a14:hiddenFill xmlns="" xmlns:a14="http://schemas.microsoft.com/office/drawing/2010/main">
                 <a:solidFill>
                   <a:srgbClr val="FFFFFF"/>
                 </a:solidFill>
               </a14:hiddenFill>
             </a:ext>
             <a:ext uri="{91240B29-F687-4f45-9708-019B960494DF}">
-              <a14:hiddenLine xmlns:a14="http://schemas.microsoft.com/office/drawing/2010/main" xmlns="" w="9525">
+              <a14:hiddenLine xmlns="" xmlns:a14="http://schemas.microsoft.com/office/drawing/2010/main" w="9525">
                 <a:solidFill>
                   <a:srgbClr val="000000"/>
                 </a:solidFill>
@@ -4153,7 +4153,7 @@
               </a14:hiddenLine>
             </a:ext>
             <a:ext uri="{FAA26D3D-D897-4be2-8F04-BA451C77F1D7}">
-              <ma14:placeholderFlag xmlns:ma14="http://schemas.microsoft.com/office/mac/drawingml/2011/main" xmlns="" val="1"/>
+              <ma14:placeholderFlag xmlns="" xmlns:ma14="http://schemas.microsoft.com/office/mac/drawingml/2011/main" val="1"/>
             </a:ext>
           </a:extLst>
         </p:spPr>
@@ -4183,14 +4183,14 @@
           <a:ln/>
           <a:extLst>
             <a:ext uri="{909E8E84-426E-40dd-AFC4-6F175D3DCCD1}">
-              <a14:hiddenFill xmlns:a14="http://schemas.microsoft.com/office/drawing/2010/main" xmlns="">
+              <a14:hiddenFill xmlns="" xmlns:a14="http://schemas.microsoft.com/office/drawing/2010/main">
                 <a:solidFill>
                   <a:srgbClr val="FFFFFF"/>
                 </a:solidFill>
               </a14:hiddenFill>
             </a:ext>
             <a:ext uri="{91240B29-F687-4f45-9708-019B960494DF}">
-              <a14:hiddenLine xmlns:a14="http://schemas.microsoft.com/office/drawing/2010/main" xmlns="" w="9525">
+              <a14:hiddenLine xmlns="" xmlns:a14="http://schemas.microsoft.com/office/drawing/2010/main" w="9525">
                 <a:solidFill>
                   <a:srgbClr val="000000"/>
                 </a:solidFill>
@@ -4343,14 +4343,14 @@
           <a:ln/>
           <a:extLst>
             <a:ext uri="{909E8E84-426E-40dd-AFC4-6F175D3DCCD1}">
-              <a14:hiddenFill xmlns:a14="http://schemas.microsoft.com/office/drawing/2010/main" xmlns="">
+              <a14:hiddenFill xmlns="" xmlns:a14="http://schemas.microsoft.com/office/drawing/2010/main">
                 <a:solidFill>
                   <a:srgbClr val="FFFFFF"/>
                 </a:solidFill>
               </a14:hiddenFill>
             </a:ext>
             <a:ext uri="{91240B29-F687-4f45-9708-019B960494DF}">
-              <a14:hiddenLine xmlns:a14="http://schemas.microsoft.com/office/drawing/2010/main" xmlns="" w="9525">
+              <a14:hiddenLine xmlns="" xmlns:a14="http://schemas.microsoft.com/office/drawing/2010/main" w="9525">
                 <a:solidFill>
                   <a:srgbClr val="000000"/>
                 </a:solidFill>
@@ -4503,14 +4503,14 @@
           <a:ln/>
           <a:extLst>
             <a:ext uri="{909E8E84-426E-40dd-AFC4-6F175D3DCCD1}">
-              <a14:hiddenFill xmlns:a14="http://schemas.microsoft.com/office/drawing/2010/main" xmlns="">
+              <a14:hiddenFill xmlns="" xmlns:a14="http://schemas.microsoft.com/office/drawing/2010/main">
                 <a:solidFill>
                   <a:srgbClr val="FFFFFF"/>
                 </a:solidFill>
               </a14:hiddenFill>
             </a:ext>
             <a:ext uri="{91240B29-F687-4f45-9708-019B960494DF}">
-              <a14:hiddenLine xmlns:a14="http://schemas.microsoft.com/office/drawing/2010/main" xmlns="" w="9525">
+              <a14:hiddenLine xmlns="" xmlns:a14="http://schemas.microsoft.com/office/drawing/2010/main" w="9525">
                 <a:solidFill>
                   <a:srgbClr val="000000"/>
                 </a:solidFill>
@@ -4739,7 +4739,7 @@
           </a:ln>
           <a:extLst>
             <a:ext uri="{FAA26D3D-D897-4be2-8F04-BA451C77F1D7}">
-              <ma14:placeholderFlag xmlns:ma14="http://schemas.microsoft.com/office/mac/drawingml/2011/main" xmlns="" val="1"/>
+              <ma14:placeholderFlag xmlns="" xmlns:ma14="http://schemas.microsoft.com/office/mac/drawingml/2011/main" val="1"/>
             </a:ext>
           </a:extLst>
         </p:spPr>
@@ -4768,7 +4768,7 @@
           </a:ln>
           <a:extLst>
             <a:ext uri="{FAA26D3D-D897-4be2-8F04-BA451C77F1D7}">
-              <ma14:placeholderFlag xmlns:ma14="http://schemas.microsoft.com/office/mac/drawingml/2011/main" xmlns="" val="1"/>
+              <ma14:placeholderFlag xmlns="" xmlns:ma14="http://schemas.microsoft.com/office/mac/drawingml/2011/main" val="1"/>
             </a:ext>
           </a:extLst>
         </p:spPr>
@@ -4877,7 +4877,7 @@
           </a:ln>
           <a:extLst>
             <a:ext uri="{FAA26D3D-D897-4be2-8F04-BA451C77F1D7}">
-              <ma14:placeholderFlag xmlns:ma14="http://schemas.microsoft.com/office/mac/drawingml/2011/main" xmlns="" val="1"/>
+              <ma14:placeholderFlag xmlns="" xmlns:ma14="http://schemas.microsoft.com/office/mac/drawingml/2011/main" val="1"/>
             </a:ext>
           </a:extLst>
         </p:spPr>
@@ -4906,7 +4906,7 @@
           </a:ln>
           <a:extLst>
             <a:ext uri="{FAA26D3D-D897-4be2-8F04-BA451C77F1D7}">
-              <ma14:placeholderFlag xmlns:ma14="http://schemas.microsoft.com/office/mac/drawingml/2011/main" xmlns="" val="1"/>
+              <ma14:placeholderFlag xmlns="" xmlns:ma14="http://schemas.microsoft.com/office/mac/drawingml/2011/main" val="1"/>
             </a:ext>
           </a:extLst>
         </p:spPr>
@@ -5024,14 +5024,14 @@
           <a:ln/>
           <a:extLst>
             <a:ext uri="{909E8E84-426E-40dd-AFC4-6F175D3DCCD1}">
-              <a14:hiddenFill xmlns:a14="http://schemas.microsoft.com/office/drawing/2010/main" xmlns="">
+              <a14:hiddenFill xmlns="" xmlns:a14="http://schemas.microsoft.com/office/drawing/2010/main">
                 <a:solidFill>
                   <a:srgbClr val="FFFFFF"/>
                 </a:solidFill>
               </a14:hiddenFill>
             </a:ext>
             <a:ext uri="{91240B29-F687-4f45-9708-019B960494DF}">
-              <a14:hiddenLine xmlns:a14="http://schemas.microsoft.com/office/drawing/2010/main" xmlns="" w="9525">
+              <a14:hiddenLine xmlns="" xmlns:a14="http://schemas.microsoft.com/office/drawing/2010/main" w="9525">
                 <a:solidFill>
                   <a:srgbClr val="000000"/>
                 </a:solidFill>
@@ -5041,7 +5041,7 @@
               </a14:hiddenLine>
             </a:ext>
             <a:ext uri="{FAA26D3D-D897-4be2-8F04-BA451C77F1D7}">
-              <ma14:placeholderFlag xmlns:ma14="http://schemas.microsoft.com/office/mac/drawingml/2011/main" xmlns="" val="1"/>
+              <ma14:placeholderFlag xmlns="" xmlns:ma14="http://schemas.microsoft.com/office/mac/drawingml/2011/main" val="1"/>
             </a:ext>
           </a:extLst>
         </p:spPr>
@@ -5071,14 +5071,14 @@
           <a:ln/>
           <a:extLst>
             <a:ext uri="{909E8E84-426E-40dd-AFC4-6F175D3DCCD1}">
-              <a14:hiddenFill xmlns:a14="http://schemas.microsoft.com/office/drawing/2010/main" xmlns="">
+              <a14:hiddenFill xmlns="" xmlns:a14="http://schemas.microsoft.com/office/drawing/2010/main">
                 <a:solidFill>
                   <a:srgbClr val="FFFFFF"/>
                 </a:solidFill>
               </a14:hiddenFill>
             </a:ext>
             <a:ext uri="{91240B29-F687-4f45-9708-019B960494DF}">
-              <a14:hiddenLine xmlns:a14="http://schemas.microsoft.com/office/drawing/2010/main" xmlns="" w="9525">
+              <a14:hiddenLine xmlns="" xmlns:a14="http://schemas.microsoft.com/office/drawing/2010/main" w="9525">
                 <a:solidFill>
                   <a:srgbClr val="000000"/>
                 </a:solidFill>
@@ -5231,14 +5231,14 @@
           <a:ln/>
           <a:extLst>
             <a:ext uri="{909E8E84-426E-40dd-AFC4-6F175D3DCCD1}">
-              <a14:hiddenFill xmlns:a14="http://schemas.microsoft.com/office/drawing/2010/main" xmlns="">
+              <a14:hiddenFill xmlns="" xmlns:a14="http://schemas.microsoft.com/office/drawing/2010/main">
                 <a:solidFill>
                   <a:srgbClr val="FFFFFF"/>
                 </a:solidFill>
               </a14:hiddenFill>
             </a:ext>
             <a:ext uri="{91240B29-F687-4f45-9708-019B960494DF}">
-              <a14:hiddenLine xmlns:a14="http://schemas.microsoft.com/office/drawing/2010/main" xmlns="" w="9525">
+              <a14:hiddenLine xmlns="" xmlns:a14="http://schemas.microsoft.com/office/drawing/2010/main" w="9525">
                 <a:solidFill>
                   <a:srgbClr val="000000"/>
                 </a:solidFill>
@@ -5391,14 +5391,14 @@
           <a:ln/>
           <a:extLst>
             <a:ext uri="{909E8E84-426E-40dd-AFC4-6F175D3DCCD1}">
-              <a14:hiddenFill xmlns:a14="http://schemas.microsoft.com/office/drawing/2010/main" xmlns="">
+              <a14:hiddenFill xmlns="" xmlns:a14="http://schemas.microsoft.com/office/drawing/2010/main">
                 <a:solidFill>
                   <a:srgbClr val="FFFFFF"/>
                 </a:solidFill>
               </a14:hiddenFill>
             </a:ext>
             <a:ext uri="{91240B29-F687-4f45-9708-019B960494DF}">
-              <a14:hiddenLine xmlns:a14="http://schemas.microsoft.com/office/drawing/2010/main" xmlns="" w="9525">
+              <a14:hiddenLine xmlns="" xmlns:a14="http://schemas.microsoft.com/office/drawing/2010/main" w="9525">
                 <a:solidFill>
                   <a:srgbClr val="000000"/>
                 </a:solidFill>
@@ -5651,7 +5651,7 @@
           </a:ln>
           <a:extLst>
             <a:ext uri="{909E8E84-426E-40dd-AFC4-6F175D3DCCD1}">
-              <a14:hiddenFill xmlns:a14="http://schemas.microsoft.com/office/drawing/2010/main" xmlns="">
+              <a14:hiddenFill xmlns="" xmlns:a14="http://schemas.microsoft.com/office/drawing/2010/main">
                 <a:solidFill>
                   <a:srgbClr val="FFFFFF"/>
                 </a:solidFill>
@@ -5853,14 +5853,14 @@
           <a:ln/>
           <a:extLst>
             <a:ext uri="{909E8E84-426E-40dd-AFC4-6F175D3DCCD1}">
-              <a14:hiddenFill xmlns:a14="http://schemas.microsoft.com/office/drawing/2010/main" xmlns="">
+              <a14:hiddenFill xmlns="" xmlns:a14="http://schemas.microsoft.com/office/drawing/2010/main">
                 <a:solidFill>
                   <a:srgbClr val="FFFFFF"/>
                 </a:solidFill>
               </a14:hiddenFill>
             </a:ext>
             <a:ext uri="{91240B29-F687-4f45-9708-019B960494DF}">
-              <a14:hiddenLine xmlns:a14="http://schemas.microsoft.com/office/drawing/2010/main" xmlns="" w="9525">
+              <a14:hiddenLine xmlns="" xmlns:a14="http://schemas.microsoft.com/office/drawing/2010/main" w="9525">
                 <a:solidFill>
                   <a:srgbClr val="000000"/>
                 </a:solidFill>
@@ -6013,14 +6013,14 @@
           <a:ln/>
           <a:extLst>
             <a:ext uri="{909E8E84-426E-40dd-AFC4-6F175D3DCCD1}">
-              <a14:hiddenFill xmlns:a14="http://schemas.microsoft.com/office/drawing/2010/main" xmlns="">
+              <a14:hiddenFill xmlns="" xmlns:a14="http://schemas.microsoft.com/office/drawing/2010/main">
                 <a:solidFill>
                   <a:srgbClr val="FFFFFF"/>
                 </a:solidFill>
               </a14:hiddenFill>
             </a:ext>
             <a:ext uri="{91240B29-F687-4f45-9708-019B960494DF}">
-              <a14:hiddenLine xmlns:a14="http://schemas.microsoft.com/office/drawing/2010/main" xmlns="" w="9525">
+              <a14:hiddenLine xmlns="" xmlns:a14="http://schemas.microsoft.com/office/drawing/2010/main" w="9525">
                 <a:solidFill>
                   <a:srgbClr val="000000"/>
                 </a:solidFill>
@@ -6173,14 +6173,14 @@
           <a:ln/>
           <a:extLst>
             <a:ext uri="{909E8E84-426E-40dd-AFC4-6F175D3DCCD1}">
-              <a14:hiddenFill xmlns:a14="http://schemas.microsoft.com/office/drawing/2010/main" xmlns="">
+              <a14:hiddenFill xmlns="" xmlns:a14="http://schemas.microsoft.com/office/drawing/2010/main">
                 <a:solidFill>
                   <a:srgbClr val="FFFFFF"/>
                 </a:solidFill>
               </a14:hiddenFill>
             </a:ext>
             <a:ext uri="{91240B29-F687-4f45-9708-019B960494DF}">
-              <a14:hiddenLine xmlns:a14="http://schemas.microsoft.com/office/drawing/2010/main" xmlns="" w="9525">
+              <a14:hiddenLine xmlns="" xmlns:a14="http://schemas.microsoft.com/office/drawing/2010/main" w="9525">
                 <a:solidFill>
                   <a:srgbClr val="000000"/>
                 </a:solidFill>
@@ -6427,7 +6427,7 @@
           </a:ln>
           <a:extLst>
             <a:ext uri="{FAA26D3D-D897-4be2-8F04-BA451C77F1D7}">
-              <ma14:placeholderFlag xmlns:ma14="http://schemas.microsoft.com/office/mac/drawingml/2011/main" xmlns="" val="1"/>
+              <ma14:placeholderFlag xmlns="" xmlns:ma14="http://schemas.microsoft.com/office/mac/drawingml/2011/main" val="1"/>
             </a:ext>
           </a:extLst>
         </p:spPr>
@@ -6462,14 +6462,14 @@
           <a:ln/>
           <a:extLst>
             <a:ext uri="{909E8E84-426E-40dd-AFC4-6F175D3DCCD1}">
-              <a14:hiddenFill xmlns:a14="http://schemas.microsoft.com/office/drawing/2010/main" xmlns="">
+              <a14:hiddenFill xmlns="" xmlns:a14="http://schemas.microsoft.com/office/drawing/2010/main">
                 <a:solidFill>
                   <a:srgbClr val="FFFFFF"/>
                 </a:solidFill>
               </a14:hiddenFill>
             </a:ext>
             <a:ext uri="{91240B29-F687-4f45-9708-019B960494DF}">
-              <a14:hiddenLine xmlns:a14="http://schemas.microsoft.com/office/drawing/2010/main" xmlns="" w="9525">
+              <a14:hiddenLine xmlns="" xmlns:a14="http://schemas.microsoft.com/office/drawing/2010/main" w="9525">
                 <a:solidFill>
                   <a:srgbClr val="000000"/>
                 </a:solidFill>
@@ -6622,14 +6622,14 @@
           <a:ln/>
           <a:extLst>
             <a:ext uri="{909E8E84-426E-40dd-AFC4-6F175D3DCCD1}">
-              <a14:hiddenFill xmlns:a14="http://schemas.microsoft.com/office/drawing/2010/main" xmlns="">
+              <a14:hiddenFill xmlns="" xmlns:a14="http://schemas.microsoft.com/office/drawing/2010/main">
                 <a:solidFill>
                   <a:srgbClr val="FFFFFF"/>
                 </a:solidFill>
               </a14:hiddenFill>
             </a:ext>
             <a:ext uri="{91240B29-F687-4f45-9708-019B960494DF}">
-              <a14:hiddenLine xmlns:a14="http://schemas.microsoft.com/office/drawing/2010/main" xmlns="" w="9525">
+              <a14:hiddenLine xmlns="" xmlns:a14="http://schemas.microsoft.com/office/drawing/2010/main" w="9525">
                 <a:solidFill>
                   <a:srgbClr val="000000"/>
                 </a:solidFill>
@@ -6782,14 +6782,14 @@
           <a:ln/>
           <a:extLst>
             <a:ext uri="{909E8E84-426E-40dd-AFC4-6F175D3DCCD1}">
-              <a14:hiddenFill xmlns:a14="http://schemas.microsoft.com/office/drawing/2010/main" xmlns="">
+              <a14:hiddenFill xmlns="" xmlns:a14="http://schemas.microsoft.com/office/drawing/2010/main">
                 <a:solidFill>
                   <a:srgbClr val="FFFFFF"/>
                 </a:solidFill>
               </a14:hiddenFill>
             </a:ext>
             <a:ext uri="{91240B29-F687-4f45-9708-019B960494DF}">
-              <a14:hiddenLine xmlns:a14="http://schemas.microsoft.com/office/drawing/2010/main" xmlns="" w="9525">
+              <a14:hiddenLine xmlns="" xmlns:a14="http://schemas.microsoft.com/office/drawing/2010/main" w="9525">
                 <a:solidFill>
                   <a:srgbClr val="000000"/>
                 </a:solidFill>
@@ -7217,14 +7217,14 @@
           <a:ln/>
           <a:extLst>
             <a:ext uri="{909E8E84-426E-40dd-AFC4-6F175D3DCCD1}">
-              <a14:hiddenFill xmlns:a14="http://schemas.microsoft.com/office/drawing/2010/main" xmlns="">
+              <a14:hiddenFill xmlns="" xmlns:a14="http://schemas.microsoft.com/office/drawing/2010/main">
                 <a:solidFill>
                   <a:srgbClr val="FFFFFF"/>
                 </a:solidFill>
               </a14:hiddenFill>
             </a:ext>
             <a:ext uri="{91240B29-F687-4f45-9708-019B960494DF}">
-              <a14:hiddenLine xmlns:a14="http://schemas.microsoft.com/office/drawing/2010/main" xmlns="" w="9525">
+              <a14:hiddenLine xmlns="" xmlns:a14="http://schemas.microsoft.com/office/drawing/2010/main" w="9525">
                 <a:solidFill>
                   <a:srgbClr val="000000"/>
                 </a:solidFill>
@@ -7515,14 +7515,14 @@
           </a:ln>
           <a:extLst>
             <a:ext uri="{909E8E84-426E-40dd-AFC4-6F175D3DCCD1}">
-              <a14:hiddenFill xmlns:a14="http://schemas.microsoft.com/office/drawing/2010/main" xmlns="">
+              <a14:hiddenFill xmlns="" xmlns:a14="http://schemas.microsoft.com/office/drawing/2010/main">
                 <a:solidFill>
                   <a:srgbClr val="FFFFFF"/>
                 </a:solidFill>
               </a14:hiddenFill>
             </a:ext>
             <a:ext uri="{FAA26D3D-D897-4be2-8F04-BA451C77F1D7}">
-              <ma14:placeholderFlag xmlns:ma14="http://schemas.microsoft.com/office/mac/drawingml/2011/main" xmlns="" val="1"/>
+              <ma14:placeholderFlag xmlns="" xmlns:ma14="http://schemas.microsoft.com/office/mac/drawingml/2011/main" val="1"/>
             </a:ext>
           </a:extLst>
         </p:spPr>
@@ -7541,14 +7541,14 @@
           <a:noFill/>
           <a:extLst>
             <a:ext uri="{909E8E84-426E-40dd-AFC4-6F175D3DCCD1}">
-              <a14:hiddenFill xmlns:a14="http://schemas.microsoft.com/office/drawing/2010/main" xmlns="">
+              <a14:hiddenFill xmlns="" xmlns:a14="http://schemas.microsoft.com/office/drawing/2010/main">
                 <a:solidFill>
                   <a:srgbClr val="FFFFFF"/>
                 </a:solidFill>
               </a14:hiddenFill>
             </a:ext>
             <a:ext uri="{91240B29-F687-4f45-9708-019B960494DF}">
-              <a14:hiddenLine xmlns:a14="http://schemas.microsoft.com/office/drawing/2010/main" xmlns="" w="9525">
+              <a14:hiddenLine xmlns="" xmlns:a14="http://schemas.microsoft.com/office/drawing/2010/main" w="9525">
                 <a:solidFill>
                   <a:srgbClr val="000000"/>
                 </a:solidFill>
@@ -7558,7 +7558,7 @@
               </a14:hiddenLine>
             </a:ext>
             <a:ext uri="{FAA26D3D-D897-4be2-8F04-BA451C77F1D7}">
-              <ma14:placeholderFlag xmlns:ma14="http://schemas.microsoft.com/office/mac/drawingml/2011/main" xmlns="" val="1"/>
+              <ma14:placeholderFlag xmlns="" xmlns:ma14="http://schemas.microsoft.com/office/mac/drawingml/2011/main" val="1"/>
             </a:ext>
           </a:extLst>
         </p:spPr>
@@ -7763,7 +7763,7 @@
           <a:p>
             <a:fld id="{B2F5E2FA-C428-4CE7-95B0-168D3259A5BB}" type="datetimeFigureOut">
               <a:rPr lang="en-US" smtClean="0"/>
-              <a:t>11/28/2021</a:t>
+              <a:t>1/23/2022</a:t>
             </a:fld>
             <a:endParaRPr lang="en-US"/>
           </a:p>
@@ -8014,7 +8014,7 @@
           <a:p>
             <a:fld id="{B2F5E2FA-C428-4CE7-95B0-168D3259A5BB}" type="datetimeFigureOut">
               <a:rPr lang="en-US" smtClean="0"/>
-              <a:t>11/28/2021</a:t>
+              <a:t>1/23/2022</a:t>
             </a:fld>
             <a:endParaRPr lang="en-US"/>
           </a:p>
@@ -8194,7 +8194,7 @@
           <a:p>
             <a:fld id="{B2F5E2FA-C428-4CE7-95B0-168D3259A5BB}" type="datetimeFigureOut">
               <a:rPr lang="en-US" smtClean="0"/>
-              <a:t>11/28/2021</a:t>
+              <a:t>1/23/2022</a:t>
             </a:fld>
             <a:endParaRPr lang="en-US"/>
           </a:p>
@@ -8450,7 +8450,7 @@
           <a:p>
             <a:fld id="{B2F5E2FA-C428-4CE7-95B0-168D3259A5BB}" type="datetimeFigureOut">
               <a:rPr lang="en-US" smtClean="0"/>
-              <a:t>11/28/2021</a:t>
+              <a:t>1/23/2022</a:t>
             </a:fld>
             <a:endParaRPr lang="en-US"/>
           </a:p>
@@ -8795,7 +8795,7 @@
           <a:p>
             <a:fld id="{B2F5E2FA-C428-4CE7-95B0-168D3259A5BB}" type="datetimeFigureOut">
               <a:rPr lang="en-US" smtClean="0"/>
-              <a:t>11/28/2021</a:t>
+              <a:t>1/23/2022</a:t>
             </a:fld>
             <a:endParaRPr lang="en-US"/>
           </a:p>
@@ -9027,7 +9027,7 @@
           <a:p>
             <a:fld id="{B2F5E2FA-C428-4CE7-95B0-168D3259A5BB}" type="datetimeFigureOut">
               <a:rPr lang="en-US" smtClean="0"/>
-              <a:t>11/28/2021</a:t>
+              <a:t>1/23/2022</a:t>
             </a:fld>
             <a:endParaRPr lang="en-US"/>
           </a:p>
@@ -9394,7 +9394,7 @@
           <a:p>
             <a:fld id="{B2F5E2FA-C428-4CE7-95B0-168D3259A5BB}" type="datetimeFigureOut">
               <a:rPr lang="en-US" smtClean="0"/>
-              <a:t>11/28/2021</a:t>
+              <a:t>1/23/2022</a:t>
             </a:fld>
             <a:endParaRPr lang="en-US"/>
           </a:p>
@@ -9489,7 +9489,7 @@
           <a:p>
             <a:fld id="{B2F5E2FA-C428-4CE7-95B0-168D3259A5BB}" type="datetimeFigureOut">
               <a:rPr lang="en-US" smtClean="0"/>
-              <a:t>11/28/2021</a:t>
+              <a:t>1/23/2022</a:t>
             </a:fld>
             <a:endParaRPr lang="en-US"/>
           </a:p>
@@ -9712,7 +9712,7 @@
             <a:fld id="{B2F5E2FA-C428-4CE7-95B0-168D3259A5BB}" type="datetimeFigureOut">
               <a:rPr lang="en-US" smtClean="0"/>
               <a:pPr/>
-              <a:t>11/28/2021</a:t>
+              <a:t>1/23/2022</a:t>
             </a:fld>
             <a:endParaRPr lang="en-US"/>
           </a:p>
@@ -9883,7 +9883,7 @@
           <a:p>
             <a:fld id="{B2F5E2FA-C428-4CE7-95B0-168D3259A5BB}" type="datetimeFigureOut">
               <a:rPr lang="en-US" smtClean="0"/>
-              <a:t>11/28/2021</a:t>
+              <a:t>1/23/2022</a:t>
             </a:fld>
             <a:endParaRPr lang="en-US"/>
           </a:p>
@@ -10160,7 +10160,7 @@
           <a:p>
             <a:fld id="{B2F5E2FA-C428-4CE7-95B0-168D3259A5BB}" type="datetimeFigureOut">
               <a:rPr lang="en-US" smtClean="0"/>
-              <a:t>11/28/2021</a:t>
+              <a:t>1/23/2022</a:t>
             </a:fld>
             <a:endParaRPr lang="en-US"/>
           </a:p>
@@ -10413,7 +10413,7 @@
           <a:p>
             <a:fld id="{B2F5E2FA-C428-4CE7-95B0-168D3259A5BB}" type="datetimeFigureOut">
               <a:rPr lang="en-US" smtClean="0"/>
-              <a:t>11/28/2021</a:t>
+              <a:t>1/23/2022</a:t>
             </a:fld>
             <a:endParaRPr lang="en-US"/>
           </a:p>
@@ -10626,7 +10626,7 @@
           <a:p>
             <a:fld id="{B2F5E2FA-C428-4CE7-95B0-168D3259A5BB}" type="datetimeFigureOut">
               <a:rPr lang="en-US" smtClean="0"/>
-              <a:t>11/28/2021</a:t>
+              <a:t>1/23/2022</a:t>
             </a:fld>
             <a:endParaRPr lang="en-US"/>
           </a:p>
@@ -12325,7 +12325,7 @@
           <a:noFill/>
           <a:extLst>
             <a:ext uri="{909E8E84-426E-40dd-AFC4-6F175D3DCCD1}">
-              <a14:hiddenFill xmlns:a14="http://schemas.microsoft.com/office/drawing/2010/main" xmlns="">
+              <a14:hiddenFill xmlns="" xmlns:a14="http://schemas.microsoft.com/office/drawing/2010/main">
                 <a:solidFill>
                   <a:srgbClr val="FFFFFF"/>
                 </a:solidFill>
@@ -19840,7 +19840,7 @@
           <a:graphicData uri="http://schemas.openxmlformats.org/presentationml/2006/ole">
             <mc:AlternateContent xmlns:mc="http://schemas.openxmlformats.org/markup-compatibility/2006">
               <mc:Choice xmlns:v="urn:schemas-microsoft-com:vml" Requires="v">
-                <p:oleObj spid="_x0000_s1027" name="Visio" r:id="rId4" imgW="3213100" imgH="3924300" progId="Visio.Drawing.6">
+                <p:oleObj spid="_x0000_s1028" name="Visio" r:id="rId4" imgW="3213100" imgH="3924300" progId="Visio.Drawing.6">
                   <p:embed/>
                 </p:oleObj>
               </mc:Choice>
@@ -20410,14 +20410,14 @@
           </a:ln>
           <a:extLst>
             <a:ext uri="{909E8E84-426E-40dd-AFC4-6F175D3DCCD1}">
-              <a14:hiddenFill xmlns:a14="http://schemas.microsoft.com/office/drawing/2010/main" xmlns="">
+              <a14:hiddenFill xmlns="" xmlns:a14="http://schemas.microsoft.com/office/drawing/2010/main">
                 <a:solidFill>
                   <a:srgbClr val="FFFFFF"/>
                 </a:solidFill>
               </a14:hiddenFill>
             </a:ext>
             <a:ext uri="{91240B29-F687-4f45-9708-019B960494DF}">
-              <a14:hiddenLine xmlns:a14="http://schemas.microsoft.com/office/drawing/2010/main" xmlns="" w="9525">
+              <a14:hiddenLine xmlns="" xmlns:a14="http://schemas.microsoft.com/office/drawing/2010/main" w="9525">
                 <a:solidFill>
                   <a:srgbClr val="000000"/>
                 </a:solidFill>
@@ -20574,14 +20574,14 @@
           </a:ln>
           <a:extLst>
             <a:ext uri="{909E8E84-426E-40dd-AFC4-6F175D3DCCD1}">
-              <a14:hiddenFill xmlns:a14="http://schemas.microsoft.com/office/drawing/2010/main" xmlns="">
+              <a14:hiddenFill xmlns="" xmlns:a14="http://schemas.microsoft.com/office/drawing/2010/main">
                 <a:solidFill>
                   <a:srgbClr val="FFFFFF"/>
                 </a:solidFill>
               </a14:hiddenFill>
             </a:ext>
             <a:ext uri="{91240B29-F687-4f45-9708-019B960494DF}">
-              <a14:hiddenLine xmlns:a14="http://schemas.microsoft.com/office/drawing/2010/main" xmlns="" w="9525">
+              <a14:hiddenLine xmlns="" xmlns:a14="http://schemas.microsoft.com/office/drawing/2010/main" w="9525">
                 <a:solidFill>
                   <a:srgbClr val="000000"/>
                 </a:solidFill>
@@ -20738,14 +20738,14 @@
           </a:ln>
           <a:extLst>
             <a:ext uri="{909E8E84-426E-40dd-AFC4-6F175D3DCCD1}">
-              <a14:hiddenFill xmlns:a14="http://schemas.microsoft.com/office/drawing/2010/main" xmlns="">
+              <a14:hiddenFill xmlns="" xmlns:a14="http://schemas.microsoft.com/office/drawing/2010/main">
                 <a:solidFill>
                   <a:srgbClr val="FFFFFF"/>
                 </a:solidFill>
               </a14:hiddenFill>
             </a:ext>
             <a:ext uri="{91240B29-F687-4f45-9708-019B960494DF}">
-              <a14:hiddenLine xmlns:a14="http://schemas.microsoft.com/office/drawing/2010/main" xmlns="" w="9525">
+              <a14:hiddenLine xmlns="" xmlns:a14="http://schemas.microsoft.com/office/drawing/2010/main" w="9525">
                 <a:solidFill>
                   <a:srgbClr val="000000"/>
                 </a:solidFill>
@@ -20914,7 +20914,7 @@
           </a:ln>
           <a:extLst>
             <a:ext uri="{909E8E84-426E-40dd-AFC4-6F175D3DCCD1}">
-              <a14:hiddenFill xmlns:a14="http://schemas.microsoft.com/office/drawing/2010/main" xmlns="">
+              <a14:hiddenFill xmlns="" xmlns:a14="http://schemas.microsoft.com/office/drawing/2010/main">
                 <a:solidFill>
                   <a:srgbClr val="FFFFFF"/>
                 </a:solidFill>
@@ -20975,7 +20975,7 @@
           </a:ln>
           <a:extLst>
             <a:ext uri="{909E8E84-426E-40dd-AFC4-6F175D3DCCD1}">
-              <a14:hiddenFill xmlns:a14="http://schemas.microsoft.com/office/drawing/2010/main" xmlns="">
+              <a14:hiddenFill xmlns="" xmlns:a14="http://schemas.microsoft.com/office/drawing/2010/main">
                 <a:solidFill>
                   <a:srgbClr val="FFFFFF"/>
                 </a:solidFill>
@@ -21036,7 +21036,7 @@
           </a:ln>
           <a:extLst>
             <a:ext uri="{909E8E84-426E-40dd-AFC4-6F175D3DCCD1}">
-              <a14:hiddenFill xmlns:a14="http://schemas.microsoft.com/office/drawing/2010/main" xmlns="">
+              <a14:hiddenFill xmlns="" xmlns:a14="http://schemas.microsoft.com/office/drawing/2010/main">
                 <a:solidFill>
                   <a:srgbClr val="FFFFFF"/>
                 </a:solidFill>
@@ -21143,7 +21143,7 @@
           </a:ln>
           <a:extLst>
             <a:ext uri="{909E8E84-426E-40dd-AFC4-6F175D3DCCD1}">
-              <a14:hiddenFill xmlns:a14="http://schemas.microsoft.com/office/drawing/2010/main" xmlns="">
+              <a14:hiddenFill xmlns="" xmlns:a14="http://schemas.microsoft.com/office/drawing/2010/main">
                 <a:solidFill>
                   <a:srgbClr val="FFFFFF"/>
                 </a:solidFill>
@@ -21192,14 +21192,14 @@
           </a:ln>
           <a:extLst>
             <a:ext uri="{909E8E84-426E-40dd-AFC4-6F175D3DCCD1}">
-              <a14:hiddenFill xmlns:a14="http://schemas.microsoft.com/office/drawing/2010/main" xmlns="">
+              <a14:hiddenFill xmlns="" xmlns:a14="http://schemas.microsoft.com/office/drawing/2010/main">
                 <a:solidFill>
                   <a:srgbClr val="FFFFFF"/>
                 </a:solidFill>
               </a14:hiddenFill>
             </a:ext>
             <a:ext uri="{91240B29-F687-4f45-9708-019B960494DF}">
-              <a14:hiddenLine xmlns:a14="http://schemas.microsoft.com/office/drawing/2010/main" xmlns="" w="9525">
+              <a14:hiddenLine xmlns="" xmlns:a14="http://schemas.microsoft.com/office/drawing/2010/main" w="9525">
                 <a:solidFill>
                   <a:srgbClr val="000000"/>
                 </a:solidFill>
@@ -23708,7 +23708,7 @@
         </p:nvSpPr>
         <p:spPr>
           <a:xfrm>
-            <a:off x="838200" y="1466088"/>
+            <a:off x="829574" y="1411859"/>
             <a:ext cx="10515600" cy="5081016"/>
           </a:xfrm>
         </p:spPr>
@@ -24063,14 +24063,14 @@
           </a:ln>
           <a:extLst>
             <a:ext uri="{909E8E84-426E-40dd-AFC4-6F175D3DCCD1}">
-              <a14:hiddenFill xmlns:a14="http://schemas.microsoft.com/office/drawing/2010/main" xmlns="">
+              <a14:hiddenFill xmlns="" xmlns:a14="http://schemas.microsoft.com/office/drawing/2010/main">
                 <a:solidFill>
                   <a:srgbClr val="FFFFFF"/>
                 </a:solidFill>
               </a14:hiddenFill>
             </a:ext>
             <a:ext uri="{91240B29-F687-4f45-9708-019B960494DF}">
-              <a14:hiddenLine xmlns:a14="http://schemas.microsoft.com/office/drawing/2010/main" xmlns="" w="12700">
+              <a14:hiddenLine xmlns="" xmlns:a14="http://schemas.microsoft.com/office/drawing/2010/main" w="12700">
                 <a:solidFill>
                   <a:srgbClr val="000000"/>
                 </a:solidFill>
@@ -24884,14 +24884,14 @@
           </a:ln>
           <a:extLst>
             <a:ext uri="{909E8E84-426E-40dd-AFC4-6F175D3DCCD1}">
-              <a14:hiddenFill xmlns:a14="http://schemas.microsoft.com/office/drawing/2010/main" xmlns="">
+              <a14:hiddenFill xmlns="" xmlns:a14="http://schemas.microsoft.com/office/drawing/2010/main">
                 <a:solidFill>
                   <a:srgbClr val="FFFFFF"/>
                 </a:solidFill>
               </a14:hiddenFill>
             </a:ext>
             <a:ext uri="{91240B29-F687-4f45-9708-019B960494DF}">
-              <a14:hiddenLine xmlns:a14="http://schemas.microsoft.com/office/drawing/2010/main" xmlns="" w="9525">
+              <a14:hiddenLine xmlns="" xmlns:a14="http://schemas.microsoft.com/office/drawing/2010/main" w="9525">
                 <a:solidFill>
                   <a:srgbClr val="000000"/>
                 </a:solidFill>
@@ -25086,7 +25086,7 @@
           <a:graphicData uri="http://schemas.openxmlformats.org/presentationml/2006/ole">
             <mc:AlternateContent xmlns:mc="http://schemas.openxmlformats.org/markup-compatibility/2006">
               <mc:Choice xmlns:v="urn:schemas-microsoft-com:vml" Requires="v">
-                <p:oleObj spid="_x0000_s2051" name="Document" r:id="rId3" imgW="5600700" imgH="1473200" progId="Word.Document.12">
+                <p:oleObj spid="_x0000_s2052" name="Document" r:id="rId3" imgW="5600700" imgH="1473200" progId="Word.Document.12">
                   <p:embed/>
                 </p:oleObj>
               </mc:Choice>
@@ -25143,14 +25143,14 @@
           </a:ln>
           <a:extLst>
             <a:ext uri="{909E8E84-426E-40dd-AFC4-6F175D3DCCD1}">
-              <a14:hiddenFill xmlns:a14="http://schemas.microsoft.com/office/drawing/2010/main" xmlns="">
+              <a14:hiddenFill xmlns="" xmlns:a14="http://schemas.microsoft.com/office/drawing/2010/main">
                 <a:solidFill>
                   <a:srgbClr val="FFFFFF"/>
                 </a:solidFill>
               </a14:hiddenFill>
             </a:ext>
             <a:ext uri="{91240B29-F687-4f45-9708-019B960494DF}">
-              <a14:hiddenLine xmlns:a14="http://schemas.microsoft.com/office/drawing/2010/main" xmlns="" w="9525">
+              <a14:hiddenLine xmlns="" xmlns:a14="http://schemas.microsoft.com/office/drawing/2010/main" w="9525">
                 <a:solidFill>
                   <a:srgbClr val="000000"/>
                 </a:solidFill>
@@ -25160,7 +25160,7 @@
               </a14:hiddenLine>
             </a:ext>
             <a:ext uri="{FAA26D3D-D897-4be2-8F04-BA451C77F1D7}">
-              <ma14:placeholderFlag xmlns:ma14="http://schemas.microsoft.com/office/mac/drawingml/2011/main" xmlns="" val="1"/>
+              <ma14:placeholderFlag xmlns="" xmlns:ma14="http://schemas.microsoft.com/office/mac/drawingml/2011/main" val="1"/>
             </a:ext>
           </a:extLst>
         </p:spPr>
@@ -25586,7 +25586,7 @@
           <a:graphicData uri="http://schemas.openxmlformats.org/presentationml/2006/ole">
             <mc:AlternateContent xmlns:mc="http://schemas.openxmlformats.org/markup-compatibility/2006">
               <mc:Choice xmlns:v="urn:schemas-microsoft-com:vml" Requires="v">
-                <p:oleObj spid="_x0000_s3075" name="Document" r:id="rId3" imgW="6134100" imgH="2260600" progId="Word.Document.12">
+                <p:oleObj spid="_x0000_s3076" name="Document" r:id="rId3" imgW="6134100" imgH="2260600" progId="Word.Document.12">
                   <p:embed/>
                 </p:oleObj>
               </mc:Choice>
@@ -26030,7 +26030,7 @@
           <a:noFill/>
           <a:extLst>
             <a:ext uri="{909E8E84-426E-40dd-AFC4-6F175D3DCCD1}">
-              <a14:hiddenFill xmlns:a14="http://schemas.microsoft.com/office/drawing/2010/main" xmlns="">
+              <a14:hiddenFill xmlns="" xmlns:a14="http://schemas.microsoft.com/office/drawing/2010/main">
                 <a:solidFill>
                   <a:srgbClr val="FFFFFF"/>
                 </a:solidFill>
@@ -26175,14 +26175,14 @@
           </a:ln>
           <a:extLst>
             <a:ext uri="{909E8E84-426E-40dd-AFC4-6F175D3DCCD1}">
-              <a14:hiddenFill xmlns:a14="http://schemas.microsoft.com/office/drawing/2010/main" xmlns="">
+              <a14:hiddenFill xmlns="" xmlns:a14="http://schemas.microsoft.com/office/drawing/2010/main">
                 <a:solidFill>
                   <a:srgbClr val="FFFFFF"/>
                 </a:solidFill>
               </a14:hiddenFill>
             </a:ext>
             <a:ext uri="{91240B29-F687-4f45-9708-019B960494DF}">
-              <a14:hiddenLine xmlns:a14="http://schemas.microsoft.com/office/drawing/2010/main" xmlns="" w="9525">
+              <a14:hiddenLine xmlns="" xmlns:a14="http://schemas.microsoft.com/office/drawing/2010/main" w="9525">
                 <a:solidFill>
                   <a:srgbClr val="000000"/>
                 </a:solidFill>
@@ -26238,14 +26238,14 @@
           </a:ln>
           <a:extLst>
             <a:ext uri="{909E8E84-426E-40dd-AFC4-6F175D3DCCD1}">
-              <a14:hiddenFill xmlns:a14="http://schemas.microsoft.com/office/drawing/2010/main" xmlns="">
+              <a14:hiddenFill xmlns="" xmlns:a14="http://schemas.microsoft.com/office/drawing/2010/main">
                 <a:solidFill>
                   <a:srgbClr val="FFFFFF"/>
                 </a:solidFill>
               </a14:hiddenFill>
             </a:ext>
             <a:ext uri="{91240B29-F687-4f45-9708-019B960494DF}">
-              <a14:hiddenLine xmlns:a14="http://schemas.microsoft.com/office/drawing/2010/main" xmlns="" w="9525">
+              <a14:hiddenLine xmlns="" xmlns:a14="http://schemas.microsoft.com/office/drawing/2010/main" w="9525">
                 <a:solidFill>
                   <a:srgbClr val="000000"/>
                 </a:solidFill>
@@ -26279,14 +26279,14 @@
           </a:ln>
           <a:extLst>
             <a:ext uri="{909E8E84-426E-40dd-AFC4-6F175D3DCCD1}">
-              <a14:hiddenFill xmlns:a14="http://schemas.microsoft.com/office/drawing/2010/main" xmlns="">
+              <a14:hiddenFill xmlns="" xmlns:a14="http://schemas.microsoft.com/office/drawing/2010/main">
                 <a:solidFill>
                   <a:srgbClr val="FFFFFF"/>
                 </a:solidFill>
               </a14:hiddenFill>
             </a:ext>
             <a:ext uri="{91240B29-F687-4f45-9708-019B960494DF}">
-              <a14:hiddenLine xmlns:a14="http://schemas.microsoft.com/office/drawing/2010/main" xmlns="" w="9525">
+              <a14:hiddenLine xmlns="" xmlns:a14="http://schemas.microsoft.com/office/drawing/2010/main" w="9525">
                 <a:solidFill>
                   <a:srgbClr val="000000"/>
                 </a:solidFill>
@@ -28217,14 +28217,14 @@
             </a:ln>
             <a:extLst>
               <a:ext uri="{909E8E84-426E-40dd-AFC4-6F175D3DCCD1}">
-                <a14:hiddenFill xmlns:a14="http://schemas.microsoft.com/office/drawing/2010/main" xmlns="">
+                <a14:hiddenFill xmlns="" xmlns:a14="http://schemas.microsoft.com/office/drawing/2010/main">
                   <a:solidFill>
                     <a:srgbClr val="FFFFFF"/>
                   </a:solidFill>
                 </a14:hiddenFill>
               </a:ext>
               <a:ext uri="{91240B29-F687-4f45-9708-019B960494DF}">
-                <a14:hiddenLine xmlns:a14="http://schemas.microsoft.com/office/drawing/2010/main" xmlns="" w="12700">
+                <a14:hiddenLine xmlns="" xmlns:a14="http://schemas.microsoft.com/office/drawing/2010/main" w="12700">
                   <a:solidFill>
                     <a:srgbClr val="000000"/>
                   </a:solidFill>
@@ -28354,7 +28354,7 @@
             </a:ln>
             <a:extLst>
               <a:ext uri="{909E8E84-426E-40dd-AFC4-6F175D3DCCD1}">
-                <a14:hiddenFill xmlns:a14="http://schemas.microsoft.com/office/drawing/2010/main" xmlns="">
+                <a14:hiddenFill xmlns="" xmlns:a14="http://schemas.microsoft.com/office/drawing/2010/main">
                   <a:solidFill>
                     <a:srgbClr val="FFFFFF"/>
                   </a:solidFill>
@@ -28725,14 +28725,14 @@
             </a:ln>
             <a:extLst>
               <a:ext uri="{909E8E84-426E-40dd-AFC4-6F175D3DCCD1}">
-                <a14:hiddenFill xmlns:a14="http://schemas.microsoft.com/office/drawing/2010/main" xmlns="">
+                <a14:hiddenFill xmlns="" xmlns:a14="http://schemas.microsoft.com/office/drawing/2010/main">
                   <a:solidFill>
                     <a:srgbClr val="FFFFFF"/>
                   </a:solidFill>
                 </a14:hiddenFill>
               </a:ext>
               <a:ext uri="{91240B29-F687-4f45-9708-019B960494DF}">
-                <a14:hiddenLine xmlns:a14="http://schemas.microsoft.com/office/drawing/2010/main" xmlns="" w="12700">
+                <a14:hiddenLine xmlns="" xmlns:a14="http://schemas.microsoft.com/office/drawing/2010/main" w="12700">
                   <a:solidFill>
                     <a:srgbClr val="000000"/>
                   </a:solidFill>
@@ -28832,7 +28832,7 @@
           </a:ln>
           <a:extLst>
             <a:ext uri="{909E8E84-426E-40dd-AFC4-6F175D3DCCD1}">
-              <a14:hiddenFill xmlns:a14="http://schemas.microsoft.com/office/drawing/2010/main" xmlns="">
+              <a14:hiddenFill xmlns="" xmlns:a14="http://schemas.microsoft.com/office/drawing/2010/main">
                 <a:solidFill>
                   <a:srgbClr val="FFFFFF"/>
                 </a:solidFill>
@@ -28918,7 +28918,7 @@
           </a:ln>
           <a:extLst>
             <a:ext uri="{909E8E84-426E-40dd-AFC4-6F175D3DCCD1}">
-              <a14:hiddenFill xmlns:a14="http://schemas.microsoft.com/office/drawing/2010/main" xmlns="">
+              <a14:hiddenFill xmlns="" xmlns:a14="http://schemas.microsoft.com/office/drawing/2010/main">
                 <a:solidFill>
                   <a:srgbClr val="FFFFFF"/>
                 </a:solidFill>
@@ -28958,14 +28958,14 @@
           </a:ln>
           <a:extLst>
             <a:ext uri="{909E8E84-426E-40dd-AFC4-6F175D3DCCD1}">
-              <a14:hiddenFill xmlns:a14="http://schemas.microsoft.com/office/drawing/2010/main" xmlns="">
+              <a14:hiddenFill xmlns="" xmlns:a14="http://schemas.microsoft.com/office/drawing/2010/main">
                 <a:solidFill>
                   <a:srgbClr val="FFFFFF"/>
                 </a:solidFill>
               </a14:hiddenFill>
             </a:ext>
             <a:ext uri="{91240B29-F687-4f45-9708-019B960494DF}">
-              <a14:hiddenLine xmlns:a14="http://schemas.microsoft.com/office/drawing/2010/main" xmlns="" w="12700">
+              <a14:hiddenLine xmlns="" xmlns:a14="http://schemas.microsoft.com/office/drawing/2010/main" w="12700">
                 <a:solidFill>
                   <a:srgbClr val="000000"/>
                 </a:solidFill>
@@ -29018,14 +29018,14 @@
           </a:ln>
           <a:extLst>
             <a:ext uri="{909E8E84-426E-40dd-AFC4-6F175D3DCCD1}">
-              <a14:hiddenFill xmlns:a14="http://schemas.microsoft.com/office/drawing/2010/main" xmlns="">
+              <a14:hiddenFill xmlns="" xmlns:a14="http://schemas.microsoft.com/office/drawing/2010/main">
                 <a:solidFill>
                   <a:srgbClr val="FFFFFF"/>
                 </a:solidFill>
               </a14:hiddenFill>
             </a:ext>
             <a:ext uri="{91240B29-F687-4f45-9708-019B960494DF}">
-              <a14:hiddenLine xmlns:a14="http://schemas.microsoft.com/office/drawing/2010/main" xmlns="" w="12700">
+              <a14:hiddenLine xmlns="" xmlns:a14="http://schemas.microsoft.com/office/drawing/2010/main" w="12700">
                 <a:solidFill>
                   <a:srgbClr val="000000"/>
                 </a:solidFill>
@@ -29078,14 +29078,14 @@
           </a:ln>
           <a:extLst>
             <a:ext uri="{909E8E84-426E-40dd-AFC4-6F175D3DCCD1}">
-              <a14:hiddenFill xmlns:a14="http://schemas.microsoft.com/office/drawing/2010/main" xmlns="">
+              <a14:hiddenFill xmlns="" xmlns:a14="http://schemas.microsoft.com/office/drawing/2010/main">
                 <a:solidFill>
                   <a:srgbClr val="FFFFFF"/>
                 </a:solidFill>
               </a14:hiddenFill>
             </a:ext>
             <a:ext uri="{91240B29-F687-4f45-9708-019B960494DF}">
-              <a14:hiddenLine xmlns:a14="http://schemas.microsoft.com/office/drawing/2010/main" xmlns="" w="12700">
+              <a14:hiddenLine xmlns="" xmlns:a14="http://schemas.microsoft.com/office/drawing/2010/main" w="12700">
                 <a:solidFill>
                   <a:srgbClr val="000000"/>
                 </a:solidFill>
@@ -29180,14 +29180,14 @@
           </a:ln>
           <a:extLst>
             <a:ext uri="{909E8E84-426E-40dd-AFC4-6F175D3DCCD1}">
-              <a14:hiddenFill xmlns:a14="http://schemas.microsoft.com/office/drawing/2010/main" xmlns="">
+              <a14:hiddenFill xmlns="" xmlns:a14="http://schemas.microsoft.com/office/drawing/2010/main">
                 <a:solidFill>
                   <a:srgbClr val="FFFFFF"/>
                 </a:solidFill>
               </a14:hiddenFill>
             </a:ext>
             <a:ext uri="{91240B29-F687-4f45-9708-019B960494DF}">
-              <a14:hiddenLine xmlns:a14="http://schemas.microsoft.com/office/drawing/2010/main" xmlns="" w="12700">
+              <a14:hiddenLine xmlns="" xmlns:a14="http://schemas.microsoft.com/office/drawing/2010/main" w="12700">
                 <a:solidFill>
                   <a:srgbClr val="000000"/>
                 </a:solidFill>
@@ -31360,7 +31360,7 @@
           <a:noFill/>
           <a:extLst>
             <a:ext uri="{909E8E84-426E-40dd-AFC4-6F175D3DCCD1}">
-              <a14:hiddenFill xmlns:a14="http://schemas.microsoft.com/office/drawing/2010/main" xmlns="">
+              <a14:hiddenFill xmlns="" xmlns:a14="http://schemas.microsoft.com/office/drawing/2010/main">
                 <a:solidFill>
                   <a:srgbClr val="FFFFFF"/>
                 </a:solidFill>
@@ -31463,7 +31463,7 @@
           <a:graphicData uri="http://schemas.openxmlformats.org/presentationml/2006/ole">
             <mc:AlternateContent xmlns:mc="http://schemas.openxmlformats.org/markup-compatibility/2006">
               <mc:Choice xmlns:v="urn:schemas-microsoft-com:vml" Requires="v">
-                <p:oleObj spid="_x0000_s4099" name="Visio" r:id="rId4" imgW="5016500" imgH="3683000" progId="Visio.Drawing.11">
+                <p:oleObj spid="_x0000_s4100" name="Visio" r:id="rId4" imgW="5016500" imgH="3683000" progId="Visio.Drawing.11">
                   <p:embed/>
                 </p:oleObj>
               </mc:Choice>

--- a/SE401/Lectures/2-Software Quality/Software Quality.pptx
+++ b/SE401/Lectures/2-Software Quality/Software Quality.pptx
@@ -280,7 +280,7 @@
           <a:p>
             <a:fld id="{896CE679-8766-4D2C-81C4-EAA942CBD6B0}" type="datetimeFigureOut">
               <a:rPr lang="en-US" smtClean="0"/>
-              <a:t>1/23/2022</a:t>
+              <a:t>1/25/2022</a:t>
             </a:fld>
             <a:endParaRPr lang="en-US"/>
           </a:p>
@@ -7763,7 +7763,7 @@
           <a:p>
             <a:fld id="{B2F5E2FA-C428-4CE7-95B0-168D3259A5BB}" type="datetimeFigureOut">
               <a:rPr lang="en-US" smtClean="0"/>
-              <a:t>1/23/2022</a:t>
+              <a:t>1/25/2022</a:t>
             </a:fld>
             <a:endParaRPr lang="en-US"/>
           </a:p>
@@ -8014,7 +8014,7 @@
           <a:p>
             <a:fld id="{B2F5E2FA-C428-4CE7-95B0-168D3259A5BB}" type="datetimeFigureOut">
               <a:rPr lang="en-US" smtClean="0"/>
-              <a:t>1/23/2022</a:t>
+              <a:t>1/25/2022</a:t>
             </a:fld>
             <a:endParaRPr lang="en-US"/>
           </a:p>
@@ -8194,7 +8194,7 @@
           <a:p>
             <a:fld id="{B2F5E2FA-C428-4CE7-95B0-168D3259A5BB}" type="datetimeFigureOut">
               <a:rPr lang="en-US" smtClean="0"/>
-              <a:t>1/23/2022</a:t>
+              <a:t>1/25/2022</a:t>
             </a:fld>
             <a:endParaRPr lang="en-US"/>
           </a:p>
@@ -8450,7 +8450,7 @@
           <a:p>
             <a:fld id="{B2F5E2FA-C428-4CE7-95B0-168D3259A5BB}" type="datetimeFigureOut">
               <a:rPr lang="en-US" smtClean="0"/>
-              <a:t>1/23/2022</a:t>
+              <a:t>1/25/2022</a:t>
             </a:fld>
             <a:endParaRPr lang="en-US"/>
           </a:p>
@@ -8795,7 +8795,7 @@
           <a:p>
             <a:fld id="{B2F5E2FA-C428-4CE7-95B0-168D3259A5BB}" type="datetimeFigureOut">
               <a:rPr lang="en-US" smtClean="0"/>
-              <a:t>1/23/2022</a:t>
+              <a:t>1/25/2022</a:t>
             </a:fld>
             <a:endParaRPr lang="en-US"/>
           </a:p>
@@ -9027,7 +9027,7 @@
           <a:p>
             <a:fld id="{B2F5E2FA-C428-4CE7-95B0-168D3259A5BB}" type="datetimeFigureOut">
               <a:rPr lang="en-US" smtClean="0"/>
-              <a:t>1/23/2022</a:t>
+              <a:t>1/25/2022</a:t>
             </a:fld>
             <a:endParaRPr lang="en-US"/>
           </a:p>
@@ -9394,7 +9394,7 @@
           <a:p>
             <a:fld id="{B2F5E2FA-C428-4CE7-95B0-168D3259A5BB}" type="datetimeFigureOut">
               <a:rPr lang="en-US" smtClean="0"/>
-              <a:t>1/23/2022</a:t>
+              <a:t>1/25/2022</a:t>
             </a:fld>
             <a:endParaRPr lang="en-US"/>
           </a:p>
@@ -9489,7 +9489,7 @@
           <a:p>
             <a:fld id="{B2F5E2FA-C428-4CE7-95B0-168D3259A5BB}" type="datetimeFigureOut">
               <a:rPr lang="en-US" smtClean="0"/>
-              <a:t>1/23/2022</a:t>
+              <a:t>1/25/2022</a:t>
             </a:fld>
             <a:endParaRPr lang="en-US"/>
           </a:p>
@@ -9712,7 +9712,7 @@
             <a:fld id="{B2F5E2FA-C428-4CE7-95B0-168D3259A5BB}" type="datetimeFigureOut">
               <a:rPr lang="en-US" smtClean="0"/>
               <a:pPr/>
-              <a:t>1/23/2022</a:t>
+              <a:t>1/25/2022</a:t>
             </a:fld>
             <a:endParaRPr lang="en-US"/>
           </a:p>
@@ -9883,7 +9883,7 @@
           <a:p>
             <a:fld id="{B2F5E2FA-C428-4CE7-95B0-168D3259A5BB}" type="datetimeFigureOut">
               <a:rPr lang="en-US" smtClean="0"/>
-              <a:t>1/23/2022</a:t>
+              <a:t>1/25/2022</a:t>
             </a:fld>
             <a:endParaRPr lang="en-US"/>
           </a:p>
@@ -10160,7 +10160,7 @@
           <a:p>
             <a:fld id="{B2F5E2FA-C428-4CE7-95B0-168D3259A5BB}" type="datetimeFigureOut">
               <a:rPr lang="en-US" smtClean="0"/>
-              <a:t>1/23/2022</a:t>
+              <a:t>1/25/2022</a:t>
             </a:fld>
             <a:endParaRPr lang="en-US"/>
           </a:p>
@@ -10413,7 +10413,7 @@
           <a:p>
             <a:fld id="{B2F5E2FA-C428-4CE7-95B0-168D3259A5BB}" type="datetimeFigureOut">
               <a:rPr lang="en-US" smtClean="0"/>
-              <a:t>1/23/2022</a:t>
+              <a:t>1/25/2022</a:t>
             </a:fld>
             <a:endParaRPr lang="en-US"/>
           </a:p>
@@ -10626,7 +10626,7 @@
           <a:p>
             <a:fld id="{B2F5E2FA-C428-4CE7-95B0-168D3259A5BB}" type="datetimeFigureOut">
               <a:rPr lang="en-US" smtClean="0"/>
-              <a:t>1/23/2022</a:t>
+              <a:t>1/25/2022</a:t>
             </a:fld>
             <a:endParaRPr lang="en-US"/>
           </a:p>
@@ -18984,6 +18984,10 @@
           </p:nvPr>
         </p:nvSpPr>
         <p:spPr>
+          <a:xfrm>
+            <a:off x="347527" y="-25879"/>
+            <a:ext cx="11650767" cy="1207301"/>
+          </a:xfrm>
           <a:noFill/>
           <a:ln>
             <a:noFill/>
@@ -19113,6 +19117,10 @@
           </p:nvPr>
         </p:nvSpPr>
         <p:spPr>
+          <a:xfrm>
+            <a:off x="347527" y="-25879"/>
+            <a:ext cx="11650767" cy="1207301"/>
+          </a:xfrm>
           <a:noFill/>
           <a:ln>
             <a:noFill/>
@@ -19243,6 +19251,10 @@
           </p:nvPr>
         </p:nvSpPr>
         <p:spPr>
+          <a:xfrm>
+            <a:off x="347527" y="-25879"/>
+            <a:ext cx="11650767" cy="1207301"/>
+          </a:xfrm>
           <a:noFill/>
           <a:ln>
             <a:noFill/>
@@ -19364,6 +19376,10 @@
           </p:nvPr>
         </p:nvSpPr>
         <p:spPr>
+          <a:xfrm>
+            <a:off x="347527" y="-25879"/>
+            <a:ext cx="11650767" cy="1207301"/>
+          </a:xfrm>
           <a:noFill/>
           <a:ln>
             <a:noFill/>
@@ -19840,7 +19856,7 @@
           <a:graphicData uri="http://schemas.openxmlformats.org/presentationml/2006/ole">
             <mc:AlternateContent xmlns:mc="http://schemas.openxmlformats.org/markup-compatibility/2006">
               <mc:Choice xmlns:v="urn:schemas-microsoft-com:vml" Requires="v">
-                <p:oleObj spid="_x0000_s1028" name="Visio" r:id="rId4" imgW="3213100" imgH="3924300" progId="Visio.Drawing.6">
+                <p:oleObj spid="_x0000_s1031" name="Visio" r:id="rId4" imgW="3213100" imgH="3924300" progId="Visio.Drawing.6">
                   <p:embed/>
                 </p:oleObj>
               </mc:Choice>
@@ -25086,7 +25102,7 @@
           <a:graphicData uri="http://schemas.openxmlformats.org/presentationml/2006/ole">
             <mc:AlternateContent xmlns:mc="http://schemas.openxmlformats.org/markup-compatibility/2006">
               <mc:Choice xmlns:v="urn:schemas-microsoft-com:vml" Requires="v">
-                <p:oleObj spid="_x0000_s2052" name="Document" r:id="rId3" imgW="5600700" imgH="1473200" progId="Word.Document.12">
+                <p:oleObj spid="_x0000_s2055" name="Document" r:id="rId3" imgW="5600700" imgH="1473200" progId="Word.Document.12">
                   <p:embed/>
                 </p:oleObj>
               </mc:Choice>
@@ -25586,7 +25602,7 @@
           <a:graphicData uri="http://schemas.openxmlformats.org/presentationml/2006/ole">
             <mc:AlternateContent xmlns:mc="http://schemas.openxmlformats.org/markup-compatibility/2006">
               <mc:Choice xmlns:v="urn:schemas-microsoft-com:vml" Requires="v">
-                <p:oleObj spid="_x0000_s3076" name="Document" r:id="rId3" imgW="6134100" imgH="2260600" progId="Word.Document.12">
+                <p:oleObj spid="_x0000_s3079" name="Document" r:id="rId3" imgW="6134100" imgH="2260600" progId="Word.Document.12">
                   <p:embed/>
                 </p:oleObj>
               </mc:Choice>
@@ -31445,173 +31461,6 @@
           </a:p>
         </p:txBody>
       </p:sp>
-      <p:graphicFrame>
-        <p:nvGraphicFramePr>
-          <p:cNvPr id="47109" name="Object 2"/>
-          <p:cNvGraphicFramePr>
-            <a:graphicFrameLocks noChangeAspect="1"/>
-          </p:cNvGraphicFramePr>
-          <p:nvPr>
-            <p:extLst/>
-          </p:nvPr>
-        </p:nvGraphicFramePr>
-        <p:xfrm>
-          <a:off x="2286000" y="1560809"/>
-          <a:ext cx="6553200" cy="4859390"/>
-        </p:xfrm>
-        <a:graphic>
-          <a:graphicData uri="http://schemas.openxmlformats.org/presentationml/2006/ole">
-            <mc:AlternateContent xmlns:mc="http://schemas.openxmlformats.org/markup-compatibility/2006">
-              <mc:Choice xmlns:v="urn:schemas-microsoft-com:vml" Requires="v">
-                <p:oleObj spid="_x0000_s4100" name="Visio" r:id="rId4" imgW="5016500" imgH="3683000" progId="Visio.Drawing.11">
-                  <p:embed/>
-                </p:oleObj>
-              </mc:Choice>
-              <mc:Fallback>
-                <p:oleObj name="Visio" r:id="rId4" imgW="5016500" imgH="3683000" progId="Visio.Drawing.11">
-                  <p:embed/>
-                  <p:pic>
-                    <p:nvPicPr>
-                      <p:cNvPr id="47109" name="Object 2"/>
-                      <p:cNvPicPr>
-                        <a:picLocks noChangeAspect="1" noChangeArrowheads="1"/>
-                      </p:cNvPicPr>
-                      <p:nvPr/>
-                    </p:nvPicPr>
-                    <p:blipFill>
-                      <a:blip r:embed="rId5">
-                        <a:extLst>
-                          <a:ext uri="{28A0092B-C50C-407E-A947-70E740481C1C}">
-                            <a14:useLocalDpi xmlns:a14="http://schemas.microsoft.com/office/drawing/2010/main" val="0"/>
-                          </a:ext>
-                        </a:extLst>
-                      </a:blip>
-                      <a:srcRect/>
-                      <a:stretch>
-                        <a:fillRect/>
-                      </a:stretch>
-                    </p:blipFill>
-                    <p:spPr bwMode="auto">
-                      <a:xfrm>
-                        <a:off x="2286000" y="1560809"/>
-                        <a:ext cx="6553200" cy="4859390"/>
-                      </a:xfrm>
-                      <a:prstGeom prst="rect">
-                        <a:avLst/>
-                      </a:prstGeom>
-                      <a:noFill/>
-                      <a:ln>
-                        <a:noFill/>
-                      </a:ln>
-                      <a:extLst/>
-                    </p:spPr>
-                  </p:pic>
-                </p:oleObj>
-              </mc:Fallback>
-            </mc:AlternateContent>
-          </a:graphicData>
-        </a:graphic>
-      </p:graphicFrame>
-      <p:sp>
-        <p:nvSpPr>
-          <p:cNvPr id="47110" name="AutoShape 7"/>
-          <p:cNvSpPr>
-            <a:spLocks noChangeArrowheads="1"/>
-          </p:cNvSpPr>
-          <p:nvPr/>
-        </p:nvSpPr>
-        <p:spPr bwMode="auto">
-          <a:xfrm>
-            <a:off x="8839200" y="4114800"/>
-            <a:ext cx="1371600" cy="609600"/>
-          </a:xfrm>
-          <a:prstGeom prst="rightArrow">
-            <a:avLst>
-              <a:gd name="adj1" fmla="val 50000"/>
-              <a:gd name="adj2" fmla="val 66667"/>
-            </a:avLst>
-          </a:prstGeom>
-          <a:solidFill>
-            <a:schemeClr val="bg1">
-              <a:lumMod val="75000"/>
-            </a:schemeClr>
-          </a:solidFill>
-          <a:ln w="9525">
-            <a:solidFill>
-              <a:schemeClr val="tx1"/>
-            </a:solidFill>
-            <a:miter lim="800000"/>
-            <a:headEnd/>
-            <a:tailEnd type="none" w="sm" len="sm"/>
-          </a:ln>
-        </p:spPr>
-        <p:txBody>
-          <a:bodyPr wrap="none" anchor="ctr"/>
-          <a:lstStyle/>
-          <a:p>
-            <a:pPr algn="ctr">
-              <a:defRPr/>
-            </a:pPr>
-            <a:r>
-              <a:rPr lang="en-US" dirty="0">
-                <a:latin typeface="Candara" panose="020E0502030303020204" pitchFamily="34" charset="0"/>
-              </a:rPr>
-              <a:t>validation</a:t>
-            </a:r>
-            <a:endParaRPr lang="en-US" dirty="0">
-              <a:solidFill>
-                <a:schemeClr val="bg1"/>
-              </a:solidFill>
-              <a:latin typeface="Candara" panose="020E0502030303020204" pitchFamily="34" charset="0"/>
-            </a:endParaRPr>
-          </a:p>
-        </p:txBody>
-      </p:sp>
-      <p:sp>
-        <p:nvSpPr>
-          <p:cNvPr id="47111" name="AutoShape 8"/>
-          <p:cNvSpPr>
-            <a:spLocks noChangeArrowheads="1"/>
-          </p:cNvSpPr>
-          <p:nvPr/>
-        </p:nvSpPr>
-        <p:spPr bwMode="auto">
-          <a:xfrm>
-            <a:off x="8839200" y="5486400"/>
-            <a:ext cx="1295400" cy="609600"/>
-          </a:xfrm>
-          <a:prstGeom prst="rightArrow">
-            <a:avLst>
-              <a:gd name="adj1" fmla="val 50000"/>
-              <a:gd name="adj2" fmla="val 66672"/>
-            </a:avLst>
-          </a:prstGeom>
-          <a:solidFill>
-            <a:schemeClr val="bg1"/>
-          </a:solidFill>
-          <a:ln w="9525">
-            <a:solidFill>
-              <a:schemeClr val="tx1"/>
-            </a:solidFill>
-            <a:miter lim="800000"/>
-            <a:headEnd/>
-            <a:tailEnd type="none" w="sm" len="sm"/>
-          </a:ln>
-        </p:spPr>
-        <p:txBody>
-          <a:bodyPr wrap="none" anchor="ctr"/>
-          <a:lstStyle/>
-          <a:p>
-            <a:pPr algn="ctr"/>
-            <a:r>
-              <a:rPr lang="en-US" dirty="0">
-                <a:latin typeface="Candara" panose="020E0502030303020204" pitchFamily="34" charset="0"/>
-              </a:rPr>
-              <a:t>verification</a:t>
-            </a:r>
-          </a:p>
-        </p:txBody>
-      </p:sp>
       <p:sp>
         <p:nvSpPr>
           <p:cNvPr id="2" name="Slide Number Placeholder 1"/>
@@ -31632,6 +31481,1222 @@
               <a:t>70</a:t>
             </a:fld>
             <a:endParaRPr lang="en-US"/>
+          </a:p>
+        </p:txBody>
+      </p:sp>
+      <p:sp>
+        <p:nvSpPr>
+          <p:cNvPr id="34" name="12-Point Star 33"/>
+          <p:cNvSpPr/>
+          <p:nvPr/>
+        </p:nvSpPr>
+        <p:spPr>
+          <a:xfrm>
+            <a:off x="1078304" y="1164560"/>
+            <a:ext cx="3183147" cy="1345721"/>
+          </a:xfrm>
+          <a:prstGeom prst="star12">
+            <a:avLst/>
+          </a:prstGeom>
+          <a:ln w="38100"/>
+        </p:spPr>
+        <p:style>
+          <a:lnRef idx="2">
+            <a:schemeClr val="accent1"/>
+          </a:lnRef>
+          <a:fillRef idx="1">
+            <a:schemeClr val="lt1"/>
+          </a:fillRef>
+          <a:effectRef idx="0">
+            <a:schemeClr val="accent1"/>
+          </a:effectRef>
+          <a:fontRef idx="minor">
+            <a:schemeClr val="dk1"/>
+          </a:fontRef>
+        </p:style>
+        <p:txBody>
+          <a:bodyPr rtlCol="0" anchor="ctr"/>
+          <a:lstStyle/>
+          <a:p>
+            <a:pPr algn="ctr"/>
+            <a:r>
+              <a:rPr lang="en-US" dirty="0" smtClean="0">
+                <a:latin typeface="Candara" panose="020E0502030303020204" pitchFamily="34" charset="0"/>
+              </a:rPr>
+              <a:t>Actual Needs and Constraints</a:t>
+            </a:r>
+            <a:endParaRPr lang="en-US" dirty="0">
+              <a:latin typeface="Candara" panose="020E0502030303020204" pitchFamily="34" charset="0"/>
+            </a:endParaRPr>
+          </a:p>
+        </p:txBody>
+      </p:sp>
+      <p:sp>
+        <p:nvSpPr>
+          <p:cNvPr id="35" name="Rectangle 34"/>
+          <p:cNvSpPr/>
+          <p:nvPr/>
+        </p:nvSpPr>
+        <p:spPr>
+          <a:xfrm>
+            <a:off x="3122765" y="2674187"/>
+            <a:ext cx="1889185" cy="819509"/>
+          </a:xfrm>
+          <a:prstGeom prst="rect">
+            <a:avLst/>
+          </a:prstGeom>
+          <a:ln w="28575"/>
+        </p:spPr>
+        <p:style>
+          <a:lnRef idx="2">
+            <a:schemeClr val="accent1"/>
+          </a:lnRef>
+          <a:fillRef idx="1">
+            <a:schemeClr val="lt1"/>
+          </a:fillRef>
+          <a:effectRef idx="0">
+            <a:schemeClr val="accent1"/>
+          </a:effectRef>
+          <a:fontRef idx="minor">
+            <a:schemeClr val="dk1"/>
+          </a:fontRef>
+        </p:style>
+        <p:txBody>
+          <a:bodyPr rtlCol="0" anchor="ctr"/>
+          <a:lstStyle/>
+          <a:p>
+            <a:pPr algn="ctr"/>
+            <a:r>
+              <a:rPr lang="en-US" dirty="0" smtClean="0">
+                <a:latin typeface="Candara" panose="020E0502030303020204" pitchFamily="34" charset="0"/>
+              </a:rPr>
+              <a:t>System Specifications</a:t>
+            </a:r>
+            <a:endParaRPr lang="en-US" dirty="0">
+              <a:latin typeface="Candara" panose="020E0502030303020204" pitchFamily="34" charset="0"/>
+            </a:endParaRPr>
+          </a:p>
+        </p:txBody>
+      </p:sp>
+      <p:sp>
+        <p:nvSpPr>
+          <p:cNvPr id="36" name="Rectangle 35"/>
+          <p:cNvSpPr/>
+          <p:nvPr/>
+        </p:nvSpPr>
+        <p:spPr>
+          <a:xfrm>
+            <a:off x="3473572" y="3890511"/>
+            <a:ext cx="1889185" cy="819509"/>
+          </a:xfrm>
+          <a:prstGeom prst="rect">
+            <a:avLst/>
+          </a:prstGeom>
+          <a:ln w="28575"/>
+        </p:spPr>
+        <p:style>
+          <a:lnRef idx="2">
+            <a:schemeClr val="accent1"/>
+          </a:lnRef>
+          <a:fillRef idx="1">
+            <a:schemeClr val="lt1"/>
+          </a:fillRef>
+          <a:effectRef idx="0">
+            <a:schemeClr val="accent1"/>
+          </a:effectRef>
+          <a:fontRef idx="minor">
+            <a:schemeClr val="dk1"/>
+          </a:fontRef>
+        </p:style>
+        <p:txBody>
+          <a:bodyPr rtlCol="0" anchor="ctr"/>
+          <a:lstStyle/>
+          <a:p>
+            <a:pPr algn="ctr"/>
+            <a:r>
+              <a:rPr lang="en-US" dirty="0" smtClean="0">
+                <a:latin typeface="Candara" panose="020E0502030303020204" pitchFamily="34" charset="0"/>
+              </a:rPr>
+              <a:t>Subsystem Design/Specs</a:t>
+            </a:r>
+            <a:endParaRPr lang="en-US" dirty="0">
+              <a:latin typeface="Candara" panose="020E0502030303020204" pitchFamily="34" charset="0"/>
+            </a:endParaRPr>
+          </a:p>
+        </p:txBody>
+      </p:sp>
+      <p:sp>
+        <p:nvSpPr>
+          <p:cNvPr id="37" name="Rectangle 36"/>
+          <p:cNvSpPr/>
+          <p:nvPr/>
+        </p:nvSpPr>
+        <p:spPr>
+          <a:xfrm>
+            <a:off x="3942274" y="5106835"/>
+            <a:ext cx="1889185" cy="819509"/>
+          </a:xfrm>
+          <a:prstGeom prst="rect">
+            <a:avLst/>
+          </a:prstGeom>
+          <a:ln w="28575"/>
+        </p:spPr>
+        <p:style>
+          <a:lnRef idx="2">
+            <a:schemeClr val="accent1"/>
+          </a:lnRef>
+          <a:fillRef idx="1">
+            <a:schemeClr val="lt1"/>
+          </a:fillRef>
+          <a:effectRef idx="0">
+            <a:schemeClr val="accent1"/>
+          </a:effectRef>
+          <a:fontRef idx="minor">
+            <a:schemeClr val="dk1"/>
+          </a:fontRef>
+        </p:style>
+        <p:txBody>
+          <a:bodyPr rtlCol="0" anchor="ctr"/>
+          <a:lstStyle/>
+          <a:p>
+            <a:pPr algn="ctr"/>
+            <a:r>
+              <a:rPr lang="en-US" dirty="0" smtClean="0">
+                <a:latin typeface="Candara" panose="020E0502030303020204" pitchFamily="34" charset="0"/>
+              </a:rPr>
+              <a:t>Unit/Component Specs</a:t>
+            </a:r>
+            <a:endParaRPr lang="en-US" dirty="0">
+              <a:latin typeface="Candara" panose="020E0502030303020204" pitchFamily="34" charset="0"/>
+            </a:endParaRPr>
+          </a:p>
+        </p:txBody>
+      </p:sp>
+      <p:sp>
+        <p:nvSpPr>
+          <p:cNvPr id="38" name="Rectangle 37"/>
+          <p:cNvSpPr/>
+          <p:nvPr/>
+        </p:nvSpPr>
+        <p:spPr>
+          <a:xfrm>
+            <a:off x="7648757" y="3890510"/>
+            <a:ext cx="1889185" cy="819509"/>
+          </a:xfrm>
+          <a:prstGeom prst="rect">
+            <a:avLst/>
+          </a:prstGeom>
+          <a:ln w="28575"/>
+        </p:spPr>
+        <p:style>
+          <a:lnRef idx="2">
+            <a:schemeClr val="accent2"/>
+          </a:lnRef>
+          <a:fillRef idx="1">
+            <a:schemeClr val="lt1"/>
+          </a:fillRef>
+          <a:effectRef idx="0">
+            <a:schemeClr val="accent2"/>
+          </a:effectRef>
+          <a:fontRef idx="minor">
+            <a:schemeClr val="dk1"/>
+          </a:fontRef>
+        </p:style>
+        <p:txBody>
+          <a:bodyPr rtlCol="0" anchor="ctr"/>
+          <a:lstStyle/>
+          <a:p>
+            <a:pPr algn="ctr"/>
+            <a:r>
+              <a:rPr lang="en-US" sz="1700" dirty="0" smtClean="0">
+                <a:latin typeface="Candara" panose="020E0502030303020204" pitchFamily="34" charset="0"/>
+              </a:rPr>
+              <a:t>Subsystem</a:t>
+            </a:r>
+            <a:endParaRPr lang="en-US" sz="1700" dirty="0">
+              <a:latin typeface="Candara" panose="020E0502030303020204" pitchFamily="34" charset="0"/>
+            </a:endParaRPr>
+          </a:p>
+        </p:txBody>
+      </p:sp>
+      <p:sp>
+        <p:nvSpPr>
+          <p:cNvPr id="39" name="Rectangle 38"/>
+          <p:cNvSpPr/>
+          <p:nvPr/>
+        </p:nvSpPr>
+        <p:spPr>
+          <a:xfrm>
+            <a:off x="7180055" y="5106834"/>
+            <a:ext cx="1889185" cy="819509"/>
+          </a:xfrm>
+          <a:prstGeom prst="rect">
+            <a:avLst/>
+          </a:prstGeom>
+          <a:ln w="28575"/>
+        </p:spPr>
+        <p:style>
+          <a:lnRef idx="2">
+            <a:schemeClr val="accent2"/>
+          </a:lnRef>
+          <a:fillRef idx="1">
+            <a:schemeClr val="lt1"/>
+          </a:fillRef>
+          <a:effectRef idx="0">
+            <a:schemeClr val="accent2"/>
+          </a:effectRef>
+          <a:fontRef idx="minor">
+            <a:schemeClr val="dk1"/>
+          </a:fontRef>
+        </p:style>
+        <p:txBody>
+          <a:bodyPr rtlCol="0" anchor="ctr"/>
+          <a:lstStyle/>
+          <a:p>
+            <a:pPr algn="ctr"/>
+            <a:r>
+              <a:rPr lang="en-US" sz="1700" dirty="0" smtClean="0">
+                <a:latin typeface="Candara" panose="020E0502030303020204" pitchFamily="34" charset="0"/>
+              </a:rPr>
+              <a:t>Unit/Components</a:t>
+            </a:r>
+            <a:endParaRPr lang="en-US" sz="1700" dirty="0">
+              <a:latin typeface="Candara" panose="020E0502030303020204" pitchFamily="34" charset="0"/>
+            </a:endParaRPr>
+          </a:p>
+        </p:txBody>
+      </p:sp>
+      <p:sp>
+        <p:nvSpPr>
+          <p:cNvPr id="40" name="Rectangle 39"/>
+          <p:cNvSpPr/>
+          <p:nvPr/>
+        </p:nvSpPr>
+        <p:spPr>
+          <a:xfrm>
+            <a:off x="8284235" y="2674186"/>
+            <a:ext cx="1889185" cy="819509"/>
+          </a:xfrm>
+          <a:prstGeom prst="rect">
+            <a:avLst/>
+          </a:prstGeom>
+          <a:ln w="28575"/>
+        </p:spPr>
+        <p:style>
+          <a:lnRef idx="2">
+            <a:schemeClr val="accent2"/>
+          </a:lnRef>
+          <a:fillRef idx="1">
+            <a:schemeClr val="lt1"/>
+          </a:fillRef>
+          <a:effectRef idx="0">
+            <a:schemeClr val="accent2"/>
+          </a:effectRef>
+          <a:fontRef idx="minor">
+            <a:schemeClr val="dk1"/>
+          </a:fontRef>
+        </p:style>
+        <p:txBody>
+          <a:bodyPr rtlCol="0" anchor="ctr"/>
+          <a:lstStyle/>
+          <a:p>
+            <a:pPr algn="ctr"/>
+            <a:r>
+              <a:rPr lang="en-US" sz="1700" dirty="0" smtClean="0">
+                <a:latin typeface="Candara" panose="020E0502030303020204" pitchFamily="34" charset="0"/>
+              </a:rPr>
+              <a:t>System Integration</a:t>
+            </a:r>
+            <a:endParaRPr lang="en-US" sz="1700" dirty="0">
+              <a:latin typeface="Candara" panose="020E0502030303020204" pitchFamily="34" charset="0"/>
+            </a:endParaRPr>
+          </a:p>
+        </p:txBody>
+      </p:sp>
+      <p:sp>
+        <p:nvSpPr>
+          <p:cNvPr id="41" name="Rectangle 40"/>
+          <p:cNvSpPr/>
+          <p:nvPr/>
+        </p:nvSpPr>
+        <p:spPr>
+          <a:xfrm>
+            <a:off x="8284235" y="1479424"/>
+            <a:ext cx="1889185" cy="819509"/>
+          </a:xfrm>
+          <a:prstGeom prst="rect">
+            <a:avLst/>
+          </a:prstGeom>
+          <a:ln w="28575"/>
+        </p:spPr>
+        <p:style>
+          <a:lnRef idx="2">
+            <a:schemeClr val="accent2"/>
+          </a:lnRef>
+          <a:fillRef idx="1">
+            <a:schemeClr val="lt1"/>
+          </a:fillRef>
+          <a:effectRef idx="0">
+            <a:schemeClr val="accent2"/>
+          </a:effectRef>
+          <a:fontRef idx="minor">
+            <a:schemeClr val="dk1"/>
+          </a:fontRef>
+        </p:style>
+        <p:txBody>
+          <a:bodyPr rtlCol="0" anchor="ctr"/>
+          <a:lstStyle/>
+          <a:p>
+            <a:pPr algn="ctr"/>
+            <a:r>
+              <a:rPr lang="en-US" sz="1700" dirty="0" smtClean="0">
+                <a:latin typeface="Candara" panose="020E0502030303020204" pitchFamily="34" charset="0"/>
+              </a:rPr>
+              <a:t>Delivered Package</a:t>
+            </a:r>
+            <a:endParaRPr lang="en-US" sz="1700" dirty="0">
+              <a:latin typeface="Candara" panose="020E0502030303020204" pitchFamily="34" charset="0"/>
+            </a:endParaRPr>
+          </a:p>
+        </p:txBody>
+      </p:sp>
+      <p:sp>
+        <p:nvSpPr>
+          <p:cNvPr id="42" name="Right Arrow 41"/>
+          <p:cNvSpPr/>
+          <p:nvPr/>
+        </p:nvSpPr>
+        <p:spPr>
+          <a:xfrm flipH="1">
+            <a:off x="4314647" y="1543044"/>
+            <a:ext cx="3916391" cy="851859"/>
+          </a:xfrm>
+          <a:prstGeom prst="rightArrow">
+            <a:avLst/>
+          </a:prstGeom>
+          <a:solidFill>
+            <a:schemeClr val="bg2">
+              <a:lumMod val="90000"/>
+            </a:schemeClr>
+          </a:solidFill>
+          <a:ln w="28575"/>
+        </p:spPr>
+        <p:style>
+          <a:lnRef idx="2">
+            <a:schemeClr val="accent1"/>
+          </a:lnRef>
+          <a:fillRef idx="1">
+            <a:schemeClr val="lt1"/>
+          </a:fillRef>
+          <a:effectRef idx="0">
+            <a:schemeClr val="accent1"/>
+          </a:effectRef>
+          <a:fontRef idx="minor">
+            <a:schemeClr val="dk1"/>
+          </a:fontRef>
+        </p:style>
+        <p:txBody>
+          <a:bodyPr rtlCol="0" anchor="ctr"/>
+          <a:lstStyle/>
+          <a:p>
+            <a:pPr algn="ctr"/>
+            <a:r>
+              <a:rPr lang="en-US" dirty="0" smtClean="0">
+                <a:latin typeface="Candara" panose="020E0502030303020204" pitchFamily="34" charset="0"/>
+              </a:rPr>
+              <a:t>User Acceptance (Alpha, Beta Tests)</a:t>
+            </a:r>
+            <a:endParaRPr lang="en-US" dirty="0">
+              <a:latin typeface="Candara" panose="020E0502030303020204" pitchFamily="34" charset="0"/>
+            </a:endParaRPr>
+          </a:p>
+        </p:txBody>
+      </p:sp>
+      <p:sp>
+        <p:nvSpPr>
+          <p:cNvPr id="43" name="Right Arrow 42"/>
+          <p:cNvSpPr/>
+          <p:nvPr/>
+        </p:nvSpPr>
+        <p:spPr>
+          <a:xfrm flipH="1">
+            <a:off x="2018583" y="5353762"/>
+            <a:ext cx="1923690" cy="325651"/>
+          </a:xfrm>
+          <a:prstGeom prst="rightArrow">
+            <a:avLst/>
+          </a:prstGeom>
+          <a:solidFill>
+            <a:schemeClr val="bg2">
+              <a:lumMod val="90000"/>
+            </a:schemeClr>
+          </a:solidFill>
+          <a:ln w="28575"/>
+        </p:spPr>
+        <p:style>
+          <a:lnRef idx="2">
+            <a:schemeClr val="accent1"/>
+          </a:lnRef>
+          <a:fillRef idx="1">
+            <a:schemeClr val="lt1"/>
+          </a:fillRef>
+          <a:effectRef idx="0">
+            <a:schemeClr val="accent1"/>
+          </a:effectRef>
+          <a:fontRef idx="minor">
+            <a:schemeClr val="dk1"/>
+          </a:fontRef>
+        </p:style>
+        <p:txBody>
+          <a:bodyPr rtlCol="0" anchor="ctr"/>
+          <a:lstStyle/>
+          <a:p>
+            <a:pPr algn="ctr"/>
+            <a:endParaRPr lang="en-US" dirty="0">
+              <a:latin typeface="Candara" panose="020E0502030303020204" pitchFamily="34" charset="0"/>
+            </a:endParaRPr>
+          </a:p>
+        </p:txBody>
+      </p:sp>
+      <p:sp>
+        <p:nvSpPr>
+          <p:cNvPr id="44" name="Right Arrow 43"/>
+          <p:cNvSpPr/>
+          <p:nvPr/>
+        </p:nvSpPr>
+        <p:spPr>
+          <a:xfrm flipH="1">
+            <a:off x="2018582" y="4098077"/>
+            <a:ext cx="1454989" cy="325651"/>
+          </a:xfrm>
+          <a:prstGeom prst="rightArrow">
+            <a:avLst/>
+          </a:prstGeom>
+          <a:solidFill>
+            <a:schemeClr val="bg2">
+              <a:lumMod val="90000"/>
+            </a:schemeClr>
+          </a:solidFill>
+          <a:ln w="28575"/>
+        </p:spPr>
+        <p:style>
+          <a:lnRef idx="2">
+            <a:schemeClr val="accent1"/>
+          </a:lnRef>
+          <a:fillRef idx="1">
+            <a:schemeClr val="lt1"/>
+          </a:fillRef>
+          <a:effectRef idx="0">
+            <a:schemeClr val="accent1"/>
+          </a:effectRef>
+          <a:fontRef idx="minor">
+            <a:schemeClr val="dk1"/>
+          </a:fontRef>
+        </p:style>
+        <p:txBody>
+          <a:bodyPr rtlCol="0" anchor="ctr"/>
+          <a:lstStyle/>
+          <a:p>
+            <a:pPr algn="ctr"/>
+            <a:endParaRPr lang="en-US" dirty="0">
+              <a:latin typeface="Candara" panose="020E0502030303020204" pitchFamily="34" charset="0"/>
+            </a:endParaRPr>
+          </a:p>
+        </p:txBody>
+      </p:sp>
+      <p:sp>
+        <p:nvSpPr>
+          <p:cNvPr id="45" name="Right Arrow 44"/>
+          <p:cNvSpPr/>
+          <p:nvPr/>
+        </p:nvSpPr>
+        <p:spPr>
+          <a:xfrm flipH="1">
+            <a:off x="2018581" y="2881755"/>
+            <a:ext cx="1104183" cy="325651"/>
+          </a:xfrm>
+          <a:prstGeom prst="rightArrow">
+            <a:avLst/>
+          </a:prstGeom>
+          <a:solidFill>
+            <a:schemeClr val="bg2">
+              <a:lumMod val="90000"/>
+            </a:schemeClr>
+          </a:solidFill>
+          <a:ln w="28575"/>
+        </p:spPr>
+        <p:style>
+          <a:lnRef idx="2">
+            <a:schemeClr val="accent1"/>
+          </a:lnRef>
+          <a:fillRef idx="1">
+            <a:schemeClr val="lt1"/>
+          </a:fillRef>
+          <a:effectRef idx="0">
+            <a:schemeClr val="accent1"/>
+          </a:effectRef>
+          <a:fontRef idx="minor">
+            <a:schemeClr val="dk1"/>
+          </a:fontRef>
+        </p:style>
+        <p:txBody>
+          <a:bodyPr rtlCol="0" anchor="ctr"/>
+          <a:lstStyle/>
+          <a:p>
+            <a:pPr algn="ctr"/>
+            <a:endParaRPr lang="en-US" dirty="0">
+              <a:latin typeface="Candara" panose="020E0502030303020204" pitchFamily="34" charset="0"/>
+            </a:endParaRPr>
+          </a:p>
+        </p:txBody>
+      </p:sp>
+      <p:sp>
+        <p:nvSpPr>
+          <p:cNvPr id="46" name="Right Arrow 45"/>
+          <p:cNvSpPr/>
+          <p:nvPr/>
+        </p:nvSpPr>
+        <p:spPr>
+          <a:xfrm rot="5400000" flipH="1">
+            <a:off x="2330" y="4191893"/>
+            <a:ext cx="3919635" cy="325651"/>
+          </a:xfrm>
+          <a:prstGeom prst="rightArrow">
+            <a:avLst/>
+          </a:prstGeom>
+          <a:solidFill>
+            <a:schemeClr val="bg2">
+              <a:lumMod val="90000"/>
+            </a:schemeClr>
+          </a:solidFill>
+          <a:ln w="28575"/>
+        </p:spPr>
+        <p:style>
+          <a:lnRef idx="2">
+            <a:schemeClr val="accent1"/>
+          </a:lnRef>
+          <a:fillRef idx="1">
+            <a:schemeClr val="lt1"/>
+          </a:fillRef>
+          <a:effectRef idx="0">
+            <a:schemeClr val="accent1"/>
+          </a:effectRef>
+          <a:fontRef idx="minor">
+            <a:schemeClr val="dk1"/>
+          </a:fontRef>
+        </p:style>
+        <p:txBody>
+          <a:bodyPr rtlCol="0" anchor="ctr"/>
+          <a:lstStyle/>
+          <a:p>
+            <a:pPr algn="ctr"/>
+            <a:endParaRPr lang="en-US" dirty="0">
+              <a:latin typeface="Candara" panose="020E0502030303020204" pitchFamily="34" charset="0"/>
+            </a:endParaRPr>
+          </a:p>
+        </p:txBody>
+      </p:sp>
+      <p:sp>
+        <p:nvSpPr>
+          <p:cNvPr id="47" name="Right Arrow 46"/>
+          <p:cNvSpPr/>
+          <p:nvPr/>
+        </p:nvSpPr>
+        <p:spPr>
+          <a:xfrm flipH="1">
+            <a:off x="2018581" y="6056818"/>
+            <a:ext cx="7864416" cy="325651"/>
+          </a:xfrm>
+          <a:prstGeom prst="rightArrow">
+            <a:avLst/>
+          </a:prstGeom>
+          <a:solidFill>
+            <a:schemeClr val="bg2">
+              <a:lumMod val="90000"/>
+            </a:schemeClr>
+          </a:solidFill>
+          <a:ln w="28575"/>
+        </p:spPr>
+        <p:style>
+          <a:lnRef idx="2">
+            <a:schemeClr val="accent1"/>
+          </a:lnRef>
+          <a:fillRef idx="1">
+            <a:schemeClr val="lt1"/>
+          </a:fillRef>
+          <a:effectRef idx="0">
+            <a:schemeClr val="accent1"/>
+          </a:effectRef>
+          <a:fontRef idx="minor">
+            <a:schemeClr val="dk1"/>
+          </a:fontRef>
+        </p:style>
+        <p:txBody>
+          <a:bodyPr rtlCol="0" anchor="ctr"/>
+          <a:lstStyle/>
+          <a:p>
+            <a:pPr algn="ctr"/>
+            <a:endParaRPr lang="en-US" dirty="0">
+              <a:latin typeface="Candara" panose="020E0502030303020204" pitchFamily="34" charset="0"/>
+            </a:endParaRPr>
+          </a:p>
+        </p:txBody>
+      </p:sp>
+      <p:sp>
+        <p:nvSpPr>
+          <p:cNvPr id="48" name="Right Arrow 47"/>
+          <p:cNvSpPr/>
+          <p:nvPr/>
+        </p:nvSpPr>
+        <p:spPr>
+          <a:xfrm rot="16200000" flipH="1">
+            <a:off x="8667213" y="5262649"/>
+            <a:ext cx="1415812" cy="325651"/>
+          </a:xfrm>
+          <a:prstGeom prst="rightArrow">
+            <a:avLst/>
+          </a:prstGeom>
+          <a:solidFill>
+            <a:schemeClr val="bg2">
+              <a:lumMod val="90000"/>
+            </a:schemeClr>
+          </a:solidFill>
+          <a:ln w="28575"/>
+        </p:spPr>
+        <p:style>
+          <a:lnRef idx="2">
+            <a:schemeClr val="accent1"/>
+          </a:lnRef>
+          <a:fillRef idx="1">
+            <a:schemeClr val="lt1"/>
+          </a:fillRef>
+          <a:effectRef idx="0">
+            <a:schemeClr val="accent1"/>
+          </a:effectRef>
+          <a:fontRef idx="minor">
+            <a:schemeClr val="dk1"/>
+          </a:fontRef>
+        </p:style>
+        <p:txBody>
+          <a:bodyPr rtlCol="0" anchor="ctr"/>
+          <a:lstStyle/>
+          <a:p>
+            <a:pPr algn="ctr"/>
+            <a:endParaRPr lang="en-US" dirty="0">
+              <a:latin typeface="Candara" panose="020E0502030303020204" pitchFamily="34" charset="0"/>
+            </a:endParaRPr>
+          </a:p>
+        </p:txBody>
+      </p:sp>
+      <p:sp>
+        <p:nvSpPr>
+          <p:cNvPr id="49" name="Right Arrow 48"/>
+          <p:cNvSpPr/>
+          <p:nvPr/>
+        </p:nvSpPr>
+        <p:spPr>
+          <a:xfrm rot="16200000" flipH="1">
+            <a:off x="8405450" y="4655833"/>
+            <a:ext cx="2629446" cy="325651"/>
+          </a:xfrm>
+          <a:prstGeom prst="rightArrow">
+            <a:avLst/>
+          </a:prstGeom>
+          <a:solidFill>
+            <a:schemeClr val="bg2">
+              <a:lumMod val="90000"/>
+            </a:schemeClr>
+          </a:solidFill>
+          <a:ln w="28575"/>
+        </p:spPr>
+        <p:style>
+          <a:lnRef idx="2">
+            <a:schemeClr val="accent1"/>
+          </a:lnRef>
+          <a:fillRef idx="1">
+            <a:schemeClr val="lt1"/>
+          </a:fillRef>
+          <a:effectRef idx="0">
+            <a:schemeClr val="accent1"/>
+          </a:effectRef>
+          <a:fontRef idx="minor">
+            <a:schemeClr val="dk1"/>
+          </a:fontRef>
+        </p:style>
+        <p:txBody>
+          <a:bodyPr rtlCol="0" anchor="ctr"/>
+          <a:lstStyle/>
+          <a:p>
+            <a:pPr algn="ctr"/>
+            <a:endParaRPr lang="en-US" dirty="0">
+              <a:latin typeface="Candara" panose="020E0502030303020204" pitchFamily="34" charset="0"/>
+            </a:endParaRPr>
+          </a:p>
+        </p:txBody>
+      </p:sp>
+      <p:sp>
+        <p:nvSpPr>
+          <p:cNvPr id="50" name="Right Arrow 49"/>
+          <p:cNvSpPr/>
+          <p:nvPr/>
+        </p:nvSpPr>
+        <p:spPr>
+          <a:xfrm rot="10800000" flipH="1" flipV="1">
+            <a:off x="10274063" y="3709355"/>
+            <a:ext cx="1420485" cy="492784"/>
+          </a:xfrm>
+          <a:prstGeom prst="rightArrow">
+            <a:avLst/>
+          </a:prstGeom>
+          <a:solidFill>
+            <a:schemeClr val="bg2">
+              <a:lumMod val="90000"/>
+            </a:schemeClr>
+          </a:solidFill>
+          <a:ln w="28575"/>
+        </p:spPr>
+        <p:style>
+          <a:lnRef idx="2">
+            <a:schemeClr val="accent1"/>
+          </a:lnRef>
+          <a:fillRef idx="1">
+            <a:schemeClr val="lt1"/>
+          </a:fillRef>
+          <a:effectRef idx="0">
+            <a:schemeClr val="accent1"/>
+          </a:effectRef>
+          <a:fontRef idx="minor">
+            <a:schemeClr val="dk1"/>
+          </a:fontRef>
+        </p:style>
+        <p:txBody>
+          <a:bodyPr rtlCol="0" anchor="ctr"/>
+          <a:lstStyle/>
+          <a:p>
+            <a:pPr algn="ctr"/>
+            <a:r>
+              <a:rPr lang="en-US" dirty="0" smtClean="0">
+                <a:latin typeface="Candara" panose="020E0502030303020204" pitchFamily="34" charset="0"/>
+              </a:rPr>
+              <a:t>Validation</a:t>
+            </a:r>
+            <a:endParaRPr lang="en-US" dirty="0">
+              <a:latin typeface="Candara" panose="020E0502030303020204" pitchFamily="34" charset="0"/>
+            </a:endParaRPr>
+          </a:p>
+        </p:txBody>
+      </p:sp>
+      <p:sp>
+        <p:nvSpPr>
+          <p:cNvPr id="51" name="Right Arrow 50"/>
+          <p:cNvSpPr/>
+          <p:nvPr/>
+        </p:nvSpPr>
+        <p:spPr>
+          <a:xfrm rot="10800000" flipH="1" flipV="1">
+            <a:off x="10274063" y="4311041"/>
+            <a:ext cx="1420485" cy="492784"/>
+          </a:xfrm>
+          <a:prstGeom prst="rightArrow">
+            <a:avLst/>
+          </a:prstGeom>
+          <a:solidFill>
+            <a:schemeClr val="bg1"/>
+          </a:solidFill>
+          <a:ln w="28575"/>
+        </p:spPr>
+        <p:style>
+          <a:lnRef idx="2">
+            <a:schemeClr val="accent1"/>
+          </a:lnRef>
+          <a:fillRef idx="1">
+            <a:schemeClr val="lt1"/>
+          </a:fillRef>
+          <a:effectRef idx="0">
+            <a:schemeClr val="accent1"/>
+          </a:effectRef>
+          <a:fontRef idx="minor">
+            <a:schemeClr val="dk1"/>
+          </a:fontRef>
+        </p:style>
+        <p:txBody>
+          <a:bodyPr rtlCol="0" anchor="ctr"/>
+          <a:lstStyle/>
+          <a:p>
+            <a:pPr algn="ctr"/>
+            <a:r>
+              <a:rPr lang="en-US" dirty="0" smtClean="0">
+                <a:latin typeface="Candara" panose="020E0502030303020204" pitchFamily="34" charset="0"/>
+              </a:rPr>
+              <a:t>Verification</a:t>
+            </a:r>
+            <a:endParaRPr lang="en-US" dirty="0">
+              <a:latin typeface="Candara" panose="020E0502030303020204" pitchFamily="34" charset="0"/>
+            </a:endParaRPr>
+          </a:p>
+        </p:txBody>
+      </p:sp>
+      <p:sp>
+        <p:nvSpPr>
+          <p:cNvPr id="52" name="Right Arrow 51"/>
+          <p:cNvSpPr/>
+          <p:nvPr/>
+        </p:nvSpPr>
+        <p:spPr>
+          <a:xfrm rot="10800000" flipV="1">
+            <a:off x="5011950" y="2877985"/>
+            <a:ext cx="3272284" cy="492784"/>
+          </a:xfrm>
+          <a:prstGeom prst="rightArrow">
+            <a:avLst/>
+          </a:prstGeom>
+          <a:solidFill>
+            <a:schemeClr val="bg1"/>
+          </a:solidFill>
+          <a:ln w="28575"/>
+        </p:spPr>
+        <p:style>
+          <a:lnRef idx="2">
+            <a:schemeClr val="accent1"/>
+          </a:lnRef>
+          <a:fillRef idx="1">
+            <a:schemeClr val="lt1"/>
+          </a:fillRef>
+          <a:effectRef idx="0">
+            <a:schemeClr val="accent1"/>
+          </a:effectRef>
+          <a:fontRef idx="minor">
+            <a:schemeClr val="dk1"/>
+          </a:fontRef>
+        </p:style>
+        <p:txBody>
+          <a:bodyPr rtlCol="0" anchor="ctr"/>
+          <a:lstStyle/>
+          <a:p>
+            <a:pPr algn="ctr"/>
+            <a:r>
+              <a:rPr lang="en-US" dirty="0" smtClean="0">
+                <a:latin typeface="Candara" panose="020E0502030303020204" pitchFamily="34" charset="0"/>
+              </a:rPr>
+              <a:t>System Test</a:t>
+            </a:r>
+            <a:endParaRPr lang="en-US" dirty="0">
+              <a:latin typeface="Candara" panose="020E0502030303020204" pitchFamily="34" charset="0"/>
+            </a:endParaRPr>
+          </a:p>
+        </p:txBody>
+      </p:sp>
+      <p:sp>
+        <p:nvSpPr>
+          <p:cNvPr id="53" name="Right Arrow 52"/>
+          <p:cNvSpPr/>
+          <p:nvPr/>
+        </p:nvSpPr>
+        <p:spPr>
+          <a:xfrm rot="10800000" flipV="1">
+            <a:off x="5382159" y="4118573"/>
+            <a:ext cx="2263717" cy="492784"/>
+          </a:xfrm>
+          <a:prstGeom prst="rightArrow">
+            <a:avLst/>
+          </a:prstGeom>
+          <a:solidFill>
+            <a:schemeClr val="bg1"/>
+          </a:solidFill>
+          <a:ln w="28575"/>
+        </p:spPr>
+        <p:style>
+          <a:lnRef idx="2">
+            <a:schemeClr val="accent1"/>
+          </a:lnRef>
+          <a:fillRef idx="1">
+            <a:schemeClr val="lt1"/>
+          </a:fillRef>
+          <a:effectRef idx="0">
+            <a:schemeClr val="accent1"/>
+          </a:effectRef>
+          <a:fontRef idx="minor">
+            <a:schemeClr val="dk1"/>
+          </a:fontRef>
+        </p:style>
+        <p:txBody>
+          <a:bodyPr rtlCol="0" anchor="ctr"/>
+          <a:lstStyle/>
+          <a:p>
+            <a:pPr algn="ctr"/>
+            <a:r>
+              <a:rPr lang="en-US" dirty="0" smtClean="0">
+                <a:latin typeface="Candara" panose="020E0502030303020204" pitchFamily="34" charset="0"/>
+              </a:rPr>
+              <a:t>Integration Test</a:t>
+            </a:r>
+            <a:endParaRPr lang="en-US" dirty="0">
+              <a:latin typeface="Candara" panose="020E0502030303020204" pitchFamily="34" charset="0"/>
+            </a:endParaRPr>
+          </a:p>
+        </p:txBody>
+      </p:sp>
+      <p:sp>
+        <p:nvSpPr>
+          <p:cNvPr id="54" name="Right Arrow 53"/>
+          <p:cNvSpPr/>
+          <p:nvPr/>
+        </p:nvSpPr>
+        <p:spPr>
+          <a:xfrm rot="10800000" flipV="1">
+            <a:off x="5850861" y="5345138"/>
+            <a:ext cx="1309790" cy="492784"/>
+          </a:xfrm>
+          <a:prstGeom prst="rightArrow">
+            <a:avLst/>
+          </a:prstGeom>
+          <a:solidFill>
+            <a:schemeClr val="bg1"/>
+          </a:solidFill>
+          <a:ln w="28575"/>
+        </p:spPr>
+        <p:style>
+          <a:lnRef idx="2">
+            <a:schemeClr val="accent1"/>
+          </a:lnRef>
+          <a:fillRef idx="1">
+            <a:schemeClr val="lt1"/>
+          </a:fillRef>
+          <a:effectRef idx="0">
+            <a:schemeClr val="accent1"/>
+          </a:effectRef>
+          <a:fontRef idx="minor">
+            <a:schemeClr val="dk1"/>
+          </a:fontRef>
+        </p:style>
+        <p:txBody>
+          <a:bodyPr rtlCol="0" anchor="ctr"/>
+          <a:lstStyle/>
+          <a:p>
+            <a:pPr algn="ctr"/>
+            <a:r>
+              <a:rPr lang="en-US" dirty="0" smtClean="0">
+                <a:latin typeface="Candara" panose="020E0502030303020204" pitchFamily="34" charset="0"/>
+              </a:rPr>
+              <a:t>Unit Test</a:t>
+            </a:r>
+            <a:endParaRPr lang="en-US" dirty="0">
+              <a:latin typeface="Candara" panose="020E0502030303020204" pitchFamily="34" charset="0"/>
+            </a:endParaRPr>
+          </a:p>
+        </p:txBody>
+      </p:sp>
+      <p:sp>
+        <p:nvSpPr>
+          <p:cNvPr id="55" name="TextBox 54"/>
+          <p:cNvSpPr txBox="1"/>
+          <p:nvPr/>
+        </p:nvSpPr>
+        <p:spPr>
+          <a:xfrm>
+            <a:off x="4770408" y="6251451"/>
+            <a:ext cx="4157932" cy="338554"/>
+          </a:xfrm>
+          <a:prstGeom prst="rect">
+            <a:avLst/>
+          </a:prstGeom>
+          <a:noFill/>
+        </p:spPr>
+        <p:txBody>
+          <a:bodyPr wrap="square" rtlCol="0">
+            <a:spAutoFit/>
+          </a:bodyPr>
+          <a:lstStyle/>
+          <a:p>
+            <a:r>
+              <a:rPr lang="en-US" sz="1600" dirty="0" smtClean="0">
+                <a:latin typeface="Candara" panose="020E0502030303020204" pitchFamily="34" charset="0"/>
+              </a:rPr>
+              <a:t>User Review of External Behavior</a:t>
+            </a:r>
+            <a:endParaRPr lang="en-US" sz="1600" dirty="0">
+              <a:latin typeface="Candara" panose="020E0502030303020204" pitchFamily="34" charset="0"/>
+            </a:endParaRPr>
+          </a:p>
+        </p:txBody>
+      </p:sp>
+      <p:sp>
+        <p:nvSpPr>
+          <p:cNvPr id="56" name="Bent-Up Arrow 55"/>
+          <p:cNvSpPr/>
+          <p:nvPr/>
+        </p:nvSpPr>
+        <p:spPr>
+          <a:xfrm rot="16200000">
+            <a:off x="5314415" y="4693304"/>
+            <a:ext cx="463134" cy="363925"/>
+          </a:xfrm>
+          <a:prstGeom prst="bentUpArrow">
+            <a:avLst/>
+          </a:prstGeom>
+          <a:ln w="28575"/>
+        </p:spPr>
+        <p:style>
+          <a:lnRef idx="2">
+            <a:schemeClr val="accent1"/>
+          </a:lnRef>
+          <a:fillRef idx="1">
+            <a:schemeClr val="lt1"/>
+          </a:fillRef>
+          <a:effectRef idx="0">
+            <a:schemeClr val="accent1"/>
+          </a:effectRef>
+          <a:fontRef idx="minor">
+            <a:schemeClr val="dk1"/>
+          </a:fontRef>
+        </p:style>
+        <p:txBody>
+          <a:bodyPr rtlCol="0" anchor="ctr"/>
+          <a:lstStyle/>
+          <a:p>
+            <a:pPr algn="ctr"/>
+            <a:endParaRPr lang="en-US"/>
+          </a:p>
+        </p:txBody>
+      </p:sp>
+      <p:sp>
+        <p:nvSpPr>
+          <p:cNvPr id="57" name="TextBox 56"/>
+          <p:cNvSpPr txBox="1"/>
+          <p:nvPr/>
+        </p:nvSpPr>
+        <p:spPr>
+          <a:xfrm>
+            <a:off x="5656053" y="4735376"/>
+            <a:ext cx="4157932" cy="338554"/>
+          </a:xfrm>
+          <a:prstGeom prst="rect">
+            <a:avLst/>
+          </a:prstGeom>
+          <a:noFill/>
+        </p:spPr>
+        <p:txBody>
+          <a:bodyPr wrap="square" rtlCol="0">
+            <a:spAutoFit/>
+          </a:bodyPr>
+          <a:lstStyle/>
+          <a:p>
+            <a:r>
+              <a:rPr lang="en-US" sz="1600" dirty="0" smtClean="0">
+                <a:latin typeface="Candara" panose="020E0502030303020204" pitchFamily="34" charset="0"/>
+              </a:rPr>
+              <a:t>Review/Analysis</a:t>
+            </a:r>
+            <a:endParaRPr lang="en-US" sz="1600" dirty="0">
+              <a:latin typeface="Candara" panose="020E0502030303020204" pitchFamily="34" charset="0"/>
+            </a:endParaRPr>
+          </a:p>
+        </p:txBody>
+      </p:sp>
+      <p:sp>
+        <p:nvSpPr>
+          <p:cNvPr id="58" name="Bent-Up Arrow 57"/>
+          <p:cNvSpPr/>
+          <p:nvPr/>
+        </p:nvSpPr>
+        <p:spPr>
+          <a:xfrm rot="16200000">
+            <a:off x="4908219" y="3474499"/>
+            <a:ext cx="511101" cy="303639"/>
+          </a:xfrm>
+          <a:prstGeom prst="bentUpArrow">
+            <a:avLst/>
+          </a:prstGeom>
+          <a:ln w="28575"/>
+        </p:spPr>
+        <p:style>
+          <a:lnRef idx="2">
+            <a:schemeClr val="accent1"/>
+          </a:lnRef>
+          <a:fillRef idx="1">
+            <a:schemeClr val="lt1"/>
+          </a:fillRef>
+          <a:effectRef idx="0">
+            <a:schemeClr val="accent1"/>
+          </a:effectRef>
+          <a:fontRef idx="minor">
+            <a:schemeClr val="dk1"/>
+          </a:fontRef>
+        </p:style>
+        <p:txBody>
+          <a:bodyPr rtlCol="0" anchor="ctr"/>
+          <a:lstStyle/>
+          <a:p>
+            <a:pPr algn="ctr"/>
+            <a:endParaRPr lang="en-US"/>
+          </a:p>
+        </p:txBody>
+      </p:sp>
+      <p:sp>
+        <p:nvSpPr>
+          <p:cNvPr id="59" name="TextBox 58"/>
+          <p:cNvSpPr txBox="1"/>
+          <p:nvPr/>
+        </p:nvSpPr>
+        <p:spPr>
+          <a:xfrm>
+            <a:off x="5243697" y="3510412"/>
+            <a:ext cx="1778205" cy="338554"/>
+          </a:xfrm>
+          <a:prstGeom prst="rect">
+            <a:avLst/>
+          </a:prstGeom>
+          <a:noFill/>
+        </p:spPr>
+        <p:txBody>
+          <a:bodyPr wrap="square" rtlCol="0">
+            <a:spAutoFit/>
+          </a:bodyPr>
+          <a:lstStyle/>
+          <a:p>
+            <a:r>
+              <a:rPr lang="en-US" sz="1600" dirty="0" smtClean="0">
+                <a:latin typeface="Candara" panose="020E0502030303020204" pitchFamily="34" charset="0"/>
+              </a:rPr>
+              <a:t>Review/Analysis</a:t>
+            </a:r>
+            <a:endParaRPr lang="en-US" sz="1600" dirty="0">
+              <a:latin typeface="Candara" panose="020E0502030303020204" pitchFamily="34" charset="0"/>
+            </a:endParaRPr>
+          </a:p>
+        </p:txBody>
+      </p:sp>
+      <p:sp>
+        <p:nvSpPr>
+          <p:cNvPr id="60" name="TextBox 59"/>
+          <p:cNvSpPr txBox="1"/>
+          <p:nvPr/>
+        </p:nvSpPr>
+        <p:spPr>
+          <a:xfrm>
+            <a:off x="2235956" y="2634829"/>
+            <a:ext cx="1778205" cy="338554"/>
+          </a:xfrm>
+          <a:prstGeom prst="rect">
+            <a:avLst/>
+          </a:prstGeom>
+          <a:noFill/>
+        </p:spPr>
+        <p:txBody>
+          <a:bodyPr wrap="square" rtlCol="0">
+            <a:spAutoFit/>
+          </a:bodyPr>
+          <a:lstStyle/>
+          <a:p>
+            <a:r>
+              <a:rPr lang="en-US" sz="1600" dirty="0" smtClean="0">
+                <a:latin typeface="Candara" panose="020E0502030303020204" pitchFamily="34" charset="0"/>
+              </a:rPr>
+              <a:t>Review</a:t>
+            </a:r>
+            <a:endParaRPr lang="en-US" sz="1600" dirty="0">
+              <a:latin typeface="Candara" panose="020E0502030303020204" pitchFamily="34" charset="0"/>
+            </a:endParaRPr>
           </a:p>
         </p:txBody>
       </p:sp>

--- a/SE401/Lectures/2-Software Quality/Software Quality.pptx
+++ b/SE401/Lectures/2-Software Quality/Software Quality.pptx
@@ -280,7 +280,7 @@
           <a:p>
             <a:fld id="{896CE679-8766-4D2C-81C4-EAA942CBD6B0}" type="datetimeFigureOut">
               <a:rPr lang="en-US" smtClean="0"/>
-              <a:t>1/25/2022</a:t>
+              <a:t>1/26/2022</a:t>
             </a:fld>
             <a:endParaRPr lang="en-US"/>
           </a:p>
@@ -598,14 +598,14 @@
           <a:ln/>
           <a:extLst>
             <a:ext uri="{909E8E84-426E-40dd-AFC4-6F175D3DCCD1}">
-              <a14:hiddenFill xmlns="" xmlns:a14="http://schemas.microsoft.com/office/drawing/2010/main">
+              <a14:hiddenFill xmlns:a14="http://schemas.microsoft.com/office/drawing/2010/main" xmlns="">
                 <a:solidFill>
                   <a:srgbClr val="FFFFFF"/>
                 </a:solidFill>
               </a14:hiddenFill>
             </a:ext>
             <a:ext uri="{91240B29-F687-4f45-9708-019B960494DF}">
-              <a14:hiddenLine xmlns="" xmlns:a14="http://schemas.microsoft.com/office/drawing/2010/main" w="9525">
+              <a14:hiddenLine xmlns:a14="http://schemas.microsoft.com/office/drawing/2010/main" xmlns="" w="9525">
                 <a:solidFill>
                   <a:srgbClr val="000000"/>
                 </a:solidFill>
@@ -615,7 +615,7 @@
               </a14:hiddenLine>
             </a:ext>
             <a:ext uri="{FAA26D3D-D897-4be2-8F04-BA451C77F1D7}">
-              <ma14:placeholderFlag xmlns="" xmlns:ma14="http://schemas.microsoft.com/office/mac/drawingml/2011/main" val="1"/>
+              <ma14:placeholderFlag xmlns:ma14="http://schemas.microsoft.com/office/mac/drawingml/2011/main" xmlns="" val="1"/>
             </a:ext>
           </a:extLst>
         </p:spPr>
@@ -645,14 +645,14 @@
           <a:ln/>
           <a:extLst>
             <a:ext uri="{909E8E84-426E-40dd-AFC4-6F175D3DCCD1}">
-              <a14:hiddenFill xmlns="" xmlns:a14="http://schemas.microsoft.com/office/drawing/2010/main">
+              <a14:hiddenFill xmlns:a14="http://schemas.microsoft.com/office/drawing/2010/main" xmlns="">
                 <a:solidFill>
                   <a:srgbClr val="FFFFFF"/>
                 </a:solidFill>
               </a14:hiddenFill>
             </a:ext>
             <a:ext uri="{91240B29-F687-4f45-9708-019B960494DF}">
-              <a14:hiddenLine xmlns="" xmlns:a14="http://schemas.microsoft.com/office/drawing/2010/main" w="9525">
+              <a14:hiddenLine xmlns:a14="http://schemas.microsoft.com/office/drawing/2010/main" xmlns="" w="9525">
                 <a:solidFill>
                   <a:srgbClr val="000000"/>
                 </a:solidFill>
@@ -805,14 +805,14 @@
           <a:ln/>
           <a:extLst>
             <a:ext uri="{909E8E84-426E-40dd-AFC4-6F175D3DCCD1}">
-              <a14:hiddenFill xmlns="" xmlns:a14="http://schemas.microsoft.com/office/drawing/2010/main">
+              <a14:hiddenFill xmlns:a14="http://schemas.microsoft.com/office/drawing/2010/main" xmlns="">
                 <a:solidFill>
                   <a:srgbClr val="FFFFFF"/>
                 </a:solidFill>
               </a14:hiddenFill>
             </a:ext>
             <a:ext uri="{91240B29-F687-4f45-9708-019B960494DF}">
-              <a14:hiddenLine xmlns="" xmlns:a14="http://schemas.microsoft.com/office/drawing/2010/main" w="9525">
+              <a14:hiddenLine xmlns:a14="http://schemas.microsoft.com/office/drawing/2010/main" xmlns="" w="9525">
                 <a:solidFill>
                   <a:srgbClr val="000000"/>
                 </a:solidFill>
@@ -965,14 +965,14 @@
           <a:ln/>
           <a:extLst>
             <a:ext uri="{909E8E84-426E-40dd-AFC4-6F175D3DCCD1}">
-              <a14:hiddenFill xmlns="" xmlns:a14="http://schemas.microsoft.com/office/drawing/2010/main">
+              <a14:hiddenFill xmlns:a14="http://schemas.microsoft.com/office/drawing/2010/main" xmlns="">
                 <a:solidFill>
                   <a:srgbClr val="FFFFFF"/>
                 </a:solidFill>
               </a14:hiddenFill>
             </a:ext>
             <a:ext uri="{91240B29-F687-4f45-9708-019B960494DF}">
-              <a14:hiddenLine xmlns="" xmlns:a14="http://schemas.microsoft.com/office/drawing/2010/main" w="9525">
+              <a14:hiddenLine xmlns:a14="http://schemas.microsoft.com/office/drawing/2010/main" xmlns="" w="9525">
                 <a:solidFill>
                   <a:srgbClr val="000000"/>
                 </a:solidFill>
@@ -1199,14 +1199,14 @@
           </a:ln>
           <a:extLst>
             <a:ext uri="{909E8E84-426E-40dd-AFC4-6F175D3DCCD1}">
-              <a14:hiddenFill xmlns="" xmlns:a14="http://schemas.microsoft.com/office/drawing/2010/main">
+              <a14:hiddenFill xmlns:a14="http://schemas.microsoft.com/office/drawing/2010/main" xmlns="">
                 <a:solidFill>
                   <a:srgbClr val="FFFFFF"/>
                 </a:solidFill>
               </a14:hiddenFill>
             </a:ext>
             <a:ext uri="{FAA26D3D-D897-4be2-8F04-BA451C77F1D7}">
-              <ma14:placeholderFlag xmlns="" xmlns:ma14="http://schemas.microsoft.com/office/mac/drawingml/2011/main" val="1"/>
+              <ma14:placeholderFlag xmlns:ma14="http://schemas.microsoft.com/office/mac/drawingml/2011/main" xmlns="" val="1"/>
             </a:ext>
           </a:extLst>
         </p:spPr>
@@ -1225,14 +1225,14 @@
           <a:noFill/>
           <a:extLst>
             <a:ext uri="{909E8E84-426E-40dd-AFC4-6F175D3DCCD1}">
-              <a14:hiddenFill xmlns="" xmlns:a14="http://schemas.microsoft.com/office/drawing/2010/main">
+              <a14:hiddenFill xmlns:a14="http://schemas.microsoft.com/office/drawing/2010/main" xmlns="">
                 <a:solidFill>
                   <a:srgbClr val="FFFFFF"/>
                 </a:solidFill>
               </a14:hiddenFill>
             </a:ext>
             <a:ext uri="{91240B29-F687-4f45-9708-019B960494DF}">
-              <a14:hiddenLine xmlns="" xmlns:a14="http://schemas.microsoft.com/office/drawing/2010/main" w="9525">
+              <a14:hiddenLine xmlns:a14="http://schemas.microsoft.com/office/drawing/2010/main" xmlns="" w="9525">
                 <a:solidFill>
                   <a:srgbClr val="000000"/>
                 </a:solidFill>
@@ -1242,7 +1242,7 @@
               </a14:hiddenLine>
             </a:ext>
             <a:ext uri="{FAA26D3D-D897-4be2-8F04-BA451C77F1D7}">
-              <ma14:placeholderFlag xmlns="" xmlns:ma14="http://schemas.microsoft.com/office/mac/drawingml/2011/main" val="1"/>
+              <ma14:placeholderFlag xmlns:ma14="http://schemas.microsoft.com/office/mac/drawingml/2011/main" xmlns="" val="1"/>
             </a:ext>
           </a:extLst>
         </p:spPr>
@@ -1342,14 +1342,14 @@
           <a:ln/>
           <a:extLst>
             <a:ext uri="{909E8E84-426E-40dd-AFC4-6F175D3DCCD1}">
-              <a14:hiddenFill xmlns="" xmlns:a14="http://schemas.microsoft.com/office/drawing/2010/main">
+              <a14:hiddenFill xmlns:a14="http://schemas.microsoft.com/office/drawing/2010/main" xmlns="">
                 <a:solidFill>
                   <a:srgbClr val="FFFFFF"/>
                 </a:solidFill>
               </a14:hiddenFill>
             </a:ext>
             <a:ext uri="{91240B29-F687-4f45-9708-019B960494DF}">
-              <a14:hiddenLine xmlns="" xmlns:a14="http://schemas.microsoft.com/office/drawing/2010/main" w="9525">
+              <a14:hiddenLine xmlns:a14="http://schemas.microsoft.com/office/drawing/2010/main" xmlns="" w="9525">
                 <a:solidFill>
                   <a:srgbClr val="000000"/>
                 </a:solidFill>
@@ -1359,7 +1359,7 @@
               </a14:hiddenLine>
             </a:ext>
             <a:ext uri="{FAA26D3D-D897-4be2-8F04-BA451C77F1D7}">
-              <ma14:placeholderFlag xmlns="" xmlns:ma14="http://schemas.microsoft.com/office/mac/drawingml/2011/main" val="1"/>
+              <ma14:placeholderFlag xmlns:ma14="http://schemas.microsoft.com/office/mac/drawingml/2011/main" xmlns="" val="1"/>
             </a:ext>
           </a:extLst>
         </p:spPr>
@@ -1404,14 +1404,14 @@
           <a:ln/>
           <a:extLst>
             <a:ext uri="{909E8E84-426E-40dd-AFC4-6F175D3DCCD1}">
-              <a14:hiddenFill xmlns="" xmlns:a14="http://schemas.microsoft.com/office/drawing/2010/main">
+              <a14:hiddenFill xmlns:a14="http://schemas.microsoft.com/office/drawing/2010/main" xmlns="">
                 <a:solidFill>
                   <a:srgbClr val="FFFFFF"/>
                 </a:solidFill>
               </a14:hiddenFill>
             </a:ext>
             <a:ext uri="{91240B29-F687-4f45-9708-019B960494DF}">
-              <a14:hiddenLine xmlns="" xmlns:a14="http://schemas.microsoft.com/office/drawing/2010/main" w="9525">
+              <a14:hiddenLine xmlns:a14="http://schemas.microsoft.com/office/drawing/2010/main" xmlns="" w="9525">
                 <a:solidFill>
                   <a:srgbClr val="000000"/>
                 </a:solidFill>
@@ -1556,14 +1556,14 @@
           <a:ln/>
           <a:extLst>
             <a:ext uri="{909E8E84-426E-40dd-AFC4-6F175D3DCCD1}">
-              <a14:hiddenFill xmlns="" xmlns:a14="http://schemas.microsoft.com/office/drawing/2010/main">
+              <a14:hiddenFill xmlns:a14="http://schemas.microsoft.com/office/drawing/2010/main" xmlns="">
                 <a:solidFill>
                   <a:srgbClr val="FFFFFF"/>
                 </a:solidFill>
               </a14:hiddenFill>
             </a:ext>
             <a:ext uri="{91240B29-F687-4f45-9708-019B960494DF}">
-              <a14:hiddenLine xmlns="" xmlns:a14="http://schemas.microsoft.com/office/drawing/2010/main" w="9525">
+              <a14:hiddenLine xmlns:a14="http://schemas.microsoft.com/office/drawing/2010/main" xmlns="" w="9525">
                 <a:solidFill>
                   <a:srgbClr val="000000"/>
                 </a:solidFill>
@@ -1707,14 +1707,14 @@
           <a:ln/>
           <a:extLst>
             <a:ext uri="{909E8E84-426E-40dd-AFC4-6F175D3DCCD1}">
-              <a14:hiddenFill xmlns="" xmlns:a14="http://schemas.microsoft.com/office/drawing/2010/main">
+              <a14:hiddenFill xmlns:a14="http://schemas.microsoft.com/office/drawing/2010/main" xmlns="">
                 <a:solidFill>
                   <a:srgbClr val="FFFFFF"/>
                 </a:solidFill>
               </a14:hiddenFill>
             </a:ext>
             <a:ext uri="{91240B29-F687-4f45-9708-019B960494DF}">
-              <a14:hiddenLine xmlns="" xmlns:a14="http://schemas.microsoft.com/office/drawing/2010/main" w="9525">
+              <a14:hiddenLine xmlns:a14="http://schemas.microsoft.com/office/drawing/2010/main" xmlns="" w="9525">
                 <a:solidFill>
                   <a:srgbClr val="000000"/>
                 </a:solidFill>
@@ -1926,14 +1926,14 @@
           <a:ln/>
           <a:extLst>
             <a:ext uri="{909E8E84-426E-40dd-AFC4-6F175D3DCCD1}">
-              <a14:hiddenFill xmlns="" xmlns:a14="http://schemas.microsoft.com/office/drawing/2010/main">
+              <a14:hiddenFill xmlns:a14="http://schemas.microsoft.com/office/drawing/2010/main" xmlns="">
                 <a:solidFill>
                   <a:srgbClr val="FFFFFF"/>
                 </a:solidFill>
               </a14:hiddenFill>
             </a:ext>
             <a:ext uri="{91240B29-F687-4f45-9708-019B960494DF}">
-              <a14:hiddenLine xmlns="" xmlns:a14="http://schemas.microsoft.com/office/drawing/2010/main" w="9525">
+              <a14:hiddenLine xmlns:a14="http://schemas.microsoft.com/office/drawing/2010/main" xmlns="" w="9525">
                 <a:solidFill>
                   <a:srgbClr val="000000"/>
                 </a:solidFill>
@@ -1943,7 +1943,7 @@
               </a14:hiddenLine>
             </a:ext>
             <a:ext uri="{FAA26D3D-D897-4be2-8F04-BA451C77F1D7}">
-              <ma14:placeholderFlag xmlns="" xmlns:ma14="http://schemas.microsoft.com/office/mac/drawingml/2011/main" val="1"/>
+              <ma14:placeholderFlag xmlns:ma14="http://schemas.microsoft.com/office/mac/drawingml/2011/main" xmlns="" val="1"/>
             </a:ext>
           </a:extLst>
         </p:spPr>
@@ -1992,14 +1992,14 @@
           <a:ln/>
           <a:extLst>
             <a:ext uri="{909E8E84-426E-40dd-AFC4-6F175D3DCCD1}">
-              <a14:hiddenFill xmlns="" xmlns:a14="http://schemas.microsoft.com/office/drawing/2010/main">
+              <a14:hiddenFill xmlns:a14="http://schemas.microsoft.com/office/drawing/2010/main" xmlns="">
                 <a:solidFill>
                   <a:srgbClr val="FFFFFF"/>
                 </a:solidFill>
               </a14:hiddenFill>
             </a:ext>
             <a:ext uri="{91240B29-F687-4f45-9708-019B960494DF}">
-              <a14:hiddenLine xmlns="" xmlns:a14="http://schemas.microsoft.com/office/drawing/2010/main" w="9525">
+              <a14:hiddenLine xmlns:a14="http://schemas.microsoft.com/office/drawing/2010/main" xmlns="" w="9525">
                 <a:solidFill>
                   <a:srgbClr val="000000"/>
                 </a:solidFill>
@@ -2144,14 +2144,14 @@
           <a:ln/>
           <a:extLst>
             <a:ext uri="{909E8E84-426E-40dd-AFC4-6F175D3DCCD1}">
-              <a14:hiddenFill xmlns="" xmlns:a14="http://schemas.microsoft.com/office/drawing/2010/main">
+              <a14:hiddenFill xmlns:a14="http://schemas.microsoft.com/office/drawing/2010/main" xmlns="">
                 <a:solidFill>
                   <a:srgbClr val="FFFFFF"/>
                 </a:solidFill>
               </a14:hiddenFill>
             </a:ext>
             <a:ext uri="{91240B29-F687-4f45-9708-019B960494DF}">
-              <a14:hiddenLine xmlns="" xmlns:a14="http://schemas.microsoft.com/office/drawing/2010/main" w="9525">
+              <a14:hiddenLine xmlns:a14="http://schemas.microsoft.com/office/drawing/2010/main" xmlns="" w="9525">
                 <a:solidFill>
                   <a:srgbClr val="000000"/>
                 </a:solidFill>
@@ -2295,14 +2295,14 @@
           <a:ln/>
           <a:extLst>
             <a:ext uri="{909E8E84-426E-40dd-AFC4-6F175D3DCCD1}">
-              <a14:hiddenFill xmlns="" xmlns:a14="http://schemas.microsoft.com/office/drawing/2010/main">
+              <a14:hiddenFill xmlns:a14="http://schemas.microsoft.com/office/drawing/2010/main" xmlns="">
                 <a:solidFill>
                   <a:srgbClr val="FFFFFF"/>
                 </a:solidFill>
               </a14:hiddenFill>
             </a:ext>
             <a:ext uri="{91240B29-F687-4f45-9708-019B960494DF}">
-              <a14:hiddenLine xmlns="" xmlns:a14="http://schemas.microsoft.com/office/drawing/2010/main" w="9525">
+              <a14:hiddenLine xmlns:a14="http://schemas.microsoft.com/office/drawing/2010/main" xmlns="" w="9525">
                 <a:solidFill>
                   <a:srgbClr val="000000"/>
                 </a:solidFill>
@@ -2532,14 +2532,14 @@
           <a:ln/>
           <a:extLst>
             <a:ext uri="{909E8E84-426E-40dd-AFC4-6F175D3DCCD1}">
-              <a14:hiddenFill xmlns="" xmlns:a14="http://schemas.microsoft.com/office/drawing/2010/main">
+              <a14:hiddenFill xmlns:a14="http://schemas.microsoft.com/office/drawing/2010/main" xmlns="">
                 <a:solidFill>
                   <a:srgbClr val="FFFFFF"/>
                 </a:solidFill>
               </a14:hiddenFill>
             </a:ext>
             <a:ext uri="{91240B29-F687-4f45-9708-019B960494DF}">
-              <a14:hiddenLine xmlns="" xmlns:a14="http://schemas.microsoft.com/office/drawing/2010/main" w="9525">
+              <a14:hiddenLine xmlns:a14="http://schemas.microsoft.com/office/drawing/2010/main" xmlns="" w="9525">
                 <a:solidFill>
                   <a:srgbClr val="000000"/>
                 </a:solidFill>
@@ -2582,14 +2582,14 @@
           <a:ln/>
           <a:extLst>
             <a:ext uri="{909E8E84-426E-40dd-AFC4-6F175D3DCCD1}">
-              <a14:hiddenFill xmlns="" xmlns:a14="http://schemas.microsoft.com/office/drawing/2010/main">
+              <a14:hiddenFill xmlns:a14="http://schemas.microsoft.com/office/drawing/2010/main" xmlns="">
                 <a:solidFill>
                   <a:srgbClr val="FFFFFF"/>
                 </a:solidFill>
               </a14:hiddenFill>
             </a:ext>
             <a:ext uri="{91240B29-F687-4f45-9708-019B960494DF}">
-              <a14:hiddenLine xmlns="" xmlns:a14="http://schemas.microsoft.com/office/drawing/2010/main" w="9525">
+              <a14:hiddenLine xmlns:a14="http://schemas.microsoft.com/office/drawing/2010/main" xmlns="" w="9525">
                 <a:solidFill>
                   <a:srgbClr val="000000"/>
                 </a:solidFill>
@@ -2734,14 +2734,14 @@
           <a:ln/>
           <a:extLst>
             <a:ext uri="{909E8E84-426E-40dd-AFC4-6F175D3DCCD1}">
-              <a14:hiddenFill xmlns="" xmlns:a14="http://schemas.microsoft.com/office/drawing/2010/main">
+              <a14:hiddenFill xmlns:a14="http://schemas.microsoft.com/office/drawing/2010/main" xmlns="">
                 <a:solidFill>
                   <a:srgbClr val="FFFFFF"/>
                 </a:solidFill>
               </a14:hiddenFill>
             </a:ext>
             <a:ext uri="{91240B29-F687-4f45-9708-019B960494DF}">
-              <a14:hiddenLine xmlns="" xmlns:a14="http://schemas.microsoft.com/office/drawing/2010/main" w="9525">
+              <a14:hiddenLine xmlns:a14="http://schemas.microsoft.com/office/drawing/2010/main" xmlns="" w="9525">
                 <a:solidFill>
                   <a:srgbClr val="000000"/>
                 </a:solidFill>
@@ -2886,14 +2886,14 @@
           <a:ln/>
           <a:extLst>
             <a:ext uri="{909E8E84-426E-40dd-AFC4-6F175D3DCCD1}">
-              <a14:hiddenFill xmlns="" xmlns:a14="http://schemas.microsoft.com/office/drawing/2010/main">
+              <a14:hiddenFill xmlns:a14="http://schemas.microsoft.com/office/drawing/2010/main" xmlns="">
                 <a:solidFill>
                   <a:srgbClr val="FFFFFF"/>
                 </a:solidFill>
               </a14:hiddenFill>
             </a:ext>
             <a:ext uri="{91240B29-F687-4f45-9708-019B960494DF}">
-              <a14:hiddenLine xmlns="" xmlns:a14="http://schemas.microsoft.com/office/drawing/2010/main" w="9525">
+              <a14:hiddenLine xmlns:a14="http://schemas.microsoft.com/office/drawing/2010/main" xmlns="" w="9525">
                 <a:solidFill>
                   <a:srgbClr val="000000"/>
                 </a:solidFill>
@@ -3112,14 +3112,14 @@
           </a:ln>
           <a:extLst>
             <a:ext uri="{909E8E84-426E-40dd-AFC4-6F175D3DCCD1}">
-              <a14:hiddenFill xmlns="" xmlns:a14="http://schemas.microsoft.com/office/drawing/2010/main">
+              <a14:hiddenFill xmlns:a14="http://schemas.microsoft.com/office/drawing/2010/main" xmlns="">
                 <a:solidFill>
                   <a:srgbClr val="FFFFFF"/>
                 </a:solidFill>
               </a14:hiddenFill>
             </a:ext>
             <a:ext uri="{FAA26D3D-D897-4be2-8F04-BA451C77F1D7}">
-              <ma14:placeholderFlag xmlns="" xmlns:ma14="http://schemas.microsoft.com/office/mac/drawingml/2011/main" val="1"/>
+              <ma14:placeholderFlag xmlns:ma14="http://schemas.microsoft.com/office/mac/drawingml/2011/main" xmlns="" val="1"/>
             </a:ext>
           </a:extLst>
         </p:spPr>
@@ -3138,14 +3138,14 @@
           <a:noFill/>
           <a:extLst>
             <a:ext uri="{909E8E84-426E-40dd-AFC4-6F175D3DCCD1}">
-              <a14:hiddenFill xmlns="" xmlns:a14="http://schemas.microsoft.com/office/drawing/2010/main">
+              <a14:hiddenFill xmlns:a14="http://schemas.microsoft.com/office/drawing/2010/main" xmlns="">
                 <a:solidFill>
                   <a:srgbClr val="FFFFFF"/>
                 </a:solidFill>
               </a14:hiddenFill>
             </a:ext>
             <a:ext uri="{91240B29-F687-4f45-9708-019B960494DF}">
-              <a14:hiddenLine xmlns="" xmlns:a14="http://schemas.microsoft.com/office/drawing/2010/main" w="9525">
+              <a14:hiddenLine xmlns:a14="http://schemas.microsoft.com/office/drawing/2010/main" xmlns="" w="9525">
                 <a:solidFill>
                   <a:srgbClr val="000000"/>
                 </a:solidFill>
@@ -3155,7 +3155,7 @@
               </a14:hiddenLine>
             </a:ext>
             <a:ext uri="{FAA26D3D-D897-4be2-8F04-BA451C77F1D7}">
-              <ma14:placeholderFlag xmlns="" xmlns:ma14="http://schemas.microsoft.com/office/mac/drawingml/2011/main" val="1"/>
+              <ma14:placeholderFlag xmlns:ma14="http://schemas.microsoft.com/office/mac/drawingml/2011/main" xmlns="" val="1"/>
             </a:ext>
           </a:extLst>
         </p:spPr>
@@ -3262,14 +3262,14 @@
           </a:ln>
           <a:extLst>
             <a:ext uri="{909E8E84-426E-40dd-AFC4-6F175D3DCCD1}">
-              <a14:hiddenFill xmlns="" xmlns:a14="http://schemas.microsoft.com/office/drawing/2010/main">
+              <a14:hiddenFill xmlns:a14="http://schemas.microsoft.com/office/drawing/2010/main" xmlns="">
                 <a:solidFill>
                   <a:srgbClr val="FFFFFF"/>
                 </a:solidFill>
               </a14:hiddenFill>
             </a:ext>
             <a:ext uri="{91240B29-F687-4f45-9708-019B960494DF}">
-              <a14:hiddenLine xmlns="" xmlns:a14="http://schemas.microsoft.com/office/drawing/2010/main" w="9525">
+              <a14:hiddenLine xmlns:a14="http://schemas.microsoft.com/office/drawing/2010/main" xmlns="" w="9525">
                 <a:solidFill>
                   <a:srgbClr val="000000"/>
                 </a:solidFill>
@@ -3431,14 +3431,14 @@
           </a:ln>
           <a:extLst>
             <a:ext uri="{909E8E84-426E-40dd-AFC4-6F175D3DCCD1}">
-              <a14:hiddenFill xmlns="" xmlns:a14="http://schemas.microsoft.com/office/drawing/2010/main">
+              <a14:hiddenFill xmlns:a14="http://schemas.microsoft.com/office/drawing/2010/main" xmlns="">
                 <a:solidFill>
                   <a:srgbClr val="FFFFFF"/>
                 </a:solidFill>
               </a14:hiddenFill>
             </a:ext>
             <a:ext uri="{FAA26D3D-D897-4be2-8F04-BA451C77F1D7}">
-              <ma14:placeholderFlag xmlns="" xmlns:ma14="http://schemas.microsoft.com/office/mac/drawingml/2011/main" val="1"/>
+              <ma14:placeholderFlag xmlns:ma14="http://schemas.microsoft.com/office/mac/drawingml/2011/main" xmlns="" val="1"/>
             </a:ext>
           </a:extLst>
         </p:spPr>
@@ -3487,14 +3487,14 @@
           </a:ln>
           <a:extLst>
             <a:ext uri="{909E8E84-426E-40dd-AFC4-6F175D3DCCD1}">
-              <a14:hiddenFill xmlns="" xmlns:a14="http://schemas.microsoft.com/office/drawing/2010/main">
+              <a14:hiddenFill xmlns:a14="http://schemas.microsoft.com/office/drawing/2010/main" xmlns="">
                 <a:solidFill>
                   <a:srgbClr val="FFFFFF"/>
                 </a:solidFill>
               </a14:hiddenFill>
             </a:ext>
             <a:ext uri="{FAA26D3D-D897-4be2-8F04-BA451C77F1D7}">
-              <ma14:placeholderFlag xmlns="" xmlns:ma14="http://schemas.microsoft.com/office/mac/drawingml/2011/main" val="1"/>
+              <ma14:placeholderFlag xmlns:ma14="http://schemas.microsoft.com/office/mac/drawingml/2011/main" xmlns="" val="1"/>
             </a:ext>
           </a:extLst>
         </p:spPr>
@@ -3676,14 +3676,14 @@
           </a:ln>
           <a:extLst>
             <a:ext uri="{909E8E84-426E-40dd-AFC4-6F175D3DCCD1}">
-              <a14:hiddenFill xmlns="" xmlns:a14="http://schemas.microsoft.com/office/drawing/2010/main">
+              <a14:hiddenFill xmlns:a14="http://schemas.microsoft.com/office/drawing/2010/main" xmlns="">
                 <a:solidFill>
                   <a:srgbClr val="FFFFFF"/>
                 </a:solidFill>
               </a14:hiddenFill>
             </a:ext>
             <a:ext uri="{FAA26D3D-D897-4be2-8F04-BA451C77F1D7}">
-              <ma14:placeholderFlag xmlns="" xmlns:ma14="http://schemas.microsoft.com/office/mac/drawingml/2011/main" val="1"/>
+              <ma14:placeholderFlag xmlns:ma14="http://schemas.microsoft.com/office/mac/drawingml/2011/main" xmlns="" val="1"/>
             </a:ext>
           </a:extLst>
         </p:spPr>
@@ -3714,14 +3714,14 @@
           </a:ln>
           <a:extLst>
             <a:ext uri="{909E8E84-426E-40dd-AFC4-6F175D3DCCD1}">
-              <a14:hiddenFill xmlns="" xmlns:a14="http://schemas.microsoft.com/office/drawing/2010/main">
+              <a14:hiddenFill xmlns:a14="http://schemas.microsoft.com/office/drawing/2010/main" xmlns="">
                 <a:solidFill>
                   <a:srgbClr val="FFFFFF"/>
                 </a:solidFill>
               </a14:hiddenFill>
             </a:ext>
             <a:ext uri="{FAA26D3D-D897-4be2-8F04-BA451C77F1D7}">
-              <ma14:placeholderFlag xmlns="" xmlns:ma14="http://schemas.microsoft.com/office/mac/drawingml/2011/main" val="1"/>
+              <ma14:placeholderFlag xmlns:ma14="http://schemas.microsoft.com/office/mac/drawingml/2011/main" xmlns="" val="1"/>
             </a:ext>
           </a:extLst>
         </p:spPr>
@@ -3829,14 +3829,14 @@
           </a:ln>
           <a:extLst>
             <a:ext uri="{909E8E84-426E-40dd-AFC4-6F175D3DCCD1}">
-              <a14:hiddenFill xmlns="" xmlns:a14="http://schemas.microsoft.com/office/drawing/2010/main">
+              <a14:hiddenFill xmlns:a14="http://schemas.microsoft.com/office/drawing/2010/main" xmlns="">
                 <a:solidFill>
                   <a:srgbClr val="FFFFFF"/>
                 </a:solidFill>
               </a14:hiddenFill>
             </a:ext>
             <a:ext uri="{FAA26D3D-D897-4be2-8F04-BA451C77F1D7}">
-              <ma14:placeholderFlag xmlns="" xmlns:ma14="http://schemas.microsoft.com/office/mac/drawingml/2011/main" val="1"/>
+              <ma14:placeholderFlag xmlns:ma14="http://schemas.microsoft.com/office/mac/drawingml/2011/main" xmlns="" val="1"/>
             </a:ext>
           </a:extLst>
         </p:spPr>
@@ -3855,14 +3855,14 @@
           <a:noFill/>
           <a:extLst>
             <a:ext uri="{909E8E84-426E-40dd-AFC4-6F175D3DCCD1}">
-              <a14:hiddenFill xmlns="" xmlns:a14="http://schemas.microsoft.com/office/drawing/2010/main">
+              <a14:hiddenFill xmlns:a14="http://schemas.microsoft.com/office/drawing/2010/main" xmlns="">
                 <a:solidFill>
                   <a:srgbClr val="FFFFFF"/>
                 </a:solidFill>
               </a14:hiddenFill>
             </a:ext>
             <a:ext uri="{91240B29-F687-4f45-9708-019B960494DF}">
-              <a14:hiddenLine xmlns="" xmlns:a14="http://schemas.microsoft.com/office/drawing/2010/main" w="9525">
+              <a14:hiddenLine xmlns:a14="http://schemas.microsoft.com/office/drawing/2010/main" xmlns="" w="9525">
                 <a:solidFill>
                   <a:srgbClr val="000000"/>
                 </a:solidFill>
@@ -3872,7 +3872,7 @@
               </a14:hiddenLine>
             </a:ext>
             <a:ext uri="{FAA26D3D-D897-4be2-8F04-BA451C77F1D7}">
-              <ma14:placeholderFlag xmlns="" xmlns:ma14="http://schemas.microsoft.com/office/mac/drawingml/2011/main" val="1"/>
+              <ma14:placeholderFlag xmlns:ma14="http://schemas.microsoft.com/office/mac/drawingml/2011/main" xmlns="" val="1"/>
             </a:ext>
           </a:extLst>
         </p:spPr>
@@ -3979,14 +3979,14 @@
           </a:ln>
           <a:extLst>
             <a:ext uri="{909E8E84-426E-40dd-AFC4-6F175D3DCCD1}">
-              <a14:hiddenFill xmlns="" xmlns:a14="http://schemas.microsoft.com/office/drawing/2010/main">
+              <a14:hiddenFill xmlns:a14="http://schemas.microsoft.com/office/drawing/2010/main" xmlns="">
                 <a:solidFill>
                   <a:srgbClr val="FFFFFF"/>
                 </a:solidFill>
               </a14:hiddenFill>
             </a:ext>
             <a:ext uri="{FAA26D3D-D897-4be2-8F04-BA451C77F1D7}">
-              <ma14:placeholderFlag xmlns="" xmlns:ma14="http://schemas.microsoft.com/office/mac/drawingml/2011/main" val="1"/>
+              <ma14:placeholderFlag xmlns:ma14="http://schemas.microsoft.com/office/mac/drawingml/2011/main" xmlns="" val="1"/>
             </a:ext>
           </a:extLst>
         </p:spPr>
@@ -4005,14 +4005,14 @@
           <a:noFill/>
           <a:extLst>
             <a:ext uri="{909E8E84-426E-40dd-AFC4-6F175D3DCCD1}">
-              <a14:hiddenFill xmlns="" xmlns:a14="http://schemas.microsoft.com/office/drawing/2010/main">
+              <a14:hiddenFill xmlns:a14="http://schemas.microsoft.com/office/drawing/2010/main" xmlns="">
                 <a:solidFill>
                   <a:srgbClr val="FFFFFF"/>
                 </a:solidFill>
               </a14:hiddenFill>
             </a:ext>
             <a:ext uri="{91240B29-F687-4f45-9708-019B960494DF}">
-              <a14:hiddenLine xmlns="" xmlns:a14="http://schemas.microsoft.com/office/drawing/2010/main" w="9525">
+              <a14:hiddenLine xmlns:a14="http://schemas.microsoft.com/office/drawing/2010/main" xmlns="" w="9525">
                 <a:solidFill>
                   <a:srgbClr val="000000"/>
                 </a:solidFill>
@@ -4022,7 +4022,7 @@
               </a14:hiddenLine>
             </a:ext>
             <a:ext uri="{FAA26D3D-D897-4be2-8F04-BA451C77F1D7}">
-              <ma14:placeholderFlag xmlns="" xmlns:ma14="http://schemas.microsoft.com/office/mac/drawingml/2011/main" val="1"/>
+              <ma14:placeholderFlag xmlns:ma14="http://schemas.microsoft.com/office/mac/drawingml/2011/main" xmlns="" val="1"/>
             </a:ext>
           </a:extLst>
         </p:spPr>
@@ -4136,14 +4136,14 @@
           <a:ln/>
           <a:extLst>
             <a:ext uri="{909E8E84-426E-40dd-AFC4-6F175D3DCCD1}">
-              <a14:hiddenFill xmlns="" xmlns:a14="http://schemas.microsoft.com/office/drawing/2010/main">
+              <a14:hiddenFill xmlns:a14="http://schemas.microsoft.com/office/drawing/2010/main" xmlns="">
                 <a:solidFill>
                   <a:srgbClr val="FFFFFF"/>
                 </a:solidFill>
               </a14:hiddenFill>
             </a:ext>
             <a:ext uri="{91240B29-F687-4f45-9708-019B960494DF}">
-              <a14:hiddenLine xmlns="" xmlns:a14="http://schemas.microsoft.com/office/drawing/2010/main" w="9525">
+              <a14:hiddenLine xmlns:a14="http://schemas.microsoft.com/office/drawing/2010/main" xmlns="" w="9525">
                 <a:solidFill>
                   <a:srgbClr val="000000"/>
                 </a:solidFill>
@@ -4153,7 +4153,7 @@
               </a14:hiddenLine>
             </a:ext>
             <a:ext uri="{FAA26D3D-D897-4be2-8F04-BA451C77F1D7}">
-              <ma14:placeholderFlag xmlns="" xmlns:ma14="http://schemas.microsoft.com/office/mac/drawingml/2011/main" val="1"/>
+              <ma14:placeholderFlag xmlns:ma14="http://schemas.microsoft.com/office/mac/drawingml/2011/main" xmlns="" val="1"/>
             </a:ext>
           </a:extLst>
         </p:spPr>
@@ -4183,14 +4183,14 @@
           <a:ln/>
           <a:extLst>
             <a:ext uri="{909E8E84-426E-40dd-AFC4-6F175D3DCCD1}">
-              <a14:hiddenFill xmlns="" xmlns:a14="http://schemas.microsoft.com/office/drawing/2010/main">
+              <a14:hiddenFill xmlns:a14="http://schemas.microsoft.com/office/drawing/2010/main" xmlns="">
                 <a:solidFill>
                   <a:srgbClr val="FFFFFF"/>
                 </a:solidFill>
               </a14:hiddenFill>
             </a:ext>
             <a:ext uri="{91240B29-F687-4f45-9708-019B960494DF}">
-              <a14:hiddenLine xmlns="" xmlns:a14="http://schemas.microsoft.com/office/drawing/2010/main" w="9525">
+              <a14:hiddenLine xmlns:a14="http://schemas.microsoft.com/office/drawing/2010/main" xmlns="" w="9525">
                 <a:solidFill>
                   <a:srgbClr val="000000"/>
                 </a:solidFill>
@@ -4343,14 +4343,14 @@
           <a:ln/>
           <a:extLst>
             <a:ext uri="{909E8E84-426E-40dd-AFC4-6F175D3DCCD1}">
-              <a14:hiddenFill xmlns="" xmlns:a14="http://schemas.microsoft.com/office/drawing/2010/main">
+              <a14:hiddenFill xmlns:a14="http://schemas.microsoft.com/office/drawing/2010/main" xmlns="">
                 <a:solidFill>
                   <a:srgbClr val="FFFFFF"/>
                 </a:solidFill>
               </a14:hiddenFill>
             </a:ext>
             <a:ext uri="{91240B29-F687-4f45-9708-019B960494DF}">
-              <a14:hiddenLine xmlns="" xmlns:a14="http://schemas.microsoft.com/office/drawing/2010/main" w="9525">
+              <a14:hiddenLine xmlns:a14="http://schemas.microsoft.com/office/drawing/2010/main" xmlns="" w="9525">
                 <a:solidFill>
                   <a:srgbClr val="000000"/>
                 </a:solidFill>
@@ -4503,14 +4503,14 @@
           <a:ln/>
           <a:extLst>
             <a:ext uri="{909E8E84-426E-40dd-AFC4-6F175D3DCCD1}">
-              <a14:hiddenFill xmlns="" xmlns:a14="http://schemas.microsoft.com/office/drawing/2010/main">
+              <a14:hiddenFill xmlns:a14="http://schemas.microsoft.com/office/drawing/2010/main" xmlns="">
                 <a:solidFill>
                   <a:srgbClr val="FFFFFF"/>
                 </a:solidFill>
               </a14:hiddenFill>
             </a:ext>
             <a:ext uri="{91240B29-F687-4f45-9708-019B960494DF}">
-              <a14:hiddenLine xmlns="" xmlns:a14="http://schemas.microsoft.com/office/drawing/2010/main" w="9525">
+              <a14:hiddenLine xmlns:a14="http://schemas.microsoft.com/office/drawing/2010/main" xmlns="" w="9525">
                 <a:solidFill>
                   <a:srgbClr val="000000"/>
                 </a:solidFill>
@@ -4739,7 +4739,7 @@
           </a:ln>
           <a:extLst>
             <a:ext uri="{FAA26D3D-D897-4be2-8F04-BA451C77F1D7}">
-              <ma14:placeholderFlag xmlns="" xmlns:ma14="http://schemas.microsoft.com/office/mac/drawingml/2011/main" val="1"/>
+              <ma14:placeholderFlag xmlns:ma14="http://schemas.microsoft.com/office/mac/drawingml/2011/main" xmlns="" val="1"/>
             </a:ext>
           </a:extLst>
         </p:spPr>
@@ -4768,7 +4768,7 @@
           </a:ln>
           <a:extLst>
             <a:ext uri="{FAA26D3D-D897-4be2-8F04-BA451C77F1D7}">
-              <ma14:placeholderFlag xmlns="" xmlns:ma14="http://schemas.microsoft.com/office/mac/drawingml/2011/main" val="1"/>
+              <ma14:placeholderFlag xmlns:ma14="http://schemas.microsoft.com/office/mac/drawingml/2011/main" xmlns="" val="1"/>
             </a:ext>
           </a:extLst>
         </p:spPr>
@@ -4877,7 +4877,7 @@
           </a:ln>
           <a:extLst>
             <a:ext uri="{FAA26D3D-D897-4be2-8F04-BA451C77F1D7}">
-              <ma14:placeholderFlag xmlns="" xmlns:ma14="http://schemas.microsoft.com/office/mac/drawingml/2011/main" val="1"/>
+              <ma14:placeholderFlag xmlns:ma14="http://schemas.microsoft.com/office/mac/drawingml/2011/main" xmlns="" val="1"/>
             </a:ext>
           </a:extLst>
         </p:spPr>
@@ -4906,7 +4906,7 @@
           </a:ln>
           <a:extLst>
             <a:ext uri="{FAA26D3D-D897-4be2-8F04-BA451C77F1D7}">
-              <ma14:placeholderFlag xmlns="" xmlns:ma14="http://schemas.microsoft.com/office/mac/drawingml/2011/main" val="1"/>
+              <ma14:placeholderFlag xmlns:ma14="http://schemas.microsoft.com/office/mac/drawingml/2011/main" xmlns="" val="1"/>
             </a:ext>
           </a:extLst>
         </p:spPr>
@@ -5024,14 +5024,14 @@
           <a:ln/>
           <a:extLst>
             <a:ext uri="{909E8E84-426E-40dd-AFC4-6F175D3DCCD1}">
-              <a14:hiddenFill xmlns="" xmlns:a14="http://schemas.microsoft.com/office/drawing/2010/main">
+              <a14:hiddenFill xmlns:a14="http://schemas.microsoft.com/office/drawing/2010/main" xmlns="">
                 <a:solidFill>
                   <a:srgbClr val="FFFFFF"/>
                 </a:solidFill>
               </a14:hiddenFill>
             </a:ext>
             <a:ext uri="{91240B29-F687-4f45-9708-019B960494DF}">
-              <a14:hiddenLine xmlns="" xmlns:a14="http://schemas.microsoft.com/office/drawing/2010/main" w="9525">
+              <a14:hiddenLine xmlns:a14="http://schemas.microsoft.com/office/drawing/2010/main" xmlns="" w="9525">
                 <a:solidFill>
                   <a:srgbClr val="000000"/>
                 </a:solidFill>
@@ -5041,7 +5041,7 @@
               </a14:hiddenLine>
             </a:ext>
             <a:ext uri="{FAA26D3D-D897-4be2-8F04-BA451C77F1D7}">
-              <ma14:placeholderFlag xmlns="" xmlns:ma14="http://schemas.microsoft.com/office/mac/drawingml/2011/main" val="1"/>
+              <ma14:placeholderFlag xmlns:ma14="http://schemas.microsoft.com/office/mac/drawingml/2011/main" xmlns="" val="1"/>
             </a:ext>
           </a:extLst>
         </p:spPr>
@@ -5071,14 +5071,14 @@
           <a:ln/>
           <a:extLst>
             <a:ext uri="{909E8E84-426E-40dd-AFC4-6F175D3DCCD1}">
-              <a14:hiddenFill xmlns="" xmlns:a14="http://schemas.microsoft.com/office/drawing/2010/main">
+              <a14:hiddenFill xmlns:a14="http://schemas.microsoft.com/office/drawing/2010/main" xmlns="">
                 <a:solidFill>
                   <a:srgbClr val="FFFFFF"/>
                 </a:solidFill>
               </a14:hiddenFill>
             </a:ext>
             <a:ext uri="{91240B29-F687-4f45-9708-019B960494DF}">
-              <a14:hiddenLine xmlns="" xmlns:a14="http://schemas.microsoft.com/office/drawing/2010/main" w="9525">
+              <a14:hiddenLine xmlns:a14="http://schemas.microsoft.com/office/drawing/2010/main" xmlns="" w="9525">
                 <a:solidFill>
                   <a:srgbClr val="000000"/>
                 </a:solidFill>
@@ -5231,14 +5231,14 @@
           <a:ln/>
           <a:extLst>
             <a:ext uri="{909E8E84-426E-40dd-AFC4-6F175D3DCCD1}">
-              <a14:hiddenFill xmlns="" xmlns:a14="http://schemas.microsoft.com/office/drawing/2010/main">
+              <a14:hiddenFill xmlns:a14="http://schemas.microsoft.com/office/drawing/2010/main" xmlns="">
                 <a:solidFill>
                   <a:srgbClr val="FFFFFF"/>
                 </a:solidFill>
               </a14:hiddenFill>
             </a:ext>
             <a:ext uri="{91240B29-F687-4f45-9708-019B960494DF}">
-              <a14:hiddenLine xmlns="" xmlns:a14="http://schemas.microsoft.com/office/drawing/2010/main" w="9525">
+              <a14:hiddenLine xmlns:a14="http://schemas.microsoft.com/office/drawing/2010/main" xmlns="" w="9525">
                 <a:solidFill>
                   <a:srgbClr val="000000"/>
                 </a:solidFill>
@@ -5391,14 +5391,14 @@
           <a:ln/>
           <a:extLst>
             <a:ext uri="{909E8E84-426E-40dd-AFC4-6F175D3DCCD1}">
-              <a14:hiddenFill xmlns="" xmlns:a14="http://schemas.microsoft.com/office/drawing/2010/main">
+              <a14:hiddenFill xmlns:a14="http://schemas.microsoft.com/office/drawing/2010/main" xmlns="">
                 <a:solidFill>
                   <a:srgbClr val="FFFFFF"/>
                 </a:solidFill>
               </a14:hiddenFill>
             </a:ext>
             <a:ext uri="{91240B29-F687-4f45-9708-019B960494DF}">
-              <a14:hiddenLine xmlns="" xmlns:a14="http://schemas.microsoft.com/office/drawing/2010/main" w="9525">
+              <a14:hiddenLine xmlns:a14="http://schemas.microsoft.com/office/drawing/2010/main" xmlns="" w="9525">
                 <a:solidFill>
                   <a:srgbClr val="000000"/>
                 </a:solidFill>
@@ -5651,7 +5651,7 @@
           </a:ln>
           <a:extLst>
             <a:ext uri="{909E8E84-426E-40dd-AFC4-6F175D3DCCD1}">
-              <a14:hiddenFill xmlns="" xmlns:a14="http://schemas.microsoft.com/office/drawing/2010/main">
+              <a14:hiddenFill xmlns:a14="http://schemas.microsoft.com/office/drawing/2010/main" xmlns="">
                 <a:solidFill>
                   <a:srgbClr val="FFFFFF"/>
                 </a:solidFill>
@@ -5853,14 +5853,14 @@
           <a:ln/>
           <a:extLst>
             <a:ext uri="{909E8E84-426E-40dd-AFC4-6F175D3DCCD1}">
-              <a14:hiddenFill xmlns="" xmlns:a14="http://schemas.microsoft.com/office/drawing/2010/main">
+              <a14:hiddenFill xmlns:a14="http://schemas.microsoft.com/office/drawing/2010/main" xmlns="">
                 <a:solidFill>
                   <a:srgbClr val="FFFFFF"/>
                 </a:solidFill>
               </a14:hiddenFill>
             </a:ext>
             <a:ext uri="{91240B29-F687-4f45-9708-019B960494DF}">
-              <a14:hiddenLine xmlns="" xmlns:a14="http://schemas.microsoft.com/office/drawing/2010/main" w="9525">
+              <a14:hiddenLine xmlns:a14="http://schemas.microsoft.com/office/drawing/2010/main" xmlns="" w="9525">
                 <a:solidFill>
                   <a:srgbClr val="000000"/>
                 </a:solidFill>
@@ -6013,14 +6013,14 @@
           <a:ln/>
           <a:extLst>
             <a:ext uri="{909E8E84-426E-40dd-AFC4-6F175D3DCCD1}">
-              <a14:hiddenFill xmlns="" xmlns:a14="http://schemas.microsoft.com/office/drawing/2010/main">
+              <a14:hiddenFill xmlns:a14="http://schemas.microsoft.com/office/drawing/2010/main" xmlns="">
                 <a:solidFill>
                   <a:srgbClr val="FFFFFF"/>
                 </a:solidFill>
               </a14:hiddenFill>
             </a:ext>
             <a:ext uri="{91240B29-F687-4f45-9708-019B960494DF}">
-              <a14:hiddenLine xmlns="" xmlns:a14="http://schemas.microsoft.com/office/drawing/2010/main" w="9525">
+              <a14:hiddenLine xmlns:a14="http://schemas.microsoft.com/office/drawing/2010/main" xmlns="" w="9525">
                 <a:solidFill>
                   <a:srgbClr val="000000"/>
                 </a:solidFill>
@@ -6173,14 +6173,14 @@
           <a:ln/>
           <a:extLst>
             <a:ext uri="{909E8E84-426E-40dd-AFC4-6F175D3DCCD1}">
-              <a14:hiddenFill xmlns="" xmlns:a14="http://schemas.microsoft.com/office/drawing/2010/main">
+              <a14:hiddenFill xmlns:a14="http://schemas.microsoft.com/office/drawing/2010/main" xmlns="">
                 <a:solidFill>
                   <a:srgbClr val="FFFFFF"/>
                 </a:solidFill>
               </a14:hiddenFill>
             </a:ext>
             <a:ext uri="{91240B29-F687-4f45-9708-019B960494DF}">
-              <a14:hiddenLine xmlns="" xmlns:a14="http://schemas.microsoft.com/office/drawing/2010/main" w="9525">
+              <a14:hiddenLine xmlns:a14="http://schemas.microsoft.com/office/drawing/2010/main" xmlns="" w="9525">
                 <a:solidFill>
                   <a:srgbClr val="000000"/>
                 </a:solidFill>
@@ -6427,7 +6427,7 @@
           </a:ln>
           <a:extLst>
             <a:ext uri="{FAA26D3D-D897-4be2-8F04-BA451C77F1D7}">
-              <ma14:placeholderFlag xmlns="" xmlns:ma14="http://schemas.microsoft.com/office/mac/drawingml/2011/main" val="1"/>
+              <ma14:placeholderFlag xmlns:ma14="http://schemas.microsoft.com/office/mac/drawingml/2011/main" xmlns="" val="1"/>
             </a:ext>
           </a:extLst>
         </p:spPr>
@@ -6462,14 +6462,14 @@
           <a:ln/>
           <a:extLst>
             <a:ext uri="{909E8E84-426E-40dd-AFC4-6F175D3DCCD1}">
-              <a14:hiddenFill xmlns="" xmlns:a14="http://schemas.microsoft.com/office/drawing/2010/main">
+              <a14:hiddenFill xmlns:a14="http://schemas.microsoft.com/office/drawing/2010/main" xmlns="">
                 <a:solidFill>
                   <a:srgbClr val="FFFFFF"/>
                 </a:solidFill>
               </a14:hiddenFill>
             </a:ext>
             <a:ext uri="{91240B29-F687-4f45-9708-019B960494DF}">
-              <a14:hiddenLine xmlns="" xmlns:a14="http://schemas.microsoft.com/office/drawing/2010/main" w="9525">
+              <a14:hiddenLine xmlns:a14="http://schemas.microsoft.com/office/drawing/2010/main" xmlns="" w="9525">
                 <a:solidFill>
                   <a:srgbClr val="000000"/>
                 </a:solidFill>
@@ -6622,14 +6622,14 @@
           <a:ln/>
           <a:extLst>
             <a:ext uri="{909E8E84-426E-40dd-AFC4-6F175D3DCCD1}">
-              <a14:hiddenFill xmlns="" xmlns:a14="http://schemas.microsoft.com/office/drawing/2010/main">
+              <a14:hiddenFill xmlns:a14="http://schemas.microsoft.com/office/drawing/2010/main" xmlns="">
                 <a:solidFill>
                   <a:srgbClr val="FFFFFF"/>
                 </a:solidFill>
               </a14:hiddenFill>
             </a:ext>
             <a:ext uri="{91240B29-F687-4f45-9708-019B960494DF}">
-              <a14:hiddenLine xmlns="" xmlns:a14="http://schemas.microsoft.com/office/drawing/2010/main" w="9525">
+              <a14:hiddenLine xmlns:a14="http://schemas.microsoft.com/office/drawing/2010/main" xmlns="" w="9525">
                 <a:solidFill>
                   <a:srgbClr val="000000"/>
                 </a:solidFill>
@@ -6782,14 +6782,14 @@
           <a:ln/>
           <a:extLst>
             <a:ext uri="{909E8E84-426E-40dd-AFC4-6F175D3DCCD1}">
-              <a14:hiddenFill xmlns="" xmlns:a14="http://schemas.microsoft.com/office/drawing/2010/main">
+              <a14:hiddenFill xmlns:a14="http://schemas.microsoft.com/office/drawing/2010/main" xmlns="">
                 <a:solidFill>
                   <a:srgbClr val="FFFFFF"/>
                 </a:solidFill>
               </a14:hiddenFill>
             </a:ext>
             <a:ext uri="{91240B29-F687-4f45-9708-019B960494DF}">
-              <a14:hiddenLine xmlns="" xmlns:a14="http://schemas.microsoft.com/office/drawing/2010/main" w="9525">
+              <a14:hiddenLine xmlns:a14="http://schemas.microsoft.com/office/drawing/2010/main" xmlns="" w="9525">
                 <a:solidFill>
                   <a:srgbClr val="000000"/>
                 </a:solidFill>
@@ -7217,14 +7217,14 @@
           <a:ln/>
           <a:extLst>
             <a:ext uri="{909E8E84-426E-40dd-AFC4-6F175D3DCCD1}">
-              <a14:hiddenFill xmlns="" xmlns:a14="http://schemas.microsoft.com/office/drawing/2010/main">
+              <a14:hiddenFill xmlns:a14="http://schemas.microsoft.com/office/drawing/2010/main" xmlns="">
                 <a:solidFill>
                   <a:srgbClr val="FFFFFF"/>
                 </a:solidFill>
               </a14:hiddenFill>
             </a:ext>
             <a:ext uri="{91240B29-F687-4f45-9708-019B960494DF}">
-              <a14:hiddenLine xmlns="" xmlns:a14="http://schemas.microsoft.com/office/drawing/2010/main" w="9525">
+              <a14:hiddenLine xmlns:a14="http://schemas.microsoft.com/office/drawing/2010/main" xmlns="" w="9525">
                 <a:solidFill>
                   <a:srgbClr val="000000"/>
                 </a:solidFill>
@@ -7515,14 +7515,14 @@
           </a:ln>
           <a:extLst>
             <a:ext uri="{909E8E84-426E-40dd-AFC4-6F175D3DCCD1}">
-              <a14:hiddenFill xmlns="" xmlns:a14="http://schemas.microsoft.com/office/drawing/2010/main">
+              <a14:hiddenFill xmlns:a14="http://schemas.microsoft.com/office/drawing/2010/main" xmlns="">
                 <a:solidFill>
                   <a:srgbClr val="FFFFFF"/>
                 </a:solidFill>
               </a14:hiddenFill>
             </a:ext>
             <a:ext uri="{FAA26D3D-D897-4be2-8F04-BA451C77F1D7}">
-              <ma14:placeholderFlag xmlns="" xmlns:ma14="http://schemas.microsoft.com/office/mac/drawingml/2011/main" val="1"/>
+              <ma14:placeholderFlag xmlns:ma14="http://schemas.microsoft.com/office/mac/drawingml/2011/main" xmlns="" val="1"/>
             </a:ext>
           </a:extLst>
         </p:spPr>
@@ -7541,14 +7541,14 @@
           <a:noFill/>
           <a:extLst>
             <a:ext uri="{909E8E84-426E-40dd-AFC4-6F175D3DCCD1}">
-              <a14:hiddenFill xmlns="" xmlns:a14="http://schemas.microsoft.com/office/drawing/2010/main">
+              <a14:hiddenFill xmlns:a14="http://schemas.microsoft.com/office/drawing/2010/main" xmlns="">
                 <a:solidFill>
                   <a:srgbClr val="FFFFFF"/>
                 </a:solidFill>
               </a14:hiddenFill>
             </a:ext>
             <a:ext uri="{91240B29-F687-4f45-9708-019B960494DF}">
-              <a14:hiddenLine xmlns="" xmlns:a14="http://schemas.microsoft.com/office/drawing/2010/main" w="9525">
+              <a14:hiddenLine xmlns:a14="http://schemas.microsoft.com/office/drawing/2010/main" xmlns="" w="9525">
                 <a:solidFill>
                   <a:srgbClr val="000000"/>
                 </a:solidFill>
@@ -7558,7 +7558,7 @@
               </a14:hiddenLine>
             </a:ext>
             <a:ext uri="{FAA26D3D-D897-4be2-8F04-BA451C77F1D7}">
-              <ma14:placeholderFlag xmlns="" xmlns:ma14="http://schemas.microsoft.com/office/mac/drawingml/2011/main" val="1"/>
+              <ma14:placeholderFlag xmlns:ma14="http://schemas.microsoft.com/office/mac/drawingml/2011/main" xmlns="" val="1"/>
             </a:ext>
           </a:extLst>
         </p:spPr>
@@ -7763,7 +7763,7 @@
           <a:p>
             <a:fld id="{B2F5E2FA-C428-4CE7-95B0-168D3259A5BB}" type="datetimeFigureOut">
               <a:rPr lang="en-US" smtClean="0"/>
-              <a:t>1/25/2022</a:t>
+              <a:t>1/26/2022</a:t>
             </a:fld>
             <a:endParaRPr lang="en-US"/>
           </a:p>
@@ -8014,7 +8014,7 @@
           <a:p>
             <a:fld id="{B2F5E2FA-C428-4CE7-95B0-168D3259A5BB}" type="datetimeFigureOut">
               <a:rPr lang="en-US" smtClean="0"/>
-              <a:t>1/25/2022</a:t>
+              <a:t>1/26/2022</a:t>
             </a:fld>
             <a:endParaRPr lang="en-US"/>
           </a:p>
@@ -8194,7 +8194,7 @@
           <a:p>
             <a:fld id="{B2F5E2FA-C428-4CE7-95B0-168D3259A5BB}" type="datetimeFigureOut">
               <a:rPr lang="en-US" smtClean="0"/>
-              <a:t>1/25/2022</a:t>
+              <a:t>1/26/2022</a:t>
             </a:fld>
             <a:endParaRPr lang="en-US"/>
           </a:p>
@@ -8450,7 +8450,7 @@
           <a:p>
             <a:fld id="{B2F5E2FA-C428-4CE7-95B0-168D3259A5BB}" type="datetimeFigureOut">
               <a:rPr lang="en-US" smtClean="0"/>
-              <a:t>1/25/2022</a:t>
+              <a:t>1/26/2022</a:t>
             </a:fld>
             <a:endParaRPr lang="en-US"/>
           </a:p>
@@ -8795,7 +8795,7 @@
           <a:p>
             <a:fld id="{B2F5E2FA-C428-4CE7-95B0-168D3259A5BB}" type="datetimeFigureOut">
               <a:rPr lang="en-US" smtClean="0"/>
-              <a:t>1/25/2022</a:t>
+              <a:t>1/26/2022</a:t>
             </a:fld>
             <a:endParaRPr lang="en-US"/>
           </a:p>
@@ -9027,7 +9027,7 @@
           <a:p>
             <a:fld id="{B2F5E2FA-C428-4CE7-95B0-168D3259A5BB}" type="datetimeFigureOut">
               <a:rPr lang="en-US" smtClean="0"/>
-              <a:t>1/25/2022</a:t>
+              <a:t>1/26/2022</a:t>
             </a:fld>
             <a:endParaRPr lang="en-US"/>
           </a:p>
@@ -9394,7 +9394,7 @@
           <a:p>
             <a:fld id="{B2F5E2FA-C428-4CE7-95B0-168D3259A5BB}" type="datetimeFigureOut">
               <a:rPr lang="en-US" smtClean="0"/>
-              <a:t>1/25/2022</a:t>
+              <a:t>1/26/2022</a:t>
             </a:fld>
             <a:endParaRPr lang="en-US"/>
           </a:p>
@@ -9489,7 +9489,7 @@
           <a:p>
             <a:fld id="{B2F5E2FA-C428-4CE7-95B0-168D3259A5BB}" type="datetimeFigureOut">
               <a:rPr lang="en-US" smtClean="0"/>
-              <a:t>1/25/2022</a:t>
+              <a:t>1/26/2022</a:t>
             </a:fld>
             <a:endParaRPr lang="en-US"/>
           </a:p>
@@ -9712,7 +9712,7 @@
             <a:fld id="{B2F5E2FA-C428-4CE7-95B0-168D3259A5BB}" type="datetimeFigureOut">
               <a:rPr lang="en-US" smtClean="0"/>
               <a:pPr/>
-              <a:t>1/25/2022</a:t>
+              <a:t>1/26/2022</a:t>
             </a:fld>
             <a:endParaRPr lang="en-US"/>
           </a:p>
@@ -9883,7 +9883,7 @@
           <a:p>
             <a:fld id="{B2F5E2FA-C428-4CE7-95B0-168D3259A5BB}" type="datetimeFigureOut">
               <a:rPr lang="en-US" smtClean="0"/>
-              <a:t>1/25/2022</a:t>
+              <a:t>1/26/2022</a:t>
             </a:fld>
             <a:endParaRPr lang="en-US"/>
           </a:p>
@@ -10160,7 +10160,7 @@
           <a:p>
             <a:fld id="{B2F5E2FA-C428-4CE7-95B0-168D3259A5BB}" type="datetimeFigureOut">
               <a:rPr lang="en-US" smtClean="0"/>
-              <a:t>1/25/2022</a:t>
+              <a:t>1/26/2022</a:t>
             </a:fld>
             <a:endParaRPr lang="en-US"/>
           </a:p>
@@ -10413,7 +10413,7 @@
           <a:p>
             <a:fld id="{B2F5E2FA-C428-4CE7-95B0-168D3259A5BB}" type="datetimeFigureOut">
               <a:rPr lang="en-US" smtClean="0"/>
-              <a:t>1/25/2022</a:t>
+              <a:t>1/26/2022</a:t>
             </a:fld>
             <a:endParaRPr lang="en-US"/>
           </a:p>
@@ -10626,7 +10626,7 @@
           <a:p>
             <a:fld id="{B2F5E2FA-C428-4CE7-95B0-168D3259A5BB}" type="datetimeFigureOut">
               <a:rPr lang="en-US" smtClean="0"/>
-              <a:t>1/25/2022</a:t>
+              <a:t>1/26/2022</a:t>
             </a:fld>
             <a:endParaRPr lang="en-US"/>
           </a:p>
@@ -11833,8 +11833,8 @@
         </p:nvSpPr>
         <p:spPr>
           <a:xfrm>
-            <a:off x="920496" y="1690688"/>
-            <a:ext cx="9933432" cy="4042600"/>
+            <a:off x="672860" y="1630392"/>
+            <a:ext cx="10636370" cy="4102896"/>
           </a:xfrm>
         </p:spPr>
         <p:txBody>
@@ -12325,7 +12325,7 @@
           <a:noFill/>
           <a:extLst>
             <a:ext uri="{909E8E84-426E-40dd-AFC4-6F175D3DCCD1}">
-              <a14:hiddenFill xmlns="" xmlns:a14="http://schemas.microsoft.com/office/drawing/2010/main">
+              <a14:hiddenFill xmlns:a14="http://schemas.microsoft.com/office/drawing/2010/main" xmlns="">
                 <a:solidFill>
                   <a:srgbClr val="FFFFFF"/>
                 </a:solidFill>
@@ -15968,8 +15968,8 @@
         </p:nvSpPr>
         <p:spPr>
           <a:xfrm>
-            <a:off x="838199" y="1690688"/>
-            <a:ext cx="9817359" cy="4084961"/>
+            <a:off x="648418" y="1561292"/>
+            <a:ext cx="10531416" cy="4084961"/>
           </a:xfrm>
         </p:spPr>
         <p:txBody>
@@ -16909,8 +16909,8 @@
         </p:nvSpPr>
         <p:spPr>
           <a:xfrm>
-            <a:off x="838199" y="1690688"/>
-            <a:ext cx="10246567" cy="4448855"/>
+            <a:off x="552091" y="1552756"/>
+            <a:ext cx="10739886" cy="4586788"/>
           </a:xfrm>
         </p:spPr>
         <p:txBody>
@@ -17391,25 +17391,6 @@
       </p:sp>
       <p:sp>
         <p:nvSpPr>
-          <p:cNvPr id="4" name="Text Placeholder 3"/>
-          <p:cNvSpPr>
-            <a:spLocks noGrp="1"/>
-          </p:cNvSpPr>
-          <p:nvPr>
-            <p:ph type="body" idx="1"/>
-          </p:nvPr>
-        </p:nvSpPr>
-        <p:spPr/>
-        <p:txBody>
-          <a:bodyPr/>
-          <a:lstStyle/>
-          <a:p>
-            <a:endParaRPr lang="en-US"/>
-          </a:p>
-        </p:txBody>
-      </p:sp>
-      <p:sp>
-        <p:nvSpPr>
           <p:cNvPr id="5" name="Slide Number Placeholder 4"/>
           <p:cNvSpPr>
             <a:spLocks noGrp="1"/>
@@ -19540,8 +19521,8 @@
         </p:nvSpPr>
         <p:spPr>
           <a:xfrm>
-            <a:off x="838200" y="1586204"/>
-            <a:ext cx="10515600" cy="4770146"/>
+            <a:off x="552091" y="1483743"/>
+            <a:ext cx="10924909" cy="4872607"/>
           </a:xfrm>
         </p:spPr>
         <p:txBody>
@@ -19856,7 +19837,7 @@
           <a:graphicData uri="http://schemas.openxmlformats.org/presentationml/2006/ole">
             <mc:AlternateContent xmlns:mc="http://schemas.openxmlformats.org/markup-compatibility/2006">
               <mc:Choice xmlns:v="urn:schemas-microsoft-com:vml" Requires="v">
-                <p:oleObj spid="_x0000_s1031" name="Visio" r:id="rId4" imgW="3213100" imgH="3924300" progId="Visio.Drawing.6">
+                <p:oleObj spid="_x0000_s1032" name="Visio" r:id="rId4" imgW="3213100" imgH="3924300" progId="Visio.Drawing.6">
                   <p:embed/>
                 </p:oleObj>
               </mc:Choice>
@@ -20426,14 +20407,14 @@
           </a:ln>
           <a:extLst>
             <a:ext uri="{909E8E84-426E-40dd-AFC4-6F175D3DCCD1}">
-              <a14:hiddenFill xmlns="" xmlns:a14="http://schemas.microsoft.com/office/drawing/2010/main">
+              <a14:hiddenFill xmlns:a14="http://schemas.microsoft.com/office/drawing/2010/main" xmlns="">
                 <a:solidFill>
                   <a:srgbClr val="FFFFFF"/>
                 </a:solidFill>
               </a14:hiddenFill>
             </a:ext>
             <a:ext uri="{91240B29-F687-4f45-9708-019B960494DF}">
-              <a14:hiddenLine xmlns="" xmlns:a14="http://schemas.microsoft.com/office/drawing/2010/main" w="9525">
+              <a14:hiddenLine xmlns:a14="http://schemas.microsoft.com/office/drawing/2010/main" xmlns="" w="9525">
                 <a:solidFill>
                   <a:srgbClr val="000000"/>
                 </a:solidFill>
@@ -20590,14 +20571,14 @@
           </a:ln>
           <a:extLst>
             <a:ext uri="{909E8E84-426E-40dd-AFC4-6F175D3DCCD1}">
-              <a14:hiddenFill xmlns="" xmlns:a14="http://schemas.microsoft.com/office/drawing/2010/main">
+              <a14:hiddenFill xmlns:a14="http://schemas.microsoft.com/office/drawing/2010/main" xmlns="">
                 <a:solidFill>
                   <a:srgbClr val="FFFFFF"/>
                 </a:solidFill>
               </a14:hiddenFill>
             </a:ext>
             <a:ext uri="{91240B29-F687-4f45-9708-019B960494DF}">
-              <a14:hiddenLine xmlns="" xmlns:a14="http://schemas.microsoft.com/office/drawing/2010/main" w="9525">
+              <a14:hiddenLine xmlns:a14="http://schemas.microsoft.com/office/drawing/2010/main" xmlns="" w="9525">
                 <a:solidFill>
                   <a:srgbClr val="000000"/>
                 </a:solidFill>
@@ -20754,14 +20735,14 @@
           </a:ln>
           <a:extLst>
             <a:ext uri="{909E8E84-426E-40dd-AFC4-6F175D3DCCD1}">
-              <a14:hiddenFill xmlns="" xmlns:a14="http://schemas.microsoft.com/office/drawing/2010/main">
+              <a14:hiddenFill xmlns:a14="http://schemas.microsoft.com/office/drawing/2010/main" xmlns="">
                 <a:solidFill>
                   <a:srgbClr val="FFFFFF"/>
                 </a:solidFill>
               </a14:hiddenFill>
             </a:ext>
             <a:ext uri="{91240B29-F687-4f45-9708-019B960494DF}">
-              <a14:hiddenLine xmlns="" xmlns:a14="http://schemas.microsoft.com/office/drawing/2010/main" w="9525">
+              <a14:hiddenLine xmlns:a14="http://schemas.microsoft.com/office/drawing/2010/main" xmlns="" w="9525">
                 <a:solidFill>
                   <a:srgbClr val="000000"/>
                 </a:solidFill>
@@ -20930,7 +20911,7 @@
           </a:ln>
           <a:extLst>
             <a:ext uri="{909E8E84-426E-40dd-AFC4-6F175D3DCCD1}">
-              <a14:hiddenFill xmlns="" xmlns:a14="http://schemas.microsoft.com/office/drawing/2010/main">
+              <a14:hiddenFill xmlns:a14="http://schemas.microsoft.com/office/drawing/2010/main" xmlns="">
                 <a:solidFill>
                   <a:srgbClr val="FFFFFF"/>
                 </a:solidFill>
@@ -20991,7 +20972,7 @@
           </a:ln>
           <a:extLst>
             <a:ext uri="{909E8E84-426E-40dd-AFC4-6F175D3DCCD1}">
-              <a14:hiddenFill xmlns="" xmlns:a14="http://schemas.microsoft.com/office/drawing/2010/main">
+              <a14:hiddenFill xmlns:a14="http://schemas.microsoft.com/office/drawing/2010/main" xmlns="">
                 <a:solidFill>
                   <a:srgbClr val="FFFFFF"/>
                 </a:solidFill>
@@ -21052,7 +21033,7 @@
           </a:ln>
           <a:extLst>
             <a:ext uri="{909E8E84-426E-40dd-AFC4-6F175D3DCCD1}">
-              <a14:hiddenFill xmlns="" xmlns:a14="http://schemas.microsoft.com/office/drawing/2010/main">
+              <a14:hiddenFill xmlns:a14="http://schemas.microsoft.com/office/drawing/2010/main" xmlns="">
                 <a:solidFill>
                   <a:srgbClr val="FFFFFF"/>
                 </a:solidFill>
@@ -21159,7 +21140,7 @@
           </a:ln>
           <a:extLst>
             <a:ext uri="{909E8E84-426E-40dd-AFC4-6F175D3DCCD1}">
-              <a14:hiddenFill xmlns="" xmlns:a14="http://schemas.microsoft.com/office/drawing/2010/main">
+              <a14:hiddenFill xmlns:a14="http://schemas.microsoft.com/office/drawing/2010/main" xmlns="">
                 <a:solidFill>
                   <a:srgbClr val="FFFFFF"/>
                 </a:solidFill>
@@ -21208,14 +21189,14 @@
           </a:ln>
           <a:extLst>
             <a:ext uri="{909E8E84-426E-40dd-AFC4-6F175D3DCCD1}">
-              <a14:hiddenFill xmlns="" xmlns:a14="http://schemas.microsoft.com/office/drawing/2010/main">
+              <a14:hiddenFill xmlns:a14="http://schemas.microsoft.com/office/drawing/2010/main" xmlns="">
                 <a:solidFill>
                   <a:srgbClr val="FFFFFF"/>
                 </a:solidFill>
               </a14:hiddenFill>
             </a:ext>
             <a:ext uri="{91240B29-F687-4f45-9708-019B960494DF}">
-              <a14:hiddenLine xmlns="" xmlns:a14="http://schemas.microsoft.com/office/drawing/2010/main" w="9525">
+              <a14:hiddenLine xmlns:a14="http://schemas.microsoft.com/office/drawing/2010/main" xmlns="" w="9525">
                 <a:solidFill>
                   <a:srgbClr val="000000"/>
                 </a:solidFill>
@@ -23724,8 +23705,8 @@
         </p:nvSpPr>
         <p:spPr>
           <a:xfrm>
-            <a:off x="829574" y="1411859"/>
-            <a:ext cx="10515600" cy="5081016"/>
+            <a:off x="648420" y="1309579"/>
+            <a:ext cx="10828580" cy="5081016"/>
           </a:xfrm>
         </p:spPr>
         <p:txBody>
@@ -24079,14 +24060,14 @@
           </a:ln>
           <a:extLst>
             <a:ext uri="{909E8E84-426E-40dd-AFC4-6F175D3DCCD1}">
-              <a14:hiddenFill xmlns="" xmlns:a14="http://schemas.microsoft.com/office/drawing/2010/main">
+              <a14:hiddenFill xmlns:a14="http://schemas.microsoft.com/office/drawing/2010/main" xmlns="">
                 <a:solidFill>
                   <a:srgbClr val="FFFFFF"/>
                 </a:solidFill>
               </a14:hiddenFill>
             </a:ext>
             <a:ext uri="{91240B29-F687-4f45-9708-019B960494DF}">
-              <a14:hiddenLine xmlns="" xmlns:a14="http://schemas.microsoft.com/office/drawing/2010/main" w="12700">
+              <a14:hiddenLine xmlns:a14="http://schemas.microsoft.com/office/drawing/2010/main" xmlns="" w="12700">
                 <a:solidFill>
                   <a:srgbClr val="000000"/>
                 </a:solidFill>
@@ -24900,14 +24881,14 @@
           </a:ln>
           <a:extLst>
             <a:ext uri="{909E8E84-426E-40dd-AFC4-6F175D3DCCD1}">
-              <a14:hiddenFill xmlns="" xmlns:a14="http://schemas.microsoft.com/office/drawing/2010/main">
+              <a14:hiddenFill xmlns:a14="http://schemas.microsoft.com/office/drawing/2010/main" xmlns="">
                 <a:solidFill>
                   <a:srgbClr val="FFFFFF"/>
                 </a:solidFill>
               </a14:hiddenFill>
             </a:ext>
             <a:ext uri="{91240B29-F687-4f45-9708-019B960494DF}">
-              <a14:hiddenLine xmlns="" xmlns:a14="http://schemas.microsoft.com/office/drawing/2010/main" w="9525">
+              <a14:hiddenLine xmlns:a14="http://schemas.microsoft.com/office/drawing/2010/main" xmlns="" w="9525">
                 <a:solidFill>
                   <a:srgbClr val="000000"/>
                 </a:solidFill>
@@ -25102,7 +25083,7 @@
           <a:graphicData uri="http://schemas.openxmlformats.org/presentationml/2006/ole">
             <mc:AlternateContent xmlns:mc="http://schemas.openxmlformats.org/markup-compatibility/2006">
               <mc:Choice xmlns:v="urn:schemas-microsoft-com:vml" Requires="v">
-                <p:oleObj spid="_x0000_s2055" name="Document" r:id="rId3" imgW="5600700" imgH="1473200" progId="Word.Document.12">
+                <p:oleObj spid="_x0000_s2056" name="Document" r:id="rId3" imgW="5600700" imgH="1473200" progId="Word.Document.12">
                   <p:embed/>
                 </p:oleObj>
               </mc:Choice>
@@ -25159,14 +25140,14 @@
           </a:ln>
           <a:extLst>
             <a:ext uri="{909E8E84-426E-40dd-AFC4-6F175D3DCCD1}">
-              <a14:hiddenFill xmlns="" xmlns:a14="http://schemas.microsoft.com/office/drawing/2010/main">
+              <a14:hiddenFill xmlns:a14="http://schemas.microsoft.com/office/drawing/2010/main" xmlns="">
                 <a:solidFill>
                   <a:srgbClr val="FFFFFF"/>
                 </a:solidFill>
               </a14:hiddenFill>
             </a:ext>
             <a:ext uri="{91240B29-F687-4f45-9708-019B960494DF}">
-              <a14:hiddenLine xmlns="" xmlns:a14="http://schemas.microsoft.com/office/drawing/2010/main" w="9525">
+              <a14:hiddenLine xmlns:a14="http://schemas.microsoft.com/office/drawing/2010/main" xmlns="" w="9525">
                 <a:solidFill>
                   <a:srgbClr val="000000"/>
                 </a:solidFill>
@@ -25176,7 +25157,7 @@
               </a14:hiddenLine>
             </a:ext>
             <a:ext uri="{FAA26D3D-D897-4be2-8F04-BA451C77F1D7}">
-              <ma14:placeholderFlag xmlns="" xmlns:ma14="http://schemas.microsoft.com/office/mac/drawingml/2011/main" val="1"/>
+              <ma14:placeholderFlag xmlns:ma14="http://schemas.microsoft.com/office/mac/drawingml/2011/main" xmlns="" val="1"/>
             </a:ext>
           </a:extLst>
         </p:spPr>
@@ -25602,7 +25583,7 @@
           <a:graphicData uri="http://schemas.openxmlformats.org/presentationml/2006/ole">
             <mc:AlternateContent xmlns:mc="http://schemas.openxmlformats.org/markup-compatibility/2006">
               <mc:Choice xmlns:v="urn:schemas-microsoft-com:vml" Requires="v">
-                <p:oleObj spid="_x0000_s3079" name="Document" r:id="rId3" imgW="6134100" imgH="2260600" progId="Word.Document.12">
+                <p:oleObj spid="_x0000_s3080" name="Document" r:id="rId3" imgW="6134100" imgH="2260600" progId="Word.Document.12">
                   <p:embed/>
                 </p:oleObj>
               </mc:Choice>
@@ -26046,7 +26027,7 @@
           <a:noFill/>
           <a:extLst>
             <a:ext uri="{909E8E84-426E-40dd-AFC4-6F175D3DCCD1}">
-              <a14:hiddenFill xmlns="" xmlns:a14="http://schemas.microsoft.com/office/drawing/2010/main">
+              <a14:hiddenFill xmlns:a14="http://schemas.microsoft.com/office/drawing/2010/main" xmlns="">
                 <a:solidFill>
                   <a:srgbClr val="FFFFFF"/>
                 </a:solidFill>
@@ -26086,8 +26067,8 @@
         </p:nvSpPr>
         <p:spPr>
           <a:xfrm>
-            <a:off x="879475" y="1447801"/>
-            <a:ext cx="8229600" cy="2133600"/>
+            <a:off x="638355" y="1397479"/>
+            <a:ext cx="8470720" cy="2183922"/>
           </a:xfrm>
         </p:spPr>
         <p:txBody>
@@ -26191,14 +26172,14 @@
           </a:ln>
           <a:extLst>
             <a:ext uri="{909E8E84-426E-40dd-AFC4-6F175D3DCCD1}">
-              <a14:hiddenFill xmlns="" xmlns:a14="http://schemas.microsoft.com/office/drawing/2010/main">
+              <a14:hiddenFill xmlns:a14="http://schemas.microsoft.com/office/drawing/2010/main" xmlns="">
                 <a:solidFill>
                   <a:srgbClr val="FFFFFF"/>
                 </a:solidFill>
               </a14:hiddenFill>
             </a:ext>
             <a:ext uri="{91240B29-F687-4f45-9708-019B960494DF}">
-              <a14:hiddenLine xmlns="" xmlns:a14="http://schemas.microsoft.com/office/drawing/2010/main" w="9525">
+              <a14:hiddenLine xmlns:a14="http://schemas.microsoft.com/office/drawing/2010/main" xmlns="" w="9525">
                 <a:solidFill>
                   <a:srgbClr val="000000"/>
                 </a:solidFill>
@@ -26254,14 +26235,14 @@
           </a:ln>
           <a:extLst>
             <a:ext uri="{909E8E84-426E-40dd-AFC4-6F175D3DCCD1}">
-              <a14:hiddenFill xmlns="" xmlns:a14="http://schemas.microsoft.com/office/drawing/2010/main">
+              <a14:hiddenFill xmlns:a14="http://schemas.microsoft.com/office/drawing/2010/main" xmlns="">
                 <a:solidFill>
                   <a:srgbClr val="FFFFFF"/>
                 </a:solidFill>
               </a14:hiddenFill>
             </a:ext>
             <a:ext uri="{91240B29-F687-4f45-9708-019B960494DF}">
-              <a14:hiddenLine xmlns="" xmlns:a14="http://schemas.microsoft.com/office/drawing/2010/main" w="9525">
+              <a14:hiddenLine xmlns:a14="http://schemas.microsoft.com/office/drawing/2010/main" xmlns="" w="9525">
                 <a:solidFill>
                   <a:srgbClr val="000000"/>
                 </a:solidFill>
@@ -26283,8 +26264,8 @@
         </p:nvSpPr>
         <p:spPr bwMode="auto">
           <a:xfrm>
-            <a:off x="879475" y="3429001"/>
-            <a:ext cx="3409061" cy="2246769"/>
+            <a:off x="638355" y="3453323"/>
+            <a:ext cx="3795533" cy="1938992"/>
           </a:xfrm>
           <a:prstGeom prst="rect">
             <a:avLst/>
@@ -26295,14 +26276,14 @@
           </a:ln>
           <a:extLst>
             <a:ext uri="{909E8E84-426E-40dd-AFC4-6F175D3DCCD1}">
-              <a14:hiddenFill xmlns="" xmlns:a14="http://schemas.microsoft.com/office/drawing/2010/main">
+              <a14:hiddenFill xmlns:a14="http://schemas.microsoft.com/office/drawing/2010/main" xmlns="">
                 <a:solidFill>
                   <a:srgbClr val="FFFFFF"/>
                 </a:solidFill>
               </a14:hiddenFill>
             </a:ext>
             <a:ext uri="{91240B29-F687-4f45-9708-019B960494DF}">
-              <a14:hiddenLine xmlns="" xmlns:a14="http://schemas.microsoft.com/office/drawing/2010/main" w="9525">
+              <a14:hiddenLine xmlns:a14="http://schemas.microsoft.com/office/drawing/2010/main" xmlns="" w="9525">
                 <a:solidFill>
                   <a:srgbClr val="000000"/>
                 </a:solidFill>
@@ -28233,14 +28214,14 @@
             </a:ln>
             <a:extLst>
               <a:ext uri="{909E8E84-426E-40dd-AFC4-6F175D3DCCD1}">
-                <a14:hiddenFill xmlns="" xmlns:a14="http://schemas.microsoft.com/office/drawing/2010/main">
+                <a14:hiddenFill xmlns:a14="http://schemas.microsoft.com/office/drawing/2010/main" xmlns="">
                   <a:solidFill>
                     <a:srgbClr val="FFFFFF"/>
                   </a:solidFill>
                 </a14:hiddenFill>
               </a:ext>
               <a:ext uri="{91240B29-F687-4f45-9708-019B960494DF}">
-                <a14:hiddenLine xmlns="" xmlns:a14="http://schemas.microsoft.com/office/drawing/2010/main" w="12700">
+                <a14:hiddenLine xmlns:a14="http://schemas.microsoft.com/office/drawing/2010/main" xmlns="" w="12700">
                   <a:solidFill>
                     <a:srgbClr val="000000"/>
                   </a:solidFill>
@@ -28370,7 +28351,7 @@
             </a:ln>
             <a:extLst>
               <a:ext uri="{909E8E84-426E-40dd-AFC4-6F175D3DCCD1}">
-                <a14:hiddenFill xmlns="" xmlns:a14="http://schemas.microsoft.com/office/drawing/2010/main">
+                <a14:hiddenFill xmlns:a14="http://schemas.microsoft.com/office/drawing/2010/main" xmlns="">
                   <a:solidFill>
                     <a:srgbClr val="FFFFFF"/>
                   </a:solidFill>
@@ -28741,14 +28722,14 @@
             </a:ln>
             <a:extLst>
               <a:ext uri="{909E8E84-426E-40dd-AFC4-6F175D3DCCD1}">
-                <a14:hiddenFill xmlns="" xmlns:a14="http://schemas.microsoft.com/office/drawing/2010/main">
+                <a14:hiddenFill xmlns:a14="http://schemas.microsoft.com/office/drawing/2010/main" xmlns="">
                   <a:solidFill>
                     <a:srgbClr val="FFFFFF"/>
                   </a:solidFill>
                 </a14:hiddenFill>
               </a:ext>
               <a:ext uri="{91240B29-F687-4f45-9708-019B960494DF}">
-                <a14:hiddenLine xmlns="" xmlns:a14="http://schemas.microsoft.com/office/drawing/2010/main" w="12700">
+                <a14:hiddenLine xmlns:a14="http://schemas.microsoft.com/office/drawing/2010/main" xmlns="" w="12700">
                   <a:solidFill>
                     <a:srgbClr val="000000"/>
                   </a:solidFill>
@@ -28848,7 +28829,7 @@
           </a:ln>
           <a:extLst>
             <a:ext uri="{909E8E84-426E-40dd-AFC4-6F175D3DCCD1}">
-              <a14:hiddenFill xmlns="" xmlns:a14="http://schemas.microsoft.com/office/drawing/2010/main">
+              <a14:hiddenFill xmlns:a14="http://schemas.microsoft.com/office/drawing/2010/main" xmlns="">
                 <a:solidFill>
                   <a:srgbClr val="FFFFFF"/>
                 </a:solidFill>
@@ -28934,7 +28915,7 @@
           </a:ln>
           <a:extLst>
             <a:ext uri="{909E8E84-426E-40dd-AFC4-6F175D3DCCD1}">
-              <a14:hiddenFill xmlns="" xmlns:a14="http://schemas.microsoft.com/office/drawing/2010/main">
+              <a14:hiddenFill xmlns:a14="http://schemas.microsoft.com/office/drawing/2010/main" xmlns="">
                 <a:solidFill>
                   <a:srgbClr val="FFFFFF"/>
                 </a:solidFill>
@@ -28974,14 +28955,14 @@
           </a:ln>
           <a:extLst>
             <a:ext uri="{909E8E84-426E-40dd-AFC4-6F175D3DCCD1}">
-              <a14:hiddenFill xmlns="" xmlns:a14="http://schemas.microsoft.com/office/drawing/2010/main">
+              <a14:hiddenFill xmlns:a14="http://schemas.microsoft.com/office/drawing/2010/main" xmlns="">
                 <a:solidFill>
                   <a:srgbClr val="FFFFFF"/>
                 </a:solidFill>
               </a14:hiddenFill>
             </a:ext>
             <a:ext uri="{91240B29-F687-4f45-9708-019B960494DF}">
-              <a14:hiddenLine xmlns="" xmlns:a14="http://schemas.microsoft.com/office/drawing/2010/main" w="12700">
+              <a14:hiddenLine xmlns:a14="http://schemas.microsoft.com/office/drawing/2010/main" xmlns="" w="12700">
                 <a:solidFill>
                   <a:srgbClr val="000000"/>
                 </a:solidFill>
@@ -29034,14 +29015,14 @@
           </a:ln>
           <a:extLst>
             <a:ext uri="{909E8E84-426E-40dd-AFC4-6F175D3DCCD1}">
-              <a14:hiddenFill xmlns="" xmlns:a14="http://schemas.microsoft.com/office/drawing/2010/main">
+              <a14:hiddenFill xmlns:a14="http://schemas.microsoft.com/office/drawing/2010/main" xmlns="">
                 <a:solidFill>
                   <a:srgbClr val="FFFFFF"/>
                 </a:solidFill>
               </a14:hiddenFill>
             </a:ext>
             <a:ext uri="{91240B29-F687-4f45-9708-019B960494DF}">
-              <a14:hiddenLine xmlns="" xmlns:a14="http://schemas.microsoft.com/office/drawing/2010/main" w="12700">
+              <a14:hiddenLine xmlns:a14="http://schemas.microsoft.com/office/drawing/2010/main" xmlns="" w="12700">
                 <a:solidFill>
                   <a:srgbClr val="000000"/>
                 </a:solidFill>
@@ -29094,14 +29075,14 @@
           </a:ln>
           <a:extLst>
             <a:ext uri="{909E8E84-426E-40dd-AFC4-6F175D3DCCD1}">
-              <a14:hiddenFill xmlns="" xmlns:a14="http://schemas.microsoft.com/office/drawing/2010/main">
+              <a14:hiddenFill xmlns:a14="http://schemas.microsoft.com/office/drawing/2010/main" xmlns="">
                 <a:solidFill>
                   <a:srgbClr val="FFFFFF"/>
                 </a:solidFill>
               </a14:hiddenFill>
             </a:ext>
             <a:ext uri="{91240B29-F687-4f45-9708-019B960494DF}">
-              <a14:hiddenLine xmlns="" xmlns:a14="http://schemas.microsoft.com/office/drawing/2010/main" w="12700">
+              <a14:hiddenLine xmlns:a14="http://schemas.microsoft.com/office/drawing/2010/main" xmlns="" w="12700">
                 <a:solidFill>
                   <a:srgbClr val="000000"/>
                 </a:solidFill>
@@ -29196,14 +29177,14 @@
           </a:ln>
           <a:extLst>
             <a:ext uri="{909E8E84-426E-40dd-AFC4-6F175D3DCCD1}">
-              <a14:hiddenFill xmlns="" xmlns:a14="http://schemas.microsoft.com/office/drawing/2010/main">
+              <a14:hiddenFill xmlns:a14="http://schemas.microsoft.com/office/drawing/2010/main" xmlns="">
                 <a:solidFill>
                   <a:srgbClr val="FFFFFF"/>
                 </a:solidFill>
               </a14:hiddenFill>
             </a:ext>
             <a:ext uri="{91240B29-F687-4f45-9708-019B960494DF}">
-              <a14:hiddenLine xmlns="" xmlns:a14="http://schemas.microsoft.com/office/drawing/2010/main" w="12700">
+              <a14:hiddenLine xmlns:a14="http://schemas.microsoft.com/office/drawing/2010/main" xmlns="" w="12700">
                 <a:solidFill>
                   <a:srgbClr val="000000"/>
                 </a:solidFill>
@@ -31325,25 +31306,6 @@
           </a:p>
         </p:txBody>
       </p:sp>
-      <p:sp>
-        <p:nvSpPr>
-          <p:cNvPr id="3" name="Content Placeholder 2"/>
-          <p:cNvSpPr>
-            <a:spLocks noGrp="1"/>
-          </p:cNvSpPr>
-          <p:nvPr>
-            <p:ph idx="1"/>
-          </p:nvPr>
-        </p:nvSpPr>
-        <p:spPr/>
-        <p:txBody>
-          <a:bodyPr/>
-          <a:lstStyle/>
-          <a:p>
-            <a:endParaRPr lang="en-US"/>
-          </a:p>
-        </p:txBody>
-      </p:sp>
       <p:pic>
         <p:nvPicPr>
           <p:cNvPr id="5122" name="Picture 2" descr="outcome-of-projects"/>
@@ -31376,7 +31338,7 @@
           <a:noFill/>
           <a:extLst>
             <a:ext uri="{909E8E84-426E-40dd-AFC4-6F175D3DCCD1}">
-              <a14:hiddenFill xmlns="" xmlns:a14="http://schemas.microsoft.com/office/drawing/2010/main">
+              <a14:hiddenFill xmlns:a14="http://schemas.microsoft.com/office/drawing/2010/main" xmlns="">
                 <a:solidFill>
                   <a:srgbClr val="FFFFFF"/>
                 </a:solidFill>

--- a/SE401/Lectures/2-Software Quality/Software Quality.pptx
+++ b/SE401/Lectures/2-Software Quality/Software Quality.pptx
@@ -5,7 +5,7 @@
     <p:sldMasterId id="2147483648" r:id="rId1"/>
   </p:sldMasterIdLst>
   <p:notesMasterIdLst>
-    <p:notesMasterId r:id="rId86"/>
+    <p:notesMasterId r:id="rId84"/>
   </p:notesMasterIdLst>
   <p:sldIdLst>
     <p:sldId id="256" r:id="rId2"/>
@@ -89,9 +89,7 @@
     <p:sldId id="329" r:id="rId80"/>
     <p:sldId id="330" r:id="rId81"/>
     <p:sldId id="331" r:id="rId82"/>
-    <p:sldId id="332" r:id="rId83"/>
-    <p:sldId id="333" r:id="rId84"/>
-    <p:sldId id="334" r:id="rId85"/>
+    <p:sldId id="334" r:id="rId83"/>
   </p:sldIdLst>
   <p:sldSz cx="12192000" cy="6858000"/>
   <p:notesSz cx="6858000" cy="9144000"/>
@@ -280,7 +278,7 @@
           <a:p>
             <a:fld id="{896CE679-8766-4D2C-81C4-EAA942CBD6B0}" type="datetimeFigureOut">
               <a:rPr lang="en-US" smtClean="0"/>
-              <a:t>1/26/2022</a:t>
+              <a:t>1/30/2022</a:t>
             </a:fld>
             <a:endParaRPr lang="en-US"/>
           </a:p>
@@ -598,14 +596,14 @@
           <a:ln/>
           <a:extLst>
             <a:ext uri="{909E8E84-426E-40dd-AFC4-6F175D3DCCD1}">
-              <a14:hiddenFill xmlns:a14="http://schemas.microsoft.com/office/drawing/2010/main" xmlns="">
+              <a14:hiddenFill xmlns="" xmlns:a14="http://schemas.microsoft.com/office/drawing/2010/main">
                 <a:solidFill>
                   <a:srgbClr val="FFFFFF"/>
                 </a:solidFill>
               </a14:hiddenFill>
             </a:ext>
             <a:ext uri="{91240B29-F687-4f45-9708-019B960494DF}">
-              <a14:hiddenLine xmlns:a14="http://schemas.microsoft.com/office/drawing/2010/main" xmlns="" w="9525">
+              <a14:hiddenLine xmlns="" xmlns:a14="http://schemas.microsoft.com/office/drawing/2010/main" w="9525">
                 <a:solidFill>
                   <a:srgbClr val="000000"/>
                 </a:solidFill>
@@ -615,7 +613,7 @@
               </a14:hiddenLine>
             </a:ext>
             <a:ext uri="{FAA26D3D-D897-4be2-8F04-BA451C77F1D7}">
-              <ma14:placeholderFlag xmlns:ma14="http://schemas.microsoft.com/office/mac/drawingml/2011/main" xmlns="" val="1"/>
+              <ma14:placeholderFlag xmlns="" xmlns:ma14="http://schemas.microsoft.com/office/mac/drawingml/2011/main" val="1"/>
             </a:ext>
           </a:extLst>
         </p:spPr>
@@ -645,14 +643,14 @@
           <a:ln/>
           <a:extLst>
             <a:ext uri="{909E8E84-426E-40dd-AFC4-6F175D3DCCD1}">
-              <a14:hiddenFill xmlns:a14="http://schemas.microsoft.com/office/drawing/2010/main" xmlns="">
+              <a14:hiddenFill xmlns="" xmlns:a14="http://schemas.microsoft.com/office/drawing/2010/main">
                 <a:solidFill>
                   <a:srgbClr val="FFFFFF"/>
                 </a:solidFill>
               </a14:hiddenFill>
             </a:ext>
             <a:ext uri="{91240B29-F687-4f45-9708-019B960494DF}">
-              <a14:hiddenLine xmlns:a14="http://schemas.microsoft.com/office/drawing/2010/main" xmlns="" w="9525">
+              <a14:hiddenLine xmlns="" xmlns:a14="http://schemas.microsoft.com/office/drawing/2010/main" w="9525">
                 <a:solidFill>
                   <a:srgbClr val="000000"/>
                 </a:solidFill>
@@ -805,14 +803,14 @@
           <a:ln/>
           <a:extLst>
             <a:ext uri="{909E8E84-426E-40dd-AFC4-6F175D3DCCD1}">
-              <a14:hiddenFill xmlns:a14="http://schemas.microsoft.com/office/drawing/2010/main" xmlns="">
+              <a14:hiddenFill xmlns="" xmlns:a14="http://schemas.microsoft.com/office/drawing/2010/main">
                 <a:solidFill>
                   <a:srgbClr val="FFFFFF"/>
                 </a:solidFill>
               </a14:hiddenFill>
             </a:ext>
             <a:ext uri="{91240B29-F687-4f45-9708-019B960494DF}">
-              <a14:hiddenLine xmlns:a14="http://schemas.microsoft.com/office/drawing/2010/main" xmlns="" w="9525">
+              <a14:hiddenLine xmlns="" xmlns:a14="http://schemas.microsoft.com/office/drawing/2010/main" w="9525">
                 <a:solidFill>
                   <a:srgbClr val="000000"/>
                 </a:solidFill>
@@ -965,14 +963,14 @@
           <a:ln/>
           <a:extLst>
             <a:ext uri="{909E8E84-426E-40dd-AFC4-6F175D3DCCD1}">
-              <a14:hiddenFill xmlns:a14="http://schemas.microsoft.com/office/drawing/2010/main" xmlns="">
+              <a14:hiddenFill xmlns="" xmlns:a14="http://schemas.microsoft.com/office/drawing/2010/main">
                 <a:solidFill>
                   <a:srgbClr val="FFFFFF"/>
                 </a:solidFill>
               </a14:hiddenFill>
             </a:ext>
             <a:ext uri="{91240B29-F687-4f45-9708-019B960494DF}">
-              <a14:hiddenLine xmlns:a14="http://schemas.microsoft.com/office/drawing/2010/main" xmlns="" w="9525">
+              <a14:hiddenLine xmlns="" xmlns:a14="http://schemas.microsoft.com/office/drawing/2010/main" w="9525">
                 <a:solidFill>
                   <a:srgbClr val="000000"/>
                 </a:solidFill>
@@ -1199,14 +1197,14 @@
           </a:ln>
           <a:extLst>
             <a:ext uri="{909E8E84-426E-40dd-AFC4-6F175D3DCCD1}">
-              <a14:hiddenFill xmlns:a14="http://schemas.microsoft.com/office/drawing/2010/main" xmlns="">
+              <a14:hiddenFill xmlns="" xmlns:a14="http://schemas.microsoft.com/office/drawing/2010/main">
                 <a:solidFill>
                   <a:srgbClr val="FFFFFF"/>
                 </a:solidFill>
               </a14:hiddenFill>
             </a:ext>
             <a:ext uri="{FAA26D3D-D897-4be2-8F04-BA451C77F1D7}">
-              <ma14:placeholderFlag xmlns:ma14="http://schemas.microsoft.com/office/mac/drawingml/2011/main" xmlns="" val="1"/>
+              <ma14:placeholderFlag xmlns="" xmlns:ma14="http://schemas.microsoft.com/office/mac/drawingml/2011/main" val="1"/>
             </a:ext>
           </a:extLst>
         </p:spPr>
@@ -1225,14 +1223,14 @@
           <a:noFill/>
           <a:extLst>
             <a:ext uri="{909E8E84-426E-40dd-AFC4-6F175D3DCCD1}">
-              <a14:hiddenFill xmlns:a14="http://schemas.microsoft.com/office/drawing/2010/main" xmlns="">
+              <a14:hiddenFill xmlns="" xmlns:a14="http://schemas.microsoft.com/office/drawing/2010/main">
                 <a:solidFill>
                   <a:srgbClr val="FFFFFF"/>
                 </a:solidFill>
               </a14:hiddenFill>
             </a:ext>
             <a:ext uri="{91240B29-F687-4f45-9708-019B960494DF}">
-              <a14:hiddenLine xmlns:a14="http://schemas.microsoft.com/office/drawing/2010/main" xmlns="" w="9525">
+              <a14:hiddenLine xmlns="" xmlns:a14="http://schemas.microsoft.com/office/drawing/2010/main" w="9525">
                 <a:solidFill>
                   <a:srgbClr val="000000"/>
                 </a:solidFill>
@@ -1242,7 +1240,7 @@
               </a14:hiddenLine>
             </a:ext>
             <a:ext uri="{FAA26D3D-D897-4be2-8F04-BA451C77F1D7}">
-              <ma14:placeholderFlag xmlns:ma14="http://schemas.microsoft.com/office/mac/drawingml/2011/main" xmlns="" val="1"/>
+              <ma14:placeholderFlag xmlns="" xmlns:ma14="http://schemas.microsoft.com/office/mac/drawingml/2011/main" val="1"/>
             </a:ext>
           </a:extLst>
         </p:spPr>
@@ -1342,14 +1340,14 @@
           <a:ln/>
           <a:extLst>
             <a:ext uri="{909E8E84-426E-40dd-AFC4-6F175D3DCCD1}">
-              <a14:hiddenFill xmlns:a14="http://schemas.microsoft.com/office/drawing/2010/main" xmlns="">
+              <a14:hiddenFill xmlns="" xmlns:a14="http://schemas.microsoft.com/office/drawing/2010/main">
                 <a:solidFill>
                   <a:srgbClr val="FFFFFF"/>
                 </a:solidFill>
               </a14:hiddenFill>
             </a:ext>
             <a:ext uri="{91240B29-F687-4f45-9708-019B960494DF}">
-              <a14:hiddenLine xmlns:a14="http://schemas.microsoft.com/office/drawing/2010/main" xmlns="" w="9525">
+              <a14:hiddenLine xmlns="" xmlns:a14="http://schemas.microsoft.com/office/drawing/2010/main" w="9525">
                 <a:solidFill>
                   <a:srgbClr val="000000"/>
                 </a:solidFill>
@@ -1359,7 +1357,7 @@
               </a14:hiddenLine>
             </a:ext>
             <a:ext uri="{FAA26D3D-D897-4be2-8F04-BA451C77F1D7}">
-              <ma14:placeholderFlag xmlns:ma14="http://schemas.microsoft.com/office/mac/drawingml/2011/main" xmlns="" val="1"/>
+              <ma14:placeholderFlag xmlns="" xmlns:ma14="http://schemas.microsoft.com/office/mac/drawingml/2011/main" val="1"/>
             </a:ext>
           </a:extLst>
         </p:spPr>
@@ -1404,14 +1402,14 @@
           <a:ln/>
           <a:extLst>
             <a:ext uri="{909E8E84-426E-40dd-AFC4-6F175D3DCCD1}">
-              <a14:hiddenFill xmlns:a14="http://schemas.microsoft.com/office/drawing/2010/main" xmlns="">
+              <a14:hiddenFill xmlns="" xmlns:a14="http://schemas.microsoft.com/office/drawing/2010/main">
                 <a:solidFill>
                   <a:srgbClr val="FFFFFF"/>
                 </a:solidFill>
               </a14:hiddenFill>
             </a:ext>
             <a:ext uri="{91240B29-F687-4f45-9708-019B960494DF}">
-              <a14:hiddenLine xmlns:a14="http://schemas.microsoft.com/office/drawing/2010/main" xmlns="" w="9525">
+              <a14:hiddenLine xmlns="" xmlns:a14="http://schemas.microsoft.com/office/drawing/2010/main" w="9525">
                 <a:solidFill>
                   <a:srgbClr val="000000"/>
                 </a:solidFill>
@@ -1556,14 +1554,14 @@
           <a:ln/>
           <a:extLst>
             <a:ext uri="{909E8E84-426E-40dd-AFC4-6F175D3DCCD1}">
-              <a14:hiddenFill xmlns:a14="http://schemas.microsoft.com/office/drawing/2010/main" xmlns="">
+              <a14:hiddenFill xmlns="" xmlns:a14="http://schemas.microsoft.com/office/drawing/2010/main">
                 <a:solidFill>
                   <a:srgbClr val="FFFFFF"/>
                 </a:solidFill>
               </a14:hiddenFill>
             </a:ext>
             <a:ext uri="{91240B29-F687-4f45-9708-019B960494DF}">
-              <a14:hiddenLine xmlns:a14="http://schemas.microsoft.com/office/drawing/2010/main" xmlns="" w="9525">
+              <a14:hiddenLine xmlns="" xmlns:a14="http://schemas.microsoft.com/office/drawing/2010/main" w="9525">
                 <a:solidFill>
                   <a:srgbClr val="000000"/>
                 </a:solidFill>
@@ -1707,14 +1705,14 @@
           <a:ln/>
           <a:extLst>
             <a:ext uri="{909E8E84-426E-40dd-AFC4-6F175D3DCCD1}">
-              <a14:hiddenFill xmlns:a14="http://schemas.microsoft.com/office/drawing/2010/main" xmlns="">
+              <a14:hiddenFill xmlns="" xmlns:a14="http://schemas.microsoft.com/office/drawing/2010/main">
                 <a:solidFill>
                   <a:srgbClr val="FFFFFF"/>
                 </a:solidFill>
               </a14:hiddenFill>
             </a:ext>
             <a:ext uri="{91240B29-F687-4f45-9708-019B960494DF}">
-              <a14:hiddenLine xmlns:a14="http://schemas.microsoft.com/office/drawing/2010/main" xmlns="" w="9525">
+              <a14:hiddenLine xmlns="" xmlns:a14="http://schemas.microsoft.com/office/drawing/2010/main" w="9525">
                 <a:solidFill>
                   <a:srgbClr val="000000"/>
                 </a:solidFill>
@@ -1926,14 +1924,14 @@
           <a:ln/>
           <a:extLst>
             <a:ext uri="{909E8E84-426E-40dd-AFC4-6F175D3DCCD1}">
-              <a14:hiddenFill xmlns:a14="http://schemas.microsoft.com/office/drawing/2010/main" xmlns="">
+              <a14:hiddenFill xmlns="" xmlns:a14="http://schemas.microsoft.com/office/drawing/2010/main">
                 <a:solidFill>
                   <a:srgbClr val="FFFFFF"/>
                 </a:solidFill>
               </a14:hiddenFill>
             </a:ext>
             <a:ext uri="{91240B29-F687-4f45-9708-019B960494DF}">
-              <a14:hiddenLine xmlns:a14="http://schemas.microsoft.com/office/drawing/2010/main" xmlns="" w="9525">
+              <a14:hiddenLine xmlns="" xmlns:a14="http://schemas.microsoft.com/office/drawing/2010/main" w="9525">
                 <a:solidFill>
                   <a:srgbClr val="000000"/>
                 </a:solidFill>
@@ -1943,7 +1941,7 @@
               </a14:hiddenLine>
             </a:ext>
             <a:ext uri="{FAA26D3D-D897-4be2-8F04-BA451C77F1D7}">
-              <ma14:placeholderFlag xmlns:ma14="http://schemas.microsoft.com/office/mac/drawingml/2011/main" xmlns="" val="1"/>
+              <ma14:placeholderFlag xmlns="" xmlns:ma14="http://schemas.microsoft.com/office/mac/drawingml/2011/main" val="1"/>
             </a:ext>
           </a:extLst>
         </p:spPr>
@@ -1992,14 +1990,14 @@
           <a:ln/>
           <a:extLst>
             <a:ext uri="{909E8E84-426E-40dd-AFC4-6F175D3DCCD1}">
-              <a14:hiddenFill xmlns:a14="http://schemas.microsoft.com/office/drawing/2010/main" xmlns="">
+              <a14:hiddenFill xmlns="" xmlns:a14="http://schemas.microsoft.com/office/drawing/2010/main">
                 <a:solidFill>
                   <a:srgbClr val="FFFFFF"/>
                 </a:solidFill>
               </a14:hiddenFill>
             </a:ext>
             <a:ext uri="{91240B29-F687-4f45-9708-019B960494DF}">
-              <a14:hiddenLine xmlns:a14="http://schemas.microsoft.com/office/drawing/2010/main" xmlns="" w="9525">
+              <a14:hiddenLine xmlns="" xmlns:a14="http://schemas.microsoft.com/office/drawing/2010/main" w="9525">
                 <a:solidFill>
                   <a:srgbClr val="000000"/>
                 </a:solidFill>
@@ -2144,14 +2142,14 @@
           <a:ln/>
           <a:extLst>
             <a:ext uri="{909E8E84-426E-40dd-AFC4-6F175D3DCCD1}">
-              <a14:hiddenFill xmlns:a14="http://schemas.microsoft.com/office/drawing/2010/main" xmlns="">
+              <a14:hiddenFill xmlns="" xmlns:a14="http://schemas.microsoft.com/office/drawing/2010/main">
                 <a:solidFill>
                   <a:srgbClr val="FFFFFF"/>
                 </a:solidFill>
               </a14:hiddenFill>
             </a:ext>
             <a:ext uri="{91240B29-F687-4f45-9708-019B960494DF}">
-              <a14:hiddenLine xmlns:a14="http://schemas.microsoft.com/office/drawing/2010/main" xmlns="" w="9525">
+              <a14:hiddenLine xmlns="" xmlns:a14="http://schemas.microsoft.com/office/drawing/2010/main" w="9525">
                 <a:solidFill>
                   <a:srgbClr val="000000"/>
                 </a:solidFill>
@@ -2295,14 +2293,14 @@
           <a:ln/>
           <a:extLst>
             <a:ext uri="{909E8E84-426E-40dd-AFC4-6F175D3DCCD1}">
-              <a14:hiddenFill xmlns:a14="http://schemas.microsoft.com/office/drawing/2010/main" xmlns="">
+              <a14:hiddenFill xmlns="" xmlns:a14="http://schemas.microsoft.com/office/drawing/2010/main">
                 <a:solidFill>
                   <a:srgbClr val="FFFFFF"/>
                 </a:solidFill>
               </a14:hiddenFill>
             </a:ext>
             <a:ext uri="{91240B29-F687-4f45-9708-019B960494DF}">
-              <a14:hiddenLine xmlns:a14="http://schemas.microsoft.com/office/drawing/2010/main" xmlns="" w="9525">
+              <a14:hiddenLine xmlns="" xmlns:a14="http://schemas.microsoft.com/office/drawing/2010/main" w="9525">
                 <a:solidFill>
                   <a:srgbClr val="000000"/>
                 </a:solidFill>
@@ -2532,14 +2530,14 @@
           <a:ln/>
           <a:extLst>
             <a:ext uri="{909E8E84-426E-40dd-AFC4-6F175D3DCCD1}">
-              <a14:hiddenFill xmlns:a14="http://schemas.microsoft.com/office/drawing/2010/main" xmlns="">
+              <a14:hiddenFill xmlns="" xmlns:a14="http://schemas.microsoft.com/office/drawing/2010/main">
                 <a:solidFill>
                   <a:srgbClr val="FFFFFF"/>
                 </a:solidFill>
               </a14:hiddenFill>
             </a:ext>
             <a:ext uri="{91240B29-F687-4f45-9708-019B960494DF}">
-              <a14:hiddenLine xmlns:a14="http://schemas.microsoft.com/office/drawing/2010/main" xmlns="" w="9525">
+              <a14:hiddenLine xmlns="" xmlns:a14="http://schemas.microsoft.com/office/drawing/2010/main" w="9525">
                 <a:solidFill>
                   <a:srgbClr val="000000"/>
                 </a:solidFill>
@@ -2582,14 +2580,14 @@
           <a:ln/>
           <a:extLst>
             <a:ext uri="{909E8E84-426E-40dd-AFC4-6F175D3DCCD1}">
-              <a14:hiddenFill xmlns:a14="http://schemas.microsoft.com/office/drawing/2010/main" xmlns="">
+              <a14:hiddenFill xmlns="" xmlns:a14="http://schemas.microsoft.com/office/drawing/2010/main">
                 <a:solidFill>
                   <a:srgbClr val="FFFFFF"/>
                 </a:solidFill>
               </a14:hiddenFill>
             </a:ext>
             <a:ext uri="{91240B29-F687-4f45-9708-019B960494DF}">
-              <a14:hiddenLine xmlns:a14="http://schemas.microsoft.com/office/drawing/2010/main" xmlns="" w="9525">
+              <a14:hiddenLine xmlns="" xmlns:a14="http://schemas.microsoft.com/office/drawing/2010/main" w="9525">
                 <a:solidFill>
                   <a:srgbClr val="000000"/>
                 </a:solidFill>
@@ -2734,14 +2732,14 @@
           <a:ln/>
           <a:extLst>
             <a:ext uri="{909E8E84-426E-40dd-AFC4-6F175D3DCCD1}">
-              <a14:hiddenFill xmlns:a14="http://schemas.microsoft.com/office/drawing/2010/main" xmlns="">
+              <a14:hiddenFill xmlns="" xmlns:a14="http://schemas.microsoft.com/office/drawing/2010/main">
                 <a:solidFill>
                   <a:srgbClr val="FFFFFF"/>
                 </a:solidFill>
               </a14:hiddenFill>
             </a:ext>
             <a:ext uri="{91240B29-F687-4f45-9708-019B960494DF}">
-              <a14:hiddenLine xmlns:a14="http://schemas.microsoft.com/office/drawing/2010/main" xmlns="" w="9525">
+              <a14:hiddenLine xmlns="" xmlns:a14="http://schemas.microsoft.com/office/drawing/2010/main" w="9525">
                 <a:solidFill>
                   <a:srgbClr val="000000"/>
                 </a:solidFill>
@@ -2886,14 +2884,14 @@
           <a:ln/>
           <a:extLst>
             <a:ext uri="{909E8E84-426E-40dd-AFC4-6F175D3DCCD1}">
-              <a14:hiddenFill xmlns:a14="http://schemas.microsoft.com/office/drawing/2010/main" xmlns="">
+              <a14:hiddenFill xmlns="" xmlns:a14="http://schemas.microsoft.com/office/drawing/2010/main">
                 <a:solidFill>
                   <a:srgbClr val="FFFFFF"/>
                 </a:solidFill>
               </a14:hiddenFill>
             </a:ext>
             <a:ext uri="{91240B29-F687-4f45-9708-019B960494DF}">
-              <a14:hiddenLine xmlns:a14="http://schemas.microsoft.com/office/drawing/2010/main" xmlns="" w="9525">
+              <a14:hiddenLine xmlns="" xmlns:a14="http://schemas.microsoft.com/office/drawing/2010/main" w="9525">
                 <a:solidFill>
                   <a:srgbClr val="000000"/>
                 </a:solidFill>
@@ -3112,14 +3110,14 @@
           </a:ln>
           <a:extLst>
             <a:ext uri="{909E8E84-426E-40dd-AFC4-6F175D3DCCD1}">
-              <a14:hiddenFill xmlns:a14="http://schemas.microsoft.com/office/drawing/2010/main" xmlns="">
+              <a14:hiddenFill xmlns="" xmlns:a14="http://schemas.microsoft.com/office/drawing/2010/main">
                 <a:solidFill>
                   <a:srgbClr val="FFFFFF"/>
                 </a:solidFill>
               </a14:hiddenFill>
             </a:ext>
             <a:ext uri="{FAA26D3D-D897-4be2-8F04-BA451C77F1D7}">
-              <ma14:placeholderFlag xmlns:ma14="http://schemas.microsoft.com/office/mac/drawingml/2011/main" xmlns="" val="1"/>
+              <ma14:placeholderFlag xmlns="" xmlns:ma14="http://schemas.microsoft.com/office/mac/drawingml/2011/main" val="1"/>
             </a:ext>
           </a:extLst>
         </p:spPr>
@@ -3138,14 +3136,14 @@
           <a:noFill/>
           <a:extLst>
             <a:ext uri="{909E8E84-426E-40dd-AFC4-6F175D3DCCD1}">
-              <a14:hiddenFill xmlns:a14="http://schemas.microsoft.com/office/drawing/2010/main" xmlns="">
+              <a14:hiddenFill xmlns="" xmlns:a14="http://schemas.microsoft.com/office/drawing/2010/main">
                 <a:solidFill>
                   <a:srgbClr val="FFFFFF"/>
                 </a:solidFill>
               </a14:hiddenFill>
             </a:ext>
             <a:ext uri="{91240B29-F687-4f45-9708-019B960494DF}">
-              <a14:hiddenLine xmlns:a14="http://schemas.microsoft.com/office/drawing/2010/main" xmlns="" w="9525">
+              <a14:hiddenLine xmlns="" xmlns:a14="http://schemas.microsoft.com/office/drawing/2010/main" w="9525">
                 <a:solidFill>
                   <a:srgbClr val="000000"/>
                 </a:solidFill>
@@ -3155,7 +3153,7 @@
               </a14:hiddenLine>
             </a:ext>
             <a:ext uri="{FAA26D3D-D897-4be2-8F04-BA451C77F1D7}">
-              <ma14:placeholderFlag xmlns:ma14="http://schemas.microsoft.com/office/mac/drawingml/2011/main" xmlns="" val="1"/>
+              <ma14:placeholderFlag xmlns="" xmlns:ma14="http://schemas.microsoft.com/office/mac/drawingml/2011/main" val="1"/>
             </a:ext>
           </a:extLst>
         </p:spPr>
@@ -3262,14 +3260,14 @@
           </a:ln>
           <a:extLst>
             <a:ext uri="{909E8E84-426E-40dd-AFC4-6F175D3DCCD1}">
-              <a14:hiddenFill xmlns:a14="http://schemas.microsoft.com/office/drawing/2010/main" xmlns="">
+              <a14:hiddenFill xmlns="" xmlns:a14="http://schemas.microsoft.com/office/drawing/2010/main">
                 <a:solidFill>
                   <a:srgbClr val="FFFFFF"/>
                 </a:solidFill>
               </a14:hiddenFill>
             </a:ext>
             <a:ext uri="{91240B29-F687-4f45-9708-019B960494DF}">
-              <a14:hiddenLine xmlns:a14="http://schemas.microsoft.com/office/drawing/2010/main" xmlns="" w="9525">
+              <a14:hiddenLine xmlns="" xmlns:a14="http://schemas.microsoft.com/office/drawing/2010/main" w="9525">
                 <a:solidFill>
                   <a:srgbClr val="000000"/>
                 </a:solidFill>
@@ -3431,14 +3429,14 @@
           </a:ln>
           <a:extLst>
             <a:ext uri="{909E8E84-426E-40dd-AFC4-6F175D3DCCD1}">
-              <a14:hiddenFill xmlns:a14="http://schemas.microsoft.com/office/drawing/2010/main" xmlns="">
+              <a14:hiddenFill xmlns="" xmlns:a14="http://schemas.microsoft.com/office/drawing/2010/main">
                 <a:solidFill>
                   <a:srgbClr val="FFFFFF"/>
                 </a:solidFill>
               </a14:hiddenFill>
             </a:ext>
             <a:ext uri="{FAA26D3D-D897-4be2-8F04-BA451C77F1D7}">
-              <ma14:placeholderFlag xmlns:ma14="http://schemas.microsoft.com/office/mac/drawingml/2011/main" xmlns="" val="1"/>
+              <ma14:placeholderFlag xmlns="" xmlns:ma14="http://schemas.microsoft.com/office/mac/drawingml/2011/main" val="1"/>
             </a:ext>
           </a:extLst>
         </p:spPr>
@@ -3487,14 +3485,14 @@
           </a:ln>
           <a:extLst>
             <a:ext uri="{909E8E84-426E-40dd-AFC4-6F175D3DCCD1}">
-              <a14:hiddenFill xmlns:a14="http://schemas.microsoft.com/office/drawing/2010/main" xmlns="">
+              <a14:hiddenFill xmlns="" xmlns:a14="http://schemas.microsoft.com/office/drawing/2010/main">
                 <a:solidFill>
                   <a:srgbClr val="FFFFFF"/>
                 </a:solidFill>
               </a14:hiddenFill>
             </a:ext>
             <a:ext uri="{FAA26D3D-D897-4be2-8F04-BA451C77F1D7}">
-              <ma14:placeholderFlag xmlns:ma14="http://schemas.microsoft.com/office/mac/drawingml/2011/main" xmlns="" val="1"/>
+              <ma14:placeholderFlag xmlns="" xmlns:ma14="http://schemas.microsoft.com/office/mac/drawingml/2011/main" val="1"/>
             </a:ext>
           </a:extLst>
         </p:spPr>
@@ -3676,14 +3674,14 @@
           </a:ln>
           <a:extLst>
             <a:ext uri="{909E8E84-426E-40dd-AFC4-6F175D3DCCD1}">
-              <a14:hiddenFill xmlns:a14="http://schemas.microsoft.com/office/drawing/2010/main" xmlns="">
+              <a14:hiddenFill xmlns="" xmlns:a14="http://schemas.microsoft.com/office/drawing/2010/main">
                 <a:solidFill>
                   <a:srgbClr val="FFFFFF"/>
                 </a:solidFill>
               </a14:hiddenFill>
             </a:ext>
             <a:ext uri="{FAA26D3D-D897-4be2-8F04-BA451C77F1D7}">
-              <ma14:placeholderFlag xmlns:ma14="http://schemas.microsoft.com/office/mac/drawingml/2011/main" xmlns="" val="1"/>
+              <ma14:placeholderFlag xmlns="" xmlns:ma14="http://schemas.microsoft.com/office/mac/drawingml/2011/main" val="1"/>
             </a:ext>
           </a:extLst>
         </p:spPr>
@@ -3714,14 +3712,14 @@
           </a:ln>
           <a:extLst>
             <a:ext uri="{909E8E84-426E-40dd-AFC4-6F175D3DCCD1}">
-              <a14:hiddenFill xmlns:a14="http://schemas.microsoft.com/office/drawing/2010/main" xmlns="">
+              <a14:hiddenFill xmlns="" xmlns:a14="http://schemas.microsoft.com/office/drawing/2010/main">
                 <a:solidFill>
                   <a:srgbClr val="FFFFFF"/>
                 </a:solidFill>
               </a14:hiddenFill>
             </a:ext>
             <a:ext uri="{FAA26D3D-D897-4be2-8F04-BA451C77F1D7}">
-              <ma14:placeholderFlag xmlns:ma14="http://schemas.microsoft.com/office/mac/drawingml/2011/main" xmlns="" val="1"/>
+              <ma14:placeholderFlag xmlns="" xmlns:ma14="http://schemas.microsoft.com/office/mac/drawingml/2011/main" val="1"/>
             </a:ext>
           </a:extLst>
         </p:spPr>
@@ -3829,14 +3827,14 @@
           </a:ln>
           <a:extLst>
             <a:ext uri="{909E8E84-426E-40dd-AFC4-6F175D3DCCD1}">
-              <a14:hiddenFill xmlns:a14="http://schemas.microsoft.com/office/drawing/2010/main" xmlns="">
+              <a14:hiddenFill xmlns="" xmlns:a14="http://schemas.microsoft.com/office/drawing/2010/main">
                 <a:solidFill>
                   <a:srgbClr val="FFFFFF"/>
                 </a:solidFill>
               </a14:hiddenFill>
             </a:ext>
             <a:ext uri="{FAA26D3D-D897-4be2-8F04-BA451C77F1D7}">
-              <ma14:placeholderFlag xmlns:ma14="http://schemas.microsoft.com/office/mac/drawingml/2011/main" xmlns="" val="1"/>
+              <ma14:placeholderFlag xmlns="" xmlns:ma14="http://schemas.microsoft.com/office/mac/drawingml/2011/main" val="1"/>
             </a:ext>
           </a:extLst>
         </p:spPr>
@@ -3855,14 +3853,14 @@
           <a:noFill/>
           <a:extLst>
             <a:ext uri="{909E8E84-426E-40dd-AFC4-6F175D3DCCD1}">
-              <a14:hiddenFill xmlns:a14="http://schemas.microsoft.com/office/drawing/2010/main" xmlns="">
+              <a14:hiddenFill xmlns="" xmlns:a14="http://schemas.microsoft.com/office/drawing/2010/main">
                 <a:solidFill>
                   <a:srgbClr val="FFFFFF"/>
                 </a:solidFill>
               </a14:hiddenFill>
             </a:ext>
             <a:ext uri="{91240B29-F687-4f45-9708-019B960494DF}">
-              <a14:hiddenLine xmlns:a14="http://schemas.microsoft.com/office/drawing/2010/main" xmlns="" w="9525">
+              <a14:hiddenLine xmlns="" xmlns:a14="http://schemas.microsoft.com/office/drawing/2010/main" w="9525">
                 <a:solidFill>
                   <a:srgbClr val="000000"/>
                 </a:solidFill>
@@ -3872,7 +3870,7 @@
               </a14:hiddenLine>
             </a:ext>
             <a:ext uri="{FAA26D3D-D897-4be2-8F04-BA451C77F1D7}">
-              <ma14:placeholderFlag xmlns:ma14="http://schemas.microsoft.com/office/mac/drawingml/2011/main" xmlns="" val="1"/>
+              <ma14:placeholderFlag xmlns="" xmlns:ma14="http://schemas.microsoft.com/office/mac/drawingml/2011/main" val="1"/>
             </a:ext>
           </a:extLst>
         </p:spPr>
@@ -3979,14 +3977,14 @@
           </a:ln>
           <a:extLst>
             <a:ext uri="{909E8E84-426E-40dd-AFC4-6F175D3DCCD1}">
-              <a14:hiddenFill xmlns:a14="http://schemas.microsoft.com/office/drawing/2010/main" xmlns="">
+              <a14:hiddenFill xmlns="" xmlns:a14="http://schemas.microsoft.com/office/drawing/2010/main">
                 <a:solidFill>
                   <a:srgbClr val="FFFFFF"/>
                 </a:solidFill>
               </a14:hiddenFill>
             </a:ext>
             <a:ext uri="{FAA26D3D-D897-4be2-8F04-BA451C77F1D7}">
-              <ma14:placeholderFlag xmlns:ma14="http://schemas.microsoft.com/office/mac/drawingml/2011/main" xmlns="" val="1"/>
+              <ma14:placeholderFlag xmlns="" xmlns:ma14="http://schemas.microsoft.com/office/mac/drawingml/2011/main" val="1"/>
             </a:ext>
           </a:extLst>
         </p:spPr>
@@ -4005,14 +4003,14 @@
           <a:noFill/>
           <a:extLst>
             <a:ext uri="{909E8E84-426E-40dd-AFC4-6F175D3DCCD1}">
-              <a14:hiddenFill xmlns:a14="http://schemas.microsoft.com/office/drawing/2010/main" xmlns="">
+              <a14:hiddenFill xmlns="" xmlns:a14="http://schemas.microsoft.com/office/drawing/2010/main">
                 <a:solidFill>
                   <a:srgbClr val="FFFFFF"/>
                 </a:solidFill>
               </a14:hiddenFill>
             </a:ext>
             <a:ext uri="{91240B29-F687-4f45-9708-019B960494DF}">
-              <a14:hiddenLine xmlns:a14="http://schemas.microsoft.com/office/drawing/2010/main" xmlns="" w="9525">
+              <a14:hiddenLine xmlns="" xmlns:a14="http://schemas.microsoft.com/office/drawing/2010/main" w="9525">
                 <a:solidFill>
                   <a:srgbClr val="000000"/>
                 </a:solidFill>
@@ -4022,7 +4020,7 @@
               </a14:hiddenLine>
             </a:ext>
             <a:ext uri="{FAA26D3D-D897-4be2-8F04-BA451C77F1D7}">
-              <ma14:placeholderFlag xmlns:ma14="http://schemas.microsoft.com/office/mac/drawingml/2011/main" xmlns="" val="1"/>
+              <ma14:placeholderFlag xmlns="" xmlns:ma14="http://schemas.microsoft.com/office/mac/drawingml/2011/main" val="1"/>
             </a:ext>
           </a:extLst>
         </p:spPr>
@@ -4136,14 +4134,14 @@
           <a:ln/>
           <a:extLst>
             <a:ext uri="{909E8E84-426E-40dd-AFC4-6F175D3DCCD1}">
-              <a14:hiddenFill xmlns:a14="http://schemas.microsoft.com/office/drawing/2010/main" xmlns="">
+              <a14:hiddenFill xmlns="" xmlns:a14="http://schemas.microsoft.com/office/drawing/2010/main">
                 <a:solidFill>
                   <a:srgbClr val="FFFFFF"/>
                 </a:solidFill>
               </a14:hiddenFill>
             </a:ext>
             <a:ext uri="{91240B29-F687-4f45-9708-019B960494DF}">
-              <a14:hiddenLine xmlns:a14="http://schemas.microsoft.com/office/drawing/2010/main" xmlns="" w="9525">
+              <a14:hiddenLine xmlns="" xmlns:a14="http://schemas.microsoft.com/office/drawing/2010/main" w="9525">
                 <a:solidFill>
                   <a:srgbClr val="000000"/>
                 </a:solidFill>
@@ -4153,7 +4151,7 @@
               </a14:hiddenLine>
             </a:ext>
             <a:ext uri="{FAA26D3D-D897-4be2-8F04-BA451C77F1D7}">
-              <ma14:placeholderFlag xmlns:ma14="http://schemas.microsoft.com/office/mac/drawingml/2011/main" xmlns="" val="1"/>
+              <ma14:placeholderFlag xmlns="" xmlns:ma14="http://schemas.microsoft.com/office/mac/drawingml/2011/main" val="1"/>
             </a:ext>
           </a:extLst>
         </p:spPr>
@@ -4183,14 +4181,14 @@
           <a:ln/>
           <a:extLst>
             <a:ext uri="{909E8E84-426E-40dd-AFC4-6F175D3DCCD1}">
-              <a14:hiddenFill xmlns:a14="http://schemas.microsoft.com/office/drawing/2010/main" xmlns="">
+              <a14:hiddenFill xmlns="" xmlns:a14="http://schemas.microsoft.com/office/drawing/2010/main">
                 <a:solidFill>
                   <a:srgbClr val="FFFFFF"/>
                 </a:solidFill>
               </a14:hiddenFill>
             </a:ext>
             <a:ext uri="{91240B29-F687-4f45-9708-019B960494DF}">
-              <a14:hiddenLine xmlns:a14="http://schemas.microsoft.com/office/drawing/2010/main" xmlns="" w="9525">
+              <a14:hiddenLine xmlns="" xmlns:a14="http://schemas.microsoft.com/office/drawing/2010/main" w="9525">
                 <a:solidFill>
                   <a:srgbClr val="000000"/>
                 </a:solidFill>
@@ -4343,14 +4341,14 @@
           <a:ln/>
           <a:extLst>
             <a:ext uri="{909E8E84-426E-40dd-AFC4-6F175D3DCCD1}">
-              <a14:hiddenFill xmlns:a14="http://schemas.microsoft.com/office/drawing/2010/main" xmlns="">
+              <a14:hiddenFill xmlns="" xmlns:a14="http://schemas.microsoft.com/office/drawing/2010/main">
                 <a:solidFill>
                   <a:srgbClr val="FFFFFF"/>
                 </a:solidFill>
               </a14:hiddenFill>
             </a:ext>
             <a:ext uri="{91240B29-F687-4f45-9708-019B960494DF}">
-              <a14:hiddenLine xmlns:a14="http://schemas.microsoft.com/office/drawing/2010/main" xmlns="" w="9525">
+              <a14:hiddenLine xmlns="" xmlns:a14="http://schemas.microsoft.com/office/drawing/2010/main" w="9525">
                 <a:solidFill>
                   <a:srgbClr val="000000"/>
                 </a:solidFill>
@@ -4503,14 +4501,14 @@
           <a:ln/>
           <a:extLst>
             <a:ext uri="{909E8E84-426E-40dd-AFC4-6F175D3DCCD1}">
-              <a14:hiddenFill xmlns:a14="http://schemas.microsoft.com/office/drawing/2010/main" xmlns="">
+              <a14:hiddenFill xmlns="" xmlns:a14="http://schemas.microsoft.com/office/drawing/2010/main">
                 <a:solidFill>
                   <a:srgbClr val="FFFFFF"/>
                 </a:solidFill>
               </a14:hiddenFill>
             </a:ext>
             <a:ext uri="{91240B29-F687-4f45-9708-019B960494DF}">
-              <a14:hiddenLine xmlns:a14="http://schemas.microsoft.com/office/drawing/2010/main" xmlns="" w="9525">
+              <a14:hiddenLine xmlns="" xmlns:a14="http://schemas.microsoft.com/office/drawing/2010/main" w="9525">
                 <a:solidFill>
                   <a:srgbClr val="000000"/>
                 </a:solidFill>
@@ -4689,282 +4687,6 @@
     <p:extLst>
       <p:ext uri="{BB962C8B-B14F-4D97-AF65-F5344CB8AC3E}">
         <p14:creationId xmlns:p14="http://schemas.microsoft.com/office/powerpoint/2010/main" val="1864697722"/>
-      </p:ext>
-    </p:extLst>
-  </p:cSld>
-  <p:clrMapOvr>
-    <a:masterClrMapping/>
-  </p:clrMapOvr>
-</p:notes>
-</file>
-
-<file path=ppt/notesSlides/notesSlide20.xml><?xml version="1.0" encoding="utf-8"?>
-<p:notes xmlns:a="http://schemas.openxmlformats.org/drawingml/2006/main" xmlns:r="http://schemas.openxmlformats.org/officeDocument/2006/relationships" xmlns:p="http://schemas.openxmlformats.org/presentationml/2006/main">
-  <p:cSld>
-    <p:spTree>
-      <p:nvGrpSpPr>
-        <p:cNvPr id="1" name=""/>
-        <p:cNvGrpSpPr/>
-        <p:nvPr/>
-      </p:nvGrpSpPr>
-      <p:grpSpPr>
-        <a:xfrm>
-          <a:off x="0" y="0"/>
-          <a:ext cx="0" cy="0"/>
-          <a:chOff x="0" y="0"/>
-          <a:chExt cx="0" cy="0"/>
-        </a:xfrm>
-      </p:grpSpPr>
-      <p:sp>
-        <p:nvSpPr>
-          <p:cNvPr id="87041" name="Rectangle 2"/>
-          <p:cNvSpPr>
-            <a:spLocks noGrp="1" noRot="1" noChangeAspect="1" noChangeArrowheads="1"/>
-          </p:cNvSpPr>
-          <p:nvPr>
-            <p:ph type="sldImg"/>
-          </p:nvPr>
-        </p:nvSpPr>
-        <p:spPr bwMode="auto">
-          <a:solidFill>
-            <a:srgbClr val="FFFFFF"/>
-          </a:solidFill>
-          <a:ln>
-            <a:solidFill>
-              <a:srgbClr val="000000"/>
-            </a:solidFill>
-            <a:miter lim="800000"/>
-            <a:headEnd/>
-            <a:tailEnd/>
-          </a:ln>
-          <a:extLst>
-            <a:ext uri="{FAA26D3D-D897-4be2-8F04-BA451C77F1D7}">
-              <ma14:placeholderFlag xmlns:ma14="http://schemas.microsoft.com/office/mac/drawingml/2011/main" xmlns="" val="1"/>
-            </a:ext>
-          </a:extLst>
-        </p:spPr>
-      </p:sp>
-      <p:sp>
-        <p:nvSpPr>
-          <p:cNvPr id="87042" name="Rectangle 3"/>
-          <p:cNvSpPr>
-            <a:spLocks noGrp="1" noChangeArrowheads="1"/>
-          </p:cNvSpPr>
-          <p:nvPr>
-            <p:ph type="body" idx="1"/>
-          </p:nvPr>
-        </p:nvSpPr>
-        <p:spPr bwMode="auto">
-          <a:solidFill>
-            <a:srgbClr val="FFFFFF"/>
-          </a:solidFill>
-          <a:ln>
-            <a:solidFill>
-              <a:srgbClr val="000000"/>
-            </a:solidFill>
-            <a:miter lim="800000"/>
-            <a:headEnd/>
-            <a:tailEnd/>
-          </a:ln>
-          <a:extLst>
-            <a:ext uri="{FAA26D3D-D897-4be2-8F04-BA451C77F1D7}">
-              <ma14:placeholderFlag xmlns:ma14="http://schemas.microsoft.com/office/mac/drawingml/2011/main" xmlns="" val="1"/>
-            </a:ext>
-          </a:extLst>
-        </p:spPr>
-        <p:txBody>
-          <a:bodyPr wrap="square" numCol="1" anchor="t" anchorCtr="0" compatLnSpc="1">
-            <a:prstTxWarp prst="textNoShape">
-              <a:avLst/>
-            </a:prstTxWarp>
-          </a:bodyPr>
-          <a:lstStyle/>
-          <a:p>
-            <a:endParaRPr lang="en-US" dirty="0">
-              <a:latin typeface="Calibri" charset="0"/>
-            </a:endParaRPr>
-          </a:p>
-        </p:txBody>
-      </p:sp>
-      <p:sp>
-        <p:nvSpPr>
-          <p:cNvPr id="3" name="Slide Number Placeholder 2"/>
-          <p:cNvSpPr>
-            <a:spLocks noGrp="1"/>
-          </p:cNvSpPr>
-          <p:nvPr>
-            <p:ph type="sldNum" sz="quarter" idx="10"/>
-          </p:nvPr>
-        </p:nvSpPr>
-        <p:spPr/>
-        <p:txBody>
-          <a:bodyPr/>
-          <a:lstStyle/>
-          <a:p>
-            <a:pPr>
-              <a:defRPr/>
-            </a:pPr>
-            <a:fld id="{8BDBD1F7-51C1-E94D-B9B2-8F7012A744C6}" type="slidenum">
-              <a:rPr lang="en-US" smtClean="0"/>
-              <a:pPr>
-                <a:defRPr/>
-              </a:pPr>
-              <a:t>82</a:t>
-            </a:fld>
-            <a:r>
-              <a:rPr lang="en-US" smtClean="0"/>
-              <a:t> of 84</a:t>
-            </a:r>
-            <a:endParaRPr lang="en-US" dirty="0">
-              <a:solidFill>
-                <a:schemeClr val="tx2"/>
-              </a:solidFill>
-            </a:endParaRPr>
-          </a:p>
-        </p:txBody>
-      </p:sp>
-    </p:spTree>
-    <p:extLst>
-      <p:ext uri="{BB962C8B-B14F-4D97-AF65-F5344CB8AC3E}">
-        <p14:creationId xmlns:p14="http://schemas.microsoft.com/office/powerpoint/2010/main" val="1682202369"/>
-      </p:ext>
-    </p:extLst>
-  </p:cSld>
-  <p:clrMapOvr>
-    <a:masterClrMapping/>
-  </p:clrMapOvr>
-</p:notes>
-</file>
-
-<file path=ppt/notesSlides/notesSlide21.xml><?xml version="1.0" encoding="utf-8"?>
-<p:notes xmlns:a="http://schemas.openxmlformats.org/drawingml/2006/main" xmlns:r="http://schemas.openxmlformats.org/officeDocument/2006/relationships" xmlns:p="http://schemas.openxmlformats.org/presentationml/2006/main">
-  <p:cSld>
-    <p:spTree>
-      <p:nvGrpSpPr>
-        <p:cNvPr id="1" name=""/>
-        <p:cNvGrpSpPr/>
-        <p:nvPr/>
-      </p:nvGrpSpPr>
-      <p:grpSpPr>
-        <a:xfrm>
-          <a:off x="0" y="0"/>
-          <a:ext cx="0" cy="0"/>
-          <a:chOff x="0" y="0"/>
-          <a:chExt cx="0" cy="0"/>
-        </a:xfrm>
-      </p:grpSpPr>
-      <p:sp>
-        <p:nvSpPr>
-          <p:cNvPr id="87041" name="Rectangle 2"/>
-          <p:cNvSpPr>
-            <a:spLocks noGrp="1" noRot="1" noChangeAspect="1" noChangeArrowheads="1"/>
-          </p:cNvSpPr>
-          <p:nvPr>
-            <p:ph type="sldImg"/>
-          </p:nvPr>
-        </p:nvSpPr>
-        <p:spPr bwMode="auto">
-          <a:solidFill>
-            <a:srgbClr val="FFFFFF"/>
-          </a:solidFill>
-          <a:ln>
-            <a:solidFill>
-              <a:srgbClr val="000000"/>
-            </a:solidFill>
-            <a:miter lim="800000"/>
-            <a:headEnd/>
-            <a:tailEnd/>
-          </a:ln>
-          <a:extLst>
-            <a:ext uri="{FAA26D3D-D897-4be2-8F04-BA451C77F1D7}">
-              <ma14:placeholderFlag xmlns:ma14="http://schemas.microsoft.com/office/mac/drawingml/2011/main" xmlns="" val="1"/>
-            </a:ext>
-          </a:extLst>
-        </p:spPr>
-      </p:sp>
-      <p:sp>
-        <p:nvSpPr>
-          <p:cNvPr id="87042" name="Rectangle 3"/>
-          <p:cNvSpPr>
-            <a:spLocks noGrp="1" noChangeArrowheads="1"/>
-          </p:cNvSpPr>
-          <p:nvPr>
-            <p:ph type="body" idx="1"/>
-          </p:nvPr>
-        </p:nvSpPr>
-        <p:spPr bwMode="auto">
-          <a:solidFill>
-            <a:srgbClr val="FFFFFF"/>
-          </a:solidFill>
-          <a:ln>
-            <a:solidFill>
-              <a:srgbClr val="000000"/>
-            </a:solidFill>
-            <a:miter lim="800000"/>
-            <a:headEnd/>
-            <a:tailEnd/>
-          </a:ln>
-          <a:extLst>
-            <a:ext uri="{FAA26D3D-D897-4be2-8F04-BA451C77F1D7}">
-              <ma14:placeholderFlag xmlns:ma14="http://schemas.microsoft.com/office/mac/drawingml/2011/main" xmlns="" val="1"/>
-            </a:ext>
-          </a:extLst>
-        </p:spPr>
-        <p:txBody>
-          <a:bodyPr wrap="square" numCol="1" anchor="t" anchorCtr="0" compatLnSpc="1">
-            <a:prstTxWarp prst="textNoShape">
-              <a:avLst/>
-            </a:prstTxWarp>
-          </a:bodyPr>
-          <a:lstStyle/>
-          <a:p>
-            <a:endParaRPr lang="en-US" dirty="0">
-              <a:latin typeface="Calibri" charset="0"/>
-            </a:endParaRPr>
-          </a:p>
-        </p:txBody>
-      </p:sp>
-      <p:sp>
-        <p:nvSpPr>
-          <p:cNvPr id="3" name="Slide Number Placeholder 2"/>
-          <p:cNvSpPr>
-            <a:spLocks noGrp="1"/>
-          </p:cNvSpPr>
-          <p:nvPr>
-            <p:ph type="sldNum" sz="quarter" idx="10"/>
-          </p:nvPr>
-        </p:nvSpPr>
-        <p:spPr/>
-        <p:txBody>
-          <a:bodyPr/>
-          <a:lstStyle/>
-          <a:p>
-            <a:pPr>
-              <a:defRPr/>
-            </a:pPr>
-            <a:fld id="{8BDBD1F7-51C1-E94D-B9B2-8F7012A744C6}" type="slidenum">
-              <a:rPr lang="en-US" smtClean="0"/>
-              <a:pPr>
-                <a:defRPr/>
-              </a:pPr>
-              <a:t>83</a:t>
-            </a:fld>
-            <a:r>
-              <a:rPr lang="en-US" smtClean="0"/>
-              <a:t> of 84</a:t>
-            </a:r>
-            <a:endParaRPr lang="en-US" dirty="0">
-              <a:solidFill>
-                <a:schemeClr val="tx2"/>
-              </a:solidFill>
-            </a:endParaRPr>
-          </a:p>
-        </p:txBody>
-      </p:sp>
-    </p:spTree>
-    <p:extLst>
-      <p:ext uri="{BB962C8B-B14F-4D97-AF65-F5344CB8AC3E}">
-        <p14:creationId xmlns:p14="http://schemas.microsoft.com/office/powerpoint/2010/main" val="1376041880"/>
       </p:ext>
     </p:extLst>
   </p:cSld>
@@ -5024,14 +4746,14 @@
           <a:ln/>
           <a:extLst>
             <a:ext uri="{909E8E84-426E-40dd-AFC4-6F175D3DCCD1}">
-              <a14:hiddenFill xmlns:a14="http://schemas.microsoft.com/office/drawing/2010/main" xmlns="">
+              <a14:hiddenFill xmlns="" xmlns:a14="http://schemas.microsoft.com/office/drawing/2010/main">
                 <a:solidFill>
                   <a:srgbClr val="FFFFFF"/>
                 </a:solidFill>
               </a14:hiddenFill>
             </a:ext>
             <a:ext uri="{91240B29-F687-4f45-9708-019B960494DF}">
-              <a14:hiddenLine xmlns:a14="http://schemas.microsoft.com/office/drawing/2010/main" xmlns="" w="9525">
+              <a14:hiddenLine xmlns="" xmlns:a14="http://schemas.microsoft.com/office/drawing/2010/main" w="9525">
                 <a:solidFill>
                   <a:srgbClr val="000000"/>
                 </a:solidFill>
@@ -5041,7 +4763,7 @@
               </a14:hiddenLine>
             </a:ext>
             <a:ext uri="{FAA26D3D-D897-4be2-8F04-BA451C77F1D7}">
-              <ma14:placeholderFlag xmlns:ma14="http://schemas.microsoft.com/office/mac/drawingml/2011/main" xmlns="" val="1"/>
+              <ma14:placeholderFlag xmlns="" xmlns:ma14="http://schemas.microsoft.com/office/mac/drawingml/2011/main" val="1"/>
             </a:ext>
           </a:extLst>
         </p:spPr>
@@ -5071,14 +4793,14 @@
           <a:ln/>
           <a:extLst>
             <a:ext uri="{909E8E84-426E-40dd-AFC4-6F175D3DCCD1}">
-              <a14:hiddenFill xmlns:a14="http://schemas.microsoft.com/office/drawing/2010/main" xmlns="">
+              <a14:hiddenFill xmlns="" xmlns:a14="http://schemas.microsoft.com/office/drawing/2010/main">
                 <a:solidFill>
                   <a:srgbClr val="FFFFFF"/>
                 </a:solidFill>
               </a14:hiddenFill>
             </a:ext>
             <a:ext uri="{91240B29-F687-4f45-9708-019B960494DF}">
-              <a14:hiddenLine xmlns:a14="http://schemas.microsoft.com/office/drawing/2010/main" xmlns="" w="9525">
+              <a14:hiddenLine xmlns="" xmlns:a14="http://schemas.microsoft.com/office/drawing/2010/main" w="9525">
                 <a:solidFill>
                   <a:srgbClr val="000000"/>
                 </a:solidFill>
@@ -5231,14 +4953,14 @@
           <a:ln/>
           <a:extLst>
             <a:ext uri="{909E8E84-426E-40dd-AFC4-6F175D3DCCD1}">
-              <a14:hiddenFill xmlns:a14="http://schemas.microsoft.com/office/drawing/2010/main" xmlns="">
+              <a14:hiddenFill xmlns="" xmlns:a14="http://schemas.microsoft.com/office/drawing/2010/main">
                 <a:solidFill>
                   <a:srgbClr val="FFFFFF"/>
                 </a:solidFill>
               </a14:hiddenFill>
             </a:ext>
             <a:ext uri="{91240B29-F687-4f45-9708-019B960494DF}">
-              <a14:hiddenLine xmlns:a14="http://schemas.microsoft.com/office/drawing/2010/main" xmlns="" w="9525">
+              <a14:hiddenLine xmlns="" xmlns:a14="http://schemas.microsoft.com/office/drawing/2010/main" w="9525">
                 <a:solidFill>
                   <a:srgbClr val="000000"/>
                 </a:solidFill>
@@ -5391,14 +5113,14 @@
           <a:ln/>
           <a:extLst>
             <a:ext uri="{909E8E84-426E-40dd-AFC4-6F175D3DCCD1}">
-              <a14:hiddenFill xmlns:a14="http://schemas.microsoft.com/office/drawing/2010/main" xmlns="">
+              <a14:hiddenFill xmlns="" xmlns:a14="http://schemas.microsoft.com/office/drawing/2010/main">
                 <a:solidFill>
                   <a:srgbClr val="FFFFFF"/>
                 </a:solidFill>
               </a14:hiddenFill>
             </a:ext>
             <a:ext uri="{91240B29-F687-4f45-9708-019B960494DF}">
-              <a14:hiddenLine xmlns:a14="http://schemas.microsoft.com/office/drawing/2010/main" xmlns="" w="9525">
+              <a14:hiddenLine xmlns="" xmlns:a14="http://schemas.microsoft.com/office/drawing/2010/main" w="9525">
                 <a:solidFill>
                   <a:srgbClr val="000000"/>
                 </a:solidFill>
@@ -5651,7 +5373,7 @@
           </a:ln>
           <a:extLst>
             <a:ext uri="{909E8E84-426E-40dd-AFC4-6F175D3DCCD1}">
-              <a14:hiddenFill xmlns:a14="http://schemas.microsoft.com/office/drawing/2010/main" xmlns="">
+              <a14:hiddenFill xmlns="" xmlns:a14="http://schemas.microsoft.com/office/drawing/2010/main">
                 <a:solidFill>
                   <a:srgbClr val="FFFFFF"/>
                 </a:solidFill>
@@ -5853,14 +5575,14 @@
           <a:ln/>
           <a:extLst>
             <a:ext uri="{909E8E84-426E-40dd-AFC4-6F175D3DCCD1}">
-              <a14:hiddenFill xmlns:a14="http://schemas.microsoft.com/office/drawing/2010/main" xmlns="">
+              <a14:hiddenFill xmlns="" xmlns:a14="http://schemas.microsoft.com/office/drawing/2010/main">
                 <a:solidFill>
                   <a:srgbClr val="FFFFFF"/>
                 </a:solidFill>
               </a14:hiddenFill>
             </a:ext>
             <a:ext uri="{91240B29-F687-4f45-9708-019B960494DF}">
-              <a14:hiddenLine xmlns:a14="http://schemas.microsoft.com/office/drawing/2010/main" xmlns="" w="9525">
+              <a14:hiddenLine xmlns="" xmlns:a14="http://schemas.microsoft.com/office/drawing/2010/main" w="9525">
                 <a:solidFill>
                   <a:srgbClr val="000000"/>
                 </a:solidFill>
@@ -6013,14 +5735,14 @@
           <a:ln/>
           <a:extLst>
             <a:ext uri="{909E8E84-426E-40dd-AFC4-6F175D3DCCD1}">
-              <a14:hiddenFill xmlns:a14="http://schemas.microsoft.com/office/drawing/2010/main" xmlns="">
+              <a14:hiddenFill xmlns="" xmlns:a14="http://schemas.microsoft.com/office/drawing/2010/main">
                 <a:solidFill>
                   <a:srgbClr val="FFFFFF"/>
                 </a:solidFill>
               </a14:hiddenFill>
             </a:ext>
             <a:ext uri="{91240B29-F687-4f45-9708-019B960494DF}">
-              <a14:hiddenLine xmlns:a14="http://schemas.microsoft.com/office/drawing/2010/main" xmlns="" w="9525">
+              <a14:hiddenLine xmlns="" xmlns:a14="http://schemas.microsoft.com/office/drawing/2010/main" w="9525">
                 <a:solidFill>
                   <a:srgbClr val="000000"/>
                 </a:solidFill>
@@ -6173,14 +5895,14 @@
           <a:ln/>
           <a:extLst>
             <a:ext uri="{909E8E84-426E-40dd-AFC4-6F175D3DCCD1}">
-              <a14:hiddenFill xmlns:a14="http://schemas.microsoft.com/office/drawing/2010/main" xmlns="">
+              <a14:hiddenFill xmlns="" xmlns:a14="http://schemas.microsoft.com/office/drawing/2010/main">
                 <a:solidFill>
                   <a:srgbClr val="FFFFFF"/>
                 </a:solidFill>
               </a14:hiddenFill>
             </a:ext>
             <a:ext uri="{91240B29-F687-4f45-9708-019B960494DF}">
-              <a14:hiddenLine xmlns:a14="http://schemas.microsoft.com/office/drawing/2010/main" xmlns="" w="9525">
+              <a14:hiddenLine xmlns="" xmlns:a14="http://schemas.microsoft.com/office/drawing/2010/main" w="9525">
                 <a:solidFill>
                   <a:srgbClr val="000000"/>
                 </a:solidFill>
@@ -6427,7 +6149,7 @@
           </a:ln>
           <a:extLst>
             <a:ext uri="{FAA26D3D-D897-4be2-8F04-BA451C77F1D7}">
-              <ma14:placeholderFlag xmlns:ma14="http://schemas.microsoft.com/office/mac/drawingml/2011/main" xmlns="" val="1"/>
+              <ma14:placeholderFlag xmlns="" xmlns:ma14="http://schemas.microsoft.com/office/mac/drawingml/2011/main" val="1"/>
             </a:ext>
           </a:extLst>
         </p:spPr>
@@ -6462,14 +6184,14 @@
           <a:ln/>
           <a:extLst>
             <a:ext uri="{909E8E84-426E-40dd-AFC4-6F175D3DCCD1}">
-              <a14:hiddenFill xmlns:a14="http://schemas.microsoft.com/office/drawing/2010/main" xmlns="">
+              <a14:hiddenFill xmlns="" xmlns:a14="http://schemas.microsoft.com/office/drawing/2010/main">
                 <a:solidFill>
                   <a:srgbClr val="FFFFFF"/>
                 </a:solidFill>
               </a14:hiddenFill>
             </a:ext>
             <a:ext uri="{91240B29-F687-4f45-9708-019B960494DF}">
-              <a14:hiddenLine xmlns:a14="http://schemas.microsoft.com/office/drawing/2010/main" xmlns="" w="9525">
+              <a14:hiddenLine xmlns="" xmlns:a14="http://schemas.microsoft.com/office/drawing/2010/main" w="9525">
                 <a:solidFill>
                   <a:srgbClr val="000000"/>
                 </a:solidFill>
@@ -6622,14 +6344,14 @@
           <a:ln/>
           <a:extLst>
             <a:ext uri="{909E8E84-426E-40dd-AFC4-6F175D3DCCD1}">
-              <a14:hiddenFill xmlns:a14="http://schemas.microsoft.com/office/drawing/2010/main" xmlns="">
+              <a14:hiddenFill xmlns="" xmlns:a14="http://schemas.microsoft.com/office/drawing/2010/main">
                 <a:solidFill>
                   <a:srgbClr val="FFFFFF"/>
                 </a:solidFill>
               </a14:hiddenFill>
             </a:ext>
             <a:ext uri="{91240B29-F687-4f45-9708-019B960494DF}">
-              <a14:hiddenLine xmlns:a14="http://schemas.microsoft.com/office/drawing/2010/main" xmlns="" w="9525">
+              <a14:hiddenLine xmlns="" xmlns:a14="http://schemas.microsoft.com/office/drawing/2010/main" w="9525">
                 <a:solidFill>
                   <a:srgbClr val="000000"/>
                 </a:solidFill>
@@ -6782,14 +6504,14 @@
           <a:ln/>
           <a:extLst>
             <a:ext uri="{909E8E84-426E-40dd-AFC4-6F175D3DCCD1}">
-              <a14:hiddenFill xmlns:a14="http://schemas.microsoft.com/office/drawing/2010/main" xmlns="">
+              <a14:hiddenFill xmlns="" xmlns:a14="http://schemas.microsoft.com/office/drawing/2010/main">
                 <a:solidFill>
                   <a:srgbClr val="FFFFFF"/>
                 </a:solidFill>
               </a14:hiddenFill>
             </a:ext>
             <a:ext uri="{91240B29-F687-4f45-9708-019B960494DF}">
-              <a14:hiddenLine xmlns:a14="http://schemas.microsoft.com/office/drawing/2010/main" xmlns="" w="9525">
+              <a14:hiddenLine xmlns="" xmlns:a14="http://schemas.microsoft.com/office/drawing/2010/main" w="9525">
                 <a:solidFill>
                   <a:srgbClr val="000000"/>
                 </a:solidFill>
@@ -7217,14 +6939,14 @@
           <a:ln/>
           <a:extLst>
             <a:ext uri="{909E8E84-426E-40dd-AFC4-6F175D3DCCD1}">
-              <a14:hiddenFill xmlns:a14="http://schemas.microsoft.com/office/drawing/2010/main" xmlns="">
+              <a14:hiddenFill xmlns="" xmlns:a14="http://schemas.microsoft.com/office/drawing/2010/main">
                 <a:solidFill>
                   <a:srgbClr val="FFFFFF"/>
                 </a:solidFill>
               </a14:hiddenFill>
             </a:ext>
             <a:ext uri="{91240B29-F687-4f45-9708-019B960494DF}">
-              <a14:hiddenLine xmlns:a14="http://schemas.microsoft.com/office/drawing/2010/main" xmlns="" w="9525">
+              <a14:hiddenLine xmlns="" xmlns:a14="http://schemas.microsoft.com/office/drawing/2010/main" w="9525">
                 <a:solidFill>
                   <a:srgbClr val="000000"/>
                 </a:solidFill>
@@ -7515,14 +7237,14 @@
           </a:ln>
           <a:extLst>
             <a:ext uri="{909E8E84-426E-40dd-AFC4-6F175D3DCCD1}">
-              <a14:hiddenFill xmlns:a14="http://schemas.microsoft.com/office/drawing/2010/main" xmlns="">
+              <a14:hiddenFill xmlns="" xmlns:a14="http://schemas.microsoft.com/office/drawing/2010/main">
                 <a:solidFill>
                   <a:srgbClr val="FFFFFF"/>
                 </a:solidFill>
               </a14:hiddenFill>
             </a:ext>
             <a:ext uri="{FAA26D3D-D897-4be2-8F04-BA451C77F1D7}">
-              <ma14:placeholderFlag xmlns:ma14="http://schemas.microsoft.com/office/mac/drawingml/2011/main" xmlns="" val="1"/>
+              <ma14:placeholderFlag xmlns="" xmlns:ma14="http://schemas.microsoft.com/office/mac/drawingml/2011/main" val="1"/>
             </a:ext>
           </a:extLst>
         </p:spPr>
@@ -7541,14 +7263,14 @@
           <a:noFill/>
           <a:extLst>
             <a:ext uri="{909E8E84-426E-40dd-AFC4-6F175D3DCCD1}">
-              <a14:hiddenFill xmlns:a14="http://schemas.microsoft.com/office/drawing/2010/main" xmlns="">
+              <a14:hiddenFill xmlns="" xmlns:a14="http://schemas.microsoft.com/office/drawing/2010/main">
                 <a:solidFill>
                   <a:srgbClr val="FFFFFF"/>
                 </a:solidFill>
               </a14:hiddenFill>
             </a:ext>
             <a:ext uri="{91240B29-F687-4f45-9708-019B960494DF}">
-              <a14:hiddenLine xmlns:a14="http://schemas.microsoft.com/office/drawing/2010/main" xmlns="" w="9525">
+              <a14:hiddenLine xmlns="" xmlns:a14="http://schemas.microsoft.com/office/drawing/2010/main" w="9525">
                 <a:solidFill>
                   <a:srgbClr val="000000"/>
                 </a:solidFill>
@@ -7558,7 +7280,7 @@
               </a14:hiddenLine>
             </a:ext>
             <a:ext uri="{FAA26D3D-D897-4be2-8F04-BA451C77F1D7}">
-              <ma14:placeholderFlag xmlns:ma14="http://schemas.microsoft.com/office/mac/drawingml/2011/main" xmlns="" val="1"/>
+              <ma14:placeholderFlag xmlns="" xmlns:ma14="http://schemas.microsoft.com/office/mac/drawingml/2011/main" val="1"/>
             </a:ext>
           </a:extLst>
         </p:spPr>
@@ -7763,7 +7485,7 @@
           <a:p>
             <a:fld id="{B2F5E2FA-C428-4CE7-95B0-168D3259A5BB}" type="datetimeFigureOut">
               <a:rPr lang="en-US" smtClean="0"/>
-              <a:t>1/26/2022</a:t>
+              <a:t>1/30/2022</a:t>
             </a:fld>
             <a:endParaRPr lang="en-US"/>
           </a:p>
@@ -8014,7 +7736,7 @@
           <a:p>
             <a:fld id="{B2F5E2FA-C428-4CE7-95B0-168D3259A5BB}" type="datetimeFigureOut">
               <a:rPr lang="en-US" smtClean="0"/>
-              <a:t>1/26/2022</a:t>
+              <a:t>1/30/2022</a:t>
             </a:fld>
             <a:endParaRPr lang="en-US"/>
           </a:p>
@@ -8194,7 +7916,7 @@
           <a:p>
             <a:fld id="{B2F5E2FA-C428-4CE7-95B0-168D3259A5BB}" type="datetimeFigureOut">
               <a:rPr lang="en-US" smtClean="0"/>
-              <a:t>1/26/2022</a:t>
+              <a:t>1/30/2022</a:t>
             </a:fld>
             <a:endParaRPr lang="en-US"/>
           </a:p>
@@ -8450,7 +8172,7 @@
           <a:p>
             <a:fld id="{B2F5E2FA-C428-4CE7-95B0-168D3259A5BB}" type="datetimeFigureOut">
               <a:rPr lang="en-US" smtClean="0"/>
-              <a:t>1/26/2022</a:t>
+              <a:t>1/30/2022</a:t>
             </a:fld>
             <a:endParaRPr lang="en-US"/>
           </a:p>
@@ -8795,7 +8517,7 @@
           <a:p>
             <a:fld id="{B2F5E2FA-C428-4CE7-95B0-168D3259A5BB}" type="datetimeFigureOut">
               <a:rPr lang="en-US" smtClean="0"/>
-              <a:t>1/26/2022</a:t>
+              <a:t>1/30/2022</a:t>
             </a:fld>
             <a:endParaRPr lang="en-US"/>
           </a:p>
@@ -9027,7 +8749,7 @@
           <a:p>
             <a:fld id="{B2F5E2FA-C428-4CE7-95B0-168D3259A5BB}" type="datetimeFigureOut">
               <a:rPr lang="en-US" smtClean="0"/>
-              <a:t>1/26/2022</a:t>
+              <a:t>1/30/2022</a:t>
             </a:fld>
             <a:endParaRPr lang="en-US"/>
           </a:p>
@@ -9394,7 +9116,7 @@
           <a:p>
             <a:fld id="{B2F5E2FA-C428-4CE7-95B0-168D3259A5BB}" type="datetimeFigureOut">
               <a:rPr lang="en-US" smtClean="0"/>
-              <a:t>1/26/2022</a:t>
+              <a:t>1/30/2022</a:t>
             </a:fld>
             <a:endParaRPr lang="en-US"/>
           </a:p>
@@ -9489,7 +9211,7 @@
           <a:p>
             <a:fld id="{B2F5E2FA-C428-4CE7-95B0-168D3259A5BB}" type="datetimeFigureOut">
               <a:rPr lang="en-US" smtClean="0"/>
-              <a:t>1/26/2022</a:t>
+              <a:t>1/30/2022</a:t>
             </a:fld>
             <a:endParaRPr lang="en-US"/>
           </a:p>
@@ -9712,7 +9434,7 @@
             <a:fld id="{B2F5E2FA-C428-4CE7-95B0-168D3259A5BB}" type="datetimeFigureOut">
               <a:rPr lang="en-US" smtClean="0"/>
               <a:pPr/>
-              <a:t>1/26/2022</a:t>
+              <a:t>1/30/2022</a:t>
             </a:fld>
             <a:endParaRPr lang="en-US"/>
           </a:p>
@@ -9883,7 +9605,7 @@
           <a:p>
             <a:fld id="{B2F5E2FA-C428-4CE7-95B0-168D3259A5BB}" type="datetimeFigureOut">
               <a:rPr lang="en-US" smtClean="0"/>
-              <a:t>1/26/2022</a:t>
+              <a:t>1/30/2022</a:t>
             </a:fld>
             <a:endParaRPr lang="en-US"/>
           </a:p>
@@ -10160,7 +9882,7 @@
           <a:p>
             <a:fld id="{B2F5E2FA-C428-4CE7-95B0-168D3259A5BB}" type="datetimeFigureOut">
               <a:rPr lang="en-US" smtClean="0"/>
-              <a:t>1/26/2022</a:t>
+              <a:t>1/30/2022</a:t>
             </a:fld>
             <a:endParaRPr lang="en-US"/>
           </a:p>
@@ -10413,7 +10135,7 @@
           <a:p>
             <a:fld id="{B2F5E2FA-C428-4CE7-95B0-168D3259A5BB}" type="datetimeFigureOut">
               <a:rPr lang="en-US" smtClean="0"/>
-              <a:t>1/26/2022</a:t>
+              <a:t>1/30/2022</a:t>
             </a:fld>
             <a:endParaRPr lang="en-US"/>
           </a:p>
@@ -10626,7 +10348,7 @@
           <a:p>
             <a:fld id="{B2F5E2FA-C428-4CE7-95B0-168D3259A5BB}" type="datetimeFigureOut">
               <a:rPr lang="en-US" smtClean="0"/>
-              <a:t>1/26/2022</a:t>
+              <a:t>1/30/2022</a:t>
             </a:fld>
             <a:endParaRPr lang="en-US"/>
           </a:p>
@@ -12325,7 +12047,7 @@
           <a:noFill/>
           <a:extLst>
             <a:ext uri="{909E8E84-426E-40dd-AFC4-6F175D3DCCD1}">
-              <a14:hiddenFill xmlns:a14="http://schemas.microsoft.com/office/drawing/2010/main" xmlns="">
+              <a14:hiddenFill xmlns="" xmlns:a14="http://schemas.microsoft.com/office/drawing/2010/main">
                 <a:solidFill>
                   <a:srgbClr val="FFFFFF"/>
                 </a:solidFill>
@@ -13300,11 +13022,21 @@
             <p:ph idx="1"/>
           </p:nvPr>
         </p:nvSpPr>
-        <p:spPr/>
+        <p:spPr>
+          <a:xfrm>
+            <a:off x="347524" y="1277484"/>
+            <a:ext cx="11650767" cy="4746091"/>
+          </a:xfrm>
+        </p:spPr>
         <p:txBody>
           <a:bodyPr/>
           <a:lstStyle/>
           <a:p>
+            <a:pPr>
+              <a:lnSpc>
+                <a:spcPct val="150000"/>
+              </a:lnSpc>
+            </a:pPr>
             <a:r>
               <a:rPr lang="en-US" sz="2300" dirty="0">
                 <a:ea typeface="MS PGothic" charset="0"/>
@@ -13319,6 +13051,11 @@
             </a:r>
           </a:p>
           <a:p>
+            <a:pPr>
+              <a:lnSpc>
+                <a:spcPct val="150000"/>
+              </a:lnSpc>
+            </a:pPr>
             <a:r>
               <a:rPr lang="en-US" sz="2300" dirty="0">
                 <a:ea typeface="MS PGothic" charset="0"/>
@@ -13342,6 +13079,11 @@
             </a:endParaRPr>
           </a:p>
           <a:p>
+            <a:pPr>
+              <a:lnSpc>
+                <a:spcPct val="150000"/>
+              </a:lnSpc>
+            </a:pPr>
             <a:r>
               <a:rPr lang="en-US" sz="2300" dirty="0">
                 <a:ea typeface="MS PGothic" charset="0"/>
@@ -13356,6 +13098,11 @@
             </a:r>
           </a:p>
           <a:p>
+            <a:pPr>
+              <a:lnSpc>
+                <a:spcPct val="150000"/>
+              </a:lnSpc>
+            </a:pPr>
             <a:r>
               <a:rPr lang="en-US" sz="2300" dirty="0">
                 <a:ea typeface="MS PGothic" charset="0"/>
@@ -13370,6 +13117,11 @@
             </a:r>
           </a:p>
           <a:p>
+            <a:pPr>
+              <a:lnSpc>
+                <a:spcPct val="150000"/>
+              </a:lnSpc>
+            </a:pPr>
             <a:r>
               <a:rPr lang="en-US" sz="2300" dirty="0" smtClean="0">
                 <a:ea typeface="MS PGothic" charset="0"/>
@@ -13390,6 +13142,11 @@
             </a:r>
           </a:p>
           <a:p>
+            <a:pPr>
+              <a:lnSpc>
+                <a:spcPct val="150000"/>
+              </a:lnSpc>
+            </a:pPr>
             <a:r>
               <a:rPr lang="en-US" sz="2300" dirty="0">
                 <a:ea typeface="MS PGothic" charset="0"/>
@@ -13404,6 +13161,11 @@
             </a:r>
           </a:p>
           <a:p>
+            <a:pPr>
+              <a:lnSpc>
+                <a:spcPct val="150000"/>
+              </a:lnSpc>
+            </a:pPr>
             <a:r>
               <a:rPr lang="en-US" sz="2300" dirty="0">
                 <a:ea typeface="MS PGothic" charset="0"/>
@@ -13420,26 +13182,24 @@
               <a:rPr lang="en-US" sz="2300" dirty="0">
                 <a:ea typeface="MS PGothic" charset="0"/>
               </a:rPr>
-              <a:t>Life Cycle</a:t>
-            </a:r>
-          </a:p>
-          <a:p>
-            <a:r>
-              <a:rPr lang="en-US" sz="2300" dirty="0">
+              <a:t>Life </a:t>
+            </a:r>
+            <a:r>
+              <a:rPr lang="en-US" sz="2300" dirty="0" smtClean="0">
                 <a:ea typeface="MS PGothic" charset="0"/>
               </a:rPr>
-              <a:t>Artifacts to Facilitate Software Testing</a:t>
+              <a:t>Cycle</a:t>
             </a:r>
             <a:endParaRPr lang="en-US" sz="2300" dirty="0" smtClean="0">
               <a:ea typeface="MS PGothic" charset="0"/>
             </a:endParaRPr>
           </a:p>
           <a:p>
-            <a:endParaRPr lang="en-US" sz="2300" dirty="0" smtClean="0">
-              <a:ea typeface="MS PGothic" charset="0"/>
-            </a:endParaRPr>
-          </a:p>
-          <a:p>
+            <a:pPr>
+              <a:lnSpc>
+                <a:spcPct val="150000"/>
+              </a:lnSpc>
+            </a:pPr>
             <a:endParaRPr lang="en-US" sz="2300" dirty="0">
               <a:ea typeface="MS PGothic" charset="0"/>
             </a:endParaRPr>
@@ -19837,7 +19597,7 @@
           <a:graphicData uri="http://schemas.openxmlformats.org/presentationml/2006/ole">
             <mc:AlternateContent xmlns:mc="http://schemas.openxmlformats.org/markup-compatibility/2006">
               <mc:Choice xmlns:v="urn:schemas-microsoft-com:vml" Requires="v">
-                <p:oleObj spid="_x0000_s1032" name="Visio" r:id="rId4" imgW="3213100" imgH="3924300" progId="Visio.Drawing.6">
+                <p:oleObj spid="_x0000_s1033" name="Visio" r:id="rId4" imgW="3213100" imgH="3924300" progId="Visio.Drawing.6">
                   <p:embed/>
                 </p:oleObj>
               </mc:Choice>
@@ -20407,14 +20167,14 @@
           </a:ln>
           <a:extLst>
             <a:ext uri="{909E8E84-426E-40dd-AFC4-6F175D3DCCD1}">
-              <a14:hiddenFill xmlns:a14="http://schemas.microsoft.com/office/drawing/2010/main" xmlns="">
+              <a14:hiddenFill xmlns="" xmlns:a14="http://schemas.microsoft.com/office/drawing/2010/main">
                 <a:solidFill>
                   <a:srgbClr val="FFFFFF"/>
                 </a:solidFill>
               </a14:hiddenFill>
             </a:ext>
             <a:ext uri="{91240B29-F687-4f45-9708-019B960494DF}">
-              <a14:hiddenLine xmlns:a14="http://schemas.microsoft.com/office/drawing/2010/main" xmlns="" w="9525">
+              <a14:hiddenLine xmlns="" xmlns:a14="http://schemas.microsoft.com/office/drawing/2010/main" w="9525">
                 <a:solidFill>
                   <a:srgbClr val="000000"/>
                 </a:solidFill>
@@ -20571,14 +20331,14 @@
           </a:ln>
           <a:extLst>
             <a:ext uri="{909E8E84-426E-40dd-AFC4-6F175D3DCCD1}">
-              <a14:hiddenFill xmlns:a14="http://schemas.microsoft.com/office/drawing/2010/main" xmlns="">
+              <a14:hiddenFill xmlns="" xmlns:a14="http://schemas.microsoft.com/office/drawing/2010/main">
                 <a:solidFill>
                   <a:srgbClr val="FFFFFF"/>
                 </a:solidFill>
               </a14:hiddenFill>
             </a:ext>
             <a:ext uri="{91240B29-F687-4f45-9708-019B960494DF}">
-              <a14:hiddenLine xmlns:a14="http://schemas.microsoft.com/office/drawing/2010/main" xmlns="" w="9525">
+              <a14:hiddenLine xmlns="" xmlns:a14="http://schemas.microsoft.com/office/drawing/2010/main" w="9525">
                 <a:solidFill>
                   <a:srgbClr val="000000"/>
                 </a:solidFill>
@@ -20735,14 +20495,14 @@
           </a:ln>
           <a:extLst>
             <a:ext uri="{909E8E84-426E-40dd-AFC4-6F175D3DCCD1}">
-              <a14:hiddenFill xmlns:a14="http://schemas.microsoft.com/office/drawing/2010/main" xmlns="">
+              <a14:hiddenFill xmlns="" xmlns:a14="http://schemas.microsoft.com/office/drawing/2010/main">
                 <a:solidFill>
                   <a:srgbClr val="FFFFFF"/>
                 </a:solidFill>
               </a14:hiddenFill>
             </a:ext>
             <a:ext uri="{91240B29-F687-4f45-9708-019B960494DF}">
-              <a14:hiddenLine xmlns:a14="http://schemas.microsoft.com/office/drawing/2010/main" xmlns="" w="9525">
+              <a14:hiddenLine xmlns="" xmlns:a14="http://schemas.microsoft.com/office/drawing/2010/main" w="9525">
                 <a:solidFill>
                   <a:srgbClr val="000000"/>
                 </a:solidFill>
@@ -20911,7 +20671,7 @@
           </a:ln>
           <a:extLst>
             <a:ext uri="{909E8E84-426E-40dd-AFC4-6F175D3DCCD1}">
-              <a14:hiddenFill xmlns:a14="http://schemas.microsoft.com/office/drawing/2010/main" xmlns="">
+              <a14:hiddenFill xmlns="" xmlns:a14="http://schemas.microsoft.com/office/drawing/2010/main">
                 <a:solidFill>
                   <a:srgbClr val="FFFFFF"/>
                 </a:solidFill>
@@ -20972,7 +20732,7 @@
           </a:ln>
           <a:extLst>
             <a:ext uri="{909E8E84-426E-40dd-AFC4-6F175D3DCCD1}">
-              <a14:hiddenFill xmlns:a14="http://schemas.microsoft.com/office/drawing/2010/main" xmlns="">
+              <a14:hiddenFill xmlns="" xmlns:a14="http://schemas.microsoft.com/office/drawing/2010/main">
                 <a:solidFill>
                   <a:srgbClr val="FFFFFF"/>
                 </a:solidFill>
@@ -21033,7 +20793,7 @@
           </a:ln>
           <a:extLst>
             <a:ext uri="{909E8E84-426E-40dd-AFC4-6F175D3DCCD1}">
-              <a14:hiddenFill xmlns:a14="http://schemas.microsoft.com/office/drawing/2010/main" xmlns="">
+              <a14:hiddenFill xmlns="" xmlns:a14="http://schemas.microsoft.com/office/drawing/2010/main">
                 <a:solidFill>
                   <a:srgbClr val="FFFFFF"/>
                 </a:solidFill>
@@ -21140,7 +20900,7 @@
           </a:ln>
           <a:extLst>
             <a:ext uri="{909E8E84-426E-40dd-AFC4-6F175D3DCCD1}">
-              <a14:hiddenFill xmlns:a14="http://schemas.microsoft.com/office/drawing/2010/main" xmlns="">
+              <a14:hiddenFill xmlns="" xmlns:a14="http://schemas.microsoft.com/office/drawing/2010/main">
                 <a:solidFill>
                   <a:srgbClr val="FFFFFF"/>
                 </a:solidFill>
@@ -21189,14 +20949,14 @@
           </a:ln>
           <a:extLst>
             <a:ext uri="{909E8E84-426E-40dd-AFC4-6F175D3DCCD1}">
-              <a14:hiddenFill xmlns:a14="http://schemas.microsoft.com/office/drawing/2010/main" xmlns="">
+              <a14:hiddenFill xmlns="" xmlns:a14="http://schemas.microsoft.com/office/drawing/2010/main">
                 <a:solidFill>
                   <a:srgbClr val="FFFFFF"/>
                 </a:solidFill>
               </a14:hiddenFill>
             </a:ext>
             <a:ext uri="{91240B29-F687-4f45-9708-019B960494DF}">
-              <a14:hiddenLine xmlns:a14="http://schemas.microsoft.com/office/drawing/2010/main" xmlns="" w="9525">
+              <a14:hiddenLine xmlns="" xmlns:a14="http://schemas.microsoft.com/office/drawing/2010/main" w="9525">
                 <a:solidFill>
                   <a:srgbClr val="000000"/>
                 </a:solidFill>
@@ -24060,14 +23820,14 @@
           </a:ln>
           <a:extLst>
             <a:ext uri="{909E8E84-426E-40dd-AFC4-6F175D3DCCD1}">
-              <a14:hiddenFill xmlns:a14="http://schemas.microsoft.com/office/drawing/2010/main" xmlns="">
+              <a14:hiddenFill xmlns="" xmlns:a14="http://schemas.microsoft.com/office/drawing/2010/main">
                 <a:solidFill>
                   <a:srgbClr val="FFFFFF"/>
                 </a:solidFill>
               </a14:hiddenFill>
             </a:ext>
             <a:ext uri="{91240B29-F687-4f45-9708-019B960494DF}">
-              <a14:hiddenLine xmlns:a14="http://schemas.microsoft.com/office/drawing/2010/main" xmlns="" w="12700">
+              <a14:hiddenLine xmlns="" xmlns:a14="http://schemas.microsoft.com/office/drawing/2010/main" w="12700">
                 <a:solidFill>
                   <a:srgbClr val="000000"/>
                 </a:solidFill>
@@ -24881,14 +24641,14 @@
           </a:ln>
           <a:extLst>
             <a:ext uri="{909E8E84-426E-40dd-AFC4-6F175D3DCCD1}">
-              <a14:hiddenFill xmlns:a14="http://schemas.microsoft.com/office/drawing/2010/main" xmlns="">
+              <a14:hiddenFill xmlns="" xmlns:a14="http://schemas.microsoft.com/office/drawing/2010/main">
                 <a:solidFill>
                   <a:srgbClr val="FFFFFF"/>
                 </a:solidFill>
               </a14:hiddenFill>
             </a:ext>
             <a:ext uri="{91240B29-F687-4f45-9708-019B960494DF}">
-              <a14:hiddenLine xmlns:a14="http://schemas.microsoft.com/office/drawing/2010/main" xmlns="" w="9525">
+              <a14:hiddenLine xmlns="" xmlns:a14="http://schemas.microsoft.com/office/drawing/2010/main" w="9525">
                 <a:solidFill>
                   <a:srgbClr val="000000"/>
                 </a:solidFill>
@@ -25083,7 +24843,7 @@
           <a:graphicData uri="http://schemas.openxmlformats.org/presentationml/2006/ole">
             <mc:AlternateContent xmlns:mc="http://schemas.openxmlformats.org/markup-compatibility/2006">
               <mc:Choice xmlns:v="urn:schemas-microsoft-com:vml" Requires="v">
-                <p:oleObj spid="_x0000_s2056" name="Document" r:id="rId3" imgW="5600700" imgH="1473200" progId="Word.Document.12">
+                <p:oleObj spid="_x0000_s2057" name="Document" r:id="rId3" imgW="5600700" imgH="1473200" progId="Word.Document.12">
                   <p:embed/>
                 </p:oleObj>
               </mc:Choice>
@@ -25140,14 +24900,14 @@
           </a:ln>
           <a:extLst>
             <a:ext uri="{909E8E84-426E-40dd-AFC4-6F175D3DCCD1}">
-              <a14:hiddenFill xmlns:a14="http://schemas.microsoft.com/office/drawing/2010/main" xmlns="">
+              <a14:hiddenFill xmlns="" xmlns:a14="http://schemas.microsoft.com/office/drawing/2010/main">
                 <a:solidFill>
                   <a:srgbClr val="FFFFFF"/>
                 </a:solidFill>
               </a14:hiddenFill>
             </a:ext>
             <a:ext uri="{91240B29-F687-4f45-9708-019B960494DF}">
-              <a14:hiddenLine xmlns:a14="http://schemas.microsoft.com/office/drawing/2010/main" xmlns="" w="9525">
+              <a14:hiddenLine xmlns="" xmlns:a14="http://schemas.microsoft.com/office/drawing/2010/main" w="9525">
                 <a:solidFill>
                   <a:srgbClr val="000000"/>
                 </a:solidFill>
@@ -25157,7 +24917,7 @@
               </a14:hiddenLine>
             </a:ext>
             <a:ext uri="{FAA26D3D-D897-4be2-8F04-BA451C77F1D7}">
-              <ma14:placeholderFlag xmlns:ma14="http://schemas.microsoft.com/office/mac/drawingml/2011/main" xmlns="" val="1"/>
+              <ma14:placeholderFlag xmlns="" xmlns:ma14="http://schemas.microsoft.com/office/mac/drawingml/2011/main" val="1"/>
             </a:ext>
           </a:extLst>
         </p:spPr>
@@ -25583,7 +25343,7 @@
           <a:graphicData uri="http://schemas.openxmlformats.org/presentationml/2006/ole">
             <mc:AlternateContent xmlns:mc="http://schemas.openxmlformats.org/markup-compatibility/2006">
               <mc:Choice xmlns:v="urn:schemas-microsoft-com:vml" Requires="v">
-                <p:oleObj spid="_x0000_s3080" name="Document" r:id="rId3" imgW="6134100" imgH="2260600" progId="Word.Document.12">
+                <p:oleObj spid="_x0000_s3081" name="Document" r:id="rId3" imgW="6134100" imgH="2260600" progId="Word.Document.12">
                   <p:embed/>
                 </p:oleObj>
               </mc:Choice>
@@ -26027,7 +25787,7 @@
           <a:noFill/>
           <a:extLst>
             <a:ext uri="{909E8E84-426E-40dd-AFC4-6F175D3DCCD1}">
-              <a14:hiddenFill xmlns:a14="http://schemas.microsoft.com/office/drawing/2010/main" xmlns="">
+              <a14:hiddenFill xmlns="" xmlns:a14="http://schemas.microsoft.com/office/drawing/2010/main">
                 <a:solidFill>
                   <a:srgbClr val="FFFFFF"/>
                 </a:solidFill>
@@ -26172,14 +25932,14 @@
           </a:ln>
           <a:extLst>
             <a:ext uri="{909E8E84-426E-40dd-AFC4-6F175D3DCCD1}">
-              <a14:hiddenFill xmlns:a14="http://schemas.microsoft.com/office/drawing/2010/main" xmlns="">
+              <a14:hiddenFill xmlns="" xmlns:a14="http://schemas.microsoft.com/office/drawing/2010/main">
                 <a:solidFill>
                   <a:srgbClr val="FFFFFF"/>
                 </a:solidFill>
               </a14:hiddenFill>
             </a:ext>
             <a:ext uri="{91240B29-F687-4f45-9708-019B960494DF}">
-              <a14:hiddenLine xmlns:a14="http://schemas.microsoft.com/office/drawing/2010/main" xmlns="" w="9525">
+              <a14:hiddenLine xmlns="" xmlns:a14="http://schemas.microsoft.com/office/drawing/2010/main" w="9525">
                 <a:solidFill>
                   <a:srgbClr val="000000"/>
                 </a:solidFill>
@@ -26235,14 +25995,14 @@
           </a:ln>
           <a:extLst>
             <a:ext uri="{909E8E84-426E-40dd-AFC4-6F175D3DCCD1}">
-              <a14:hiddenFill xmlns:a14="http://schemas.microsoft.com/office/drawing/2010/main" xmlns="">
+              <a14:hiddenFill xmlns="" xmlns:a14="http://schemas.microsoft.com/office/drawing/2010/main">
                 <a:solidFill>
                   <a:srgbClr val="FFFFFF"/>
                 </a:solidFill>
               </a14:hiddenFill>
             </a:ext>
             <a:ext uri="{91240B29-F687-4f45-9708-019B960494DF}">
-              <a14:hiddenLine xmlns:a14="http://schemas.microsoft.com/office/drawing/2010/main" xmlns="" w="9525">
+              <a14:hiddenLine xmlns="" xmlns:a14="http://schemas.microsoft.com/office/drawing/2010/main" w="9525">
                 <a:solidFill>
                   <a:srgbClr val="000000"/>
                 </a:solidFill>
@@ -26276,14 +26036,14 @@
           </a:ln>
           <a:extLst>
             <a:ext uri="{909E8E84-426E-40dd-AFC4-6F175D3DCCD1}">
-              <a14:hiddenFill xmlns:a14="http://schemas.microsoft.com/office/drawing/2010/main" xmlns="">
+              <a14:hiddenFill xmlns="" xmlns:a14="http://schemas.microsoft.com/office/drawing/2010/main">
                 <a:solidFill>
                   <a:srgbClr val="FFFFFF"/>
                 </a:solidFill>
               </a14:hiddenFill>
             </a:ext>
             <a:ext uri="{91240B29-F687-4f45-9708-019B960494DF}">
-              <a14:hiddenLine xmlns:a14="http://schemas.microsoft.com/office/drawing/2010/main" xmlns="" w="9525">
+              <a14:hiddenLine xmlns="" xmlns:a14="http://schemas.microsoft.com/office/drawing/2010/main" w="9525">
                 <a:solidFill>
                   <a:srgbClr val="000000"/>
                 </a:solidFill>
@@ -28214,14 +27974,14 @@
             </a:ln>
             <a:extLst>
               <a:ext uri="{909E8E84-426E-40dd-AFC4-6F175D3DCCD1}">
-                <a14:hiddenFill xmlns:a14="http://schemas.microsoft.com/office/drawing/2010/main" xmlns="">
+                <a14:hiddenFill xmlns="" xmlns:a14="http://schemas.microsoft.com/office/drawing/2010/main">
                   <a:solidFill>
                     <a:srgbClr val="FFFFFF"/>
                   </a:solidFill>
                 </a14:hiddenFill>
               </a:ext>
               <a:ext uri="{91240B29-F687-4f45-9708-019B960494DF}">
-                <a14:hiddenLine xmlns:a14="http://schemas.microsoft.com/office/drawing/2010/main" xmlns="" w="12700">
+                <a14:hiddenLine xmlns="" xmlns:a14="http://schemas.microsoft.com/office/drawing/2010/main" w="12700">
                   <a:solidFill>
                     <a:srgbClr val="000000"/>
                   </a:solidFill>
@@ -28351,7 +28111,7 @@
             </a:ln>
             <a:extLst>
               <a:ext uri="{909E8E84-426E-40dd-AFC4-6F175D3DCCD1}">
-                <a14:hiddenFill xmlns:a14="http://schemas.microsoft.com/office/drawing/2010/main" xmlns="">
+                <a14:hiddenFill xmlns="" xmlns:a14="http://schemas.microsoft.com/office/drawing/2010/main">
                   <a:solidFill>
                     <a:srgbClr val="FFFFFF"/>
                   </a:solidFill>
@@ -28722,14 +28482,14 @@
             </a:ln>
             <a:extLst>
               <a:ext uri="{909E8E84-426E-40dd-AFC4-6F175D3DCCD1}">
-                <a14:hiddenFill xmlns:a14="http://schemas.microsoft.com/office/drawing/2010/main" xmlns="">
+                <a14:hiddenFill xmlns="" xmlns:a14="http://schemas.microsoft.com/office/drawing/2010/main">
                   <a:solidFill>
                     <a:srgbClr val="FFFFFF"/>
                   </a:solidFill>
                 </a14:hiddenFill>
               </a:ext>
               <a:ext uri="{91240B29-F687-4f45-9708-019B960494DF}">
-                <a14:hiddenLine xmlns:a14="http://schemas.microsoft.com/office/drawing/2010/main" xmlns="" w="12700">
+                <a14:hiddenLine xmlns="" xmlns:a14="http://schemas.microsoft.com/office/drawing/2010/main" w="12700">
                   <a:solidFill>
                     <a:srgbClr val="000000"/>
                   </a:solidFill>
@@ -28829,7 +28589,7 @@
           </a:ln>
           <a:extLst>
             <a:ext uri="{909E8E84-426E-40dd-AFC4-6F175D3DCCD1}">
-              <a14:hiddenFill xmlns:a14="http://schemas.microsoft.com/office/drawing/2010/main" xmlns="">
+              <a14:hiddenFill xmlns="" xmlns:a14="http://schemas.microsoft.com/office/drawing/2010/main">
                 <a:solidFill>
                   <a:srgbClr val="FFFFFF"/>
                 </a:solidFill>
@@ -28915,7 +28675,7 @@
           </a:ln>
           <a:extLst>
             <a:ext uri="{909E8E84-426E-40dd-AFC4-6F175D3DCCD1}">
-              <a14:hiddenFill xmlns:a14="http://schemas.microsoft.com/office/drawing/2010/main" xmlns="">
+              <a14:hiddenFill xmlns="" xmlns:a14="http://schemas.microsoft.com/office/drawing/2010/main">
                 <a:solidFill>
                   <a:srgbClr val="FFFFFF"/>
                 </a:solidFill>
@@ -28955,14 +28715,14 @@
           </a:ln>
           <a:extLst>
             <a:ext uri="{909E8E84-426E-40dd-AFC4-6F175D3DCCD1}">
-              <a14:hiddenFill xmlns:a14="http://schemas.microsoft.com/office/drawing/2010/main" xmlns="">
+              <a14:hiddenFill xmlns="" xmlns:a14="http://schemas.microsoft.com/office/drawing/2010/main">
                 <a:solidFill>
                   <a:srgbClr val="FFFFFF"/>
                 </a:solidFill>
               </a14:hiddenFill>
             </a:ext>
             <a:ext uri="{91240B29-F687-4f45-9708-019B960494DF}">
-              <a14:hiddenLine xmlns:a14="http://schemas.microsoft.com/office/drawing/2010/main" xmlns="" w="12700">
+              <a14:hiddenLine xmlns="" xmlns:a14="http://schemas.microsoft.com/office/drawing/2010/main" w="12700">
                 <a:solidFill>
                   <a:srgbClr val="000000"/>
                 </a:solidFill>
@@ -29015,14 +28775,14 @@
           </a:ln>
           <a:extLst>
             <a:ext uri="{909E8E84-426E-40dd-AFC4-6F175D3DCCD1}">
-              <a14:hiddenFill xmlns:a14="http://schemas.microsoft.com/office/drawing/2010/main" xmlns="">
+              <a14:hiddenFill xmlns="" xmlns:a14="http://schemas.microsoft.com/office/drawing/2010/main">
                 <a:solidFill>
                   <a:srgbClr val="FFFFFF"/>
                 </a:solidFill>
               </a14:hiddenFill>
             </a:ext>
             <a:ext uri="{91240B29-F687-4f45-9708-019B960494DF}">
-              <a14:hiddenLine xmlns:a14="http://schemas.microsoft.com/office/drawing/2010/main" xmlns="" w="12700">
+              <a14:hiddenLine xmlns="" xmlns:a14="http://schemas.microsoft.com/office/drawing/2010/main" w="12700">
                 <a:solidFill>
                   <a:srgbClr val="000000"/>
                 </a:solidFill>
@@ -29075,14 +28835,14 @@
           </a:ln>
           <a:extLst>
             <a:ext uri="{909E8E84-426E-40dd-AFC4-6F175D3DCCD1}">
-              <a14:hiddenFill xmlns:a14="http://schemas.microsoft.com/office/drawing/2010/main" xmlns="">
+              <a14:hiddenFill xmlns="" xmlns:a14="http://schemas.microsoft.com/office/drawing/2010/main">
                 <a:solidFill>
                   <a:srgbClr val="FFFFFF"/>
                 </a:solidFill>
               </a14:hiddenFill>
             </a:ext>
             <a:ext uri="{91240B29-F687-4f45-9708-019B960494DF}">
-              <a14:hiddenLine xmlns:a14="http://schemas.microsoft.com/office/drawing/2010/main" xmlns="" w="12700">
+              <a14:hiddenLine xmlns="" xmlns:a14="http://schemas.microsoft.com/office/drawing/2010/main" w="12700">
                 <a:solidFill>
                   <a:srgbClr val="000000"/>
                 </a:solidFill>
@@ -29177,14 +28937,14 @@
           </a:ln>
           <a:extLst>
             <a:ext uri="{909E8E84-426E-40dd-AFC4-6F175D3DCCD1}">
-              <a14:hiddenFill xmlns:a14="http://schemas.microsoft.com/office/drawing/2010/main" xmlns="">
+              <a14:hiddenFill xmlns="" xmlns:a14="http://schemas.microsoft.com/office/drawing/2010/main">
                 <a:solidFill>
                   <a:srgbClr val="FFFFFF"/>
                 </a:solidFill>
               </a14:hiddenFill>
             </a:ext>
             <a:ext uri="{91240B29-F687-4f45-9708-019B960494DF}">
-              <a14:hiddenLine xmlns:a14="http://schemas.microsoft.com/office/drawing/2010/main" xmlns="" w="12700">
+              <a14:hiddenLine xmlns="" xmlns:a14="http://schemas.microsoft.com/office/drawing/2010/main" w="12700">
                 <a:solidFill>
                   <a:srgbClr val="000000"/>
                 </a:solidFill>
@@ -31338,7 +31098,7 @@
           <a:noFill/>
           <a:extLst>
             <a:ext uri="{909E8E84-426E-40dd-AFC4-6F175D3DCCD1}">
-              <a14:hiddenFill xmlns:a14="http://schemas.microsoft.com/office/drawing/2010/main" xmlns="">
+              <a14:hiddenFill xmlns="" xmlns:a14="http://schemas.microsoft.com/office/drawing/2010/main">
                 <a:solidFill>
                   <a:srgbClr val="FFFFFF"/>
                 </a:solidFill>
@@ -34443,538 +34203,6 @@
       </p:grpSpPr>
       <p:sp>
         <p:nvSpPr>
-          <p:cNvPr id="86020" name="Title 1"/>
-          <p:cNvSpPr>
-            <a:spLocks noGrp="1"/>
-          </p:cNvSpPr>
-          <p:nvPr>
-            <p:ph type="title"/>
-          </p:nvPr>
-        </p:nvSpPr>
-        <p:spPr/>
-        <p:txBody>
-          <a:bodyPr/>
-          <a:lstStyle/>
-          <a:p>
-            <a:r>
-              <a:rPr lang="en-US" dirty="0"/>
-              <a:t>Test </a:t>
-            </a:r>
-            <a:r>
-              <a:rPr lang="en-US" dirty="0" smtClean="0"/>
-              <a:t>Scaffolding </a:t>
-            </a:r>
-            <a:endParaRPr lang="en-US" dirty="0"/>
-          </a:p>
-        </p:txBody>
-      </p:sp>
-      <p:sp>
-        <p:nvSpPr>
-          <p:cNvPr id="86021" name="Content Placeholder 2"/>
-          <p:cNvSpPr>
-            <a:spLocks noGrp="1"/>
-          </p:cNvSpPr>
-          <p:nvPr>
-            <p:ph idx="1"/>
-          </p:nvPr>
-        </p:nvSpPr>
-        <p:spPr/>
-        <p:txBody>
-          <a:bodyPr/>
-          <a:lstStyle/>
-          <a:p>
-            <a:pPr marL="393700" indent="-285750"/>
-            <a:r>
-              <a:rPr lang="en-US" sz="3200" dirty="0"/>
-              <a:t>Additional code needed to execute a unit or subsystems in isolation for the purpose of testing.</a:t>
-            </a:r>
-          </a:p>
-          <a:p>
-            <a:pPr marL="742950" lvl="1" indent="-285750"/>
-            <a:r>
-              <a:rPr lang="en-US" sz="2800" dirty="0"/>
-              <a:t>e.g., test drivers, stubs </a:t>
-            </a:r>
-          </a:p>
-          <a:p>
-            <a:pPr marL="393700" indent="-285750"/>
-            <a:r>
-              <a:rPr lang="en-US" sz="3200" dirty="0"/>
-              <a:t>Not useful in production code</a:t>
-            </a:r>
-          </a:p>
-          <a:p>
-            <a:pPr marL="742950" lvl="1" indent="-285750"/>
-            <a:r>
-              <a:rPr lang="en-US" sz="2800" dirty="0"/>
-              <a:t>Needs to be removed. </a:t>
-            </a:r>
-          </a:p>
-        </p:txBody>
-      </p:sp>
-      <p:sp>
-        <p:nvSpPr>
-          <p:cNvPr id="2" name="Slide Number Placeholder 1"/>
-          <p:cNvSpPr>
-            <a:spLocks noGrp="1"/>
-          </p:cNvSpPr>
-          <p:nvPr>
-            <p:ph type="sldNum" sz="quarter" idx="12"/>
-          </p:nvPr>
-        </p:nvSpPr>
-        <p:spPr/>
-        <p:txBody>
-          <a:bodyPr/>
-          <a:lstStyle/>
-          <a:p>
-            <a:fld id="{B543A0FD-1CA6-4228-86A2-78061B4844C8}" type="slidenum">
-              <a:rPr lang="en-US" smtClean="0"/>
-              <a:t>82</a:t>
-            </a:fld>
-            <a:endParaRPr lang="en-US"/>
-          </a:p>
-        </p:txBody>
-      </p:sp>
-    </p:spTree>
-    <p:extLst>
-      <p:ext uri="{BB962C8B-B14F-4D97-AF65-F5344CB8AC3E}">
-        <p14:creationId xmlns:p14="http://schemas.microsoft.com/office/powerpoint/2010/main" val="593551465"/>
-      </p:ext>
-    </p:extLst>
-  </p:cSld>
-  <p:clrMapOvr>
-    <a:masterClrMapping/>
-  </p:clrMapOvr>
-  <p:timing>
-    <p:tnLst>
-      <p:par>
-        <p:cTn id="1" dur="indefinite" restart="never" nodeType="tmRoot"/>
-      </p:par>
-    </p:tnLst>
-  </p:timing>
-</p:sld>
-</file>
-
-<file path=ppt/slides/slide83.xml><?xml version="1.0" encoding="utf-8"?>
-<p:sld xmlns:a="http://schemas.openxmlformats.org/drawingml/2006/main" xmlns:r="http://schemas.openxmlformats.org/officeDocument/2006/relationships" xmlns:p="http://schemas.openxmlformats.org/presentationml/2006/main">
-  <p:cSld>
-    <p:spTree>
-      <p:nvGrpSpPr>
-        <p:cNvPr id="1" name=""/>
-        <p:cNvGrpSpPr/>
-        <p:nvPr/>
-      </p:nvGrpSpPr>
-      <p:grpSpPr>
-        <a:xfrm>
-          <a:off x="0" y="0"/>
-          <a:ext cx="0" cy="0"/>
-          <a:chOff x="0" y="0"/>
-          <a:chExt cx="0" cy="0"/>
-        </a:xfrm>
-      </p:grpSpPr>
-      <p:sp>
-        <p:nvSpPr>
-          <p:cNvPr id="86020" name="Title 1"/>
-          <p:cNvSpPr>
-            <a:spLocks noGrp="1"/>
-          </p:cNvSpPr>
-          <p:nvPr>
-            <p:ph type="title"/>
-          </p:nvPr>
-        </p:nvSpPr>
-        <p:spPr/>
-        <p:txBody>
-          <a:bodyPr/>
-          <a:lstStyle/>
-          <a:p>
-            <a:r>
-              <a:rPr lang="en-US" dirty="0"/>
-              <a:t>Test </a:t>
-            </a:r>
-            <a:r>
-              <a:rPr lang="en-US" dirty="0" smtClean="0"/>
-              <a:t>Oracles </a:t>
-            </a:r>
-            <a:endParaRPr lang="en-US" b="1" dirty="0"/>
-          </a:p>
-        </p:txBody>
-      </p:sp>
-      <p:sp>
-        <p:nvSpPr>
-          <p:cNvPr id="86021" name="Content Placeholder 2"/>
-          <p:cNvSpPr>
-            <a:spLocks noGrp="1"/>
-          </p:cNvSpPr>
-          <p:nvPr>
-            <p:ph idx="1"/>
-          </p:nvPr>
-        </p:nvSpPr>
-        <p:spPr>
-          <a:xfrm>
-            <a:off x="838200" y="1690688"/>
-            <a:ext cx="6169090" cy="4206259"/>
-          </a:xfrm>
-        </p:spPr>
-        <p:txBody>
-          <a:bodyPr/>
-          <a:lstStyle/>
-          <a:p>
-            <a:pPr marL="393700" indent="-285750"/>
-            <a:r>
-              <a:rPr lang="en-US" sz="3200" dirty="0"/>
-              <a:t>A program to check the results of executing the code and signal discrepancies between the actual and expected outputs. </a:t>
-            </a:r>
-          </a:p>
-          <a:p>
-            <a:pPr marL="393700" indent="-285750"/>
-            <a:r>
-              <a:rPr lang="en-US" sz="3200" dirty="0"/>
-              <a:t>e.g., using assertions based on the specifications</a:t>
-            </a:r>
-          </a:p>
-          <a:p>
-            <a:pPr marL="793750" lvl="1"/>
-            <a:r>
-              <a:rPr lang="en-US" sz="2800" dirty="0"/>
-              <a:t>Example: JUnit</a:t>
-            </a:r>
-          </a:p>
-        </p:txBody>
-      </p:sp>
-      <p:pic>
-        <p:nvPicPr>
-          <p:cNvPr id="2" name="Picture 1" descr="Pythia Aegeus Themis Delphi[1].JPG"/>
-          <p:cNvPicPr>
-            <a:picLocks noChangeAspect="1"/>
-          </p:cNvPicPr>
-          <p:nvPr/>
-        </p:nvPicPr>
-        <p:blipFill>
-          <a:blip r:embed="rId3">
-            <a:extLst>
-              <a:ext uri="{28A0092B-C50C-407E-A947-70E740481C1C}">
-                <a14:useLocalDpi xmlns:a14="http://schemas.microsoft.com/office/drawing/2010/main" val="0"/>
-              </a:ext>
-            </a:extLst>
-          </a:blip>
-          <a:stretch>
-            <a:fillRect/>
-          </a:stretch>
-        </p:blipFill>
-        <p:spPr>
-          <a:xfrm>
-            <a:off x="7954502" y="1874044"/>
-            <a:ext cx="2805628" cy="2438400"/>
-          </a:xfrm>
-          <a:prstGeom prst="rect">
-            <a:avLst/>
-          </a:prstGeom>
-        </p:spPr>
-      </p:pic>
-      <p:sp>
-        <p:nvSpPr>
-          <p:cNvPr id="3" name="TextBox 2"/>
-          <p:cNvSpPr txBox="1"/>
-          <p:nvPr/>
-        </p:nvSpPr>
-        <p:spPr>
-          <a:xfrm>
-            <a:off x="8153400" y="4312444"/>
-            <a:ext cx="2407831" cy="400110"/>
-          </a:xfrm>
-          <a:prstGeom prst="rect">
-            <a:avLst/>
-          </a:prstGeom>
-          <a:noFill/>
-        </p:spPr>
-        <p:txBody>
-          <a:bodyPr wrap="none" rtlCol="0">
-            <a:spAutoFit/>
-          </a:bodyPr>
-          <a:lstStyle/>
-          <a:p>
-            <a:r>
-              <a:rPr lang="en-US" sz="2000" dirty="0">
-                <a:latin typeface="Garamond"/>
-                <a:cs typeface="Garamond"/>
-              </a:rPr>
-              <a:t>The Oracle of Delphi</a:t>
-            </a:r>
-          </a:p>
-        </p:txBody>
-      </p:sp>
-      <p:sp>
-        <p:nvSpPr>
-          <p:cNvPr id="4" name="Slide Number Placeholder 3"/>
-          <p:cNvSpPr>
-            <a:spLocks noGrp="1"/>
-          </p:cNvSpPr>
-          <p:nvPr>
-            <p:ph type="sldNum" sz="quarter" idx="12"/>
-          </p:nvPr>
-        </p:nvSpPr>
-        <p:spPr/>
-        <p:txBody>
-          <a:bodyPr/>
-          <a:lstStyle/>
-          <a:p>
-            <a:fld id="{B543A0FD-1CA6-4228-86A2-78061B4844C8}" type="slidenum">
-              <a:rPr lang="en-US" smtClean="0"/>
-              <a:t>83</a:t>
-            </a:fld>
-            <a:endParaRPr lang="en-US"/>
-          </a:p>
-        </p:txBody>
-      </p:sp>
-    </p:spTree>
-    <p:extLst>
-      <p:ext uri="{BB962C8B-B14F-4D97-AF65-F5344CB8AC3E}">
-        <p14:creationId xmlns:p14="http://schemas.microsoft.com/office/powerpoint/2010/main" val="2863319866"/>
-      </p:ext>
-    </p:extLst>
-  </p:cSld>
-  <p:clrMapOvr>
-    <a:masterClrMapping/>
-  </p:clrMapOvr>
-  <p:timing>
-    <p:tnLst>
-      <p:par>
-        <p:cTn id="1" dur="indefinite" restart="never" nodeType="tmRoot">
-          <p:childTnLst>
-            <p:seq concurrent="1" nextAc="seek">
-              <p:cTn id="2" dur="indefinite" nodeType="mainSeq">
-                <p:childTnLst>
-                  <p:par>
-                    <p:cTn id="3" fill="hold">
-                      <p:stCondLst>
-                        <p:cond delay="indefinite"/>
-                      </p:stCondLst>
-                      <p:childTnLst>
-                        <p:par>
-                          <p:cTn id="4" fill="hold">
-                            <p:stCondLst>
-                              <p:cond delay="0"/>
-                            </p:stCondLst>
-                            <p:childTnLst>
-                              <p:par>
-                                <p:cTn id="5" presetID="1" presetClass="entr" presetSubtype="0" fill="hold" grpId="0" nodeType="clickEffect">
-                                  <p:stCondLst>
-                                    <p:cond delay="0"/>
-                                  </p:stCondLst>
-                                  <p:childTnLst>
-                                    <p:set>
-                                      <p:cBhvr>
-                                        <p:cTn id="6" dur="1" fill="hold">
-                                          <p:stCondLst>
-                                            <p:cond delay="0"/>
-                                          </p:stCondLst>
-                                        </p:cTn>
-                                        <p:tgtEl>
-                                          <p:spTgt spid="86021">
-                                            <p:txEl>
-                                              <p:pRg st="0" end="0"/>
-                                            </p:txEl>
-                                          </p:spTgt>
-                                        </p:tgtEl>
-                                        <p:attrNameLst>
-                                          <p:attrName>style.visibility</p:attrName>
-                                        </p:attrNameLst>
-                                      </p:cBhvr>
-                                      <p:to>
-                                        <p:strVal val="visible"/>
-                                      </p:to>
-                                    </p:set>
-                                  </p:childTnLst>
-                                </p:cTn>
-                              </p:par>
-                              <p:par>
-                                <p:cTn id="7" presetID="1" presetClass="entr" presetSubtype="0" fill="hold" grpId="0" nodeType="withEffect">
-                                  <p:stCondLst>
-                                    <p:cond delay="0"/>
-                                  </p:stCondLst>
-                                  <p:childTnLst>
-                                    <p:set>
-                                      <p:cBhvr>
-                                        <p:cTn id="8" dur="1" fill="hold">
-                                          <p:stCondLst>
-                                            <p:cond delay="0"/>
-                                          </p:stCondLst>
-                                        </p:cTn>
-                                        <p:tgtEl>
-                                          <p:spTgt spid="86021">
-                                            <p:txEl>
-                                              <p:pRg st="1" end="1"/>
-                                            </p:txEl>
-                                          </p:spTgt>
-                                        </p:tgtEl>
-                                        <p:attrNameLst>
-                                          <p:attrName>style.visibility</p:attrName>
-                                        </p:attrNameLst>
-                                      </p:cBhvr>
-                                      <p:to>
-                                        <p:strVal val="visible"/>
-                                      </p:to>
-                                    </p:set>
-                                  </p:childTnLst>
-                                </p:cTn>
-                              </p:par>
-                              <p:par>
-                                <p:cTn id="9" presetID="1" presetClass="entr" presetSubtype="0" fill="hold" grpId="0" nodeType="withEffect">
-                                  <p:stCondLst>
-                                    <p:cond delay="0"/>
-                                  </p:stCondLst>
-                                  <p:childTnLst>
-                                    <p:set>
-                                      <p:cBhvr>
-                                        <p:cTn id="10" dur="1" fill="hold">
-                                          <p:stCondLst>
-                                            <p:cond delay="0"/>
-                                          </p:stCondLst>
-                                        </p:cTn>
-                                        <p:tgtEl>
-                                          <p:spTgt spid="86021">
-                                            <p:txEl>
-                                              <p:pRg st="2" end="2"/>
-                                            </p:txEl>
-                                          </p:spTgt>
-                                        </p:tgtEl>
-                                        <p:attrNameLst>
-                                          <p:attrName>style.visibility</p:attrName>
-                                        </p:attrNameLst>
-                                      </p:cBhvr>
-                                      <p:to>
-                                        <p:strVal val="visible"/>
-                                      </p:to>
-                                    </p:set>
-                                  </p:childTnLst>
-                                </p:cTn>
-                              </p:par>
-                            </p:childTnLst>
-                          </p:cTn>
-                        </p:par>
-                      </p:childTnLst>
-                    </p:cTn>
-                  </p:par>
-                  <p:par>
-                    <p:cTn id="11" fill="hold">
-                      <p:stCondLst>
-                        <p:cond delay="indefinite"/>
-                      </p:stCondLst>
-                      <p:childTnLst>
-                        <p:par>
-                          <p:cTn id="12" fill="hold">
-                            <p:stCondLst>
-                              <p:cond delay="0"/>
-                            </p:stCondLst>
-                            <p:childTnLst>
-                              <p:par>
-                                <p:cTn id="13" presetID="1" presetClass="entr" presetSubtype="0" fill="hold" nodeType="clickEffect">
-                                  <p:stCondLst>
-                                    <p:cond delay="0"/>
-                                  </p:stCondLst>
-                                  <p:childTnLst>
-                                    <p:set>
-                                      <p:cBhvr>
-                                        <p:cTn id="14" dur="1" fill="hold">
-                                          <p:stCondLst>
-                                            <p:cond delay="0"/>
-                                          </p:stCondLst>
-                                        </p:cTn>
-                                        <p:tgtEl>
-                                          <p:spTgt spid="2"/>
-                                        </p:tgtEl>
-                                        <p:attrNameLst>
-                                          <p:attrName>style.visibility</p:attrName>
-                                        </p:attrNameLst>
-                                      </p:cBhvr>
-                                      <p:to>
-                                        <p:strVal val="visible"/>
-                                      </p:to>
-                                    </p:set>
-                                  </p:childTnLst>
-                                </p:cTn>
-                              </p:par>
-                              <p:par>
-                                <p:cTn id="15" presetID="1" presetClass="entr" presetSubtype="0" fill="hold" grpId="0" nodeType="withEffect">
-                                  <p:stCondLst>
-                                    <p:cond delay="0"/>
-                                  </p:stCondLst>
-                                  <p:childTnLst>
-                                    <p:set>
-                                      <p:cBhvr>
-                                        <p:cTn id="16" dur="1" fill="hold">
-                                          <p:stCondLst>
-                                            <p:cond delay="0"/>
-                                          </p:stCondLst>
-                                        </p:cTn>
-                                        <p:tgtEl>
-                                          <p:spTgt spid="3"/>
-                                        </p:tgtEl>
-                                        <p:attrNameLst>
-                                          <p:attrName>style.visibility</p:attrName>
-                                        </p:attrNameLst>
-                                      </p:cBhvr>
-                                      <p:to>
-                                        <p:strVal val="visible"/>
-                                      </p:to>
-                                    </p:set>
-                                  </p:childTnLst>
-                                </p:cTn>
-                              </p:par>
-                            </p:childTnLst>
-                          </p:cTn>
-                        </p:par>
-                      </p:childTnLst>
-                    </p:cTn>
-                  </p:par>
-                </p:childTnLst>
-              </p:cTn>
-              <p:prevCondLst>
-                <p:cond evt="onPrev" delay="0">
-                  <p:tgtEl>
-                    <p:sldTgt/>
-                  </p:tgtEl>
-                </p:cond>
-              </p:prevCondLst>
-              <p:nextCondLst>
-                <p:cond evt="onNext" delay="0">
-                  <p:tgtEl>
-                    <p:sldTgt/>
-                  </p:tgtEl>
-                </p:cond>
-              </p:nextCondLst>
-            </p:seq>
-          </p:childTnLst>
-        </p:cTn>
-      </p:par>
-    </p:tnLst>
-    <p:bldLst>
-      <p:bldP spid="86021" grpId="0" build="p"/>
-      <p:bldP spid="3" grpId="0"/>
-    </p:bldLst>
-  </p:timing>
-</p:sld>
-</file>
-
-<file path=ppt/slides/slide84.xml><?xml version="1.0" encoding="utf-8"?>
-<p:sld xmlns:a="http://schemas.openxmlformats.org/drawingml/2006/main" xmlns:r="http://schemas.openxmlformats.org/officeDocument/2006/relationships" xmlns:p="http://schemas.openxmlformats.org/presentationml/2006/main">
-  <p:cSld>
-    <p:spTree>
-      <p:nvGrpSpPr>
-        <p:cNvPr id="1" name=""/>
-        <p:cNvGrpSpPr/>
-        <p:nvPr/>
-      </p:nvGrpSpPr>
-      <p:grpSpPr>
-        <a:xfrm>
-          <a:off x="0" y="0"/>
-          <a:ext cx="0" cy="0"/>
-          <a:chOff x="0" y="0"/>
-          <a:chExt cx="0" cy="0"/>
-        </a:xfrm>
-      </p:grpSpPr>
-      <p:sp>
-        <p:nvSpPr>
           <p:cNvPr id="2" name="Title 1"/>
           <p:cNvSpPr>
             <a:spLocks noGrp="1"/>
@@ -35087,19 +34315,13 @@
             </a:pPr>
             <a:r>
               <a:rPr lang="en-US" sz="2800" dirty="0"/>
-              <a:t>Regression test</a:t>
-            </a:r>
-          </a:p>
-          <a:p>
-            <a:pPr eaLnBrk="1" hangingPunct="1">
-              <a:lnSpc>
-                <a:spcPct val="90000"/>
-              </a:lnSpc>
-            </a:pPr>
-            <a:r>
-              <a:rPr lang="en-US" sz="3200" dirty="0"/>
-              <a:t>Test scaffoldings and oracles</a:t>
-            </a:r>
+              <a:t>Regression </a:t>
+            </a:r>
+            <a:r>
+              <a:rPr lang="en-US" sz="2800" dirty="0" smtClean="0"/>
+              <a:t>test</a:t>
+            </a:r>
+            <a:endParaRPr lang="en-US" sz="2800" dirty="0"/>
           </a:p>
         </p:txBody>
       </p:sp>
@@ -35120,7 +34342,7 @@
           <a:p>
             <a:fld id="{B543A0FD-1CA6-4228-86A2-78061B4844C8}" type="slidenum">
               <a:rPr lang="en-US" smtClean="0"/>
-              <a:t>84</a:t>
+              <a:t>82</a:t>
             </a:fld>
             <a:endParaRPr lang="en-US"/>
           </a:p>

--- a/SE401/Lectures/2-Software Quality/Software Quality.pptx
+++ b/SE401/Lectures/2-Software Quality/Software Quality.pptx
@@ -596,14 +596,14 @@
           <a:ln/>
           <a:extLst>
             <a:ext uri="{909E8E84-426E-40dd-AFC4-6F175D3DCCD1}">
-              <a14:hiddenFill xmlns="" xmlns:a14="http://schemas.microsoft.com/office/drawing/2010/main">
+              <a14:hiddenFill xmlns:a14="http://schemas.microsoft.com/office/drawing/2010/main" xmlns="">
                 <a:solidFill>
                   <a:srgbClr val="FFFFFF"/>
                 </a:solidFill>
               </a14:hiddenFill>
             </a:ext>
             <a:ext uri="{91240B29-F687-4f45-9708-019B960494DF}">
-              <a14:hiddenLine xmlns="" xmlns:a14="http://schemas.microsoft.com/office/drawing/2010/main" w="9525">
+              <a14:hiddenLine xmlns:a14="http://schemas.microsoft.com/office/drawing/2010/main" xmlns="" w="9525">
                 <a:solidFill>
                   <a:srgbClr val="000000"/>
                 </a:solidFill>
@@ -613,7 +613,7 @@
               </a14:hiddenLine>
             </a:ext>
             <a:ext uri="{FAA26D3D-D897-4be2-8F04-BA451C77F1D7}">
-              <ma14:placeholderFlag xmlns="" xmlns:ma14="http://schemas.microsoft.com/office/mac/drawingml/2011/main" val="1"/>
+              <ma14:placeholderFlag xmlns:ma14="http://schemas.microsoft.com/office/mac/drawingml/2011/main" xmlns="" val="1"/>
             </a:ext>
           </a:extLst>
         </p:spPr>
@@ -643,14 +643,14 @@
           <a:ln/>
           <a:extLst>
             <a:ext uri="{909E8E84-426E-40dd-AFC4-6F175D3DCCD1}">
-              <a14:hiddenFill xmlns="" xmlns:a14="http://schemas.microsoft.com/office/drawing/2010/main">
+              <a14:hiddenFill xmlns:a14="http://schemas.microsoft.com/office/drawing/2010/main" xmlns="">
                 <a:solidFill>
                   <a:srgbClr val="FFFFFF"/>
                 </a:solidFill>
               </a14:hiddenFill>
             </a:ext>
             <a:ext uri="{91240B29-F687-4f45-9708-019B960494DF}">
-              <a14:hiddenLine xmlns="" xmlns:a14="http://schemas.microsoft.com/office/drawing/2010/main" w="9525">
+              <a14:hiddenLine xmlns:a14="http://schemas.microsoft.com/office/drawing/2010/main" xmlns="" w="9525">
                 <a:solidFill>
                   <a:srgbClr val="000000"/>
                 </a:solidFill>
@@ -803,14 +803,14 @@
           <a:ln/>
           <a:extLst>
             <a:ext uri="{909E8E84-426E-40dd-AFC4-6F175D3DCCD1}">
-              <a14:hiddenFill xmlns="" xmlns:a14="http://schemas.microsoft.com/office/drawing/2010/main">
+              <a14:hiddenFill xmlns:a14="http://schemas.microsoft.com/office/drawing/2010/main" xmlns="">
                 <a:solidFill>
                   <a:srgbClr val="FFFFFF"/>
                 </a:solidFill>
               </a14:hiddenFill>
             </a:ext>
             <a:ext uri="{91240B29-F687-4f45-9708-019B960494DF}">
-              <a14:hiddenLine xmlns="" xmlns:a14="http://schemas.microsoft.com/office/drawing/2010/main" w="9525">
+              <a14:hiddenLine xmlns:a14="http://schemas.microsoft.com/office/drawing/2010/main" xmlns="" w="9525">
                 <a:solidFill>
                   <a:srgbClr val="000000"/>
                 </a:solidFill>
@@ -963,14 +963,14 @@
           <a:ln/>
           <a:extLst>
             <a:ext uri="{909E8E84-426E-40dd-AFC4-6F175D3DCCD1}">
-              <a14:hiddenFill xmlns="" xmlns:a14="http://schemas.microsoft.com/office/drawing/2010/main">
+              <a14:hiddenFill xmlns:a14="http://schemas.microsoft.com/office/drawing/2010/main" xmlns="">
                 <a:solidFill>
                   <a:srgbClr val="FFFFFF"/>
                 </a:solidFill>
               </a14:hiddenFill>
             </a:ext>
             <a:ext uri="{91240B29-F687-4f45-9708-019B960494DF}">
-              <a14:hiddenLine xmlns="" xmlns:a14="http://schemas.microsoft.com/office/drawing/2010/main" w="9525">
+              <a14:hiddenLine xmlns:a14="http://schemas.microsoft.com/office/drawing/2010/main" xmlns="" w="9525">
                 <a:solidFill>
                   <a:srgbClr val="000000"/>
                 </a:solidFill>
@@ -1197,14 +1197,14 @@
           </a:ln>
           <a:extLst>
             <a:ext uri="{909E8E84-426E-40dd-AFC4-6F175D3DCCD1}">
-              <a14:hiddenFill xmlns="" xmlns:a14="http://schemas.microsoft.com/office/drawing/2010/main">
+              <a14:hiddenFill xmlns:a14="http://schemas.microsoft.com/office/drawing/2010/main" xmlns="">
                 <a:solidFill>
                   <a:srgbClr val="FFFFFF"/>
                 </a:solidFill>
               </a14:hiddenFill>
             </a:ext>
             <a:ext uri="{FAA26D3D-D897-4be2-8F04-BA451C77F1D7}">
-              <ma14:placeholderFlag xmlns="" xmlns:ma14="http://schemas.microsoft.com/office/mac/drawingml/2011/main" val="1"/>
+              <ma14:placeholderFlag xmlns:ma14="http://schemas.microsoft.com/office/mac/drawingml/2011/main" xmlns="" val="1"/>
             </a:ext>
           </a:extLst>
         </p:spPr>
@@ -1223,14 +1223,14 @@
           <a:noFill/>
           <a:extLst>
             <a:ext uri="{909E8E84-426E-40dd-AFC4-6F175D3DCCD1}">
-              <a14:hiddenFill xmlns="" xmlns:a14="http://schemas.microsoft.com/office/drawing/2010/main">
+              <a14:hiddenFill xmlns:a14="http://schemas.microsoft.com/office/drawing/2010/main" xmlns="">
                 <a:solidFill>
                   <a:srgbClr val="FFFFFF"/>
                 </a:solidFill>
               </a14:hiddenFill>
             </a:ext>
             <a:ext uri="{91240B29-F687-4f45-9708-019B960494DF}">
-              <a14:hiddenLine xmlns="" xmlns:a14="http://schemas.microsoft.com/office/drawing/2010/main" w="9525">
+              <a14:hiddenLine xmlns:a14="http://schemas.microsoft.com/office/drawing/2010/main" xmlns="" w="9525">
                 <a:solidFill>
                   <a:srgbClr val="000000"/>
                 </a:solidFill>
@@ -1240,7 +1240,7 @@
               </a14:hiddenLine>
             </a:ext>
             <a:ext uri="{FAA26D3D-D897-4be2-8F04-BA451C77F1D7}">
-              <ma14:placeholderFlag xmlns="" xmlns:ma14="http://schemas.microsoft.com/office/mac/drawingml/2011/main" val="1"/>
+              <ma14:placeholderFlag xmlns:ma14="http://schemas.microsoft.com/office/mac/drawingml/2011/main" xmlns="" val="1"/>
             </a:ext>
           </a:extLst>
         </p:spPr>
@@ -1340,14 +1340,14 @@
           <a:ln/>
           <a:extLst>
             <a:ext uri="{909E8E84-426E-40dd-AFC4-6F175D3DCCD1}">
-              <a14:hiddenFill xmlns="" xmlns:a14="http://schemas.microsoft.com/office/drawing/2010/main">
+              <a14:hiddenFill xmlns:a14="http://schemas.microsoft.com/office/drawing/2010/main" xmlns="">
                 <a:solidFill>
                   <a:srgbClr val="FFFFFF"/>
                 </a:solidFill>
               </a14:hiddenFill>
             </a:ext>
             <a:ext uri="{91240B29-F687-4f45-9708-019B960494DF}">
-              <a14:hiddenLine xmlns="" xmlns:a14="http://schemas.microsoft.com/office/drawing/2010/main" w="9525">
+              <a14:hiddenLine xmlns:a14="http://schemas.microsoft.com/office/drawing/2010/main" xmlns="" w="9525">
                 <a:solidFill>
                   <a:srgbClr val="000000"/>
                 </a:solidFill>
@@ -1357,7 +1357,7 @@
               </a14:hiddenLine>
             </a:ext>
             <a:ext uri="{FAA26D3D-D897-4be2-8F04-BA451C77F1D7}">
-              <ma14:placeholderFlag xmlns="" xmlns:ma14="http://schemas.microsoft.com/office/mac/drawingml/2011/main" val="1"/>
+              <ma14:placeholderFlag xmlns:ma14="http://schemas.microsoft.com/office/mac/drawingml/2011/main" xmlns="" val="1"/>
             </a:ext>
           </a:extLst>
         </p:spPr>
@@ -1402,14 +1402,14 @@
           <a:ln/>
           <a:extLst>
             <a:ext uri="{909E8E84-426E-40dd-AFC4-6F175D3DCCD1}">
-              <a14:hiddenFill xmlns="" xmlns:a14="http://schemas.microsoft.com/office/drawing/2010/main">
+              <a14:hiddenFill xmlns:a14="http://schemas.microsoft.com/office/drawing/2010/main" xmlns="">
                 <a:solidFill>
                   <a:srgbClr val="FFFFFF"/>
                 </a:solidFill>
               </a14:hiddenFill>
             </a:ext>
             <a:ext uri="{91240B29-F687-4f45-9708-019B960494DF}">
-              <a14:hiddenLine xmlns="" xmlns:a14="http://schemas.microsoft.com/office/drawing/2010/main" w="9525">
+              <a14:hiddenLine xmlns:a14="http://schemas.microsoft.com/office/drawing/2010/main" xmlns="" w="9525">
                 <a:solidFill>
                   <a:srgbClr val="000000"/>
                 </a:solidFill>
@@ -1554,14 +1554,14 @@
           <a:ln/>
           <a:extLst>
             <a:ext uri="{909E8E84-426E-40dd-AFC4-6F175D3DCCD1}">
-              <a14:hiddenFill xmlns="" xmlns:a14="http://schemas.microsoft.com/office/drawing/2010/main">
+              <a14:hiddenFill xmlns:a14="http://schemas.microsoft.com/office/drawing/2010/main" xmlns="">
                 <a:solidFill>
                   <a:srgbClr val="FFFFFF"/>
                 </a:solidFill>
               </a14:hiddenFill>
             </a:ext>
             <a:ext uri="{91240B29-F687-4f45-9708-019B960494DF}">
-              <a14:hiddenLine xmlns="" xmlns:a14="http://schemas.microsoft.com/office/drawing/2010/main" w="9525">
+              <a14:hiddenLine xmlns:a14="http://schemas.microsoft.com/office/drawing/2010/main" xmlns="" w="9525">
                 <a:solidFill>
                   <a:srgbClr val="000000"/>
                 </a:solidFill>
@@ -1705,14 +1705,14 @@
           <a:ln/>
           <a:extLst>
             <a:ext uri="{909E8E84-426E-40dd-AFC4-6F175D3DCCD1}">
-              <a14:hiddenFill xmlns="" xmlns:a14="http://schemas.microsoft.com/office/drawing/2010/main">
+              <a14:hiddenFill xmlns:a14="http://schemas.microsoft.com/office/drawing/2010/main" xmlns="">
                 <a:solidFill>
                   <a:srgbClr val="FFFFFF"/>
                 </a:solidFill>
               </a14:hiddenFill>
             </a:ext>
             <a:ext uri="{91240B29-F687-4f45-9708-019B960494DF}">
-              <a14:hiddenLine xmlns="" xmlns:a14="http://schemas.microsoft.com/office/drawing/2010/main" w="9525">
+              <a14:hiddenLine xmlns:a14="http://schemas.microsoft.com/office/drawing/2010/main" xmlns="" w="9525">
                 <a:solidFill>
                   <a:srgbClr val="000000"/>
                 </a:solidFill>
@@ -1924,14 +1924,14 @@
           <a:ln/>
           <a:extLst>
             <a:ext uri="{909E8E84-426E-40dd-AFC4-6F175D3DCCD1}">
-              <a14:hiddenFill xmlns="" xmlns:a14="http://schemas.microsoft.com/office/drawing/2010/main">
+              <a14:hiddenFill xmlns:a14="http://schemas.microsoft.com/office/drawing/2010/main" xmlns="">
                 <a:solidFill>
                   <a:srgbClr val="FFFFFF"/>
                 </a:solidFill>
               </a14:hiddenFill>
             </a:ext>
             <a:ext uri="{91240B29-F687-4f45-9708-019B960494DF}">
-              <a14:hiddenLine xmlns="" xmlns:a14="http://schemas.microsoft.com/office/drawing/2010/main" w="9525">
+              <a14:hiddenLine xmlns:a14="http://schemas.microsoft.com/office/drawing/2010/main" xmlns="" w="9525">
                 <a:solidFill>
                   <a:srgbClr val="000000"/>
                 </a:solidFill>
@@ -1941,7 +1941,7 @@
               </a14:hiddenLine>
             </a:ext>
             <a:ext uri="{FAA26D3D-D897-4be2-8F04-BA451C77F1D7}">
-              <ma14:placeholderFlag xmlns="" xmlns:ma14="http://schemas.microsoft.com/office/mac/drawingml/2011/main" val="1"/>
+              <ma14:placeholderFlag xmlns:ma14="http://schemas.microsoft.com/office/mac/drawingml/2011/main" xmlns="" val="1"/>
             </a:ext>
           </a:extLst>
         </p:spPr>
@@ -1990,14 +1990,14 @@
           <a:ln/>
           <a:extLst>
             <a:ext uri="{909E8E84-426E-40dd-AFC4-6F175D3DCCD1}">
-              <a14:hiddenFill xmlns="" xmlns:a14="http://schemas.microsoft.com/office/drawing/2010/main">
+              <a14:hiddenFill xmlns:a14="http://schemas.microsoft.com/office/drawing/2010/main" xmlns="">
                 <a:solidFill>
                   <a:srgbClr val="FFFFFF"/>
                 </a:solidFill>
               </a14:hiddenFill>
             </a:ext>
             <a:ext uri="{91240B29-F687-4f45-9708-019B960494DF}">
-              <a14:hiddenLine xmlns="" xmlns:a14="http://schemas.microsoft.com/office/drawing/2010/main" w="9525">
+              <a14:hiddenLine xmlns:a14="http://schemas.microsoft.com/office/drawing/2010/main" xmlns="" w="9525">
                 <a:solidFill>
                   <a:srgbClr val="000000"/>
                 </a:solidFill>
@@ -2142,14 +2142,14 @@
           <a:ln/>
           <a:extLst>
             <a:ext uri="{909E8E84-426E-40dd-AFC4-6F175D3DCCD1}">
-              <a14:hiddenFill xmlns="" xmlns:a14="http://schemas.microsoft.com/office/drawing/2010/main">
+              <a14:hiddenFill xmlns:a14="http://schemas.microsoft.com/office/drawing/2010/main" xmlns="">
                 <a:solidFill>
                   <a:srgbClr val="FFFFFF"/>
                 </a:solidFill>
               </a14:hiddenFill>
             </a:ext>
             <a:ext uri="{91240B29-F687-4f45-9708-019B960494DF}">
-              <a14:hiddenLine xmlns="" xmlns:a14="http://schemas.microsoft.com/office/drawing/2010/main" w="9525">
+              <a14:hiddenLine xmlns:a14="http://schemas.microsoft.com/office/drawing/2010/main" xmlns="" w="9525">
                 <a:solidFill>
                   <a:srgbClr val="000000"/>
                 </a:solidFill>
@@ -2293,14 +2293,14 @@
           <a:ln/>
           <a:extLst>
             <a:ext uri="{909E8E84-426E-40dd-AFC4-6F175D3DCCD1}">
-              <a14:hiddenFill xmlns="" xmlns:a14="http://schemas.microsoft.com/office/drawing/2010/main">
+              <a14:hiddenFill xmlns:a14="http://schemas.microsoft.com/office/drawing/2010/main" xmlns="">
                 <a:solidFill>
                   <a:srgbClr val="FFFFFF"/>
                 </a:solidFill>
               </a14:hiddenFill>
             </a:ext>
             <a:ext uri="{91240B29-F687-4f45-9708-019B960494DF}">
-              <a14:hiddenLine xmlns="" xmlns:a14="http://schemas.microsoft.com/office/drawing/2010/main" w="9525">
+              <a14:hiddenLine xmlns:a14="http://schemas.microsoft.com/office/drawing/2010/main" xmlns="" w="9525">
                 <a:solidFill>
                   <a:srgbClr val="000000"/>
                 </a:solidFill>
@@ -2530,14 +2530,14 @@
           <a:ln/>
           <a:extLst>
             <a:ext uri="{909E8E84-426E-40dd-AFC4-6F175D3DCCD1}">
-              <a14:hiddenFill xmlns="" xmlns:a14="http://schemas.microsoft.com/office/drawing/2010/main">
+              <a14:hiddenFill xmlns:a14="http://schemas.microsoft.com/office/drawing/2010/main" xmlns="">
                 <a:solidFill>
                   <a:srgbClr val="FFFFFF"/>
                 </a:solidFill>
               </a14:hiddenFill>
             </a:ext>
             <a:ext uri="{91240B29-F687-4f45-9708-019B960494DF}">
-              <a14:hiddenLine xmlns="" xmlns:a14="http://schemas.microsoft.com/office/drawing/2010/main" w="9525">
+              <a14:hiddenLine xmlns:a14="http://schemas.microsoft.com/office/drawing/2010/main" xmlns="" w="9525">
                 <a:solidFill>
                   <a:srgbClr val="000000"/>
                 </a:solidFill>
@@ -2580,14 +2580,14 @@
           <a:ln/>
           <a:extLst>
             <a:ext uri="{909E8E84-426E-40dd-AFC4-6F175D3DCCD1}">
-              <a14:hiddenFill xmlns="" xmlns:a14="http://schemas.microsoft.com/office/drawing/2010/main">
+              <a14:hiddenFill xmlns:a14="http://schemas.microsoft.com/office/drawing/2010/main" xmlns="">
                 <a:solidFill>
                   <a:srgbClr val="FFFFFF"/>
                 </a:solidFill>
               </a14:hiddenFill>
             </a:ext>
             <a:ext uri="{91240B29-F687-4f45-9708-019B960494DF}">
-              <a14:hiddenLine xmlns="" xmlns:a14="http://schemas.microsoft.com/office/drawing/2010/main" w="9525">
+              <a14:hiddenLine xmlns:a14="http://schemas.microsoft.com/office/drawing/2010/main" xmlns="" w="9525">
                 <a:solidFill>
                   <a:srgbClr val="000000"/>
                 </a:solidFill>
@@ -2732,14 +2732,14 @@
           <a:ln/>
           <a:extLst>
             <a:ext uri="{909E8E84-426E-40dd-AFC4-6F175D3DCCD1}">
-              <a14:hiddenFill xmlns="" xmlns:a14="http://schemas.microsoft.com/office/drawing/2010/main">
+              <a14:hiddenFill xmlns:a14="http://schemas.microsoft.com/office/drawing/2010/main" xmlns="">
                 <a:solidFill>
                   <a:srgbClr val="FFFFFF"/>
                 </a:solidFill>
               </a14:hiddenFill>
             </a:ext>
             <a:ext uri="{91240B29-F687-4f45-9708-019B960494DF}">
-              <a14:hiddenLine xmlns="" xmlns:a14="http://schemas.microsoft.com/office/drawing/2010/main" w="9525">
+              <a14:hiddenLine xmlns:a14="http://schemas.microsoft.com/office/drawing/2010/main" xmlns="" w="9525">
                 <a:solidFill>
                   <a:srgbClr val="000000"/>
                 </a:solidFill>
@@ -2884,14 +2884,14 @@
           <a:ln/>
           <a:extLst>
             <a:ext uri="{909E8E84-426E-40dd-AFC4-6F175D3DCCD1}">
-              <a14:hiddenFill xmlns="" xmlns:a14="http://schemas.microsoft.com/office/drawing/2010/main">
+              <a14:hiddenFill xmlns:a14="http://schemas.microsoft.com/office/drawing/2010/main" xmlns="">
                 <a:solidFill>
                   <a:srgbClr val="FFFFFF"/>
                 </a:solidFill>
               </a14:hiddenFill>
             </a:ext>
             <a:ext uri="{91240B29-F687-4f45-9708-019B960494DF}">
-              <a14:hiddenLine xmlns="" xmlns:a14="http://schemas.microsoft.com/office/drawing/2010/main" w="9525">
+              <a14:hiddenLine xmlns:a14="http://schemas.microsoft.com/office/drawing/2010/main" xmlns="" w="9525">
                 <a:solidFill>
                   <a:srgbClr val="000000"/>
                 </a:solidFill>
@@ -3110,14 +3110,14 @@
           </a:ln>
           <a:extLst>
             <a:ext uri="{909E8E84-426E-40dd-AFC4-6F175D3DCCD1}">
-              <a14:hiddenFill xmlns="" xmlns:a14="http://schemas.microsoft.com/office/drawing/2010/main">
+              <a14:hiddenFill xmlns:a14="http://schemas.microsoft.com/office/drawing/2010/main" xmlns="">
                 <a:solidFill>
                   <a:srgbClr val="FFFFFF"/>
                 </a:solidFill>
               </a14:hiddenFill>
             </a:ext>
             <a:ext uri="{FAA26D3D-D897-4be2-8F04-BA451C77F1D7}">
-              <ma14:placeholderFlag xmlns="" xmlns:ma14="http://schemas.microsoft.com/office/mac/drawingml/2011/main" val="1"/>
+              <ma14:placeholderFlag xmlns:ma14="http://schemas.microsoft.com/office/mac/drawingml/2011/main" xmlns="" val="1"/>
             </a:ext>
           </a:extLst>
         </p:spPr>
@@ -3136,14 +3136,14 @@
           <a:noFill/>
           <a:extLst>
             <a:ext uri="{909E8E84-426E-40dd-AFC4-6F175D3DCCD1}">
-              <a14:hiddenFill xmlns="" xmlns:a14="http://schemas.microsoft.com/office/drawing/2010/main">
+              <a14:hiddenFill xmlns:a14="http://schemas.microsoft.com/office/drawing/2010/main" xmlns="">
                 <a:solidFill>
                   <a:srgbClr val="FFFFFF"/>
                 </a:solidFill>
               </a14:hiddenFill>
             </a:ext>
             <a:ext uri="{91240B29-F687-4f45-9708-019B960494DF}">
-              <a14:hiddenLine xmlns="" xmlns:a14="http://schemas.microsoft.com/office/drawing/2010/main" w="9525">
+              <a14:hiddenLine xmlns:a14="http://schemas.microsoft.com/office/drawing/2010/main" xmlns="" w="9525">
                 <a:solidFill>
                   <a:srgbClr val="000000"/>
                 </a:solidFill>
@@ -3153,7 +3153,7 @@
               </a14:hiddenLine>
             </a:ext>
             <a:ext uri="{FAA26D3D-D897-4be2-8F04-BA451C77F1D7}">
-              <ma14:placeholderFlag xmlns="" xmlns:ma14="http://schemas.microsoft.com/office/mac/drawingml/2011/main" val="1"/>
+              <ma14:placeholderFlag xmlns:ma14="http://schemas.microsoft.com/office/mac/drawingml/2011/main" xmlns="" val="1"/>
             </a:ext>
           </a:extLst>
         </p:spPr>
@@ -3260,14 +3260,14 @@
           </a:ln>
           <a:extLst>
             <a:ext uri="{909E8E84-426E-40dd-AFC4-6F175D3DCCD1}">
-              <a14:hiddenFill xmlns="" xmlns:a14="http://schemas.microsoft.com/office/drawing/2010/main">
+              <a14:hiddenFill xmlns:a14="http://schemas.microsoft.com/office/drawing/2010/main" xmlns="">
                 <a:solidFill>
                   <a:srgbClr val="FFFFFF"/>
                 </a:solidFill>
               </a14:hiddenFill>
             </a:ext>
             <a:ext uri="{91240B29-F687-4f45-9708-019B960494DF}">
-              <a14:hiddenLine xmlns="" xmlns:a14="http://schemas.microsoft.com/office/drawing/2010/main" w="9525">
+              <a14:hiddenLine xmlns:a14="http://schemas.microsoft.com/office/drawing/2010/main" xmlns="" w="9525">
                 <a:solidFill>
                   <a:srgbClr val="000000"/>
                 </a:solidFill>
@@ -3429,14 +3429,14 @@
           </a:ln>
           <a:extLst>
             <a:ext uri="{909E8E84-426E-40dd-AFC4-6F175D3DCCD1}">
-              <a14:hiddenFill xmlns="" xmlns:a14="http://schemas.microsoft.com/office/drawing/2010/main">
+              <a14:hiddenFill xmlns:a14="http://schemas.microsoft.com/office/drawing/2010/main" xmlns="">
                 <a:solidFill>
                   <a:srgbClr val="FFFFFF"/>
                 </a:solidFill>
               </a14:hiddenFill>
             </a:ext>
             <a:ext uri="{FAA26D3D-D897-4be2-8F04-BA451C77F1D7}">
-              <ma14:placeholderFlag xmlns="" xmlns:ma14="http://schemas.microsoft.com/office/mac/drawingml/2011/main" val="1"/>
+              <ma14:placeholderFlag xmlns:ma14="http://schemas.microsoft.com/office/mac/drawingml/2011/main" xmlns="" val="1"/>
             </a:ext>
           </a:extLst>
         </p:spPr>
@@ -3485,14 +3485,14 @@
           </a:ln>
           <a:extLst>
             <a:ext uri="{909E8E84-426E-40dd-AFC4-6F175D3DCCD1}">
-              <a14:hiddenFill xmlns="" xmlns:a14="http://schemas.microsoft.com/office/drawing/2010/main">
+              <a14:hiddenFill xmlns:a14="http://schemas.microsoft.com/office/drawing/2010/main" xmlns="">
                 <a:solidFill>
                   <a:srgbClr val="FFFFFF"/>
                 </a:solidFill>
               </a14:hiddenFill>
             </a:ext>
             <a:ext uri="{FAA26D3D-D897-4be2-8F04-BA451C77F1D7}">
-              <ma14:placeholderFlag xmlns="" xmlns:ma14="http://schemas.microsoft.com/office/mac/drawingml/2011/main" val="1"/>
+              <ma14:placeholderFlag xmlns:ma14="http://schemas.microsoft.com/office/mac/drawingml/2011/main" xmlns="" val="1"/>
             </a:ext>
           </a:extLst>
         </p:spPr>
@@ -3674,14 +3674,14 @@
           </a:ln>
           <a:extLst>
             <a:ext uri="{909E8E84-426E-40dd-AFC4-6F175D3DCCD1}">
-              <a14:hiddenFill xmlns="" xmlns:a14="http://schemas.microsoft.com/office/drawing/2010/main">
+              <a14:hiddenFill xmlns:a14="http://schemas.microsoft.com/office/drawing/2010/main" xmlns="">
                 <a:solidFill>
                   <a:srgbClr val="FFFFFF"/>
                 </a:solidFill>
               </a14:hiddenFill>
             </a:ext>
             <a:ext uri="{FAA26D3D-D897-4be2-8F04-BA451C77F1D7}">
-              <ma14:placeholderFlag xmlns="" xmlns:ma14="http://schemas.microsoft.com/office/mac/drawingml/2011/main" val="1"/>
+              <ma14:placeholderFlag xmlns:ma14="http://schemas.microsoft.com/office/mac/drawingml/2011/main" xmlns="" val="1"/>
             </a:ext>
           </a:extLst>
         </p:spPr>
@@ -3712,14 +3712,14 @@
           </a:ln>
           <a:extLst>
             <a:ext uri="{909E8E84-426E-40dd-AFC4-6F175D3DCCD1}">
-              <a14:hiddenFill xmlns="" xmlns:a14="http://schemas.microsoft.com/office/drawing/2010/main">
+              <a14:hiddenFill xmlns:a14="http://schemas.microsoft.com/office/drawing/2010/main" xmlns="">
                 <a:solidFill>
                   <a:srgbClr val="FFFFFF"/>
                 </a:solidFill>
               </a14:hiddenFill>
             </a:ext>
             <a:ext uri="{FAA26D3D-D897-4be2-8F04-BA451C77F1D7}">
-              <ma14:placeholderFlag xmlns="" xmlns:ma14="http://schemas.microsoft.com/office/mac/drawingml/2011/main" val="1"/>
+              <ma14:placeholderFlag xmlns:ma14="http://schemas.microsoft.com/office/mac/drawingml/2011/main" xmlns="" val="1"/>
             </a:ext>
           </a:extLst>
         </p:spPr>
@@ -3827,14 +3827,14 @@
           </a:ln>
           <a:extLst>
             <a:ext uri="{909E8E84-426E-40dd-AFC4-6F175D3DCCD1}">
-              <a14:hiddenFill xmlns="" xmlns:a14="http://schemas.microsoft.com/office/drawing/2010/main">
+              <a14:hiddenFill xmlns:a14="http://schemas.microsoft.com/office/drawing/2010/main" xmlns="">
                 <a:solidFill>
                   <a:srgbClr val="FFFFFF"/>
                 </a:solidFill>
               </a14:hiddenFill>
             </a:ext>
             <a:ext uri="{FAA26D3D-D897-4be2-8F04-BA451C77F1D7}">
-              <ma14:placeholderFlag xmlns="" xmlns:ma14="http://schemas.microsoft.com/office/mac/drawingml/2011/main" val="1"/>
+              <ma14:placeholderFlag xmlns:ma14="http://schemas.microsoft.com/office/mac/drawingml/2011/main" xmlns="" val="1"/>
             </a:ext>
           </a:extLst>
         </p:spPr>
@@ -3853,14 +3853,14 @@
           <a:noFill/>
           <a:extLst>
             <a:ext uri="{909E8E84-426E-40dd-AFC4-6F175D3DCCD1}">
-              <a14:hiddenFill xmlns="" xmlns:a14="http://schemas.microsoft.com/office/drawing/2010/main">
+              <a14:hiddenFill xmlns:a14="http://schemas.microsoft.com/office/drawing/2010/main" xmlns="">
                 <a:solidFill>
                   <a:srgbClr val="FFFFFF"/>
                 </a:solidFill>
               </a14:hiddenFill>
             </a:ext>
             <a:ext uri="{91240B29-F687-4f45-9708-019B960494DF}">
-              <a14:hiddenLine xmlns="" xmlns:a14="http://schemas.microsoft.com/office/drawing/2010/main" w="9525">
+              <a14:hiddenLine xmlns:a14="http://schemas.microsoft.com/office/drawing/2010/main" xmlns="" w="9525">
                 <a:solidFill>
                   <a:srgbClr val="000000"/>
                 </a:solidFill>
@@ -3870,7 +3870,7 @@
               </a14:hiddenLine>
             </a:ext>
             <a:ext uri="{FAA26D3D-D897-4be2-8F04-BA451C77F1D7}">
-              <ma14:placeholderFlag xmlns="" xmlns:ma14="http://schemas.microsoft.com/office/mac/drawingml/2011/main" val="1"/>
+              <ma14:placeholderFlag xmlns:ma14="http://schemas.microsoft.com/office/mac/drawingml/2011/main" xmlns="" val="1"/>
             </a:ext>
           </a:extLst>
         </p:spPr>
@@ -3977,14 +3977,14 @@
           </a:ln>
           <a:extLst>
             <a:ext uri="{909E8E84-426E-40dd-AFC4-6F175D3DCCD1}">
-              <a14:hiddenFill xmlns="" xmlns:a14="http://schemas.microsoft.com/office/drawing/2010/main">
+              <a14:hiddenFill xmlns:a14="http://schemas.microsoft.com/office/drawing/2010/main" xmlns="">
                 <a:solidFill>
                   <a:srgbClr val="FFFFFF"/>
                 </a:solidFill>
               </a14:hiddenFill>
             </a:ext>
             <a:ext uri="{FAA26D3D-D897-4be2-8F04-BA451C77F1D7}">
-              <ma14:placeholderFlag xmlns="" xmlns:ma14="http://schemas.microsoft.com/office/mac/drawingml/2011/main" val="1"/>
+              <ma14:placeholderFlag xmlns:ma14="http://schemas.microsoft.com/office/mac/drawingml/2011/main" xmlns="" val="1"/>
             </a:ext>
           </a:extLst>
         </p:spPr>
@@ -4003,14 +4003,14 @@
           <a:noFill/>
           <a:extLst>
             <a:ext uri="{909E8E84-426E-40dd-AFC4-6F175D3DCCD1}">
-              <a14:hiddenFill xmlns="" xmlns:a14="http://schemas.microsoft.com/office/drawing/2010/main">
+              <a14:hiddenFill xmlns:a14="http://schemas.microsoft.com/office/drawing/2010/main" xmlns="">
                 <a:solidFill>
                   <a:srgbClr val="FFFFFF"/>
                 </a:solidFill>
               </a14:hiddenFill>
             </a:ext>
             <a:ext uri="{91240B29-F687-4f45-9708-019B960494DF}">
-              <a14:hiddenLine xmlns="" xmlns:a14="http://schemas.microsoft.com/office/drawing/2010/main" w="9525">
+              <a14:hiddenLine xmlns:a14="http://schemas.microsoft.com/office/drawing/2010/main" xmlns="" w="9525">
                 <a:solidFill>
                   <a:srgbClr val="000000"/>
                 </a:solidFill>
@@ -4020,7 +4020,7 @@
               </a14:hiddenLine>
             </a:ext>
             <a:ext uri="{FAA26D3D-D897-4be2-8F04-BA451C77F1D7}">
-              <ma14:placeholderFlag xmlns="" xmlns:ma14="http://schemas.microsoft.com/office/mac/drawingml/2011/main" val="1"/>
+              <ma14:placeholderFlag xmlns:ma14="http://schemas.microsoft.com/office/mac/drawingml/2011/main" xmlns="" val="1"/>
             </a:ext>
           </a:extLst>
         </p:spPr>
@@ -4134,14 +4134,14 @@
           <a:ln/>
           <a:extLst>
             <a:ext uri="{909E8E84-426E-40dd-AFC4-6F175D3DCCD1}">
-              <a14:hiddenFill xmlns="" xmlns:a14="http://schemas.microsoft.com/office/drawing/2010/main">
+              <a14:hiddenFill xmlns:a14="http://schemas.microsoft.com/office/drawing/2010/main" xmlns="">
                 <a:solidFill>
                   <a:srgbClr val="FFFFFF"/>
                 </a:solidFill>
               </a14:hiddenFill>
             </a:ext>
             <a:ext uri="{91240B29-F687-4f45-9708-019B960494DF}">
-              <a14:hiddenLine xmlns="" xmlns:a14="http://schemas.microsoft.com/office/drawing/2010/main" w="9525">
+              <a14:hiddenLine xmlns:a14="http://schemas.microsoft.com/office/drawing/2010/main" xmlns="" w="9525">
                 <a:solidFill>
                   <a:srgbClr val="000000"/>
                 </a:solidFill>
@@ -4151,7 +4151,7 @@
               </a14:hiddenLine>
             </a:ext>
             <a:ext uri="{FAA26D3D-D897-4be2-8F04-BA451C77F1D7}">
-              <ma14:placeholderFlag xmlns="" xmlns:ma14="http://schemas.microsoft.com/office/mac/drawingml/2011/main" val="1"/>
+              <ma14:placeholderFlag xmlns:ma14="http://schemas.microsoft.com/office/mac/drawingml/2011/main" xmlns="" val="1"/>
             </a:ext>
           </a:extLst>
         </p:spPr>
@@ -4181,14 +4181,14 @@
           <a:ln/>
           <a:extLst>
             <a:ext uri="{909E8E84-426E-40dd-AFC4-6F175D3DCCD1}">
-              <a14:hiddenFill xmlns="" xmlns:a14="http://schemas.microsoft.com/office/drawing/2010/main">
+              <a14:hiddenFill xmlns:a14="http://schemas.microsoft.com/office/drawing/2010/main" xmlns="">
                 <a:solidFill>
                   <a:srgbClr val="FFFFFF"/>
                 </a:solidFill>
               </a14:hiddenFill>
             </a:ext>
             <a:ext uri="{91240B29-F687-4f45-9708-019B960494DF}">
-              <a14:hiddenLine xmlns="" xmlns:a14="http://schemas.microsoft.com/office/drawing/2010/main" w="9525">
+              <a14:hiddenLine xmlns:a14="http://schemas.microsoft.com/office/drawing/2010/main" xmlns="" w="9525">
                 <a:solidFill>
                   <a:srgbClr val="000000"/>
                 </a:solidFill>
@@ -4341,14 +4341,14 @@
           <a:ln/>
           <a:extLst>
             <a:ext uri="{909E8E84-426E-40dd-AFC4-6F175D3DCCD1}">
-              <a14:hiddenFill xmlns="" xmlns:a14="http://schemas.microsoft.com/office/drawing/2010/main">
+              <a14:hiddenFill xmlns:a14="http://schemas.microsoft.com/office/drawing/2010/main" xmlns="">
                 <a:solidFill>
                   <a:srgbClr val="FFFFFF"/>
                 </a:solidFill>
               </a14:hiddenFill>
             </a:ext>
             <a:ext uri="{91240B29-F687-4f45-9708-019B960494DF}">
-              <a14:hiddenLine xmlns="" xmlns:a14="http://schemas.microsoft.com/office/drawing/2010/main" w="9525">
+              <a14:hiddenLine xmlns:a14="http://schemas.microsoft.com/office/drawing/2010/main" xmlns="" w="9525">
                 <a:solidFill>
                   <a:srgbClr val="000000"/>
                 </a:solidFill>
@@ -4501,14 +4501,14 @@
           <a:ln/>
           <a:extLst>
             <a:ext uri="{909E8E84-426E-40dd-AFC4-6F175D3DCCD1}">
-              <a14:hiddenFill xmlns="" xmlns:a14="http://schemas.microsoft.com/office/drawing/2010/main">
+              <a14:hiddenFill xmlns:a14="http://schemas.microsoft.com/office/drawing/2010/main" xmlns="">
                 <a:solidFill>
                   <a:srgbClr val="FFFFFF"/>
                 </a:solidFill>
               </a14:hiddenFill>
             </a:ext>
             <a:ext uri="{91240B29-F687-4f45-9708-019B960494DF}">
-              <a14:hiddenLine xmlns="" xmlns:a14="http://schemas.microsoft.com/office/drawing/2010/main" w="9525">
+              <a14:hiddenLine xmlns:a14="http://schemas.microsoft.com/office/drawing/2010/main" xmlns="" w="9525">
                 <a:solidFill>
                   <a:srgbClr val="000000"/>
                 </a:solidFill>
@@ -4746,14 +4746,14 @@
           <a:ln/>
           <a:extLst>
             <a:ext uri="{909E8E84-426E-40dd-AFC4-6F175D3DCCD1}">
-              <a14:hiddenFill xmlns="" xmlns:a14="http://schemas.microsoft.com/office/drawing/2010/main">
+              <a14:hiddenFill xmlns:a14="http://schemas.microsoft.com/office/drawing/2010/main" xmlns="">
                 <a:solidFill>
                   <a:srgbClr val="FFFFFF"/>
                 </a:solidFill>
               </a14:hiddenFill>
             </a:ext>
             <a:ext uri="{91240B29-F687-4f45-9708-019B960494DF}">
-              <a14:hiddenLine xmlns="" xmlns:a14="http://schemas.microsoft.com/office/drawing/2010/main" w="9525">
+              <a14:hiddenLine xmlns:a14="http://schemas.microsoft.com/office/drawing/2010/main" xmlns="" w="9525">
                 <a:solidFill>
                   <a:srgbClr val="000000"/>
                 </a:solidFill>
@@ -4763,7 +4763,7 @@
               </a14:hiddenLine>
             </a:ext>
             <a:ext uri="{FAA26D3D-D897-4be2-8F04-BA451C77F1D7}">
-              <ma14:placeholderFlag xmlns="" xmlns:ma14="http://schemas.microsoft.com/office/mac/drawingml/2011/main" val="1"/>
+              <ma14:placeholderFlag xmlns:ma14="http://schemas.microsoft.com/office/mac/drawingml/2011/main" xmlns="" val="1"/>
             </a:ext>
           </a:extLst>
         </p:spPr>
@@ -4793,14 +4793,14 @@
           <a:ln/>
           <a:extLst>
             <a:ext uri="{909E8E84-426E-40dd-AFC4-6F175D3DCCD1}">
-              <a14:hiddenFill xmlns="" xmlns:a14="http://schemas.microsoft.com/office/drawing/2010/main">
+              <a14:hiddenFill xmlns:a14="http://schemas.microsoft.com/office/drawing/2010/main" xmlns="">
                 <a:solidFill>
                   <a:srgbClr val="FFFFFF"/>
                 </a:solidFill>
               </a14:hiddenFill>
             </a:ext>
             <a:ext uri="{91240B29-F687-4f45-9708-019B960494DF}">
-              <a14:hiddenLine xmlns="" xmlns:a14="http://schemas.microsoft.com/office/drawing/2010/main" w="9525">
+              <a14:hiddenLine xmlns:a14="http://schemas.microsoft.com/office/drawing/2010/main" xmlns="" w="9525">
                 <a:solidFill>
                   <a:srgbClr val="000000"/>
                 </a:solidFill>
@@ -4953,14 +4953,14 @@
           <a:ln/>
           <a:extLst>
             <a:ext uri="{909E8E84-426E-40dd-AFC4-6F175D3DCCD1}">
-              <a14:hiddenFill xmlns="" xmlns:a14="http://schemas.microsoft.com/office/drawing/2010/main">
+              <a14:hiddenFill xmlns:a14="http://schemas.microsoft.com/office/drawing/2010/main" xmlns="">
                 <a:solidFill>
                   <a:srgbClr val="FFFFFF"/>
                 </a:solidFill>
               </a14:hiddenFill>
             </a:ext>
             <a:ext uri="{91240B29-F687-4f45-9708-019B960494DF}">
-              <a14:hiddenLine xmlns="" xmlns:a14="http://schemas.microsoft.com/office/drawing/2010/main" w="9525">
+              <a14:hiddenLine xmlns:a14="http://schemas.microsoft.com/office/drawing/2010/main" xmlns="" w="9525">
                 <a:solidFill>
                   <a:srgbClr val="000000"/>
                 </a:solidFill>
@@ -5113,14 +5113,14 @@
           <a:ln/>
           <a:extLst>
             <a:ext uri="{909E8E84-426E-40dd-AFC4-6F175D3DCCD1}">
-              <a14:hiddenFill xmlns="" xmlns:a14="http://schemas.microsoft.com/office/drawing/2010/main">
+              <a14:hiddenFill xmlns:a14="http://schemas.microsoft.com/office/drawing/2010/main" xmlns="">
                 <a:solidFill>
                   <a:srgbClr val="FFFFFF"/>
                 </a:solidFill>
               </a14:hiddenFill>
             </a:ext>
             <a:ext uri="{91240B29-F687-4f45-9708-019B960494DF}">
-              <a14:hiddenLine xmlns="" xmlns:a14="http://schemas.microsoft.com/office/drawing/2010/main" w="9525">
+              <a14:hiddenLine xmlns:a14="http://schemas.microsoft.com/office/drawing/2010/main" xmlns="" w="9525">
                 <a:solidFill>
                   <a:srgbClr val="000000"/>
                 </a:solidFill>
@@ -5373,7 +5373,7 @@
           </a:ln>
           <a:extLst>
             <a:ext uri="{909E8E84-426E-40dd-AFC4-6F175D3DCCD1}">
-              <a14:hiddenFill xmlns="" xmlns:a14="http://schemas.microsoft.com/office/drawing/2010/main">
+              <a14:hiddenFill xmlns:a14="http://schemas.microsoft.com/office/drawing/2010/main" xmlns="">
                 <a:solidFill>
                   <a:srgbClr val="FFFFFF"/>
                 </a:solidFill>
@@ -5575,14 +5575,14 @@
           <a:ln/>
           <a:extLst>
             <a:ext uri="{909E8E84-426E-40dd-AFC4-6F175D3DCCD1}">
-              <a14:hiddenFill xmlns="" xmlns:a14="http://schemas.microsoft.com/office/drawing/2010/main">
+              <a14:hiddenFill xmlns:a14="http://schemas.microsoft.com/office/drawing/2010/main" xmlns="">
                 <a:solidFill>
                   <a:srgbClr val="FFFFFF"/>
                 </a:solidFill>
               </a14:hiddenFill>
             </a:ext>
             <a:ext uri="{91240B29-F687-4f45-9708-019B960494DF}">
-              <a14:hiddenLine xmlns="" xmlns:a14="http://schemas.microsoft.com/office/drawing/2010/main" w="9525">
+              <a14:hiddenLine xmlns:a14="http://schemas.microsoft.com/office/drawing/2010/main" xmlns="" w="9525">
                 <a:solidFill>
                   <a:srgbClr val="000000"/>
                 </a:solidFill>
@@ -5735,14 +5735,14 @@
           <a:ln/>
           <a:extLst>
             <a:ext uri="{909E8E84-426E-40dd-AFC4-6F175D3DCCD1}">
-              <a14:hiddenFill xmlns="" xmlns:a14="http://schemas.microsoft.com/office/drawing/2010/main">
+              <a14:hiddenFill xmlns:a14="http://schemas.microsoft.com/office/drawing/2010/main" xmlns="">
                 <a:solidFill>
                   <a:srgbClr val="FFFFFF"/>
                 </a:solidFill>
               </a14:hiddenFill>
             </a:ext>
             <a:ext uri="{91240B29-F687-4f45-9708-019B960494DF}">
-              <a14:hiddenLine xmlns="" xmlns:a14="http://schemas.microsoft.com/office/drawing/2010/main" w="9525">
+              <a14:hiddenLine xmlns:a14="http://schemas.microsoft.com/office/drawing/2010/main" xmlns="" w="9525">
                 <a:solidFill>
                   <a:srgbClr val="000000"/>
                 </a:solidFill>
@@ -5895,14 +5895,14 @@
           <a:ln/>
           <a:extLst>
             <a:ext uri="{909E8E84-426E-40dd-AFC4-6F175D3DCCD1}">
-              <a14:hiddenFill xmlns="" xmlns:a14="http://schemas.microsoft.com/office/drawing/2010/main">
+              <a14:hiddenFill xmlns:a14="http://schemas.microsoft.com/office/drawing/2010/main" xmlns="">
                 <a:solidFill>
                   <a:srgbClr val="FFFFFF"/>
                 </a:solidFill>
               </a14:hiddenFill>
             </a:ext>
             <a:ext uri="{91240B29-F687-4f45-9708-019B960494DF}">
-              <a14:hiddenLine xmlns="" xmlns:a14="http://schemas.microsoft.com/office/drawing/2010/main" w="9525">
+              <a14:hiddenLine xmlns:a14="http://schemas.microsoft.com/office/drawing/2010/main" xmlns="" w="9525">
                 <a:solidFill>
                   <a:srgbClr val="000000"/>
                 </a:solidFill>
@@ -6149,7 +6149,7 @@
           </a:ln>
           <a:extLst>
             <a:ext uri="{FAA26D3D-D897-4be2-8F04-BA451C77F1D7}">
-              <ma14:placeholderFlag xmlns="" xmlns:ma14="http://schemas.microsoft.com/office/mac/drawingml/2011/main" val="1"/>
+              <ma14:placeholderFlag xmlns:ma14="http://schemas.microsoft.com/office/mac/drawingml/2011/main" xmlns="" val="1"/>
             </a:ext>
           </a:extLst>
         </p:spPr>
@@ -6184,14 +6184,14 @@
           <a:ln/>
           <a:extLst>
             <a:ext uri="{909E8E84-426E-40dd-AFC4-6F175D3DCCD1}">
-              <a14:hiddenFill xmlns="" xmlns:a14="http://schemas.microsoft.com/office/drawing/2010/main">
+              <a14:hiddenFill xmlns:a14="http://schemas.microsoft.com/office/drawing/2010/main" xmlns="">
                 <a:solidFill>
                   <a:srgbClr val="FFFFFF"/>
                 </a:solidFill>
               </a14:hiddenFill>
             </a:ext>
             <a:ext uri="{91240B29-F687-4f45-9708-019B960494DF}">
-              <a14:hiddenLine xmlns="" xmlns:a14="http://schemas.microsoft.com/office/drawing/2010/main" w="9525">
+              <a14:hiddenLine xmlns:a14="http://schemas.microsoft.com/office/drawing/2010/main" xmlns="" w="9525">
                 <a:solidFill>
                   <a:srgbClr val="000000"/>
                 </a:solidFill>
@@ -6344,14 +6344,14 @@
           <a:ln/>
           <a:extLst>
             <a:ext uri="{909E8E84-426E-40dd-AFC4-6F175D3DCCD1}">
-              <a14:hiddenFill xmlns="" xmlns:a14="http://schemas.microsoft.com/office/drawing/2010/main">
+              <a14:hiddenFill xmlns:a14="http://schemas.microsoft.com/office/drawing/2010/main" xmlns="">
                 <a:solidFill>
                   <a:srgbClr val="FFFFFF"/>
                 </a:solidFill>
               </a14:hiddenFill>
             </a:ext>
             <a:ext uri="{91240B29-F687-4f45-9708-019B960494DF}">
-              <a14:hiddenLine xmlns="" xmlns:a14="http://schemas.microsoft.com/office/drawing/2010/main" w="9525">
+              <a14:hiddenLine xmlns:a14="http://schemas.microsoft.com/office/drawing/2010/main" xmlns="" w="9525">
                 <a:solidFill>
                   <a:srgbClr val="000000"/>
                 </a:solidFill>
@@ -6504,14 +6504,14 @@
           <a:ln/>
           <a:extLst>
             <a:ext uri="{909E8E84-426E-40dd-AFC4-6F175D3DCCD1}">
-              <a14:hiddenFill xmlns="" xmlns:a14="http://schemas.microsoft.com/office/drawing/2010/main">
+              <a14:hiddenFill xmlns:a14="http://schemas.microsoft.com/office/drawing/2010/main" xmlns="">
                 <a:solidFill>
                   <a:srgbClr val="FFFFFF"/>
                 </a:solidFill>
               </a14:hiddenFill>
             </a:ext>
             <a:ext uri="{91240B29-F687-4f45-9708-019B960494DF}">
-              <a14:hiddenLine xmlns="" xmlns:a14="http://schemas.microsoft.com/office/drawing/2010/main" w="9525">
+              <a14:hiddenLine xmlns:a14="http://schemas.microsoft.com/office/drawing/2010/main" xmlns="" w="9525">
                 <a:solidFill>
                   <a:srgbClr val="000000"/>
                 </a:solidFill>
@@ -6939,14 +6939,14 @@
           <a:ln/>
           <a:extLst>
             <a:ext uri="{909E8E84-426E-40dd-AFC4-6F175D3DCCD1}">
-              <a14:hiddenFill xmlns="" xmlns:a14="http://schemas.microsoft.com/office/drawing/2010/main">
+              <a14:hiddenFill xmlns:a14="http://schemas.microsoft.com/office/drawing/2010/main" xmlns="">
                 <a:solidFill>
                   <a:srgbClr val="FFFFFF"/>
                 </a:solidFill>
               </a14:hiddenFill>
             </a:ext>
             <a:ext uri="{91240B29-F687-4f45-9708-019B960494DF}">
-              <a14:hiddenLine xmlns="" xmlns:a14="http://schemas.microsoft.com/office/drawing/2010/main" w="9525">
+              <a14:hiddenLine xmlns:a14="http://schemas.microsoft.com/office/drawing/2010/main" xmlns="" w="9525">
                 <a:solidFill>
                   <a:srgbClr val="000000"/>
                 </a:solidFill>
@@ -7237,14 +7237,14 @@
           </a:ln>
           <a:extLst>
             <a:ext uri="{909E8E84-426E-40dd-AFC4-6F175D3DCCD1}">
-              <a14:hiddenFill xmlns="" xmlns:a14="http://schemas.microsoft.com/office/drawing/2010/main">
+              <a14:hiddenFill xmlns:a14="http://schemas.microsoft.com/office/drawing/2010/main" xmlns="">
                 <a:solidFill>
                   <a:srgbClr val="FFFFFF"/>
                 </a:solidFill>
               </a14:hiddenFill>
             </a:ext>
             <a:ext uri="{FAA26D3D-D897-4be2-8F04-BA451C77F1D7}">
-              <ma14:placeholderFlag xmlns="" xmlns:ma14="http://schemas.microsoft.com/office/mac/drawingml/2011/main" val="1"/>
+              <ma14:placeholderFlag xmlns:ma14="http://schemas.microsoft.com/office/mac/drawingml/2011/main" xmlns="" val="1"/>
             </a:ext>
           </a:extLst>
         </p:spPr>
@@ -7263,14 +7263,14 @@
           <a:noFill/>
           <a:extLst>
             <a:ext uri="{909E8E84-426E-40dd-AFC4-6F175D3DCCD1}">
-              <a14:hiddenFill xmlns="" xmlns:a14="http://schemas.microsoft.com/office/drawing/2010/main">
+              <a14:hiddenFill xmlns:a14="http://schemas.microsoft.com/office/drawing/2010/main" xmlns="">
                 <a:solidFill>
                   <a:srgbClr val="FFFFFF"/>
                 </a:solidFill>
               </a14:hiddenFill>
             </a:ext>
             <a:ext uri="{91240B29-F687-4f45-9708-019B960494DF}">
-              <a14:hiddenLine xmlns="" xmlns:a14="http://schemas.microsoft.com/office/drawing/2010/main" w="9525">
+              <a14:hiddenLine xmlns:a14="http://schemas.microsoft.com/office/drawing/2010/main" xmlns="" w="9525">
                 <a:solidFill>
                   <a:srgbClr val="000000"/>
                 </a:solidFill>
@@ -7280,7 +7280,7 @@
               </a14:hiddenLine>
             </a:ext>
             <a:ext uri="{FAA26D3D-D897-4be2-8F04-BA451C77F1D7}">
-              <ma14:placeholderFlag xmlns="" xmlns:ma14="http://schemas.microsoft.com/office/mac/drawingml/2011/main" val="1"/>
+              <ma14:placeholderFlag xmlns:ma14="http://schemas.microsoft.com/office/mac/drawingml/2011/main" xmlns="" val="1"/>
             </a:ext>
           </a:extLst>
         </p:spPr>
@@ -12047,7 +12047,7 @@
           <a:noFill/>
           <a:extLst>
             <a:ext uri="{909E8E84-426E-40dd-AFC4-6F175D3DCCD1}">
-              <a14:hiddenFill xmlns="" xmlns:a14="http://schemas.microsoft.com/office/drawing/2010/main">
+              <a14:hiddenFill xmlns:a14="http://schemas.microsoft.com/office/drawing/2010/main" xmlns="">
                 <a:solidFill>
                   <a:srgbClr val="FFFFFF"/>
                 </a:solidFill>
@@ -12504,7 +12504,7 @@
         </p:nvSpPr>
         <p:spPr>
           <a:xfrm>
-            <a:off x="838200" y="1612392"/>
+            <a:off x="553529" y="1431237"/>
             <a:ext cx="10664952" cy="4639118"/>
           </a:xfrm>
         </p:spPr>
@@ -13190,9 +13190,6 @@
               </a:rPr>
               <a:t>Cycle</a:t>
             </a:r>
-            <a:endParaRPr lang="en-US" sz="2300" dirty="0" smtClean="0">
-              <a:ea typeface="MS PGothic" charset="0"/>
-            </a:endParaRPr>
           </a:p>
           <a:p>
             <a:pPr>
@@ -13481,7 +13478,7 @@
         </p:nvSpPr>
         <p:spPr>
           <a:xfrm>
-            <a:off x="838200" y="1550437"/>
+            <a:off x="682924" y="1541810"/>
             <a:ext cx="10515600" cy="4449147"/>
           </a:xfrm>
         </p:spPr>
@@ -19597,7 +19594,7 @@
           <a:graphicData uri="http://schemas.openxmlformats.org/presentationml/2006/ole">
             <mc:AlternateContent xmlns:mc="http://schemas.openxmlformats.org/markup-compatibility/2006">
               <mc:Choice xmlns:v="urn:schemas-microsoft-com:vml" Requires="v">
-                <p:oleObj spid="_x0000_s1033" name="Visio" r:id="rId4" imgW="3213100" imgH="3924300" progId="Visio.Drawing.6">
+                <p:oleObj spid="_x0000_s1034" name="Visio" r:id="rId4" imgW="3213100" imgH="3924300" progId="Visio.Drawing.6">
                   <p:embed/>
                 </p:oleObj>
               </mc:Choice>
@@ -20167,14 +20164,14 @@
           </a:ln>
           <a:extLst>
             <a:ext uri="{909E8E84-426E-40dd-AFC4-6F175D3DCCD1}">
-              <a14:hiddenFill xmlns="" xmlns:a14="http://schemas.microsoft.com/office/drawing/2010/main">
+              <a14:hiddenFill xmlns:a14="http://schemas.microsoft.com/office/drawing/2010/main" xmlns="">
                 <a:solidFill>
                   <a:srgbClr val="FFFFFF"/>
                 </a:solidFill>
               </a14:hiddenFill>
             </a:ext>
             <a:ext uri="{91240B29-F687-4f45-9708-019B960494DF}">
-              <a14:hiddenLine xmlns="" xmlns:a14="http://schemas.microsoft.com/office/drawing/2010/main" w="9525">
+              <a14:hiddenLine xmlns:a14="http://schemas.microsoft.com/office/drawing/2010/main" xmlns="" w="9525">
                 <a:solidFill>
                   <a:srgbClr val="000000"/>
                 </a:solidFill>
@@ -20331,14 +20328,14 @@
           </a:ln>
           <a:extLst>
             <a:ext uri="{909E8E84-426E-40dd-AFC4-6F175D3DCCD1}">
-              <a14:hiddenFill xmlns="" xmlns:a14="http://schemas.microsoft.com/office/drawing/2010/main">
+              <a14:hiddenFill xmlns:a14="http://schemas.microsoft.com/office/drawing/2010/main" xmlns="">
                 <a:solidFill>
                   <a:srgbClr val="FFFFFF"/>
                 </a:solidFill>
               </a14:hiddenFill>
             </a:ext>
             <a:ext uri="{91240B29-F687-4f45-9708-019B960494DF}">
-              <a14:hiddenLine xmlns="" xmlns:a14="http://schemas.microsoft.com/office/drawing/2010/main" w="9525">
+              <a14:hiddenLine xmlns:a14="http://schemas.microsoft.com/office/drawing/2010/main" xmlns="" w="9525">
                 <a:solidFill>
                   <a:srgbClr val="000000"/>
                 </a:solidFill>
@@ -20495,14 +20492,14 @@
           </a:ln>
           <a:extLst>
             <a:ext uri="{909E8E84-426E-40dd-AFC4-6F175D3DCCD1}">
-              <a14:hiddenFill xmlns="" xmlns:a14="http://schemas.microsoft.com/office/drawing/2010/main">
+              <a14:hiddenFill xmlns:a14="http://schemas.microsoft.com/office/drawing/2010/main" xmlns="">
                 <a:solidFill>
                   <a:srgbClr val="FFFFFF"/>
                 </a:solidFill>
               </a14:hiddenFill>
             </a:ext>
             <a:ext uri="{91240B29-F687-4f45-9708-019B960494DF}">
-              <a14:hiddenLine xmlns="" xmlns:a14="http://schemas.microsoft.com/office/drawing/2010/main" w="9525">
+              <a14:hiddenLine xmlns:a14="http://schemas.microsoft.com/office/drawing/2010/main" xmlns="" w="9525">
                 <a:solidFill>
                   <a:srgbClr val="000000"/>
                 </a:solidFill>
@@ -20671,7 +20668,7 @@
           </a:ln>
           <a:extLst>
             <a:ext uri="{909E8E84-426E-40dd-AFC4-6F175D3DCCD1}">
-              <a14:hiddenFill xmlns="" xmlns:a14="http://schemas.microsoft.com/office/drawing/2010/main">
+              <a14:hiddenFill xmlns:a14="http://schemas.microsoft.com/office/drawing/2010/main" xmlns="">
                 <a:solidFill>
                   <a:srgbClr val="FFFFFF"/>
                 </a:solidFill>
@@ -20732,7 +20729,7 @@
           </a:ln>
           <a:extLst>
             <a:ext uri="{909E8E84-426E-40dd-AFC4-6F175D3DCCD1}">
-              <a14:hiddenFill xmlns="" xmlns:a14="http://schemas.microsoft.com/office/drawing/2010/main">
+              <a14:hiddenFill xmlns:a14="http://schemas.microsoft.com/office/drawing/2010/main" xmlns="">
                 <a:solidFill>
                   <a:srgbClr val="FFFFFF"/>
                 </a:solidFill>
@@ -20793,7 +20790,7 @@
           </a:ln>
           <a:extLst>
             <a:ext uri="{909E8E84-426E-40dd-AFC4-6F175D3DCCD1}">
-              <a14:hiddenFill xmlns="" xmlns:a14="http://schemas.microsoft.com/office/drawing/2010/main">
+              <a14:hiddenFill xmlns:a14="http://schemas.microsoft.com/office/drawing/2010/main" xmlns="">
                 <a:solidFill>
                   <a:srgbClr val="FFFFFF"/>
                 </a:solidFill>
@@ -20900,7 +20897,7 @@
           </a:ln>
           <a:extLst>
             <a:ext uri="{909E8E84-426E-40dd-AFC4-6F175D3DCCD1}">
-              <a14:hiddenFill xmlns="" xmlns:a14="http://schemas.microsoft.com/office/drawing/2010/main">
+              <a14:hiddenFill xmlns:a14="http://schemas.microsoft.com/office/drawing/2010/main" xmlns="">
                 <a:solidFill>
                   <a:srgbClr val="FFFFFF"/>
                 </a:solidFill>
@@ -20949,14 +20946,14 @@
           </a:ln>
           <a:extLst>
             <a:ext uri="{909E8E84-426E-40dd-AFC4-6F175D3DCCD1}">
-              <a14:hiddenFill xmlns="" xmlns:a14="http://schemas.microsoft.com/office/drawing/2010/main">
+              <a14:hiddenFill xmlns:a14="http://schemas.microsoft.com/office/drawing/2010/main" xmlns="">
                 <a:solidFill>
                   <a:srgbClr val="FFFFFF"/>
                 </a:solidFill>
               </a14:hiddenFill>
             </a:ext>
             <a:ext uri="{91240B29-F687-4f45-9708-019B960494DF}">
-              <a14:hiddenLine xmlns="" xmlns:a14="http://schemas.microsoft.com/office/drawing/2010/main" w="9525">
+              <a14:hiddenLine xmlns:a14="http://schemas.microsoft.com/office/drawing/2010/main" xmlns="" w="9525">
                 <a:solidFill>
                   <a:srgbClr val="000000"/>
                 </a:solidFill>
@@ -23820,14 +23817,14 @@
           </a:ln>
           <a:extLst>
             <a:ext uri="{909E8E84-426E-40dd-AFC4-6F175D3DCCD1}">
-              <a14:hiddenFill xmlns="" xmlns:a14="http://schemas.microsoft.com/office/drawing/2010/main">
+              <a14:hiddenFill xmlns:a14="http://schemas.microsoft.com/office/drawing/2010/main" xmlns="">
                 <a:solidFill>
                   <a:srgbClr val="FFFFFF"/>
                 </a:solidFill>
               </a14:hiddenFill>
             </a:ext>
             <a:ext uri="{91240B29-F687-4f45-9708-019B960494DF}">
-              <a14:hiddenLine xmlns="" xmlns:a14="http://schemas.microsoft.com/office/drawing/2010/main" w="12700">
+              <a14:hiddenLine xmlns:a14="http://schemas.microsoft.com/office/drawing/2010/main" xmlns="" w="12700">
                 <a:solidFill>
                   <a:srgbClr val="000000"/>
                 </a:solidFill>
@@ -24641,14 +24638,14 @@
           </a:ln>
           <a:extLst>
             <a:ext uri="{909E8E84-426E-40dd-AFC4-6F175D3DCCD1}">
-              <a14:hiddenFill xmlns="" xmlns:a14="http://schemas.microsoft.com/office/drawing/2010/main">
+              <a14:hiddenFill xmlns:a14="http://schemas.microsoft.com/office/drawing/2010/main" xmlns="">
                 <a:solidFill>
                   <a:srgbClr val="FFFFFF"/>
                 </a:solidFill>
               </a14:hiddenFill>
             </a:ext>
             <a:ext uri="{91240B29-F687-4f45-9708-019B960494DF}">
-              <a14:hiddenLine xmlns="" xmlns:a14="http://schemas.microsoft.com/office/drawing/2010/main" w="9525">
+              <a14:hiddenLine xmlns:a14="http://schemas.microsoft.com/office/drawing/2010/main" xmlns="" w="9525">
                 <a:solidFill>
                   <a:srgbClr val="000000"/>
                 </a:solidFill>
@@ -24843,7 +24840,7 @@
           <a:graphicData uri="http://schemas.openxmlformats.org/presentationml/2006/ole">
             <mc:AlternateContent xmlns:mc="http://schemas.openxmlformats.org/markup-compatibility/2006">
               <mc:Choice xmlns:v="urn:schemas-microsoft-com:vml" Requires="v">
-                <p:oleObj spid="_x0000_s2057" name="Document" r:id="rId3" imgW="5600700" imgH="1473200" progId="Word.Document.12">
+                <p:oleObj spid="_x0000_s2058" name="Document" r:id="rId3" imgW="5600700" imgH="1473200" progId="Word.Document.12">
                   <p:embed/>
                 </p:oleObj>
               </mc:Choice>
@@ -24900,14 +24897,14 @@
           </a:ln>
           <a:extLst>
             <a:ext uri="{909E8E84-426E-40dd-AFC4-6F175D3DCCD1}">
-              <a14:hiddenFill xmlns="" xmlns:a14="http://schemas.microsoft.com/office/drawing/2010/main">
+              <a14:hiddenFill xmlns:a14="http://schemas.microsoft.com/office/drawing/2010/main" xmlns="">
                 <a:solidFill>
                   <a:srgbClr val="FFFFFF"/>
                 </a:solidFill>
               </a14:hiddenFill>
             </a:ext>
             <a:ext uri="{91240B29-F687-4f45-9708-019B960494DF}">
-              <a14:hiddenLine xmlns="" xmlns:a14="http://schemas.microsoft.com/office/drawing/2010/main" w="9525">
+              <a14:hiddenLine xmlns:a14="http://schemas.microsoft.com/office/drawing/2010/main" xmlns="" w="9525">
                 <a:solidFill>
                   <a:srgbClr val="000000"/>
                 </a:solidFill>
@@ -24917,7 +24914,7 @@
               </a14:hiddenLine>
             </a:ext>
             <a:ext uri="{FAA26D3D-D897-4be2-8F04-BA451C77F1D7}">
-              <ma14:placeholderFlag xmlns="" xmlns:ma14="http://schemas.microsoft.com/office/mac/drawingml/2011/main" val="1"/>
+              <ma14:placeholderFlag xmlns:ma14="http://schemas.microsoft.com/office/mac/drawingml/2011/main" xmlns="" val="1"/>
             </a:ext>
           </a:extLst>
         </p:spPr>
@@ -25343,7 +25340,7 @@
           <a:graphicData uri="http://schemas.openxmlformats.org/presentationml/2006/ole">
             <mc:AlternateContent xmlns:mc="http://schemas.openxmlformats.org/markup-compatibility/2006">
               <mc:Choice xmlns:v="urn:schemas-microsoft-com:vml" Requires="v">
-                <p:oleObj spid="_x0000_s3081" name="Document" r:id="rId3" imgW="6134100" imgH="2260600" progId="Word.Document.12">
+                <p:oleObj spid="_x0000_s3082" name="Document" r:id="rId3" imgW="6134100" imgH="2260600" progId="Word.Document.12">
                   <p:embed/>
                 </p:oleObj>
               </mc:Choice>
@@ -25787,7 +25784,7 @@
           <a:noFill/>
           <a:extLst>
             <a:ext uri="{909E8E84-426E-40dd-AFC4-6F175D3DCCD1}">
-              <a14:hiddenFill xmlns="" xmlns:a14="http://schemas.microsoft.com/office/drawing/2010/main">
+              <a14:hiddenFill xmlns:a14="http://schemas.microsoft.com/office/drawing/2010/main" xmlns="">
                 <a:solidFill>
                   <a:srgbClr val="FFFFFF"/>
                 </a:solidFill>
@@ -25932,14 +25929,14 @@
           </a:ln>
           <a:extLst>
             <a:ext uri="{909E8E84-426E-40dd-AFC4-6F175D3DCCD1}">
-              <a14:hiddenFill xmlns="" xmlns:a14="http://schemas.microsoft.com/office/drawing/2010/main">
+              <a14:hiddenFill xmlns:a14="http://schemas.microsoft.com/office/drawing/2010/main" xmlns="">
                 <a:solidFill>
                   <a:srgbClr val="FFFFFF"/>
                 </a:solidFill>
               </a14:hiddenFill>
             </a:ext>
             <a:ext uri="{91240B29-F687-4f45-9708-019B960494DF}">
-              <a14:hiddenLine xmlns="" xmlns:a14="http://schemas.microsoft.com/office/drawing/2010/main" w="9525">
+              <a14:hiddenLine xmlns:a14="http://schemas.microsoft.com/office/drawing/2010/main" xmlns="" w="9525">
                 <a:solidFill>
                   <a:srgbClr val="000000"/>
                 </a:solidFill>
@@ -25995,14 +25992,14 @@
           </a:ln>
           <a:extLst>
             <a:ext uri="{909E8E84-426E-40dd-AFC4-6F175D3DCCD1}">
-              <a14:hiddenFill xmlns="" xmlns:a14="http://schemas.microsoft.com/office/drawing/2010/main">
+              <a14:hiddenFill xmlns:a14="http://schemas.microsoft.com/office/drawing/2010/main" xmlns="">
                 <a:solidFill>
                   <a:srgbClr val="FFFFFF"/>
                 </a:solidFill>
               </a14:hiddenFill>
             </a:ext>
             <a:ext uri="{91240B29-F687-4f45-9708-019B960494DF}">
-              <a14:hiddenLine xmlns="" xmlns:a14="http://schemas.microsoft.com/office/drawing/2010/main" w="9525">
+              <a14:hiddenLine xmlns:a14="http://schemas.microsoft.com/office/drawing/2010/main" xmlns="" w="9525">
                 <a:solidFill>
                   <a:srgbClr val="000000"/>
                 </a:solidFill>
@@ -26036,14 +26033,14 @@
           </a:ln>
           <a:extLst>
             <a:ext uri="{909E8E84-426E-40dd-AFC4-6F175D3DCCD1}">
-              <a14:hiddenFill xmlns="" xmlns:a14="http://schemas.microsoft.com/office/drawing/2010/main">
+              <a14:hiddenFill xmlns:a14="http://schemas.microsoft.com/office/drawing/2010/main" xmlns="">
                 <a:solidFill>
                   <a:srgbClr val="FFFFFF"/>
                 </a:solidFill>
               </a14:hiddenFill>
             </a:ext>
             <a:ext uri="{91240B29-F687-4f45-9708-019B960494DF}">
-              <a14:hiddenLine xmlns="" xmlns:a14="http://schemas.microsoft.com/office/drawing/2010/main" w="9525">
+              <a14:hiddenLine xmlns:a14="http://schemas.microsoft.com/office/drawing/2010/main" xmlns="" w="9525">
                 <a:solidFill>
                   <a:srgbClr val="000000"/>
                 </a:solidFill>
@@ -27974,14 +27971,14 @@
             </a:ln>
             <a:extLst>
               <a:ext uri="{909E8E84-426E-40dd-AFC4-6F175D3DCCD1}">
-                <a14:hiddenFill xmlns="" xmlns:a14="http://schemas.microsoft.com/office/drawing/2010/main">
+                <a14:hiddenFill xmlns:a14="http://schemas.microsoft.com/office/drawing/2010/main" xmlns="">
                   <a:solidFill>
                     <a:srgbClr val="FFFFFF"/>
                   </a:solidFill>
                 </a14:hiddenFill>
               </a:ext>
               <a:ext uri="{91240B29-F687-4f45-9708-019B960494DF}">
-                <a14:hiddenLine xmlns="" xmlns:a14="http://schemas.microsoft.com/office/drawing/2010/main" w="12700">
+                <a14:hiddenLine xmlns:a14="http://schemas.microsoft.com/office/drawing/2010/main" xmlns="" w="12700">
                   <a:solidFill>
                     <a:srgbClr val="000000"/>
                   </a:solidFill>
@@ -28111,7 +28108,7 @@
             </a:ln>
             <a:extLst>
               <a:ext uri="{909E8E84-426E-40dd-AFC4-6F175D3DCCD1}">
-                <a14:hiddenFill xmlns="" xmlns:a14="http://schemas.microsoft.com/office/drawing/2010/main">
+                <a14:hiddenFill xmlns:a14="http://schemas.microsoft.com/office/drawing/2010/main" xmlns="">
                   <a:solidFill>
                     <a:srgbClr val="FFFFFF"/>
                   </a:solidFill>
@@ -28482,14 +28479,14 @@
             </a:ln>
             <a:extLst>
               <a:ext uri="{909E8E84-426E-40dd-AFC4-6F175D3DCCD1}">
-                <a14:hiddenFill xmlns="" xmlns:a14="http://schemas.microsoft.com/office/drawing/2010/main">
+                <a14:hiddenFill xmlns:a14="http://schemas.microsoft.com/office/drawing/2010/main" xmlns="">
                   <a:solidFill>
                     <a:srgbClr val="FFFFFF"/>
                   </a:solidFill>
                 </a14:hiddenFill>
               </a:ext>
               <a:ext uri="{91240B29-F687-4f45-9708-019B960494DF}">
-                <a14:hiddenLine xmlns="" xmlns:a14="http://schemas.microsoft.com/office/drawing/2010/main" w="12700">
+                <a14:hiddenLine xmlns:a14="http://schemas.microsoft.com/office/drawing/2010/main" xmlns="" w="12700">
                   <a:solidFill>
                     <a:srgbClr val="000000"/>
                   </a:solidFill>
@@ -28589,7 +28586,7 @@
           </a:ln>
           <a:extLst>
             <a:ext uri="{909E8E84-426E-40dd-AFC4-6F175D3DCCD1}">
-              <a14:hiddenFill xmlns="" xmlns:a14="http://schemas.microsoft.com/office/drawing/2010/main">
+              <a14:hiddenFill xmlns:a14="http://schemas.microsoft.com/office/drawing/2010/main" xmlns="">
                 <a:solidFill>
                   <a:srgbClr val="FFFFFF"/>
                 </a:solidFill>
@@ -28675,7 +28672,7 @@
           </a:ln>
           <a:extLst>
             <a:ext uri="{909E8E84-426E-40dd-AFC4-6F175D3DCCD1}">
-              <a14:hiddenFill xmlns="" xmlns:a14="http://schemas.microsoft.com/office/drawing/2010/main">
+              <a14:hiddenFill xmlns:a14="http://schemas.microsoft.com/office/drawing/2010/main" xmlns="">
                 <a:solidFill>
                   <a:srgbClr val="FFFFFF"/>
                 </a:solidFill>
@@ -28715,14 +28712,14 @@
           </a:ln>
           <a:extLst>
             <a:ext uri="{909E8E84-426E-40dd-AFC4-6F175D3DCCD1}">
-              <a14:hiddenFill xmlns="" xmlns:a14="http://schemas.microsoft.com/office/drawing/2010/main">
+              <a14:hiddenFill xmlns:a14="http://schemas.microsoft.com/office/drawing/2010/main" xmlns="">
                 <a:solidFill>
                   <a:srgbClr val="FFFFFF"/>
                 </a:solidFill>
               </a14:hiddenFill>
             </a:ext>
             <a:ext uri="{91240B29-F687-4f45-9708-019B960494DF}">
-              <a14:hiddenLine xmlns="" xmlns:a14="http://schemas.microsoft.com/office/drawing/2010/main" w="12700">
+              <a14:hiddenLine xmlns:a14="http://schemas.microsoft.com/office/drawing/2010/main" xmlns="" w="12700">
                 <a:solidFill>
                   <a:srgbClr val="000000"/>
                 </a:solidFill>
@@ -28775,14 +28772,14 @@
           </a:ln>
           <a:extLst>
             <a:ext uri="{909E8E84-426E-40dd-AFC4-6F175D3DCCD1}">
-              <a14:hiddenFill xmlns="" xmlns:a14="http://schemas.microsoft.com/office/drawing/2010/main">
+              <a14:hiddenFill xmlns:a14="http://schemas.microsoft.com/office/drawing/2010/main" xmlns="">
                 <a:solidFill>
                   <a:srgbClr val="FFFFFF"/>
                 </a:solidFill>
               </a14:hiddenFill>
             </a:ext>
             <a:ext uri="{91240B29-F687-4f45-9708-019B960494DF}">
-              <a14:hiddenLine xmlns="" xmlns:a14="http://schemas.microsoft.com/office/drawing/2010/main" w="12700">
+              <a14:hiddenLine xmlns:a14="http://schemas.microsoft.com/office/drawing/2010/main" xmlns="" w="12700">
                 <a:solidFill>
                   <a:srgbClr val="000000"/>
                 </a:solidFill>
@@ -28835,14 +28832,14 @@
           </a:ln>
           <a:extLst>
             <a:ext uri="{909E8E84-426E-40dd-AFC4-6F175D3DCCD1}">
-              <a14:hiddenFill xmlns="" xmlns:a14="http://schemas.microsoft.com/office/drawing/2010/main">
+              <a14:hiddenFill xmlns:a14="http://schemas.microsoft.com/office/drawing/2010/main" xmlns="">
                 <a:solidFill>
                   <a:srgbClr val="FFFFFF"/>
                 </a:solidFill>
               </a14:hiddenFill>
             </a:ext>
             <a:ext uri="{91240B29-F687-4f45-9708-019B960494DF}">
-              <a14:hiddenLine xmlns="" xmlns:a14="http://schemas.microsoft.com/office/drawing/2010/main" w="12700">
+              <a14:hiddenLine xmlns:a14="http://schemas.microsoft.com/office/drawing/2010/main" xmlns="" w="12700">
                 <a:solidFill>
                   <a:srgbClr val="000000"/>
                 </a:solidFill>
@@ -28937,14 +28934,14 @@
           </a:ln>
           <a:extLst>
             <a:ext uri="{909E8E84-426E-40dd-AFC4-6F175D3DCCD1}">
-              <a14:hiddenFill xmlns="" xmlns:a14="http://schemas.microsoft.com/office/drawing/2010/main">
+              <a14:hiddenFill xmlns:a14="http://schemas.microsoft.com/office/drawing/2010/main" xmlns="">
                 <a:solidFill>
                   <a:srgbClr val="FFFFFF"/>
                 </a:solidFill>
               </a14:hiddenFill>
             </a:ext>
             <a:ext uri="{91240B29-F687-4f45-9708-019B960494DF}">
-              <a14:hiddenLine xmlns="" xmlns:a14="http://schemas.microsoft.com/office/drawing/2010/main" w="12700">
+              <a14:hiddenLine xmlns:a14="http://schemas.microsoft.com/office/drawing/2010/main" xmlns="" w="12700">
                 <a:solidFill>
                   <a:srgbClr val="000000"/>
                 </a:solidFill>
@@ -31098,7 +31095,7 @@
           <a:noFill/>
           <a:extLst>
             <a:ext uri="{909E8E84-426E-40dd-AFC4-6F175D3DCCD1}">
-              <a14:hiddenFill xmlns="" xmlns:a14="http://schemas.microsoft.com/office/drawing/2010/main">
+              <a14:hiddenFill xmlns:a14="http://schemas.microsoft.com/office/drawing/2010/main" xmlns="">
                 <a:solidFill>
                   <a:srgbClr val="FFFFFF"/>
                 </a:solidFill>

--- a/SE401/Lectures/2-Software Quality/Software Quality.pptx
+++ b/SE401/Lectures/2-Software Quality/Software Quality.pptx
@@ -5,7 +5,7 @@
     <p:sldMasterId id="2147483648" r:id="rId1"/>
   </p:sldMasterIdLst>
   <p:notesMasterIdLst>
-    <p:notesMasterId r:id="rId84"/>
+    <p:notesMasterId r:id="rId81"/>
   </p:notesMasterIdLst>
   <p:sldIdLst>
     <p:sldId id="256" r:id="rId2"/>
@@ -59,37 +59,34 @@
     <p:sldId id="299" r:id="rId50"/>
     <p:sldId id="300" r:id="rId51"/>
     <p:sldId id="301" r:id="rId52"/>
-    <p:sldId id="302" r:id="rId53"/>
-    <p:sldId id="303" r:id="rId54"/>
-    <p:sldId id="304" r:id="rId55"/>
-    <p:sldId id="305" r:id="rId56"/>
-    <p:sldId id="306" r:id="rId57"/>
-    <p:sldId id="307" r:id="rId58"/>
-    <p:sldId id="308" r:id="rId59"/>
-    <p:sldId id="309" r:id="rId60"/>
-    <p:sldId id="310" r:id="rId61"/>
-    <p:sldId id="311" r:id="rId62"/>
-    <p:sldId id="312" r:id="rId63"/>
-    <p:sldId id="313" r:id="rId64"/>
-    <p:sldId id="314" r:id="rId65"/>
-    <p:sldId id="315" r:id="rId66"/>
-    <p:sldId id="316" r:id="rId67"/>
-    <p:sldId id="317" r:id="rId68"/>
-    <p:sldId id="318" r:id="rId69"/>
-    <p:sldId id="319" r:id="rId70"/>
-    <p:sldId id="320" r:id="rId71"/>
-    <p:sldId id="321" r:id="rId72"/>
-    <p:sldId id="322" r:id="rId73"/>
-    <p:sldId id="323" r:id="rId74"/>
-    <p:sldId id="324" r:id="rId75"/>
-    <p:sldId id="325" r:id="rId76"/>
-    <p:sldId id="326" r:id="rId77"/>
-    <p:sldId id="327" r:id="rId78"/>
-    <p:sldId id="328" r:id="rId79"/>
-    <p:sldId id="329" r:id="rId80"/>
-    <p:sldId id="330" r:id="rId81"/>
-    <p:sldId id="331" r:id="rId82"/>
-    <p:sldId id="334" r:id="rId83"/>
+    <p:sldId id="303" r:id="rId53"/>
+    <p:sldId id="304" r:id="rId54"/>
+    <p:sldId id="305" r:id="rId55"/>
+    <p:sldId id="306" r:id="rId56"/>
+    <p:sldId id="307" r:id="rId57"/>
+    <p:sldId id="308" r:id="rId58"/>
+    <p:sldId id="309" r:id="rId59"/>
+    <p:sldId id="310" r:id="rId60"/>
+    <p:sldId id="312" r:id="rId61"/>
+    <p:sldId id="313" r:id="rId62"/>
+    <p:sldId id="314" r:id="rId63"/>
+    <p:sldId id="315" r:id="rId64"/>
+    <p:sldId id="316" r:id="rId65"/>
+    <p:sldId id="317" r:id="rId66"/>
+    <p:sldId id="318" r:id="rId67"/>
+    <p:sldId id="319" r:id="rId68"/>
+    <p:sldId id="320" r:id="rId69"/>
+    <p:sldId id="321" r:id="rId70"/>
+    <p:sldId id="322" r:id="rId71"/>
+    <p:sldId id="323" r:id="rId72"/>
+    <p:sldId id="324" r:id="rId73"/>
+    <p:sldId id="325" r:id="rId74"/>
+    <p:sldId id="326" r:id="rId75"/>
+    <p:sldId id="327" r:id="rId76"/>
+    <p:sldId id="328" r:id="rId77"/>
+    <p:sldId id="329" r:id="rId78"/>
+    <p:sldId id="330" r:id="rId79"/>
+    <p:sldId id="334" r:id="rId80"/>
   </p:sldIdLst>
   <p:sldSz cx="12192000" cy="6858000"/>
   <p:notesSz cx="6858000" cy="9144000"/>
@@ -278,7 +275,7 @@
           <a:p>
             <a:fld id="{896CE679-8766-4D2C-81C4-EAA942CBD6B0}" type="datetimeFigureOut">
               <a:rPr lang="en-US" smtClean="0"/>
-              <a:t>1/30/2022</a:t>
+              <a:t>2/1/2022</a:t>
             </a:fld>
             <a:endParaRPr lang="en-US"/>
           </a:p>
@@ -3044,7 +3041,7 @@
               <a:pPr>
                 <a:defRPr/>
               </a:pPr>
-              <a:t>55</a:t>
+              <a:t>54</a:t>
             </a:fld>
             <a:r>
               <a:rPr lang="en-US" smtClean="0"/>
@@ -3194,7 +3191,7 @@
               <a:pPr>
                 <a:defRPr/>
               </a:pPr>
-              <a:t>60</a:t>
+              <a:t>59</a:t>
             </a:fld>
             <a:r>
               <a:rPr lang="en-US" smtClean="0"/>
@@ -3395,7 +3392,7 @@
                 <a:latin typeface="Calibri" charset="0"/>
               </a:rPr>
               <a:pPr algn="r" eaLnBrk="1" hangingPunct="1"/>
-              <a:t>62</a:t>
+              <a:t>60</a:t>
             </a:fld>
             <a:endParaRPr lang="en-US" sz="1200" dirty="0">
               <a:latin typeface="Calibri" charset="0"/>
@@ -3520,7 +3517,7 @@
               <a:pPr>
                 <a:defRPr/>
               </a:pPr>
-              <a:t>62</a:t>
+              <a:t>60</a:t>
             </a:fld>
             <a:r>
               <a:rPr lang="en-US" smtClean="0"/>
@@ -3612,7 +3609,7 @@
           <a:p>
             <a:fld id="{E6B68FCC-5174-4144-A2A5-4C67B81A8D8C}" type="slidenum">
               <a:rPr lang="en-US" smtClean="0"/>
-              <a:t>63</a:t>
+              <a:t>61</a:t>
             </a:fld>
             <a:endParaRPr lang="en-US"/>
           </a:p>
@@ -3761,7 +3758,7 @@
               <a:pPr>
                 <a:defRPr/>
               </a:pPr>
-              <a:t>64</a:t>
+              <a:t>62</a:t>
             </a:fld>
             <a:r>
               <a:rPr lang="en-US" smtClean="0"/>
@@ -3911,7 +3908,7 @@
               <a:pPr>
                 <a:defRPr/>
               </a:pPr>
-              <a:t>65</a:t>
+              <a:t>63</a:t>
             </a:fld>
             <a:r>
               <a:rPr lang="en-US" smtClean="0"/>
@@ -4061,7 +4058,7 @@
               <a:pPr>
                 <a:defRPr/>
               </a:pPr>
-              <a:t>70</a:t>
+              <a:t>68</a:t>
             </a:fld>
             <a:r>
               <a:rPr lang="en-US" smtClean="0"/>
@@ -7485,7 +7482,7 @@
           <a:p>
             <a:fld id="{B2F5E2FA-C428-4CE7-95B0-168D3259A5BB}" type="datetimeFigureOut">
               <a:rPr lang="en-US" smtClean="0"/>
-              <a:t>1/30/2022</a:t>
+              <a:t>2/1/2022</a:t>
             </a:fld>
             <a:endParaRPr lang="en-US"/>
           </a:p>
@@ -7736,7 +7733,7 @@
           <a:p>
             <a:fld id="{B2F5E2FA-C428-4CE7-95B0-168D3259A5BB}" type="datetimeFigureOut">
               <a:rPr lang="en-US" smtClean="0"/>
-              <a:t>1/30/2022</a:t>
+              <a:t>2/1/2022</a:t>
             </a:fld>
             <a:endParaRPr lang="en-US"/>
           </a:p>
@@ -7916,7 +7913,7 @@
           <a:p>
             <a:fld id="{B2F5E2FA-C428-4CE7-95B0-168D3259A5BB}" type="datetimeFigureOut">
               <a:rPr lang="en-US" smtClean="0"/>
-              <a:t>1/30/2022</a:t>
+              <a:t>2/1/2022</a:t>
             </a:fld>
             <a:endParaRPr lang="en-US"/>
           </a:p>
@@ -8172,7 +8169,7 @@
           <a:p>
             <a:fld id="{B2F5E2FA-C428-4CE7-95B0-168D3259A5BB}" type="datetimeFigureOut">
               <a:rPr lang="en-US" smtClean="0"/>
-              <a:t>1/30/2022</a:t>
+              <a:t>2/1/2022</a:t>
             </a:fld>
             <a:endParaRPr lang="en-US"/>
           </a:p>
@@ -8517,7 +8514,7 @@
           <a:p>
             <a:fld id="{B2F5E2FA-C428-4CE7-95B0-168D3259A5BB}" type="datetimeFigureOut">
               <a:rPr lang="en-US" smtClean="0"/>
-              <a:t>1/30/2022</a:t>
+              <a:t>2/1/2022</a:t>
             </a:fld>
             <a:endParaRPr lang="en-US"/>
           </a:p>
@@ -8749,7 +8746,7 @@
           <a:p>
             <a:fld id="{B2F5E2FA-C428-4CE7-95B0-168D3259A5BB}" type="datetimeFigureOut">
               <a:rPr lang="en-US" smtClean="0"/>
-              <a:t>1/30/2022</a:t>
+              <a:t>2/1/2022</a:t>
             </a:fld>
             <a:endParaRPr lang="en-US"/>
           </a:p>
@@ -9116,7 +9113,7 @@
           <a:p>
             <a:fld id="{B2F5E2FA-C428-4CE7-95B0-168D3259A5BB}" type="datetimeFigureOut">
               <a:rPr lang="en-US" smtClean="0"/>
-              <a:t>1/30/2022</a:t>
+              <a:t>2/1/2022</a:t>
             </a:fld>
             <a:endParaRPr lang="en-US"/>
           </a:p>
@@ -9211,7 +9208,7 @@
           <a:p>
             <a:fld id="{B2F5E2FA-C428-4CE7-95B0-168D3259A5BB}" type="datetimeFigureOut">
               <a:rPr lang="en-US" smtClean="0"/>
-              <a:t>1/30/2022</a:t>
+              <a:t>2/1/2022</a:t>
             </a:fld>
             <a:endParaRPr lang="en-US"/>
           </a:p>
@@ -9434,7 +9431,7 @@
             <a:fld id="{B2F5E2FA-C428-4CE7-95B0-168D3259A5BB}" type="datetimeFigureOut">
               <a:rPr lang="en-US" smtClean="0"/>
               <a:pPr/>
-              <a:t>1/30/2022</a:t>
+              <a:t>2/1/2022</a:t>
             </a:fld>
             <a:endParaRPr lang="en-US"/>
           </a:p>
@@ -9605,7 +9602,7 @@
           <a:p>
             <a:fld id="{B2F5E2FA-C428-4CE7-95B0-168D3259A5BB}" type="datetimeFigureOut">
               <a:rPr lang="en-US" smtClean="0"/>
-              <a:t>1/30/2022</a:t>
+              <a:t>2/1/2022</a:t>
             </a:fld>
             <a:endParaRPr lang="en-US"/>
           </a:p>
@@ -9882,7 +9879,7 @@
           <a:p>
             <a:fld id="{B2F5E2FA-C428-4CE7-95B0-168D3259A5BB}" type="datetimeFigureOut">
               <a:rPr lang="en-US" smtClean="0"/>
-              <a:t>1/30/2022</a:t>
+              <a:t>2/1/2022</a:t>
             </a:fld>
             <a:endParaRPr lang="en-US"/>
           </a:p>
@@ -10135,7 +10132,7 @@
           <a:p>
             <a:fld id="{B2F5E2FA-C428-4CE7-95B0-168D3259A5BB}" type="datetimeFigureOut">
               <a:rPr lang="en-US" smtClean="0"/>
-              <a:t>1/30/2022</a:t>
+              <a:t>2/1/2022</a:t>
             </a:fld>
             <a:endParaRPr lang="en-US"/>
           </a:p>
@@ -10348,7 +10345,7 @@
           <a:p>
             <a:fld id="{B2F5E2FA-C428-4CE7-95B0-168D3259A5BB}" type="datetimeFigureOut">
               <a:rPr lang="en-US" smtClean="0"/>
-              <a:t>1/30/2022</a:t>
+              <a:t>2/1/2022</a:t>
             </a:fld>
             <a:endParaRPr lang="en-US"/>
           </a:p>
@@ -18756,8 +18753,8 @@
         </p:nvSpPr>
         <p:spPr>
           <a:xfrm>
-            <a:off x="1048200" y="1682267"/>
-            <a:ext cx="10291277" cy="4764800"/>
+            <a:off x="573748" y="1526992"/>
+            <a:ext cx="10683724" cy="4764800"/>
           </a:xfrm>
         </p:spPr>
         <p:txBody>
@@ -19594,7 +19591,7 @@
           <a:graphicData uri="http://schemas.openxmlformats.org/presentationml/2006/ole">
             <mc:AlternateContent xmlns:mc="http://schemas.openxmlformats.org/markup-compatibility/2006">
               <mc:Choice xmlns:v="urn:schemas-microsoft-com:vml" Requires="v">
-                <p:oleObj spid="_x0000_s1034" name="Visio" r:id="rId4" imgW="3213100" imgH="3924300" progId="Visio.Drawing.6">
+                <p:oleObj spid="_x0000_s1038" name="Visio" r:id="rId4" imgW="3213100" imgH="3924300" progId="Visio.Drawing.6">
                   <p:embed/>
                 </p:oleObj>
               </mc:Choice>
@@ -22777,47 +22774,18 @@
           <a:lstStyle/>
           <a:p>
             <a:r>
+              <a:rPr lang="en-US" dirty="0" smtClean="0">
+                <a:ea typeface="ＭＳ Ｐゴシック" charset="0"/>
+                <a:cs typeface="ＭＳ Ｐゴシック" charset="0"/>
+              </a:rPr>
+              <a:t>For </a:t>
+            </a:r>
+            <a:r>
               <a:rPr lang="en-US" dirty="0">
                 <a:ea typeface="ＭＳ Ｐゴシック" charset="0"/>
                 <a:cs typeface="ＭＳ Ｐゴシック" charset="0"/>
               </a:rPr>
-              <a:t>The American Heritage Dictionary defines quality as </a:t>
-            </a:r>
-          </a:p>
-          <a:p>
-            <a:pPr lvl="1"/>
-            <a:r>
-              <a:rPr lang="ja-JP" altLang="en-US" dirty="0">
-                <a:ea typeface="ＭＳ Ｐゴシック" charset="0"/>
-              </a:rPr>
-              <a:t>“</a:t>
-            </a:r>
-            <a:r>
-              <a:rPr lang="en-US" dirty="0">
-                <a:ea typeface="ＭＳ Ｐゴシック" charset="0"/>
-              </a:rPr>
-              <a:t>a characteristic or attribute of something.</a:t>
-            </a:r>
-            <a:r>
-              <a:rPr lang="ja-JP" altLang="en-US" dirty="0">
-                <a:ea typeface="ＭＳ Ｐゴシック" charset="0"/>
-              </a:rPr>
-              <a:t>”</a:t>
-            </a:r>
-            <a:r>
-              <a:rPr lang="en-US" dirty="0">
-                <a:ea typeface="ＭＳ Ｐゴシック" charset="0"/>
-              </a:rPr>
-              <a:t>  </a:t>
-            </a:r>
-          </a:p>
-          <a:p>
-            <a:r>
-              <a:rPr lang="en-US" dirty="0">
-                <a:ea typeface="ＭＳ Ｐゴシック" charset="0"/>
-                <a:cs typeface="ＭＳ Ｐゴシック" charset="0"/>
-              </a:rPr>
-              <a:t>For software, two kinds of quality may be encountered: </a:t>
+              <a:t>software, two kinds of quality may be encountered: </a:t>
             </a:r>
           </a:p>
           <a:p>
@@ -22958,13 +22926,13 @@
         </p:nvSpPr>
         <p:spPr>
           <a:xfrm>
-            <a:off x="838200" y="1690688"/>
-            <a:ext cx="10515600" cy="4570153"/>
+            <a:off x="526211" y="1526875"/>
+            <a:ext cx="10827589" cy="4733966"/>
           </a:xfrm>
         </p:spPr>
         <p:txBody>
           <a:bodyPr>
-            <a:normAutofit fontScale="85000" lnSpcReduction="20000"/>
+            <a:normAutofit fontScale="92500" lnSpcReduction="20000"/>
           </a:bodyPr>
           <a:lstStyle/>
           <a:p>
@@ -24196,7 +24164,7 @@
       </p:grpSpPr>
       <p:sp>
         <p:nvSpPr>
-          <p:cNvPr id="2" name="Title 1"/>
+          <p:cNvPr id="6" name="Title 5"/>
           <p:cNvSpPr>
             <a:spLocks noGrp="1"/>
           </p:cNvSpPr>
@@ -24206,119 +24174,40 @@
         </p:nvSpPr>
         <p:spPr/>
         <p:txBody>
+          <a:bodyPr>
+            <a:normAutofit/>
+          </a:bodyPr>
+          <a:lstStyle/>
+          <a:p>
+            <a:r>
+              <a:rPr lang="en-US" sz="4800" dirty="0"/>
+              <a:t>Cost of Software Defects</a:t>
+            </a:r>
+          </a:p>
+        </p:txBody>
+      </p:sp>
+      <p:sp>
+        <p:nvSpPr>
+          <p:cNvPr id="3" name="Text Placeholder 2"/>
+          <p:cNvSpPr>
+            <a:spLocks noGrp="1"/>
+          </p:cNvSpPr>
+          <p:nvPr>
+            <p:ph type="body" idx="1"/>
+          </p:nvPr>
+        </p:nvSpPr>
+        <p:spPr/>
+        <p:txBody>
           <a:bodyPr/>
           <a:lstStyle/>
           <a:p>
-            <a:r>
-              <a:rPr lang="en-US" dirty="0" smtClean="0"/>
-              <a:t>Software Quality</a:t>
-            </a:r>
-            <a:endParaRPr lang="en-US" dirty="0"/>
-          </a:p>
-        </p:txBody>
-      </p:sp>
-      <p:sp>
-        <p:nvSpPr>
-          <p:cNvPr id="3" name="Content Placeholder 2"/>
-          <p:cNvSpPr>
-            <a:spLocks noGrp="1"/>
-          </p:cNvSpPr>
-          <p:nvPr>
-            <p:ph idx="1"/>
-          </p:nvPr>
-        </p:nvSpPr>
-        <p:spPr/>
-        <p:txBody>
-          <a:bodyPr/>
-          <a:lstStyle/>
-          <a:p>
-            <a:r>
-              <a:rPr lang="en-US" dirty="0" smtClean="0"/>
-              <a:t>The collection </a:t>
-            </a:r>
-            <a:r>
-              <a:rPr lang="en-US" dirty="0"/>
-              <a:t>of </a:t>
-            </a:r>
-            <a:r>
-              <a:rPr lang="en-US" dirty="0" smtClean="0"/>
-              <a:t>attributes </a:t>
-            </a:r>
-            <a:r>
-              <a:rPr lang="en-US" dirty="0"/>
-              <a:t>in a </a:t>
-            </a:r>
-            <a:r>
-              <a:rPr lang="en-US" dirty="0" smtClean="0"/>
-              <a:t>software system, the </a:t>
-            </a:r>
-            <a:r>
-              <a:rPr lang="en-US" dirty="0"/>
-              <a:t>level of the attribute for which the </a:t>
-            </a:r>
-            <a:r>
-              <a:rPr lang="en-US" dirty="0" smtClean="0"/>
-              <a:t>customer and users </a:t>
-            </a:r>
-            <a:r>
-              <a:rPr lang="en-US" dirty="0"/>
-              <a:t>holds a positive value. </a:t>
-            </a:r>
-            <a:endParaRPr lang="en-US" dirty="0" smtClean="0"/>
-          </a:p>
-          <a:p>
-            <a:r>
-              <a:rPr lang="en-US" dirty="0">
-                <a:ea typeface="ＭＳ Ｐゴシック" charset="0"/>
-                <a:cs typeface="ＭＳ Ｐゴシック" charset="0"/>
-              </a:rPr>
-              <a:t>It is best defined as </a:t>
-            </a:r>
-            <a:r>
-              <a:rPr lang="ja-JP" altLang="en-US" dirty="0">
-                <a:ea typeface="ＭＳ Ｐゴシック" charset="0"/>
-                <a:cs typeface="ＭＳ Ｐゴシック" charset="0"/>
-              </a:rPr>
-              <a:t>“</a:t>
-            </a:r>
-            <a:r>
-              <a:rPr lang="en-US" dirty="0">
-                <a:ea typeface="ＭＳ Ｐゴシック" charset="0"/>
-                <a:cs typeface="ＭＳ Ｐゴシック" charset="0"/>
-              </a:rPr>
-              <a:t>conformance to customers</a:t>
-            </a:r>
-            <a:r>
-              <a:rPr lang="ja-JP" altLang="en-US" dirty="0">
-                <a:ea typeface="ＭＳ Ｐゴシック" charset="0"/>
-                <a:cs typeface="ＭＳ Ｐゴシック" charset="0"/>
-              </a:rPr>
-              <a:t>’</a:t>
-            </a:r>
-            <a:r>
-              <a:rPr lang="en-US" dirty="0">
-                <a:ea typeface="ＭＳ Ｐゴシック" charset="0"/>
-                <a:cs typeface="ＭＳ Ｐゴシック" charset="0"/>
-              </a:rPr>
-              <a:t> requirements</a:t>
-            </a:r>
-            <a:r>
-              <a:rPr lang="ja-JP" altLang="en-US" dirty="0" smtClean="0">
-                <a:ea typeface="ＭＳ Ｐゴシック" charset="0"/>
-                <a:cs typeface="ＭＳ Ｐゴシック" charset="0"/>
-              </a:rPr>
-              <a:t>”</a:t>
-            </a:r>
-            <a:endParaRPr lang="en-US" dirty="0">
-              <a:ea typeface="ＭＳ Ｐゴシック" charset="0"/>
-              <a:cs typeface="ＭＳ Ｐゴシック" charset="0"/>
-            </a:endParaRPr>
-          </a:p>
-        </p:txBody>
-      </p:sp>
-      <p:sp>
-        <p:nvSpPr>
-          <p:cNvPr id="4" name="Slide Number Placeholder 3"/>
+            <a:endParaRPr lang="en-US"/>
+          </a:p>
+        </p:txBody>
+      </p:sp>
+      <p:sp>
+        <p:nvSpPr>
+          <p:cNvPr id="2" name="Slide Number Placeholder 1"/>
           <p:cNvSpPr>
             <a:spLocks noGrp="1"/>
           </p:cNvSpPr>
@@ -24342,7 +24231,7 @@
     </p:spTree>
     <p:extLst>
       <p:ext uri="{BB962C8B-B14F-4D97-AF65-F5344CB8AC3E}">
-        <p14:creationId xmlns:p14="http://schemas.microsoft.com/office/powerpoint/2010/main" val="327625873"/>
+        <p14:creationId xmlns:p14="http://schemas.microsoft.com/office/powerpoint/2010/main" val="887839073"/>
       </p:ext>
     </p:extLst>
   </p:cSld>
@@ -24378,9 +24267,9 @@
       </p:grpSpPr>
       <p:sp>
         <p:nvSpPr>
-          <p:cNvPr id="6" name="Title 5"/>
-          <p:cNvSpPr>
-            <a:spLocks noGrp="1"/>
+          <p:cNvPr id="107522" name="Rectangle 2"/>
+          <p:cNvSpPr>
+            <a:spLocks noGrp="1" noChangeArrowheads="1"/>
           </p:cNvSpPr>
           <p:nvPr>
             <p:ph type="title"/>
@@ -24388,23 +24277,24 @@
         </p:nvSpPr>
         <p:spPr/>
         <p:txBody>
-          <a:bodyPr>
-            <a:normAutofit/>
-          </a:bodyPr>
-          <a:lstStyle/>
-          <a:p>
-            <a:r>
-              <a:rPr lang="en-US" sz="4800" dirty="0"/>
-              <a:t>Cost of Software Defects</a:t>
-            </a:r>
-          </a:p>
-        </p:txBody>
-      </p:sp>
-      <p:sp>
-        <p:nvSpPr>
-          <p:cNvPr id="3" name="Text Placeholder 2"/>
-          <p:cNvSpPr>
-            <a:spLocks noGrp="1"/>
+          <a:bodyPr/>
+          <a:lstStyle/>
+          <a:p>
+            <a:r>
+              <a:rPr lang="en-US" dirty="0">
+                <a:ea typeface="ＭＳ Ｐゴシック" charset="0"/>
+                <a:cs typeface="ＭＳ Ｐゴシック" charset="0"/>
+              </a:rPr>
+              <a:t>Saving Time and Money</a:t>
+            </a:r>
+          </a:p>
+        </p:txBody>
+      </p:sp>
+      <p:sp>
+        <p:nvSpPr>
+          <p:cNvPr id="27651" name="Rectangle 3"/>
+          <p:cNvSpPr>
+            <a:spLocks noGrp="1" noChangeArrowheads="1"/>
           </p:cNvSpPr>
           <p:nvPr>
             <p:ph type="body" idx="1"/>
@@ -24415,7 +24305,40 @@
           <a:bodyPr/>
           <a:lstStyle/>
           <a:p>
-            <a:endParaRPr lang="en-US"/>
+            <a:r>
+              <a:rPr lang="en-US" dirty="0">
+                <a:ea typeface="ＭＳ Ｐゴシック" charset="0"/>
+                <a:cs typeface="ＭＳ Ｐゴシック" charset="0"/>
+              </a:rPr>
+              <a:t>Even experienced software engineers inject a defect about every ten lines of code</a:t>
+            </a:r>
+          </a:p>
+          <a:p>
+            <a:r>
+              <a:rPr lang="en-US" dirty="0">
+                <a:ea typeface="ＭＳ Ｐゴシック" charset="0"/>
+                <a:cs typeface="ＭＳ Ｐゴシック" charset="0"/>
+              </a:rPr>
+              <a:t>The cost of finding and fixing defects increases at every step in the development process</a:t>
+            </a:r>
+          </a:p>
+          <a:p>
+            <a:r>
+              <a:rPr lang="en-US" dirty="0">
+                <a:ea typeface="ＭＳ Ｐゴシック" charset="0"/>
+                <a:cs typeface="ＭＳ Ｐゴシック" charset="0"/>
+              </a:rPr>
+              <a:t>The defect find &amp; fix times range from 3 minutes in code reviews to 25 minutes in inspections and 1400 minutes in system testing</a:t>
+            </a:r>
+          </a:p>
+          <a:p>
+            <a:r>
+              <a:rPr lang="en-US" dirty="0">
+                <a:ea typeface="ＭＳ Ｐゴシック" charset="0"/>
+                <a:cs typeface="ＭＳ Ｐゴシック" charset="0"/>
+              </a:rPr>
+              <a:t>For accurate plans and reliable commitments, you must insist on what?</a:t>
+            </a:r>
           </a:p>
         </p:txBody>
       </p:sp>
@@ -24445,7 +24368,7 @@
     </p:spTree>
     <p:extLst>
       <p:ext uri="{BB962C8B-B14F-4D97-AF65-F5344CB8AC3E}">
-        <p14:creationId xmlns:p14="http://schemas.microsoft.com/office/powerpoint/2010/main" val="887839073"/>
+        <p14:creationId xmlns:p14="http://schemas.microsoft.com/office/powerpoint/2010/main" val="597958951"/>
       </p:ext>
     </p:extLst>
   </p:cSld>
@@ -24481,7 +24404,59 @@
       </p:grpSpPr>
       <p:sp>
         <p:nvSpPr>
-          <p:cNvPr id="107522" name="Rectangle 2"/>
+          <p:cNvPr id="27649" name="Rectangle 4"/>
+          <p:cNvSpPr>
+            <a:spLocks noChangeArrowheads="1"/>
+          </p:cNvSpPr>
+          <p:nvPr/>
+        </p:nvSpPr>
+        <p:spPr bwMode="auto">
+          <a:xfrm>
+            <a:off x="7467600" y="6400801"/>
+            <a:ext cx="184150" cy="244475"/>
+          </a:xfrm>
+          <a:prstGeom prst="rect">
+            <a:avLst/>
+          </a:prstGeom>
+          <a:noFill/>
+          <a:ln>
+            <a:noFill/>
+          </a:ln>
+          <a:extLst>
+            <a:ext uri="{909E8E84-426E-40dd-AFC4-6F175D3DCCD1}">
+              <a14:hiddenFill xmlns:a14="http://schemas.microsoft.com/office/drawing/2010/main" xmlns="">
+                <a:solidFill>
+                  <a:srgbClr val="FFFFFF"/>
+                </a:solidFill>
+              </a14:hiddenFill>
+            </a:ext>
+            <a:ext uri="{91240B29-F687-4f45-9708-019B960494DF}">
+              <a14:hiddenLine xmlns:a14="http://schemas.microsoft.com/office/drawing/2010/main" xmlns="" w="9525">
+                <a:solidFill>
+                  <a:srgbClr val="000000"/>
+                </a:solidFill>
+                <a:miter lim="800000"/>
+                <a:headEnd/>
+                <a:tailEnd type="none" w="lg" len="lg"/>
+              </a14:hiddenLine>
+            </a:ext>
+          </a:extLst>
+        </p:spPr>
+        <p:txBody>
+          <a:bodyPr wrap="none">
+            <a:spAutoFit/>
+          </a:bodyPr>
+          <a:lstStyle/>
+          <a:p>
+            <a:endParaRPr lang="en-US" sz="1000" dirty="0">
+              <a:latin typeface="Times New Roman" charset="0"/>
+            </a:endParaRPr>
+          </a:p>
+        </p:txBody>
+      </p:sp>
+      <p:sp>
+        <p:nvSpPr>
+          <p:cNvPr id="222215" name="Rectangle 7"/>
           <p:cNvSpPr>
             <a:spLocks noGrp="1" noChangeArrowheads="1"/>
           </p:cNvSpPr>
@@ -24494,65 +24469,18 @@
           <a:bodyPr/>
           <a:lstStyle/>
           <a:p>
-            <a:r>
-              <a:rPr lang="en-US" dirty="0">
-                <a:ea typeface="ＭＳ Ｐゴシック" charset="0"/>
-                <a:cs typeface="ＭＳ Ｐゴシック" charset="0"/>
-              </a:rPr>
-              <a:t>Saving Time and Money</a:t>
-            </a:r>
-          </a:p>
-        </p:txBody>
-      </p:sp>
-      <p:sp>
-        <p:nvSpPr>
-          <p:cNvPr id="27651" name="Rectangle 3"/>
-          <p:cNvSpPr>
-            <a:spLocks noGrp="1" noChangeArrowheads="1"/>
-          </p:cNvSpPr>
-          <p:nvPr>
-            <p:ph type="body" idx="1"/>
-          </p:nvPr>
-        </p:nvSpPr>
-        <p:spPr/>
-        <p:txBody>
-          <a:bodyPr/>
-          <a:lstStyle/>
-          <a:p>
-            <a:r>
-              <a:rPr lang="en-US" dirty="0">
-                <a:ea typeface="ＭＳ Ｐゴシック" charset="0"/>
-                <a:cs typeface="ＭＳ Ｐゴシック" charset="0"/>
-              </a:rPr>
-              <a:t>Even experienced software engineers inject a defect about every ten lines of code</a:t>
-            </a:r>
-          </a:p>
-          <a:p>
-            <a:r>
-              <a:rPr lang="en-US" dirty="0">
-                <a:ea typeface="ＭＳ Ｐゴシック" charset="0"/>
-                <a:cs typeface="ＭＳ Ｐゴシック" charset="0"/>
-              </a:rPr>
-              <a:t>The cost of finding and fixing defects increases at every step in the development process</a:t>
-            </a:r>
-          </a:p>
-          <a:p>
-            <a:r>
-              <a:rPr lang="en-US" dirty="0">
-                <a:ea typeface="ＭＳ Ｐゴシック" charset="0"/>
-                <a:cs typeface="ＭＳ Ｐゴシック" charset="0"/>
-              </a:rPr>
-              <a:t>The defect find &amp; fix times range from 3 minutes in code reviews to 25 minutes in inspections and 1400 minutes in system testing</a:t>
-            </a:r>
-          </a:p>
-          <a:p>
-            <a:r>
-              <a:rPr lang="en-US" dirty="0">
-                <a:ea typeface="ＭＳ Ｐゴシック" charset="0"/>
-                <a:cs typeface="ＭＳ Ｐゴシック" charset="0"/>
-              </a:rPr>
-              <a:t>For accurate plans and reliable commitments, you must insist on what?</a:t>
-            </a:r>
+            <a:pPr eaLnBrk="1" hangingPunct="1">
+              <a:defRPr/>
+            </a:pPr>
+            <a:r>
+              <a:rPr lang="en-US" dirty="0"/>
+              <a:t>Cost of Software Defects</a:t>
+            </a:r>
+            <a:endParaRPr lang="en-US" dirty="0">
+              <a:latin typeface="Arial" charset="0"/>
+              <a:ea typeface="ＭＳ Ｐゴシック" charset="0"/>
+              <a:cs typeface="ＭＳ Ｐゴシック" charset="0"/>
+            </a:endParaRPr>
           </a:p>
         </p:txBody>
       </p:sp>
@@ -24579,10 +24507,51 @@
           </a:p>
         </p:txBody>
       </p:sp>
+      <p:pic>
+        <p:nvPicPr>
+          <p:cNvPr id="5124" name="Picture 4" descr="Engineering Rules for Cost Of Defect Removal [10] | Download Scientific  Diagram"/>
+          <p:cNvPicPr>
+            <a:picLocks noChangeAspect="1" noChangeArrowheads="1"/>
+          </p:cNvPicPr>
+          <p:nvPr/>
+        </p:nvPicPr>
+        <p:blipFill>
+          <a:blip r:embed="rId3">
+            <a:extLst>
+              <a:ext uri="{28A0092B-C50C-407E-A947-70E740481C1C}">
+                <a14:useLocalDpi xmlns:a14="http://schemas.microsoft.com/office/drawing/2010/main" val="0"/>
+              </a:ext>
+            </a:extLst>
+          </a:blip>
+          <a:srcRect/>
+          <a:stretch>
+            <a:fillRect/>
+          </a:stretch>
+        </p:blipFill>
+        <p:spPr bwMode="auto">
+          <a:xfrm>
+            <a:off x="2580179" y="1690688"/>
+            <a:ext cx="6393213" cy="4523500"/>
+          </a:xfrm>
+          <a:prstGeom prst="rect">
+            <a:avLst/>
+          </a:prstGeom>
+          <a:noFill/>
+          <a:extLst>
+            <a:ext uri="{909E8E84-426E-40DD-AFC4-6F175D3DCCD1}">
+              <a14:hiddenFill xmlns:a14="http://schemas.microsoft.com/office/drawing/2010/main">
+                <a:solidFill>
+                  <a:srgbClr val="FFFFFF"/>
+                </a:solidFill>
+              </a14:hiddenFill>
+            </a:ext>
+          </a:extLst>
+        </p:spPr>
+      </p:pic>
     </p:spTree>
     <p:extLst>
       <p:ext uri="{BB962C8B-B14F-4D97-AF65-F5344CB8AC3E}">
-        <p14:creationId xmlns:p14="http://schemas.microsoft.com/office/powerpoint/2010/main" val="597958951"/>
+        <p14:creationId xmlns:p14="http://schemas.microsoft.com/office/powerpoint/2010/main" val="946402583"/>
       </p:ext>
     </p:extLst>
   </p:cSld>
@@ -24618,189 +24587,6 @@
       </p:grpSpPr>
       <p:sp>
         <p:nvSpPr>
-          <p:cNvPr id="27649" name="Rectangle 4"/>
-          <p:cNvSpPr>
-            <a:spLocks noChangeArrowheads="1"/>
-          </p:cNvSpPr>
-          <p:nvPr/>
-        </p:nvSpPr>
-        <p:spPr bwMode="auto">
-          <a:xfrm>
-            <a:off x="7467600" y="6400801"/>
-            <a:ext cx="184150" cy="244475"/>
-          </a:xfrm>
-          <a:prstGeom prst="rect">
-            <a:avLst/>
-          </a:prstGeom>
-          <a:noFill/>
-          <a:ln>
-            <a:noFill/>
-          </a:ln>
-          <a:extLst>
-            <a:ext uri="{909E8E84-426E-40dd-AFC4-6F175D3DCCD1}">
-              <a14:hiddenFill xmlns:a14="http://schemas.microsoft.com/office/drawing/2010/main" xmlns="">
-                <a:solidFill>
-                  <a:srgbClr val="FFFFFF"/>
-                </a:solidFill>
-              </a14:hiddenFill>
-            </a:ext>
-            <a:ext uri="{91240B29-F687-4f45-9708-019B960494DF}">
-              <a14:hiddenLine xmlns:a14="http://schemas.microsoft.com/office/drawing/2010/main" xmlns="" w="9525">
-                <a:solidFill>
-                  <a:srgbClr val="000000"/>
-                </a:solidFill>
-                <a:miter lim="800000"/>
-                <a:headEnd/>
-                <a:tailEnd type="none" w="lg" len="lg"/>
-              </a14:hiddenLine>
-            </a:ext>
-          </a:extLst>
-        </p:spPr>
-        <p:txBody>
-          <a:bodyPr wrap="none">
-            <a:spAutoFit/>
-          </a:bodyPr>
-          <a:lstStyle/>
-          <a:p>
-            <a:endParaRPr lang="en-US" sz="1000" dirty="0">
-              <a:latin typeface="Times New Roman" charset="0"/>
-            </a:endParaRPr>
-          </a:p>
-        </p:txBody>
-      </p:sp>
-      <p:sp>
-        <p:nvSpPr>
-          <p:cNvPr id="222215" name="Rectangle 7"/>
-          <p:cNvSpPr>
-            <a:spLocks noGrp="1" noChangeArrowheads="1"/>
-          </p:cNvSpPr>
-          <p:nvPr>
-            <p:ph type="title"/>
-          </p:nvPr>
-        </p:nvSpPr>
-        <p:spPr/>
-        <p:txBody>
-          <a:bodyPr/>
-          <a:lstStyle/>
-          <a:p>
-            <a:pPr eaLnBrk="1" hangingPunct="1">
-              <a:defRPr/>
-            </a:pPr>
-            <a:r>
-              <a:rPr lang="en-US" dirty="0"/>
-              <a:t>Cost of Software Defects</a:t>
-            </a:r>
-            <a:endParaRPr lang="en-US" dirty="0">
-              <a:latin typeface="Arial" charset="0"/>
-              <a:ea typeface="ＭＳ Ｐゴシック" charset="0"/>
-              <a:cs typeface="ＭＳ Ｐゴシック" charset="0"/>
-            </a:endParaRPr>
-          </a:p>
-        </p:txBody>
-      </p:sp>
-      <p:sp>
-        <p:nvSpPr>
-          <p:cNvPr id="2" name="Slide Number Placeholder 1"/>
-          <p:cNvSpPr>
-            <a:spLocks noGrp="1"/>
-          </p:cNvSpPr>
-          <p:nvPr>
-            <p:ph type="sldNum" sz="quarter" idx="12"/>
-          </p:nvPr>
-        </p:nvSpPr>
-        <p:spPr/>
-        <p:txBody>
-          <a:bodyPr/>
-          <a:lstStyle/>
-          <a:p>
-            <a:fld id="{B543A0FD-1CA6-4228-86A2-78061B4844C8}" type="slidenum">
-              <a:rPr lang="en-US" smtClean="0"/>
-              <a:t>55</a:t>
-            </a:fld>
-            <a:endParaRPr lang="en-US"/>
-          </a:p>
-        </p:txBody>
-      </p:sp>
-      <p:pic>
-        <p:nvPicPr>
-          <p:cNvPr id="5124" name="Picture 4" descr="Engineering Rules for Cost Of Defect Removal [10] | Download Scientific  Diagram"/>
-          <p:cNvPicPr>
-            <a:picLocks noChangeAspect="1" noChangeArrowheads="1"/>
-          </p:cNvPicPr>
-          <p:nvPr/>
-        </p:nvPicPr>
-        <p:blipFill>
-          <a:blip r:embed="rId3">
-            <a:extLst>
-              <a:ext uri="{28A0092B-C50C-407E-A947-70E740481C1C}">
-                <a14:useLocalDpi xmlns:a14="http://schemas.microsoft.com/office/drawing/2010/main" val="0"/>
-              </a:ext>
-            </a:extLst>
-          </a:blip>
-          <a:srcRect/>
-          <a:stretch>
-            <a:fillRect/>
-          </a:stretch>
-        </p:blipFill>
-        <p:spPr bwMode="auto">
-          <a:xfrm>
-            <a:off x="2580179" y="1690688"/>
-            <a:ext cx="6393213" cy="4523500"/>
-          </a:xfrm>
-          <a:prstGeom prst="rect">
-            <a:avLst/>
-          </a:prstGeom>
-          <a:noFill/>
-          <a:extLst>
-            <a:ext uri="{909E8E84-426E-40DD-AFC4-6F175D3DCCD1}">
-              <a14:hiddenFill xmlns:a14="http://schemas.microsoft.com/office/drawing/2010/main">
-                <a:solidFill>
-                  <a:srgbClr val="FFFFFF"/>
-                </a:solidFill>
-              </a14:hiddenFill>
-            </a:ext>
-          </a:extLst>
-        </p:spPr>
-      </p:pic>
-    </p:spTree>
-    <p:extLst>
-      <p:ext uri="{BB962C8B-B14F-4D97-AF65-F5344CB8AC3E}">
-        <p14:creationId xmlns:p14="http://schemas.microsoft.com/office/powerpoint/2010/main" val="946402583"/>
-      </p:ext>
-    </p:extLst>
-  </p:cSld>
-  <p:clrMapOvr>
-    <a:masterClrMapping/>
-  </p:clrMapOvr>
-  <p:timing>
-    <p:tnLst>
-      <p:par>
-        <p:cTn id="1" dur="indefinite" restart="never" nodeType="tmRoot"/>
-      </p:par>
-    </p:tnLst>
-  </p:timing>
-</p:sld>
-</file>
-
-<file path=ppt/slides/slide56.xml><?xml version="1.0" encoding="utf-8"?>
-<p:sld xmlns:a="http://schemas.openxmlformats.org/drawingml/2006/main" xmlns:r="http://schemas.openxmlformats.org/officeDocument/2006/relationships" xmlns:p="http://schemas.openxmlformats.org/presentationml/2006/main">
-  <p:cSld>
-    <p:spTree>
-      <p:nvGrpSpPr>
-        <p:cNvPr id="1" name=""/>
-        <p:cNvGrpSpPr/>
-        <p:nvPr/>
-      </p:nvGrpSpPr>
-      <p:grpSpPr>
-        <a:xfrm>
-          <a:off x="0" y="0"/>
-          <a:ext cx="0" cy="0"/>
-          <a:chOff x="0" y="0"/>
-          <a:chExt cx="0" cy="0"/>
-        </a:xfrm>
-      </p:grpSpPr>
-      <p:sp>
-        <p:nvSpPr>
           <p:cNvPr id="2" name="Title 1"/>
           <p:cNvSpPr>
             <a:spLocks noGrp="1"/>
@@ -24840,7 +24626,7 @@
           <a:graphicData uri="http://schemas.openxmlformats.org/presentationml/2006/ole">
             <mc:AlternateContent xmlns:mc="http://schemas.openxmlformats.org/markup-compatibility/2006">
               <mc:Choice xmlns:v="urn:schemas-microsoft-com:vml" Requires="v">
-                <p:oleObj spid="_x0000_s2058" name="Document" r:id="rId3" imgW="5600700" imgH="1473200" progId="Word.Document.12">
+                <p:oleObj spid="_x0000_s2062" name="Document" r:id="rId3" imgW="5600700" imgH="1473200" progId="Word.Document.12">
                   <p:embed/>
                 </p:oleObj>
               </mc:Choice>
@@ -25149,7 +24935,7 @@
           <a:p>
             <a:fld id="{B543A0FD-1CA6-4228-86A2-78061B4844C8}" type="slidenum">
               <a:rPr lang="en-US" smtClean="0"/>
-              <a:t>56</a:t>
+              <a:t>55</a:t>
             </a:fld>
             <a:endParaRPr lang="en-US"/>
           </a:p>
@@ -25246,7 +25032,7 @@
 </p:sld>
 </file>
 
-<file path=ppt/slides/slide57.xml><?xml version="1.0" encoding="utf-8"?>
+<file path=ppt/slides/slide56.xml><?xml version="1.0" encoding="utf-8"?>
 <p:sld xmlns:a="http://schemas.openxmlformats.org/drawingml/2006/main" xmlns:r="http://schemas.openxmlformats.org/officeDocument/2006/relationships" xmlns:p="http://schemas.openxmlformats.org/presentationml/2006/main">
   <p:cSld>
     <p:spTree>
@@ -25340,7 +25126,7 @@
           <a:graphicData uri="http://schemas.openxmlformats.org/presentationml/2006/ole">
             <mc:AlternateContent xmlns:mc="http://schemas.openxmlformats.org/markup-compatibility/2006">
               <mc:Choice xmlns:v="urn:schemas-microsoft-com:vml" Requires="v">
-                <p:oleObj spid="_x0000_s3082" name="Document" r:id="rId3" imgW="6134100" imgH="2260600" progId="Word.Document.12">
+                <p:oleObj spid="_x0000_s3086" name="Document" r:id="rId3" imgW="6134100" imgH="2260600" progId="Word.Document.12">
                   <p:embed/>
                 </p:oleObj>
               </mc:Choice>
@@ -25392,7 +25178,7 @@
           <a:p>
             <a:fld id="{B543A0FD-1CA6-4228-86A2-78061B4844C8}" type="slidenum">
               <a:rPr lang="en-US" smtClean="0"/>
-              <a:t>57</a:t>
+              <a:t>56</a:t>
             </a:fld>
             <a:endParaRPr lang="en-US"/>
           </a:p>
@@ -25542,6 +25328,115 @@
 </p:sld>
 </file>
 
+<file path=ppt/slides/slide57.xml><?xml version="1.0" encoding="utf-8"?>
+<p:sld xmlns:a="http://schemas.openxmlformats.org/drawingml/2006/main" xmlns:r="http://schemas.openxmlformats.org/officeDocument/2006/relationships" xmlns:p="http://schemas.openxmlformats.org/presentationml/2006/main">
+  <p:cSld>
+    <p:spTree>
+      <p:nvGrpSpPr>
+        <p:cNvPr id="1" name=""/>
+        <p:cNvGrpSpPr/>
+        <p:nvPr/>
+      </p:nvGrpSpPr>
+      <p:grpSpPr>
+        <a:xfrm>
+          <a:off x="0" y="0"/>
+          <a:ext cx="0" cy="0"/>
+          <a:chOff x="0" y="0"/>
+          <a:chExt cx="0" cy="0"/>
+        </a:xfrm>
+      </p:grpSpPr>
+      <p:sp>
+        <p:nvSpPr>
+          <p:cNvPr id="2" name="Title 1"/>
+          <p:cNvSpPr>
+            <a:spLocks noGrp="1"/>
+          </p:cNvSpPr>
+          <p:nvPr>
+            <p:ph type="title"/>
+          </p:nvPr>
+        </p:nvSpPr>
+        <p:spPr/>
+        <p:txBody>
+          <a:bodyPr/>
+          <a:lstStyle/>
+          <a:p>
+            <a:r>
+              <a:rPr lang="en-US" dirty="0"/>
+              <a:t>Cost by </a:t>
+            </a:r>
+            <a:r>
+              <a:rPr lang="en-US" dirty="0" smtClean="0"/>
+              <a:t>Development Phases</a:t>
+            </a:r>
+            <a:endParaRPr lang="en-US" dirty="0"/>
+          </a:p>
+        </p:txBody>
+      </p:sp>
+      <p:pic>
+        <p:nvPicPr>
+          <p:cNvPr id="26" name="Content Placeholder 25"/>
+          <p:cNvPicPr>
+            <a:picLocks noGrp="1" noChangeAspect="1"/>
+          </p:cNvPicPr>
+          <p:nvPr>
+            <p:ph idx="1"/>
+          </p:nvPr>
+        </p:nvPicPr>
+        <p:blipFill rotWithShape="1">
+          <a:blip r:embed="rId2"/>
+          <a:srcRect l="1691" t="7042" r="5633" b="8450"/>
+          <a:stretch/>
+        </p:blipFill>
+        <p:spPr>
+          <a:xfrm>
+            <a:off x="2416680" y="1690688"/>
+            <a:ext cx="6773973" cy="4323813"/>
+          </a:xfrm>
+        </p:spPr>
+      </p:pic>
+      <p:sp>
+        <p:nvSpPr>
+          <p:cNvPr id="3" name="Slide Number Placeholder 2"/>
+          <p:cNvSpPr>
+            <a:spLocks noGrp="1"/>
+          </p:cNvSpPr>
+          <p:nvPr>
+            <p:ph type="sldNum" sz="quarter" idx="12"/>
+          </p:nvPr>
+        </p:nvSpPr>
+        <p:spPr/>
+        <p:txBody>
+          <a:bodyPr/>
+          <a:lstStyle/>
+          <a:p>
+            <a:fld id="{B543A0FD-1CA6-4228-86A2-78061B4844C8}" type="slidenum">
+              <a:rPr lang="en-US" smtClean="0"/>
+              <a:t>57</a:t>
+            </a:fld>
+            <a:endParaRPr lang="en-US"/>
+          </a:p>
+        </p:txBody>
+      </p:sp>
+    </p:spTree>
+    <p:extLst>
+      <p:ext uri="{BB962C8B-B14F-4D97-AF65-F5344CB8AC3E}">
+        <p14:creationId xmlns:p14="http://schemas.microsoft.com/office/powerpoint/2010/main" val="3491962717"/>
+      </p:ext>
+    </p:extLst>
+  </p:cSld>
+  <p:clrMapOvr>
+    <a:masterClrMapping/>
+  </p:clrMapOvr>
+  <p:timing>
+    <p:tnLst>
+      <p:par>
+        <p:cTn id="1" dur="indefinite" restart="never" nodeType="tmRoot"/>
+      </p:par>
+    </p:tnLst>
+  </p:timing>
+</p:sld>
+</file>
+
 <file path=ppt/slides/slide58.xml><?xml version="1.0" encoding="utf-8"?>
 <p:sld xmlns:a="http://schemas.openxmlformats.org/drawingml/2006/main" xmlns:r="http://schemas.openxmlformats.org/officeDocument/2006/relationships" xmlns:p="http://schemas.openxmlformats.org/presentationml/2006/main">
   <p:cSld>
@@ -25574,43 +25469,36 @@
           <a:bodyPr/>
           <a:lstStyle/>
           <a:p>
-            <a:r>
-              <a:rPr lang="en-US" dirty="0"/>
-              <a:t>Cost by </a:t>
-            </a:r>
-            <a:r>
-              <a:rPr lang="en-US" dirty="0" smtClean="0"/>
-              <a:t>Development Phases</a:t>
-            </a:r>
-            <a:endParaRPr lang="en-US" dirty="0"/>
-          </a:p>
-        </p:txBody>
-      </p:sp>
-      <p:pic>
-        <p:nvPicPr>
-          <p:cNvPr id="26" name="Content Placeholder 25"/>
-          <p:cNvPicPr>
-            <a:picLocks noGrp="1" noChangeAspect="1"/>
-          </p:cNvPicPr>
-          <p:nvPr>
-            <p:ph idx="1"/>
-          </p:nvPr>
-        </p:nvPicPr>
-        <p:blipFill rotWithShape="1">
-          <a:blip r:embed="rId2"/>
-          <a:srcRect l="1691" t="7042" r="5633" b="8450"/>
-          <a:stretch/>
-        </p:blipFill>
-        <p:spPr>
-          <a:xfrm>
-            <a:off x="2416680" y="1690688"/>
-            <a:ext cx="6773973" cy="4323813"/>
-          </a:xfrm>
-        </p:spPr>
-      </p:pic>
-      <p:sp>
-        <p:nvSpPr>
-          <p:cNvPr id="3" name="Slide Number Placeholder 2"/>
+            <a:pPr algn="ctr"/>
+            <a:r>
+              <a:rPr lang="en-US" sz="4400" dirty="0"/>
+              <a:t>Software Verification and Validation (V&amp;V)</a:t>
+            </a:r>
+          </a:p>
+        </p:txBody>
+      </p:sp>
+      <p:sp>
+        <p:nvSpPr>
+          <p:cNvPr id="5" name="Text Placeholder 4"/>
+          <p:cNvSpPr>
+            <a:spLocks noGrp="1"/>
+          </p:cNvSpPr>
+          <p:nvPr>
+            <p:ph type="body" idx="1"/>
+          </p:nvPr>
+        </p:nvSpPr>
+        <p:spPr/>
+        <p:txBody>
+          <a:bodyPr/>
+          <a:lstStyle/>
+          <a:p>
+            <a:endParaRPr lang="en-US"/>
+          </a:p>
+        </p:txBody>
+      </p:sp>
+      <p:sp>
+        <p:nvSpPr>
+          <p:cNvPr id="4" name="Slide Number Placeholder 3"/>
           <p:cNvSpPr>
             <a:spLocks noGrp="1"/>
           </p:cNvSpPr>
@@ -25634,7 +25522,7 @@
     </p:spTree>
     <p:extLst>
       <p:ext uri="{BB962C8B-B14F-4D97-AF65-F5344CB8AC3E}">
-        <p14:creationId xmlns:p14="http://schemas.microsoft.com/office/powerpoint/2010/main" val="3491962717"/>
+        <p14:creationId xmlns:p14="http://schemas.microsoft.com/office/powerpoint/2010/main" val="860924540"/>
       </p:ext>
     </p:extLst>
   </p:cSld>
@@ -25670,673 +25558,6 @@
       </p:grpSpPr>
       <p:sp>
         <p:nvSpPr>
-          <p:cNvPr id="2" name="Title 1"/>
-          <p:cNvSpPr>
-            <a:spLocks noGrp="1"/>
-          </p:cNvSpPr>
-          <p:nvPr>
-            <p:ph type="title"/>
-          </p:nvPr>
-        </p:nvSpPr>
-        <p:spPr/>
-        <p:txBody>
-          <a:bodyPr/>
-          <a:lstStyle/>
-          <a:p>
-            <a:pPr algn="ctr"/>
-            <a:r>
-              <a:rPr lang="en-US" sz="4400" dirty="0"/>
-              <a:t>Software Verification and Validation (V&amp;V)</a:t>
-            </a:r>
-          </a:p>
-        </p:txBody>
-      </p:sp>
-      <p:sp>
-        <p:nvSpPr>
-          <p:cNvPr id="5" name="Text Placeholder 4"/>
-          <p:cNvSpPr>
-            <a:spLocks noGrp="1"/>
-          </p:cNvSpPr>
-          <p:nvPr>
-            <p:ph type="body" idx="1"/>
-          </p:nvPr>
-        </p:nvSpPr>
-        <p:spPr/>
-        <p:txBody>
-          <a:bodyPr/>
-          <a:lstStyle/>
-          <a:p>
-            <a:endParaRPr lang="en-US"/>
-          </a:p>
-        </p:txBody>
-      </p:sp>
-      <p:sp>
-        <p:nvSpPr>
-          <p:cNvPr id="4" name="Slide Number Placeholder 3"/>
-          <p:cNvSpPr>
-            <a:spLocks noGrp="1"/>
-          </p:cNvSpPr>
-          <p:nvPr>
-            <p:ph type="sldNum" sz="quarter" idx="12"/>
-          </p:nvPr>
-        </p:nvSpPr>
-        <p:spPr/>
-        <p:txBody>
-          <a:bodyPr/>
-          <a:lstStyle/>
-          <a:p>
-            <a:fld id="{B543A0FD-1CA6-4228-86A2-78061B4844C8}" type="slidenum">
-              <a:rPr lang="en-US" smtClean="0"/>
-              <a:t>59</a:t>
-            </a:fld>
-            <a:endParaRPr lang="en-US"/>
-          </a:p>
-        </p:txBody>
-      </p:sp>
-    </p:spTree>
-    <p:extLst>
-      <p:ext uri="{BB962C8B-B14F-4D97-AF65-F5344CB8AC3E}">
-        <p14:creationId xmlns:p14="http://schemas.microsoft.com/office/powerpoint/2010/main" val="860924540"/>
-      </p:ext>
-    </p:extLst>
-  </p:cSld>
-  <p:clrMapOvr>
-    <a:masterClrMapping/>
-  </p:clrMapOvr>
-  <p:timing>
-    <p:tnLst>
-      <p:par>
-        <p:cTn id="1" dur="indefinite" restart="never" nodeType="tmRoot"/>
-      </p:par>
-    </p:tnLst>
-  </p:timing>
-</p:sld>
-</file>
-
-<file path=ppt/slides/slide6.xml><?xml version="1.0" encoding="utf-8"?>
-<p:sld xmlns:a="http://schemas.openxmlformats.org/drawingml/2006/main" xmlns:r="http://schemas.openxmlformats.org/officeDocument/2006/relationships" xmlns:p="http://schemas.openxmlformats.org/presentationml/2006/main">
-  <p:cSld>
-    <p:spTree>
-      <p:nvGrpSpPr>
-        <p:cNvPr id="1" name=""/>
-        <p:cNvGrpSpPr/>
-        <p:nvPr/>
-      </p:nvGrpSpPr>
-      <p:grpSpPr>
-        <a:xfrm>
-          <a:off x="0" y="0"/>
-          <a:ext cx="0" cy="0"/>
-          <a:chOff x="0" y="0"/>
-          <a:chExt cx="0" cy="0"/>
-        </a:xfrm>
-      </p:grpSpPr>
-      <p:sp>
-        <p:nvSpPr>
-          <p:cNvPr id="111617" name="Rectangle 6"/>
-          <p:cNvSpPr>
-            <a:spLocks noGrp="1" noChangeArrowheads="1"/>
-          </p:cNvSpPr>
-          <p:nvPr>
-            <p:ph type="title"/>
-          </p:nvPr>
-        </p:nvSpPr>
-        <p:spPr>
-          <a:noFill/>
-          <a:extLst>
-            <a:ext uri="{909E8E84-426E-40dd-AFC4-6F175D3DCCD1}">
-              <a14:hiddenFill xmlns:a14="http://schemas.microsoft.com/office/drawing/2010/main" xmlns="">
-                <a:solidFill>
-                  <a:srgbClr val="FFFFFF"/>
-                </a:solidFill>
-              </a14:hiddenFill>
-            </a:ext>
-          </a:extLst>
-        </p:spPr>
-        <p:txBody>
-          <a:bodyPr/>
-          <a:lstStyle/>
-          <a:p>
-            <a:pPr eaLnBrk="1" hangingPunct="1"/>
-            <a:r>
-              <a:rPr lang="en-US" sz="3600" dirty="0">
-                <a:ea typeface="MS PGothic" charset="0"/>
-              </a:rPr>
-              <a:t>Chaos Report  2012</a:t>
-            </a:r>
-            <a:endParaRPr lang="en-US" sz="3600" dirty="0">
-              <a:solidFill>
-                <a:srgbClr val="003366"/>
-              </a:solidFill>
-              <a:ea typeface="MS PGothic" charset="0"/>
-            </a:endParaRPr>
-          </a:p>
-        </p:txBody>
-      </p:sp>
-      <p:sp>
-        <p:nvSpPr>
-          <p:cNvPr id="111618" name="Rectangle 7"/>
-          <p:cNvSpPr>
-            <a:spLocks noGrp="1" noChangeArrowheads="1"/>
-          </p:cNvSpPr>
-          <p:nvPr>
-            <p:ph idx="1"/>
-          </p:nvPr>
-        </p:nvSpPr>
-        <p:spPr>
-          <a:xfrm>
-            <a:off x="638355" y="1397479"/>
-            <a:ext cx="8470720" cy="2183922"/>
-          </a:xfrm>
-        </p:spPr>
-        <p:txBody>
-          <a:bodyPr/>
-          <a:lstStyle/>
-          <a:p>
-            <a:pPr eaLnBrk="1" hangingPunct="1">
-              <a:spcBef>
-                <a:spcPct val="50000"/>
-              </a:spcBef>
-              <a:buClrTx/>
-              <a:buFontTx/>
-              <a:buNone/>
-            </a:pPr>
-            <a:r>
-              <a:rPr lang="en-US" sz="2000" b="1" dirty="0">
-                <a:solidFill>
-                  <a:srgbClr val="000000"/>
-                </a:solidFill>
-                <a:ea typeface="MS PGothic" charset="0"/>
-              </a:rPr>
-              <a:t>Project Success: </a:t>
-            </a:r>
-            <a:r>
-              <a:rPr lang="en-US" sz="2000" dirty="0">
-                <a:solidFill>
-                  <a:srgbClr val="000000"/>
-                </a:solidFill>
-                <a:ea typeface="MS PGothic" charset="0"/>
-              </a:rPr>
-              <a:t>Type 1. The project is completed on-time and on-budget, with all features and functions as initially specified.  </a:t>
-            </a:r>
-            <a:r>
-              <a:rPr lang="en-US" sz="2000" b="1" dirty="0">
-                <a:solidFill>
-                  <a:srgbClr val="FF3300"/>
-                </a:solidFill>
-                <a:ea typeface="MS PGothic" charset="0"/>
-              </a:rPr>
-              <a:t>(2012: 39%)</a:t>
-            </a:r>
-          </a:p>
-          <a:p>
-            <a:pPr eaLnBrk="1" hangingPunct="1">
-              <a:spcBef>
-                <a:spcPct val="50000"/>
-              </a:spcBef>
-              <a:buClrTx/>
-              <a:buFontTx/>
-              <a:buNone/>
-            </a:pPr>
-            <a:r>
-              <a:rPr lang="en-US" sz="2000" b="1" dirty="0">
-                <a:solidFill>
-                  <a:srgbClr val="000000"/>
-                </a:solidFill>
-                <a:ea typeface="MS PGothic" charset="0"/>
-              </a:rPr>
-              <a:t>Project Challenged: </a:t>
-            </a:r>
-            <a:r>
-              <a:rPr lang="en-US" sz="2000" dirty="0">
-                <a:solidFill>
-                  <a:srgbClr val="000000"/>
-                </a:solidFill>
-                <a:ea typeface="MS PGothic" charset="0"/>
-              </a:rPr>
-              <a:t>Type 2. The project is completed and operational but over-budget, over the time estimate, and offers fewer features and functions than originally specified.   </a:t>
-            </a:r>
-            <a:r>
-              <a:rPr lang="en-US" sz="2000" b="1" dirty="0">
-                <a:solidFill>
-                  <a:srgbClr val="FF3300"/>
-                </a:solidFill>
-                <a:ea typeface="MS PGothic" charset="0"/>
-              </a:rPr>
-              <a:t>(2012: 43%)</a:t>
-            </a:r>
-          </a:p>
-        </p:txBody>
-      </p:sp>
-      <p:sp>
-        <p:nvSpPr>
-          <p:cNvPr id="111621" name="AutoShape 3" descr="Project Resolution by Type"/>
-          <p:cNvSpPr>
-            <a:spLocks noChangeAspect="1" noChangeArrowheads="1"/>
-          </p:cNvSpPr>
-          <p:nvPr/>
-        </p:nvSpPr>
-        <p:spPr bwMode="auto">
-          <a:xfrm>
-            <a:off x="4433888" y="2097089"/>
-            <a:ext cx="3325812" cy="2663825"/>
-          </a:xfrm>
-          <a:prstGeom prst="rect">
-            <a:avLst/>
-          </a:prstGeom>
-          <a:noFill/>
-          <a:ln>
-            <a:noFill/>
-          </a:ln>
-          <a:extLst>
-            <a:ext uri="{909E8E84-426E-40dd-AFC4-6F175D3DCCD1}">
-              <a14:hiddenFill xmlns:a14="http://schemas.microsoft.com/office/drawing/2010/main" xmlns="">
-                <a:solidFill>
-                  <a:srgbClr val="FFFFFF"/>
-                </a:solidFill>
-              </a14:hiddenFill>
-            </a:ext>
-            <a:ext uri="{91240B29-F687-4f45-9708-019B960494DF}">
-              <a14:hiddenLine xmlns:a14="http://schemas.microsoft.com/office/drawing/2010/main" xmlns="" w="9525">
-                <a:solidFill>
-                  <a:srgbClr val="000000"/>
-                </a:solidFill>
-                <a:miter lim="800000"/>
-                <a:headEnd/>
-                <a:tailEnd/>
-              </a14:hiddenLine>
-            </a:ext>
-          </a:extLst>
-        </p:spPr>
-        <p:txBody>
-          <a:bodyPr/>
-          <a:lstStyle/>
-          <a:p>
-            <a:endParaRPr lang="en-US" dirty="0">
-              <a:latin typeface="Candara" panose="020E0502030303020204" pitchFamily="34" charset="0"/>
-            </a:endParaRPr>
-          </a:p>
-        </p:txBody>
-      </p:sp>
-      <p:pic>
-        <p:nvPicPr>
-          <p:cNvPr id="111622" name="Picture 9" descr="ChaosManifesto2013.jpg"/>
-          <p:cNvPicPr>
-            <a:picLocks noChangeAspect="1"/>
-          </p:cNvPicPr>
-          <p:nvPr/>
-        </p:nvPicPr>
-        <p:blipFill>
-          <a:blip r:embed="rId3">
-            <a:extLst>
-              <a:ext uri="{28A0092B-C50C-407E-A947-70E740481C1C}">
-                <a14:useLocalDpi xmlns:a14="http://schemas.microsoft.com/office/drawing/2010/main" val="0"/>
-              </a:ext>
-            </a:extLst>
-          </a:blip>
-          <a:srcRect/>
-          <a:stretch>
-            <a:fillRect/>
-          </a:stretch>
-        </p:blipFill>
-        <p:spPr bwMode="auto">
-          <a:xfrm>
-            <a:off x="4718050" y="3453323"/>
-            <a:ext cx="5513388" cy="2670175"/>
-          </a:xfrm>
-          <a:prstGeom prst="rect">
-            <a:avLst/>
-          </a:prstGeom>
-          <a:noFill/>
-          <a:ln>
-            <a:noFill/>
-          </a:ln>
-          <a:extLst>
-            <a:ext uri="{909E8E84-426E-40dd-AFC4-6F175D3DCCD1}">
-              <a14:hiddenFill xmlns:a14="http://schemas.microsoft.com/office/drawing/2010/main" xmlns="">
-                <a:solidFill>
-                  <a:srgbClr val="FFFFFF"/>
-                </a:solidFill>
-              </a14:hiddenFill>
-            </a:ext>
-            <a:ext uri="{91240B29-F687-4f45-9708-019B960494DF}">
-              <a14:hiddenLine xmlns:a14="http://schemas.microsoft.com/office/drawing/2010/main" xmlns="" w="9525">
-                <a:solidFill>
-                  <a:srgbClr val="000000"/>
-                </a:solidFill>
-                <a:miter lim="800000"/>
-                <a:headEnd/>
-                <a:tailEnd/>
-              </a14:hiddenLine>
-            </a:ext>
-          </a:extLst>
-        </p:spPr>
-      </p:pic>
-      <p:sp>
-        <p:nvSpPr>
-          <p:cNvPr id="111623" name="TextBox 12"/>
-          <p:cNvSpPr txBox="1">
-            <a:spLocks noChangeArrowheads="1"/>
-          </p:cNvSpPr>
-          <p:nvPr/>
-        </p:nvSpPr>
-        <p:spPr bwMode="auto">
-          <a:xfrm>
-            <a:off x="638355" y="3453323"/>
-            <a:ext cx="3795533" cy="1938992"/>
-          </a:xfrm>
-          <a:prstGeom prst="rect">
-            <a:avLst/>
-          </a:prstGeom>
-          <a:noFill/>
-          <a:ln>
-            <a:noFill/>
-          </a:ln>
-          <a:extLst>
-            <a:ext uri="{909E8E84-426E-40dd-AFC4-6F175D3DCCD1}">
-              <a14:hiddenFill xmlns:a14="http://schemas.microsoft.com/office/drawing/2010/main" xmlns="">
-                <a:solidFill>
-                  <a:srgbClr val="FFFFFF"/>
-                </a:solidFill>
-              </a14:hiddenFill>
-            </a:ext>
-            <a:ext uri="{91240B29-F687-4f45-9708-019B960494DF}">
-              <a14:hiddenLine xmlns:a14="http://schemas.microsoft.com/office/drawing/2010/main" xmlns="" w="9525">
-                <a:solidFill>
-                  <a:srgbClr val="000000"/>
-                </a:solidFill>
-                <a:miter lim="800000"/>
-                <a:headEnd/>
-                <a:tailEnd/>
-              </a14:hiddenLine>
-            </a:ext>
-          </a:extLst>
-        </p:spPr>
-        <p:txBody>
-          <a:bodyPr wrap="square">
-            <a:spAutoFit/>
-          </a:bodyPr>
-          <a:lstStyle>
-            <a:lvl1pPr>
-              <a:defRPr sz="2400">
-                <a:solidFill>
-                  <a:schemeClr val="tx1"/>
-                </a:solidFill>
-                <a:latin typeface="Arial" charset="0"/>
-                <a:ea typeface="MS PGothic" charset="0"/>
-                <a:cs typeface="MS PGothic" charset="0"/>
-              </a:defRPr>
-            </a:lvl1pPr>
-            <a:lvl2pPr marL="742950" indent="-285750">
-              <a:defRPr sz="2400">
-                <a:solidFill>
-                  <a:schemeClr val="tx1"/>
-                </a:solidFill>
-                <a:latin typeface="Arial" charset="0"/>
-                <a:ea typeface="MS PGothic" charset="0"/>
-                <a:cs typeface="MS PGothic" charset="0"/>
-              </a:defRPr>
-            </a:lvl2pPr>
-            <a:lvl3pPr marL="1143000" indent="-228600">
-              <a:defRPr sz="2400">
-                <a:solidFill>
-                  <a:schemeClr val="tx1"/>
-                </a:solidFill>
-                <a:latin typeface="Arial" charset="0"/>
-                <a:ea typeface="MS PGothic" charset="0"/>
-                <a:cs typeface="MS PGothic" charset="0"/>
-              </a:defRPr>
-            </a:lvl3pPr>
-            <a:lvl4pPr marL="1600200" indent="-228600">
-              <a:defRPr sz="2400">
-                <a:solidFill>
-                  <a:schemeClr val="tx1"/>
-                </a:solidFill>
-                <a:latin typeface="Arial" charset="0"/>
-                <a:ea typeface="MS PGothic" charset="0"/>
-                <a:cs typeface="MS PGothic" charset="0"/>
-              </a:defRPr>
-            </a:lvl4pPr>
-            <a:lvl5pPr marL="2057400" indent="-228600">
-              <a:defRPr sz="2400">
-                <a:solidFill>
-                  <a:schemeClr val="tx1"/>
-                </a:solidFill>
-                <a:latin typeface="Arial" charset="0"/>
-                <a:ea typeface="MS PGothic" charset="0"/>
-                <a:cs typeface="MS PGothic" charset="0"/>
-              </a:defRPr>
-            </a:lvl5pPr>
-            <a:lvl6pPr marL="2514600" indent="-228600" eaLnBrk="0" fontAlgn="base" hangingPunct="0">
-              <a:spcBef>
-                <a:spcPct val="0"/>
-              </a:spcBef>
-              <a:spcAft>
-                <a:spcPct val="0"/>
-              </a:spcAft>
-              <a:defRPr sz="2400">
-                <a:solidFill>
-                  <a:schemeClr val="tx1"/>
-                </a:solidFill>
-                <a:latin typeface="Arial" charset="0"/>
-                <a:ea typeface="MS PGothic" charset="0"/>
-                <a:cs typeface="MS PGothic" charset="0"/>
-              </a:defRPr>
-            </a:lvl6pPr>
-            <a:lvl7pPr marL="2971800" indent="-228600" eaLnBrk="0" fontAlgn="base" hangingPunct="0">
-              <a:spcBef>
-                <a:spcPct val="0"/>
-              </a:spcBef>
-              <a:spcAft>
-                <a:spcPct val="0"/>
-              </a:spcAft>
-              <a:defRPr sz="2400">
-                <a:solidFill>
-                  <a:schemeClr val="tx1"/>
-                </a:solidFill>
-                <a:latin typeface="Arial" charset="0"/>
-                <a:ea typeface="MS PGothic" charset="0"/>
-                <a:cs typeface="MS PGothic" charset="0"/>
-              </a:defRPr>
-            </a:lvl7pPr>
-            <a:lvl8pPr marL="3429000" indent="-228600" eaLnBrk="0" fontAlgn="base" hangingPunct="0">
-              <a:spcBef>
-                <a:spcPct val="0"/>
-              </a:spcBef>
-              <a:spcAft>
-                <a:spcPct val="0"/>
-              </a:spcAft>
-              <a:defRPr sz="2400">
-                <a:solidFill>
-                  <a:schemeClr val="tx1"/>
-                </a:solidFill>
-                <a:latin typeface="Arial" charset="0"/>
-                <a:ea typeface="MS PGothic" charset="0"/>
-                <a:cs typeface="MS PGothic" charset="0"/>
-              </a:defRPr>
-            </a:lvl8pPr>
-            <a:lvl9pPr marL="3886200" indent="-228600" eaLnBrk="0" fontAlgn="base" hangingPunct="0">
-              <a:spcBef>
-                <a:spcPct val="0"/>
-              </a:spcBef>
-              <a:spcAft>
-                <a:spcPct val="0"/>
-              </a:spcAft>
-              <a:defRPr sz="2400">
-                <a:solidFill>
-                  <a:schemeClr val="tx1"/>
-                </a:solidFill>
-                <a:latin typeface="Arial" charset="0"/>
-                <a:ea typeface="MS PGothic" charset="0"/>
-                <a:cs typeface="MS PGothic" charset="0"/>
-              </a:defRPr>
-            </a:lvl9pPr>
-          </a:lstStyle>
-          <a:p>
-            <a:pPr eaLnBrk="1" hangingPunct="1">
-              <a:spcBef>
-                <a:spcPct val="50000"/>
-              </a:spcBef>
-            </a:pPr>
-            <a:r>
-              <a:rPr lang="en-US" sz="2000" b="1" dirty="0">
-                <a:solidFill>
-                  <a:srgbClr val="000000"/>
-                </a:solidFill>
-                <a:latin typeface="Candara" panose="020E0502030303020204" pitchFamily="34" charset="0"/>
-              </a:rPr>
-              <a:t>Project Impaired:</a:t>
-            </a:r>
-            <a:r>
-              <a:rPr lang="en-US" sz="2000" dirty="0">
-                <a:solidFill>
-                  <a:srgbClr val="000000"/>
-                </a:solidFill>
-                <a:latin typeface="Candara" panose="020E0502030303020204" pitchFamily="34" charset="0"/>
-              </a:rPr>
-              <a:t> Type 3. </a:t>
-            </a:r>
-            <a:br>
-              <a:rPr lang="en-US" sz="2000" dirty="0">
-                <a:solidFill>
-                  <a:srgbClr val="000000"/>
-                </a:solidFill>
-                <a:latin typeface="Candara" panose="020E0502030303020204" pitchFamily="34" charset="0"/>
-              </a:rPr>
-            </a:br>
-            <a:r>
-              <a:rPr lang="en-US" sz="2000" dirty="0">
-                <a:solidFill>
-                  <a:srgbClr val="000000"/>
-                </a:solidFill>
-                <a:latin typeface="Candara" panose="020E0502030303020204" pitchFamily="34" charset="0"/>
-              </a:rPr>
-              <a:t>The project is canceled at some point </a:t>
-            </a:r>
-            <a:br>
-              <a:rPr lang="en-US" sz="2000" dirty="0">
-                <a:solidFill>
-                  <a:srgbClr val="000000"/>
-                </a:solidFill>
-                <a:latin typeface="Candara" panose="020E0502030303020204" pitchFamily="34" charset="0"/>
-              </a:rPr>
-            </a:br>
-            <a:r>
-              <a:rPr lang="en-US" sz="2000" dirty="0">
-                <a:solidFill>
-                  <a:srgbClr val="000000"/>
-                </a:solidFill>
-                <a:latin typeface="Candara" panose="020E0502030303020204" pitchFamily="34" charset="0"/>
-              </a:rPr>
-              <a:t>during the development cycle. </a:t>
-            </a:r>
-            <a:br>
-              <a:rPr lang="en-US" sz="2000" dirty="0">
-                <a:solidFill>
-                  <a:srgbClr val="000000"/>
-                </a:solidFill>
-                <a:latin typeface="Candara" panose="020E0502030303020204" pitchFamily="34" charset="0"/>
-              </a:rPr>
-            </a:br>
-            <a:r>
-              <a:rPr lang="en-US" sz="2000" b="1" dirty="0">
-                <a:solidFill>
-                  <a:srgbClr val="FF3300"/>
-                </a:solidFill>
-                <a:latin typeface="Candara" panose="020E0502030303020204" pitchFamily="34" charset="0"/>
-              </a:rPr>
-              <a:t>(2012: 18%)</a:t>
-            </a:r>
-            <a:r>
-              <a:rPr lang="en-US" sz="2000" dirty="0">
-                <a:solidFill>
-                  <a:srgbClr val="000000"/>
-                </a:solidFill>
-                <a:latin typeface="Candara" panose="020E0502030303020204" pitchFamily="34" charset="0"/>
-              </a:rPr>
-              <a:t>  (Are ALL impaired </a:t>
-            </a:r>
-            <a:br>
-              <a:rPr lang="en-US" sz="2000" dirty="0">
-                <a:solidFill>
-                  <a:srgbClr val="000000"/>
-                </a:solidFill>
-                <a:latin typeface="Candara" panose="020E0502030303020204" pitchFamily="34" charset="0"/>
-              </a:rPr>
-            </a:br>
-            <a:r>
-              <a:rPr lang="en-US" sz="2000" dirty="0">
-                <a:solidFill>
-                  <a:srgbClr val="000000"/>
-                </a:solidFill>
-                <a:latin typeface="Candara" panose="020E0502030303020204" pitchFamily="34" charset="0"/>
-              </a:rPr>
-              <a:t>projects failures???)</a:t>
-            </a:r>
-          </a:p>
-        </p:txBody>
-      </p:sp>
-      <p:sp>
-        <p:nvSpPr>
-          <p:cNvPr id="2" name="Slide Number Placeholder 1"/>
-          <p:cNvSpPr>
-            <a:spLocks noGrp="1"/>
-          </p:cNvSpPr>
-          <p:nvPr>
-            <p:ph type="sldNum" sz="quarter" idx="12"/>
-          </p:nvPr>
-        </p:nvSpPr>
-        <p:spPr/>
-        <p:txBody>
-          <a:bodyPr/>
-          <a:lstStyle/>
-          <a:p>
-            <a:fld id="{B543A0FD-1CA6-4228-86A2-78061B4844C8}" type="slidenum">
-              <a:rPr lang="en-US" smtClean="0"/>
-              <a:t>6</a:t>
-            </a:fld>
-            <a:endParaRPr lang="en-US"/>
-          </a:p>
-        </p:txBody>
-      </p:sp>
-    </p:spTree>
-    <p:extLst>
-      <p:ext uri="{BB962C8B-B14F-4D97-AF65-F5344CB8AC3E}">
-        <p14:creationId xmlns:p14="http://schemas.microsoft.com/office/powerpoint/2010/main" val="1682667382"/>
-      </p:ext>
-    </p:extLst>
-  </p:cSld>
-  <p:clrMapOvr>
-    <a:masterClrMapping/>
-  </p:clrMapOvr>
-  <p:timing>
-    <p:tnLst>
-      <p:par>
-        <p:cTn id="1" dur="indefinite" restart="never" nodeType="tmRoot"/>
-      </p:par>
-    </p:tnLst>
-  </p:timing>
-</p:sld>
-</file>
-
-<file path=ppt/slides/slide60.xml><?xml version="1.0" encoding="utf-8"?>
-<p:sld xmlns:a="http://schemas.openxmlformats.org/drawingml/2006/main" xmlns:r="http://schemas.openxmlformats.org/officeDocument/2006/relationships" xmlns:p="http://schemas.openxmlformats.org/presentationml/2006/main">
-  <p:cSld>
-    <p:spTree>
-      <p:nvGrpSpPr>
-        <p:cNvPr id="1" name=""/>
-        <p:cNvGrpSpPr/>
-        <p:nvPr/>
-      </p:nvGrpSpPr>
-      <p:grpSpPr>
-        <a:xfrm>
-          <a:off x="0" y="0"/>
-          <a:ext cx="0" cy="0"/>
-          <a:chOff x="0" y="0"/>
-          <a:chExt cx="0" cy="0"/>
-        </a:xfrm>
-      </p:grpSpPr>
-      <p:sp>
-        <p:nvSpPr>
           <p:cNvPr id="40964" name="Rectangle 2"/>
           <p:cNvSpPr>
             <a:spLocks noGrp="1" noChangeArrowheads="1"/>
@@ -26479,7 +25700,7 @@
           <a:p>
             <a:fld id="{B543A0FD-1CA6-4228-86A2-78061B4844C8}" type="slidenum">
               <a:rPr lang="en-US" smtClean="0"/>
-              <a:t>60</a:t>
+              <a:t>59</a:t>
             </a:fld>
             <a:endParaRPr lang="en-US"/>
           </a:p>
@@ -26727,7 +25948,7 @@
 </p:sld>
 </file>
 
-<file path=ppt/slides/slide61.xml><?xml version="1.0" encoding="utf-8"?>
+<file path=ppt/slides/slide6.xml><?xml version="1.0" encoding="utf-8"?>
 <p:sld xmlns:a="http://schemas.openxmlformats.org/drawingml/2006/main" xmlns:r="http://schemas.openxmlformats.org/officeDocument/2006/relationships" xmlns:p="http://schemas.openxmlformats.org/presentationml/2006/main">
   <p:cSld>
     <p:spTree>
@@ -26746,60 +25967,512 @@
       </p:grpSpPr>
       <p:sp>
         <p:nvSpPr>
-          <p:cNvPr id="2" name="Title 1"/>
-          <p:cNvSpPr>
-            <a:spLocks noGrp="1"/>
+          <p:cNvPr id="111617" name="Rectangle 6"/>
+          <p:cNvSpPr>
+            <a:spLocks noGrp="1" noChangeArrowheads="1"/>
           </p:cNvSpPr>
           <p:nvPr>
             <p:ph type="title"/>
           </p:nvPr>
         </p:nvSpPr>
-        <p:spPr/>
+        <p:spPr>
+          <a:noFill/>
+          <a:extLst>
+            <a:ext uri="{909E8E84-426E-40dd-AFC4-6F175D3DCCD1}">
+              <a14:hiddenFill xmlns:a14="http://schemas.microsoft.com/office/drawing/2010/main" xmlns="">
+                <a:solidFill>
+                  <a:srgbClr val="FFFFFF"/>
+                </a:solidFill>
+              </a14:hiddenFill>
+            </a:ext>
+          </a:extLst>
+        </p:spPr>
         <p:txBody>
           <a:bodyPr/>
           <a:lstStyle/>
           <a:p>
-            <a:r>
-              <a:rPr lang="en-US" dirty="0"/>
-              <a:t>Software Specification</a:t>
-            </a:r>
-          </a:p>
-        </p:txBody>
-      </p:sp>
-      <p:sp>
-        <p:nvSpPr>
-          <p:cNvPr id="3" name="Content Placeholder 2"/>
-          <p:cNvSpPr>
-            <a:spLocks noGrp="1"/>
-          </p:cNvSpPr>
-          <p:nvPr>
-            <p:ph sz="quarter" idx="1"/>
-          </p:nvPr>
-        </p:nvSpPr>
-        <p:spPr/>
+            <a:pPr eaLnBrk="1" hangingPunct="1"/>
+            <a:r>
+              <a:rPr lang="en-US" sz="3600" dirty="0">
+                <a:ea typeface="MS PGothic" charset="0"/>
+              </a:rPr>
+              <a:t>Chaos Report  2012</a:t>
+            </a:r>
+            <a:endParaRPr lang="en-US" sz="3600" dirty="0">
+              <a:solidFill>
+                <a:srgbClr val="003366"/>
+              </a:solidFill>
+              <a:ea typeface="MS PGothic" charset="0"/>
+            </a:endParaRPr>
+          </a:p>
+        </p:txBody>
+      </p:sp>
+      <p:sp>
+        <p:nvSpPr>
+          <p:cNvPr id="111618" name="Rectangle 7"/>
+          <p:cNvSpPr>
+            <a:spLocks noGrp="1" noChangeArrowheads="1"/>
+          </p:cNvSpPr>
+          <p:nvPr>
+            <p:ph idx="1"/>
+          </p:nvPr>
+        </p:nvSpPr>
+        <p:spPr>
+          <a:xfrm>
+            <a:off x="638355" y="1397479"/>
+            <a:ext cx="8470720" cy="2183922"/>
+          </a:xfrm>
+        </p:spPr>
         <p:txBody>
           <a:bodyPr/>
           <a:lstStyle/>
           <a:p>
-            <a:pPr marL="274637" lvl="2" indent="0">
+            <a:pPr eaLnBrk="1" hangingPunct="1">
               <a:spcBef>
-                <a:spcPts val="600"/>
+                <a:spcPct val="50000"/>
               </a:spcBef>
-              <a:buClr>
-                <a:schemeClr val="accent1"/>
-              </a:buClr>
+              <a:buClrTx/>
+              <a:buFontTx/>
               <a:buNone/>
             </a:pPr>
             <a:r>
-              <a:rPr lang="en-US" sz="3200" dirty="0"/>
-              <a:t>A document that specifies, ideally in a complete, precise and verifiable manner, the requirements, design, behavior, or other characteristics of a component or system, and, often, the procedures for determining whether these provisions have been satisfied. [IEEE] </a:t>
-            </a:r>
-          </a:p>
-        </p:txBody>
-      </p:sp>
-      <p:sp>
-        <p:nvSpPr>
-          <p:cNvPr id="4" name="Slide Number Placeholder 3"/>
+              <a:rPr lang="en-US" sz="2000" b="1" dirty="0">
+                <a:solidFill>
+                  <a:srgbClr val="000000"/>
+                </a:solidFill>
+                <a:ea typeface="MS PGothic" charset="0"/>
+              </a:rPr>
+              <a:t>Project Success: </a:t>
+            </a:r>
+            <a:r>
+              <a:rPr lang="en-US" sz="2000" dirty="0">
+                <a:solidFill>
+                  <a:srgbClr val="000000"/>
+                </a:solidFill>
+                <a:ea typeface="MS PGothic" charset="0"/>
+              </a:rPr>
+              <a:t>Type 1. The project is completed on-time and on-budget, with all features and functions as initially specified.  </a:t>
+            </a:r>
+            <a:r>
+              <a:rPr lang="en-US" sz="2000" b="1" dirty="0">
+                <a:solidFill>
+                  <a:srgbClr val="FF3300"/>
+                </a:solidFill>
+                <a:ea typeface="MS PGothic" charset="0"/>
+              </a:rPr>
+              <a:t>(2012: 39%)</a:t>
+            </a:r>
+          </a:p>
+          <a:p>
+            <a:pPr eaLnBrk="1" hangingPunct="1">
+              <a:spcBef>
+                <a:spcPct val="50000"/>
+              </a:spcBef>
+              <a:buClrTx/>
+              <a:buFontTx/>
+              <a:buNone/>
+            </a:pPr>
+            <a:r>
+              <a:rPr lang="en-US" sz="2000" b="1" dirty="0">
+                <a:solidFill>
+                  <a:srgbClr val="000000"/>
+                </a:solidFill>
+                <a:ea typeface="MS PGothic" charset="0"/>
+              </a:rPr>
+              <a:t>Project Challenged: </a:t>
+            </a:r>
+            <a:r>
+              <a:rPr lang="en-US" sz="2000" dirty="0">
+                <a:solidFill>
+                  <a:srgbClr val="000000"/>
+                </a:solidFill>
+                <a:ea typeface="MS PGothic" charset="0"/>
+              </a:rPr>
+              <a:t>Type 2. The project is completed and operational but over-budget, over the time estimate, and offers fewer features and functions than originally specified.   </a:t>
+            </a:r>
+            <a:r>
+              <a:rPr lang="en-US" sz="2000" b="1" dirty="0">
+                <a:solidFill>
+                  <a:srgbClr val="FF3300"/>
+                </a:solidFill>
+                <a:ea typeface="MS PGothic" charset="0"/>
+              </a:rPr>
+              <a:t>(2012: 43%)</a:t>
+            </a:r>
+          </a:p>
+        </p:txBody>
+      </p:sp>
+      <p:sp>
+        <p:nvSpPr>
+          <p:cNvPr id="111621" name="AutoShape 3" descr="Project Resolution by Type"/>
+          <p:cNvSpPr>
+            <a:spLocks noChangeAspect="1" noChangeArrowheads="1"/>
+          </p:cNvSpPr>
+          <p:nvPr/>
+        </p:nvSpPr>
+        <p:spPr bwMode="auto">
+          <a:xfrm>
+            <a:off x="4433888" y="2097089"/>
+            <a:ext cx="3325812" cy="2663825"/>
+          </a:xfrm>
+          <a:prstGeom prst="rect">
+            <a:avLst/>
+          </a:prstGeom>
+          <a:noFill/>
+          <a:ln>
+            <a:noFill/>
+          </a:ln>
+          <a:extLst>
+            <a:ext uri="{909E8E84-426E-40dd-AFC4-6F175D3DCCD1}">
+              <a14:hiddenFill xmlns:a14="http://schemas.microsoft.com/office/drawing/2010/main" xmlns="">
+                <a:solidFill>
+                  <a:srgbClr val="FFFFFF"/>
+                </a:solidFill>
+              </a14:hiddenFill>
+            </a:ext>
+            <a:ext uri="{91240B29-F687-4f45-9708-019B960494DF}">
+              <a14:hiddenLine xmlns:a14="http://schemas.microsoft.com/office/drawing/2010/main" xmlns="" w="9525">
+                <a:solidFill>
+                  <a:srgbClr val="000000"/>
+                </a:solidFill>
+                <a:miter lim="800000"/>
+                <a:headEnd/>
+                <a:tailEnd/>
+              </a14:hiddenLine>
+            </a:ext>
+          </a:extLst>
+        </p:spPr>
+        <p:txBody>
+          <a:bodyPr/>
+          <a:lstStyle/>
+          <a:p>
+            <a:endParaRPr lang="en-US" dirty="0">
+              <a:latin typeface="Candara" panose="020E0502030303020204" pitchFamily="34" charset="0"/>
+            </a:endParaRPr>
+          </a:p>
+        </p:txBody>
+      </p:sp>
+      <p:pic>
+        <p:nvPicPr>
+          <p:cNvPr id="111622" name="Picture 9" descr="ChaosManifesto2013.jpg"/>
+          <p:cNvPicPr>
+            <a:picLocks noChangeAspect="1"/>
+          </p:cNvPicPr>
+          <p:nvPr/>
+        </p:nvPicPr>
+        <p:blipFill>
+          <a:blip r:embed="rId3">
+            <a:extLst>
+              <a:ext uri="{28A0092B-C50C-407E-A947-70E740481C1C}">
+                <a14:useLocalDpi xmlns:a14="http://schemas.microsoft.com/office/drawing/2010/main" val="0"/>
+              </a:ext>
+            </a:extLst>
+          </a:blip>
+          <a:srcRect/>
+          <a:stretch>
+            <a:fillRect/>
+          </a:stretch>
+        </p:blipFill>
+        <p:spPr bwMode="auto">
+          <a:xfrm>
+            <a:off x="4718050" y="3453323"/>
+            <a:ext cx="5513388" cy="2670175"/>
+          </a:xfrm>
+          <a:prstGeom prst="rect">
+            <a:avLst/>
+          </a:prstGeom>
+          <a:noFill/>
+          <a:ln>
+            <a:noFill/>
+          </a:ln>
+          <a:extLst>
+            <a:ext uri="{909E8E84-426E-40dd-AFC4-6F175D3DCCD1}">
+              <a14:hiddenFill xmlns:a14="http://schemas.microsoft.com/office/drawing/2010/main" xmlns="">
+                <a:solidFill>
+                  <a:srgbClr val="FFFFFF"/>
+                </a:solidFill>
+              </a14:hiddenFill>
+            </a:ext>
+            <a:ext uri="{91240B29-F687-4f45-9708-019B960494DF}">
+              <a14:hiddenLine xmlns:a14="http://schemas.microsoft.com/office/drawing/2010/main" xmlns="" w="9525">
+                <a:solidFill>
+                  <a:srgbClr val="000000"/>
+                </a:solidFill>
+                <a:miter lim="800000"/>
+                <a:headEnd/>
+                <a:tailEnd/>
+              </a14:hiddenLine>
+            </a:ext>
+          </a:extLst>
+        </p:spPr>
+      </p:pic>
+      <p:sp>
+        <p:nvSpPr>
+          <p:cNvPr id="111623" name="TextBox 12"/>
+          <p:cNvSpPr txBox="1">
+            <a:spLocks noChangeArrowheads="1"/>
+          </p:cNvSpPr>
+          <p:nvPr/>
+        </p:nvSpPr>
+        <p:spPr bwMode="auto">
+          <a:xfrm>
+            <a:off x="638355" y="3453323"/>
+            <a:ext cx="3795533" cy="1938992"/>
+          </a:xfrm>
+          <a:prstGeom prst="rect">
+            <a:avLst/>
+          </a:prstGeom>
+          <a:noFill/>
+          <a:ln>
+            <a:noFill/>
+          </a:ln>
+          <a:extLst>
+            <a:ext uri="{909E8E84-426E-40dd-AFC4-6F175D3DCCD1}">
+              <a14:hiddenFill xmlns:a14="http://schemas.microsoft.com/office/drawing/2010/main" xmlns="">
+                <a:solidFill>
+                  <a:srgbClr val="FFFFFF"/>
+                </a:solidFill>
+              </a14:hiddenFill>
+            </a:ext>
+            <a:ext uri="{91240B29-F687-4f45-9708-019B960494DF}">
+              <a14:hiddenLine xmlns:a14="http://schemas.microsoft.com/office/drawing/2010/main" xmlns="" w="9525">
+                <a:solidFill>
+                  <a:srgbClr val="000000"/>
+                </a:solidFill>
+                <a:miter lim="800000"/>
+                <a:headEnd/>
+                <a:tailEnd/>
+              </a14:hiddenLine>
+            </a:ext>
+          </a:extLst>
+        </p:spPr>
+        <p:txBody>
+          <a:bodyPr wrap="square">
+            <a:spAutoFit/>
+          </a:bodyPr>
+          <a:lstStyle>
+            <a:lvl1pPr>
+              <a:defRPr sz="2400">
+                <a:solidFill>
+                  <a:schemeClr val="tx1"/>
+                </a:solidFill>
+                <a:latin typeface="Arial" charset="0"/>
+                <a:ea typeface="MS PGothic" charset="0"/>
+                <a:cs typeface="MS PGothic" charset="0"/>
+              </a:defRPr>
+            </a:lvl1pPr>
+            <a:lvl2pPr marL="742950" indent="-285750">
+              <a:defRPr sz="2400">
+                <a:solidFill>
+                  <a:schemeClr val="tx1"/>
+                </a:solidFill>
+                <a:latin typeface="Arial" charset="0"/>
+                <a:ea typeface="MS PGothic" charset="0"/>
+                <a:cs typeface="MS PGothic" charset="0"/>
+              </a:defRPr>
+            </a:lvl2pPr>
+            <a:lvl3pPr marL="1143000" indent="-228600">
+              <a:defRPr sz="2400">
+                <a:solidFill>
+                  <a:schemeClr val="tx1"/>
+                </a:solidFill>
+                <a:latin typeface="Arial" charset="0"/>
+                <a:ea typeface="MS PGothic" charset="0"/>
+                <a:cs typeface="MS PGothic" charset="0"/>
+              </a:defRPr>
+            </a:lvl3pPr>
+            <a:lvl4pPr marL="1600200" indent="-228600">
+              <a:defRPr sz="2400">
+                <a:solidFill>
+                  <a:schemeClr val="tx1"/>
+                </a:solidFill>
+                <a:latin typeface="Arial" charset="0"/>
+                <a:ea typeface="MS PGothic" charset="0"/>
+                <a:cs typeface="MS PGothic" charset="0"/>
+              </a:defRPr>
+            </a:lvl4pPr>
+            <a:lvl5pPr marL="2057400" indent="-228600">
+              <a:defRPr sz="2400">
+                <a:solidFill>
+                  <a:schemeClr val="tx1"/>
+                </a:solidFill>
+                <a:latin typeface="Arial" charset="0"/>
+                <a:ea typeface="MS PGothic" charset="0"/>
+                <a:cs typeface="MS PGothic" charset="0"/>
+              </a:defRPr>
+            </a:lvl5pPr>
+            <a:lvl6pPr marL="2514600" indent="-228600" eaLnBrk="0" fontAlgn="base" hangingPunct="0">
+              <a:spcBef>
+                <a:spcPct val="0"/>
+              </a:spcBef>
+              <a:spcAft>
+                <a:spcPct val="0"/>
+              </a:spcAft>
+              <a:defRPr sz="2400">
+                <a:solidFill>
+                  <a:schemeClr val="tx1"/>
+                </a:solidFill>
+                <a:latin typeface="Arial" charset="0"/>
+                <a:ea typeface="MS PGothic" charset="0"/>
+                <a:cs typeface="MS PGothic" charset="0"/>
+              </a:defRPr>
+            </a:lvl6pPr>
+            <a:lvl7pPr marL="2971800" indent="-228600" eaLnBrk="0" fontAlgn="base" hangingPunct="0">
+              <a:spcBef>
+                <a:spcPct val="0"/>
+              </a:spcBef>
+              <a:spcAft>
+                <a:spcPct val="0"/>
+              </a:spcAft>
+              <a:defRPr sz="2400">
+                <a:solidFill>
+                  <a:schemeClr val="tx1"/>
+                </a:solidFill>
+                <a:latin typeface="Arial" charset="0"/>
+                <a:ea typeface="MS PGothic" charset="0"/>
+                <a:cs typeface="MS PGothic" charset="0"/>
+              </a:defRPr>
+            </a:lvl7pPr>
+            <a:lvl8pPr marL="3429000" indent="-228600" eaLnBrk="0" fontAlgn="base" hangingPunct="0">
+              <a:spcBef>
+                <a:spcPct val="0"/>
+              </a:spcBef>
+              <a:spcAft>
+                <a:spcPct val="0"/>
+              </a:spcAft>
+              <a:defRPr sz="2400">
+                <a:solidFill>
+                  <a:schemeClr val="tx1"/>
+                </a:solidFill>
+                <a:latin typeface="Arial" charset="0"/>
+                <a:ea typeface="MS PGothic" charset="0"/>
+                <a:cs typeface="MS PGothic" charset="0"/>
+              </a:defRPr>
+            </a:lvl8pPr>
+            <a:lvl9pPr marL="3886200" indent="-228600" eaLnBrk="0" fontAlgn="base" hangingPunct="0">
+              <a:spcBef>
+                <a:spcPct val="0"/>
+              </a:spcBef>
+              <a:spcAft>
+                <a:spcPct val="0"/>
+              </a:spcAft>
+              <a:defRPr sz="2400">
+                <a:solidFill>
+                  <a:schemeClr val="tx1"/>
+                </a:solidFill>
+                <a:latin typeface="Arial" charset="0"/>
+                <a:ea typeface="MS PGothic" charset="0"/>
+                <a:cs typeface="MS PGothic" charset="0"/>
+              </a:defRPr>
+            </a:lvl9pPr>
+          </a:lstStyle>
+          <a:p>
+            <a:pPr eaLnBrk="1" hangingPunct="1">
+              <a:spcBef>
+                <a:spcPct val="50000"/>
+              </a:spcBef>
+            </a:pPr>
+            <a:r>
+              <a:rPr lang="en-US" sz="2000" b="1" dirty="0">
+                <a:solidFill>
+                  <a:srgbClr val="000000"/>
+                </a:solidFill>
+                <a:latin typeface="Candara" panose="020E0502030303020204" pitchFamily="34" charset="0"/>
+              </a:rPr>
+              <a:t>Project Impaired:</a:t>
+            </a:r>
+            <a:r>
+              <a:rPr lang="en-US" sz="2000" dirty="0">
+                <a:solidFill>
+                  <a:srgbClr val="000000"/>
+                </a:solidFill>
+                <a:latin typeface="Candara" panose="020E0502030303020204" pitchFamily="34" charset="0"/>
+              </a:rPr>
+              <a:t> Type 3. </a:t>
+            </a:r>
+            <a:br>
+              <a:rPr lang="en-US" sz="2000" dirty="0">
+                <a:solidFill>
+                  <a:srgbClr val="000000"/>
+                </a:solidFill>
+                <a:latin typeface="Candara" panose="020E0502030303020204" pitchFamily="34" charset="0"/>
+              </a:rPr>
+            </a:br>
+            <a:r>
+              <a:rPr lang="en-US" sz="2000" dirty="0">
+                <a:solidFill>
+                  <a:srgbClr val="000000"/>
+                </a:solidFill>
+                <a:latin typeface="Candara" panose="020E0502030303020204" pitchFamily="34" charset="0"/>
+              </a:rPr>
+              <a:t>The project is canceled at some point </a:t>
+            </a:r>
+            <a:br>
+              <a:rPr lang="en-US" sz="2000" dirty="0">
+                <a:solidFill>
+                  <a:srgbClr val="000000"/>
+                </a:solidFill>
+                <a:latin typeface="Candara" panose="020E0502030303020204" pitchFamily="34" charset="0"/>
+              </a:rPr>
+            </a:br>
+            <a:r>
+              <a:rPr lang="en-US" sz="2000" dirty="0">
+                <a:solidFill>
+                  <a:srgbClr val="000000"/>
+                </a:solidFill>
+                <a:latin typeface="Candara" panose="020E0502030303020204" pitchFamily="34" charset="0"/>
+              </a:rPr>
+              <a:t>during the development cycle. </a:t>
+            </a:r>
+            <a:br>
+              <a:rPr lang="en-US" sz="2000" dirty="0">
+                <a:solidFill>
+                  <a:srgbClr val="000000"/>
+                </a:solidFill>
+                <a:latin typeface="Candara" panose="020E0502030303020204" pitchFamily="34" charset="0"/>
+              </a:rPr>
+            </a:br>
+            <a:r>
+              <a:rPr lang="en-US" sz="2000" b="1" dirty="0">
+                <a:solidFill>
+                  <a:srgbClr val="FF3300"/>
+                </a:solidFill>
+                <a:latin typeface="Candara" panose="020E0502030303020204" pitchFamily="34" charset="0"/>
+              </a:rPr>
+              <a:t>(2012: 18%)</a:t>
+            </a:r>
+            <a:r>
+              <a:rPr lang="en-US" sz="2000" dirty="0">
+                <a:solidFill>
+                  <a:srgbClr val="000000"/>
+                </a:solidFill>
+                <a:latin typeface="Candara" panose="020E0502030303020204" pitchFamily="34" charset="0"/>
+              </a:rPr>
+              <a:t>  (Are ALL impaired </a:t>
+            </a:r>
+            <a:br>
+              <a:rPr lang="en-US" sz="2000" dirty="0">
+                <a:solidFill>
+                  <a:srgbClr val="000000"/>
+                </a:solidFill>
+                <a:latin typeface="Candara" panose="020E0502030303020204" pitchFamily="34" charset="0"/>
+              </a:rPr>
+            </a:br>
+            <a:r>
+              <a:rPr lang="en-US" sz="2000" dirty="0">
+                <a:solidFill>
+                  <a:srgbClr val="000000"/>
+                </a:solidFill>
+                <a:latin typeface="Candara" panose="020E0502030303020204" pitchFamily="34" charset="0"/>
+              </a:rPr>
+              <a:t>projects failures???)</a:t>
+            </a:r>
+          </a:p>
+        </p:txBody>
+      </p:sp>
+      <p:sp>
+        <p:nvSpPr>
+          <p:cNvPr id="2" name="Slide Number Placeholder 1"/>
           <p:cNvSpPr>
             <a:spLocks noGrp="1"/>
           </p:cNvSpPr>
@@ -26814,7 +26487,7 @@
           <a:p>
             <a:fld id="{B543A0FD-1CA6-4228-86A2-78061B4844C8}" type="slidenum">
               <a:rPr lang="en-US" smtClean="0"/>
-              <a:t>61</a:t>
+              <a:t>6</a:t>
             </a:fld>
             <a:endParaRPr lang="en-US"/>
           </a:p>
@@ -26823,7 +26496,7 @@
     </p:spTree>
     <p:extLst>
       <p:ext uri="{BB962C8B-B14F-4D97-AF65-F5344CB8AC3E}">
-        <p14:creationId xmlns:p14="http://schemas.microsoft.com/office/powerpoint/2010/main" val="1872629508"/>
+        <p14:creationId xmlns:p14="http://schemas.microsoft.com/office/powerpoint/2010/main" val="1682667382"/>
       </p:ext>
     </p:extLst>
   </p:cSld>
@@ -26840,7 +26513,7 @@
 </p:sld>
 </file>
 
-<file path=ppt/slides/slide62.xml><?xml version="1.0" encoding="utf-8"?>
+<file path=ppt/slides/slide60.xml><?xml version="1.0" encoding="utf-8"?>
 <p:sld xmlns:a="http://schemas.openxmlformats.org/drawingml/2006/main" xmlns:r="http://schemas.openxmlformats.org/officeDocument/2006/relationships" xmlns:p="http://schemas.openxmlformats.org/presentationml/2006/main">
   <p:cSld>
     <p:spTree>
@@ -29050,7 +28723,7 @@
           <a:p>
             <a:fld id="{B543A0FD-1CA6-4228-86A2-78061B4844C8}" type="slidenum">
               <a:rPr lang="en-US" smtClean="0"/>
-              <a:t>62</a:t>
+              <a:t>60</a:t>
             </a:fld>
             <a:endParaRPr lang="en-US"/>
           </a:p>
@@ -29448,7 +29121,7 @@
 </p:sld>
 </file>
 
-<file path=ppt/slides/slide63.xml><?xml version="1.0" encoding="utf-8"?>
+<file path=ppt/slides/slide61.xml><?xml version="1.0" encoding="utf-8"?>
 <p:sld xmlns:a="http://schemas.openxmlformats.org/drawingml/2006/main" xmlns:r="http://schemas.openxmlformats.org/officeDocument/2006/relationships" xmlns:p="http://schemas.openxmlformats.org/presentationml/2006/main">
   <p:cSld>
     <p:spTree>
@@ -29523,7 +29196,7 @@
           <a:p>
             <a:fld id="{B543A0FD-1CA6-4228-86A2-78061B4844C8}" type="slidenum">
               <a:rPr lang="en-US" smtClean="0"/>
-              <a:t>63</a:t>
+              <a:t>61</a:t>
             </a:fld>
             <a:endParaRPr lang="en-US"/>
           </a:p>
@@ -29590,7 +29263,7 @@
 </p:sld>
 </file>
 
-<file path=ppt/slides/slide64.xml><?xml version="1.0" encoding="utf-8"?>
+<file path=ppt/slides/slide62.xml><?xml version="1.0" encoding="utf-8"?>
 <p:sld xmlns:a="http://schemas.openxmlformats.org/drawingml/2006/main" xmlns:r="http://schemas.openxmlformats.org/officeDocument/2006/relationships" xmlns:p="http://schemas.openxmlformats.org/presentationml/2006/main">
   <p:cSld>
     <p:spTree>
@@ -29729,7 +29402,7 @@
           <a:p>
             <a:fld id="{B543A0FD-1CA6-4228-86A2-78061B4844C8}" type="slidenum">
               <a:rPr lang="en-US" smtClean="0"/>
-              <a:t>64</a:t>
+              <a:t>62</a:t>
             </a:fld>
             <a:endParaRPr lang="en-US"/>
           </a:p>
@@ -30055,6 +29728,260 @@
 </p:sld>
 </file>
 
+<file path=ppt/slides/slide63.xml><?xml version="1.0" encoding="utf-8"?>
+<p:sld xmlns:a="http://schemas.openxmlformats.org/drawingml/2006/main" xmlns:r="http://schemas.openxmlformats.org/officeDocument/2006/relationships" xmlns:p="http://schemas.openxmlformats.org/presentationml/2006/main">
+  <p:cSld>
+    <p:spTree>
+      <p:nvGrpSpPr>
+        <p:cNvPr id="1" name=""/>
+        <p:cNvGrpSpPr/>
+        <p:nvPr/>
+      </p:nvGrpSpPr>
+      <p:grpSpPr>
+        <a:xfrm>
+          <a:off x="0" y="0"/>
+          <a:ext cx="0" cy="0"/>
+          <a:chOff x="0" y="0"/>
+          <a:chExt cx="0" cy="0"/>
+        </a:xfrm>
+      </p:grpSpPr>
+      <p:sp>
+        <p:nvSpPr>
+          <p:cNvPr id="53249" name="Rectangle 2"/>
+          <p:cNvSpPr>
+            <a:spLocks noGrp="1"/>
+          </p:cNvSpPr>
+          <p:nvPr>
+            <p:ph type="title"/>
+          </p:nvPr>
+        </p:nvSpPr>
+        <p:spPr/>
+        <p:txBody>
+          <a:bodyPr/>
+          <a:lstStyle/>
+          <a:p>
+            <a:pPr algn="ctr"/>
+            <a:r>
+              <a:rPr lang="en-US" sz="4400" dirty="0"/>
+              <a:t>Software Testing in </a:t>
+            </a:r>
+            <a:br>
+              <a:rPr lang="en-US" sz="4400" dirty="0"/>
+            </a:br>
+            <a:r>
+              <a:rPr lang="en-US" sz="4400" dirty="0"/>
+              <a:t>Development Life Cycle</a:t>
+            </a:r>
+          </a:p>
+        </p:txBody>
+      </p:sp>
+      <p:sp>
+        <p:nvSpPr>
+          <p:cNvPr id="3" name="Text Placeholder 2"/>
+          <p:cNvSpPr>
+            <a:spLocks noGrp="1"/>
+          </p:cNvSpPr>
+          <p:nvPr>
+            <p:ph type="body" idx="1"/>
+          </p:nvPr>
+        </p:nvSpPr>
+        <p:spPr/>
+        <p:txBody>
+          <a:bodyPr/>
+          <a:lstStyle/>
+          <a:p>
+            <a:endParaRPr lang="en-US"/>
+          </a:p>
+        </p:txBody>
+      </p:sp>
+      <p:sp>
+        <p:nvSpPr>
+          <p:cNvPr id="2" name="Slide Number Placeholder 1"/>
+          <p:cNvSpPr>
+            <a:spLocks noGrp="1"/>
+          </p:cNvSpPr>
+          <p:nvPr>
+            <p:ph type="sldNum" sz="quarter" idx="12"/>
+          </p:nvPr>
+        </p:nvSpPr>
+        <p:spPr/>
+        <p:txBody>
+          <a:bodyPr/>
+          <a:lstStyle/>
+          <a:p>
+            <a:fld id="{B543A0FD-1CA6-4228-86A2-78061B4844C8}" type="slidenum">
+              <a:rPr lang="en-US" smtClean="0"/>
+              <a:t>63</a:t>
+            </a:fld>
+            <a:endParaRPr lang="en-US"/>
+          </a:p>
+        </p:txBody>
+      </p:sp>
+    </p:spTree>
+    <p:extLst>
+      <p:ext uri="{BB962C8B-B14F-4D97-AF65-F5344CB8AC3E}">
+        <p14:creationId xmlns:p14="http://schemas.microsoft.com/office/powerpoint/2010/main" val="2031039394"/>
+      </p:ext>
+    </p:extLst>
+  </p:cSld>
+  <p:clrMapOvr>
+    <a:masterClrMapping/>
+  </p:clrMapOvr>
+  <p:timing>
+    <p:tnLst>
+      <p:par>
+        <p:cTn id="1" dur="indefinite" restart="never" nodeType="tmRoot"/>
+      </p:par>
+    </p:tnLst>
+  </p:timing>
+</p:sld>
+</file>
+
+<file path=ppt/slides/slide64.xml><?xml version="1.0" encoding="utf-8"?>
+<p:sld xmlns:a="http://schemas.openxmlformats.org/drawingml/2006/main" xmlns:r="http://schemas.openxmlformats.org/officeDocument/2006/relationships" xmlns:p="http://schemas.openxmlformats.org/presentationml/2006/main">
+  <p:cSld>
+    <p:spTree>
+      <p:nvGrpSpPr>
+        <p:cNvPr id="1" name=""/>
+        <p:cNvGrpSpPr/>
+        <p:nvPr/>
+      </p:nvGrpSpPr>
+      <p:grpSpPr>
+        <a:xfrm>
+          <a:off x="0" y="0"/>
+          <a:ext cx="0" cy="0"/>
+          <a:chOff x="0" y="0"/>
+          <a:chExt cx="0" cy="0"/>
+        </a:xfrm>
+      </p:grpSpPr>
+      <p:sp>
+        <p:nvSpPr>
+          <p:cNvPr id="114692" name="Rectangle 4"/>
+          <p:cNvSpPr>
+            <a:spLocks noGrp="1" noChangeArrowheads="1"/>
+          </p:cNvSpPr>
+          <p:nvPr>
+            <p:ph type="title"/>
+          </p:nvPr>
+        </p:nvSpPr>
+        <p:spPr/>
+        <p:txBody>
+          <a:bodyPr/>
+          <a:lstStyle/>
+          <a:p>
+            <a:r>
+              <a:rPr lang="it-IT" altLang="en-US"/>
+              <a:t>Software Qualities and Process</a:t>
+            </a:r>
+            <a:endParaRPr lang="en-US" altLang="en-US"/>
+          </a:p>
+        </p:txBody>
+      </p:sp>
+      <p:sp>
+        <p:nvSpPr>
+          <p:cNvPr id="114693" name="Rectangle 5"/>
+          <p:cNvSpPr>
+            <a:spLocks noGrp="1" noChangeArrowheads="1"/>
+          </p:cNvSpPr>
+          <p:nvPr>
+            <p:ph type="body" idx="1"/>
+          </p:nvPr>
+        </p:nvSpPr>
+        <p:spPr/>
+        <p:txBody>
+          <a:bodyPr/>
+          <a:lstStyle/>
+          <a:p>
+            <a:r>
+              <a:rPr lang="en-US" altLang="en-US" sz="2400"/>
+              <a:t>Qualities cannot be added after development</a:t>
+            </a:r>
+          </a:p>
+          <a:p>
+            <a:pPr lvl="1"/>
+            <a:r>
+              <a:rPr lang="en-US" altLang="en-US" sz="2000"/>
+              <a:t>Quality results from a set of inter-dependent activities</a:t>
+            </a:r>
+          </a:p>
+          <a:p>
+            <a:pPr lvl="1"/>
+            <a:r>
+              <a:rPr lang="en-US" altLang="en-US" sz="2000"/>
+              <a:t>Analysis and testing are crucial but far from sufficient.  </a:t>
+            </a:r>
+          </a:p>
+          <a:p>
+            <a:r>
+              <a:rPr lang="en-US" altLang="en-US" sz="2400"/>
+              <a:t>Testing is not a phase, but a lifestyle</a:t>
+            </a:r>
+          </a:p>
+          <a:p>
+            <a:pPr lvl="1"/>
+            <a:r>
+              <a:rPr lang="en-US" altLang="en-US" sz="2000"/>
+              <a:t>Testing and analysis activities occur from early in requirements engineering through delivery and subsequent evolution.  </a:t>
+            </a:r>
+          </a:p>
+          <a:p>
+            <a:pPr lvl="1"/>
+            <a:r>
+              <a:rPr lang="en-US" altLang="en-US" sz="2000"/>
+              <a:t>Quality depends on every part of the software process</a:t>
+            </a:r>
+          </a:p>
+          <a:p>
+            <a:r>
+              <a:rPr lang="en-US" altLang="en-US" sz="2400"/>
+              <a:t>An essential feature of software processes is that software test and analysis is thoroughly integrated and not an afterthought</a:t>
+            </a:r>
+          </a:p>
+        </p:txBody>
+      </p:sp>
+      <p:sp>
+        <p:nvSpPr>
+          <p:cNvPr id="2" name="Slide Number Placeholder 1"/>
+          <p:cNvSpPr>
+            <a:spLocks noGrp="1"/>
+          </p:cNvSpPr>
+          <p:nvPr>
+            <p:ph type="sldNum" sz="quarter" idx="12"/>
+          </p:nvPr>
+        </p:nvSpPr>
+        <p:spPr/>
+        <p:txBody>
+          <a:bodyPr/>
+          <a:lstStyle/>
+          <a:p>
+            <a:fld id="{B543A0FD-1CA6-4228-86A2-78061B4844C8}" type="slidenum">
+              <a:rPr lang="en-US" smtClean="0"/>
+              <a:t>64</a:t>
+            </a:fld>
+            <a:endParaRPr lang="en-US"/>
+          </a:p>
+        </p:txBody>
+      </p:sp>
+    </p:spTree>
+    <p:extLst>
+      <p:ext uri="{BB962C8B-B14F-4D97-AF65-F5344CB8AC3E}">
+        <p14:creationId xmlns:p14="http://schemas.microsoft.com/office/powerpoint/2010/main" val="2529121764"/>
+      </p:ext>
+    </p:extLst>
+  </p:cSld>
+  <p:clrMapOvr>
+    <a:masterClrMapping/>
+  </p:clrMapOvr>
+  <p:timing>
+    <p:tnLst>
+      <p:par>
+        <p:cTn id="1" dur="indefinite" restart="never" nodeType="tmRoot"/>
+      </p:par>
+    </p:tnLst>
+  </p:timing>
+</p:sld>
+</file>
+
 <file path=ppt/slides/slide65.xml><?xml version="1.0" encoding="utf-8"?>
 <p:sld xmlns:a="http://schemas.openxmlformats.org/drawingml/2006/main" xmlns:r="http://schemas.openxmlformats.org/officeDocument/2006/relationships" xmlns:p="http://schemas.openxmlformats.org/presentationml/2006/main">
   <p:cSld>
@@ -30074,9 +30001,9 @@
       </p:grpSpPr>
       <p:sp>
         <p:nvSpPr>
-          <p:cNvPr id="53249" name="Rectangle 2"/>
-          <p:cNvSpPr>
-            <a:spLocks noGrp="1"/>
+          <p:cNvPr id="115716" name="Rectangle 4"/>
+          <p:cNvSpPr>
+            <a:spLocks noGrp="1" noChangeArrowheads="1"/>
           </p:cNvSpPr>
           <p:nvPr>
             <p:ph type="title"/>
@@ -30087,26 +30014,19 @@
           <a:bodyPr/>
           <a:lstStyle/>
           <a:p>
-            <a:pPr algn="ctr"/>
-            <a:r>
-              <a:rPr lang="en-US" sz="4400" dirty="0"/>
-              <a:t>Software Testing in </a:t>
-            </a:r>
-            <a:br>
-              <a:rPr lang="en-US" sz="4400" dirty="0"/>
-            </a:br>
-            <a:r>
-              <a:rPr lang="en-US" sz="4400" dirty="0"/>
-              <a:t>Development Life Cycle</a:t>
-            </a:r>
-          </a:p>
-        </p:txBody>
-      </p:sp>
-      <p:sp>
-        <p:nvSpPr>
-          <p:cNvPr id="3" name="Text Placeholder 2"/>
-          <p:cNvSpPr>
-            <a:spLocks noGrp="1"/>
+            <a:r>
+              <a:rPr lang="it-IT" altLang="en-US"/>
+              <a:t>The Quality Process</a:t>
+            </a:r>
+            <a:endParaRPr lang="en-US" altLang="en-US"/>
+          </a:p>
+        </p:txBody>
+      </p:sp>
+      <p:sp>
+        <p:nvSpPr>
+          <p:cNvPr id="115717" name="Rectangle 5"/>
+          <p:cNvSpPr>
+            <a:spLocks noGrp="1" noChangeArrowheads="1"/>
           </p:cNvSpPr>
           <p:nvPr>
             <p:ph type="body" idx="1"/>
@@ -30117,7 +30037,51 @@
           <a:bodyPr/>
           <a:lstStyle/>
           <a:p>
-            <a:endParaRPr lang="en-US"/>
+            <a:r>
+              <a:rPr lang="en-US" altLang="en-US"/>
+              <a:t>Quality process: set of activities and responsibilities</a:t>
+            </a:r>
+          </a:p>
+          <a:p>
+            <a:pPr lvl="1"/>
+            <a:r>
+              <a:rPr lang="en-US" altLang="en-US"/>
+              <a:t>focused primarily on ensuring adequate dependability </a:t>
+            </a:r>
+          </a:p>
+          <a:p>
+            <a:pPr lvl="1"/>
+            <a:r>
+              <a:rPr lang="en-US" altLang="en-US"/>
+              <a:t>concerned with project schedule or with product usability</a:t>
+            </a:r>
+          </a:p>
+          <a:p>
+            <a:r>
+              <a:rPr lang="en-US" altLang="en-US"/>
+              <a:t>The quality process provides a framework for </a:t>
+            </a:r>
+          </a:p>
+          <a:p>
+            <a:pPr lvl="1"/>
+            <a:r>
+              <a:rPr lang="en-US" altLang="en-US"/>
+              <a:t>selecting and arranging activities </a:t>
+            </a:r>
+          </a:p>
+          <a:p>
+            <a:pPr lvl="1"/>
+            <a:r>
+              <a:rPr lang="en-US" altLang="en-US"/>
+              <a:t>considering interactions and trade-offs with other important goals.</a:t>
+            </a:r>
+          </a:p>
+          <a:p>
+            <a:pPr>
+              <a:buFontTx/>
+              <a:buNone/>
+            </a:pPr>
+            <a:endParaRPr lang="en-US" altLang="en-US"/>
           </a:p>
         </p:txBody>
       </p:sp>
@@ -30147,7 +30111,7 @@
     </p:spTree>
     <p:extLst>
       <p:ext uri="{BB962C8B-B14F-4D97-AF65-F5344CB8AC3E}">
-        <p14:creationId xmlns:p14="http://schemas.microsoft.com/office/powerpoint/2010/main" val="2031039394"/>
+        <p14:creationId xmlns:p14="http://schemas.microsoft.com/office/powerpoint/2010/main" val="4230867166"/>
       </p:ext>
     </p:extLst>
   </p:cSld>
@@ -30183,9 +30147,9 @@
       </p:grpSpPr>
       <p:sp>
         <p:nvSpPr>
-          <p:cNvPr id="114692" name="Rectangle 4"/>
-          <p:cNvSpPr>
-            <a:spLocks noGrp="1" noChangeArrowheads="1"/>
+          <p:cNvPr id="2" name="Title 1"/>
+          <p:cNvSpPr>
+            <a:spLocks noGrp="1"/>
           </p:cNvSpPr>
           <p:nvPr>
             <p:ph type="title"/>
@@ -30197,78 +30161,122 @@
           <a:lstStyle/>
           <a:p>
             <a:r>
-              <a:rPr lang="it-IT" altLang="en-US"/>
-              <a:t>Software Qualities and Process</a:t>
-            </a:r>
-            <a:endParaRPr lang="en-US" altLang="en-US"/>
-          </a:p>
-        </p:txBody>
-      </p:sp>
-      <p:sp>
-        <p:nvSpPr>
-          <p:cNvPr id="114693" name="Rectangle 5"/>
-          <p:cNvSpPr>
-            <a:spLocks noGrp="1" noChangeArrowheads="1"/>
-          </p:cNvSpPr>
-          <p:nvPr>
-            <p:ph type="body" idx="1"/>
-          </p:nvPr>
-        </p:nvSpPr>
-        <p:spPr/>
+              <a:rPr lang="en-US" dirty="0" smtClean="0"/>
+              <a:t>Testing Activities in Life Cycle</a:t>
+            </a:r>
+            <a:endParaRPr lang="en-US" dirty="0"/>
+          </a:p>
+        </p:txBody>
+      </p:sp>
+      <p:sp>
+        <p:nvSpPr>
+          <p:cNvPr id="3" name="Content Placeholder 2"/>
+          <p:cNvSpPr>
+            <a:spLocks noGrp="1"/>
+          </p:cNvSpPr>
+          <p:nvPr>
+            <p:ph sz="quarter" idx="1"/>
+          </p:nvPr>
+        </p:nvSpPr>
+        <p:spPr>
+          <a:xfrm>
+            <a:off x="483079" y="1535502"/>
+            <a:ext cx="10826151" cy="4398767"/>
+          </a:xfrm>
+        </p:spPr>
         <p:txBody>
           <a:bodyPr/>
           <a:lstStyle/>
           <a:p>
             <a:r>
-              <a:rPr lang="en-US" altLang="en-US" sz="2400"/>
-              <a:t>Qualities cannot be added after development</a:t>
+              <a:rPr lang="en-US" dirty="0" smtClean="0"/>
+              <a:t>For </a:t>
+            </a:r>
+            <a:r>
+              <a:rPr lang="en-US" dirty="0"/>
+              <a:t>every development activity there is a corresponding testing </a:t>
+            </a:r>
+            <a:r>
+              <a:rPr lang="en-US" dirty="0" smtClean="0"/>
+              <a:t>activity</a:t>
             </a:r>
           </a:p>
           <a:p>
             <a:pPr lvl="1"/>
             <a:r>
-              <a:rPr lang="en-US" altLang="en-US" sz="2000"/>
-              <a:t>Quality results from a set of inter-dependent activities</a:t>
+              <a:rPr lang="en-US" dirty="0" smtClean="0"/>
+              <a:t>Development phases, development levels </a:t>
+            </a:r>
+            <a:endParaRPr lang="en-US" dirty="0"/>
+          </a:p>
+          <a:p>
+            <a:r>
+              <a:rPr lang="en-US" dirty="0" smtClean="0"/>
+              <a:t>Each </a:t>
+            </a:r>
+            <a:r>
+              <a:rPr lang="en-US" dirty="0"/>
+              <a:t>test level </a:t>
+            </a:r>
+            <a:r>
+              <a:rPr lang="en-US" dirty="0" smtClean="0"/>
+              <a:t>has </a:t>
+            </a:r>
+            <a:r>
+              <a:rPr lang="en-US" dirty="0"/>
+              <a:t>objectives specific to that </a:t>
+            </a:r>
+            <a:r>
+              <a:rPr lang="en-US" dirty="0" smtClean="0"/>
+              <a:t>level</a:t>
+            </a:r>
+            <a:endParaRPr lang="en-US" dirty="0"/>
+          </a:p>
+          <a:p>
+            <a:r>
+              <a:rPr lang="en-US" dirty="0" smtClean="0"/>
+              <a:t>Test design should start as early as possible </a:t>
             </a:r>
           </a:p>
           <a:p>
             <a:pPr lvl="1"/>
             <a:r>
-              <a:rPr lang="en-US" altLang="en-US" sz="2000"/>
-              <a:t>Analysis and testing are crucial but far from sufficient.  </a:t>
-            </a:r>
-          </a:p>
-          <a:p>
-            <a:r>
-              <a:rPr lang="en-US" altLang="en-US" sz="2400"/>
-              <a:t>Testing is not a phase, but a lifestyle</a:t>
-            </a:r>
-          </a:p>
-          <a:p>
-            <a:pPr lvl="1"/>
-            <a:r>
-              <a:rPr lang="en-US" altLang="en-US" sz="2000"/>
-              <a:t>Testing and analysis activities occur from early in requirements engineering through delivery and subsequent evolution.  </a:t>
-            </a:r>
-          </a:p>
-          <a:p>
-            <a:pPr lvl="1"/>
-            <a:r>
-              <a:rPr lang="en-US" altLang="en-US" sz="2000"/>
-              <a:t>Quality depends on every part of the software process</a:t>
-            </a:r>
-          </a:p>
-          <a:p>
-            <a:r>
-              <a:rPr lang="en-US" altLang="en-US" sz="2400"/>
-              <a:t>An essential feature of software processes is that software test and analysis is thoroughly integrated and not an afterthought</a:t>
-            </a:r>
-          </a:p>
-        </p:txBody>
-      </p:sp>
-      <p:sp>
-        <p:nvSpPr>
-          <p:cNvPr id="2" name="Slide Number Placeholder 1"/>
+              <a:rPr lang="en-US" dirty="0" smtClean="0"/>
+              <a:t>as </a:t>
+            </a:r>
+            <a:r>
+              <a:rPr lang="en-US" dirty="0"/>
+              <a:t>soon </a:t>
+            </a:r>
+            <a:r>
+              <a:rPr lang="en-US" dirty="0" smtClean="0"/>
+              <a:t>as relevant documents </a:t>
+            </a:r>
+            <a:r>
+              <a:rPr lang="en-US" dirty="0"/>
+              <a:t>are </a:t>
+            </a:r>
+            <a:r>
+              <a:rPr lang="en-US" dirty="0" smtClean="0"/>
+              <a:t>available</a:t>
+            </a:r>
+            <a:endParaRPr lang="en-US" dirty="0"/>
+          </a:p>
+          <a:p>
+            <a:endParaRPr lang="en-US" dirty="0" smtClean="0"/>
+          </a:p>
+          <a:p>
+            <a:r>
+              <a:rPr lang="en-US" dirty="0" smtClean="0"/>
+              <a:t>Applicable to waterfall and agile development model </a:t>
+            </a:r>
+            <a:endParaRPr lang="en-US" dirty="0"/>
+          </a:p>
+        </p:txBody>
+      </p:sp>
+      <p:sp>
+        <p:nvSpPr>
+          <p:cNvPr id="4" name="Slide Number Placeholder 3"/>
           <p:cNvSpPr>
             <a:spLocks noGrp="1"/>
           </p:cNvSpPr>
@@ -30284,341 +30292,6 @@
             <a:fld id="{B543A0FD-1CA6-4228-86A2-78061B4844C8}" type="slidenum">
               <a:rPr lang="en-US" smtClean="0"/>
               <a:t>66</a:t>
-            </a:fld>
-            <a:endParaRPr lang="en-US"/>
-          </a:p>
-        </p:txBody>
-      </p:sp>
-    </p:spTree>
-    <p:extLst>
-      <p:ext uri="{BB962C8B-B14F-4D97-AF65-F5344CB8AC3E}">
-        <p14:creationId xmlns:p14="http://schemas.microsoft.com/office/powerpoint/2010/main" val="2529121764"/>
-      </p:ext>
-    </p:extLst>
-  </p:cSld>
-  <p:clrMapOvr>
-    <a:masterClrMapping/>
-  </p:clrMapOvr>
-  <p:timing>
-    <p:tnLst>
-      <p:par>
-        <p:cTn id="1" dur="indefinite" restart="never" nodeType="tmRoot"/>
-      </p:par>
-    </p:tnLst>
-  </p:timing>
-</p:sld>
-</file>
-
-<file path=ppt/slides/slide67.xml><?xml version="1.0" encoding="utf-8"?>
-<p:sld xmlns:a="http://schemas.openxmlformats.org/drawingml/2006/main" xmlns:r="http://schemas.openxmlformats.org/officeDocument/2006/relationships" xmlns:p="http://schemas.openxmlformats.org/presentationml/2006/main">
-  <p:cSld>
-    <p:spTree>
-      <p:nvGrpSpPr>
-        <p:cNvPr id="1" name=""/>
-        <p:cNvGrpSpPr/>
-        <p:nvPr/>
-      </p:nvGrpSpPr>
-      <p:grpSpPr>
-        <a:xfrm>
-          <a:off x="0" y="0"/>
-          <a:ext cx="0" cy="0"/>
-          <a:chOff x="0" y="0"/>
-          <a:chExt cx="0" cy="0"/>
-        </a:xfrm>
-      </p:grpSpPr>
-      <p:sp>
-        <p:nvSpPr>
-          <p:cNvPr id="115716" name="Rectangle 4"/>
-          <p:cNvSpPr>
-            <a:spLocks noGrp="1" noChangeArrowheads="1"/>
-          </p:cNvSpPr>
-          <p:nvPr>
-            <p:ph type="title"/>
-          </p:nvPr>
-        </p:nvSpPr>
-        <p:spPr/>
-        <p:txBody>
-          <a:bodyPr/>
-          <a:lstStyle/>
-          <a:p>
-            <a:r>
-              <a:rPr lang="it-IT" altLang="en-US"/>
-              <a:t>The Quality Process</a:t>
-            </a:r>
-            <a:endParaRPr lang="en-US" altLang="en-US"/>
-          </a:p>
-        </p:txBody>
-      </p:sp>
-      <p:sp>
-        <p:nvSpPr>
-          <p:cNvPr id="115717" name="Rectangle 5"/>
-          <p:cNvSpPr>
-            <a:spLocks noGrp="1" noChangeArrowheads="1"/>
-          </p:cNvSpPr>
-          <p:nvPr>
-            <p:ph type="body" idx="1"/>
-          </p:nvPr>
-        </p:nvSpPr>
-        <p:spPr/>
-        <p:txBody>
-          <a:bodyPr/>
-          <a:lstStyle/>
-          <a:p>
-            <a:r>
-              <a:rPr lang="en-US" altLang="en-US"/>
-              <a:t>Quality process: set of activities and responsibilities</a:t>
-            </a:r>
-          </a:p>
-          <a:p>
-            <a:pPr lvl="1"/>
-            <a:r>
-              <a:rPr lang="en-US" altLang="en-US"/>
-              <a:t>focused primarily on ensuring adequate dependability </a:t>
-            </a:r>
-          </a:p>
-          <a:p>
-            <a:pPr lvl="1"/>
-            <a:r>
-              <a:rPr lang="en-US" altLang="en-US"/>
-              <a:t>concerned with project schedule or with product usability</a:t>
-            </a:r>
-          </a:p>
-          <a:p>
-            <a:r>
-              <a:rPr lang="en-US" altLang="en-US"/>
-              <a:t>The quality process provides a framework for </a:t>
-            </a:r>
-          </a:p>
-          <a:p>
-            <a:pPr lvl="1"/>
-            <a:r>
-              <a:rPr lang="en-US" altLang="en-US"/>
-              <a:t>selecting and arranging activities </a:t>
-            </a:r>
-          </a:p>
-          <a:p>
-            <a:pPr lvl="1"/>
-            <a:r>
-              <a:rPr lang="en-US" altLang="en-US"/>
-              <a:t>considering interactions and trade-offs with other important goals.</a:t>
-            </a:r>
-          </a:p>
-          <a:p>
-            <a:pPr>
-              <a:buFontTx/>
-              <a:buNone/>
-            </a:pPr>
-            <a:endParaRPr lang="en-US" altLang="en-US"/>
-          </a:p>
-        </p:txBody>
-      </p:sp>
-      <p:sp>
-        <p:nvSpPr>
-          <p:cNvPr id="2" name="Slide Number Placeholder 1"/>
-          <p:cNvSpPr>
-            <a:spLocks noGrp="1"/>
-          </p:cNvSpPr>
-          <p:nvPr>
-            <p:ph type="sldNum" sz="quarter" idx="12"/>
-          </p:nvPr>
-        </p:nvSpPr>
-        <p:spPr/>
-        <p:txBody>
-          <a:bodyPr/>
-          <a:lstStyle/>
-          <a:p>
-            <a:fld id="{B543A0FD-1CA6-4228-86A2-78061B4844C8}" type="slidenum">
-              <a:rPr lang="en-US" smtClean="0"/>
-              <a:t>67</a:t>
-            </a:fld>
-            <a:endParaRPr lang="en-US"/>
-          </a:p>
-        </p:txBody>
-      </p:sp>
-    </p:spTree>
-    <p:extLst>
-      <p:ext uri="{BB962C8B-B14F-4D97-AF65-F5344CB8AC3E}">
-        <p14:creationId xmlns:p14="http://schemas.microsoft.com/office/powerpoint/2010/main" val="4230867166"/>
-      </p:ext>
-    </p:extLst>
-  </p:cSld>
-  <p:clrMapOvr>
-    <a:masterClrMapping/>
-  </p:clrMapOvr>
-  <p:timing>
-    <p:tnLst>
-      <p:par>
-        <p:cTn id="1" dur="indefinite" restart="never" nodeType="tmRoot"/>
-      </p:par>
-    </p:tnLst>
-  </p:timing>
-</p:sld>
-</file>
-
-<file path=ppt/slides/slide68.xml><?xml version="1.0" encoding="utf-8"?>
-<p:sld xmlns:a="http://schemas.openxmlformats.org/drawingml/2006/main" xmlns:r="http://schemas.openxmlformats.org/officeDocument/2006/relationships" xmlns:p="http://schemas.openxmlformats.org/presentationml/2006/main">
-  <p:cSld>
-    <p:spTree>
-      <p:nvGrpSpPr>
-        <p:cNvPr id="1" name=""/>
-        <p:cNvGrpSpPr/>
-        <p:nvPr/>
-      </p:nvGrpSpPr>
-      <p:grpSpPr>
-        <a:xfrm>
-          <a:off x="0" y="0"/>
-          <a:ext cx="0" cy="0"/>
-          <a:chOff x="0" y="0"/>
-          <a:chExt cx="0" cy="0"/>
-        </a:xfrm>
-      </p:grpSpPr>
-      <p:sp>
-        <p:nvSpPr>
-          <p:cNvPr id="2" name="Title 1"/>
-          <p:cNvSpPr>
-            <a:spLocks noGrp="1"/>
-          </p:cNvSpPr>
-          <p:nvPr>
-            <p:ph type="title"/>
-          </p:nvPr>
-        </p:nvSpPr>
-        <p:spPr/>
-        <p:txBody>
-          <a:bodyPr/>
-          <a:lstStyle/>
-          <a:p>
-            <a:r>
-              <a:rPr lang="en-US" dirty="0" smtClean="0"/>
-              <a:t>Testing Activities in Life Cycle</a:t>
-            </a:r>
-            <a:endParaRPr lang="en-US" dirty="0"/>
-          </a:p>
-        </p:txBody>
-      </p:sp>
-      <p:sp>
-        <p:nvSpPr>
-          <p:cNvPr id="3" name="Content Placeholder 2"/>
-          <p:cNvSpPr>
-            <a:spLocks noGrp="1"/>
-          </p:cNvSpPr>
-          <p:nvPr>
-            <p:ph sz="quarter" idx="1"/>
-          </p:nvPr>
-        </p:nvSpPr>
-        <p:spPr>
-          <a:xfrm>
-            <a:off x="917510" y="1690688"/>
-            <a:ext cx="9999306" cy="4243581"/>
-          </a:xfrm>
-        </p:spPr>
-        <p:txBody>
-          <a:bodyPr/>
-          <a:lstStyle/>
-          <a:p>
-            <a:r>
-              <a:rPr lang="en-US" dirty="0" smtClean="0"/>
-              <a:t>For </a:t>
-            </a:r>
-            <a:r>
-              <a:rPr lang="en-US" dirty="0"/>
-              <a:t>every development activity there is a corresponding testing </a:t>
-            </a:r>
-            <a:r>
-              <a:rPr lang="en-US" dirty="0" smtClean="0"/>
-              <a:t>activity</a:t>
-            </a:r>
-          </a:p>
-          <a:p>
-            <a:pPr lvl="1"/>
-            <a:r>
-              <a:rPr lang="en-US" dirty="0" smtClean="0"/>
-              <a:t>Development phases, development levels </a:t>
-            </a:r>
-            <a:endParaRPr lang="en-US" dirty="0"/>
-          </a:p>
-          <a:p>
-            <a:r>
-              <a:rPr lang="en-US" dirty="0" smtClean="0"/>
-              <a:t>Each </a:t>
-            </a:r>
-            <a:r>
-              <a:rPr lang="en-US" dirty="0"/>
-              <a:t>test level </a:t>
-            </a:r>
-            <a:r>
-              <a:rPr lang="en-US" dirty="0" smtClean="0"/>
-              <a:t>has </a:t>
-            </a:r>
-            <a:r>
-              <a:rPr lang="en-US" dirty="0"/>
-              <a:t>objectives specific to that </a:t>
-            </a:r>
-            <a:r>
-              <a:rPr lang="en-US" dirty="0" smtClean="0"/>
-              <a:t>level</a:t>
-            </a:r>
-            <a:endParaRPr lang="en-US" dirty="0"/>
-          </a:p>
-          <a:p>
-            <a:r>
-              <a:rPr lang="en-US" dirty="0" smtClean="0"/>
-              <a:t>Test design should start as early as possible </a:t>
-            </a:r>
-          </a:p>
-          <a:p>
-            <a:pPr lvl="1"/>
-            <a:r>
-              <a:rPr lang="en-US" dirty="0" smtClean="0"/>
-              <a:t>as </a:t>
-            </a:r>
-            <a:r>
-              <a:rPr lang="en-US" dirty="0"/>
-              <a:t>soon </a:t>
-            </a:r>
-            <a:r>
-              <a:rPr lang="en-US" dirty="0" smtClean="0"/>
-              <a:t>as relevant documents </a:t>
-            </a:r>
-            <a:r>
-              <a:rPr lang="en-US" dirty="0"/>
-              <a:t>are </a:t>
-            </a:r>
-            <a:r>
-              <a:rPr lang="en-US" dirty="0" smtClean="0"/>
-              <a:t>available</a:t>
-            </a:r>
-            <a:endParaRPr lang="en-US" dirty="0"/>
-          </a:p>
-          <a:p>
-            <a:endParaRPr lang="en-US" dirty="0" smtClean="0"/>
-          </a:p>
-          <a:p>
-            <a:r>
-              <a:rPr lang="en-US" dirty="0" smtClean="0"/>
-              <a:t>Applicable to waterfall and agile development model </a:t>
-            </a:r>
-            <a:endParaRPr lang="en-US" dirty="0"/>
-          </a:p>
-        </p:txBody>
-      </p:sp>
-      <p:sp>
-        <p:nvSpPr>
-          <p:cNvPr id="4" name="Slide Number Placeholder 3"/>
-          <p:cNvSpPr>
-            <a:spLocks noGrp="1"/>
-          </p:cNvSpPr>
-          <p:nvPr>
-            <p:ph type="sldNum" sz="quarter" idx="12"/>
-          </p:nvPr>
-        </p:nvSpPr>
-        <p:spPr/>
-        <p:txBody>
-          <a:bodyPr/>
-          <a:lstStyle/>
-          <a:p>
-            <a:fld id="{B543A0FD-1CA6-4228-86A2-78061B4844C8}" type="slidenum">
-              <a:rPr lang="en-US" smtClean="0"/>
-              <a:t>68</a:t>
             </a:fld>
             <a:endParaRPr lang="en-US"/>
           </a:p>
@@ -30892,6 +30565,1444 @@
 </p:sld>
 </file>
 
+<file path=ppt/slides/slide67.xml><?xml version="1.0" encoding="utf-8"?>
+<p:sld xmlns:a="http://schemas.openxmlformats.org/drawingml/2006/main" xmlns:r="http://schemas.openxmlformats.org/officeDocument/2006/relationships" xmlns:p="http://schemas.openxmlformats.org/presentationml/2006/main">
+  <p:cSld>
+    <p:spTree>
+      <p:nvGrpSpPr>
+        <p:cNvPr id="1" name=""/>
+        <p:cNvGrpSpPr/>
+        <p:nvPr/>
+      </p:nvGrpSpPr>
+      <p:grpSpPr>
+        <a:xfrm>
+          <a:off x="0" y="0"/>
+          <a:ext cx="0" cy="0"/>
+          <a:chOff x="0" y="0"/>
+          <a:chExt cx="0" cy="0"/>
+        </a:xfrm>
+      </p:grpSpPr>
+      <p:sp>
+        <p:nvSpPr>
+          <p:cNvPr id="2" name="Title 1"/>
+          <p:cNvSpPr>
+            <a:spLocks noGrp="1"/>
+          </p:cNvSpPr>
+          <p:nvPr>
+            <p:ph type="title"/>
+          </p:nvPr>
+        </p:nvSpPr>
+        <p:spPr/>
+        <p:txBody>
+          <a:bodyPr/>
+          <a:lstStyle/>
+          <a:p>
+            <a:r>
+              <a:rPr lang="en-US" dirty="0" smtClean="0"/>
+              <a:t>Levels of Granularity of Testing</a:t>
+            </a:r>
+            <a:endParaRPr lang="en-US" dirty="0"/>
+          </a:p>
+        </p:txBody>
+      </p:sp>
+      <p:sp>
+        <p:nvSpPr>
+          <p:cNvPr id="3" name="Content Placeholder 2"/>
+          <p:cNvSpPr>
+            <a:spLocks noGrp="1"/>
+          </p:cNvSpPr>
+          <p:nvPr>
+            <p:ph idx="1"/>
+          </p:nvPr>
+        </p:nvSpPr>
+        <p:spPr/>
+        <p:txBody>
+          <a:bodyPr/>
+          <a:lstStyle/>
+          <a:p>
+            <a:r>
+              <a:rPr lang="en-US" sz="3200" dirty="0"/>
+              <a:t>Unit (component, module) testing</a:t>
+            </a:r>
+          </a:p>
+          <a:p>
+            <a:r>
+              <a:rPr lang="en-US" sz="3200" dirty="0"/>
+              <a:t>Integration testing</a:t>
+            </a:r>
+          </a:p>
+          <a:p>
+            <a:r>
+              <a:rPr lang="en-US" sz="3200" dirty="0"/>
+              <a:t>System testing </a:t>
+            </a:r>
+          </a:p>
+          <a:p>
+            <a:r>
+              <a:rPr lang="en-US" sz="3200" dirty="0"/>
+              <a:t>Acceptance testing </a:t>
+            </a:r>
+          </a:p>
+          <a:p>
+            <a:pPr lvl="1"/>
+            <a:endParaRPr lang="en-US" dirty="0"/>
+          </a:p>
+          <a:p>
+            <a:pPr lvl="1"/>
+            <a:endParaRPr lang="en-US" dirty="0"/>
+          </a:p>
+        </p:txBody>
+      </p:sp>
+      <p:sp>
+        <p:nvSpPr>
+          <p:cNvPr id="4" name="Slide Number Placeholder 3"/>
+          <p:cNvSpPr>
+            <a:spLocks noGrp="1"/>
+          </p:cNvSpPr>
+          <p:nvPr>
+            <p:ph type="sldNum" sz="quarter" idx="12"/>
+          </p:nvPr>
+        </p:nvSpPr>
+        <p:spPr/>
+        <p:txBody>
+          <a:bodyPr/>
+          <a:lstStyle/>
+          <a:p>
+            <a:fld id="{B543A0FD-1CA6-4228-86A2-78061B4844C8}" type="slidenum">
+              <a:rPr lang="en-US" smtClean="0"/>
+              <a:t>67</a:t>
+            </a:fld>
+            <a:endParaRPr lang="en-US"/>
+          </a:p>
+        </p:txBody>
+      </p:sp>
+    </p:spTree>
+    <p:extLst>
+      <p:ext uri="{BB962C8B-B14F-4D97-AF65-F5344CB8AC3E}">
+        <p14:creationId xmlns:p14="http://schemas.microsoft.com/office/powerpoint/2010/main" val="9573537"/>
+      </p:ext>
+    </p:extLst>
+  </p:cSld>
+  <p:clrMapOvr>
+    <a:masterClrMapping/>
+  </p:clrMapOvr>
+  <p:timing>
+    <p:tnLst>
+      <p:par>
+        <p:cTn id="1" dur="indefinite" restart="never" nodeType="tmRoot"/>
+      </p:par>
+    </p:tnLst>
+  </p:timing>
+</p:sld>
+</file>
+
+<file path=ppt/slides/slide68.xml><?xml version="1.0" encoding="utf-8"?>
+<p:sld xmlns:a="http://schemas.openxmlformats.org/drawingml/2006/main" xmlns:r="http://schemas.openxmlformats.org/officeDocument/2006/relationships" xmlns:p="http://schemas.openxmlformats.org/presentationml/2006/main">
+  <p:cSld>
+    <p:spTree>
+      <p:nvGrpSpPr>
+        <p:cNvPr id="1" name=""/>
+        <p:cNvGrpSpPr/>
+        <p:nvPr/>
+      </p:nvGrpSpPr>
+      <p:grpSpPr>
+        <a:xfrm>
+          <a:off x="0" y="0"/>
+          <a:ext cx="0" cy="0"/>
+          <a:chOff x="0" y="0"/>
+          <a:chExt cx="0" cy="0"/>
+        </a:xfrm>
+      </p:grpSpPr>
+      <p:sp>
+        <p:nvSpPr>
+          <p:cNvPr id="47108" name="Rectangle 4"/>
+          <p:cNvSpPr>
+            <a:spLocks noGrp="1" noChangeArrowheads="1"/>
+          </p:cNvSpPr>
+          <p:nvPr>
+            <p:ph type="title"/>
+          </p:nvPr>
+        </p:nvSpPr>
+        <p:spPr/>
+        <p:txBody>
+          <a:bodyPr/>
+          <a:lstStyle/>
+          <a:p>
+            <a:pPr eaLnBrk="1" hangingPunct="1"/>
+            <a:r>
+              <a:rPr lang="en-US" sz="3600" dirty="0"/>
+              <a:t>The V-Model of – Validation &amp; Verification</a:t>
+            </a:r>
+          </a:p>
+        </p:txBody>
+      </p:sp>
+      <p:sp>
+        <p:nvSpPr>
+          <p:cNvPr id="2" name="Slide Number Placeholder 1"/>
+          <p:cNvSpPr>
+            <a:spLocks noGrp="1"/>
+          </p:cNvSpPr>
+          <p:nvPr>
+            <p:ph type="sldNum" sz="quarter" idx="12"/>
+          </p:nvPr>
+        </p:nvSpPr>
+        <p:spPr/>
+        <p:txBody>
+          <a:bodyPr/>
+          <a:lstStyle/>
+          <a:p>
+            <a:fld id="{B543A0FD-1CA6-4228-86A2-78061B4844C8}" type="slidenum">
+              <a:rPr lang="en-US" smtClean="0"/>
+              <a:t>68</a:t>
+            </a:fld>
+            <a:endParaRPr lang="en-US"/>
+          </a:p>
+        </p:txBody>
+      </p:sp>
+      <p:sp>
+        <p:nvSpPr>
+          <p:cNvPr id="34" name="12-Point Star 33"/>
+          <p:cNvSpPr/>
+          <p:nvPr/>
+        </p:nvSpPr>
+        <p:spPr>
+          <a:xfrm>
+            <a:off x="1078304" y="1164560"/>
+            <a:ext cx="3183147" cy="1345721"/>
+          </a:xfrm>
+          <a:prstGeom prst="star12">
+            <a:avLst/>
+          </a:prstGeom>
+          <a:ln w="38100"/>
+        </p:spPr>
+        <p:style>
+          <a:lnRef idx="2">
+            <a:schemeClr val="accent1"/>
+          </a:lnRef>
+          <a:fillRef idx="1">
+            <a:schemeClr val="lt1"/>
+          </a:fillRef>
+          <a:effectRef idx="0">
+            <a:schemeClr val="accent1"/>
+          </a:effectRef>
+          <a:fontRef idx="minor">
+            <a:schemeClr val="dk1"/>
+          </a:fontRef>
+        </p:style>
+        <p:txBody>
+          <a:bodyPr rtlCol="0" anchor="ctr"/>
+          <a:lstStyle/>
+          <a:p>
+            <a:pPr algn="ctr"/>
+            <a:r>
+              <a:rPr lang="en-US" dirty="0" smtClean="0">
+                <a:latin typeface="Candara" panose="020E0502030303020204" pitchFamily="34" charset="0"/>
+              </a:rPr>
+              <a:t>Actual Needs and Constraints</a:t>
+            </a:r>
+            <a:endParaRPr lang="en-US" dirty="0">
+              <a:latin typeface="Candara" panose="020E0502030303020204" pitchFamily="34" charset="0"/>
+            </a:endParaRPr>
+          </a:p>
+        </p:txBody>
+      </p:sp>
+      <p:sp>
+        <p:nvSpPr>
+          <p:cNvPr id="35" name="Rectangle 34"/>
+          <p:cNvSpPr/>
+          <p:nvPr/>
+        </p:nvSpPr>
+        <p:spPr>
+          <a:xfrm>
+            <a:off x="3122765" y="2674187"/>
+            <a:ext cx="1889185" cy="819509"/>
+          </a:xfrm>
+          <a:prstGeom prst="rect">
+            <a:avLst/>
+          </a:prstGeom>
+          <a:ln w="28575"/>
+        </p:spPr>
+        <p:style>
+          <a:lnRef idx="2">
+            <a:schemeClr val="accent1"/>
+          </a:lnRef>
+          <a:fillRef idx="1">
+            <a:schemeClr val="lt1"/>
+          </a:fillRef>
+          <a:effectRef idx="0">
+            <a:schemeClr val="accent1"/>
+          </a:effectRef>
+          <a:fontRef idx="minor">
+            <a:schemeClr val="dk1"/>
+          </a:fontRef>
+        </p:style>
+        <p:txBody>
+          <a:bodyPr rtlCol="0" anchor="ctr"/>
+          <a:lstStyle/>
+          <a:p>
+            <a:pPr algn="ctr"/>
+            <a:r>
+              <a:rPr lang="en-US" dirty="0" smtClean="0">
+                <a:latin typeface="Candara" panose="020E0502030303020204" pitchFamily="34" charset="0"/>
+              </a:rPr>
+              <a:t>System Specifications</a:t>
+            </a:r>
+            <a:endParaRPr lang="en-US" dirty="0">
+              <a:latin typeface="Candara" panose="020E0502030303020204" pitchFamily="34" charset="0"/>
+            </a:endParaRPr>
+          </a:p>
+        </p:txBody>
+      </p:sp>
+      <p:sp>
+        <p:nvSpPr>
+          <p:cNvPr id="36" name="Rectangle 35"/>
+          <p:cNvSpPr/>
+          <p:nvPr/>
+        </p:nvSpPr>
+        <p:spPr>
+          <a:xfrm>
+            <a:off x="3473572" y="3890511"/>
+            <a:ext cx="1889185" cy="819509"/>
+          </a:xfrm>
+          <a:prstGeom prst="rect">
+            <a:avLst/>
+          </a:prstGeom>
+          <a:ln w="28575"/>
+        </p:spPr>
+        <p:style>
+          <a:lnRef idx="2">
+            <a:schemeClr val="accent1"/>
+          </a:lnRef>
+          <a:fillRef idx="1">
+            <a:schemeClr val="lt1"/>
+          </a:fillRef>
+          <a:effectRef idx="0">
+            <a:schemeClr val="accent1"/>
+          </a:effectRef>
+          <a:fontRef idx="minor">
+            <a:schemeClr val="dk1"/>
+          </a:fontRef>
+        </p:style>
+        <p:txBody>
+          <a:bodyPr rtlCol="0" anchor="ctr"/>
+          <a:lstStyle/>
+          <a:p>
+            <a:pPr algn="ctr"/>
+            <a:r>
+              <a:rPr lang="en-US" dirty="0" smtClean="0">
+                <a:latin typeface="Candara" panose="020E0502030303020204" pitchFamily="34" charset="0"/>
+              </a:rPr>
+              <a:t>Subsystem Design/Specs</a:t>
+            </a:r>
+            <a:endParaRPr lang="en-US" dirty="0">
+              <a:latin typeface="Candara" panose="020E0502030303020204" pitchFamily="34" charset="0"/>
+            </a:endParaRPr>
+          </a:p>
+        </p:txBody>
+      </p:sp>
+      <p:sp>
+        <p:nvSpPr>
+          <p:cNvPr id="37" name="Rectangle 36"/>
+          <p:cNvSpPr/>
+          <p:nvPr/>
+        </p:nvSpPr>
+        <p:spPr>
+          <a:xfrm>
+            <a:off x="3942274" y="5106835"/>
+            <a:ext cx="1889185" cy="819509"/>
+          </a:xfrm>
+          <a:prstGeom prst="rect">
+            <a:avLst/>
+          </a:prstGeom>
+          <a:ln w="28575"/>
+        </p:spPr>
+        <p:style>
+          <a:lnRef idx="2">
+            <a:schemeClr val="accent1"/>
+          </a:lnRef>
+          <a:fillRef idx="1">
+            <a:schemeClr val="lt1"/>
+          </a:fillRef>
+          <a:effectRef idx="0">
+            <a:schemeClr val="accent1"/>
+          </a:effectRef>
+          <a:fontRef idx="minor">
+            <a:schemeClr val="dk1"/>
+          </a:fontRef>
+        </p:style>
+        <p:txBody>
+          <a:bodyPr rtlCol="0" anchor="ctr"/>
+          <a:lstStyle/>
+          <a:p>
+            <a:pPr algn="ctr"/>
+            <a:r>
+              <a:rPr lang="en-US" dirty="0" smtClean="0">
+                <a:latin typeface="Candara" panose="020E0502030303020204" pitchFamily="34" charset="0"/>
+              </a:rPr>
+              <a:t>Unit/Component Specs</a:t>
+            </a:r>
+            <a:endParaRPr lang="en-US" dirty="0">
+              <a:latin typeface="Candara" panose="020E0502030303020204" pitchFamily="34" charset="0"/>
+            </a:endParaRPr>
+          </a:p>
+        </p:txBody>
+      </p:sp>
+      <p:sp>
+        <p:nvSpPr>
+          <p:cNvPr id="38" name="Rectangle 37"/>
+          <p:cNvSpPr/>
+          <p:nvPr/>
+        </p:nvSpPr>
+        <p:spPr>
+          <a:xfrm>
+            <a:off x="7648757" y="3890510"/>
+            <a:ext cx="1889185" cy="819509"/>
+          </a:xfrm>
+          <a:prstGeom prst="rect">
+            <a:avLst/>
+          </a:prstGeom>
+          <a:ln w="28575"/>
+        </p:spPr>
+        <p:style>
+          <a:lnRef idx="2">
+            <a:schemeClr val="accent2"/>
+          </a:lnRef>
+          <a:fillRef idx="1">
+            <a:schemeClr val="lt1"/>
+          </a:fillRef>
+          <a:effectRef idx="0">
+            <a:schemeClr val="accent2"/>
+          </a:effectRef>
+          <a:fontRef idx="minor">
+            <a:schemeClr val="dk1"/>
+          </a:fontRef>
+        </p:style>
+        <p:txBody>
+          <a:bodyPr rtlCol="0" anchor="ctr"/>
+          <a:lstStyle/>
+          <a:p>
+            <a:pPr algn="ctr"/>
+            <a:r>
+              <a:rPr lang="en-US" sz="1700" dirty="0" smtClean="0">
+                <a:latin typeface="Candara" panose="020E0502030303020204" pitchFamily="34" charset="0"/>
+              </a:rPr>
+              <a:t>Subsystem</a:t>
+            </a:r>
+            <a:endParaRPr lang="en-US" sz="1700" dirty="0">
+              <a:latin typeface="Candara" panose="020E0502030303020204" pitchFamily="34" charset="0"/>
+            </a:endParaRPr>
+          </a:p>
+        </p:txBody>
+      </p:sp>
+      <p:sp>
+        <p:nvSpPr>
+          <p:cNvPr id="39" name="Rectangle 38"/>
+          <p:cNvSpPr/>
+          <p:nvPr/>
+        </p:nvSpPr>
+        <p:spPr>
+          <a:xfrm>
+            <a:off x="7180055" y="5106834"/>
+            <a:ext cx="1889185" cy="819509"/>
+          </a:xfrm>
+          <a:prstGeom prst="rect">
+            <a:avLst/>
+          </a:prstGeom>
+          <a:ln w="28575"/>
+        </p:spPr>
+        <p:style>
+          <a:lnRef idx="2">
+            <a:schemeClr val="accent2"/>
+          </a:lnRef>
+          <a:fillRef idx="1">
+            <a:schemeClr val="lt1"/>
+          </a:fillRef>
+          <a:effectRef idx="0">
+            <a:schemeClr val="accent2"/>
+          </a:effectRef>
+          <a:fontRef idx="minor">
+            <a:schemeClr val="dk1"/>
+          </a:fontRef>
+        </p:style>
+        <p:txBody>
+          <a:bodyPr rtlCol="0" anchor="ctr"/>
+          <a:lstStyle/>
+          <a:p>
+            <a:pPr algn="ctr"/>
+            <a:r>
+              <a:rPr lang="en-US" sz="1700" dirty="0" smtClean="0">
+                <a:latin typeface="Candara" panose="020E0502030303020204" pitchFamily="34" charset="0"/>
+              </a:rPr>
+              <a:t>Unit/Components</a:t>
+            </a:r>
+            <a:endParaRPr lang="en-US" sz="1700" dirty="0">
+              <a:latin typeface="Candara" panose="020E0502030303020204" pitchFamily="34" charset="0"/>
+            </a:endParaRPr>
+          </a:p>
+        </p:txBody>
+      </p:sp>
+      <p:sp>
+        <p:nvSpPr>
+          <p:cNvPr id="40" name="Rectangle 39"/>
+          <p:cNvSpPr/>
+          <p:nvPr/>
+        </p:nvSpPr>
+        <p:spPr>
+          <a:xfrm>
+            <a:off x="8284235" y="2674186"/>
+            <a:ext cx="1889185" cy="819509"/>
+          </a:xfrm>
+          <a:prstGeom prst="rect">
+            <a:avLst/>
+          </a:prstGeom>
+          <a:ln w="28575"/>
+        </p:spPr>
+        <p:style>
+          <a:lnRef idx="2">
+            <a:schemeClr val="accent2"/>
+          </a:lnRef>
+          <a:fillRef idx="1">
+            <a:schemeClr val="lt1"/>
+          </a:fillRef>
+          <a:effectRef idx="0">
+            <a:schemeClr val="accent2"/>
+          </a:effectRef>
+          <a:fontRef idx="minor">
+            <a:schemeClr val="dk1"/>
+          </a:fontRef>
+        </p:style>
+        <p:txBody>
+          <a:bodyPr rtlCol="0" anchor="ctr"/>
+          <a:lstStyle/>
+          <a:p>
+            <a:pPr algn="ctr"/>
+            <a:r>
+              <a:rPr lang="en-US" sz="1700" dirty="0" smtClean="0">
+                <a:latin typeface="Candara" panose="020E0502030303020204" pitchFamily="34" charset="0"/>
+              </a:rPr>
+              <a:t>System Integration</a:t>
+            </a:r>
+            <a:endParaRPr lang="en-US" sz="1700" dirty="0">
+              <a:latin typeface="Candara" panose="020E0502030303020204" pitchFamily="34" charset="0"/>
+            </a:endParaRPr>
+          </a:p>
+        </p:txBody>
+      </p:sp>
+      <p:sp>
+        <p:nvSpPr>
+          <p:cNvPr id="41" name="Rectangle 40"/>
+          <p:cNvSpPr/>
+          <p:nvPr/>
+        </p:nvSpPr>
+        <p:spPr>
+          <a:xfrm>
+            <a:off x="8284235" y="1479424"/>
+            <a:ext cx="1889185" cy="819509"/>
+          </a:xfrm>
+          <a:prstGeom prst="rect">
+            <a:avLst/>
+          </a:prstGeom>
+          <a:ln w="28575"/>
+        </p:spPr>
+        <p:style>
+          <a:lnRef idx="2">
+            <a:schemeClr val="accent2"/>
+          </a:lnRef>
+          <a:fillRef idx="1">
+            <a:schemeClr val="lt1"/>
+          </a:fillRef>
+          <a:effectRef idx="0">
+            <a:schemeClr val="accent2"/>
+          </a:effectRef>
+          <a:fontRef idx="minor">
+            <a:schemeClr val="dk1"/>
+          </a:fontRef>
+        </p:style>
+        <p:txBody>
+          <a:bodyPr rtlCol="0" anchor="ctr"/>
+          <a:lstStyle/>
+          <a:p>
+            <a:pPr algn="ctr"/>
+            <a:r>
+              <a:rPr lang="en-US" sz="1700" dirty="0" smtClean="0">
+                <a:latin typeface="Candara" panose="020E0502030303020204" pitchFamily="34" charset="0"/>
+              </a:rPr>
+              <a:t>Delivered Package</a:t>
+            </a:r>
+            <a:endParaRPr lang="en-US" sz="1700" dirty="0">
+              <a:latin typeface="Candara" panose="020E0502030303020204" pitchFamily="34" charset="0"/>
+            </a:endParaRPr>
+          </a:p>
+        </p:txBody>
+      </p:sp>
+      <p:sp>
+        <p:nvSpPr>
+          <p:cNvPr id="42" name="Right Arrow 41"/>
+          <p:cNvSpPr/>
+          <p:nvPr/>
+        </p:nvSpPr>
+        <p:spPr>
+          <a:xfrm flipH="1">
+            <a:off x="4314647" y="1543044"/>
+            <a:ext cx="3916391" cy="851859"/>
+          </a:xfrm>
+          <a:prstGeom prst="rightArrow">
+            <a:avLst/>
+          </a:prstGeom>
+          <a:solidFill>
+            <a:schemeClr val="bg2">
+              <a:lumMod val="90000"/>
+            </a:schemeClr>
+          </a:solidFill>
+          <a:ln w="28575"/>
+        </p:spPr>
+        <p:style>
+          <a:lnRef idx="2">
+            <a:schemeClr val="accent1"/>
+          </a:lnRef>
+          <a:fillRef idx="1">
+            <a:schemeClr val="lt1"/>
+          </a:fillRef>
+          <a:effectRef idx="0">
+            <a:schemeClr val="accent1"/>
+          </a:effectRef>
+          <a:fontRef idx="minor">
+            <a:schemeClr val="dk1"/>
+          </a:fontRef>
+        </p:style>
+        <p:txBody>
+          <a:bodyPr rtlCol="0" anchor="ctr"/>
+          <a:lstStyle/>
+          <a:p>
+            <a:pPr algn="ctr"/>
+            <a:r>
+              <a:rPr lang="en-US" dirty="0" smtClean="0">
+                <a:latin typeface="Candara" panose="020E0502030303020204" pitchFamily="34" charset="0"/>
+              </a:rPr>
+              <a:t>User Acceptance (Alpha, Beta Tests)</a:t>
+            </a:r>
+            <a:endParaRPr lang="en-US" dirty="0">
+              <a:latin typeface="Candara" panose="020E0502030303020204" pitchFamily="34" charset="0"/>
+            </a:endParaRPr>
+          </a:p>
+        </p:txBody>
+      </p:sp>
+      <p:sp>
+        <p:nvSpPr>
+          <p:cNvPr id="43" name="Right Arrow 42"/>
+          <p:cNvSpPr/>
+          <p:nvPr/>
+        </p:nvSpPr>
+        <p:spPr>
+          <a:xfrm flipH="1">
+            <a:off x="2018583" y="5353762"/>
+            <a:ext cx="1923690" cy="325651"/>
+          </a:xfrm>
+          <a:prstGeom prst="rightArrow">
+            <a:avLst/>
+          </a:prstGeom>
+          <a:solidFill>
+            <a:schemeClr val="bg2">
+              <a:lumMod val="90000"/>
+            </a:schemeClr>
+          </a:solidFill>
+          <a:ln w="28575"/>
+        </p:spPr>
+        <p:style>
+          <a:lnRef idx="2">
+            <a:schemeClr val="accent1"/>
+          </a:lnRef>
+          <a:fillRef idx="1">
+            <a:schemeClr val="lt1"/>
+          </a:fillRef>
+          <a:effectRef idx="0">
+            <a:schemeClr val="accent1"/>
+          </a:effectRef>
+          <a:fontRef idx="minor">
+            <a:schemeClr val="dk1"/>
+          </a:fontRef>
+        </p:style>
+        <p:txBody>
+          <a:bodyPr rtlCol="0" anchor="ctr"/>
+          <a:lstStyle/>
+          <a:p>
+            <a:pPr algn="ctr"/>
+            <a:endParaRPr lang="en-US" dirty="0">
+              <a:latin typeface="Candara" panose="020E0502030303020204" pitchFamily="34" charset="0"/>
+            </a:endParaRPr>
+          </a:p>
+        </p:txBody>
+      </p:sp>
+      <p:sp>
+        <p:nvSpPr>
+          <p:cNvPr id="44" name="Right Arrow 43"/>
+          <p:cNvSpPr/>
+          <p:nvPr/>
+        </p:nvSpPr>
+        <p:spPr>
+          <a:xfrm flipH="1">
+            <a:off x="2018582" y="4098077"/>
+            <a:ext cx="1454989" cy="325651"/>
+          </a:xfrm>
+          <a:prstGeom prst="rightArrow">
+            <a:avLst/>
+          </a:prstGeom>
+          <a:solidFill>
+            <a:schemeClr val="bg2">
+              <a:lumMod val="90000"/>
+            </a:schemeClr>
+          </a:solidFill>
+          <a:ln w="28575"/>
+        </p:spPr>
+        <p:style>
+          <a:lnRef idx="2">
+            <a:schemeClr val="accent1"/>
+          </a:lnRef>
+          <a:fillRef idx="1">
+            <a:schemeClr val="lt1"/>
+          </a:fillRef>
+          <a:effectRef idx="0">
+            <a:schemeClr val="accent1"/>
+          </a:effectRef>
+          <a:fontRef idx="minor">
+            <a:schemeClr val="dk1"/>
+          </a:fontRef>
+        </p:style>
+        <p:txBody>
+          <a:bodyPr rtlCol="0" anchor="ctr"/>
+          <a:lstStyle/>
+          <a:p>
+            <a:pPr algn="ctr"/>
+            <a:endParaRPr lang="en-US" dirty="0">
+              <a:latin typeface="Candara" panose="020E0502030303020204" pitchFamily="34" charset="0"/>
+            </a:endParaRPr>
+          </a:p>
+        </p:txBody>
+      </p:sp>
+      <p:sp>
+        <p:nvSpPr>
+          <p:cNvPr id="45" name="Right Arrow 44"/>
+          <p:cNvSpPr/>
+          <p:nvPr/>
+        </p:nvSpPr>
+        <p:spPr>
+          <a:xfrm flipH="1">
+            <a:off x="2018581" y="2881755"/>
+            <a:ext cx="1104183" cy="325651"/>
+          </a:xfrm>
+          <a:prstGeom prst="rightArrow">
+            <a:avLst/>
+          </a:prstGeom>
+          <a:solidFill>
+            <a:schemeClr val="bg2">
+              <a:lumMod val="90000"/>
+            </a:schemeClr>
+          </a:solidFill>
+          <a:ln w="28575"/>
+        </p:spPr>
+        <p:style>
+          <a:lnRef idx="2">
+            <a:schemeClr val="accent1"/>
+          </a:lnRef>
+          <a:fillRef idx="1">
+            <a:schemeClr val="lt1"/>
+          </a:fillRef>
+          <a:effectRef idx="0">
+            <a:schemeClr val="accent1"/>
+          </a:effectRef>
+          <a:fontRef idx="minor">
+            <a:schemeClr val="dk1"/>
+          </a:fontRef>
+        </p:style>
+        <p:txBody>
+          <a:bodyPr rtlCol="0" anchor="ctr"/>
+          <a:lstStyle/>
+          <a:p>
+            <a:pPr algn="ctr"/>
+            <a:endParaRPr lang="en-US" dirty="0">
+              <a:latin typeface="Candara" panose="020E0502030303020204" pitchFamily="34" charset="0"/>
+            </a:endParaRPr>
+          </a:p>
+        </p:txBody>
+      </p:sp>
+      <p:sp>
+        <p:nvSpPr>
+          <p:cNvPr id="46" name="Right Arrow 45"/>
+          <p:cNvSpPr/>
+          <p:nvPr/>
+        </p:nvSpPr>
+        <p:spPr>
+          <a:xfrm rot="5400000" flipH="1">
+            <a:off x="2330" y="4191893"/>
+            <a:ext cx="3919635" cy="325651"/>
+          </a:xfrm>
+          <a:prstGeom prst="rightArrow">
+            <a:avLst/>
+          </a:prstGeom>
+          <a:solidFill>
+            <a:schemeClr val="bg2">
+              <a:lumMod val="90000"/>
+            </a:schemeClr>
+          </a:solidFill>
+          <a:ln w="28575"/>
+        </p:spPr>
+        <p:style>
+          <a:lnRef idx="2">
+            <a:schemeClr val="accent1"/>
+          </a:lnRef>
+          <a:fillRef idx="1">
+            <a:schemeClr val="lt1"/>
+          </a:fillRef>
+          <a:effectRef idx="0">
+            <a:schemeClr val="accent1"/>
+          </a:effectRef>
+          <a:fontRef idx="minor">
+            <a:schemeClr val="dk1"/>
+          </a:fontRef>
+        </p:style>
+        <p:txBody>
+          <a:bodyPr rtlCol="0" anchor="ctr"/>
+          <a:lstStyle/>
+          <a:p>
+            <a:pPr algn="ctr"/>
+            <a:endParaRPr lang="en-US" dirty="0">
+              <a:latin typeface="Candara" panose="020E0502030303020204" pitchFamily="34" charset="0"/>
+            </a:endParaRPr>
+          </a:p>
+        </p:txBody>
+      </p:sp>
+      <p:sp>
+        <p:nvSpPr>
+          <p:cNvPr id="47" name="Right Arrow 46"/>
+          <p:cNvSpPr/>
+          <p:nvPr/>
+        </p:nvSpPr>
+        <p:spPr>
+          <a:xfrm flipH="1">
+            <a:off x="2018581" y="6056818"/>
+            <a:ext cx="7864416" cy="325651"/>
+          </a:xfrm>
+          <a:prstGeom prst="rightArrow">
+            <a:avLst/>
+          </a:prstGeom>
+          <a:solidFill>
+            <a:schemeClr val="bg2">
+              <a:lumMod val="90000"/>
+            </a:schemeClr>
+          </a:solidFill>
+          <a:ln w="28575"/>
+        </p:spPr>
+        <p:style>
+          <a:lnRef idx="2">
+            <a:schemeClr val="accent1"/>
+          </a:lnRef>
+          <a:fillRef idx="1">
+            <a:schemeClr val="lt1"/>
+          </a:fillRef>
+          <a:effectRef idx="0">
+            <a:schemeClr val="accent1"/>
+          </a:effectRef>
+          <a:fontRef idx="minor">
+            <a:schemeClr val="dk1"/>
+          </a:fontRef>
+        </p:style>
+        <p:txBody>
+          <a:bodyPr rtlCol="0" anchor="ctr"/>
+          <a:lstStyle/>
+          <a:p>
+            <a:pPr algn="ctr"/>
+            <a:endParaRPr lang="en-US" dirty="0">
+              <a:latin typeface="Candara" panose="020E0502030303020204" pitchFamily="34" charset="0"/>
+            </a:endParaRPr>
+          </a:p>
+        </p:txBody>
+      </p:sp>
+      <p:sp>
+        <p:nvSpPr>
+          <p:cNvPr id="48" name="Right Arrow 47"/>
+          <p:cNvSpPr/>
+          <p:nvPr/>
+        </p:nvSpPr>
+        <p:spPr>
+          <a:xfrm rot="16200000" flipH="1">
+            <a:off x="8667213" y="5262649"/>
+            <a:ext cx="1415812" cy="325651"/>
+          </a:xfrm>
+          <a:prstGeom prst="rightArrow">
+            <a:avLst/>
+          </a:prstGeom>
+          <a:solidFill>
+            <a:schemeClr val="bg2">
+              <a:lumMod val="90000"/>
+            </a:schemeClr>
+          </a:solidFill>
+          <a:ln w="28575"/>
+        </p:spPr>
+        <p:style>
+          <a:lnRef idx="2">
+            <a:schemeClr val="accent1"/>
+          </a:lnRef>
+          <a:fillRef idx="1">
+            <a:schemeClr val="lt1"/>
+          </a:fillRef>
+          <a:effectRef idx="0">
+            <a:schemeClr val="accent1"/>
+          </a:effectRef>
+          <a:fontRef idx="minor">
+            <a:schemeClr val="dk1"/>
+          </a:fontRef>
+        </p:style>
+        <p:txBody>
+          <a:bodyPr rtlCol="0" anchor="ctr"/>
+          <a:lstStyle/>
+          <a:p>
+            <a:pPr algn="ctr"/>
+            <a:endParaRPr lang="en-US" dirty="0">
+              <a:latin typeface="Candara" panose="020E0502030303020204" pitchFamily="34" charset="0"/>
+            </a:endParaRPr>
+          </a:p>
+        </p:txBody>
+      </p:sp>
+      <p:sp>
+        <p:nvSpPr>
+          <p:cNvPr id="49" name="Right Arrow 48"/>
+          <p:cNvSpPr/>
+          <p:nvPr/>
+        </p:nvSpPr>
+        <p:spPr>
+          <a:xfrm rot="16200000" flipH="1">
+            <a:off x="8405450" y="4655833"/>
+            <a:ext cx="2629446" cy="325651"/>
+          </a:xfrm>
+          <a:prstGeom prst="rightArrow">
+            <a:avLst/>
+          </a:prstGeom>
+          <a:solidFill>
+            <a:schemeClr val="bg2">
+              <a:lumMod val="90000"/>
+            </a:schemeClr>
+          </a:solidFill>
+          <a:ln w="28575"/>
+        </p:spPr>
+        <p:style>
+          <a:lnRef idx="2">
+            <a:schemeClr val="accent1"/>
+          </a:lnRef>
+          <a:fillRef idx="1">
+            <a:schemeClr val="lt1"/>
+          </a:fillRef>
+          <a:effectRef idx="0">
+            <a:schemeClr val="accent1"/>
+          </a:effectRef>
+          <a:fontRef idx="minor">
+            <a:schemeClr val="dk1"/>
+          </a:fontRef>
+        </p:style>
+        <p:txBody>
+          <a:bodyPr rtlCol="0" anchor="ctr"/>
+          <a:lstStyle/>
+          <a:p>
+            <a:pPr algn="ctr"/>
+            <a:endParaRPr lang="en-US" dirty="0">
+              <a:latin typeface="Candara" panose="020E0502030303020204" pitchFamily="34" charset="0"/>
+            </a:endParaRPr>
+          </a:p>
+        </p:txBody>
+      </p:sp>
+      <p:sp>
+        <p:nvSpPr>
+          <p:cNvPr id="50" name="Right Arrow 49"/>
+          <p:cNvSpPr/>
+          <p:nvPr/>
+        </p:nvSpPr>
+        <p:spPr>
+          <a:xfrm rot="10800000" flipH="1" flipV="1">
+            <a:off x="10274063" y="3709355"/>
+            <a:ext cx="1420485" cy="492784"/>
+          </a:xfrm>
+          <a:prstGeom prst="rightArrow">
+            <a:avLst/>
+          </a:prstGeom>
+          <a:solidFill>
+            <a:schemeClr val="bg2">
+              <a:lumMod val="90000"/>
+            </a:schemeClr>
+          </a:solidFill>
+          <a:ln w="28575"/>
+        </p:spPr>
+        <p:style>
+          <a:lnRef idx="2">
+            <a:schemeClr val="accent1"/>
+          </a:lnRef>
+          <a:fillRef idx="1">
+            <a:schemeClr val="lt1"/>
+          </a:fillRef>
+          <a:effectRef idx="0">
+            <a:schemeClr val="accent1"/>
+          </a:effectRef>
+          <a:fontRef idx="minor">
+            <a:schemeClr val="dk1"/>
+          </a:fontRef>
+        </p:style>
+        <p:txBody>
+          <a:bodyPr rtlCol="0" anchor="ctr"/>
+          <a:lstStyle/>
+          <a:p>
+            <a:pPr algn="ctr"/>
+            <a:r>
+              <a:rPr lang="en-US" dirty="0" smtClean="0">
+                <a:latin typeface="Candara" panose="020E0502030303020204" pitchFamily="34" charset="0"/>
+              </a:rPr>
+              <a:t>Validation</a:t>
+            </a:r>
+            <a:endParaRPr lang="en-US" dirty="0">
+              <a:latin typeface="Candara" panose="020E0502030303020204" pitchFamily="34" charset="0"/>
+            </a:endParaRPr>
+          </a:p>
+        </p:txBody>
+      </p:sp>
+      <p:sp>
+        <p:nvSpPr>
+          <p:cNvPr id="51" name="Right Arrow 50"/>
+          <p:cNvSpPr/>
+          <p:nvPr/>
+        </p:nvSpPr>
+        <p:spPr>
+          <a:xfrm rot="10800000" flipH="1" flipV="1">
+            <a:off x="10274063" y="4311041"/>
+            <a:ext cx="1420485" cy="492784"/>
+          </a:xfrm>
+          <a:prstGeom prst="rightArrow">
+            <a:avLst/>
+          </a:prstGeom>
+          <a:solidFill>
+            <a:schemeClr val="bg1"/>
+          </a:solidFill>
+          <a:ln w="28575"/>
+        </p:spPr>
+        <p:style>
+          <a:lnRef idx="2">
+            <a:schemeClr val="accent1"/>
+          </a:lnRef>
+          <a:fillRef idx="1">
+            <a:schemeClr val="lt1"/>
+          </a:fillRef>
+          <a:effectRef idx="0">
+            <a:schemeClr val="accent1"/>
+          </a:effectRef>
+          <a:fontRef idx="minor">
+            <a:schemeClr val="dk1"/>
+          </a:fontRef>
+        </p:style>
+        <p:txBody>
+          <a:bodyPr rtlCol="0" anchor="ctr"/>
+          <a:lstStyle/>
+          <a:p>
+            <a:pPr algn="ctr"/>
+            <a:r>
+              <a:rPr lang="en-US" dirty="0" smtClean="0">
+                <a:latin typeface="Candara" panose="020E0502030303020204" pitchFamily="34" charset="0"/>
+              </a:rPr>
+              <a:t>Verification</a:t>
+            </a:r>
+            <a:endParaRPr lang="en-US" dirty="0">
+              <a:latin typeface="Candara" panose="020E0502030303020204" pitchFamily="34" charset="0"/>
+            </a:endParaRPr>
+          </a:p>
+        </p:txBody>
+      </p:sp>
+      <p:sp>
+        <p:nvSpPr>
+          <p:cNvPr id="52" name="Right Arrow 51"/>
+          <p:cNvSpPr/>
+          <p:nvPr/>
+        </p:nvSpPr>
+        <p:spPr>
+          <a:xfrm rot="10800000" flipV="1">
+            <a:off x="5011950" y="2877985"/>
+            <a:ext cx="3272284" cy="492784"/>
+          </a:xfrm>
+          <a:prstGeom prst="rightArrow">
+            <a:avLst/>
+          </a:prstGeom>
+          <a:solidFill>
+            <a:schemeClr val="bg1"/>
+          </a:solidFill>
+          <a:ln w="28575"/>
+        </p:spPr>
+        <p:style>
+          <a:lnRef idx="2">
+            <a:schemeClr val="accent1"/>
+          </a:lnRef>
+          <a:fillRef idx="1">
+            <a:schemeClr val="lt1"/>
+          </a:fillRef>
+          <a:effectRef idx="0">
+            <a:schemeClr val="accent1"/>
+          </a:effectRef>
+          <a:fontRef idx="minor">
+            <a:schemeClr val="dk1"/>
+          </a:fontRef>
+        </p:style>
+        <p:txBody>
+          <a:bodyPr rtlCol="0" anchor="ctr"/>
+          <a:lstStyle/>
+          <a:p>
+            <a:pPr algn="ctr"/>
+            <a:r>
+              <a:rPr lang="en-US" dirty="0" smtClean="0">
+                <a:latin typeface="Candara" panose="020E0502030303020204" pitchFamily="34" charset="0"/>
+              </a:rPr>
+              <a:t>System Test</a:t>
+            </a:r>
+            <a:endParaRPr lang="en-US" dirty="0">
+              <a:latin typeface="Candara" panose="020E0502030303020204" pitchFamily="34" charset="0"/>
+            </a:endParaRPr>
+          </a:p>
+        </p:txBody>
+      </p:sp>
+      <p:sp>
+        <p:nvSpPr>
+          <p:cNvPr id="53" name="Right Arrow 52"/>
+          <p:cNvSpPr/>
+          <p:nvPr/>
+        </p:nvSpPr>
+        <p:spPr>
+          <a:xfrm rot="10800000" flipV="1">
+            <a:off x="5382159" y="4118573"/>
+            <a:ext cx="2263717" cy="492784"/>
+          </a:xfrm>
+          <a:prstGeom prst="rightArrow">
+            <a:avLst/>
+          </a:prstGeom>
+          <a:solidFill>
+            <a:schemeClr val="bg1"/>
+          </a:solidFill>
+          <a:ln w="28575"/>
+        </p:spPr>
+        <p:style>
+          <a:lnRef idx="2">
+            <a:schemeClr val="accent1"/>
+          </a:lnRef>
+          <a:fillRef idx="1">
+            <a:schemeClr val="lt1"/>
+          </a:fillRef>
+          <a:effectRef idx="0">
+            <a:schemeClr val="accent1"/>
+          </a:effectRef>
+          <a:fontRef idx="minor">
+            <a:schemeClr val="dk1"/>
+          </a:fontRef>
+        </p:style>
+        <p:txBody>
+          <a:bodyPr rtlCol="0" anchor="ctr"/>
+          <a:lstStyle/>
+          <a:p>
+            <a:pPr algn="ctr"/>
+            <a:r>
+              <a:rPr lang="en-US" dirty="0" smtClean="0">
+                <a:latin typeface="Candara" panose="020E0502030303020204" pitchFamily="34" charset="0"/>
+              </a:rPr>
+              <a:t>Integration Test</a:t>
+            </a:r>
+            <a:endParaRPr lang="en-US" dirty="0">
+              <a:latin typeface="Candara" panose="020E0502030303020204" pitchFamily="34" charset="0"/>
+            </a:endParaRPr>
+          </a:p>
+        </p:txBody>
+      </p:sp>
+      <p:sp>
+        <p:nvSpPr>
+          <p:cNvPr id="54" name="Right Arrow 53"/>
+          <p:cNvSpPr/>
+          <p:nvPr/>
+        </p:nvSpPr>
+        <p:spPr>
+          <a:xfrm rot="10800000" flipV="1">
+            <a:off x="5850861" y="5345138"/>
+            <a:ext cx="1309790" cy="492784"/>
+          </a:xfrm>
+          <a:prstGeom prst="rightArrow">
+            <a:avLst/>
+          </a:prstGeom>
+          <a:solidFill>
+            <a:schemeClr val="bg1"/>
+          </a:solidFill>
+          <a:ln w="28575"/>
+        </p:spPr>
+        <p:style>
+          <a:lnRef idx="2">
+            <a:schemeClr val="accent1"/>
+          </a:lnRef>
+          <a:fillRef idx="1">
+            <a:schemeClr val="lt1"/>
+          </a:fillRef>
+          <a:effectRef idx="0">
+            <a:schemeClr val="accent1"/>
+          </a:effectRef>
+          <a:fontRef idx="minor">
+            <a:schemeClr val="dk1"/>
+          </a:fontRef>
+        </p:style>
+        <p:txBody>
+          <a:bodyPr rtlCol="0" anchor="ctr"/>
+          <a:lstStyle/>
+          <a:p>
+            <a:pPr algn="ctr"/>
+            <a:r>
+              <a:rPr lang="en-US" dirty="0" smtClean="0">
+                <a:latin typeface="Candara" panose="020E0502030303020204" pitchFamily="34" charset="0"/>
+              </a:rPr>
+              <a:t>Unit Test</a:t>
+            </a:r>
+            <a:endParaRPr lang="en-US" dirty="0">
+              <a:latin typeface="Candara" panose="020E0502030303020204" pitchFamily="34" charset="0"/>
+            </a:endParaRPr>
+          </a:p>
+        </p:txBody>
+      </p:sp>
+      <p:sp>
+        <p:nvSpPr>
+          <p:cNvPr id="55" name="TextBox 54"/>
+          <p:cNvSpPr txBox="1"/>
+          <p:nvPr/>
+        </p:nvSpPr>
+        <p:spPr>
+          <a:xfrm>
+            <a:off x="4770408" y="6251451"/>
+            <a:ext cx="4157932" cy="338554"/>
+          </a:xfrm>
+          <a:prstGeom prst="rect">
+            <a:avLst/>
+          </a:prstGeom>
+          <a:noFill/>
+        </p:spPr>
+        <p:txBody>
+          <a:bodyPr wrap="square" rtlCol="0">
+            <a:spAutoFit/>
+          </a:bodyPr>
+          <a:lstStyle/>
+          <a:p>
+            <a:r>
+              <a:rPr lang="en-US" sz="1600" dirty="0" smtClean="0">
+                <a:latin typeface="Candara" panose="020E0502030303020204" pitchFamily="34" charset="0"/>
+              </a:rPr>
+              <a:t>User Review of External Behavior</a:t>
+            </a:r>
+            <a:endParaRPr lang="en-US" sz="1600" dirty="0">
+              <a:latin typeface="Candara" panose="020E0502030303020204" pitchFamily="34" charset="0"/>
+            </a:endParaRPr>
+          </a:p>
+        </p:txBody>
+      </p:sp>
+      <p:sp>
+        <p:nvSpPr>
+          <p:cNvPr id="56" name="Bent-Up Arrow 55"/>
+          <p:cNvSpPr/>
+          <p:nvPr/>
+        </p:nvSpPr>
+        <p:spPr>
+          <a:xfrm rot="16200000">
+            <a:off x="5314415" y="4693304"/>
+            <a:ext cx="463134" cy="363925"/>
+          </a:xfrm>
+          <a:prstGeom prst="bentUpArrow">
+            <a:avLst/>
+          </a:prstGeom>
+          <a:ln w="28575"/>
+        </p:spPr>
+        <p:style>
+          <a:lnRef idx="2">
+            <a:schemeClr val="accent1"/>
+          </a:lnRef>
+          <a:fillRef idx="1">
+            <a:schemeClr val="lt1"/>
+          </a:fillRef>
+          <a:effectRef idx="0">
+            <a:schemeClr val="accent1"/>
+          </a:effectRef>
+          <a:fontRef idx="minor">
+            <a:schemeClr val="dk1"/>
+          </a:fontRef>
+        </p:style>
+        <p:txBody>
+          <a:bodyPr rtlCol="0" anchor="ctr"/>
+          <a:lstStyle/>
+          <a:p>
+            <a:pPr algn="ctr"/>
+            <a:endParaRPr lang="en-US"/>
+          </a:p>
+        </p:txBody>
+      </p:sp>
+      <p:sp>
+        <p:nvSpPr>
+          <p:cNvPr id="57" name="TextBox 56"/>
+          <p:cNvSpPr txBox="1"/>
+          <p:nvPr/>
+        </p:nvSpPr>
+        <p:spPr>
+          <a:xfrm>
+            <a:off x="5656053" y="4735376"/>
+            <a:ext cx="4157932" cy="338554"/>
+          </a:xfrm>
+          <a:prstGeom prst="rect">
+            <a:avLst/>
+          </a:prstGeom>
+          <a:noFill/>
+        </p:spPr>
+        <p:txBody>
+          <a:bodyPr wrap="square" rtlCol="0">
+            <a:spAutoFit/>
+          </a:bodyPr>
+          <a:lstStyle/>
+          <a:p>
+            <a:r>
+              <a:rPr lang="en-US" sz="1600" dirty="0" smtClean="0">
+                <a:latin typeface="Candara" panose="020E0502030303020204" pitchFamily="34" charset="0"/>
+              </a:rPr>
+              <a:t>Review/Analysis</a:t>
+            </a:r>
+            <a:endParaRPr lang="en-US" sz="1600" dirty="0">
+              <a:latin typeface="Candara" panose="020E0502030303020204" pitchFamily="34" charset="0"/>
+            </a:endParaRPr>
+          </a:p>
+        </p:txBody>
+      </p:sp>
+      <p:sp>
+        <p:nvSpPr>
+          <p:cNvPr id="58" name="Bent-Up Arrow 57"/>
+          <p:cNvSpPr/>
+          <p:nvPr/>
+        </p:nvSpPr>
+        <p:spPr>
+          <a:xfrm rot="16200000">
+            <a:off x="4908219" y="3474499"/>
+            <a:ext cx="511101" cy="303639"/>
+          </a:xfrm>
+          <a:prstGeom prst="bentUpArrow">
+            <a:avLst/>
+          </a:prstGeom>
+          <a:ln w="28575"/>
+        </p:spPr>
+        <p:style>
+          <a:lnRef idx="2">
+            <a:schemeClr val="accent1"/>
+          </a:lnRef>
+          <a:fillRef idx="1">
+            <a:schemeClr val="lt1"/>
+          </a:fillRef>
+          <a:effectRef idx="0">
+            <a:schemeClr val="accent1"/>
+          </a:effectRef>
+          <a:fontRef idx="minor">
+            <a:schemeClr val="dk1"/>
+          </a:fontRef>
+        </p:style>
+        <p:txBody>
+          <a:bodyPr rtlCol="0" anchor="ctr"/>
+          <a:lstStyle/>
+          <a:p>
+            <a:pPr algn="ctr"/>
+            <a:endParaRPr lang="en-US"/>
+          </a:p>
+        </p:txBody>
+      </p:sp>
+      <p:sp>
+        <p:nvSpPr>
+          <p:cNvPr id="59" name="TextBox 58"/>
+          <p:cNvSpPr txBox="1"/>
+          <p:nvPr/>
+        </p:nvSpPr>
+        <p:spPr>
+          <a:xfrm>
+            <a:off x="5243697" y="3510412"/>
+            <a:ext cx="1778205" cy="338554"/>
+          </a:xfrm>
+          <a:prstGeom prst="rect">
+            <a:avLst/>
+          </a:prstGeom>
+          <a:noFill/>
+        </p:spPr>
+        <p:txBody>
+          <a:bodyPr wrap="square" rtlCol="0">
+            <a:spAutoFit/>
+          </a:bodyPr>
+          <a:lstStyle/>
+          <a:p>
+            <a:r>
+              <a:rPr lang="en-US" sz="1600" dirty="0" smtClean="0">
+                <a:latin typeface="Candara" panose="020E0502030303020204" pitchFamily="34" charset="0"/>
+              </a:rPr>
+              <a:t>Review/Analysis</a:t>
+            </a:r>
+            <a:endParaRPr lang="en-US" sz="1600" dirty="0">
+              <a:latin typeface="Candara" panose="020E0502030303020204" pitchFamily="34" charset="0"/>
+            </a:endParaRPr>
+          </a:p>
+        </p:txBody>
+      </p:sp>
+      <p:sp>
+        <p:nvSpPr>
+          <p:cNvPr id="60" name="TextBox 59"/>
+          <p:cNvSpPr txBox="1"/>
+          <p:nvPr/>
+        </p:nvSpPr>
+        <p:spPr>
+          <a:xfrm>
+            <a:off x="2235956" y="2634829"/>
+            <a:ext cx="1778205" cy="338554"/>
+          </a:xfrm>
+          <a:prstGeom prst="rect">
+            <a:avLst/>
+          </a:prstGeom>
+          <a:noFill/>
+        </p:spPr>
+        <p:txBody>
+          <a:bodyPr wrap="square" rtlCol="0">
+            <a:spAutoFit/>
+          </a:bodyPr>
+          <a:lstStyle/>
+          <a:p>
+            <a:r>
+              <a:rPr lang="en-US" sz="1600" dirty="0" smtClean="0">
+                <a:latin typeface="Candara" panose="020E0502030303020204" pitchFamily="34" charset="0"/>
+              </a:rPr>
+              <a:t>Review</a:t>
+            </a:r>
+            <a:endParaRPr lang="en-US" sz="1600" dirty="0">
+              <a:latin typeface="Candara" panose="020E0502030303020204" pitchFamily="34" charset="0"/>
+            </a:endParaRPr>
+          </a:p>
+        </p:txBody>
+      </p:sp>
+    </p:spTree>
+    <p:extLst>
+      <p:ext uri="{BB962C8B-B14F-4D97-AF65-F5344CB8AC3E}">
+        <p14:creationId xmlns:p14="http://schemas.microsoft.com/office/powerpoint/2010/main" val="2186576442"/>
+      </p:ext>
+    </p:extLst>
+  </p:cSld>
+  <p:clrMapOvr>
+    <a:masterClrMapping/>
+  </p:clrMapOvr>
+  <mc:AlternateContent xmlns:mc="http://schemas.openxmlformats.org/markup-compatibility/2006" xmlns:p14="http://schemas.microsoft.com/office/powerpoint/2010/main">
+    <mc:Choice Requires="p14">
+      <p:transition spd="slow" p14:dur="2000"/>
+    </mc:Choice>
+    <mc:Fallback xmlns="">
+      <p:transition spd="slow"/>
+    </mc:Fallback>
+  </mc:AlternateContent>
+  <p:timing>
+    <p:tnLst>
+      <p:par>
+        <p:cTn id="1" dur="indefinite" restart="never" nodeType="tmRoot"/>
+      </p:par>
+    </p:tnLst>
+  </p:timing>
+</p:sld>
+</file>
+
 <file path=ppt/slides/slide69.xml><?xml version="1.0" encoding="utf-8"?>
 <p:sld xmlns:a="http://schemas.openxmlformats.org/drawingml/2006/main" xmlns:r="http://schemas.openxmlformats.org/officeDocument/2006/relationships" xmlns:p="http://schemas.openxmlformats.org/presentationml/2006/main">
   <p:cSld>
@@ -30925,57 +32036,103 @@
           <a:lstStyle/>
           <a:p>
             <a:r>
+              <a:rPr lang="en-US" dirty="0"/>
+              <a:t>Unit Testing </a:t>
+            </a:r>
+          </a:p>
+        </p:txBody>
+      </p:sp>
+      <p:sp>
+        <p:nvSpPr>
+          <p:cNvPr id="3" name="Content Placeholder 2"/>
+          <p:cNvSpPr>
+            <a:spLocks noGrp="1"/>
+          </p:cNvSpPr>
+          <p:nvPr>
+            <p:ph idx="1"/>
+          </p:nvPr>
+        </p:nvSpPr>
+        <p:spPr/>
+        <p:txBody>
+          <a:bodyPr/>
+          <a:lstStyle/>
+          <a:p>
+            <a:r>
+              <a:rPr lang="en-US" dirty="0"/>
+              <a:t>Testing of individual software unit/module/components </a:t>
+            </a:r>
+          </a:p>
+          <a:p>
+            <a:pPr lvl="1"/>
+            <a:r>
+              <a:rPr lang="en-US" dirty="0"/>
+              <a:t>Synonymous to </a:t>
+            </a:r>
+            <a:r>
+              <a:rPr lang="en-US" i="1" dirty="0"/>
+              <a:t>module testing</a:t>
+            </a:r>
+            <a:r>
+              <a:rPr lang="en-US" dirty="0"/>
+              <a:t>, </a:t>
+            </a:r>
+            <a:r>
+              <a:rPr lang="en-US" i="1" dirty="0"/>
+              <a:t>component testing </a:t>
+            </a:r>
+            <a:endParaRPr lang="en-US" i="1" dirty="0" smtClean="0"/>
+          </a:p>
+          <a:p>
+            <a:r>
+              <a:rPr lang="en-US" dirty="0"/>
+              <a:t>Focus on the functions of the unit </a:t>
+            </a:r>
+          </a:p>
+          <a:p>
+            <a:pPr lvl="1"/>
+            <a:r>
+              <a:rPr lang="en-US" dirty="0"/>
+              <a:t>functionality, correctness, </a:t>
+            </a:r>
+            <a:r>
               <a:rPr lang="en-US" dirty="0" smtClean="0"/>
-              <a:t>Levels of Granularity of Testing</a:t>
+              <a:t>accuracy</a:t>
             </a:r>
             <a:endParaRPr lang="en-US" dirty="0"/>
           </a:p>
-        </p:txBody>
-      </p:sp>
-      <p:sp>
-        <p:nvSpPr>
-          <p:cNvPr id="3" name="Content Placeholder 2"/>
-          <p:cNvSpPr>
-            <a:spLocks noGrp="1"/>
-          </p:cNvSpPr>
-          <p:nvPr>
-            <p:ph idx="1"/>
-          </p:nvPr>
-        </p:nvSpPr>
-        <p:spPr/>
-        <p:txBody>
-          <a:bodyPr/>
-          <a:lstStyle/>
-          <a:p>
-            <a:r>
-              <a:rPr lang="en-US" sz="3200" dirty="0"/>
-              <a:t>Unit (component, module) testing</a:t>
-            </a:r>
-          </a:p>
-          <a:p>
-            <a:r>
-              <a:rPr lang="en-US" sz="3200" dirty="0"/>
-              <a:t>Integration testing</a:t>
-            </a:r>
-          </a:p>
-          <a:p>
-            <a:r>
-              <a:rPr lang="en-US" sz="3200" dirty="0"/>
-              <a:t>System testing </a:t>
-            </a:r>
-          </a:p>
-          <a:p>
-            <a:r>
-              <a:rPr lang="en-US" sz="3200" dirty="0"/>
-              <a:t>Acceptance testing </a:t>
+          <a:p>
+            <a:r>
+              <a:rPr lang="en-US" dirty="0"/>
+              <a:t>Usually carried out by the developers of the unit</a:t>
+            </a:r>
+          </a:p>
+          <a:p>
+            <a:r>
+              <a:rPr lang="en-US" dirty="0"/>
+              <a:t>Basis for unit testing   </a:t>
             </a:r>
           </a:p>
           <a:p>
             <a:pPr lvl="1"/>
+            <a:r>
+              <a:rPr lang="en-US" dirty="0"/>
+              <a:t>component specifications </a:t>
+            </a:r>
+          </a:p>
+          <a:p>
+            <a:pPr lvl="1"/>
+            <a:r>
+              <a:rPr lang="en-US" dirty="0"/>
+              <a:t>detailed design and code </a:t>
+            </a:r>
+          </a:p>
+          <a:p>
             <a:endParaRPr lang="en-US" dirty="0"/>
           </a:p>
           <a:p>
-            <a:pPr lvl="1"/>
+            <a:endParaRPr lang="en-US" dirty="0"/>
+          </a:p>
+          <a:p>
             <a:endParaRPr lang="en-US" dirty="0"/>
           </a:p>
         </p:txBody>
@@ -31006,7 +32163,7 @@
     </p:spTree>
     <p:extLst>
       <p:ext uri="{BB962C8B-B14F-4D97-AF65-F5344CB8AC3E}">
-        <p14:creationId xmlns:p14="http://schemas.microsoft.com/office/powerpoint/2010/main" val="9573537"/>
+        <p14:creationId xmlns:p14="http://schemas.microsoft.com/office/powerpoint/2010/main" val="402578197"/>
       </p:ext>
     </p:extLst>
   </p:cSld>
@@ -31159,9 +32316,9 @@
       </p:grpSpPr>
       <p:sp>
         <p:nvSpPr>
-          <p:cNvPr id="47108" name="Rectangle 4"/>
-          <p:cNvSpPr>
-            <a:spLocks noGrp="1" noChangeArrowheads="1"/>
+          <p:cNvPr id="2" name="Title 1"/>
+          <p:cNvSpPr>
+            <a:spLocks noGrp="1"/>
           </p:cNvSpPr>
           <p:nvPr>
             <p:ph type="title"/>
@@ -31172,17 +32329,102 @@
           <a:bodyPr/>
           <a:lstStyle/>
           <a:p>
-            <a:pPr eaLnBrk="1" hangingPunct="1"/>
-            <a:r>
-              <a:rPr lang="en-US" sz="3600" dirty="0"/>
-              <a:t>The V-Model of – Validation &amp; Verification</a:t>
-            </a:r>
-          </a:p>
-        </p:txBody>
-      </p:sp>
-      <p:sp>
-        <p:nvSpPr>
-          <p:cNvPr id="2" name="Slide Number Placeholder 1"/>
+            <a:r>
+              <a:rPr lang="en-US" dirty="0"/>
+              <a:t>Integration Testing </a:t>
+            </a:r>
+          </a:p>
+        </p:txBody>
+      </p:sp>
+      <p:sp>
+        <p:nvSpPr>
+          <p:cNvPr id="3" name="Content Placeholder 2"/>
+          <p:cNvSpPr>
+            <a:spLocks noGrp="1"/>
+          </p:cNvSpPr>
+          <p:nvPr>
+            <p:ph idx="1"/>
+          </p:nvPr>
+        </p:nvSpPr>
+        <p:spPr/>
+        <p:txBody>
+          <a:bodyPr/>
+          <a:lstStyle/>
+          <a:p>
+            <a:pPr marL="342900" lvl="1" indent="-342900">
+              <a:buClr>
+                <a:schemeClr val="tx2"/>
+              </a:buClr>
+            </a:pPr>
+            <a:r>
+              <a:rPr lang="en-US" sz="3200" dirty="0"/>
+              <a:t>Testing performed to expose defects in the </a:t>
+            </a:r>
+            <a:r>
+              <a:rPr lang="en-US" sz="3200" i="1" dirty="0"/>
+              <a:t>interfaces</a:t>
+            </a:r>
+            <a:r>
+              <a:rPr lang="en-US" sz="3200" dirty="0"/>
+              <a:t> and in the </a:t>
+            </a:r>
+            <a:r>
+              <a:rPr lang="en-US" sz="3200" i="1" dirty="0"/>
+              <a:t>interactions between </a:t>
+            </a:r>
+            <a:r>
+              <a:rPr lang="en-US" sz="3200" dirty="0"/>
+              <a:t>integrated components or sub-systems. </a:t>
+            </a:r>
+          </a:p>
+          <a:p>
+            <a:pPr marL="342900" lvl="1" indent="-342900">
+              <a:buClr>
+                <a:schemeClr val="tx2"/>
+              </a:buClr>
+            </a:pPr>
+            <a:r>
+              <a:rPr lang="en-US" sz="3200" dirty="0"/>
+              <a:t>Focus on the interactions between modules </a:t>
+            </a:r>
+            <a:endParaRPr lang="en-US" dirty="0" smtClean="0"/>
+          </a:p>
+          <a:p>
+            <a:pPr marL="342900" lvl="1" indent="-342900">
+              <a:buClr>
+                <a:schemeClr val="tx2"/>
+              </a:buClr>
+            </a:pPr>
+            <a:r>
+              <a:rPr lang="en-US" sz="3200" dirty="0"/>
+              <a:t>Usually carried out by the developers of the sub-systems involved</a:t>
+            </a:r>
+          </a:p>
+          <a:p>
+            <a:r>
+              <a:rPr lang="en-US" sz="3200" dirty="0"/>
+              <a:t>Basis for integration testing  </a:t>
+            </a:r>
+          </a:p>
+          <a:p>
+            <a:pPr lvl="1"/>
+            <a:r>
+              <a:rPr lang="en-US" sz="2800" dirty="0"/>
+              <a:t>system design and architecture</a:t>
+            </a:r>
+          </a:p>
+          <a:p>
+            <a:pPr lvl="1"/>
+            <a:r>
+              <a:rPr lang="en-US" sz="2800" dirty="0"/>
+              <a:t>subsystem and interface specification</a:t>
+            </a:r>
+          </a:p>
+        </p:txBody>
+      </p:sp>
+      <p:sp>
+        <p:nvSpPr>
+          <p:cNvPr id="4" name="Slide Number Placeholder 3"/>
           <p:cNvSpPr>
             <a:spLocks noGrp="1"/>
           </p:cNvSpPr>
@@ -31203,1240 +32445,16 @@
           </a:p>
         </p:txBody>
       </p:sp>
-      <p:sp>
-        <p:nvSpPr>
-          <p:cNvPr id="34" name="12-Point Star 33"/>
-          <p:cNvSpPr/>
-          <p:nvPr/>
-        </p:nvSpPr>
-        <p:spPr>
-          <a:xfrm>
-            <a:off x="1078304" y="1164560"/>
-            <a:ext cx="3183147" cy="1345721"/>
-          </a:xfrm>
-          <a:prstGeom prst="star12">
-            <a:avLst/>
-          </a:prstGeom>
-          <a:ln w="38100"/>
-        </p:spPr>
-        <p:style>
-          <a:lnRef idx="2">
-            <a:schemeClr val="accent1"/>
-          </a:lnRef>
-          <a:fillRef idx="1">
-            <a:schemeClr val="lt1"/>
-          </a:fillRef>
-          <a:effectRef idx="0">
-            <a:schemeClr val="accent1"/>
-          </a:effectRef>
-          <a:fontRef idx="minor">
-            <a:schemeClr val="dk1"/>
-          </a:fontRef>
-        </p:style>
-        <p:txBody>
-          <a:bodyPr rtlCol="0" anchor="ctr"/>
-          <a:lstStyle/>
-          <a:p>
-            <a:pPr algn="ctr"/>
-            <a:r>
-              <a:rPr lang="en-US" dirty="0" smtClean="0">
-                <a:latin typeface="Candara" panose="020E0502030303020204" pitchFamily="34" charset="0"/>
-              </a:rPr>
-              <a:t>Actual Needs and Constraints</a:t>
-            </a:r>
-            <a:endParaRPr lang="en-US" dirty="0">
-              <a:latin typeface="Candara" panose="020E0502030303020204" pitchFamily="34" charset="0"/>
-            </a:endParaRPr>
-          </a:p>
-        </p:txBody>
-      </p:sp>
-      <p:sp>
-        <p:nvSpPr>
-          <p:cNvPr id="35" name="Rectangle 34"/>
-          <p:cNvSpPr/>
-          <p:nvPr/>
-        </p:nvSpPr>
-        <p:spPr>
-          <a:xfrm>
-            <a:off x="3122765" y="2674187"/>
-            <a:ext cx="1889185" cy="819509"/>
-          </a:xfrm>
-          <a:prstGeom prst="rect">
-            <a:avLst/>
-          </a:prstGeom>
-          <a:ln w="28575"/>
-        </p:spPr>
-        <p:style>
-          <a:lnRef idx="2">
-            <a:schemeClr val="accent1"/>
-          </a:lnRef>
-          <a:fillRef idx="1">
-            <a:schemeClr val="lt1"/>
-          </a:fillRef>
-          <a:effectRef idx="0">
-            <a:schemeClr val="accent1"/>
-          </a:effectRef>
-          <a:fontRef idx="minor">
-            <a:schemeClr val="dk1"/>
-          </a:fontRef>
-        </p:style>
-        <p:txBody>
-          <a:bodyPr rtlCol="0" anchor="ctr"/>
-          <a:lstStyle/>
-          <a:p>
-            <a:pPr algn="ctr"/>
-            <a:r>
-              <a:rPr lang="en-US" dirty="0" smtClean="0">
-                <a:latin typeface="Candara" panose="020E0502030303020204" pitchFamily="34" charset="0"/>
-              </a:rPr>
-              <a:t>System Specifications</a:t>
-            </a:r>
-            <a:endParaRPr lang="en-US" dirty="0">
-              <a:latin typeface="Candara" panose="020E0502030303020204" pitchFamily="34" charset="0"/>
-            </a:endParaRPr>
-          </a:p>
-        </p:txBody>
-      </p:sp>
-      <p:sp>
-        <p:nvSpPr>
-          <p:cNvPr id="36" name="Rectangle 35"/>
-          <p:cNvSpPr/>
-          <p:nvPr/>
-        </p:nvSpPr>
-        <p:spPr>
-          <a:xfrm>
-            <a:off x="3473572" y="3890511"/>
-            <a:ext cx="1889185" cy="819509"/>
-          </a:xfrm>
-          <a:prstGeom prst="rect">
-            <a:avLst/>
-          </a:prstGeom>
-          <a:ln w="28575"/>
-        </p:spPr>
-        <p:style>
-          <a:lnRef idx="2">
-            <a:schemeClr val="accent1"/>
-          </a:lnRef>
-          <a:fillRef idx="1">
-            <a:schemeClr val="lt1"/>
-          </a:fillRef>
-          <a:effectRef idx="0">
-            <a:schemeClr val="accent1"/>
-          </a:effectRef>
-          <a:fontRef idx="minor">
-            <a:schemeClr val="dk1"/>
-          </a:fontRef>
-        </p:style>
-        <p:txBody>
-          <a:bodyPr rtlCol="0" anchor="ctr"/>
-          <a:lstStyle/>
-          <a:p>
-            <a:pPr algn="ctr"/>
-            <a:r>
-              <a:rPr lang="en-US" dirty="0" smtClean="0">
-                <a:latin typeface="Candara" panose="020E0502030303020204" pitchFamily="34" charset="0"/>
-              </a:rPr>
-              <a:t>Subsystem Design/Specs</a:t>
-            </a:r>
-            <a:endParaRPr lang="en-US" dirty="0">
-              <a:latin typeface="Candara" panose="020E0502030303020204" pitchFamily="34" charset="0"/>
-            </a:endParaRPr>
-          </a:p>
-        </p:txBody>
-      </p:sp>
-      <p:sp>
-        <p:nvSpPr>
-          <p:cNvPr id="37" name="Rectangle 36"/>
-          <p:cNvSpPr/>
-          <p:nvPr/>
-        </p:nvSpPr>
-        <p:spPr>
-          <a:xfrm>
-            <a:off x="3942274" y="5106835"/>
-            <a:ext cx="1889185" cy="819509"/>
-          </a:xfrm>
-          <a:prstGeom prst="rect">
-            <a:avLst/>
-          </a:prstGeom>
-          <a:ln w="28575"/>
-        </p:spPr>
-        <p:style>
-          <a:lnRef idx="2">
-            <a:schemeClr val="accent1"/>
-          </a:lnRef>
-          <a:fillRef idx="1">
-            <a:schemeClr val="lt1"/>
-          </a:fillRef>
-          <a:effectRef idx="0">
-            <a:schemeClr val="accent1"/>
-          </a:effectRef>
-          <a:fontRef idx="minor">
-            <a:schemeClr val="dk1"/>
-          </a:fontRef>
-        </p:style>
-        <p:txBody>
-          <a:bodyPr rtlCol="0" anchor="ctr"/>
-          <a:lstStyle/>
-          <a:p>
-            <a:pPr algn="ctr"/>
-            <a:r>
-              <a:rPr lang="en-US" dirty="0" smtClean="0">
-                <a:latin typeface="Candara" panose="020E0502030303020204" pitchFamily="34" charset="0"/>
-              </a:rPr>
-              <a:t>Unit/Component Specs</a:t>
-            </a:r>
-            <a:endParaRPr lang="en-US" dirty="0">
-              <a:latin typeface="Candara" panose="020E0502030303020204" pitchFamily="34" charset="0"/>
-            </a:endParaRPr>
-          </a:p>
-        </p:txBody>
-      </p:sp>
-      <p:sp>
-        <p:nvSpPr>
-          <p:cNvPr id="38" name="Rectangle 37"/>
-          <p:cNvSpPr/>
-          <p:nvPr/>
-        </p:nvSpPr>
-        <p:spPr>
-          <a:xfrm>
-            <a:off x="7648757" y="3890510"/>
-            <a:ext cx="1889185" cy="819509"/>
-          </a:xfrm>
-          <a:prstGeom prst="rect">
-            <a:avLst/>
-          </a:prstGeom>
-          <a:ln w="28575"/>
-        </p:spPr>
-        <p:style>
-          <a:lnRef idx="2">
-            <a:schemeClr val="accent2"/>
-          </a:lnRef>
-          <a:fillRef idx="1">
-            <a:schemeClr val="lt1"/>
-          </a:fillRef>
-          <a:effectRef idx="0">
-            <a:schemeClr val="accent2"/>
-          </a:effectRef>
-          <a:fontRef idx="minor">
-            <a:schemeClr val="dk1"/>
-          </a:fontRef>
-        </p:style>
-        <p:txBody>
-          <a:bodyPr rtlCol="0" anchor="ctr"/>
-          <a:lstStyle/>
-          <a:p>
-            <a:pPr algn="ctr"/>
-            <a:r>
-              <a:rPr lang="en-US" sz="1700" dirty="0" smtClean="0">
-                <a:latin typeface="Candara" panose="020E0502030303020204" pitchFamily="34" charset="0"/>
-              </a:rPr>
-              <a:t>Subsystem</a:t>
-            </a:r>
-            <a:endParaRPr lang="en-US" sz="1700" dirty="0">
-              <a:latin typeface="Candara" panose="020E0502030303020204" pitchFamily="34" charset="0"/>
-            </a:endParaRPr>
-          </a:p>
-        </p:txBody>
-      </p:sp>
-      <p:sp>
-        <p:nvSpPr>
-          <p:cNvPr id="39" name="Rectangle 38"/>
-          <p:cNvSpPr/>
-          <p:nvPr/>
-        </p:nvSpPr>
-        <p:spPr>
-          <a:xfrm>
-            <a:off x="7180055" y="5106834"/>
-            <a:ext cx="1889185" cy="819509"/>
-          </a:xfrm>
-          <a:prstGeom prst="rect">
-            <a:avLst/>
-          </a:prstGeom>
-          <a:ln w="28575"/>
-        </p:spPr>
-        <p:style>
-          <a:lnRef idx="2">
-            <a:schemeClr val="accent2"/>
-          </a:lnRef>
-          <a:fillRef idx="1">
-            <a:schemeClr val="lt1"/>
-          </a:fillRef>
-          <a:effectRef idx="0">
-            <a:schemeClr val="accent2"/>
-          </a:effectRef>
-          <a:fontRef idx="minor">
-            <a:schemeClr val="dk1"/>
-          </a:fontRef>
-        </p:style>
-        <p:txBody>
-          <a:bodyPr rtlCol="0" anchor="ctr"/>
-          <a:lstStyle/>
-          <a:p>
-            <a:pPr algn="ctr"/>
-            <a:r>
-              <a:rPr lang="en-US" sz="1700" dirty="0" smtClean="0">
-                <a:latin typeface="Candara" panose="020E0502030303020204" pitchFamily="34" charset="0"/>
-              </a:rPr>
-              <a:t>Unit/Components</a:t>
-            </a:r>
-            <a:endParaRPr lang="en-US" sz="1700" dirty="0">
-              <a:latin typeface="Candara" panose="020E0502030303020204" pitchFamily="34" charset="0"/>
-            </a:endParaRPr>
-          </a:p>
-        </p:txBody>
-      </p:sp>
-      <p:sp>
-        <p:nvSpPr>
-          <p:cNvPr id="40" name="Rectangle 39"/>
-          <p:cNvSpPr/>
-          <p:nvPr/>
-        </p:nvSpPr>
-        <p:spPr>
-          <a:xfrm>
-            <a:off x="8284235" y="2674186"/>
-            <a:ext cx="1889185" cy="819509"/>
-          </a:xfrm>
-          <a:prstGeom prst="rect">
-            <a:avLst/>
-          </a:prstGeom>
-          <a:ln w="28575"/>
-        </p:spPr>
-        <p:style>
-          <a:lnRef idx="2">
-            <a:schemeClr val="accent2"/>
-          </a:lnRef>
-          <a:fillRef idx="1">
-            <a:schemeClr val="lt1"/>
-          </a:fillRef>
-          <a:effectRef idx="0">
-            <a:schemeClr val="accent2"/>
-          </a:effectRef>
-          <a:fontRef idx="minor">
-            <a:schemeClr val="dk1"/>
-          </a:fontRef>
-        </p:style>
-        <p:txBody>
-          <a:bodyPr rtlCol="0" anchor="ctr"/>
-          <a:lstStyle/>
-          <a:p>
-            <a:pPr algn="ctr"/>
-            <a:r>
-              <a:rPr lang="en-US" sz="1700" dirty="0" smtClean="0">
-                <a:latin typeface="Candara" panose="020E0502030303020204" pitchFamily="34" charset="0"/>
-              </a:rPr>
-              <a:t>System Integration</a:t>
-            </a:r>
-            <a:endParaRPr lang="en-US" sz="1700" dirty="0">
-              <a:latin typeface="Candara" panose="020E0502030303020204" pitchFamily="34" charset="0"/>
-            </a:endParaRPr>
-          </a:p>
-        </p:txBody>
-      </p:sp>
-      <p:sp>
-        <p:nvSpPr>
-          <p:cNvPr id="41" name="Rectangle 40"/>
-          <p:cNvSpPr/>
-          <p:nvPr/>
-        </p:nvSpPr>
-        <p:spPr>
-          <a:xfrm>
-            <a:off x="8284235" y="1479424"/>
-            <a:ext cx="1889185" cy="819509"/>
-          </a:xfrm>
-          <a:prstGeom prst="rect">
-            <a:avLst/>
-          </a:prstGeom>
-          <a:ln w="28575"/>
-        </p:spPr>
-        <p:style>
-          <a:lnRef idx="2">
-            <a:schemeClr val="accent2"/>
-          </a:lnRef>
-          <a:fillRef idx="1">
-            <a:schemeClr val="lt1"/>
-          </a:fillRef>
-          <a:effectRef idx="0">
-            <a:schemeClr val="accent2"/>
-          </a:effectRef>
-          <a:fontRef idx="minor">
-            <a:schemeClr val="dk1"/>
-          </a:fontRef>
-        </p:style>
-        <p:txBody>
-          <a:bodyPr rtlCol="0" anchor="ctr"/>
-          <a:lstStyle/>
-          <a:p>
-            <a:pPr algn="ctr"/>
-            <a:r>
-              <a:rPr lang="en-US" sz="1700" dirty="0" smtClean="0">
-                <a:latin typeface="Candara" panose="020E0502030303020204" pitchFamily="34" charset="0"/>
-              </a:rPr>
-              <a:t>Delivered Package</a:t>
-            </a:r>
-            <a:endParaRPr lang="en-US" sz="1700" dirty="0">
-              <a:latin typeface="Candara" panose="020E0502030303020204" pitchFamily="34" charset="0"/>
-            </a:endParaRPr>
-          </a:p>
-        </p:txBody>
-      </p:sp>
-      <p:sp>
-        <p:nvSpPr>
-          <p:cNvPr id="42" name="Right Arrow 41"/>
-          <p:cNvSpPr/>
-          <p:nvPr/>
-        </p:nvSpPr>
-        <p:spPr>
-          <a:xfrm flipH="1">
-            <a:off x="4314647" y="1543044"/>
-            <a:ext cx="3916391" cy="851859"/>
-          </a:xfrm>
-          <a:prstGeom prst="rightArrow">
-            <a:avLst/>
-          </a:prstGeom>
-          <a:solidFill>
-            <a:schemeClr val="bg2">
-              <a:lumMod val="90000"/>
-            </a:schemeClr>
-          </a:solidFill>
-          <a:ln w="28575"/>
-        </p:spPr>
-        <p:style>
-          <a:lnRef idx="2">
-            <a:schemeClr val="accent1"/>
-          </a:lnRef>
-          <a:fillRef idx="1">
-            <a:schemeClr val="lt1"/>
-          </a:fillRef>
-          <a:effectRef idx="0">
-            <a:schemeClr val="accent1"/>
-          </a:effectRef>
-          <a:fontRef idx="minor">
-            <a:schemeClr val="dk1"/>
-          </a:fontRef>
-        </p:style>
-        <p:txBody>
-          <a:bodyPr rtlCol="0" anchor="ctr"/>
-          <a:lstStyle/>
-          <a:p>
-            <a:pPr algn="ctr"/>
-            <a:r>
-              <a:rPr lang="en-US" dirty="0" smtClean="0">
-                <a:latin typeface="Candara" panose="020E0502030303020204" pitchFamily="34" charset="0"/>
-              </a:rPr>
-              <a:t>User Acceptance (Alpha, Beta Tests)</a:t>
-            </a:r>
-            <a:endParaRPr lang="en-US" dirty="0">
-              <a:latin typeface="Candara" panose="020E0502030303020204" pitchFamily="34" charset="0"/>
-            </a:endParaRPr>
-          </a:p>
-        </p:txBody>
-      </p:sp>
-      <p:sp>
-        <p:nvSpPr>
-          <p:cNvPr id="43" name="Right Arrow 42"/>
-          <p:cNvSpPr/>
-          <p:nvPr/>
-        </p:nvSpPr>
-        <p:spPr>
-          <a:xfrm flipH="1">
-            <a:off x="2018583" y="5353762"/>
-            <a:ext cx="1923690" cy="325651"/>
-          </a:xfrm>
-          <a:prstGeom prst="rightArrow">
-            <a:avLst/>
-          </a:prstGeom>
-          <a:solidFill>
-            <a:schemeClr val="bg2">
-              <a:lumMod val="90000"/>
-            </a:schemeClr>
-          </a:solidFill>
-          <a:ln w="28575"/>
-        </p:spPr>
-        <p:style>
-          <a:lnRef idx="2">
-            <a:schemeClr val="accent1"/>
-          </a:lnRef>
-          <a:fillRef idx="1">
-            <a:schemeClr val="lt1"/>
-          </a:fillRef>
-          <a:effectRef idx="0">
-            <a:schemeClr val="accent1"/>
-          </a:effectRef>
-          <a:fontRef idx="minor">
-            <a:schemeClr val="dk1"/>
-          </a:fontRef>
-        </p:style>
-        <p:txBody>
-          <a:bodyPr rtlCol="0" anchor="ctr"/>
-          <a:lstStyle/>
-          <a:p>
-            <a:pPr algn="ctr"/>
-            <a:endParaRPr lang="en-US" dirty="0">
-              <a:latin typeface="Candara" panose="020E0502030303020204" pitchFamily="34" charset="0"/>
-            </a:endParaRPr>
-          </a:p>
-        </p:txBody>
-      </p:sp>
-      <p:sp>
-        <p:nvSpPr>
-          <p:cNvPr id="44" name="Right Arrow 43"/>
-          <p:cNvSpPr/>
-          <p:nvPr/>
-        </p:nvSpPr>
-        <p:spPr>
-          <a:xfrm flipH="1">
-            <a:off x="2018582" y="4098077"/>
-            <a:ext cx="1454989" cy="325651"/>
-          </a:xfrm>
-          <a:prstGeom prst="rightArrow">
-            <a:avLst/>
-          </a:prstGeom>
-          <a:solidFill>
-            <a:schemeClr val="bg2">
-              <a:lumMod val="90000"/>
-            </a:schemeClr>
-          </a:solidFill>
-          <a:ln w="28575"/>
-        </p:spPr>
-        <p:style>
-          <a:lnRef idx="2">
-            <a:schemeClr val="accent1"/>
-          </a:lnRef>
-          <a:fillRef idx="1">
-            <a:schemeClr val="lt1"/>
-          </a:fillRef>
-          <a:effectRef idx="0">
-            <a:schemeClr val="accent1"/>
-          </a:effectRef>
-          <a:fontRef idx="minor">
-            <a:schemeClr val="dk1"/>
-          </a:fontRef>
-        </p:style>
-        <p:txBody>
-          <a:bodyPr rtlCol="0" anchor="ctr"/>
-          <a:lstStyle/>
-          <a:p>
-            <a:pPr algn="ctr"/>
-            <a:endParaRPr lang="en-US" dirty="0">
-              <a:latin typeface="Candara" panose="020E0502030303020204" pitchFamily="34" charset="0"/>
-            </a:endParaRPr>
-          </a:p>
-        </p:txBody>
-      </p:sp>
-      <p:sp>
-        <p:nvSpPr>
-          <p:cNvPr id="45" name="Right Arrow 44"/>
-          <p:cNvSpPr/>
-          <p:nvPr/>
-        </p:nvSpPr>
-        <p:spPr>
-          <a:xfrm flipH="1">
-            <a:off x="2018581" y="2881755"/>
-            <a:ext cx="1104183" cy="325651"/>
-          </a:xfrm>
-          <a:prstGeom prst="rightArrow">
-            <a:avLst/>
-          </a:prstGeom>
-          <a:solidFill>
-            <a:schemeClr val="bg2">
-              <a:lumMod val="90000"/>
-            </a:schemeClr>
-          </a:solidFill>
-          <a:ln w="28575"/>
-        </p:spPr>
-        <p:style>
-          <a:lnRef idx="2">
-            <a:schemeClr val="accent1"/>
-          </a:lnRef>
-          <a:fillRef idx="1">
-            <a:schemeClr val="lt1"/>
-          </a:fillRef>
-          <a:effectRef idx="0">
-            <a:schemeClr val="accent1"/>
-          </a:effectRef>
-          <a:fontRef idx="minor">
-            <a:schemeClr val="dk1"/>
-          </a:fontRef>
-        </p:style>
-        <p:txBody>
-          <a:bodyPr rtlCol="0" anchor="ctr"/>
-          <a:lstStyle/>
-          <a:p>
-            <a:pPr algn="ctr"/>
-            <a:endParaRPr lang="en-US" dirty="0">
-              <a:latin typeface="Candara" panose="020E0502030303020204" pitchFamily="34" charset="0"/>
-            </a:endParaRPr>
-          </a:p>
-        </p:txBody>
-      </p:sp>
-      <p:sp>
-        <p:nvSpPr>
-          <p:cNvPr id="46" name="Right Arrow 45"/>
-          <p:cNvSpPr/>
-          <p:nvPr/>
-        </p:nvSpPr>
-        <p:spPr>
-          <a:xfrm rot="5400000" flipH="1">
-            <a:off x="2330" y="4191893"/>
-            <a:ext cx="3919635" cy="325651"/>
-          </a:xfrm>
-          <a:prstGeom prst="rightArrow">
-            <a:avLst/>
-          </a:prstGeom>
-          <a:solidFill>
-            <a:schemeClr val="bg2">
-              <a:lumMod val="90000"/>
-            </a:schemeClr>
-          </a:solidFill>
-          <a:ln w="28575"/>
-        </p:spPr>
-        <p:style>
-          <a:lnRef idx="2">
-            <a:schemeClr val="accent1"/>
-          </a:lnRef>
-          <a:fillRef idx="1">
-            <a:schemeClr val="lt1"/>
-          </a:fillRef>
-          <a:effectRef idx="0">
-            <a:schemeClr val="accent1"/>
-          </a:effectRef>
-          <a:fontRef idx="minor">
-            <a:schemeClr val="dk1"/>
-          </a:fontRef>
-        </p:style>
-        <p:txBody>
-          <a:bodyPr rtlCol="0" anchor="ctr"/>
-          <a:lstStyle/>
-          <a:p>
-            <a:pPr algn="ctr"/>
-            <a:endParaRPr lang="en-US" dirty="0">
-              <a:latin typeface="Candara" panose="020E0502030303020204" pitchFamily="34" charset="0"/>
-            </a:endParaRPr>
-          </a:p>
-        </p:txBody>
-      </p:sp>
-      <p:sp>
-        <p:nvSpPr>
-          <p:cNvPr id="47" name="Right Arrow 46"/>
-          <p:cNvSpPr/>
-          <p:nvPr/>
-        </p:nvSpPr>
-        <p:spPr>
-          <a:xfrm flipH="1">
-            <a:off x="2018581" y="6056818"/>
-            <a:ext cx="7864416" cy="325651"/>
-          </a:xfrm>
-          <a:prstGeom prst="rightArrow">
-            <a:avLst/>
-          </a:prstGeom>
-          <a:solidFill>
-            <a:schemeClr val="bg2">
-              <a:lumMod val="90000"/>
-            </a:schemeClr>
-          </a:solidFill>
-          <a:ln w="28575"/>
-        </p:spPr>
-        <p:style>
-          <a:lnRef idx="2">
-            <a:schemeClr val="accent1"/>
-          </a:lnRef>
-          <a:fillRef idx="1">
-            <a:schemeClr val="lt1"/>
-          </a:fillRef>
-          <a:effectRef idx="0">
-            <a:schemeClr val="accent1"/>
-          </a:effectRef>
-          <a:fontRef idx="minor">
-            <a:schemeClr val="dk1"/>
-          </a:fontRef>
-        </p:style>
-        <p:txBody>
-          <a:bodyPr rtlCol="0" anchor="ctr"/>
-          <a:lstStyle/>
-          <a:p>
-            <a:pPr algn="ctr"/>
-            <a:endParaRPr lang="en-US" dirty="0">
-              <a:latin typeface="Candara" panose="020E0502030303020204" pitchFamily="34" charset="0"/>
-            </a:endParaRPr>
-          </a:p>
-        </p:txBody>
-      </p:sp>
-      <p:sp>
-        <p:nvSpPr>
-          <p:cNvPr id="48" name="Right Arrow 47"/>
-          <p:cNvSpPr/>
-          <p:nvPr/>
-        </p:nvSpPr>
-        <p:spPr>
-          <a:xfrm rot="16200000" flipH="1">
-            <a:off x="8667213" y="5262649"/>
-            <a:ext cx="1415812" cy="325651"/>
-          </a:xfrm>
-          <a:prstGeom prst="rightArrow">
-            <a:avLst/>
-          </a:prstGeom>
-          <a:solidFill>
-            <a:schemeClr val="bg2">
-              <a:lumMod val="90000"/>
-            </a:schemeClr>
-          </a:solidFill>
-          <a:ln w="28575"/>
-        </p:spPr>
-        <p:style>
-          <a:lnRef idx="2">
-            <a:schemeClr val="accent1"/>
-          </a:lnRef>
-          <a:fillRef idx="1">
-            <a:schemeClr val="lt1"/>
-          </a:fillRef>
-          <a:effectRef idx="0">
-            <a:schemeClr val="accent1"/>
-          </a:effectRef>
-          <a:fontRef idx="minor">
-            <a:schemeClr val="dk1"/>
-          </a:fontRef>
-        </p:style>
-        <p:txBody>
-          <a:bodyPr rtlCol="0" anchor="ctr"/>
-          <a:lstStyle/>
-          <a:p>
-            <a:pPr algn="ctr"/>
-            <a:endParaRPr lang="en-US" dirty="0">
-              <a:latin typeface="Candara" panose="020E0502030303020204" pitchFamily="34" charset="0"/>
-            </a:endParaRPr>
-          </a:p>
-        </p:txBody>
-      </p:sp>
-      <p:sp>
-        <p:nvSpPr>
-          <p:cNvPr id="49" name="Right Arrow 48"/>
-          <p:cNvSpPr/>
-          <p:nvPr/>
-        </p:nvSpPr>
-        <p:spPr>
-          <a:xfrm rot="16200000" flipH="1">
-            <a:off x="8405450" y="4655833"/>
-            <a:ext cx="2629446" cy="325651"/>
-          </a:xfrm>
-          <a:prstGeom prst="rightArrow">
-            <a:avLst/>
-          </a:prstGeom>
-          <a:solidFill>
-            <a:schemeClr val="bg2">
-              <a:lumMod val="90000"/>
-            </a:schemeClr>
-          </a:solidFill>
-          <a:ln w="28575"/>
-        </p:spPr>
-        <p:style>
-          <a:lnRef idx="2">
-            <a:schemeClr val="accent1"/>
-          </a:lnRef>
-          <a:fillRef idx="1">
-            <a:schemeClr val="lt1"/>
-          </a:fillRef>
-          <a:effectRef idx="0">
-            <a:schemeClr val="accent1"/>
-          </a:effectRef>
-          <a:fontRef idx="minor">
-            <a:schemeClr val="dk1"/>
-          </a:fontRef>
-        </p:style>
-        <p:txBody>
-          <a:bodyPr rtlCol="0" anchor="ctr"/>
-          <a:lstStyle/>
-          <a:p>
-            <a:pPr algn="ctr"/>
-            <a:endParaRPr lang="en-US" dirty="0">
-              <a:latin typeface="Candara" panose="020E0502030303020204" pitchFamily="34" charset="0"/>
-            </a:endParaRPr>
-          </a:p>
-        </p:txBody>
-      </p:sp>
-      <p:sp>
-        <p:nvSpPr>
-          <p:cNvPr id="50" name="Right Arrow 49"/>
-          <p:cNvSpPr/>
-          <p:nvPr/>
-        </p:nvSpPr>
-        <p:spPr>
-          <a:xfrm rot="10800000" flipH="1" flipV="1">
-            <a:off x="10274063" y="3709355"/>
-            <a:ext cx="1420485" cy="492784"/>
-          </a:xfrm>
-          <a:prstGeom prst="rightArrow">
-            <a:avLst/>
-          </a:prstGeom>
-          <a:solidFill>
-            <a:schemeClr val="bg2">
-              <a:lumMod val="90000"/>
-            </a:schemeClr>
-          </a:solidFill>
-          <a:ln w="28575"/>
-        </p:spPr>
-        <p:style>
-          <a:lnRef idx="2">
-            <a:schemeClr val="accent1"/>
-          </a:lnRef>
-          <a:fillRef idx="1">
-            <a:schemeClr val="lt1"/>
-          </a:fillRef>
-          <a:effectRef idx="0">
-            <a:schemeClr val="accent1"/>
-          </a:effectRef>
-          <a:fontRef idx="minor">
-            <a:schemeClr val="dk1"/>
-          </a:fontRef>
-        </p:style>
-        <p:txBody>
-          <a:bodyPr rtlCol="0" anchor="ctr"/>
-          <a:lstStyle/>
-          <a:p>
-            <a:pPr algn="ctr"/>
-            <a:r>
-              <a:rPr lang="en-US" dirty="0" smtClean="0">
-                <a:latin typeface="Candara" panose="020E0502030303020204" pitchFamily="34" charset="0"/>
-              </a:rPr>
-              <a:t>Validation</a:t>
-            </a:r>
-            <a:endParaRPr lang="en-US" dirty="0">
-              <a:latin typeface="Candara" panose="020E0502030303020204" pitchFamily="34" charset="0"/>
-            </a:endParaRPr>
-          </a:p>
-        </p:txBody>
-      </p:sp>
-      <p:sp>
-        <p:nvSpPr>
-          <p:cNvPr id="51" name="Right Arrow 50"/>
-          <p:cNvSpPr/>
-          <p:nvPr/>
-        </p:nvSpPr>
-        <p:spPr>
-          <a:xfrm rot="10800000" flipH="1" flipV="1">
-            <a:off x="10274063" y="4311041"/>
-            <a:ext cx="1420485" cy="492784"/>
-          </a:xfrm>
-          <a:prstGeom prst="rightArrow">
-            <a:avLst/>
-          </a:prstGeom>
-          <a:solidFill>
-            <a:schemeClr val="bg1"/>
-          </a:solidFill>
-          <a:ln w="28575"/>
-        </p:spPr>
-        <p:style>
-          <a:lnRef idx="2">
-            <a:schemeClr val="accent1"/>
-          </a:lnRef>
-          <a:fillRef idx="1">
-            <a:schemeClr val="lt1"/>
-          </a:fillRef>
-          <a:effectRef idx="0">
-            <a:schemeClr val="accent1"/>
-          </a:effectRef>
-          <a:fontRef idx="minor">
-            <a:schemeClr val="dk1"/>
-          </a:fontRef>
-        </p:style>
-        <p:txBody>
-          <a:bodyPr rtlCol="0" anchor="ctr"/>
-          <a:lstStyle/>
-          <a:p>
-            <a:pPr algn="ctr"/>
-            <a:r>
-              <a:rPr lang="en-US" dirty="0" smtClean="0">
-                <a:latin typeface="Candara" panose="020E0502030303020204" pitchFamily="34" charset="0"/>
-              </a:rPr>
-              <a:t>Verification</a:t>
-            </a:r>
-            <a:endParaRPr lang="en-US" dirty="0">
-              <a:latin typeface="Candara" panose="020E0502030303020204" pitchFamily="34" charset="0"/>
-            </a:endParaRPr>
-          </a:p>
-        </p:txBody>
-      </p:sp>
-      <p:sp>
-        <p:nvSpPr>
-          <p:cNvPr id="52" name="Right Arrow 51"/>
-          <p:cNvSpPr/>
-          <p:nvPr/>
-        </p:nvSpPr>
-        <p:spPr>
-          <a:xfrm rot="10800000" flipV="1">
-            <a:off x="5011950" y="2877985"/>
-            <a:ext cx="3272284" cy="492784"/>
-          </a:xfrm>
-          <a:prstGeom prst="rightArrow">
-            <a:avLst/>
-          </a:prstGeom>
-          <a:solidFill>
-            <a:schemeClr val="bg1"/>
-          </a:solidFill>
-          <a:ln w="28575"/>
-        </p:spPr>
-        <p:style>
-          <a:lnRef idx="2">
-            <a:schemeClr val="accent1"/>
-          </a:lnRef>
-          <a:fillRef idx="1">
-            <a:schemeClr val="lt1"/>
-          </a:fillRef>
-          <a:effectRef idx="0">
-            <a:schemeClr val="accent1"/>
-          </a:effectRef>
-          <a:fontRef idx="minor">
-            <a:schemeClr val="dk1"/>
-          </a:fontRef>
-        </p:style>
-        <p:txBody>
-          <a:bodyPr rtlCol="0" anchor="ctr"/>
-          <a:lstStyle/>
-          <a:p>
-            <a:pPr algn="ctr"/>
-            <a:r>
-              <a:rPr lang="en-US" dirty="0" smtClean="0">
-                <a:latin typeface="Candara" panose="020E0502030303020204" pitchFamily="34" charset="0"/>
-              </a:rPr>
-              <a:t>System Test</a:t>
-            </a:r>
-            <a:endParaRPr lang="en-US" dirty="0">
-              <a:latin typeface="Candara" panose="020E0502030303020204" pitchFamily="34" charset="0"/>
-            </a:endParaRPr>
-          </a:p>
-        </p:txBody>
-      </p:sp>
-      <p:sp>
-        <p:nvSpPr>
-          <p:cNvPr id="53" name="Right Arrow 52"/>
-          <p:cNvSpPr/>
-          <p:nvPr/>
-        </p:nvSpPr>
-        <p:spPr>
-          <a:xfrm rot="10800000" flipV="1">
-            <a:off x="5382159" y="4118573"/>
-            <a:ext cx="2263717" cy="492784"/>
-          </a:xfrm>
-          <a:prstGeom prst="rightArrow">
-            <a:avLst/>
-          </a:prstGeom>
-          <a:solidFill>
-            <a:schemeClr val="bg1"/>
-          </a:solidFill>
-          <a:ln w="28575"/>
-        </p:spPr>
-        <p:style>
-          <a:lnRef idx="2">
-            <a:schemeClr val="accent1"/>
-          </a:lnRef>
-          <a:fillRef idx="1">
-            <a:schemeClr val="lt1"/>
-          </a:fillRef>
-          <a:effectRef idx="0">
-            <a:schemeClr val="accent1"/>
-          </a:effectRef>
-          <a:fontRef idx="minor">
-            <a:schemeClr val="dk1"/>
-          </a:fontRef>
-        </p:style>
-        <p:txBody>
-          <a:bodyPr rtlCol="0" anchor="ctr"/>
-          <a:lstStyle/>
-          <a:p>
-            <a:pPr algn="ctr"/>
-            <a:r>
-              <a:rPr lang="en-US" dirty="0" smtClean="0">
-                <a:latin typeface="Candara" panose="020E0502030303020204" pitchFamily="34" charset="0"/>
-              </a:rPr>
-              <a:t>Integration Test</a:t>
-            </a:r>
-            <a:endParaRPr lang="en-US" dirty="0">
-              <a:latin typeface="Candara" panose="020E0502030303020204" pitchFamily="34" charset="0"/>
-            </a:endParaRPr>
-          </a:p>
-        </p:txBody>
-      </p:sp>
-      <p:sp>
-        <p:nvSpPr>
-          <p:cNvPr id="54" name="Right Arrow 53"/>
-          <p:cNvSpPr/>
-          <p:nvPr/>
-        </p:nvSpPr>
-        <p:spPr>
-          <a:xfrm rot="10800000" flipV="1">
-            <a:off x="5850861" y="5345138"/>
-            <a:ext cx="1309790" cy="492784"/>
-          </a:xfrm>
-          <a:prstGeom prst="rightArrow">
-            <a:avLst/>
-          </a:prstGeom>
-          <a:solidFill>
-            <a:schemeClr val="bg1"/>
-          </a:solidFill>
-          <a:ln w="28575"/>
-        </p:spPr>
-        <p:style>
-          <a:lnRef idx="2">
-            <a:schemeClr val="accent1"/>
-          </a:lnRef>
-          <a:fillRef idx="1">
-            <a:schemeClr val="lt1"/>
-          </a:fillRef>
-          <a:effectRef idx="0">
-            <a:schemeClr val="accent1"/>
-          </a:effectRef>
-          <a:fontRef idx="minor">
-            <a:schemeClr val="dk1"/>
-          </a:fontRef>
-        </p:style>
-        <p:txBody>
-          <a:bodyPr rtlCol="0" anchor="ctr"/>
-          <a:lstStyle/>
-          <a:p>
-            <a:pPr algn="ctr"/>
-            <a:r>
-              <a:rPr lang="en-US" dirty="0" smtClean="0">
-                <a:latin typeface="Candara" panose="020E0502030303020204" pitchFamily="34" charset="0"/>
-              </a:rPr>
-              <a:t>Unit Test</a:t>
-            </a:r>
-            <a:endParaRPr lang="en-US" dirty="0">
-              <a:latin typeface="Candara" panose="020E0502030303020204" pitchFamily="34" charset="0"/>
-            </a:endParaRPr>
-          </a:p>
-        </p:txBody>
-      </p:sp>
-      <p:sp>
-        <p:nvSpPr>
-          <p:cNvPr id="55" name="TextBox 54"/>
-          <p:cNvSpPr txBox="1"/>
-          <p:nvPr/>
-        </p:nvSpPr>
-        <p:spPr>
-          <a:xfrm>
-            <a:off x="4770408" y="6251451"/>
-            <a:ext cx="4157932" cy="338554"/>
-          </a:xfrm>
-          <a:prstGeom prst="rect">
-            <a:avLst/>
-          </a:prstGeom>
-          <a:noFill/>
-        </p:spPr>
-        <p:txBody>
-          <a:bodyPr wrap="square" rtlCol="0">
-            <a:spAutoFit/>
-          </a:bodyPr>
-          <a:lstStyle/>
-          <a:p>
-            <a:r>
-              <a:rPr lang="en-US" sz="1600" dirty="0" smtClean="0">
-                <a:latin typeface="Candara" panose="020E0502030303020204" pitchFamily="34" charset="0"/>
-              </a:rPr>
-              <a:t>User Review of External Behavior</a:t>
-            </a:r>
-            <a:endParaRPr lang="en-US" sz="1600" dirty="0">
-              <a:latin typeface="Candara" panose="020E0502030303020204" pitchFamily="34" charset="0"/>
-            </a:endParaRPr>
-          </a:p>
-        </p:txBody>
-      </p:sp>
-      <p:sp>
-        <p:nvSpPr>
-          <p:cNvPr id="56" name="Bent-Up Arrow 55"/>
-          <p:cNvSpPr/>
-          <p:nvPr/>
-        </p:nvSpPr>
-        <p:spPr>
-          <a:xfrm rot="16200000">
-            <a:off x="5314415" y="4693304"/>
-            <a:ext cx="463134" cy="363925"/>
-          </a:xfrm>
-          <a:prstGeom prst="bentUpArrow">
-            <a:avLst/>
-          </a:prstGeom>
-          <a:ln w="28575"/>
-        </p:spPr>
-        <p:style>
-          <a:lnRef idx="2">
-            <a:schemeClr val="accent1"/>
-          </a:lnRef>
-          <a:fillRef idx="1">
-            <a:schemeClr val="lt1"/>
-          </a:fillRef>
-          <a:effectRef idx="0">
-            <a:schemeClr val="accent1"/>
-          </a:effectRef>
-          <a:fontRef idx="minor">
-            <a:schemeClr val="dk1"/>
-          </a:fontRef>
-        </p:style>
-        <p:txBody>
-          <a:bodyPr rtlCol="0" anchor="ctr"/>
-          <a:lstStyle/>
-          <a:p>
-            <a:pPr algn="ctr"/>
-            <a:endParaRPr lang="en-US"/>
-          </a:p>
-        </p:txBody>
-      </p:sp>
-      <p:sp>
-        <p:nvSpPr>
-          <p:cNvPr id="57" name="TextBox 56"/>
-          <p:cNvSpPr txBox="1"/>
-          <p:nvPr/>
-        </p:nvSpPr>
-        <p:spPr>
-          <a:xfrm>
-            <a:off x="5656053" y="4735376"/>
-            <a:ext cx="4157932" cy="338554"/>
-          </a:xfrm>
-          <a:prstGeom prst="rect">
-            <a:avLst/>
-          </a:prstGeom>
-          <a:noFill/>
-        </p:spPr>
-        <p:txBody>
-          <a:bodyPr wrap="square" rtlCol="0">
-            <a:spAutoFit/>
-          </a:bodyPr>
-          <a:lstStyle/>
-          <a:p>
-            <a:r>
-              <a:rPr lang="en-US" sz="1600" dirty="0" smtClean="0">
-                <a:latin typeface="Candara" panose="020E0502030303020204" pitchFamily="34" charset="0"/>
-              </a:rPr>
-              <a:t>Review/Analysis</a:t>
-            </a:r>
-            <a:endParaRPr lang="en-US" sz="1600" dirty="0">
-              <a:latin typeface="Candara" panose="020E0502030303020204" pitchFamily="34" charset="0"/>
-            </a:endParaRPr>
-          </a:p>
-        </p:txBody>
-      </p:sp>
-      <p:sp>
-        <p:nvSpPr>
-          <p:cNvPr id="58" name="Bent-Up Arrow 57"/>
-          <p:cNvSpPr/>
-          <p:nvPr/>
-        </p:nvSpPr>
-        <p:spPr>
-          <a:xfrm rot="16200000">
-            <a:off x="4908219" y="3474499"/>
-            <a:ext cx="511101" cy="303639"/>
-          </a:xfrm>
-          <a:prstGeom prst="bentUpArrow">
-            <a:avLst/>
-          </a:prstGeom>
-          <a:ln w="28575"/>
-        </p:spPr>
-        <p:style>
-          <a:lnRef idx="2">
-            <a:schemeClr val="accent1"/>
-          </a:lnRef>
-          <a:fillRef idx="1">
-            <a:schemeClr val="lt1"/>
-          </a:fillRef>
-          <a:effectRef idx="0">
-            <a:schemeClr val="accent1"/>
-          </a:effectRef>
-          <a:fontRef idx="minor">
-            <a:schemeClr val="dk1"/>
-          </a:fontRef>
-        </p:style>
-        <p:txBody>
-          <a:bodyPr rtlCol="0" anchor="ctr"/>
-          <a:lstStyle/>
-          <a:p>
-            <a:pPr algn="ctr"/>
-            <a:endParaRPr lang="en-US"/>
-          </a:p>
-        </p:txBody>
-      </p:sp>
-      <p:sp>
-        <p:nvSpPr>
-          <p:cNvPr id="59" name="TextBox 58"/>
-          <p:cNvSpPr txBox="1"/>
-          <p:nvPr/>
-        </p:nvSpPr>
-        <p:spPr>
-          <a:xfrm>
-            <a:off x="5243697" y="3510412"/>
-            <a:ext cx="1778205" cy="338554"/>
-          </a:xfrm>
-          <a:prstGeom prst="rect">
-            <a:avLst/>
-          </a:prstGeom>
-          <a:noFill/>
-        </p:spPr>
-        <p:txBody>
-          <a:bodyPr wrap="square" rtlCol="0">
-            <a:spAutoFit/>
-          </a:bodyPr>
-          <a:lstStyle/>
-          <a:p>
-            <a:r>
-              <a:rPr lang="en-US" sz="1600" dirty="0" smtClean="0">
-                <a:latin typeface="Candara" panose="020E0502030303020204" pitchFamily="34" charset="0"/>
-              </a:rPr>
-              <a:t>Review/Analysis</a:t>
-            </a:r>
-            <a:endParaRPr lang="en-US" sz="1600" dirty="0">
-              <a:latin typeface="Candara" panose="020E0502030303020204" pitchFamily="34" charset="0"/>
-            </a:endParaRPr>
-          </a:p>
-        </p:txBody>
-      </p:sp>
-      <p:sp>
-        <p:nvSpPr>
-          <p:cNvPr id="60" name="TextBox 59"/>
-          <p:cNvSpPr txBox="1"/>
-          <p:nvPr/>
-        </p:nvSpPr>
-        <p:spPr>
-          <a:xfrm>
-            <a:off x="2235956" y="2634829"/>
-            <a:ext cx="1778205" cy="338554"/>
-          </a:xfrm>
-          <a:prstGeom prst="rect">
-            <a:avLst/>
-          </a:prstGeom>
-          <a:noFill/>
-        </p:spPr>
-        <p:txBody>
-          <a:bodyPr wrap="square" rtlCol="0">
-            <a:spAutoFit/>
-          </a:bodyPr>
-          <a:lstStyle/>
-          <a:p>
-            <a:r>
-              <a:rPr lang="en-US" sz="1600" dirty="0" smtClean="0">
-                <a:latin typeface="Candara" panose="020E0502030303020204" pitchFamily="34" charset="0"/>
-              </a:rPr>
-              <a:t>Review</a:t>
-            </a:r>
-            <a:endParaRPr lang="en-US" sz="1600" dirty="0">
-              <a:latin typeface="Candara" panose="020E0502030303020204" pitchFamily="34" charset="0"/>
-            </a:endParaRPr>
-          </a:p>
-        </p:txBody>
-      </p:sp>
     </p:spTree>
     <p:extLst>
       <p:ext uri="{BB962C8B-B14F-4D97-AF65-F5344CB8AC3E}">
-        <p14:creationId xmlns:p14="http://schemas.microsoft.com/office/powerpoint/2010/main" val="2186576442"/>
+        <p14:creationId xmlns:p14="http://schemas.microsoft.com/office/powerpoint/2010/main" val="3788897541"/>
       </p:ext>
     </p:extLst>
   </p:cSld>
   <p:clrMapOvr>
     <a:masterClrMapping/>
   </p:clrMapOvr>
-  <mc:AlternateContent xmlns:mc="http://schemas.openxmlformats.org/markup-compatibility/2006" xmlns:p14="http://schemas.microsoft.com/office/powerpoint/2010/main">
-    <mc:Choice Requires="p14">
-      <p:transition spd="slow" p14:dur="2000"/>
-    </mc:Choice>
-    <mc:Fallback xmlns="">
-      <p:transition spd="slow"/>
-    </mc:Fallback>
-  </mc:AlternateContent>
   <p:timing>
     <p:tnLst>
       <p:par>
@@ -32480,103 +32498,76 @@
           <a:lstStyle/>
           <a:p>
             <a:r>
+              <a:rPr lang="en-US" dirty="0" smtClean="0"/>
+              <a:t>Regression Testing</a:t>
+            </a:r>
+            <a:endParaRPr lang="en-US" dirty="0"/>
+          </a:p>
+        </p:txBody>
+      </p:sp>
+      <p:sp>
+        <p:nvSpPr>
+          <p:cNvPr id="3" name="Content Placeholder 2"/>
+          <p:cNvSpPr>
+            <a:spLocks noGrp="1"/>
+          </p:cNvSpPr>
+          <p:nvPr>
+            <p:ph idx="1"/>
+          </p:nvPr>
+        </p:nvSpPr>
+        <p:spPr/>
+        <p:txBody>
+          <a:bodyPr/>
+          <a:lstStyle/>
+          <a:p>
+            <a:r>
+              <a:rPr lang="en-US" dirty="0" smtClean="0"/>
+              <a:t>Used when a large amount of testing is needed and the changes, while small, can affect many parts of the system.</a:t>
+            </a:r>
+          </a:p>
+          <a:p>
+            <a:r>
+              <a:rPr lang="en-US" dirty="0" smtClean="0"/>
+              <a:t>Best example is in compiler development:</a:t>
+            </a:r>
+          </a:p>
+          <a:p>
+            <a:pPr lvl="1"/>
+            <a:r>
               <a:rPr lang="en-US" dirty="0"/>
-              <a:t>Unit Testing </a:t>
-            </a:r>
-          </a:p>
-        </p:txBody>
-      </p:sp>
-      <p:sp>
-        <p:nvSpPr>
-          <p:cNvPr id="3" name="Content Placeholder 2"/>
-          <p:cNvSpPr>
-            <a:spLocks noGrp="1"/>
-          </p:cNvSpPr>
-          <p:nvPr>
-            <p:ph idx="1"/>
-          </p:nvPr>
-        </p:nvSpPr>
-        <p:spPr/>
-        <p:txBody>
-          <a:bodyPr/>
-          <a:lstStyle/>
-          <a:p>
+              <a:t>Collect selected examples of code that exercise each part of the compiler</a:t>
+            </a:r>
+          </a:p>
+          <a:p>
+            <a:pPr lvl="1"/>
             <a:r>
               <a:rPr lang="en-US" dirty="0"/>
-              <a:t>Testing of individual software unit/module/components </a:t>
+              <a:t>Add new examples when a bug is detected</a:t>
             </a:r>
           </a:p>
           <a:p>
             <a:pPr lvl="1"/>
             <a:r>
               <a:rPr lang="en-US" dirty="0"/>
-              <a:t>Synonymous to </a:t>
-            </a:r>
-            <a:r>
-              <a:rPr lang="en-US" i="1" dirty="0"/>
-              <a:t>module testing</a:t>
-            </a:r>
+              <a:t>Run the compiler over the entire collection and capture the output</a:t>
+            </a:r>
+          </a:p>
+          <a:p>
+            <a:pPr lvl="1"/>
             <a:r>
               <a:rPr lang="en-US" dirty="0"/>
-              <a:t>, </a:t>
-            </a:r>
-            <a:r>
-              <a:rPr lang="en-US" i="1" dirty="0"/>
-              <a:t>component testing </a:t>
-            </a:r>
-            <a:endParaRPr lang="en-US" i="1" dirty="0" smtClean="0"/>
-          </a:p>
-          <a:p>
+              <a:t>After any change of the code within the compiler, repeat the run</a:t>
+            </a:r>
+          </a:p>
+          <a:p>
+            <a:pPr lvl="1"/>
             <a:r>
               <a:rPr lang="en-US" dirty="0"/>
-              <a:t>Focus on the functions of the unit </a:t>
+              <a:t>Compare with the baseline results</a:t>
             </a:r>
           </a:p>
           <a:p>
             <a:pPr lvl="1"/>
-            <a:r>
-              <a:rPr lang="en-US" dirty="0"/>
-              <a:t>functionality, correctness, </a:t>
-            </a:r>
-            <a:r>
-              <a:rPr lang="en-US" dirty="0" smtClean="0"/>
-              <a:t>accuracy</a:t>
-            </a:r>
-            <a:endParaRPr lang="en-US" dirty="0"/>
-          </a:p>
-          <a:p>
-            <a:r>
-              <a:rPr lang="en-US" dirty="0"/>
-              <a:t>Usually carried out by the developers of the unit</a:t>
-            </a:r>
-          </a:p>
-          <a:p>
-            <a:r>
-              <a:rPr lang="en-US" dirty="0"/>
-              <a:t>Basis for unit testing   </a:t>
-            </a:r>
-          </a:p>
-          <a:p>
-            <a:pPr lvl="1"/>
-            <a:r>
-              <a:rPr lang="en-US" dirty="0"/>
-              <a:t>component specifications </a:t>
-            </a:r>
-          </a:p>
-          <a:p>
-            <a:pPr lvl="1"/>
-            <a:r>
-              <a:rPr lang="en-US" dirty="0"/>
-              <a:t>detailed design and code </a:t>
-            </a:r>
-          </a:p>
-          <a:p>
-            <a:endParaRPr lang="en-US" dirty="0"/>
-          </a:p>
-          <a:p>
-            <a:endParaRPr lang="en-US" dirty="0"/>
-          </a:p>
-          <a:p>
             <a:endParaRPr lang="en-US" dirty="0"/>
           </a:p>
         </p:txBody>
@@ -32607,7 +32598,7 @@
     </p:spTree>
     <p:extLst>
       <p:ext uri="{BB962C8B-B14F-4D97-AF65-F5344CB8AC3E}">
-        <p14:creationId xmlns:p14="http://schemas.microsoft.com/office/powerpoint/2010/main" val="402578197"/>
+        <p14:creationId xmlns:p14="http://schemas.microsoft.com/office/powerpoint/2010/main" val="1903190444"/>
       </p:ext>
     </p:extLst>
   </p:cSld>
@@ -32658,7 +32649,7 @@
           <a:p>
             <a:r>
               <a:rPr lang="en-US" dirty="0"/>
-              <a:t>Integration Testing </a:t>
+              <a:t>System Testing </a:t>
             </a:r>
           </a:p>
         </p:txBody>
@@ -32678,73 +32669,76 @@
           <a:bodyPr/>
           <a:lstStyle/>
           <a:p>
-            <a:pPr marL="342900" lvl="1" indent="-342900">
-              <a:buClr>
-                <a:schemeClr val="tx2"/>
-              </a:buClr>
-            </a:pPr>
             <a:r>
               <a:rPr lang="en-US" sz="3200" dirty="0"/>
-              <a:t>Testing performed to expose defects in the </a:t>
+              <a:t>Testing of an integrated system to verify that it meets the specification. </a:t>
+            </a:r>
+          </a:p>
+          <a:p>
+            <a:pPr lvl="1"/>
+            <a:r>
+              <a:rPr lang="en-US" sz="2800" dirty="0"/>
+              <a:t>A.k.a. the </a:t>
+            </a:r>
+            <a:r>
+              <a:rPr lang="en-US" sz="2800" i="1" dirty="0"/>
+              <a:t>end-to-end test</a:t>
+            </a:r>
+          </a:p>
+          <a:p>
+            <a:r>
+              <a:rPr lang="en-US" sz="3200" dirty="0"/>
+              <a:t>Verify functional and </a:t>
             </a:r>
             <a:r>
               <a:rPr lang="en-US" sz="3200" i="1" dirty="0"/>
-              <a:t>interfaces</a:t>
+              <a:t>non-functional </a:t>
             </a:r>
             <a:r>
               <a:rPr lang="en-US" sz="3200" dirty="0"/>
-              <a:t> and in the </a:t>
+              <a:t>requirements  </a:t>
+            </a:r>
+          </a:p>
+          <a:p>
+            <a:r>
+              <a:rPr lang="en-US" sz="3200" dirty="0"/>
+              <a:t>Carried out by the developers and </a:t>
             </a:r>
             <a:r>
               <a:rPr lang="en-US" sz="3200" i="1" dirty="0"/>
-              <a:t>interactions between </a:t>
-            </a:r>
+              <a:t>independent testers</a:t>
+            </a:r>
+          </a:p>
+          <a:p>
             <a:r>
               <a:rPr lang="en-US" sz="3200" dirty="0"/>
-              <a:t>integrated components or sub-systems. </a:t>
-            </a:r>
-          </a:p>
-          <a:p>
-            <a:pPr marL="342900" lvl="1" indent="-342900">
-              <a:buClr>
-                <a:schemeClr val="tx2"/>
-              </a:buClr>
-            </a:pPr>
-            <a:r>
-              <a:rPr lang="en-US" sz="3200" dirty="0"/>
-              <a:t>Focus on the interactions between modules </a:t>
-            </a:r>
-            <a:endParaRPr lang="en-US" dirty="0" smtClean="0"/>
-          </a:p>
-          <a:p>
-            <a:pPr marL="342900" lvl="1" indent="-342900">
-              <a:buClr>
-                <a:schemeClr val="tx2"/>
-              </a:buClr>
-            </a:pPr>
-            <a:r>
-              <a:rPr lang="en-US" sz="3200" dirty="0"/>
-              <a:t>Usually carried out by the developers of the sub-systems involved</a:t>
-            </a:r>
-          </a:p>
-          <a:p>
-            <a:r>
-              <a:rPr lang="en-US" sz="3200" dirty="0"/>
-              <a:t>Basis for integration testing  </a:t>
+              <a:t>Basis for system testing </a:t>
             </a:r>
           </a:p>
           <a:p>
             <a:pPr lvl="1"/>
             <a:r>
               <a:rPr lang="en-US" sz="2800" dirty="0"/>
-              <a:t>system design and architecture</a:t>
+              <a:t>software requirement </a:t>
+            </a:r>
+            <a:r>
+              <a:rPr lang="en-US" sz="2800" i="1" dirty="0"/>
+              <a:t>specification</a:t>
+            </a:r>
+            <a:r>
+              <a:rPr lang="en-US" sz="2800" dirty="0"/>
+              <a:t> </a:t>
             </a:r>
           </a:p>
           <a:p>
             <a:pPr lvl="1"/>
             <a:r>
               <a:rPr lang="en-US" sz="2800" dirty="0"/>
-              <a:t>subsystem and interface specification</a:t>
+              <a:t>functional </a:t>
+            </a:r>
+            <a:r>
+              <a:rPr lang="en-US" sz="2800" i="1" dirty="0"/>
+              <a:t>specification</a:t>
             </a:r>
           </a:p>
         </p:txBody>
@@ -32775,7 +32769,7 @@
     </p:spTree>
     <p:extLst>
       <p:ext uri="{BB962C8B-B14F-4D97-AF65-F5344CB8AC3E}">
-        <p14:creationId xmlns:p14="http://schemas.microsoft.com/office/powerpoint/2010/main" val="3788897541"/>
+        <p14:creationId xmlns:p14="http://schemas.microsoft.com/office/powerpoint/2010/main" val="2284833235"/>
       </p:ext>
     </p:extLst>
   </p:cSld>
@@ -32825,8 +32819,12 @@
           <a:lstStyle/>
           <a:p>
             <a:r>
+              <a:rPr lang="en-US" dirty="0"/>
+              <a:t>Acceptance </a:t>
+            </a:r>
+            <a:r>
               <a:rPr lang="en-US" dirty="0" smtClean="0"/>
-              <a:t>Regression Testing</a:t>
+              <a:t>Testing </a:t>
             </a:r>
             <a:endParaRPr lang="en-US" dirty="0"/>
           </a:p>
@@ -32839,7 +32837,7 @@
             <a:spLocks noGrp="1"/>
           </p:cNvSpPr>
           <p:nvPr>
-            <p:ph idx="1"/>
+            <p:ph sz="quarter" idx="1"/>
           </p:nvPr>
         </p:nvSpPr>
         <p:spPr/>
@@ -32848,54 +32846,57 @@
           <a:lstStyle/>
           <a:p>
             <a:r>
-              <a:rPr lang="en-US" dirty="0" smtClean="0"/>
-              <a:t>Used when a large amount of testing is needed and the changes, while small, can affect many parts of the system.</a:t>
-            </a:r>
-          </a:p>
-          <a:p>
-            <a:r>
-              <a:rPr lang="en-US" dirty="0" smtClean="0"/>
-              <a:t>Best example is in compiler development:</a:t>
+              <a:rPr lang="en-US" sz="3200" dirty="0"/>
+              <a:t>Test the whole system to ensure that it meets the </a:t>
+            </a:r>
+            <a:r>
+              <a:rPr lang="en-US" sz="3200" i="1" u="sng" dirty="0"/>
+              <a:t>requirements</a:t>
+            </a:r>
+          </a:p>
+          <a:p>
+            <a:r>
+              <a:rPr lang="en-US" sz="3200" dirty="0"/>
+              <a:t>Focus on customer acceptance </a:t>
+            </a:r>
+          </a:p>
+          <a:p>
+            <a:r>
+              <a:rPr lang="en-US" sz="3200" dirty="0"/>
+              <a:t>Carried out by </a:t>
+            </a:r>
+            <a:r>
+              <a:rPr lang="en-US" sz="3200" i="1" u="sng" dirty="0"/>
+              <a:t>independent testers </a:t>
+            </a:r>
+            <a:r>
+              <a:rPr lang="en-US" sz="3200" dirty="0"/>
+              <a:t>and the </a:t>
+            </a:r>
+            <a:r>
+              <a:rPr lang="en-US" sz="3200" i="1" u="sng" dirty="0"/>
+              <a:t>customers</a:t>
+            </a:r>
+          </a:p>
+          <a:p>
+            <a:r>
+              <a:rPr lang="en-US" sz="3200" dirty="0"/>
+              <a:t>Basis for acceptance testing </a:t>
             </a:r>
           </a:p>
           <a:p>
             <a:pPr lvl="1"/>
             <a:r>
-              <a:rPr lang="en-US" dirty="0"/>
-              <a:t>Collect selected examples of code that exercise each part of the compiler</a:t>
+              <a:rPr lang="en-US" sz="2800" dirty="0"/>
+              <a:t>system and user requirements</a:t>
             </a:r>
           </a:p>
           <a:p>
             <a:pPr lvl="1"/>
             <a:r>
-              <a:rPr lang="en-US" dirty="0"/>
-              <a:t>Add new examples when a bug is detected</a:t>
-            </a:r>
-          </a:p>
-          <a:p>
-            <a:pPr lvl="1"/>
-            <a:r>
-              <a:rPr lang="en-US" dirty="0"/>
-              <a:t>Run the compiler over the entire collection and capture the output</a:t>
-            </a:r>
-          </a:p>
-          <a:p>
-            <a:pPr lvl="1"/>
-            <a:r>
-              <a:rPr lang="en-US" dirty="0"/>
-              <a:t>After any change of the code within the compiler, repeat the run</a:t>
-            </a:r>
-          </a:p>
-          <a:p>
-            <a:pPr lvl="1"/>
-            <a:r>
-              <a:rPr lang="en-US" dirty="0"/>
-              <a:t>Compare with the baseline results</a:t>
-            </a:r>
-          </a:p>
-          <a:p>
-            <a:pPr lvl="1"/>
-            <a:endParaRPr lang="en-US" dirty="0"/>
+              <a:rPr lang="en-US" sz="2800" dirty="0"/>
+              <a:t>use cases, business processes, risk analysis </a:t>
+            </a:r>
           </a:p>
         </p:txBody>
       </p:sp>
@@ -32925,7 +32926,7 @@
     </p:spTree>
     <p:extLst>
       <p:ext uri="{BB962C8B-B14F-4D97-AF65-F5344CB8AC3E}">
-        <p14:creationId xmlns:p14="http://schemas.microsoft.com/office/powerpoint/2010/main" val="1903190444"/>
+        <p14:creationId xmlns:p14="http://schemas.microsoft.com/office/powerpoint/2010/main" val="2848872523"/>
       </p:ext>
     </p:extLst>
   </p:cSld>
@@ -32976,8 +32977,13 @@
           <a:p>
             <a:r>
               <a:rPr lang="en-US" dirty="0"/>
-              <a:t>System Testing </a:t>
-            </a:r>
+              <a:t>Acceptance </a:t>
+            </a:r>
+            <a:r>
+              <a:rPr lang="en-US" dirty="0" smtClean="0"/>
+              <a:t>Testing &amp; Criteria  </a:t>
+            </a:r>
+            <a:endParaRPr lang="en-US" dirty="0"/>
           </a:p>
         </p:txBody>
       </p:sp>
@@ -32998,75 +33004,49 @@
           <a:p>
             <a:r>
               <a:rPr lang="en-US" sz="3200" dirty="0"/>
-              <a:t>Testing of an integrated system to verify that it meets the specification. </a:t>
-            </a:r>
-          </a:p>
-          <a:p>
-            <a:pPr lvl="1"/>
+              <a:t>Acceptance testing </a:t>
+            </a:r>
+          </a:p>
+          <a:p>
+            <a:pPr marL="344487" lvl="1" indent="0">
+              <a:buNone/>
+            </a:pPr>
             <a:r>
               <a:rPr lang="en-US" sz="2800" dirty="0"/>
-              <a:t>A.k.a. the </a:t>
-            </a:r>
-            <a:r>
-              <a:rPr lang="en-US" sz="2800" i="1" dirty="0"/>
-              <a:t>end-to-end test</a:t>
+              <a:t>Formal testing with respect to user needs, requirements, and business processes conducted to determine whether or not a system satisfies the </a:t>
+            </a:r>
+            <a:r>
+              <a:rPr lang="en-US" sz="2800" i="1" u="sng" dirty="0"/>
+              <a:t>acceptance criteria </a:t>
+            </a:r>
+            <a:r>
+              <a:rPr lang="en-US" sz="2800" dirty="0"/>
+              <a:t>and to enable the user, customers or other authorized entity to determine whether or not to accept the system. </a:t>
             </a:r>
           </a:p>
           <a:p>
             <a:r>
               <a:rPr lang="en-US" sz="3200" dirty="0"/>
-              <a:t>Verify functional and </a:t>
-            </a:r>
-            <a:r>
-              <a:rPr lang="en-US" sz="3200" i="1" dirty="0"/>
-              <a:t>non-functional </a:t>
-            </a:r>
-            <a:r>
-              <a:rPr lang="en-US" sz="3200" dirty="0"/>
-              <a:t>requirements  </a:t>
-            </a:r>
-          </a:p>
-          <a:p>
-            <a:r>
-              <a:rPr lang="en-US" sz="3200" dirty="0"/>
-              <a:t>Carried out by the developers and </a:t>
-            </a:r>
-            <a:r>
-              <a:rPr lang="en-US" sz="3200" i="1" dirty="0"/>
-              <a:t>independent testers</a:t>
-            </a:r>
-          </a:p>
-          <a:p>
-            <a:r>
-              <a:rPr lang="en-US" sz="3200" dirty="0"/>
-              <a:t>Basis for system testing </a:t>
-            </a:r>
-          </a:p>
-          <a:p>
-            <a:pPr lvl="1"/>
+              <a:t>Acceptance criteria</a:t>
+            </a:r>
+          </a:p>
+          <a:p>
+            <a:pPr marL="344487" lvl="1" indent="0">
+              <a:buNone/>
+            </a:pPr>
             <a:r>
               <a:rPr lang="en-US" sz="2800" dirty="0"/>
-              <a:t>software requirement </a:t>
-            </a:r>
-            <a:r>
-              <a:rPr lang="en-US" sz="2800" i="1" dirty="0"/>
-              <a:t>specification</a:t>
+              <a:t>The </a:t>
+            </a:r>
+            <a:r>
+              <a:rPr lang="en-US" sz="2800" i="1" u="sng" dirty="0"/>
+              <a:t>exit criteria </a:t>
             </a:r>
             <a:r>
               <a:rPr lang="en-US" sz="2800" dirty="0"/>
-              <a:t> </a:t>
-            </a:r>
-          </a:p>
-          <a:p>
-            <a:pPr lvl="1"/>
-            <a:r>
-              <a:rPr lang="en-US" sz="2800" dirty="0"/>
-              <a:t>functional </a:t>
-            </a:r>
-            <a:r>
-              <a:rPr lang="en-US" sz="2800" i="1" dirty="0"/>
-              <a:t>specification</a:t>
-            </a:r>
+              <a:t>that a component or system must satisfy in order to be accepted by a user, customer, or other authorized entity.</a:t>
+            </a:r>
+            <a:endParaRPr lang="en-US" sz="2000" dirty="0"/>
           </a:p>
         </p:txBody>
       </p:sp>
@@ -33096,7 +33076,7 @@
     </p:spTree>
     <p:extLst>
       <p:ext uri="{BB962C8B-B14F-4D97-AF65-F5344CB8AC3E}">
-        <p14:creationId xmlns:p14="http://schemas.microsoft.com/office/powerpoint/2010/main" val="2284833235"/>
+        <p14:creationId xmlns:p14="http://schemas.microsoft.com/office/powerpoint/2010/main" val="676004350"/>
       </p:ext>
     </p:extLst>
   </p:cSld>
@@ -33151,7 +33131,7 @@
             </a:r>
             <a:r>
               <a:rPr lang="en-US" dirty="0" smtClean="0"/>
-              <a:t>Testing </a:t>
+              <a:t>Testing Techniques  </a:t>
             </a:r>
             <a:endParaRPr lang="en-US" dirty="0"/>
           </a:p>
@@ -33164,7 +33144,7 @@
             <a:spLocks noGrp="1"/>
           </p:cNvSpPr>
           <p:nvPr>
-            <p:ph sz="quarter" idx="1"/>
+            <p:ph idx="1"/>
           </p:nvPr>
         </p:nvSpPr>
         <p:spPr/>
@@ -33174,55 +33154,19 @@
           <a:p>
             <a:r>
               <a:rPr lang="en-US" sz="3200" dirty="0"/>
-              <a:t>Test the whole system to ensure that it meets the </a:t>
-            </a:r>
-            <a:r>
-              <a:rPr lang="en-US" sz="3200" i="1" u="sng" dirty="0"/>
-              <a:t>requirements</a:t>
+              <a:t>Random (statistical) testing</a:t>
             </a:r>
           </a:p>
           <a:p>
             <a:r>
               <a:rPr lang="en-US" sz="3200" dirty="0"/>
-              <a:t>Focus on customer acceptance </a:t>
+              <a:t>Alpha testing </a:t>
             </a:r>
           </a:p>
           <a:p>
             <a:r>
               <a:rPr lang="en-US" sz="3200" dirty="0"/>
-              <a:t>Carried out by </a:t>
-            </a:r>
-            <a:r>
-              <a:rPr lang="en-US" sz="3200" i="1" u="sng" dirty="0"/>
-              <a:t>independent testers </a:t>
-            </a:r>
-            <a:r>
-              <a:rPr lang="en-US" sz="3200" dirty="0"/>
-              <a:t>and the </a:t>
-            </a:r>
-            <a:r>
-              <a:rPr lang="en-US" sz="3200" i="1" u="sng" dirty="0"/>
-              <a:t>customers</a:t>
-            </a:r>
-          </a:p>
-          <a:p>
-            <a:r>
-              <a:rPr lang="en-US" sz="3200" dirty="0"/>
-              <a:t>Basis for acceptance testing </a:t>
-            </a:r>
-          </a:p>
-          <a:p>
-            <a:pPr lvl="1"/>
-            <a:r>
-              <a:rPr lang="en-US" sz="2800" dirty="0"/>
-              <a:t>system and user requirements</a:t>
-            </a:r>
-          </a:p>
-          <a:p>
-            <a:pPr lvl="1"/>
-            <a:r>
-              <a:rPr lang="en-US" sz="2800" dirty="0"/>
-              <a:t>use cases, business processes, risk analysis </a:t>
+              <a:t>Beta testing </a:t>
             </a:r>
           </a:p>
         </p:txBody>
@@ -33253,7 +33197,7 @@
     </p:spTree>
     <p:extLst>
       <p:ext uri="{BB962C8B-B14F-4D97-AF65-F5344CB8AC3E}">
-        <p14:creationId xmlns:p14="http://schemas.microsoft.com/office/powerpoint/2010/main" val="2848872523"/>
+        <p14:creationId xmlns:p14="http://schemas.microsoft.com/office/powerpoint/2010/main" val="1494194601"/>
       </p:ext>
     </p:extLst>
   </p:cSld>
@@ -33299,81 +33243,71 @@
         </p:nvSpPr>
         <p:spPr/>
         <p:txBody>
+          <a:bodyPr>
+            <a:normAutofit/>
+          </a:bodyPr>
+          <a:lstStyle/>
+          <a:p>
+            <a:r>
+              <a:rPr lang="en-US" dirty="0"/>
+              <a:t>Acceptance Testing – Random  Test</a:t>
+            </a:r>
+          </a:p>
+        </p:txBody>
+      </p:sp>
+      <p:sp>
+        <p:nvSpPr>
+          <p:cNvPr id="3" name="Content Placeholder 2"/>
+          <p:cNvSpPr>
+            <a:spLocks noGrp="1"/>
+          </p:cNvSpPr>
+          <p:nvPr>
+            <p:ph idx="1"/>
+          </p:nvPr>
+        </p:nvSpPr>
+        <p:spPr/>
+        <p:txBody>
           <a:bodyPr/>
           <a:lstStyle/>
           <a:p>
             <a:r>
-              <a:rPr lang="en-US" dirty="0"/>
-              <a:t>Acceptance </a:t>
-            </a:r>
-            <a:r>
-              <a:rPr lang="en-US" dirty="0" smtClean="0"/>
-              <a:t>Testing &amp; Criteria  </a:t>
-            </a:r>
-            <a:endParaRPr lang="en-US" dirty="0"/>
-          </a:p>
-        </p:txBody>
-      </p:sp>
-      <p:sp>
-        <p:nvSpPr>
-          <p:cNvPr id="3" name="Content Placeholder 2"/>
-          <p:cNvSpPr>
-            <a:spLocks noGrp="1"/>
-          </p:cNvSpPr>
-          <p:nvPr>
-            <p:ph idx="1"/>
-          </p:nvPr>
-        </p:nvSpPr>
-        <p:spPr/>
-        <p:txBody>
-          <a:bodyPr/>
-          <a:lstStyle/>
-          <a:p>
-            <a:r>
               <a:rPr lang="en-US" sz="3200" dirty="0"/>
-              <a:t>Acceptance testing </a:t>
-            </a:r>
-          </a:p>
-          <a:p>
-            <a:pPr marL="344487" lvl="1" indent="0">
-              <a:buNone/>
-            </a:pPr>
+              <a:t>Random test (statistical test)</a:t>
+            </a:r>
+          </a:p>
+          <a:p>
+            <a:pPr lvl="1"/>
             <a:r>
               <a:rPr lang="en-US" sz="2800" dirty="0"/>
-              <a:t>Formal testing with respect to user needs, requirements, and business processes conducted to determine whether or not a system satisfies the </a:t>
-            </a:r>
-            <a:r>
-              <a:rPr lang="en-US" sz="2800" i="1" u="sng" dirty="0"/>
-              <a:t>acceptance criteria </a:t>
+              <a:t>Test cases are selected randomly, possibly using a pseudo-random number generation algorithm, to match an </a:t>
+            </a:r>
+            <a:r>
+              <a:rPr lang="en-US" sz="2800" i="1" dirty="0"/>
+              <a:t>operation profile, </a:t>
             </a:r>
             <a:r>
               <a:rPr lang="en-US" sz="2800" dirty="0"/>
-              <a:t>and to enable the user, customers or other authorized entity to determine whether or not to accept the system. </a:t>
-            </a:r>
+              <a:t>or</a:t>
+            </a:r>
+            <a:r>
+              <a:rPr lang="en-US" sz="2800" i="1" dirty="0"/>
+              <a:t> usage profile.</a:t>
+            </a:r>
+            <a:endParaRPr lang="en-US" sz="3200" i="1" dirty="0"/>
           </a:p>
           <a:p>
             <a:r>
               <a:rPr lang="en-US" sz="3200" dirty="0"/>
-              <a:t>Acceptance criteria</a:t>
-            </a:r>
-          </a:p>
-          <a:p>
-            <a:pPr marL="344487" lvl="1" indent="0">
-              <a:buNone/>
-            </a:pPr>
-            <a:r>
-              <a:rPr lang="en-US" sz="2800" dirty="0"/>
-              <a:t>The </a:t>
-            </a:r>
-            <a:r>
-              <a:rPr lang="en-US" sz="2800" i="1" u="sng" dirty="0"/>
-              <a:t>exit criteria </a:t>
-            </a:r>
-            <a:r>
-              <a:rPr lang="en-US" sz="2800" dirty="0"/>
-              <a:t>that a component or system must satisfy in order to be accepted by a user, customer, or other authorized entity.</a:t>
-            </a:r>
-            <a:endParaRPr lang="en-US" sz="2000" dirty="0"/>
+              <a:t>Not the same as </a:t>
+            </a:r>
+            <a:r>
+              <a:rPr lang="en-US" sz="3200" i="1" dirty="0"/>
+              <a:t>ad hoc </a:t>
+            </a:r>
+            <a:r>
+              <a:rPr lang="en-US" sz="3200" dirty="0"/>
+              <a:t>testing </a:t>
+            </a:r>
           </a:p>
         </p:txBody>
       </p:sp>
@@ -33403,7 +33337,7 @@
     </p:spTree>
     <p:extLst>
       <p:ext uri="{BB962C8B-B14F-4D97-AF65-F5344CB8AC3E}">
-        <p14:creationId xmlns:p14="http://schemas.microsoft.com/office/powerpoint/2010/main" val="676004350"/>
+        <p14:creationId xmlns:p14="http://schemas.microsoft.com/office/powerpoint/2010/main" val="883363072"/>
       </p:ext>
     </p:extLst>
   </p:cSld>
@@ -33439,7 +33373,7 @@
       </p:grpSpPr>
       <p:sp>
         <p:nvSpPr>
-          <p:cNvPr id="2" name="Title 1"/>
+          <p:cNvPr id="7" name="Title 6"/>
           <p:cNvSpPr>
             <a:spLocks noGrp="1"/>
           </p:cNvSpPr>
@@ -33453,12 +33387,8 @@
           <a:lstStyle/>
           <a:p>
             <a:r>
-              <a:rPr lang="en-US" dirty="0"/>
-              <a:t>Acceptance </a:t>
-            </a:r>
-            <a:r>
               <a:rPr lang="en-US" dirty="0" smtClean="0"/>
-              <a:t>Testing Techniques  </a:t>
+              <a:t>Acceptance Testing – Alpha Test</a:t>
             </a:r>
             <a:endParaRPr lang="en-US" dirty="0"/>
           </a:p>
@@ -33471,7 +33401,7 @@
             <a:spLocks noGrp="1"/>
           </p:cNvSpPr>
           <p:nvPr>
-            <p:ph idx="1"/>
+            <p:ph sz="quarter" idx="1"/>
           </p:nvPr>
         </p:nvSpPr>
         <p:spPr/>
@@ -33479,28 +33409,54 @@
           <a:bodyPr/>
           <a:lstStyle/>
           <a:p>
+            <a:pPr marL="525462" indent="-342900"/>
             <a:r>
               <a:rPr lang="en-US" sz="3200" dirty="0"/>
-              <a:t>Random (statistical) testing</a:t>
-            </a:r>
-          </a:p>
-          <a:p>
+              <a:t>Simulated operational testing. </a:t>
+            </a:r>
+          </a:p>
+          <a:p>
+            <a:pPr marL="525462" indent="-342900"/>
             <a:r>
               <a:rPr lang="en-US" sz="3200" dirty="0"/>
-              <a:t>Alpha testing </a:t>
-            </a:r>
-          </a:p>
-          <a:p>
+              <a:t>Performed by personnel </a:t>
+            </a:r>
+            <a:r>
+              <a:rPr lang="en-US" sz="3200" i="1" dirty="0"/>
+              <a:t>acting as </a:t>
+            </a:r>
             <a:r>
               <a:rPr lang="en-US" sz="3200" dirty="0"/>
-              <a:t>Beta testing </a:t>
-            </a:r>
-          </a:p>
-        </p:txBody>
-      </p:sp>
-      <p:sp>
-        <p:nvSpPr>
-          <p:cNvPr id="4" name="Slide Number Placeholder 3"/>
+              <a:t>potential users/customers.</a:t>
+            </a:r>
+          </a:p>
+          <a:p>
+            <a:pPr marL="468312" indent="-285750"/>
+            <a:r>
+              <a:rPr lang="en-US" sz="3200" dirty="0"/>
+              <a:t>Carried out in a </a:t>
+            </a:r>
+            <a:r>
+              <a:rPr lang="en-US" sz="3200" i="1" dirty="0"/>
+              <a:t>controlled</a:t>
+            </a:r>
+            <a:r>
+              <a:rPr lang="en-US" sz="3200" dirty="0"/>
+              <a:t> environment.</a:t>
+            </a:r>
+          </a:p>
+          <a:p>
+            <a:pPr marL="468312" indent="-285750"/>
+            <a:r>
+              <a:rPr lang="en-US" sz="3200" dirty="0"/>
+              <a:t>Observed by the development organization.</a:t>
+            </a:r>
+          </a:p>
+        </p:txBody>
+      </p:sp>
+      <p:sp>
+        <p:nvSpPr>
+          <p:cNvPr id="2" name="Slide Number Placeholder 1"/>
           <p:cNvSpPr>
             <a:spLocks noGrp="1"/>
           </p:cNvSpPr>
@@ -33524,7 +33480,7 @@
     </p:spTree>
     <p:extLst>
       <p:ext uri="{BB962C8B-B14F-4D97-AF65-F5344CB8AC3E}">
-        <p14:creationId xmlns:p14="http://schemas.microsoft.com/office/powerpoint/2010/main" val="1494194601"/>
+        <p14:creationId xmlns:p14="http://schemas.microsoft.com/office/powerpoint/2010/main" val="2697117921"/>
       </p:ext>
     </p:extLst>
   </p:cSld>
@@ -33560,7 +33516,7 @@
       </p:grpSpPr>
       <p:sp>
         <p:nvSpPr>
-          <p:cNvPr id="2" name="Title 1"/>
+          <p:cNvPr id="7" name="Title 6"/>
           <p:cNvSpPr>
             <a:spLocks noGrp="1"/>
           </p:cNvSpPr>
@@ -33570,15 +33526,18 @@
         </p:nvSpPr>
         <p:spPr/>
         <p:txBody>
-          <a:bodyPr>
-            <a:normAutofit/>
-          </a:bodyPr>
+          <a:bodyPr/>
           <a:lstStyle/>
           <a:p>
             <a:r>
               <a:rPr lang="en-US" dirty="0"/>
-              <a:t>Acceptance Testing – Random  Test</a:t>
-            </a:r>
+              <a:t>Acceptance </a:t>
+            </a:r>
+            <a:r>
+              <a:rPr lang="en-US" dirty="0" smtClean="0"/>
+              <a:t>Testing – Beta Test</a:t>
+            </a:r>
+            <a:endParaRPr lang="en-US" dirty="0"/>
           </a:p>
         </p:txBody>
       </p:sp>
@@ -33589,7 +33548,7 @@
             <a:spLocks noGrp="1"/>
           </p:cNvSpPr>
           <p:nvPr>
-            <p:ph idx="1"/>
+            <p:ph sz="quarter" idx="1"/>
           </p:nvPr>
         </p:nvSpPr>
         <p:spPr/>
@@ -33597,50 +33556,43 @@
           <a:bodyPr/>
           <a:lstStyle/>
           <a:p>
+            <a:pPr marL="468312" indent="-285750"/>
             <a:r>
               <a:rPr lang="en-US" sz="3200" dirty="0"/>
-              <a:t>Random test (statistical test)</a:t>
-            </a:r>
-          </a:p>
-          <a:p>
-            <a:pPr lvl="1"/>
-            <a:r>
-              <a:rPr lang="en-US" sz="2800" dirty="0"/>
-              <a:t>Test cases are selected randomly, possibly using a pseudo-random number generation algorithm, to match an </a:t>
-            </a:r>
-            <a:r>
-              <a:rPr lang="en-US" sz="2800" i="1" dirty="0"/>
-              <a:t>operation profile, </a:t>
-            </a:r>
-            <a:r>
-              <a:rPr lang="en-US" sz="2800" dirty="0"/>
-              <a:t>or</a:t>
-            </a:r>
-            <a:r>
-              <a:rPr lang="en-US" sz="2800" i="1" dirty="0"/>
-              <a:t> usage profile.</a:t>
-            </a:r>
-            <a:endParaRPr lang="en-US" sz="3200" i="1" dirty="0"/>
-          </a:p>
-          <a:p>
+              <a:t>Operational testing to determine whether or not a component or system satisfies the user/customer needs and fits within the business processes. </a:t>
+            </a:r>
+          </a:p>
+          <a:p>
+            <a:pPr marL="468312" indent="-285750"/>
             <a:r>
               <a:rPr lang="en-US" sz="3200" dirty="0"/>
-              <a:t>Not the same as </a:t>
+              <a:t>Performed by </a:t>
+            </a:r>
+            <a:r>
+              <a:rPr lang="en-US" sz="3200" i="1" u="sng" dirty="0"/>
+              <a:t>rea</a:t>
             </a:r>
             <a:r>
               <a:rPr lang="en-US" sz="3200" i="1" dirty="0"/>
-              <a:t>ad hoc </a:t>
+              <a:t>l</a:t>
             </a:r>
             <a:r>
               <a:rPr lang="en-US" sz="3200" dirty="0"/>
-              <a:t>testing </a:t>
-            </a:r>
-          </a:p>
-        </p:txBody>
-      </p:sp>
-      <p:sp>
-        <p:nvSpPr>
-          <p:cNvPr id="4" name="Slide Number Placeholder 3"/>
+              <a:t> users in their own environment.</a:t>
+            </a:r>
+          </a:p>
+          <a:p>
+            <a:pPr marL="468312" indent="-285750"/>
+            <a:r>
+              <a:rPr lang="en-US" sz="3200" dirty="0"/>
+              <a:t>Perform actual tasks without interference or close monitoring</a:t>
+            </a:r>
+          </a:p>
+        </p:txBody>
+      </p:sp>
+      <p:sp>
+        <p:nvSpPr>
+          <p:cNvPr id="2" name="Slide Number Placeholder 1"/>
           <p:cNvSpPr>
             <a:spLocks noGrp="1"/>
           </p:cNvSpPr>
@@ -33664,7 +33616,7 @@
     </p:spTree>
     <p:extLst>
       <p:ext uri="{BB962C8B-B14F-4D97-AF65-F5344CB8AC3E}">
-        <p14:creationId xmlns:p14="http://schemas.microsoft.com/office/powerpoint/2010/main" val="883363072"/>
+        <p14:creationId xmlns:p14="http://schemas.microsoft.com/office/powerpoint/2010/main" val="3641304363"/>
       </p:ext>
     </p:extLst>
   </p:cSld>
@@ -33700,7 +33652,7 @@
       </p:grpSpPr>
       <p:sp>
         <p:nvSpPr>
-          <p:cNvPr id="7" name="Title 6"/>
+          <p:cNvPr id="2" name="Title 1"/>
           <p:cNvSpPr>
             <a:spLocks noGrp="1"/>
           </p:cNvSpPr>
@@ -33715,9 +33667,12 @@
           <a:p>
             <a:r>
               <a:rPr lang="en-US" dirty="0" smtClean="0"/>
-              <a:t>Acceptance Testing – Alpha Test</a:t>
-            </a:r>
-            <a:endParaRPr lang="en-US" dirty="0"/>
+              <a:t>Summary: Key </a:t>
+            </a:r>
+            <a:r>
+              <a:rPr lang="en-US" dirty="0"/>
+              <a:t>Concepts </a:t>
+            </a:r>
           </a:p>
         </p:txBody>
       </p:sp>
@@ -33736,54 +33691,92 @@
           <a:bodyPr/>
           <a:lstStyle/>
           <a:p>
-            <a:pPr marL="525462" indent="-342900"/>
+            <a:pPr>
+              <a:lnSpc>
+                <a:spcPct val="90000"/>
+              </a:lnSpc>
+            </a:pPr>
             <a:r>
               <a:rPr lang="en-US" sz="3200" dirty="0"/>
-              <a:t>Simulated operational testing. </a:t>
-            </a:r>
-          </a:p>
-          <a:p>
-            <a:pPr marL="525462" indent="-342900"/>
+              <a:t>Spectrum of software qualities </a:t>
+            </a:r>
+          </a:p>
+          <a:p>
+            <a:pPr eaLnBrk="1" hangingPunct="1">
+              <a:lnSpc>
+                <a:spcPct val="90000"/>
+              </a:lnSpc>
+            </a:pPr>
             <a:r>
               <a:rPr lang="en-US" sz="3200" dirty="0"/>
-              <a:t>Performed by personnel </a:t>
-            </a:r>
-            <a:r>
-              <a:rPr lang="en-US" sz="3200" i="1" dirty="0"/>
-              <a:t>acting as </a:t>
-            </a:r>
+              <a:t>Metrics of quality attributes </a:t>
+            </a:r>
+          </a:p>
+          <a:p>
+            <a:pPr eaLnBrk="1" hangingPunct="1">
+              <a:lnSpc>
+                <a:spcPct val="90000"/>
+              </a:lnSpc>
+            </a:pPr>
             <a:r>
               <a:rPr lang="en-US" sz="3200" dirty="0"/>
-              <a:t>potential users/customers.</a:t>
-            </a:r>
-          </a:p>
-          <a:p>
-            <a:pPr marL="468312" indent="-285750"/>
+              <a:t>Cost of software defects </a:t>
+            </a:r>
+          </a:p>
+          <a:p>
+            <a:pPr eaLnBrk="1" hangingPunct="1">
+              <a:lnSpc>
+                <a:spcPct val="90000"/>
+              </a:lnSpc>
+            </a:pPr>
             <a:r>
               <a:rPr lang="en-US" sz="3200" dirty="0"/>
-              <a:t>Carried out in a </a:t>
-            </a:r>
-            <a:r>
-              <a:rPr lang="en-US" sz="3200" i="1" dirty="0"/>
-              <a:t>controlled</a:t>
-            </a:r>
+              <a:t>V-model of validation and verification </a:t>
+            </a:r>
+          </a:p>
+          <a:p>
+            <a:pPr eaLnBrk="1" hangingPunct="1">
+              <a:lnSpc>
+                <a:spcPct val="90000"/>
+              </a:lnSpc>
+            </a:pPr>
             <a:r>
               <a:rPr lang="en-US" sz="3200" dirty="0"/>
-              <a:t> environment.</a:t>
-            </a:r>
-          </a:p>
-          <a:p>
-            <a:pPr marL="468312" indent="-285750"/>
-            <a:r>
-              <a:rPr lang="en-US" sz="3200" dirty="0"/>
-              <a:t>Observed by the development organization.</a:t>
-            </a:r>
-          </a:p>
-        </p:txBody>
-      </p:sp>
-      <p:sp>
-        <p:nvSpPr>
-          <p:cNvPr id="2" name="Slide Number Placeholder 1"/>
+              <a:t>Levels of granularity of testing </a:t>
+            </a:r>
+          </a:p>
+          <a:p>
+            <a:pPr lvl="1" eaLnBrk="1" hangingPunct="1">
+              <a:lnSpc>
+                <a:spcPct val="90000"/>
+              </a:lnSpc>
+            </a:pPr>
+            <a:r>
+              <a:rPr lang="en-US" sz="2800" dirty="0"/>
+              <a:t>Unit, integration, system, acceptance test</a:t>
+            </a:r>
+          </a:p>
+          <a:p>
+            <a:pPr lvl="1">
+              <a:lnSpc>
+                <a:spcPct val="90000"/>
+              </a:lnSpc>
+            </a:pPr>
+            <a:r>
+              <a:rPr lang="en-US" sz="2800" dirty="0"/>
+              <a:t>Regression </a:t>
+            </a:r>
+            <a:r>
+              <a:rPr lang="en-US" sz="2800" dirty="0" smtClean="0"/>
+              <a:t>test</a:t>
+            </a:r>
+            <a:endParaRPr lang="en-US" sz="2800" dirty="0"/>
+          </a:p>
+        </p:txBody>
+      </p:sp>
+      <p:sp>
+        <p:nvSpPr>
+          <p:cNvPr id="4" name="Slide Number Placeholder 3"/>
           <p:cNvSpPr>
             <a:spLocks noGrp="1"/>
           </p:cNvSpPr>
@@ -33807,7 +33800,7 @@
     </p:spTree>
     <p:extLst>
       <p:ext uri="{BB962C8B-B14F-4D97-AF65-F5344CB8AC3E}">
-        <p14:creationId xmlns:p14="http://schemas.microsoft.com/office/powerpoint/2010/main" val="2697117921"/>
+        <p14:creationId xmlns:p14="http://schemas.microsoft.com/office/powerpoint/2010/main" val="3449005315"/>
       </p:ext>
     </p:extLst>
   </p:cSld>
@@ -33927,428 +33920,6 @@
     <p:extLst>
       <p:ext uri="{BB962C8B-B14F-4D97-AF65-F5344CB8AC3E}">
         <p14:creationId xmlns:p14="http://schemas.microsoft.com/office/powerpoint/2010/main" val="2829980477"/>
-      </p:ext>
-    </p:extLst>
-  </p:cSld>
-  <p:clrMapOvr>
-    <a:masterClrMapping/>
-  </p:clrMapOvr>
-  <p:timing>
-    <p:tnLst>
-      <p:par>
-        <p:cTn id="1" dur="indefinite" restart="never" nodeType="tmRoot"/>
-      </p:par>
-    </p:tnLst>
-  </p:timing>
-</p:sld>
-</file>
-
-<file path=ppt/slides/slide80.xml><?xml version="1.0" encoding="utf-8"?>
-<p:sld xmlns:a="http://schemas.openxmlformats.org/drawingml/2006/main" xmlns:r="http://schemas.openxmlformats.org/officeDocument/2006/relationships" xmlns:p="http://schemas.openxmlformats.org/presentationml/2006/main">
-  <p:cSld>
-    <p:spTree>
-      <p:nvGrpSpPr>
-        <p:cNvPr id="1" name=""/>
-        <p:cNvGrpSpPr/>
-        <p:nvPr/>
-      </p:nvGrpSpPr>
-      <p:grpSpPr>
-        <a:xfrm>
-          <a:off x="0" y="0"/>
-          <a:ext cx="0" cy="0"/>
-          <a:chOff x="0" y="0"/>
-          <a:chExt cx="0" cy="0"/>
-        </a:xfrm>
-      </p:grpSpPr>
-      <p:sp>
-        <p:nvSpPr>
-          <p:cNvPr id="7" name="Title 6"/>
-          <p:cNvSpPr>
-            <a:spLocks noGrp="1"/>
-          </p:cNvSpPr>
-          <p:nvPr>
-            <p:ph type="title"/>
-          </p:nvPr>
-        </p:nvSpPr>
-        <p:spPr/>
-        <p:txBody>
-          <a:bodyPr/>
-          <a:lstStyle/>
-          <a:p>
-            <a:r>
-              <a:rPr lang="en-US" dirty="0"/>
-              <a:t>Acceptance </a:t>
-            </a:r>
-            <a:r>
-              <a:rPr lang="en-US" dirty="0" smtClean="0"/>
-              <a:t>Testing – Beta Test</a:t>
-            </a:r>
-            <a:endParaRPr lang="en-US" dirty="0"/>
-          </a:p>
-        </p:txBody>
-      </p:sp>
-      <p:sp>
-        <p:nvSpPr>
-          <p:cNvPr id="3" name="Content Placeholder 2"/>
-          <p:cNvSpPr>
-            <a:spLocks noGrp="1"/>
-          </p:cNvSpPr>
-          <p:nvPr>
-            <p:ph sz="quarter" idx="1"/>
-          </p:nvPr>
-        </p:nvSpPr>
-        <p:spPr/>
-        <p:txBody>
-          <a:bodyPr/>
-          <a:lstStyle/>
-          <a:p>
-            <a:pPr marL="468312" indent="-285750"/>
-            <a:r>
-              <a:rPr lang="en-US" sz="3200" dirty="0"/>
-              <a:t>Operational testing to determine whether or not a component or system satisfies the user/customer needs and fits within the business processes. </a:t>
-            </a:r>
-          </a:p>
-          <a:p>
-            <a:pPr marL="468312" indent="-285750"/>
-            <a:r>
-              <a:rPr lang="en-US" sz="3200" dirty="0"/>
-              <a:t>Performed by </a:t>
-            </a:r>
-            <a:r>
-              <a:rPr lang="en-US" sz="3200" i="1" u="sng" dirty="0"/>
-              <a:t>rea</a:t>
-            </a:r>
-            <a:r>
-              <a:rPr lang="en-US" sz="3200" i="1" dirty="0"/>
-              <a:t>l</a:t>
-            </a:r>
-            <a:r>
-              <a:rPr lang="en-US" sz="3200" dirty="0"/>
-              <a:t> users in their own environment.</a:t>
-            </a:r>
-          </a:p>
-          <a:p>
-            <a:pPr marL="468312" indent="-285750"/>
-            <a:r>
-              <a:rPr lang="en-US" sz="3200" dirty="0"/>
-              <a:t>Perform actual tasks without interference or close monitoring</a:t>
-            </a:r>
-          </a:p>
-        </p:txBody>
-      </p:sp>
-      <p:sp>
-        <p:nvSpPr>
-          <p:cNvPr id="2" name="Slide Number Placeholder 1"/>
-          <p:cNvSpPr>
-            <a:spLocks noGrp="1"/>
-          </p:cNvSpPr>
-          <p:nvPr>
-            <p:ph type="sldNum" sz="quarter" idx="12"/>
-          </p:nvPr>
-        </p:nvSpPr>
-        <p:spPr/>
-        <p:txBody>
-          <a:bodyPr/>
-          <a:lstStyle/>
-          <a:p>
-            <a:fld id="{B543A0FD-1CA6-4228-86A2-78061B4844C8}" type="slidenum">
-              <a:rPr lang="en-US" smtClean="0"/>
-              <a:t>80</a:t>
-            </a:fld>
-            <a:endParaRPr lang="en-US"/>
-          </a:p>
-        </p:txBody>
-      </p:sp>
-    </p:spTree>
-    <p:extLst>
-      <p:ext uri="{BB962C8B-B14F-4D97-AF65-F5344CB8AC3E}">
-        <p14:creationId xmlns:p14="http://schemas.microsoft.com/office/powerpoint/2010/main" val="3641304363"/>
-      </p:ext>
-    </p:extLst>
-  </p:cSld>
-  <p:clrMapOvr>
-    <a:masterClrMapping/>
-  </p:clrMapOvr>
-  <p:timing>
-    <p:tnLst>
-      <p:par>
-        <p:cTn id="1" dur="indefinite" restart="never" nodeType="tmRoot"/>
-      </p:par>
-    </p:tnLst>
-  </p:timing>
-</p:sld>
-</file>
-
-<file path=ppt/slides/slide81.xml><?xml version="1.0" encoding="utf-8"?>
-<p:sld xmlns:a="http://schemas.openxmlformats.org/drawingml/2006/main" xmlns:r="http://schemas.openxmlformats.org/officeDocument/2006/relationships" xmlns:p="http://schemas.openxmlformats.org/presentationml/2006/main">
-  <p:cSld>
-    <p:spTree>
-      <p:nvGrpSpPr>
-        <p:cNvPr id="1" name=""/>
-        <p:cNvGrpSpPr/>
-        <p:nvPr/>
-      </p:nvGrpSpPr>
-      <p:grpSpPr>
-        <a:xfrm>
-          <a:off x="0" y="0"/>
-          <a:ext cx="0" cy="0"/>
-          <a:chOff x="0" y="0"/>
-          <a:chExt cx="0" cy="0"/>
-        </a:xfrm>
-      </p:grpSpPr>
-      <p:sp>
-        <p:nvSpPr>
-          <p:cNvPr id="6" name="Title 5"/>
-          <p:cNvSpPr>
-            <a:spLocks noGrp="1"/>
-          </p:cNvSpPr>
-          <p:nvPr>
-            <p:ph type="title"/>
-          </p:nvPr>
-        </p:nvSpPr>
-        <p:spPr/>
-        <p:txBody>
-          <a:bodyPr/>
-          <a:lstStyle/>
-          <a:p>
-            <a:pPr algn="ctr"/>
-            <a:r>
-              <a:rPr lang="en-US" sz="4400" dirty="0"/>
-              <a:t>Artifacts to Facilitate Software Testing</a:t>
-            </a:r>
-          </a:p>
-        </p:txBody>
-      </p:sp>
-      <p:sp>
-        <p:nvSpPr>
-          <p:cNvPr id="3" name="Text Placeholder 2"/>
-          <p:cNvSpPr>
-            <a:spLocks noGrp="1"/>
-          </p:cNvSpPr>
-          <p:nvPr>
-            <p:ph type="body" idx="1"/>
-          </p:nvPr>
-        </p:nvSpPr>
-        <p:spPr/>
-        <p:txBody>
-          <a:bodyPr/>
-          <a:lstStyle/>
-          <a:p>
-            <a:endParaRPr lang="en-US"/>
-          </a:p>
-        </p:txBody>
-      </p:sp>
-      <p:sp>
-        <p:nvSpPr>
-          <p:cNvPr id="2" name="Slide Number Placeholder 1"/>
-          <p:cNvSpPr>
-            <a:spLocks noGrp="1"/>
-          </p:cNvSpPr>
-          <p:nvPr>
-            <p:ph type="sldNum" sz="quarter" idx="12"/>
-          </p:nvPr>
-        </p:nvSpPr>
-        <p:spPr/>
-        <p:txBody>
-          <a:bodyPr/>
-          <a:lstStyle/>
-          <a:p>
-            <a:fld id="{B543A0FD-1CA6-4228-86A2-78061B4844C8}" type="slidenum">
-              <a:rPr lang="en-US" smtClean="0"/>
-              <a:t>81</a:t>
-            </a:fld>
-            <a:endParaRPr lang="en-US"/>
-          </a:p>
-        </p:txBody>
-      </p:sp>
-    </p:spTree>
-    <p:extLst>
-      <p:ext uri="{BB962C8B-B14F-4D97-AF65-F5344CB8AC3E}">
-        <p14:creationId xmlns:p14="http://schemas.microsoft.com/office/powerpoint/2010/main" val="3704215261"/>
-      </p:ext>
-    </p:extLst>
-  </p:cSld>
-  <p:clrMapOvr>
-    <a:masterClrMapping/>
-  </p:clrMapOvr>
-  <p:timing>
-    <p:tnLst>
-      <p:par>
-        <p:cTn id="1" dur="indefinite" restart="never" nodeType="tmRoot"/>
-      </p:par>
-    </p:tnLst>
-  </p:timing>
-</p:sld>
-</file>
-
-<file path=ppt/slides/slide82.xml><?xml version="1.0" encoding="utf-8"?>
-<p:sld xmlns:a="http://schemas.openxmlformats.org/drawingml/2006/main" xmlns:r="http://schemas.openxmlformats.org/officeDocument/2006/relationships" xmlns:p="http://schemas.openxmlformats.org/presentationml/2006/main">
-  <p:cSld>
-    <p:spTree>
-      <p:nvGrpSpPr>
-        <p:cNvPr id="1" name=""/>
-        <p:cNvGrpSpPr/>
-        <p:nvPr/>
-      </p:nvGrpSpPr>
-      <p:grpSpPr>
-        <a:xfrm>
-          <a:off x="0" y="0"/>
-          <a:ext cx="0" cy="0"/>
-          <a:chOff x="0" y="0"/>
-          <a:chExt cx="0" cy="0"/>
-        </a:xfrm>
-      </p:grpSpPr>
-      <p:sp>
-        <p:nvSpPr>
-          <p:cNvPr id="2" name="Title 1"/>
-          <p:cNvSpPr>
-            <a:spLocks noGrp="1"/>
-          </p:cNvSpPr>
-          <p:nvPr>
-            <p:ph type="title"/>
-          </p:nvPr>
-        </p:nvSpPr>
-        <p:spPr/>
-        <p:txBody>
-          <a:bodyPr/>
-          <a:lstStyle/>
-          <a:p>
-            <a:r>
-              <a:rPr lang="en-US" dirty="0" smtClean="0"/>
-              <a:t>Summary: Key </a:t>
-            </a:r>
-            <a:r>
-              <a:rPr lang="en-US" dirty="0"/>
-              <a:t>Concepts </a:t>
-            </a:r>
-          </a:p>
-        </p:txBody>
-      </p:sp>
-      <p:sp>
-        <p:nvSpPr>
-          <p:cNvPr id="3" name="Content Placeholder 2"/>
-          <p:cNvSpPr>
-            <a:spLocks noGrp="1"/>
-          </p:cNvSpPr>
-          <p:nvPr>
-            <p:ph sz="quarter" idx="1"/>
-          </p:nvPr>
-        </p:nvSpPr>
-        <p:spPr/>
-        <p:txBody>
-          <a:bodyPr/>
-          <a:lstStyle/>
-          <a:p>
-            <a:pPr>
-              <a:lnSpc>
-                <a:spcPct val="90000"/>
-              </a:lnSpc>
-            </a:pPr>
-            <a:r>
-              <a:rPr lang="en-US" sz="3200" dirty="0"/>
-              <a:t>Spectrum of software qualities </a:t>
-            </a:r>
-          </a:p>
-          <a:p>
-            <a:pPr eaLnBrk="1" hangingPunct="1">
-              <a:lnSpc>
-                <a:spcPct val="90000"/>
-              </a:lnSpc>
-            </a:pPr>
-            <a:r>
-              <a:rPr lang="en-US" sz="3200" dirty="0"/>
-              <a:t>Metrics of quality attributes </a:t>
-            </a:r>
-          </a:p>
-          <a:p>
-            <a:pPr eaLnBrk="1" hangingPunct="1">
-              <a:lnSpc>
-                <a:spcPct val="90000"/>
-              </a:lnSpc>
-            </a:pPr>
-            <a:r>
-              <a:rPr lang="en-US" sz="3200" dirty="0"/>
-              <a:t>Cost of software defects </a:t>
-            </a:r>
-          </a:p>
-          <a:p>
-            <a:pPr eaLnBrk="1" hangingPunct="1">
-              <a:lnSpc>
-                <a:spcPct val="90000"/>
-              </a:lnSpc>
-            </a:pPr>
-            <a:r>
-              <a:rPr lang="en-US" sz="3200" dirty="0"/>
-              <a:t>V-model of validation and verification </a:t>
-            </a:r>
-          </a:p>
-          <a:p>
-            <a:pPr eaLnBrk="1" hangingPunct="1">
-              <a:lnSpc>
-                <a:spcPct val="90000"/>
-              </a:lnSpc>
-            </a:pPr>
-            <a:r>
-              <a:rPr lang="en-US" sz="3200" dirty="0"/>
-              <a:t>Levels of granularity of testing </a:t>
-            </a:r>
-          </a:p>
-          <a:p>
-            <a:pPr lvl="1" eaLnBrk="1" hangingPunct="1">
-              <a:lnSpc>
-                <a:spcPct val="90000"/>
-              </a:lnSpc>
-            </a:pPr>
-            <a:r>
-              <a:rPr lang="en-US" sz="2800" dirty="0"/>
-              <a:t>Unit, integration, system, acceptance test</a:t>
-            </a:r>
-          </a:p>
-          <a:p>
-            <a:pPr lvl="1">
-              <a:lnSpc>
-                <a:spcPct val="90000"/>
-              </a:lnSpc>
-            </a:pPr>
-            <a:r>
-              <a:rPr lang="en-US" sz="2800" dirty="0"/>
-              <a:t>Regression </a:t>
-            </a:r>
-            <a:r>
-              <a:rPr lang="en-US" sz="2800" dirty="0" smtClean="0"/>
-              <a:t>test</a:t>
-            </a:r>
-            <a:endParaRPr lang="en-US" sz="2800" dirty="0"/>
-          </a:p>
-        </p:txBody>
-      </p:sp>
-      <p:sp>
-        <p:nvSpPr>
-          <p:cNvPr id="4" name="Slide Number Placeholder 3"/>
-          <p:cNvSpPr>
-            <a:spLocks noGrp="1"/>
-          </p:cNvSpPr>
-          <p:nvPr>
-            <p:ph type="sldNum" sz="quarter" idx="12"/>
-          </p:nvPr>
-        </p:nvSpPr>
-        <p:spPr/>
-        <p:txBody>
-          <a:bodyPr/>
-          <a:lstStyle/>
-          <a:p>
-            <a:fld id="{B543A0FD-1CA6-4228-86A2-78061B4844C8}" type="slidenum">
-              <a:rPr lang="en-US" smtClean="0"/>
-              <a:t>82</a:t>
-            </a:fld>
-            <a:endParaRPr lang="en-US"/>
-          </a:p>
-        </p:txBody>
-      </p:sp>
-    </p:spTree>
-    <p:extLst>
-      <p:ext uri="{BB962C8B-B14F-4D97-AF65-F5344CB8AC3E}">
-        <p14:creationId xmlns:p14="http://schemas.microsoft.com/office/powerpoint/2010/main" val="3449005315"/>
       </p:ext>
     </p:extLst>
   </p:cSld>
